--- a/GPP_Defense.pptx
+++ b/GPP_Defense.pptx
@@ -5,24 +5,26 @@
     <p:sldMasterId id="2147483648" r:id="rId2"/>
   </p:sldMasterIdLst>
   <p:notesMasterIdLst>
-    <p:notesMasterId r:id="rId15"/>
+    <p:notesMasterId r:id="rId17"/>
   </p:notesMasterIdLst>
   <p:handoutMasterIdLst>
-    <p:handoutMasterId r:id="rId16"/>
+    <p:handoutMasterId r:id="rId18"/>
   </p:handoutMasterIdLst>
   <p:sldIdLst>
     <p:sldId id="256" r:id="rId3"/>
     <p:sldId id="257" r:id="rId4"/>
     <p:sldId id="258" r:id="rId5"/>
     <p:sldId id="259" r:id="rId6"/>
-    <p:sldId id="260" r:id="rId7"/>
-    <p:sldId id="266" r:id="rId8"/>
-    <p:sldId id="268" r:id="rId9"/>
-    <p:sldId id="261" r:id="rId10"/>
-    <p:sldId id="262" r:id="rId11"/>
-    <p:sldId id="263" r:id="rId12"/>
-    <p:sldId id="264" r:id="rId13"/>
-    <p:sldId id="265" r:id="rId14"/>
+    <p:sldId id="269" r:id="rId7"/>
+    <p:sldId id="270" r:id="rId8"/>
+    <p:sldId id="260" r:id="rId9"/>
+    <p:sldId id="266" r:id="rId10"/>
+    <p:sldId id="268" r:id="rId11"/>
+    <p:sldId id="261" r:id="rId12"/>
+    <p:sldId id="262" r:id="rId13"/>
+    <p:sldId id="263" r:id="rId14"/>
+    <p:sldId id="264" r:id="rId15"/>
+    <p:sldId id="265" r:id="rId16"/>
   </p:sldIdLst>
   <p:sldSz cx="12192000" cy="6858000"/>
   <p:notesSz cx="6858000" cy="9144000"/>
@@ -143,5461 +145,6 @@
 </p:presentation>
 </file>
 
-<file path=ppt/charts/chart1.xml><?xml version="1.0" encoding="utf-8"?>
-<c:chartSpace xmlns:c="http://schemas.openxmlformats.org/drawingml/2006/chart" xmlns:a="http://schemas.openxmlformats.org/drawingml/2006/main" xmlns:r="http://schemas.openxmlformats.org/officeDocument/2006/relationships" xmlns:c16r2="http://schemas.microsoft.com/office/drawing/2015/06/chart">
-  <c:date1904 val="0"/>
-  <c:lang val="en-US"/>
-  <c:roundedCorners val="0"/>
-  <mc:AlternateContent xmlns:mc="http://schemas.openxmlformats.org/markup-compatibility/2006">
-    <mc:Choice xmlns:c14="http://schemas.microsoft.com/office/drawing/2007/8/2/chart" Requires="c14">
-      <c14:style val="102"/>
-    </mc:Choice>
-    <mc:Fallback>
-      <c:style val="2"/>
-    </mc:Fallback>
-  </mc:AlternateContent>
-  <c:chart>
-    <c:autoTitleDeleted val="1"/>
-    <c:plotArea>
-      <c:layout/>
-      <c:barChart>
-        <c:barDir val="col"/>
-        <c:grouping val="clustered"/>
-        <c:varyColors val="0"/>
-        <c:ser>
-          <c:idx val="0"/>
-          <c:order val="0"/>
-          <c:tx>
-            <c:strRef>
-              <c:f>Sheet1!$B$1</c:f>
-              <c:strCache>
-                <c:ptCount val="1"/>
-                <c:pt idx="0">
-                  <c:v>Series 1</c:v>
-                </c:pt>
-              </c:strCache>
-            </c:strRef>
-          </c:tx>
-          <c:spPr>
-            <a:gradFill rotWithShape="1">
-              <a:gsLst>
-                <a:gs pos="0">
-                  <a:schemeClr val="accent1">
-                    <a:shade val="100000"/>
-                    <a:satMod val="137000"/>
-                  </a:schemeClr>
-                </a:gs>
-                <a:gs pos="71000">
-                  <a:schemeClr val="accent1">
-                    <a:shade val="98000"/>
-                    <a:satMod val="137000"/>
-                  </a:schemeClr>
-                </a:gs>
-                <a:gs pos="100000">
-                  <a:schemeClr val="accent1">
-                    <a:shade val="75000"/>
-                    <a:satMod val="137000"/>
-                  </a:schemeClr>
-                </a:gs>
-              </a:gsLst>
-              <a:path path="rect">
-                <a:fillToRect l="50000" t="50000" r="50000" b="50000"/>
-              </a:path>
-            </a:gradFill>
-            <a:ln>
-              <a:noFill/>
-            </a:ln>
-            <a:effectLst>
-              <a:outerShdw blurRad="39000" dist="25400" dir="5400000" rotWithShape="0">
-                <a:srgbClr val="000000">
-                  <a:alpha val="38000"/>
-                </a:srgbClr>
-              </a:outerShdw>
-            </a:effectLst>
-            <a:scene3d>
-              <a:camera prst="orthographicFront">
-                <a:rot lat="0" lon="0" rev="0"/>
-              </a:camera>
-              <a:lightRig rig="threePt" dir="t">
-                <a:rot lat="0" lon="0" rev="1800000"/>
-              </a:lightRig>
-            </a:scene3d>
-            <a:sp3d prstMaterial="matte">
-              <a:bevelT h="20000"/>
-            </a:sp3d>
-          </c:spPr>
-          <c:invertIfNegative val="0"/>
-          <c:cat>
-            <c:strRef>
-              <c:f>Sheet1!$A$2:$A$5</c:f>
-              <c:strCache>
-                <c:ptCount val="4"/>
-                <c:pt idx="0">
-                  <c:v>Category 1</c:v>
-                </c:pt>
-                <c:pt idx="1">
-                  <c:v>Category 2</c:v>
-                </c:pt>
-                <c:pt idx="2">
-                  <c:v>Category 3</c:v>
-                </c:pt>
-                <c:pt idx="3">
-                  <c:v>Category 4</c:v>
-                </c:pt>
-              </c:strCache>
-            </c:strRef>
-          </c:cat>
-          <c:val>
-            <c:numRef>
-              <c:f>Sheet1!$B$2:$B$5</c:f>
-              <c:numCache>
-                <c:formatCode>General</c:formatCode>
-                <c:ptCount val="4"/>
-                <c:pt idx="0">
-                  <c:v>4.3</c:v>
-                </c:pt>
-                <c:pt idx="1">
-                  <c:v>2.5</c:v>
-                </c:pt>
-                <c:pt idx="2">
-                  <c:v>3.5</c:v>
-                </c:pt>
-                <c:pt idx="3">
-                  <c:v>4.5</c:v>
-                </c:pt>
-              </c:numCache>
-            </c:numRef>
-          </c:val>
-          <c:extLst>
-            <c:ext xmlns:c16="http://schemas.microsoft.com/office/drawing/2014/chart" uri="{C3380CC4-5D6E-409C-BE32-E72D297353CC}">
-              <c16:uniqueId val="{00000000-6AF9-4461-949D-FACC3D2A674B}"/>
-            </c:ext>
-          </c:extLst>
-        </c:ser>
-        <c:ser>
-          <c:idx val="1"/>
-          <c:order val="1"/>
-          <c:tx>
-            <c:strRef>
-              <c:f>Sheet1!$C$1</c:f>
-              <c:strCache>
-                <c:ptCount val="1"/>
-                <c:pt idx="0">
-                  <c:v>Series 2</c:v>
-                </c:pt>
-              </c:strCache>
-            </c:strRef>
-          </c:tx>
-          <c:spPr>
-            <a:gradFill rotWithShape="1">
-              <a:gsLst>
-                <a:gs pos="0">
-                  <a:schemeClr val="accent2">
-                    <a:shade val="100000"/>
-                    <a:satMod val="137000"/>
-                  </a:schemeClr>
-                </a:gs>
-                <a:gs pos="71000">
-                  <a:schemeClr val="accent2">
-                    <a:shade val="98000"/>
-                    <a:satMod val="137000"/>
-                  </a:schemeClr>
-                </a:gs>
-                <a:gs pos="100000">
-                  <a:schemeClr val="accent2">
-                    <a:shade val="75000"/>
-                    <a:satMod val="137000"/>
-                  </a:schemeClr>
-                </a:gs>
-              </a:gsLst>
-              <a:path path="rect">
-                <a:fillToRect l="50000" t="50000" r="50000" b="50000"/>
-              </a:path>
-            </a:gradFill>
-            <a:ln>
-              <a:noFill/>
-            </a:ln>
-            <a:effectLst>
-              <a:outerShdw blurRad="39000" dist="25400" dir="5400000" rotWithShape="0">
-                <a:srgbClr val="000000">
-                  <a:alpha val="38000"/>
-                </a:srgbClr>
-              </a:outerShdw>
-            </a:effectLst>
-            <a:scene3d>
-              <a:camera prst="orthographicFront">
-                <a:rot lat="0" lon="0" rev="0"/>
-              </a:camera>
-              <a:lightRig rig="threePt" dir="t">
-                <a:rot lat="0" lon="0" rev="1800000"/>
-              </a:lightRig>
-            </a:scene3d>
-            <a:sp3d prstMaterial="matte">
-              <a:bevelT h="20000"/>
-            </a:sp3d>
-          </c:spPr>
-          <c:invertIfNegative val="0"/>
-          <c:cat>
-            <c:strRef>
-              <c:f>Sheet1!$A$2:$A$5</c:f>
-              <c:strCache>
-                <c:ptCount val="4"/>
-                <c:pt idx="0">
-                  <c:v>Category 1</c:v>
-                </c:pt>
-                <c:pt idx="1">
-                  <c:v>Category 2</c:v>
-                </c:pt>
-                <c:pt idx="2">
-                  <c:v>Category 3</c:v>
-                </c:pt>
-                <c:pt idx="3">
-                  <c:v>Category 4</c:v>
-                </c:pt>
-              </c:strCache>
-            </c:strRef>
-          </c:cat>
-          <c:val>
-            <c:numRef>
-              <c:f>Sheet1!$C$2:$C$5</c:f>
-              <c:numCache>
-                <c:formatCode>General</c:formatCode>
-                <c:ptCount val="4"/>
-                <c:pt idx="0">
-                  <c:v>2.4</c:v>
-                </c:pt>
-                <c:pt idx="1">
-                  <c:v>4.4000000000000004</c:v>
-                </c:pt>
-                <c:pt idx="2">
-                  <c:v>1.8</c:v>
-                </c:pt>
-                <c:pt idx="3">
-                  <c:v>2.8</c:v>
-                </c:pt>
-              </c:numCache>
-            </c:numRef>
-          </c:val>
-          <c:extLst>
-            <c:ext xmlns:c16="http://schemas.microsoft.com/office/drawing/2014/chart" uri="{C3380CC4-5D6E-409C-BE32-E72D297353CC}">
-              <c16:uniqueId val="{00000001-6AF9-4461-949D-FACC3D2A674B}"/>
-            </c:ext>
-          </c:extLst>
-        </c:ser>
-        <c:ser>
-          <c:idx val="2"/>
-          <c:order val="2"/>
-          <c:tx>
-            <c:strRef>
-              <c:f>Sheet1!$D$1</c:f>
-              <c:strCache>
-                <c:ptCount val="1"/>
-                <c:pt idx="0">
-                  <c:v>Series 3</c:v>
-                </c:pt>
-              </c:strCache>
-            </c:strRef>
-          </c:tx>
-          <c:spPr>
-            <a:gradFill rotWithShape="1">
-              <a:gsLst>
-                <a:gs pos="0">
-                  <a:schemeClr val="accent3">
-                    <a:shade val="100000"/>
-                    <a:satMod val="137000"/>
-                  </a:schemeClr>
-                </a:gs>
-                <a:gs pos="71000">
-                  <a:schemeClr val="accent3">
-                    <a:shade val="98000"/>
-                    <a:satMod val="137000"/>
-                  </a:schemeClr>
-                </a:gs>
-                <a:gs pos="100000">
-                  <a:schemeClr val="accent3">
-                    <a:shade val="75000"/>
-                    <a:satMod val="137000"/>
-                  </a:schemeClr>
-                </a:gs>
-              </a:gsLst>
-              <a:path path="rect">
-                <a:fillToRect l="50000" t="50000" r="50000" b="50000"/>
-              </a:path>
-            </a:gradFill>
-            <a:ln>
-              <a:noFill/>
-            </a:ln>
-            <a:effectLst>
-              <a:outerShdw blurRad="39000" dist="25400" dir="5400000" rotWithShape="0">
-                <a:srgbClr val="000000">
-                  <a:alpha val="38000"/>
-                </a:srgbClr>
-              </a:outerShdw>
-            </a:effectLst>
-            <a:scene3d>
-              <a:camera prst="orthographicFront">
-                <a:rot lat="0" lon="0" rev="0"/>
-              </a:camera>
-              <a:lightRig rig="threePt" dir="t">
-                <a:rot lat="0" lon="0" rev="1800000"/>
-              </a:lightRig>
-            </a:scene3d>
-            <a:sp3d prstMaterial="matte">
-              <a:bevelT h="20000"/>
-            </a:sp3d>
-          </c:spPr>
-          <c:invertIfNegative val="0"/>
-          <c:cat>
-            <c:strRef>
-              <c:f>Sheet1!$A$2:$A$5</c:f>
-              <c:strCache>
-                <c:ptCount val="4"/>
-                <c:pt idx="0">
-                  <c:v>Category 1</c:v>
-                </c:pt>
-                <c:pt idx="1">
-                  <c:v>Category 2</c:v>
-                </c:pt>
-                <c:pt idx="2">
-                  <c:v>Category 3</c:v>
-                </c:pt>
-                <c:pt idx="3">
-                  <c:v>Category 4</c:v>
-                </c:pt>
-              </c:strCache>
-            </c:strRef>
-          </c:cat>
-          <c:val>
-            <c:numRef>
-              <c:f>Sheet1!$D$2:$D$5</c:f>
-              <c:numCache>
-                <c:formatCode>General</c:formatCode>
-                <c:ptCount val="4"/>
-                <c:pt idx="0">
-                  <c:v>2</c:v>
-                </c:pt>
-                <c:pt idx="1">
-                  <c:v>2</c:v>
-                </c:pt>
-                <c:pt idx="2">
-                  <c:v>3</c:v>
-                </c:pt>
-                <c:pt idx="3">
-                  <c:v>5</c:v>
-                </c:pt>
-              </c:numCache>
-            </c:numRef>
-          </c:val>
-          <c:extLst>
-            <c:ext xmlns:c16="http://schemas.microsoft.com/office/drawing/2014/chart" uri="{C3380CC4-5D6E-409C-BE32-E72D297353CC}">
-              <c16:uniqueId val="{00000002-6AF9-4461-949D-FACC3D2A674B}"/>
-            </c:ext>
-          </c:extLst>
-        </c:ser>
-        <c:dLbls>
-          <c:showLegendKey val="0"/>
-          <c:showVal val="0"/>
-          <c:showCatName val="0"/>
-          <c:showSerName val="0"/>
-          <c:showPercent val="0"/>
-          <c:showBubbleSize val="0"/>
-        </c:dLbls>
-        <c:gapWidth val="100"/>
-        <c:overlap val="-24"/>
-        <c:axId val="665025880"/>
-        <c:axId val="665015688"/>
-      </c:barChart>
-      <c:catAx>
-        <c:axId val="665025880"/>
-        <c:scaling>
-          <c:orientation val="minMax"/>
-        </c:scaling>
-        <c:delete val="0"/>
-        <c:axPos val="b"/>
-        <c:numFmt formatCode="General" sourceLinked="1"/>
-        <c:majorTickMark val="none"/>
-        <c:minorTickMark val="none"/>
-        <c:tickLblPos val="nextTo"/>
-        <c:spPr>
-          <a:noFill/>
-          <a:ln w="12700" cap="flat" cmpd="sng" algn="ctr">
-            <a:solidFill>
-              <a:schemeClr val="tx1">
-                <a:lumMod val="15000"/>
-                <a:lumOff val="85000"/>
-              </a:schemeClr>
-            </a:solidFill>
-            <a:round/>
-          </a:ln>
-          <a:effectLst/>
-        </c:spPr>
-        <c:txPr>
-          <a:bodyPr rot="-60000000" spcFirstLastPara="1" vertOverflow="ellipsis" vert="horz" wrap="square" anchor="ctr" anchorCtr="1"/>
-          <a:lstStyle/>
-          <a:p>
-            <a:pPr>
-              <a:defRPr sz="1197" b="0" i="0" u="none" strike="noStrike" kern="1200" baseline="0">
-                <a:solidFill>
-                  <a:schemeClr val="tx1">
-                    <a:lumMod val="65000"/>
-                    <a:lumOff val="35000"/>
-                  </a:schemeClr>
-                </a:solidFill>
-                <a:latin typeface="+mn-lt"/>
-                <a:ea typeface="+mn-ea"/>
-                <a:cs typeface="+mn-cs"/>
-              </a:defRPr>
-            </a:pPr>
-            <a:endParaRPr lang="en-US"/>
-          </a:p>
-        </c:txPr>
-        <c:crossAx val="665015688"/>
-        <c:crosses val="autoZero"/>
-        <c:auto val="1"/>
-        <c:lblAlgn val="ctr"/>
-        <c:lblOffset val="100"/>
-        <c:noMultiLvlLbl val="0"/>
-      </c:catAx>
-      <c:valAx>
-        <c:axId val="665015688"/>
-        <c:scaling>
-          <c:orientation val="minMax"/>
-        </c:scaling>
-        <c:delete val="0"/>
-        <c:axPos val="l"/>
-        <c:majorGridlines>
-          <c:spPr>
-            <a:ln w="9525" cap="flat" cmpd="sng" algn="ctr">
-              <a:solidFill>
-                <a:schemeClr val="tx1">
-                  <a:lumMod val="15000"/>
-                  <a:lumOff val="85000"/>
-                </a:schemeClr>
-              </a:solidFill>
-              <a:round/>
-            </a:ln>
-            <a:effectLst/>
-          </c:spPr>
-        </c:majorGridlines>
-        <c:numFmt formatCode="General" sourceLinked="1"/>
-        <c:majorTickMark val="none"/>
-        <c:minorTickMark val="none"/>
-        <c:tickLblPos val="nextTo"/>
-        <c:spPr>
-          <a:noFill/>
-          <a:ln>
-            <a:noFill/>
-          </a:ln>
-          <a:effectLst/>
-        </c:spPr>
-        <c:txPr>
-          <a:bodyPr rot="-60000000" spcFirstLastPara="1" vertOverflow="ellipsis" vert="horz" wrap="square" anchor="ctr" anchorCtr="1"/>
-          <a:lstStyle/>
-          <a:p>
-            <a:pPr>
-              <a:defRPr sz="1197" b="0" i="0" u="none" strike="noStrike" kern="1200" baseline="0">
-                <a:solidFill>
-                  <a:schemeClr val="tx1">
-                    <a:lumMod val="65000"/>
-                    <a:lumOff val="35000"/>
-                  </a:schemeClr>
-                </a:solidFill>
-                <a:latin typeface="+mn-lt"/>
-                <a:ea typeface="+mn-ea"/>
-                <a:cs typeface="+mn-cs"/>
-              </a:defRPr>
-            </a:pPr>
-            <a:endParaRPr lang="en-US"/>
-          </a:p>
-        </c:txPr>
-        <c:crossAx val="665025880"/>
-        <c:crosses val="autoZero"/>
-        <c:crossBetween val="between"/>
-      </c:valAx>
-      <c:spPr>
-        <a:noFill/>
-        <a:ln>
-          <a:noFill/>
-        </a:ln>
-        <a:effectLst/>
-      </c:spPr>
-    </c:plotArea>
-    <c:legend>
-      <c:legendPos val="b"/>
-      <c:overlay val="0"/>
-      <c:spPr>
-        <a:noFill/>
-        <a:ln>
-          <a:noFill/>
-        </a:ln>
-        <a:effectLst/>
-      </c:spPr>
-      <c:txPr>
-        <a:bodyPr rot="0" spcFirstLastPara="1" vertOverflow="ellipsis" vert="horz" wrap="square" anchor="ctr" anchorCtr="1"/>
-        <a:lstStyle/>
-        <a:p>
-          <a:pPr>
-            <a:defRPr sz="1197" b="0" i="0" u="none" strike="noStrike" kern="1200" baseline="0">
-              <a:solidFill>
-                <a:schemeClr val="tx1">
-                  <a:lumMod val="65000"/>
-                  <a:lumOff val="35000"/>
-                </a:schemeClr>
-              </a:solidFill>
-              <a:latin typeface="+mn-lt"/>
-              <a:ea typeface="+mn-ea"/>
-              <a:cs typeface="+mn-cs"/>
-            </a:defRPr>
-          </a:pPr>
-          <a:endParaRPr lang="en-US"/>
-        </a:p>
-      </c:txPr>
-    </c:legend>
-    <c:plotVisOnly val="1"/>
-    <c:dispBlanksAs val="gap"/>
-    <c:showDLblsOverMax val="0"/>
-  </c:chart>
-  <c:spPr>
-    <a:noFill/>
-    <a:ln>
-      <a:noFill/>
-    </a:ln>
-    <a:effectLst/>
-  </c:spPr>
-  <c:txPr>
-    <a:bodyPr/>
-    <a:lstStyle/>
-    <a:p>
-      <a:pPr>
-        <a:defRPr/>
-      </a:pPr>
-      <a:endParaRPr lang="en-US"/>
-    </a:p>
-  </c:txPr>
-  <c:externalData r:id="rId3">
-    <c:autoUpdate val="0"/>
-  </c:externalData>
-</c:chartSpace>
-</file>
-
-<file path=ppt/charts/colors1.xml><?xml version="1.0" encoding="utf-8"?>
-<cs:colorStyle xmlns:cs="http://schemas.microsoft.com/office/drawing/2012/chartStyle" xmlns:a="http://schemas.openxmlformats.org/drawingml/2006/main" meth="cycle" id="10">
-  <a:schemeClr val="accent1"/>
-  <a:schemeClr val="accent2"/>
-  <a:schemeClr val="accent3"/>
-  <a:schemeClr val="accent4"/>
-  <a:schemeClr val="accent5"/>
-  <a:schemeClr val="accent6"/>
-  <cs:variation/>
-  <cs:variation>
-    <a:lumMod val="60000"/>
-  </cs:variation>
-  <cs:variation>
-    <a:lumMod val="80000"/>
-    <a:lumOff val="20000"/>
-  </cs:variation>
-  <cs:variation>
-    <a:lumMod val="80000"/>
-  </cs:variation>
-  <cs:variation>
-    <a:lumMod val="60000"/>
-    <a:lumOff val="40000"/>
-  </cs:variation>
-  <cs:variation>
-    <a:lumMod val="50000"/>
-  </cs:variation>
-  <cs:variation>
-    <a:lumMod val="70000"/>
-    <a:lumOff val="30000"/>
-  </cs:variation>
-  <cs:variation>
-    <a:lumMod val="70000"/>
-  </cs:variation>
-  <cs:variation>
-    <a:lumMod val="50000"/>
-    <a:lumOff val="50000"/>
-  </cs:variation>
-</cs:colorStyle>
-</file>
-
-<file path=ppt/charts/style1.xml><?xml version="1.0" encoding="utf-8"?>
-<cs:chartStyle xmlns:cs="http://schemas.microsoft.com/office/drawing/2012/chartStyle" xmlns:a="http://schemas.openxmlformats.org/drawingml/2006/main" id="340">
-  <cs:axisTitle>
-    <cs:lnRef idx="0"/>
-    <cs:fillRef idx="0"/>
-    <cs:effectRef idx="0"/>
-    <cs:fontRef idx="minor">
-      <a:schemeClr val="tx1">
-        <a:lumMod val="65000"/>
-        <a:lumOff val="35000"/>
-      </a:schemeClr>
-    </cs:fontRef>
-    <cs:defRPr sz="1197" kern="1200"/>
-  </cs:axisTitle>
-  <cs:categoryAxis>
-    <cs:lnRef idx="0"/>
-    <cs:fillRef idx="0"/>
-    <cs:effectRef idx="0"/>
-    <cs:fontRef idx="minor">
-      <a:schemeClr val="tx1">
-        <a:lumMod val="65000"/>
-        <a:lumOff val="35000"/>
-      </a:schemeClr>
-    </cs:fontRef>
-    <cs:spPr>
-      <a:ln w="12700" cap="flat" cmpd="sng" algn="ctr">
-        <a:solidFill>
-          <a:schemeClr val="tx1">
-            <a:lumMod val="15000"/>
-            <a:lumOff val="85000"/>
-          </a:schemeClr>
-        </a:solidFill>
-        <a:round/>
-      </a:ln>
-    </cs:spPr>
-    <cs:defRPr sz="1197" kern="1200"/>
-  </cs:categoryAxis>
-  <cs:chartArea mods="allowNoFillOverride allowNoLineOverride">
-    <cs:lnRef idx="0"/>
-    <cs:fillRef idx="0"/>
-    <cs:effectRef idx="0"/>
-    <cs:fontRef idx="minor">
-      <a:schemeClr val="tx2"/>
-    </cs:fontRef>
-    <cs:spPr>
-      <a:solidFill>
-        <a:schemeClr val="bg1"/>
-      </a:solidFill>
-      <a:ln w="9525" cap="flat" cmpd="sng" algn="ctr">
-        <a:solidFill>
-          <a:schemeClr val="tx1">
-            <a:lumMod val="15000"/>
-            <a:lumOff val="85000"/>
-          </a:schemeClr>
-        </a:solidFill>
-        <a:round/>
-      </a:ln>
-    </cs:spPr>
-    <cs:defRPr sz="1197" kern="1200"/>
-  </cs:chartArea>
-  <cs:dataLabel>
-    <cs:lnRef idx="0"/>
-    <cs:fillRef idx="0"/>
-    <cs:effectRef idx="0"/>
-    <cs:fontRef idx="minor">
-      <a:schemeClr val="tx1">
-        <a:lumMod val="75000"/>
-        <a:lumOff val="25000"/>
-      </a:schemeClr>
-    </cs:fontRef>
-    <cs:defRPr sz="1197" kern="1200"/>
-  </cs:dataLabel>
-  <cs:dataLabelCallout>
-    <cs:lnRef idx="0"/>
-    <cs:fillRef idx="0"/>
-    <cs:effectRef idx="0"/>
-    <cs:fontRef idx="minor">
-      <a:schemeClr val="dk1">
-        <a:lumMod val="65000"/>
-        <a:lumOff val="35000"/>
-      </a:schemeClr>
-    </cs:fontRef>
-    <cs:spPr>
-      <a:solidFill>
-        <a:schemeClr val="lt1"/>
-      </a:solidFill>
-      <a:ln>
-        <a:solidFill>
-          <a:schemeClr val="dk1">
-            <a:lumMod val="25000"/>
-            <a:lumOff val="75000"/>
-          </a:schemeClr>
-        </a:solidFill>
-      </a:ln>
-    </cs:spPr>
-    <cs:defRPr sz="1197" kern="1200"/>
-    <cs:bodyPr rot="0" spcFirstLastPara="1" vertOverflow="clip" horzOverflow="clip" vert="horz" wrap="square" lIns="36576" tIns="18288" rIns="36576" bIns="18288" anchor="ctr" anchorCtr="1">
-      <a:spAutoFit/>
-    </cs:bodyPr>
-  </cs:dataLabelCallout>
-  <cs:dataPoint>
-    <cs:lnRef idx="0"/>
-    <cs:fillRef idx="3">
-      <cs:styleClr val="auto"/>
-    </cs:fillRef>
-    <cs:effectRef idx="3"/>
-    <cs:fontRef idx="minor">
-      <a:schemeClr val="lt1"/>
-    </cs:fontRef>
-  </cs:dataPoint>
-  <cs:dataPoint3D>
-    <cs:lnRef idx="0"/>
-    <cs:fillRef idx="3">
-      <cs:styleClr val="auto"/>
-    </cs:fillRef>
-    <cs:effectRef idx="3"/>
-    <cs:fontRef idx="minor">
-      <a:schemeClr val="lt1"/>
-    </cs:fontRef>
-  </cs:dataPoint3D>
-  <cs:dataPointLine>
-    <cs:lnRef idx="0">
-      <cs:styleClr val="auto"/>
-    </cs:lnRef>
-    <cs:fillRef idx="3"/>
-    <cs:effectRef idx="3"/>
-    <cs:fontRef idx="minor">
-      <a:schemeClr val="lt1"/>
-    </cs:fontRef>
-    <cs:spPr>
-      <a:ln w="34925" cap="rnd">
-        <a:solidFill>
-          <a:schemeClr val="phClr"/>
-        </a:solidFill>
-        <a:round/>
-      </a:ln>
-    </cs:spPr>
-  </cs:dataPointLine>
-  <cs:dataPointMarker>
-    <cs:lnRef idx="0">
-      <cs:styleClr val="auto"/>
-    </cs:lnRef>
-    <cs:fillRef idx="3">
-      <cs:styleClr val="auto"/>
-    </cs:fillRef>
-    <cs:effectRef idx="3"/>
-    <cs:fontRef idx="minor">
-      <a:schemeClr val="lt1"/>
-    </cs:fontRef>
-    <cs:spPr>
-      <a:ln w="9525">
-        <a:solidFill>
-          <a:schemeClr val="phClr"/>
-        </a:solidFill>
-        <a:round/>
-      </a:ln>
-    </cs:spPr>
-  </cs:dataPointMarker>
-  <cs:dataPointMarkerLayout symbol="circle" size="6"/>
-  <cs:dataPointWireframe>
-    <cs:lnRef idx="0">
-      <cs:styleClr val="auto"/>
-    </cs:lnRef>
-    <cs:fillRef idx="3"/>
-    <cs:effectRef idx="3"/>
-    <cs:fontRef idx="minor">
-      <a:schemeClr val="lt1"/>
-    </cs:fontRef>
-    <cs:spPr>
-      <a:ln w="9525" cap="rnd">
-        <a:solidFill>
-          <a:schemeClr val="phClr"/>
-        </a:solidFill>
-        <a:round/>
-      </a:ln>
-    </cs:spPr>
-  </cs:dataPointWireframe>
-  <cs:dataTable>
-    <cs:lnRef idx="0"/>
-    <cs:fillRef idx="0"/>
-    <cs:effectRef idx="0"/>
-    <cs:fontRef idx="minor">
-      <a:schemeClr val="tx1">
-        <a:lumMod val="65000"/>
-        <a:lumOff val="35000"/>
-      </a:schemeClr>
-    </cs:fontRef>
-    <cs:spPr>
-      <a:noFill/>
-      <a:ln w="9525" cap="flat" cmpd="sng" algn="ctr">
-        <a:solidFill>
-          <a:schemeClr val="tx1">
-            <a:lumMod val="15000"/>
-            <a:lumOff val="85000"/>
-          </a:schemeClr>
-        </a:solidFill>
-        <a:round/>
-      </a:ln>
-    </cs:spPr>
-    <cs:defRPr sz="1197" kern="1200"/>
-  </cs:dataTable>
-  <cs:downBar>
-    <cs:lnRef idx="0"/>
-    <cs:fillRef idx="0"/>
-    <cs:effectRef idx="0"/>
-    <cs:fontRef idx="minor">
-      <a:schemeClr val="dk1"/>
-    </cs:fontRef>
-    <cs:spPr>
-      <a:solidFill>
-        <a:schemeClr val="dk1">
-          <a:lumMod val="65000"/>
-          <a:lumOff val="35000"/>
-        </a:schemeClr>
-      </a:solidFill>
-      <a:ln w="9525">
-        <a:solidFill>
-          <a:schemeClr val="tx1">
-            <a:lumMod val="65000"/>
-            <a:lumOff val="35000"/>
-          </a:schemeClr>
-        </a:solidFill>
-      </a:ln>
-    </cs:spPr>
-  </cs:downBar>
-  <cs:dropLine>
-    <cs:lnRef idx="0"/>
-    <cs:fillRef idx="0"/>
-    <cs:effectRef idx="0"/>
-    <cs:fontRef idx="minor">
-      <a:schemeClr val="tx1"/>
-    </cs:fontRef>
-    <cs:spPr>
-      <a:ln w="9525" cap="flat" cmpd="sng" algn="ctr">
-        <a:solidFill>
-          <a:schemeClr val="tx1">
-            <a:lumMod val="35000"/>
-            <a:lumOff val="65000"/>
-          </a:schemeClr>
-        </a:solidFill>
-        <a:round/>
-      </a:ln>
-    </cs:spPr>
-  </cs:dropLine>
-  <cs:errorBar>
-    <cs:lnRef idx="0"/>
-    <cs:fillRef idx="0"/>
-    <cs:effectRef idx="0"/>
-    <cs:fontRef idx="minor">
-      <a:schemeClr val="tx1"/>
-    </cs:fontRef>
-    <cs:spPr>
-      <a:ln w="9525" cap="flat" cmpd="sng" algn="ctr">
-        <a:solidFill>
-          <a:schemeClr val="tx1">
-            <a:lumMod val="65000"/>
-            <a:lumOff val="35000"/>
-          </a:schemeClr>
-        </a:solidFill>
-        <a:round/>
-      </a:ln>
-    </cs:spPr>
-  </cs:errorBar>
-  <cs:floor>
-    <cs:lnRef idx="0"/>
-    <cs:fillRef idx="0"/>
-    <cs:effectRef idx="0"/>
-    <cs:fontRef idx="minor">
-      <a:schemeClr val="lt1"/>
-    </cs:fontRef>
-  </cs:floor>
-  <cs:gridlineMajor>
-    <cs:lnRef idx="0"/>
-    <cs:fillRef idx="0"/>
-    <cs:effectRef idx="0"/>
-    <cs:fontRef idx="minor">
-      <a:schemeClr val="tx1"/>
-    </cs:fontRef>
-    <cs:spPr>
-      <a:ln w="9525" cap="flat" cmpd="sng" algn="ctr">
-        <a:solidFill>
-          <a:schemeClr val="tx1">
-            <a:lumMod val="15000"/>
-            <a:lumOff val="85000"/>
-          </a:schemeClr>
-        </a:solidFill>
-        <a:round/>
-      </a:ln>
-    </cs:spPr>
-  </cs:gridlineMajor>
-  <cs:gridlineMinor>
-    <cs:lnRef idx="0"/>
-    <cs:fillRef idx="0"/>
-    <cs:effectRef idx="0"/>
-    <cs:fontRef idx="minor">
-      <a:schemeClr val="tx1"/>
-    </cs:fontRef>
-    <cs:spPr>
-      <a:ln w="9525" cap="flat" cmpd="sng" algn="ctr">
-        <a:solidFill>
-          <a:schemeClr val="tx1">
-            <a:lumMod val="5000"/>
-            <a:lumOff val="95000"/>
-          </a:schemeClr>
-        </a:solidFill>
-        <a:round/>
-      </a:ln>
-    </cs:spPr>
-  </cs:gridlineMinor>
-  <cs:hiLoLine>
-    <cs:lnRef idx="0"/>
-    <cs:fillRef idx="0"/>
-    <cs:effectRef idx="0"/>
-    <cs:fontRef idx="minor">
-      <a:schemeClr val="tx1"/>
-    </cs:fontRef>
-    <cs:spPr>
-      <a:ln w="9525" cap="flat" cmpd="sng" algn="ctr">
-        <a:solidFill>
-          <a:schemeClr val="tx1">
-            <a:lumMod val="75000"/>
-            <a:lumOff val="25000"/>
-          </a:schemeClr>
-        </a:solidFill>
-        <a:round/>
-      </a:ln>
-    </cs:spPr>
-  </cs:hiLoLine>
-  <cs:leaderLine>
-    <cs:lnRef idx="0"/>
-    <cs:fillRef idx="0"/>
-    <cs:effectRef idx="0"/>
-    <cs:fontRef idx="minor">
-      <a:schemeClr val="tx1"/>
-    </cs:fontRef>
-    <cs:spPr>
-      <a:ln w="9525" cap="flat" cmpd="sng" algn="ctr">
-        <a:solidFill>
-          <a:schemeClr val="tx1">
-            <a:lumMod val="35000"/>
-            <a:lumOff val="65000"/>
-          </a:schemeClr>
-        </a:solidFill>
-        <a:round/>
-      </a:ln>
-    </cs:spPr>
-  </cs:leaderLine>
-  <cs:legend>
-    <cs:lnRef idx="0"/>
-    <cs:fillRef idx="0"/>
-    <cs:effectRef idx="0"/>
-    <cs:fontRef idx="minor">
-      <a:schemeClr val="tx1">
-        <a:lumMod val="65000"/>
-        <a:lumOff val="35000"/>
-      </a:schemeClr>
-    </cs:fontRef>
-    <cs:defRPr sz="1197" kern="1200"/>
-  </cs:legend>
-  <cs:plotArea>
-    <cs:lnRef idx="0"/>
-    <cs:fillRef idx="0"/>
-    <cs:effectRef idx="0"/>
-    <cs:fontRef idx="minor">
-      <a:schemeClr val="lt1"/>
-    </cs:fontRef>
-  </cs:plotArea>
-  <cs:plotArea3D>
-    <cs:lnRef idx="0"/>
-    <cs:fillRef idx="0"/>
-    <cs:effectRef idx="0"/>
-    <cs:fontRef idx="minor">
-      <a:schemeClr val="lt1"/>
-    </cs:fontRef>
-  </cs:plotArea3D>
-  <cs:seriesAxis>
-    <cs:lnRef idx="0"/>
-    <cs:fillRef idx="0"/>
-    <cs:effectRef idx="0"/>
-    <cs:fontRef idx="minor">
-      <a:schemeClr val="tx1">
-        <a:lumMod val="65000"/>
-        <a:lumOff val="35000"/>
-      </a:schemeClr>
-    </cs:fontRef>
-    <cs:spPr>
-      <a:ln w="12700" cap="flat" cmpd="sng" algn="ctr">
-        <a:solidFill>
-          <a:schemeClr val="tx1">
-            <a:lumMod val="15000"/>
-            <a:lumOff val="85000"/>
-          </a:schemeClr>
-        </a:solidFill>
-        <a:round/>
-      </a:ln>
-    </cs:spPr>
-    <cs:defRPr sz="1197" kern="1200"/>
-  </cs:seriesAxis>
-  <cs:seriesLine>
-    <cs:lnRef idx="0"/>
-    <cs:fillRef idx="0"/>
-    <cs:effectRef idx="0"/>
-    <cs:fontRef idx="minor">
-      <a:schemeClr val="tx1"/>
-    </cs:fontRef>
-    <cs:spPr>
-      <a:ln w="9525" cap="flat" cmpd="sng" algn="ctr">
-        <a:solidFill>
-          <a:schemeClr val="tx1">
-            <a:lumMod val="35000"/>
-            <a:lumOff val="65000"/>
-          </a:schemeClr>
-        </a:solidFill>
-        <a:round/>
-      </a:ln>
-    </cs:spPr>
-  </cs:seriesLine>
-  <cs:title>
-    <cs:lnRef idx="0"/>
-    <cs:fillRef idx="0"/>
-    <cs:effectRef idx="0"/>
-    <cs:fontRef idx="minor">
-      <a:schemeClr val="tx1">
-        <a:lumMod val="65000"/>
-        <a:lumOff val="35000"/>
-      </a:schemeClr>
-    </cs:fontRef>
-    <cs:defRPr sz="2128" b="1" kern="1200" baseline="0"/>
-  </cs:title>
-  <cs:trendline>
-    <cs:lnRef idx="0">
-      <cs:styleClr val="auto"/>
-    </cs:lnRef>
-    <cs:fillRef idx="0"/>
-    <cs:effectRef idx="0"/>
-    <cs:fontRef idx="minor">
-      <a:schemeClr val="lt1"/>
-    </cs:fontRef>
-    <cs:spPr>
-      <a:ln w="19050" cap="rnd">
-        <a:solidFill>
-          <a:schemeClr val="phClr"/>
-        </a:solidFill>
-      </a:ln>
-    </cs:spPr>
-  </cs:trendline>
-  <cs:trendlineLabel>
-    <cs:lnRef idx="0"/>
-    <cs:fillRef idx="0"/>
-    <cs:effectRef idx="0"/>
-    <cs:fontRef idx="minor">
-      <a:schemeClr val="tx1">
-        <a:lumMod val="65000"/>
-        <a:lumOff val="35000"/>
-      </a:schemeClr>
-    </cs:fontRef>
-    <cs:defRPr sz="1197" kern="1200"/>
-  </cs:trendlineLabel>
-  <cs:upBar>
-    <cs:lnRef idx="0"/>
-    <cs:fillRef idx="0"/>
-    <cs:effectRef idx="0"/>
-    <cs:fontRef idx="minor">
-      <a:schemeClr val="dk1"/>
-    </cs:fontRef>
-    <cs:spPr>
-      <a:solidFill>
-        <a:schemeClr val="lt1"/>
-      </a:solidFill>
-      <a:ln w="9525">
-        <a:solidFill>
-          <a:schemeClr val="tx1">
-            <a:lumMod val="15000"/>
-            <a:lumOff val="85000"/>
-          </a:schemeClr>
-        </a:solidFill>
-      </a:ln>
-    </cs:spPr>
-  </cs:upBar>
-  <cs:valueAxis>
-    <cs:lnRef idx="0"/>
-    <cs:fillRef idx="0"/>
-    <cs:effectRef idx="0"/>
-    <cs:fontRef idx="minor">
-      <a:schemeClr val="tx1">
-        <a:lumMod val="65000"/>
-        <a:lumOff val="35000"/>
-      </a:schemeClr>
-    </cs:fontRef>
-    <cs:defRPr sz="1197" kern="1200"/>
-  </cs:valueAxis>
-  <cs:wall>
-    <cs:lnRef idx="0"/>
-    <cs:fillRef idx="0"/>
-    <cs:effectRef idx="0"/>
-    <cs:fontRef idx="minor">
-      <a:schemeClr val="lt1"/>
-    </cs:fontRef>
-  </cs:wall>
-</cs:chartStyle>
-</file>
-
-<file path=ppt/diagrams/colors1.xml><?xml version="1.0" encoding="utf-8"?>
-<dgm:colorsDef xmlns:dgm="http://schemas.openxmlformats.org/drawingml/2006/diagram" xmlns:a="http://schemas.openxmlformats.org/drawingml/2006/main" uniqueId="urn:microsoft.com/office/officeart/2005/8/colors/accent1_2">
-  <dgm:title val=""/>
-  <dgm:desc val=""/>
-  <dgm:catLst>
-    <dgm:cat type="accent1" pri="11200"/>
-  </dgm:catLst>
-  <dgm:styleLbl name="node0">
-    <dgm:fillClrLst meth="repeat">
-      <a:schemeClr val="accent1"/>
-    </dgm:fillClrLst>
-    <dgm:linClrLst meth="repeat">
-      <a:schemeClr val="lt1"/>
-    </dgm:linClrLst>
-    <dgm:effectClrLst/>
-    <dgm:txLinClrLst/>
-    <dgm:txFillClrLst/>
-    <dgm:txEffectClrLst/>
-  </dgm:styleLbl>
-  <dgm:styleLbl name="alignNode1">
-    <dgm:fillClrLst meth="repeat">
-      <a:schemeClr val="accent1"/>
-    </dgm:fillClrLst>
-    <dgm:linClrLst meth="repeat">
-      <a:schemeClr val="accent1"/>
-    </dgm:linClrLst>
-    <dgm:effectClrLst/>
-    <dgm:txLinClrLst/>
-    <dgm:txFillClrLst/>
-    <dgm:txEffectClrLst/>
-  </dgm:styleLbl>
-  <dgm:styleLbl name="node1">
-    <dgm:fillClrLst meth="repeat">
-      <a:schemeClr val="accent1"/>
-    </dgm:fillClrLst>
-    <dgm:linClrLst meth="repeat">
-      <a:schemeClr val="lt1"/>
-    </dgm:linClrLst>
-    <dgm:effectClrLst/>
-    <dgm:txLinClrLst/>
-    <dgm:txFillClrLst/>
-    <dgm:txEffectClrLst/>
-  </dgm:styleLbl>
-  <dgm:styleLbl name="lnNode1">
-    <dgm:fillClrLst meth="repeat">
-      <a:schemeClr val="accent1"/>
-    </dgm:fillClrLst>
-    <dgm:linClrLst meth="repeat">
-      <a:schemeClr val="lt1"/>
-    </dgm:linClrLst>
-    <dgm:effectClrLst/>
-    <dgm:txLinClrLst/>
-    <dgm:txFillClrLst/>
-    <dgm:txEffectClrLst/>
-  </dgm:styleLbl>
-  <dgm:styleLbl name="vennNode1">
-    <dgm:fillClrLst meth="repeat">
-      <a:schemeClr val="accent1">
-        <a:alpha val="50000"/>
-      </a:schemeClr>
-    </dgm:fillClrLst>
-    <dgm:linClrLst meth="repeat">
-      <a:schemeClr val="lt1"/>
-    </dgm:linClrLst>
-    <dgm:effectClrLst/>
-    <dgm:txLinClrLst/>
-    <dgm:txFillClrLst/>
-    <dgm:txEffectClrLst/>
-  </dgm:styleLbl>
-  <dgm:styleLbl name="node2">
-    <dgm:fillClrLst meth="repeat">
-      <a:schemeClr val="accent1"/>
-    </dgm:fillClrLst>
-    <dgm:linClrLst meth="repeat">
-      <a:schemeClr val="lt1"/>
-    </dgm:linClrLst>
-    <dgm:effectClrLst/>
-    <dgm:txLinClrLst/>
-    <dgm:txFillClrLst/>
-    <dgm:txEffectClrLst/>
-  </dgm:styleLbl>
-  <dgm:styleLbl name="node3">
-    <dgm:fillClrLst meth="repeat">
-      <a:schemeClr val="accent1"/>
-    </dgm:fillClrLst>
-    <dgm:linClrLst meth="repeat">
-      <a:schemeClr val="lt1"/>
-    </dgm:linClrLst>
-    <dgm:effectClrLst/>
-    <dgm:txLinClrLst/>
-    <dgm:txFillClrLst/>
-    <dgm:txEffectClrLst/>
-  </dgm:styleLbl>
-  <dgm:styleLbl name="node4">
-    <dgm:fillClrLst meth="repeat">
-      <a:schemeClr val="accent1"/>
-    </dgm:fillClrLst>
-    <dgm:linClrLst meth="repeat">
-      <a:schemeClr val="lt1"/>
-    </dgm:linClrLst>
-    <dgm:effectClrLst/>
-    <dgm:txLinClrLst/>
-    <dgm:txFillClrLst/>
-    <dgm:txEffectClrLst/>
-  </dgm:styleLbl>
-  <dgm:styleLbl name="fgImgPlace1">
-    <dgm:fillClrLst meth="repeat">
-      <a:schemeClr val="accent1">
-        <a:tint val="50000"/>
-      </a:schemeClr>
-    </dgm:fillClrLst>
-    <dgm:linClrLst meth="repeat">
-      <a:schemeClr val="lt1"/>
-    </dgm:linClrLst>
-    <dgm:effectClrLst/>
-    <dgm:txLinClrLst/>
-    <dgm:txFillClrLst meth="repeat">
-      <a:schemeClr val="lt1"/>
-    </dgm:txFillClrLst>
-    <dgm:txEffectClrLst/>
-  </dgm:styleLbl>
-  <dgm:styleLbl name="alignImgPlace1">
-    <dgm:fillClrLst meth="repeat">
-      <a:schemeClr val="accent1">
-        <a:tint val="50000"/>
-      </a:schemeClr>
-    </dgm:fillClrLst>
-    <dgm:linClrLst meth="repeat">
-      <a:schemeClr val="lt1"/>
-    </dgm:linClrLst>
-    <dgm:effectClrLst/>
-    <dgm:txLinClrLst/>
-    <dgm:txFillClrLst meth="repeat">
-      <a:schemeClr val="lt1"/>
-    </dgm:txFillClrLst>
-    <dgm:txEffectClrLst/>
-  </dgm:styleLbl>
-  <dgm:styleLbl name="bgImgPlace1">
-    <dgm:fillClrLst meth="repeat">
-      <a:schemeClr val="accent1">
-        <a:tint val="50000"/>
-      </a:schemeClr>
-    </dgm:fillClrLst>
-    <dgm:linClrLst meth="repeat">
-      <a:schemeClr val="lt1"/>
-    </dgm:linClrLst>
-    <dgm:effectClrLst/>
-    <dgm:txLinClrLst/>
-    <dgm:txFillClrLst meth="repeat">
-      <a:schemeClr val="lt1"/>
-    </dgm:txFillClrLst>
-    <dgm:txEffectClrLst/>
-  </dgm:styleLbl>
-  <dgm:styleLbl name="sibTrans2D1">
-    <dgm:fillClrLst meth="repeat">
-      <a:schemeClr val="accent1">
-        <a:tint val="60000"/>
-      </a:schemeClr>
-    </dgm:fillClrLst>
-    <dgm:linClrLst meth="repeat">
-      <a:schemeClr val="accent1">
-        <a:tint val="60000"/>
-      </a:schemeClr>
-    </dgm:linClrLst>
-    <dgm:effectClrLst/>
-    <dgm:txLinClrLst/>
-    <dgm:txFillClrLst/>
-    <dgm:txEffectClrLst/>
-  </dgm:styleLbl>
-  <dgm:styleLbl name="fgSibTrans2D1">
-    <dgm:fillClrLst meth="repeat">
-      <a:schemeClr val="accent1">
-        <a:tint val="60000"/>
-      </a:schemeClr>
-    </dgm:fillClrLst>
-    <dgm:linClrLst meth="repeat">
-      <a:schemeClr val="accent1">
-        <a:tint val="60000"/>
-      </a:schemeClr>
-    </dgm:linClrLst>
-    <dgm:effectClrLst/>
-    <dgm:txLinClrLst/>
-    <dgm:txFillClrLst/>
-    <dgm:txEffectClrLst/>
-  </dgm:styleLbl>
-  <dgm:styleLbl name="bgSibTrans2D1">
-    <dgm:fillClrLst meth="repeat">
-      <a:schemeClr val="accent1">
-        <a:tint val="60000"/>
-      </a:schemeClr>
-    </dgm:fillClrLst>
-    <dgm:linClrLst meth="repeat">
-      <a:schemeClr val="accent1">
-        <a:tint val="60000"/>
-      </a:schemeClr>
-    </dgm:linClrLst>
-    <dgm:effectClrLst/>
-    <dgm:txLinClrLst/>
-    <dgm:txFillClrLst/>
-    <dgm:txEffectClrLst/>
-  </dgm:styleLbl>
-  <dgm:styleLbl name="sibTrans1D1">
-    <dgm:fillClrLst meth="repeat">
-      <a:schemeClr val="accent1"/>
-    </dgm:fillClrLst>
-    <dgm:linClrLst meth="repeat">
-      <a:schemeClr val="accent1"/>
-    </dgm:linClrLst>
-    <dgm:effectClrLst/>
-    <dgm:txLinClrLst/>
-    <dgm:txFillClrLst meth="repeat">
-      <a:schemeClr val="tx1"/>
-    </dgm:txFillClrLst>
-    <dgm:txEffectClrLst/>
-  </dgm:styleLbl>
-  <dgm:styleLbl name="callout">
-    <dgm:fillClrLst meth="repeat">
-      <a:schemeClr val="accent1"/>
-    </dgm:fillClrLst>
-    <dgm:linClrLst meth="repeat">
-      <a:schemeClr val="accent1">
-        <a:tint val="50000"/>
-      </a:schemeClr>
-    </dgm:linClrLst>
-    <dgm:effectClrLst/>
-    <dgm:txLinClrLst/>
-    <dgm:txFillClrLst meth="repeat">
-      <a:schemeClr val="tx1"/>
-    </dgm:txFillClrLst>
-    <dgm:txEffectClrLst/>
-  </dgm:styleLbl>
-  <dgm:styleLbl name="asst0">
-    <dgm:fillClrLst meth="repeat">
-      <a:schemeClr val="accent1"/>
-    </dgm:fillClrLst>
-    <dgm:linClrLst meth="repeat">
-      <a:schemeClr val="lt1"/>
-    </dgm:linClrLst>
-    <dgm:effectClrLst/>
-    <dgm:txLinClrLst/>
-    <dgm:txFillClrLst/>
-    <dgm:txEffectClrLst/>
-  </dgm:styleLbl>
-  <dgm:styleLbl name="asst1">
-    <dgm:fillClrLst meth="repeat">
-      <a:schemeClr val="accent1"/>
-    </dgm:fillClrLst>
-    <dgm:linClrLst meth="repeat">
-      <a:schemeClr val="lt1"/>
-    </dgm:linClrLst>
-    <dgm:effectClrLst/>
-    <dgm:txLinClrLst/>
-    <dgm:txFillClrLst/>
-    <dgm:txEffectClrLst/>
-  </dgm:styleLbl>
-  <dgm:styleLbl name="asst2">
-    <dgm:fillClrLst meth="repeat">
-      <a:schemeClr val="accent1"/>
-    </dgm:fillClrLst>
-    <dgm:linClrLst meth="repeat">
-      <a:schemeClr val="lt1"/>
-    </dgm:linClrLst>
-    <dgm:effectClrLst/>
-    <dgm:txLinClrLst/>
-    <dgm:txFillClrLst/>
-    <dgm:txEffectClrLst/>
-  </dgm:styleLbl>
-  <dgm:styleLbl name="asst3">
-    <dgm:fillClrLst meth="repeat">
-      <a:schemeClr val="accent1"/>
-    </dgm:fillClrLst>
-    <dgm:linClrLst meth="repeat">
-      <a:schemeClr val="lt1"/>
-    </dgm:linClrLst>
-    <dgm:effectClrLst/>
-    <dgm:txLinClrLst/>
-    <dgm:txFillClrLst/>
-    <dgm:txEffectClrLst/>
-  </dgm:styleLbl>
-  <dgm:styleLbl name="asst4">
-    <dgm:fillClrLst meth="repeat">
-      <a:schemeClr val="accent1"/>
-    </dgm:fillClrLst>
-    <dgm:linClrLst meth="repeat">
-      <a:schemeClr val="lt1"/>
-    </dgm:linClrLst>
-    <dgm:effectClrLst/>
-    <dgm:txLinClrLst/>
-    <dgm:txFillClrLst/>
-    <dgm:txEffectClrLst/>
-  </dgm:styleLbl>
-  <dgm:styleLbl name="parChTrans2D1">
-    <dgm:fillClrLst meth="repeat">
-      <a:schemeClr val="accent1">
-        <a:tint val="60000"/>
-      </a:schemeClr>
-    </dgm:fillClrLst>
-    <dgm:linClrLst meth="repeat">
-      <a:schemeClr val="accent1">
-        <a:tint val="60000"/>
-      </a:schemeClr>
-    </dgm:linClrLst>
-    <dgm:effectClrLst/>
-    <dgm:txLinClrLst/>
-    <dgm:txFillClrLst meth="repeat">
-      <a:schemeClr val="lt1"/>
-    </dgm:txFillClrLst>
-    <dgm:txEffectClrLst/>
-  </dgm:styleLbl>
-  <dgm:styleLbl name="parChTrans2D2">
-    <dgm:fillClrLst meth="repeat">
-      <a:schemeClr val="accent1"/>
-    </dgm:fillClrLst>
-    <dgm:linClrLst meth="repeat">
-      <a:schemeClr val="accent1"/>
-    </dgm:linClrLst>
-    <dgm:effectClrLst/>
-    <dgm:txLinClrLst/>
-    <dgm:txFillClrLst meth="repeat">
-      <a:schemeClr val="lt1"/>
-    </dgm:txFillClrLst>
-    <dgm:txEffectClrLst/>
-  </dgm:styleLbl>
-  <dgm:styleLbl name="parChTrans2D3">
-    <dgm:fillClrLst meth="repeat">
-      <a:schemeClr val="accent1"/>
-    </dgm:fillClrLst>
-    <dgm:linClrLst meth="repeat">
-      <a:schemeClr val="accent1"/>
-    </dgm:linClrLst>
-    <dgm:effectClrLst/>
-    <dgm:txLinClrLst/>
-    <dgm:txFillClrLst meth="repeat">
-      <a:schemeClr val="lt1"/>
-    </dgm:txFillClrLst>
-    <dgm:txEffectClrLst/>
-  </dgm:styleLbl>
-  <dgm:styleLbl name="parChTrans2D4">
-    <dgm:fillClrLst meth="repeat">
-      <a:schemeClr val="accent1"/>
-    </dgm:fillClrLst>
-    <dgm:linClrLst meth="repeat">
-      <a:schemeClr val="accent1"/>
-    </dgm:linClrLst>
-    <dgm:effectClrLst/>
-    <dgm:txLinClrLst/>
-    <dgm:txFillClrLst meth="repeat">
-      <a:schemeClr val="lt1"/>
-    </dgm:txFillClrLst>
-    <dgm:txEffectClrLst/>
-  </dgm:styleLbl>
-  <dgm:styleLbl name="parChTrans1D1">
-    <dgm:fillClrLst meth="repeat">
-      <a:schemeClr val="accent1"/>
-    </dgm:fillClrLst>
-    <dgm:linClrLst meth="repeat">
-      <a:schemeClr val="accent1">
-        <a:shade val="60000"/>
-      </a:schemeClr>
-    </dgm:linClrLst>
-    <dgm:effectClrLst/>
-    <dgm:txLinClrLst/>
-    <dgm:txFillClrLst meth="repeat">
-      <a:schemeClr val="tx1"/>
-    </dgm:txFillClrLst>
-    <dgm:txEffectClrLst/>
-  </dgm:styleLbl>
-  <dgm:styleLbl name="parChTrans1D2">
-    <dgm:fillClrLst meth="repeat">
-      <a:schemeClr val="accent1"/>
-    </dgm:fillClrLst>
-    <dgm:linClrLst meth="repeat">
-      <a:schemeClr val="accent1">
-        <a:shade val="60000"/>
-      </a:schemeClr>
-    </dgm:linClrLst>
-    <dgm:effectClrLst/>
-    <dgm:txLinClrLst/>
-    <dgm:txFillClrLst meth="repeat">
-      <a:schemeClr val="tx1"/>
-    </dgm:txFillClrLst>
-    <dgm:txEffectClrLst/>
-  </dgm:styleLbl>
-  <dgm:styleLbl name="parChTrans1D3">
-    <dgm:fillClrLst meth="repeat">
-      <a:schemeClr val="accent1"/>
-    </dgm:fillClrLst>
-    <dgm:linClrLst meth="repeat">
-      <a:schemeClr val="accent1">
-        <a:shade val="80000"/>
-      </a:schemeClr>
-    </dgm:linClrLst>
-    <dgm:effectClrLst/>
-    <dgm:txLinClrLst/>
-    <dgm:txFillClrLst meth="repeat">
-      <a:schemeClr val="tx1"/>
-    </dgm:txFillClrLst>
-    <dgm:txEffectClrLst/>
-  </dgm:styleLbl>
-  <dgm:styleLbl name="parChTrans1D4">
-    <dgm:fillClrLst meth="repeat">
-      <a:schemeClr val="accent1"/>
-    </dgm:fillClrLst>
-    <dgm:linClrLst meth="repeat">
-      <a:schemeClr val="accent1">
-        <a:shade val="80000"/>
-      </a:schemeClr>
-    </dgm:linClrLst>
-    <dgm:effectClrLst/>
-    <dgm:txLinClrLst/>
-    <dgm:txFillClrLst meth="repeat">
-      <a:schemeClr val="tx1"/>
-    </dgm:txFillClrLst>
-    <dgm:txEffectClrLst/>
-  </dgm:styleLbl>
-  <dgm:styleLbl name="fgAcc1">
-    <dgm:fillClrLst meth="repeat">
-      <a:schemeClr val="lt1">
-        <a:alpha val="90000"/>
-      </a:schemeClr>
-    </dgm:fillClrLst>
-    <dgm:linClrLst meth="repeat">
-      <a:schemeClr val="accent1"/>
-    </dgm:linClrLst>
-    <dgm:effectClrLst/>
-    <dgm:txLinClrLst/>
-    <dgm:txFillClrLst meth="repeat">
-      <a:schemeClr val="dk1"/>
-    </dgm:txFillClrLst>
-    <dgm:txEffectClrLst/>
-  </dgm:styleLbl>
-  <dgm:styleLbl name="conFgAcc1">
-    <dgm:fillClrLst meth="repeat">
-      <a:schemeClr val="lt1">
-        <a:alpha val="90000"/>
-      </a:schemeClr>
-    </dgm:fillClrLst>
-    <dgm:linClrLst meth="repeat">
-      <a:schemeClr val="accent1"/>
-    </dgm:linClrLst>
-    <dgm:effectClrLst/>
-    <dgm:txLinClrLst/>
-    <dgm:txFillClrLst meth="repeat">
-      <a:schemeClr val="dk1"/>
-    </dgm:txFillClrLst>
-    <dgm:txEffectClrLst/>
-  </dgm:styleLbl>
-  <dgm:styleLbl name="alignAcc1">
-    <dgm:fillClrLst meth="repeat">
-      <a:schemeClr val="lt1">
-        <a:alpha val="90000"/>
-      </a:schemeClr>
-    </dgm:fillClrLst>
-    <dgm:linClrLst meth="repeat">
-      <a:schemeClr val="accent1"/>
-    </dgm:linClrLst>
-    <dgm:effectClrLst/>
-    <dgm:txLinClrLst/>
-    <dgm:txFillClrLst meth="repeat">
-      <a:schemeClr val="dk1"/>
-    </dgm:txFillClrLst>
-    <dgm:txEffectClrLst/>
-  </dgm:styleLbl>
-  <dgm:styleLbl name="trAlignAcc1">
-    <dgm:fillClrLst meth="repeat">
-      <a:schemeClr val="lt1">
-        <a:alpha val="40000"/>
-      </a:schemeClr>
-    </dgm:fillClrLst>
-    <dgm:linClrLst meth="repeat">
-      <a:schemeClr val="accent1"/>
-    </dgm:linClrLst>
-    <dgm:effectClrLst/>
-    <dgm:txLinClrLst/>
-    <dgm:txFillClrLst meth="repeat">
-      <a:schemeClr val="dk1"/>
-    </dgm:txFillClrLst>
-    <dgm:txEffectClrLst/>
-  </dgm:styleLbl>
-  <dgm:styleLbl name="bgAcc1">
-    <dgm:fillClrLst meth="repeat">
-      <a:schemeClr val="lt1">
-        <a:alpha val="90000"/>
-      </a:schemeClr>
-    </dgm:fillClrLst>
-    <dgm:linClrLst meth="repeat">
-      <a:schemeClr val="accent1"/>
-    </dgm:linClrLst>
-    <dgm:effectClrLst/>
-    <dgm:txLinClrLst/>
-    <dgm:txFillClrLst meth="repeat">
-      <a:schemeClr val="dk1"/>
-    </dgm:txFillClrLst>
-    <dgm:txEffectClrLst/>
-  </dgm:styleLbl>
-  <dgm:styleLbl name="solidFgAcc1">
-    <dgm:fillClrLst meth="repeat">
-      <a:schemeClr val="lt1"/>
-    </dgm:fillClrLst>
-    <dgm:linClrLst meth="repeat">
-      <a:schemeClr val="accent1"/>
-    </dgm:linClrLst>
-    <dgm:effectClrLst/>
-    <dgm:txLinClrLst/>
-    <dgm:txFillClrLst meth="repeat">
-      <a:schemeClr val="dk1"/>
-    </dgm:txFillClrLst>
-    <dgm:txEffectClrLst/>
-  </dgm:styleLbl>
-  <dgm:styleLbl name="solidAlignAcc1">
-    <dgm:fillClrLst meth="repeat">
-      <a:schemeClr val="lt1"/>
-    </dgm:fillClrLst>
-    <dgm:linClrLst meth="repeat">
-      <a:schemeClr val="accent1"/>
-    </dgm:linClrLst>
-    <dgm:effectClrLst/>
-    <dgm:txLinClrLst/>
-    <dgm:txFillClrLst meth="repeat">
-      <a:schemeClr val="dk1"/>
-    </dgm:txFillClrLst>
-    <dgm:txEffectClrLst/>
-  </dgm:styleLbl>
-  <dgm:styleLbl name="solidBgAcc1">
-    <dgm:fillClrLst meth="repeat">
-      <a:schemeClr val="lt1"/>
-    </dgm:fillClrLst>
-    <dgm:linClrLst meth="repeat">
-      <a:schemeClr val="accent1"/>
-    </dgm:linClrLst>
-    <dgm:effectClrLst/>
-    <dgm:txLinClrLst/>
-    <dgm:txFillClrLst meth="repeat">
-      <a:schemeClr val="dk1"/>
-    </dgm:txFillClrLst>
-    <dgm:txEffectClrLst/>
-  </dgm:styleLbl>
-  <dgm:styleLbl name="fgAccFollowNode1">
-    <dgm:fillClrLst meth="repeat">
-      <a:schemeClr val="accent1">
-        <a:alpha val="90000"/>
-        <a:tint val="40000"/>
-      </a:schemeClr>
-    </dgm:fillClrLst>
-    <dgm:linClrLst meth="repeat">
-      <a:schemeClr val="accent1">
-        <a:alpha val="90000"/>
-        <a:tint val="40000"/>
-      </a:schemeClr>
-    </dgm:linClrLst>
-    <dgm:effectClrLst/>
-    <dgm:txLinClrLst/>
-    <dgm:txFillClrLst meth="repeat">
-      <a:schemeClr val="dk1"/>
-    </dgm:txFillClrLst>
-    <dgm:txEffectClrLst/>
-  </dgm:styleLbl>
-  <dgm:styleLbl name="alignAccFollowNode1">
-    <dgm:fillClrLst meth="repeat">
-      <a:schemeClr val="accent1">
-        <a:alpha val="90000"/>
-        <a:tint val="40000"/>
-      </a:schemeClr>
-    </dgm:fillClrLst>
-    <dgm:linClrLst meth="repeat">
-      <a:schemeClr val="accent1">
-        <a:alpha val="90000"/>
-        <a:tint val="40000"/>
-      </a:schemeClr>
-    </dgm:linClrLst>
-    <dgm:effectClrLst/>
-    <dgm:txLinClrLst/>
-    <dgm:txFillClrLst meth="repeat">
-      <a:schemeClr val="dk1"/>
-    </dgm:txFillClrLst>
-    <dgm:txEffectClrLst/>
-  </dgm:styleLbl>
-  <dgm:styleLbl name="bgAccFollowNode1">
-    <dgm:fillClrLst meth="repeat">
-      <a:schemeClr val="accent1">
-        <a:alpha val="90000"/>
-        <a:tint val="40000"/>
-      </a:schemeClr>
-    </dgm:fillClrLst>
-    <dgm:linClrLst meth="repeat">
-      <a:schemeClr val="accent1">
-        <a:alpha val="90000"/>
-        <a:tint val="40000"/>
-      </a:schemeClr>
-    </dgm:linClrLst>
-    <dgm:effectClrLst/>
-    <dgm:txLinClrLst/>
-    <dgm:txFillClrLst meth="repeat">
-      <a:schemeClr val="dk1"/>
-    </dgm:txFillClrLst>
-    <dgm:txEffectClrLst/>
-  </dgm:styleLbl>
-  <dgm:styleLbl name="fgAcc0">
-    <dgm:fillClrLst meth="repeat">
-      <a:schemeClr val="lt1">
-        <a:alpha val="90000"/>
-      </a:schemeClr>
-    </dgm:fillClrLst>
-    <dgm:linClrLst meth="repeat">
-      <a:schemeClr val="accent1"/>
-    </dgm:linClrLst>
-    <dgm:effectClrLst/>
-    <dgm:txLinClrLst/>
-    <dgm:txFillClrLst meth="repeat">
-      <a:schemeClr val="dk1"/>
-    </dgm:txFillClrLst>
-    <dgm:txEffectClrLst/>
-  </dgm:styleLbl>
-  <dgm:styleLbl name="fgAcc2">
-    <dgm:fillClrLst meth="repeat">
-      <a:schemeClr val="lt1">
-        <a:alpha val="90000"/>
-      </a:schemeClr>
-    </dgm:fillClrLst>
-    <dgm:linClrLst meth="repeat">
-      <a:schemeClr val="accent1"/>
-    </dgm:linClrLst>
-    <dgm:effectClrLst/>
-    <dgm:txLinClrLst/>
-    <dgm:txFillClrLst meth="repeat">
-      <a:schemeClr val="dk1"/>
-    </dgm:txFillClrLst>
-    <dgm:txEffectClrLst/>
-  </dgm:styleLbl>
-  <dgm:styleLbl name="fgAcc3">
-    <dgm:fillClrLst meth="repeat">
-      <a:schemeClr val="lt1">
-        <a:alpha val="90000"/>
-      </a:schemeClr>
-    </dgm:fillClrLst>
-    <dgm:linClrLst meth="repeat">
-      <a:schemeClr val="accent1"/>
-    </dgm:linClrLst>
-    <dgm:effectClrLst/>
-    <dgm:txLinClrLst/>
-    <dgm:txFillClrLst meth="repeat">
-      <a:schemeClr val="dk1"/>
-    </dgm:txFillClrLst>
-    <dgm:txEffectClrLst/>
-  </dgm:styleLbl>
-  <dgm:styleLbl name="fgAcc4">
-    <dgm:fillClrLst meth="repeat">
-      <a:schemeClr val="lt1">
-        <a:alpha val="90000"/>
-      </a:schemeClr>
-    </dgm:fillClrLst>
-    <dgm:linClrLst meth="repeat">
-      <a:schemeClr val="accent1"/>
-    </dgm:linClrLst>
-    <dgm:effectClrLst/>
-    <dgm:txLinClrLst/>
-    <dgm:txFillClrLst meth="repeat">
-      <a:schemeClr val="dk1"/>
-    </dgm:txFillClrLst>
-    <dgm:txEffectClrLst/>
-  </dgm:styleLbl>
-  <dgm:styleLbl name="bgShp">
-    <dgm:fillClrLst meth="repeat">
-      <a:schemeClr val="accent1">
-        <a:tint val="40000"/>
-      </a:schemeClr>
-    </dgm:fillClrLst>
-    <dgm:linClrLst meth="repeat">
-      <a:schemeClr val="accent1"/>
-    </dgm:linClrLst>
-    <dgm:effectClrLst/>
-    <dgm:txLinClrLst/>
-    <dgm:txFillClrLst meth="repeat">
-      <a:schemeClr val="dk1"/>
-    </dgm:txFillClrLst>
-    <dgm:txEffectClrLst/>
-  </dgm:styleLbl>
-  <dgm:styleLbl name="dkBgShp">
-    <dgm:fillClrLst meth="repeat">
-      <a:schemeClr val="accent1">
-        <a:shade val="80000"/>
-      </a:schemeClr>
-    </dgm:fillClrLst>
-    <dgm:linClrLst meth="repeat">
-      <a:schemeClr val="accent1"/>
-    </dgm:linClrLst>
-    <dgm:effectClrLst/>
-    <dgm:txLinClrLst/>
-    <dgm:txFillClrLst meth="repeat">
-      <a:schemeClr val="lt1"/>
-    </dgm:txFillClrLst>
-    <dgm:txEffectClrLst/>
-  </dgm:styleLbl>
-  <dgm:styleLbl name="trBgShp">
-    <dgm:fillClrLst meth="repeat">
-      <a:schemeClr val="accent1">
-        <a:tint val="50000"/>
-        <a:alpha val="40000"/>
-      </a:schemeClr>
-    </dgm:fillClrLst>
-    <dgm:linClrLst meth="repeat">
-      <a:schemeClr val="accent1"/>
-    </dgm:linClrLst>
-    <dgm:effectClrLst/>
-    <dgm:txLinClrLst/>
-    <dgm:txFillClrLst meth="repeat">
-      <a:schemeClr val="lt1"/>
-    </dgm:txFillClrLst>
-    <dgm:txEffectClrLst/>
-  </dgm:styleLbl>
-  <dgm:styleLbl name="fgShp">
-    <dgm:fillClrLst meth="repeat">
-      <a:schemeClr val="accent1">
-        <a:tint val="60000"/>
-      </a:schemeClr>
-    </dgm:fillClrLst>
-    <dgm:linClrLst meth="repeat">
-      <a:schemeClr val="lt1"/>
-    </dgm:linClrLst>
-    <dgm:effectClrLst/>
-    <dgm:txLinClrLst/>
-    <dgm:txFillClrLst meth="repeat">
-      <a:schemeClr val="dk1"/>
-    </dgm:txFillClrLst>
-    <dgm:txEffectClrLst/>
-  </dgm:styleLbl>
-  <dgm:styleLbl name="revTx">
-    <dgm:fillClrLst meth="repeat">
-      <a:schemeClr val="lt1">
-        <a:alpha val="0"/>
-      </a:schemeClr>
-    </dgm:fillClrLst>
-    <dgm:linClrLst meth="repeat">
-      <a:schemeClr val="dk1">
-        <a:alpha val="0"/>
-      </a:schemeClr>
-    </dgm:linClrLst>
-    <dgm:effectClrLst/>
-    <dgm:txLinClrLst/>
-    <dgm:txFillClrLst meth="repeat">
-      <a:schemeClr val="tx1"/>
-    </dgm:txFillClrLst>
-    <dgm:txEffectClrLst/>
-  </dgm:styleLbl>
-</dgm:colorsDef>
-</file>
-
-<file path=ppt/diagrams/data1.xml><?xml version="1.0" encoding="utf-8"?>
-<dgm:dataModel xmlns:dgm="http://schemas.openxmlformats.org/drawingml/2006/diagram" xmlns:a="http://schemas.openxmlformats.org/drawingml/2006/main">
-  <dgm:ptLst>
-    <dgm:pt modelId="{00C18FBF-3FF5-4C16-97CF-AF03740D7AB6}" type="doc">
-      <dgm:prSet loTypeId="urn:microsoft.com/office/officeart/2005/8/layout/hList9" loCatId="list" qsTypeId="urn:microsoft.com/office/officeart/2005/8/quickstyle/simple4" qsCatId="simple" csTypeId="urn:microsoft.com/office/officeart/2005/8/colors/accent1_2" csCatId="accent1" phldr="1"/>
-      <dgm:spPr/>
-      <dgm:t>
-        <a:bodyPr/>
-        <a:lstStyle/>
-        <a:p>
-          <a:endParaRPr lang="en-US"/>
-        </a:p>
-      </dgm:t>
-    </dgm:pt>
-    <dgm:pt modelId="{B4F1B46E-22B2-4721-950C-8704487586DC}">
-      <dgm:prSet phldrT="[Text]"/>
-      <dgm:spPr/>
-      <dgm:t>
-        <a:bodyPr/>
-        <a:lstStyle/>
-        <a:p>
-          <a:r>
-            <a:rPr lang="en-US"/>
-            <a:t>Step 1 Title</a:t>
-          </a:r>
-          <a:endParaRPr lang="en-US" dirty="0"/>
-        </a:p>
-      </dgm:t>
-    </dgm:pt>
-    <dgm:pt modelId="{E8A66543-CC4D-4785-A93E-5B125E09F826}" type="parTrans" cxnId="{2C8317B2-2EBB-4589-86EA-C77B3B6E81AA}">
-      <dgm:prSet/>
-      <dgm:spPr/>
-      <dgm:t>
-        <a:bodyPr/>
-        <a:lstStyle/>
-        <a:p>
-          <a:endParaRPr lang="en-US"/>
-        </a:p>
-      </dgm:t>
-    </dgm:pt>
-    <dgm:pt modelId="{A7E2530A-34E2-4E9F-BC78-8920BA140C41}" type="sibTrans" cxnId="{2C8317B2-2EBB-4589-86EA-C77B3B6E81AA}">
-      <dgm:prSet/>
-      <dgm:spPr/>
-      <dgm:t>
-        <a:bodyPr/>
-        <a:lstStyle/>
-        <a:p>
-          <a:endParaRPr lang="en-US"/>
-        </a:p>
-      </dgm:t>
-    </dgm:pt>
-    <dgm:pt modelId="{9D72CDD3-5859-43DB-BD75-0C3C30E3DE62}">
-      <dgm:prSet phldrT="[Text]"/>
-      <dgm:spPr/>
-      <dgm:t>
-        <a:bodyPr/>
-        <a:lstStyle/>
-        <a:p>
-          <a:r>
-            <a:rPr lang="en-US" dirty="0"/>
-            <a:t>Task description</a:t>
-          </a:r>
-        </a:p>
-      </dgm:t>
-    </dgm:pt>
-    <dgm:pt modelId="{1D5B1F83-33A7-4298-BC11-2B1252AFAEA5}" type="parTrans" cxnId="{DDB5AD9A-40B0-48EF-AF2C-8CCDA330F7FE}">
-      <dgm:prSet/>
-      <dgm:spPr/>
-      <dgm:t>
-        <a:bodyPr/>
-        <a:lstStyle/>
-        <a:p>
-          <a:endParaRPr lang="en-US"/>
-        </a:p>
-      </dgm:t>
-    </dgm:pt>
-    <dgm:pt modelId="{15E25BD4-1EBF-43C2-8885-DBF66B8429E1}" type="sibTrans" cxnId="{DDB5AD9A-40B0-48EF-AF2C-8CCDA330F7FE}">
-      <dgm:prSet/>
-      <dgm:spPr/>
-      <dgm:t>
-        <a:bodyPr/>
-        <a:lstStyle/>
-        <a:p>
-          <a:endParaRPr lang="en-US"/>
-        </a:p>
-      </dgm:t>
-    </dgm:pt>
-    <dgm:pt modelId="{F9D46839-CD06-4669-AAE4-4D1E9AFEDA78}">
-      <dgm:prSet phldrT="[Text]"/>
-      <dgm:spPr/>
-      <dgm:t>
-        <a:bodyPr/>
-        <a:lstStyle/>
-        <a:p>
-          <a:r>
-            <a:rPr lang="en-US" dirty="0"/>
-            <a:t>Task description</a:t>
-          </a:r>
-        </a:p>
-      </dgm:t>
-    </dgm:pt>
-    <dgm:pt modelId="{B6B535D8-00AB-4FA1-AAEC-92498ABC6F4C}" type="parTrans" cxnId="{AD25A8A0-4628-40E2-8C9E-64E6AD4D4D91}">
-      <dgm:prSet/>
-      <dgm:spPr/>
-      <dgm:t>
-        <a:bodyPr/>
-        <a:lstStyle/>
-        <a:p>
-          <a:endParaRPr lang="en-US"/>
-        </a:p>
-      </dgm:t>
-    </dgm:pt>
-    <dgm:pt modelId="{6497F199-DC2A-41F9-A449-D395E6BC4900}" type="sibTrans" cxnId="{AD25A8A0-4628-40E2-8C9E-64E6AD4D4D91}">
-      <dgm:prSet/>
-      <dgm:spPr/>
-      <dgm:t>
-        <a:bodyPr/>
-        <a:lstStyle/>
-        <a:p>
-          <a:endParaRPr lang="en-US"/>
-        </a:p>
-      </dgm:t>
-    </dgm:pt>
-    <dgm:pt modelId="{7CB6360B-4022-4E96-922B-A12DE0E2A39F}">
-      <dgm:prSet phldrT="[Text]"/>
-      <dgm:spPr/>
-      <dgm:t>
-        <a:bodyPr/>
-        <a:lstStyle/>
-        <a:p>
-          <a:r>
-            <a:rPr lang="en-US" dirty="0"/>
-            <a:t>Task description</a:t>
-          </a:r>
-        </a:p>
-      </dgm:t>
-    </dgm:pt>
-    <dgm:pt modelId="{44B2858F-607B-47DF-B44B-EA7D73FDC9F2}" type="parTrans" cxnId="{CD5EFFB3-C9FD-4DAC-8D97-0C2FB02B380B}">
-      <dgm:prSet/>
-      <dgm:spPr/>
-      <dgm:t>
-        <a:bodyPr/>
-        <a:lstStyle/>
-        <a:p>
-          <a:endParaRPr lang="en-US"/>
-        </a:p>
-      </dgm:t>
-    </dgm:pt>
-    <dgm:pt modelId="{B35ED9D1-2A17-4034-8D08-4945CA54F6C9}" type="sibTrans" cxnId="{CD5EFFB3-C9FD-4DAC-8D97-0C2FB02B380B}">
-      <dgm:prSet/>
-      <dgm:spPr/>
-      <dgm:t>
-        <a:bodyPr/>
-        <a:lstStyle/>
-        <a:p>
-          <a:endParaRPr lang="en-US"/>
-        </a:p>
-      </dgm:t>
-    </dgm:pt>
-    <dgm:pt modelId="{70879558-61CA-4CCD-B2D6-5349B01EF337}">
-      <dgm:prSet phldrT="[Text]"/>
-      <dgm:spPr/>
-      <dgm:t>
-        <a:bodyPr/>
-        <a:lstStyle/>
-        <a:p>
-          <a:r>
-            <a:rPr lang="en-US" dirty="0"/>
-            <a:t>Task description</a:t>
-          </a:r>
-        </a:p>
-      </dgm:t>
-    </dgm:pt>
-    <dgm:pt modelId="{95F5E6EE-4E8D-49F8-8C9E-8BBFD01B6A0E}" type="parTrans" cxnId="{8FAB4659-6291-457D-941A-93BCD304031A}">
-      <dgm:prSet/>
-      <dgm:spPr/>
-      <dgm:t>
-        <a:bodyPr/>
-        <a:lstStyle/>
-        <a:p>
-          <a:endParaRPr lang="en-US"/>
-        </a:p>
-      </dgm:t>
-    </dgm:pt>
-    <dgm:pt modelId="{053E317B-DD3F-4AFF-90D1-A55D37D325DC}" type="sibTrans" cxnId="{8FAB4659-6291-457D-941A-93BCD304031A}">
-      <dgm:prSet/>
-      <dgm:spPr/>
-      <dgm:t>
-        <a:bodyPr/>
-        <a:lstStyle/>
-        <a:p>
-          <a:endParaRPr lang="en-US"/>
-        </a:p>
-      </dgm:t>
-    </dgm:pt>
-    <dgm:pt modelId="{F2881FB1-6580-4F21-A283-BFAA6F91D5D2}">
-      <dgm:prSet phldrT="[Text]"/>
-      <dgm:spPr/>
-      <dgm:t>
-        <a:bodyPr/>
-        <a:lstStyle/>
-        <a:p>
-          <a:r>
-            <a:rPr lang="en-US" dirty="0"/>
-            <a:t>Step 2 Title</a:t>
-          </a:r>
-        </a:p>
-      </dgm:t>
-    </dgm:pt>
-    <dgm:pt modelId="{2D960FDD-BADA-480D-9043-497C56588AD3}" type="parTrans" cxnId="{4A31D641-1B5D-46D3-B685-0C4DC6EFE71B}">
-      <dgm:prSet/>
-      <dgm:spPr/>
-      <dgm:t>
-        <a:bodyPr/>
-        <a:lstStyle/>
-        <a:p>
-          <a:endParaRPr lang="en-US"/>
-        </a:p>
-      </dgm:t>
-    </dgm:pt>
-    <dgm:pt modelId="{A5ABDC17-7AB5-4F0E-992A-F9343F5D74EB}" type="sibTrans" cxnId="{4A31D641-1B5D-46D3-B685-0C4DC6EFE71B}">
-      <dgm:prSet/>
-      <dgm:spPr/>
-      <dgm:t>
-        <a:bodyPr/>
-        <a:lstStyle/>
-        <a:p>
-          <a:endParaRPr lang="en-US"/>
-        </a:p>
-      </dgm:t>
-    </dgm:pt>
-    <dgm:pt modelId="{D5197DDB-D5D2-499F-B255-CF7BB5AE2B43}">
-      <dgm:prSet phldrT="[Text]"/>
-      <dgm:spPr/>
-      <dgm:t>
-        <a:bodyPr/>
-        <a:lstStyle/>
-        <a:p>
-          <a:r>
-            <a:rPr lang="en-US" dirty="0"/>
-            <a:t>Task description</a:t>
-          </a:r>
-        </a:p>
-      </dgm:t>
-    </dgm:pt>
-    <dgm:pt modelId="{B14A4DC9-F40A-4867-ADB8-4BA8A1F83766}" type="parTrans" cxnId="{3204ED53-15A0-4643-A582-021A785F1BA2}">
-      <dgm:prSet/>
-      <dgm:spPr/>
-      <dgm:t>
-        <a:bodyPr/>
-        <a:lstStyle/>
-        <a:p>
-          <a:endParaRPr lang="en-US"/>
-        </a:p>
-      </dgm:t>
-    </dgm:pt>
-    <dgm:pt modelId="{29F2454A-2FA8-4B3A-AC63-4A0B9FD04A75}" type="sibTrans" cxnId="{3204ED53-15A0-4643-A582-021A785F1BA2}">
-      <dgm:prSet/>
-      <dgm:spPr/>
-      <dgm:t>
-        <a:bodyPr/>
-        <a:lstStyle/>
-        <a:p>
-          <a:endParaRPr lang="en-US"/>
-        </a:p>
-      </dgm:t>
-    </dgm:pt>
-    <dgm:pt modelId="{29E78340-8EBE-415C-B973-78A91A054B9C}">
-      <dgm:prSet phldrT="[Text]"/>
-      <dgm:spPr/>
-      <dgm:t>
-        <a:bodyPr/>
-        <a:lstStyle/>
-        <a:p>
-          <a:r>
-            <a:rPr lang="en-US" dirty="0"/>
-            <a:t>Task description</a:t>
-          </a:r>
-        </a:p>
-      </dgm:t>
-    </dgm:pt>
-    <dgm:pt modelId="{FF4E5F97-6974-4E39-A85D-DCB2E100798E}" type="parTrans" cxnId="{311348D8-FDE3-4C22-99F5-3B98C5F51F0D}">
-      <dgm:prSet/>
-      <dgm:spPr/>
-      <dgm:t>
-        <a:bodyPr/>
-        <a:lstStyle/>
-        <a:p>
-          <a:endParaRPr lang="en-US"/>
-        </a:p>
-      </dgm:t>
-    </dgm:pt>
-    <dgm:pt modelId="{B4B9A51E-FA34-465E-B5B4-81CD76EB3FC2}" type="sibTrans" cxnId="{311348D8-FDE3-4C22-99F5-3B98C5F51F0D}">
-      <dgm:prSet/>
-      <dgm:spPr/>
-      <dgm:t>
-        <a:bodyPr/>
-        <a:lstStyle/>
-        <a:p>
-          <a:endParaRPr lang="en-US"/>
-        </a:p>
-      </dgm:t>
-    </dgm:pt>
-    <dgm:pt modelId="{8321AB85-EA8C-4958-B404-B4C118CB3C18}">
-      <dgm:prSet phldrT="[Text]"/>
-      <dgm:spPr/>
-      <dgm:t>
-        <a:bodyPr/>
-        <a:lstStyle/>
-        <a:p>
-          <a:r>
-            <a:rPr lang="en-US" dirty="0"/>
-            <a:t>Task description</a:t>
-          </a:r>
-        </a:p>
-      </dgm:t>
-    </dgm:pt>
-    <dgm:pt modelId="{24ABE8B3-7220-436D-9636-F7B4C0B99576}" type="parTrans" cxnId="{129AEA77-5D2A-49D4-956D-99009974B6C5}">
-      <dgm:prSet/>
-      <dgm:spPr/>
-      <dgm:t>
-        <a:bodyPr/>
-        <a:lstStyle/>
-        <a:p>
-          <a:endParaRPr lang="en-US"/>
-        </a:p>
-      </dgm:t>
-    </dgm:pt>
-    <dgm:pt modelId="{AA5F76CE-8FD4-4692-8BB1-EF84CF9D365E}" type="sibTrans" cxnId="{129AEA77-5D2A-49D4-956D-99009974B6C5}">
-      <dgm:prSet/>
-      <dgm:spPr/>
-      <dgm:t>
-        <a:bodyPr/>
-        <a:lstStyle/>
-        <a:p>
-          <a:endParaRPr lang="en-US"/>
-        </a:p>
-      </dgm:t>
-    </dgm:pt>
-    <dgm:pt modelId="{6352CA33-6755-44BE-808F-400DA4CF80A7}">
-      <dgm:prSet phldrT="[Text]"/>
-      <dgm:spPr/>
-      <dgm:t>
-        <a:bodyPr/>
-        <a:lstStyle/>
-        <a:p>
-          <a:r>
-            <a:rPr lang="en-US" dirty="0"/>
-            <a:t>Step 3 Title</a:t>
-          </a:r>
-        </a:p>
-      </dgm:t>
-    </dgm:pt>
-    <dgm:pt modelId="{AEB59203-63BA-4A96-BADC-40BAEBD9AA40}" type="parTrans" cxnId="{82BAE5DD-3A79-4870-9019-1254385E0650}">
-      <dgm:prSet/>
-      <dgm:spPr/>
-      <dgm:t>
-        <a:bodyPr/>
-        <a:lstStyle/>
-        <a:p>
-          <a:endParaRPr lang="en-US"/>
-        </a:p>
-      </dgm:t>
-    </dgm:pt>
-    <dgm:pt modelId="{AAB4CF73-4B9B-4AA0-9074-16C2D2AE00A1}" type="sibTrans" cxnId="{82BAE5DD-3A79-4870-9019-1254385E0650}">
-      <dgm:prSet/>
-      <dgm:spPr/>
-      <dgm:t>
-        <a:bodyPr/>
-        <a:lstStyle/>
-        <a:p>
-          <a:endParaRPr lang="en-US"/>
-        </a:p>
-      </dgm:t>
-    </dgm:pt>
-    <dgm:pt modelId="{9614A323-64B1-4077-A841-022051EC749A}">
-      <dgm:prSet phldrT="[Text]"/>
-      <dgm:spPr/>
-      <dgm:t>
-        <a:bodyPr/>
-        <a:lstStyle/>
-        <a:p>
-          <a:r>
-            <a:rPr lang="en-US" dirty="0"/>
-            <a:t>Task description</a:t>
-          </a:r>
-        </a:p>
-      </dgm:t>
-    </dgm:pt>
-    <dgm:pt modelId="{E5F6BCBD-B84E-4018-BE9E-BF57FF3B4B36}" type="parTrans" cxnId="{FC7BD086-74EA-4D6C-9657-E916D355F209}">
-      <dgm:prSet/>
-      <dgm:spPr/>
-      <dgm:t>
-        <a:bodyPr/>
-        <a:lstStyle/>
-        <a:p>
-          <a:endParaRPr lang="en-US"/>
-        </a:p>
-      </dgm:t>
-    </dgm:pt>
-    <dgm:pt modelId="{FEC2A79F-8857-403A-A738-E8CE75C965E2}" type="sibTrans" cxnId="{FC7BD086-74EA-4D6C-9657-E916D355F209}">
-      <dgm:prSet/>
-      <dgm:spPr/>
-      <dgm:t>
-        <a:bodyPr/>
-        <a:lstStyle/>
-        <a:p>
-          <a:endParaRPr lang="en-US"/>
-        </a:p>
-      </dgm:t>
-    </dgm:pt>
-    <dgm:pt modelId="{3D5CDB25-F8FA-444B-8D4A-1D29D0CBA282}">
-      <dgm:prSet phldrT="[Text]"/>
-      <dgm:spPr/>
-      <dgm:t>
-        <a:bodyPr/>
-        <a:lstStyle/>
-        <a:p>
-          <a:r>
-            <a:rPr lang="en-US" dirty="0"/>
-            <a:t>Task description</a:t>
-          </a:r>
-        </a:p>
-      </dgm:t>
-    </dgm:pt>
-    <dgm:pt modelId="{4C229933-AC16-44B7-98EC-4C0F07FABCB0}" type="parTrans" cxnId="{2E3C97E6-67D4-4948-B47A-1115C2B2979F}">
-      <dgm:prSet/>
-      <dgm:spPr/>
-      <dgm:t>
-        <a:bodyPr/>
-        <a:lstStyle/>
-        <a:p>
-          <a:endParaRPr lang="en-US"/>
-        </a:p>
-      </dgm:t>
-    </dgm:pt>
-    <dgm:pt modelId="{189DA4C5-2A22-4C71-A806-7B4AB57767CC}" type="sibTrans" cxnId="{2E3C97E6-67D4-4948-B47A-1115C2B2979F}">
-      <dgm:prSet/>
-      <dgm:spPr/>
-      <dgm:t>
-        <a:bodyPr/>
-        <a:lstStyle/>
-        <a:p>
-          <a:endParaRPr lang="en-US"/>
-        </a:p>
-      </dgm:t>
-    </dgm:pt>
-    <dgm:pt modelId="{7FCE83D9-631B-4420-BBFC-CA0AFA59F747}">
-      <dgm:prSet phldrT="[Text]"/>
-      <dgm:spPr/>
-      <dgm:t>
-        <a:bodyPr/>
-        <a:lstStyle/>
-        <a:p>
-          <a:r>
-            <a:rPr lang="en-US" dirty="0"/>
-            <a:t>Step 4 Title</a:t>
-          </a:r>
-        </a:p>
-      </dgm:t>
-    </dgm:pt>
-    <dgm:pt modelId="{C61EC981-13FA-4710-B079-D35692EEB764}" type="parTrans" cxnId="{E572418E-4340-4448-940D-253A2FA3B9B3}">
-      <dgm:prSet/>
-      <dgm:spPr/>
-      <dgm:t>
-        <a:bodyPr/>
-        <a:lstStyle/>
-        <a:p>
-          <a:endParaRPr lang="en-US"/>
-        </a:p>
-      </dgm:t>
-    </dgm:pt>
-    <dgm:pt modelId="{1B48A0DE-4031-4D45-86A1-94CDAF68824A}" type="sibTrans" cxnId="{E572418E-4340-4448-940D-253A2FA3B9B3}">
-      <dgm:prSet/>
-      <dgm:spPr/>
-      <dgm:t>
-        <a:bodyPr/>
-        <a:lstStyle/>
-        <a:p>
-          <a:endParaRPr lang="en-US"/>
-        </a:p>
-      </dgm:t>
-    </dgm:pt>
-    <dgm:pt modelId="{DB9FB862-4759-4D6A-84F3-01524B92723B}">
-      <dgm:prSet phldrT="[Text]"/>
-      <dgm:spPr/>
-      <dgm:t>
-        <a:bodyPr/>
-        <a:lstStyle/>
-        <a:p>
-          <a:r>
-            <a:rPr lang="en-US" dirty="0"/>
-            <a:t>Task description</a:t>
-          </a:r>
-        </a:p>
-      </dgm:t>
-    </dgm:pt>
-    <dgm:pt modelId="{CD1EE44C-3116-420B-89E3-1D797CB25D34}" type="parTrans" cxnId="{70CAB4FC-3D17-49C2-8A7B-F387031FCDCA}">
-      <dgm:prSet/>
-      <dgm:spPr/>
-      <dgm:t>
-        <a:bodyPr/>
-        <a:lstStyle/>
-        <a:p>
-          <a:endParaRPr lang="en-US"/>
-        </a:p>
-      </dgm:t>
-    </dgm:pt>
-    <dgm:pt modelId="{4BD4D4A5-043E-4ED5-A5CA-8D46DADC3150}" type="sibTrans" cxnId="{70CAB4FC-3D17-49C2-8A7B-F387031FCDCA}">
-      <dgm:prSet/>
-      <dgm:spPr/>
-      <dgm:t>
-        <a:bodyPr/>
-        <a:lstStyle/>
-        <a:p>
-          <a:endParaRPr lang="en-US"/>
-        </a:p>
-      </dgm:t>
-    </dgm:pt>
-    <dgm:pt modelId="{50451020-5E1A-4778-9E8D-169182A36191}">
-      <dgm:prSet phldrT="[Text]"/>
-      <dgm:spPr/>
-      <dgm:t>
-        <a:bodyPr/>
-        <a:lstStyle/>
-        <a:p>
-          <a:r>
-            <a:rPr lang="en-US" dirty="0"/>
-            <a:t>Task description</a:t>
-          </a:r>
-        </a:p>
-      </dgm:t>
-    </dgm:pt>
-    <dgm:pt modelId="{7DFC3849-4A12-49FB-B614-8AFD597CCB9E}" type="parTrans" cxnId="{0F86DBDB-3C4F-4C84-981B-7F4CA2A8EAF3}">
-      <dgm:prSet/>
-      <dgm:spPr/>
-      <dgm:t>
-        <a:bodyPr/>
-        <a:lstStyle/>
-        <a:p>
-          <a:endParaRPr lang="en-US"/>
-        </a:p>
-      </dgm:t>
-    </dgm:pt>
-    <dgm:pt modelId="{EEDE2474-4F18-4F59-8E58-6382D253E514}" type="sibTrans" cxnId="{0F86DBDB-3C4F-4C84-981B-7F4CA2A8EAF3}">
-      <dgm:prSet/>
-      <dgm:spPr/>
-      <dgm:t>
-        <a:bodyPr/>
-        <a:lstStyle/>
-        <a:p>
-          <a:endParaRPr lang="en-US"/>
-        </a:p>
-      </dgm:t>
-    </dgm:pt>
-    <dgm:pt modelId="{0DC7A063-583D-4B0F-88B2-BD54F95D95AF}" type="pres">
-      <dgm:prSet presAssocID="{00C18FBF-3FF5-4C16-97CF-AF03740D7AB6}" presName="list" presStyleCnt="0">
-        <dgm:presLayoutVars>
-          <dgm:dir/>
-          <dgm:animLvl val="lvl"/>
-        </dgm:presLayoutVars>
-      </dgm:prSet>
-      <dgm:spPr/>
-    </dgm:pt>
-    <dgm:pt modelId="{3B23570A-ECC9-4DF8-BCB4-0465C69CBB88}" type="pres">
-      <dgm:prSet presAssocID="{B4F1B46E-22B2-4721-950C-8704487586DC}" presName="posSpace" presStyleCnt="0"/>
-      <dgm:spPr/>
-    </dgm:pt>
-    <dgm:pt modelId="{FC66A233-6BBA-46AF-B2F6-28E379B158E2}" type="pres">
-      <dgm:prSet presAssocID="{B4F1B46E-22B2-4721-950C-8704487586DC}" presName="vertFlow" presStyleCnt="0"/>
-      <dgm:spPr/>
-    </dgm:pt>
-    <dgm:pt modelId="{46739A04-1AA3-49C6-8EA7-EB1DE975B900}" type="pres">
-      <dgm:prSet presAssocID="{B4F1B46E-22B2-4721-950C-8704487586DC}" presName="topSpace" presStyleCnt="0"/>
-      <dgm:spPr/>
-    </dgm:pt>
-    <dgm:pt modelId="{535C6EC9-8098-42C5-8527-E62FF045E4EB}" type="pres">
-      <dgm:prSet presAssocID="{B4F1B46E-22B2-4721-950C-8704487586DC}" presName="firstComp" presStyleCnt="0"/>
-      <dgm:spPr/>
-    </dgm:pt>
-    <dgm:pt modelId="{6B08AC4B-4CEC-41E5-AE19-47A4E2720563}" type="pres">
-      <dgm:prSet presAssocID="{B4F1B46E-22B2-4721-950C-8704487586DC}" presName="firstChild" presStyleLbl="bgAccFollowNode1" presStyleIdx="0" presStyleCnt="11"/>
-      <dgm:spPr/>
-    </dgm:pt>
-    <dgm:pt modelId="{187D4E8C-5C91-4D00-870C-2C45D4EA263C}" type="pres">
-      <dgm:prSet presAssocID="{B4F1B46E-22B2-4721-950C-8704487586DC}" presName="firstChildTx" presStyleLbl="bgAccFollowNode1" presStyleIdx="0" presStyleCnt="11">
-        <dgm:presLayoutVars>
-          <dgm:bulletEnabled val="1"/>
-        </dgm:presLayoutVars>
-      </dgm:prSet>
-      <dgm:spPr/>
-    </dgm:pt>
-    <dgm:pt modelId="{ADF61BBD-28F4-4815-BC7F-82CF00464E8B}" type="pres">
-      <dgm:prSet presAssocID="{F9D46839-CD06-4669-AAE4-4D1E9AFEDA78}" presName="comp" presStyleCnt="0"/>
-      <dgm:spPr/>
-    </dgm:pt>
-    <dgm:pt modelId="{59179C9B-8BA4-4AC7-ACB1-A12DE00142E2}" type="pres">
-      <dgm:prSet presAssocID="{F9D46839-CD06-4669-AAE4-4D1E9AFEDA78}" presName="child" presStyleLbl="bgAccFollowNode1" presStyleIdx="1" presStyleCnt="11"/>
-      <dgm:spPr/>
-    </dgm:pt>
-    <dgm:pt modelId="{4AE7D907-B6F4-4647-AB3F-ABE94C438AE8}" type="pres">
-      <dgm:prSet presAssocID="{F9D46839-CD06-4669-AAE4-4D1E9AFEDA78}" presName="childTx" presStyleLbl="bgAccFollowNode1" presStyleIdx="1" presStyleCnt="11">
-        <dgm:presLayoutVars>
-          <dgm:bulletEnabled val="1"/>
-        </dgm:presLayoutVars>
-      </dgm:prSet>
-      <dgm:spPr/>
-    </dgm:pt>
-    <dgm:pt modelId="{E50A9A83-9985-4184-A476-E3402BD8E76E}" type="pres">
-      <dgm:prSet presAssocID="{7CB6360B-4022-4E96-922B-A12DE0E2A39F}" presName="comp" presStyleCnt="0"/>
-      <dgm:spPr/>
-    </dgm:pt>
-    <dgm:pt modelId="{1877502C-A892-4DC0-ADA6-FA065097BB90}" type="pres">
-      <dgm:prSet presAssocID="{7CB6360B-4022-4E96-922B-A12DE0E2A39F}" presName="child" presStyleLbl="bgAccFollowNode1" presStyleIdx="2" presStyleCnt="11"/>
-      <dgm:spPr/>
-    </dgm:pt>
-    <dgm:pt modelId="{D685DD23-B321-4B5E-842F-394CB33239FA}" type="pres">
-      <dgm:prSet presAssocID="{7CB6360B-4022-4E96-922B-A12DE0E2A39F}" presName="childTx" presStyleLbl="bgAccFollowNode1" presStyleIdx="2" presStyleCnt="11">
-        <dgm:presLayoutVars>
-          <dgm:bulletEnabled val="1"/>
-        </dgm:presLayoutVars>
-      </dgm:prSet>
-      <dgm:spPr/>
-    </dgm:pt>
-    <dgm:pt modelId="{E5677DE7-299C-4C9C-A4BC-6335CC601D12}" type="pres">
-      <dgm:prSet presAssocID="{70879558-61CA-4CCD-B2D6-5349B01EF337}" presName="comp" presStyleCnt="0"/>
-      <dgm:spPr/>
-    </dgm:pt>
-    <dgm:pt modelId="{51F68A05-A560-4C6F-BC90-521AEF3B0907}" type="pres">
-      <dgm:prSet presAssocID="{70879558-61CA-4CCD-B2D6-5349B01EF337}" presName="child" presStyleLbl="bgAccFollowNode1" presStyleIdx="3" presStyleCnt="11"/>
-      <dgm:spPr/>
-    </dgm:pt>
-    <dgm:pt modelId="{3EBE42F0-6491-49CC-95DC-985BA00CD458}" type="pres">
-      <dgm:prSet presAssocID="{70879558-61CA-4CCD-B2D6-5349B01EF337}" presName="childTx" presStyleLbl="bgAccFollowNode1" presStyleIdx="3" presStyleCnt="11">
-        <dgm:presLayoutVars>
-          <dgm:bulletEnabled val="1"/>
-        </dgm:presLayoutVars>
-      </dgm:prSet>
-      <dgm:spPr/>
-    </dgm:pt>
-    <dgm:pt modelId="{3845DB9A-BEF3-4D5D-B9C7-5FC0456401AC}" type="pres">
-      <dgm:prSet presAssocID="{B4F1B46E-22B2-4721-950C-8704487586DC}" presName="negSpace" presStyleCnt="0"/>
-      <dgm:spPr/>
-    </dgm:pt>
-    <dgm:pt modelId="{FC7ED273-8CFD-43C2-9C05-44FADF3E0637}" type="pres">
-      <dgm:prSet presAssocID="{B4F1B46E-22B2-4721-950C-8704487586DC}" presName="circle" presStyleLbl="node1" presStyleIdx="0" presStyleCnt="4"/>
-      <dgm:spPr/>
-    </dgm:pt>
-    <dgm:pt modelId="{13C564B0-C27E-4ABA-AFDA-59E145B256BA}" type="pres">
-      <dgm:prSet presAssocID="{A7E2530A-34E2-4E9F-BC78-8920BA140C41}" presName="transSpace" presStyleCnt="0"/>
-      <dgm:spPr/>
-    </dgm:pt>
-    <dgm:pt modelId="{6300E233-87DF-4270-9808-160BFEB8A5BE}" type="pres">
-      <dgm:prSet presAssocID="{F2881FB1-6580-4F21-A283-BFAA6F91D5D2}" presName="posSpace" presStyleCnt="0"/>
-      <dgm:spPr/>
-    </dgm:pt>
-    <dgm:pt modelId="{6E53DEF7-499E-42EE-802D-59B2F8915392}" type="pres">
-      <dgm:prSet presAssocID="{F2881FB1-6580-4F21-A283-BFAA6F91D5D2}" presName="vertFlow" presStyleCnt="0"/>
-      <dgm:spPr/>
-    </dgm:pt>
-    <dgm:pt modelId="{E08C30D1-35EA-4D05-9731-5D01E3FCBD09}" type="pres">
-      <dgm:prSet presAssocID="{F2881FB1-6580-4F21-A283-BFAA6F91D5D2}" presName="topSpace" presStyleCnt="0"/>
-      <dgm:spPr/>
-    </dgm:pt>
-    <dgm:pt modelId="{2F3BD88A-9166-4A26-B941-B9BAEE1A11D5}" type="pres">
-      <dgm:prSet presAssocID="{F2881FB1-6580-4F21-A283-BFAA6F91D5D2}" presName="firstComp" presStyleCnt="0"/>
-      <dgm:spPr/>
-    </dgm:pt>
-    <dgm:pt modelId="{F660F4B9-35DB-4256-A868-A35C6DCCF6B2}" type="pres">
-      <dgm:prSet presAssocID="{F2881FB1-6580-4F21-A283-BFAA6F91D5D2}" presName="firstChild" presStyleLbl="bgAccFollowNode1" presStyleIdx="4" presStyleCnt="11"/>
-      <dgm:spPr/>
-    </dgm:pt>
-    <dgm:pt modelId="{10C9E3CF-3A8F-4100-8ACD-91E2373197A2}" type="pres">
-      <dgm:prSet presAssocID="{F2881FB1-6580-4F21-A283-BFAA6F91D5D2}" presName="firstChildTx" presStyleLbl="bgAccFollowNode1" presStyleIdx="4" presStyleCnt="11">
-        <dgm:presLayoutVars>
-          <dgm:bulletEnabled val="1"/>
-        </dgm:presLayoutVars>
-      </dgm:prSet>
-      <dgm:spPr/>
-    </dgm:pt>
-    <dgm:pt modelId="{60887C36-4733-46AC-A452-5444F6BC3B23}" type="pres">
-      <dgm:prSet presAssocID="{29E78340-8EBE-415C-B973-78A91A054B9C}" presName="comp" presStyleCnt="0"/>
-      <dgm:spPr/>
-    </dgm:pt>
-    <dgm:pt modelId="{614EBA0E-D12B-447E-B378-B0FA2DEBEA2F}" type="pres">
-      <dgm:prSet presAssocID="{29E78340-8EBE-415C-B973-78A91A054B9C}" presName="child" presStyleLbl="bgAccFollowNode1" presStyleIdx="5" presStyleCnt="11"/>
-      <dgm:spPr/>
-    </dgm:pt>
-    <dgm:pt modelId="{B12AEB83-0A64-4B36-BF01-B2F834861BAA}" type="pres">
-      <dgm:prSet presAssocID="{29E78340-8EBE-415C-B973-78A91A054B9C}" presName="childTx" presStyleLbl="bgAccFollowNode1" presStyleIdx="5" presStyleCnt="11">
-        <dgm:presLayoutVars>
-          <dgm:bulletEnabled val="1"/>
-        </dgm:presLayoutVars>
-      </dgm:prSet>
-      <dgm:spPr/>
-    </dgm:pt>
-    <dgm:pt modelId="{3055F178-D8CA-413A-99F2-20C8231C0651}" type="pres">
-      <dgm:prSet presAssocID="{8321AB85-EA8C-4958-B404-B4C118CB3C18}" presName="comp" presStyleCnt="0"/>
-      <dgm:spPr/>
-    </dgm:pt>
-    <dgm:pt modelId="{68509703-D239-4E1B-8CF0-EF08079E1226}" type="pres">
-      <dgm:prSet presAssocID="{8321AB85-EA8C-4958-B404-B4C118CB3C18}" presName="child" presStyleLbl="bgAccFollowNode1" presStyleIdx="6" presStyleCnt="11"/>
-      <dgm:spPr/>
-    </dgm:pt>
-    <dgm:pt modelId="{E1767793-EDD5-4203-A612-8120A71CA906}" type="pres">
-      <dgm:prSet presAssocID="{8321AB85-EA8C-4958-B404-B4C118CB3C18}" presName="childTx" presStyleLbl="bgAccFollowNode1" presStyleIdx="6" presStyleCnt="11">
-        <dgm:presLayoutVars>
-          <dgm:bulletEnabled val="1"/>
-        </dgm:presLayoutVars>
-      </dgm:prSet>
-      <dgm:spPr/>
-    </dgm:pt>
-    <dgm:pt modelId="{69136330-53DB-4978-A56B-160862279381}" type="pres">
-      <dgm:prSet presAssocID="{F2881FB1-6580-4F21-A283-BFAA6F91D5D2}" presName="negSpace" presStyleCnt="0"/>
-      <dgm:spPr/>
-    </dgm:pt>
-    <dgm:pt modelId="{FD776C1E-557E-4553-9447-49B69EEC7907}" type="pres">
-      <dgm:prSet presAssocID="{F2881FB1-6580-4F21-A283-BFAA6F91D5D2}" presName="circle" presStyleLbl="node1" presStyleIdx="1" presStyleCnt="4"/>
-      <dgm:spPr/>
-    </dgm:pt>
-    <dgm:pt modelId="{FC2522F1-14BB-4B37-B60E-2E8A7E8A6C30}" type="pres">
-      <dgm:prSet presAssocID="{A5ABDC17-7AB5-4F0E-992A-F9343F5D74EB}" presName="transSpace" presStyleCnt="0"/>
-      <dgm:spPr/>
-    </dgm:pt>
-    <dgm:pt modelId="{2C2F6211-85A7-47FE-9239-DE94DF41A263}" type="pres">
-      <dgm:prSet presAssocID="{6352CA33-6755-44BE-808F-400DA4CF80A7}" presName="posSpace" presStyleCnt="0"/>
-      <dgm:spPr/>
-    </dgm:pt>
-    <dgm:pt modelId="{7B0C2EAE-70CB-4160-863D-210C3C66D5FD}" type="pres">
-      <dgm:prSet presAssocID="{6352CA33-6755-44BE-808F-400DA4CF80A7}" presName="vertFlow" presStyleCnt="0"/>
-      <dgm:spPr/>
-    </dgm:pt>
-    <dgm:pt modelId="{5AF3752E-55A6-443C-AD35-C49DF50A4566}" type="pres">
-      <dgm:prSet presAssocID="{6352CA33-6755-44BE-808F-400DA4CF80A7}" presName="topSpace" presStyleCnt="0"/>
-      <dgm:spPr/>
-    </dgm:pt>
-    <dgm:pt modelId="{53567A66-F0E9-4EF8-ADA9-764BA36AA6A9}" type="pres">
-      <dgm:prSet presAssocID="{6352CA33-6755-44BE-808F-400DA4CF80A7}" presName="firstComp" presStyleCnt="0"/>
-      <dgm:spPr/>
-    </dgm:pt>
-    <dgm:pt modelId="{AD2806AC-6A03-4F05-9F4D-F72EA0E56FBF}" type="pres">
-      <dgm:prSet presAssocID="{6352CA33-6755-44BE-808F-400DA4CF80A7}" presName="firstChild" presStyleLbl="bgAccFollowNode1" presStyleIdx="7" presStyleCnt="11"/>
-      <dgm:spPr/>
-    </dgm:pt>
-    <dgm:pt modelId="{F8977219-728E-448F-AE8B-46B14F4F17DE}" type="pres">
-      <dgm:prSet presAssocID="{6352CA33-6755-44BE-808F-400DA4CF80A7}" presName="firstChildTx" presStyleLbl="bgAccFollowNode1" presStyleIdx="7" presStyleCnt="11">
-        <dgm:presLayoutVars>
-          <dgm:bulletEnabled val="1"/>
-        </dgm:presLayoutVars>
-      </dgm:prSet>
-      <dgm:spPr/>
-    </dgm:pt>
-    <dgm:pt modelId="{46A8623B-DC64-4ED6-B73D-98FEAB030508}" type="pres">
-      <dgm:prSet presAssocID="{3D5CDB25-F8FA-444B-8D4A-1D29D0CBA282}" presName="comp" presStyleCnt="0"/>
-      <dgm:spPr/>
-    </dgm:pt>
-    <dgm:pt modelId="{5314AADB-0AD3-4BAE-9F15-B0FE4F44C802}" type="pres">
-      <dgm:prSet presAssocID="{3D5CDB25-F8FA-444B-8D4A-1D29D0CBA282}" presName="child" presStyleLbl="bgAccFollowNode1" presStyleIdx="8" presStyleCnt="11"/>
-      <dgm:spPr/>
-    </dgm:pt>
-    <dgm:pt modelId="{96624143-7928-48E9-817F-BC4A07250C32}" type="pres">
-      <dgm:prSet presAssocID="{3D5CDB25-F8FA-444B-8D4A-1D29D0CBA282}" presName="childTx" presStyleLbl="bgAccFollowNode1" presStyleIdx="8" presStyleCnt="11">
-        <dgm:presLayoutVars>
-          <dgm:bulletEnabled val="1"/>
-        </dgm:presLayoutVars>
-      </dgm:prSet>
-      <dgm:spPr/>
-    </dgm:pt>
-    <dgm:pt modelId="{FBCC4E74-37C0-494F-ABC0-7D18132E1437}" type="pres">
-      <dgm:prSet presAssocID="{6352CA33-6755-44BE-808F-400DA4CF80A7}" presName="negSpace" presStyleCnt="0"/>
-      <dgm:spPr/>
-    </dgm:pt>
-    <dgm:pt modelId="{89E6DA6E-7A23-44BD-8A99-378091FF741D}" type="pres">
-      <dgm:prSet presAssocID="{6352CA33-6755-44BE-808F-400DA4CF80A7}" presName="circle" presStyleLbl="node1" presStyleIdx="2" presStyleCnt="4"/>
-      <dgm:spPr/>
-    </dgm:pt>
-    <dgm:pt modelId="{E966790E-26B5-4EB8-981F-1094BF4B7611}" type="pres">
-      <dgm:prSet presAssocID="{AAB4CF73-4B9B-4AA0-9074-16C2D2AE00A1}" presName="transSpace" presStyleCnt="0"/>
-      <dgm:spPr/>
-    </dgm:pt>
-    <dgm:pt modelId="{229B7655-E1F4-4CF5-84B8-30F0491D32B5}" type="pres">
-      <dgm:prSet presAssocID="{7FCE83D9-631B-4420-BBFC-CA0AFA59F747}" presName="posSpace" presStyleCnt="0"/>
-      <dgm:spPr/>
-    </dgm:pt>
-    <dgm:pt modelId="{F85FFCDF-8E5F-492B-B22D-55A08EACE783}" type="pres">
-      <dgm:prSet presAssocID="{7FCE83D9-631B-4420-BBFC-CA0AFA59F747}" presName="vertFlow" presStyleCnt="0"/>
-      <dgm:spPr/>
-    </dgm:pt>
-    <dgm:pt modelId="{600B3FB2-1315-4A84-8613-B445666BC7D2}" type="pres">
-      <dgm:prSet presAssocID="{7FCE83D9-631B-4420-BBFC-CA0AFA59F747}" presName="topSpace" presStyleCnt="0"/>
-      <dgm:spPr/>
-    </dgm:pt>
-    <dgm:pt modelId="{E47C73E9-FBEE-4370-9B3F-E04EB7C4023A}" type="pres">
-      <dgm:prSet presAssocID="{7FCE83D9-631B-4420-BBFC-CA0AFA59F747}" presName="firstComp" presStyleCnt="0"/>
-      <dgm:spPr/>
-    </dgm:pt>
-    <dgm:pt modelId="{402C2C77-A32C-4D99-9940-12535E1181F2}" type="pres">
-      <dgm:prSet presAssocID="{7FCE83D9-631B-4420-BBFC-CA0AFA59F747}" presName="firstChild" presStyleLbl="bgAccFollowNode1" presStyleIdx="9" presStyleCnt="11"/>
-      <dgm:spPr/>
-    </dgm:pt>
-    <dgm:pt modelId="{5B88A17E-EFF5-4A04-9CC9-D2131DA9ECCC}" type="pres">
-      <dgm:prSet presAssocID="{7FCE83D9-631B-4420-BBFC-CA0AFA59F747}" presName="firstChildTx" presStyleLbl="bgAccFollowNode1" presStyleIdx="9" presStyleCnt="11">
-        <dgm:presLayoutVars>
-          <dgm:bulletEnabled val="1"/>
-        </dgm:presLayoutVars>
-      </dgm:prSet>
-      <dgm:spPr/>
-    </dgm:pt>
-    <dgm:pt modelId="{F3C2D87B-A5E7-46E2-B3D3-58E6D9562663}" type="pres">
-      <dgm:prSet presAssocID="{50451020-5E1A-4778-9E8D-169182A36191}" presName="comp" presStyleCnt="0"/>
-      <dgm:spPr/>
-    </dgm:pt>
-    <dgm:pt modelId="{3086D0BF-AAD1-4310-88ED-4D81A687BD50}" type="pres">
-      <dgm:prSet presAssocID="{50451020-5E1A-4778-9E8D-169182A36191}" presName="child" presStyleLbl="bgAccFollowNode1" presStyleIdx="10" presStyleCnt="11"/>
-      <dgm:spPr/>
-    </dgm:pt>
-    <dgm:pt modelId="{2B18CCD9-D6B1-4225-8D26-4BA691BB1837}" type="pres">
-      <dgm:prSet presAssocID="{50451020-5E1A-4778-9E8D-169182A36191}" presName="childTx" presStyleLbl="bgAccFollowNode1" presStyleIdx="10" presStyleCnt="11">
-        <dgm:presLayoutVars>
-          <dgm:bulletEnabled val="1"/>
-        </dgm:presLayoutVars>
-      </dgm:prSet>
-      <dgm:spPr/>
-    </dgm:pt>
-    <dgm:pt modelId="{9051EF7D-7D6C-4B43-A6C4-239F9933C94D}" type="pres">
-      <dgm:prSet presAssocID="{7FCE83D9-631B-4420-BBFC-CA0AFA59F747}" presName="negSpace" presStyleCnt="0"/>
-      <dgm:spPr/>
-    </dgm:pt>
-    <dgm:pt modelId="{7453D9C8-CD6E-4AA4-8A19-7F6F667528F0}" type="pres">
-      <dgm:prSet presAssocID="{7FCE83D9-631B-4420-BBFC-CA0AFA59F747}" presName="circle" presStyleLbl="node1" presStyleIdx="3" presStyleCnt="4"/>
-      <dgm:spPr/>
-    </dgm:pt>
-  </dgm:ptLst>
-  <dgm:cxnLst>
-    <dgm:cxn modelId="{4CCFFDF9-D8E9-43FF-9A5C-0D554AC5AAB1}" type="presOf" srcId="{50451020-5E1A-4778-9E8D-169182A36191}" destId="{2B18CCD9-D6B1-4225-8D26-4BA691BB1837}" srcOrd="1" destOrd="0" presId="urn:microsoft.com/office/officeart/2005/8/layout/hList9"/>
-    <dgm:cxn modelId="{2DF4FDC6-9998-45E2-B49B-7BDDAE43878E}" type="presOf" srcId="{B4F1B46E-22B2-4721-950C-8704487586DC}" destId="{FC7ED273-8CFD-43C2-9C05-44FADF3E0637}" srcOrd="0" destOrd="0" presId="urn:microsoft.com/office/officeart/2005/8/layout/hList9"/>
-    <dgm:cxn modelId="{FFE7CF3F-C427-4831-953F-615124811AB4}" type="presOf" srcId="{8321AB85-EA8C-4958-B404-B4C118CB3C18}" destId="{E1767793-EDD5-4203-A612-8120A71CA906}" srcOrd="1" destOrd="0" presId="urn:microsoft.com/office/officeart/2005/8/layout/hList9"/>
-    <dgm:cxn modelId="{DDB5AD9A-40B0-48EF-AF2C-8CCDA330F7FE}" srcId="{B4F1B46E-22B2-4721-950C-8704487586DC}" destId="{9D72CDD3-5859-43DB-BD75-0C3C30E3DE62}" srcOrd="0" destOrd="0" parTransId="{1D5B1F83-33A7-4298-BC11-2B1252AFAEA5}" sibTransId="{15E25BD4-1EBF-43C2-8885-DBF66B8429E1}"/>
-    <dgm:cxn modelId="{62ECA4F6-D6A0-41F0-AB7C-2AA480A6F080}" type="presOf" srcId="{70879558-61CA-4CCD-B2D6-5349B01EF337}" destId="{3EBE42F0-6491-49CC-95DC-985BA00CD458}" srcOrd="1" destOrd="0" presId="urn:microsoft.com/office/officeart/2005/8/layout/hList9"/>
-    <dgm:cxn modelId="{2C8317B2-2EBB-4589-86EA-C77B3B6E81AA}" srcId="{00C18FBF-3FF5-4C16-97CF-AF03740D7AB6}" destId="{B4F1B46E-22B2-4721-950C-8704487586DC}" srcOrd="0" destOrd="0" parTransId="{E8A66543-CC4D-4785-A93E-5B125E09F826}" sibTransId="{A7E2530A-34E2-4E9F-BC78-8920BA140C41}"/>
-    <dgm:cxn modelId="{E572418E-4340-4448-940D-253A2FA3B9B3}" srcId="{00C18FBF-3FF5-4C16-97CF-AF03740D7AB6}" destId="{7FCE83D9-631B-4420-BBFC-CA0AFA59F747}" srcOrd="3" destOrd="0" parTransId="{C61EC981-13FA-4710-B079-D35692EEB764}" sibTransId="{1B48A0DE-4031-4D45-86A1-94CDAF68824A}"/>
-    <dgm:cxn modelId="{70CAB4FC-3D17-49C2-8A7B-F387031FCDCA}" srcId="{7FCE83D9-631B-4420-BBFC-CA0AFA59F747}" destId="{DB9FB862-4759-4D6A-84F3-01524B92723B}" srcOrd="0" destOrd="0" parTransId="{CD1EE44C-3116-420B-89E3-1D797CB25D34}" sibTransId="{4BD4D4A5-043E-4ED5-A5CA-8D46DADC3150}"/>
-    <dgm:cxn modelId="{2E3C97E6-67D4-4948-B47A-1115C2B2979F}" srcId="{6352CA33-6755-44BE-808F-400DA4CF80A7}" destId="{3D5CDB25-F8FA-444B-8D4A-1D29D0CBA282}" srcOrd="1" destOrd="0" parTransId="{4C229933-AC16-44B7-98EC-4C0F07FABCB0}" sibTransId="{189DA4C5-2A22-4C71-A806-7B4AB57767CC}"/>
-    <dgm:cxn modelId="{70AA2139-FA57-4EAA-83C0-CFBB31F3B2CD}" type="presOf" srcId="{9D72CDD3-5859-43DB-BD75-0C3C30E3DE62}" destId="{187D4E8C-5C91-4D00-870C-2C45D4EA263C}" srcOrd="1" destOrd="0" presId="urn:microsoft.com/office/officeart/2005/8/layout/hList9"/>
-    <dgm:cxn modelId="{0F86DBDB-3C4F-4C84-981B-7F4CA2A8EAF3}" srcId="{7FCE83D9-631B-4420-BBFC-CA0AFA59F747}" destId="{50451020-5E1A-4778-9E8D-169182A36191}" srcOrd="1" destOrd="0" parTransId="{7DFC3849-4A12-49FB-B614-8AFD597CCB9E}" sibTransId="{EEDE2474-4F18-4F59-8E58-6382D253E514}"/>
-    <dgm:cxn modelId="{77F620CE-FC2D-42CF-890C-6A28A43BA06E}" type="presOf" srcId="{F2881FB1-6580-4F21-A283-BFAA6F91D5D2}" destId="{FD776C1E-557E-4553-9447-49B69EEC7907}" srcOrd="0" destOrd="0" presId="urn:microsoft.com/office/officeart/2005/8/layout/hList9"/>
-    <dgm:cxn modelId="{8FAB4659-6291-457D-941A-93BCD304031A}" srcId="{B4F1B46E-22B2-4721-950C-8704487586DC}" destId="{70879558-61CA-4CCD-B2D6-5349B01EF337}" srcOrd="3" destOrd="0" parTransId="{95F5E6EE-4E8D-49F8-8C9E-8BBFD01B6A0E}" sibTransId="{053E317B-DD3F-4AFF-90D1-A55D37D325DC}"/>
-    <dgm:cxn modelId="{7F3B5912-CE3A-4F69-B6A0-82162798FA63}" type="presOf" srcId="{00C18FBF-3FF5-4C16-97CF-AF03740D7AB6}" destId="{0DC7A063-583D-4B0F-88B2-BD54F95D95AF}" srcOrd="0" destOrd="0" presId="urn:microsoft.com/office/officeart/2005/8/layout/hList9"/>
-    <dgm:cxn modelId="{6C9D5899-99E2-4916-98F9-1660647928E3}" type="presOf" srcId="{DB9FB862-4759-4D6A-84F3-01524B92723B}" destId="{5B88A17E-EFF5-4A04-9CC9-D2131DA9ECCC}" srcOrd="1" destOrd="0" presId="urn:microsoft.com/office/officeart/2005/8/layout/hList9"/>
-    <dgm:cxn modelId="{A587C2CB-6562-4021-B4BF-D479DBE9444F}" type="presOf" srcId="{D5197DDB-D5D2-499F-B255-CF7BB5AE2B43}" destId="{F660F4B9-35DB-4256-A868-A35C6DCCF6B2}" srcOrd="0" destOrd="0" presId="urn:microsoft.com/office/officeart/2005/8/layout/hList9"/>
-    <dgm:cxn modelId="{B635AE6E-37F7-4F2E-8725-C1D81C11EBE6}" type="presOf" srcId="{8321AB85-EA8C-4958-B404-B4C118CB3C18}" destId="{68509703-D239-4E1B-8CF0-EF08079E1226}" srcOrd="0" destOrd="0" presId="urn:microsoft.com/office/officeart/2005/8/layout/hList9"/>
-    <dgm:cxn modelId="{129AEA77-5D2A-49D4-956D-99009974B6C5}" srcId="{F2881FB1-6580-4F21-A283-BFAA6F91D5D2}" destId="{8321AB85-EA8C-4958-B404-B4C118CB3C18}" srcOrd="2" destOrd="0" parTransId="{24ABE8B3-7220-436D-9636-F7B4C0B99576}" sibTransId="{AA5F76CE-8FD4-4692-8BB1-EF84CF9D365E}"/>
-    <dgm:cxn modelId="{FC7BD086-74EA-4D6C-9657-E916D355F209}" srcId="{6352CA33-6755-44BE-808F-400DA4CF80A7}" destId="{9614A323-64B1-4077-A841-022051EC749A}" srcOrd="0" destOrd="0" parTransId="{E5F6BCBD-B84E-4018-BE9E-BF57FF3B4B36}" sibTransId="{FEC2A79F-8857-403A-A738-E8CE75C965E2}"/>
-    <dgm:cxn modelId="{114529EA-CDEE-4574-B59D-8F35E4FE7A75}" type="presOf" srcId="{50451020-5E1A-4778-9E8D-169182A36191}" destId="{3086D0BF-AAD1-4310-88ED-4D81A687BD50}" srcOrd="0" destOrd="0" presId="urn:microsoft.com/office/officeart/2005/8/layout/hList9"/>
-    <dgm:cxn modelId="{3F290A52-8A4A-4469-9AB4-D811A6E23C3C}" type="presOf" srcId="{F9D46839-CD06-4669-AAE4-4D1E9AFEDA78}" destId="{59179C9B-8BA4-4AC7-ACB1-A12DE00142E2}" srcOrd="0" destOrd="0" presId="urn:microsoft.com/office/officeart/2005/8/layout/hList9"/>
-    <dgm:cxn modelId="{B736D792-8630-4423-BF25-ED6293A18ADD}" type="presOf" srcId="{9614A323-64B1-4077-A841-022051EC749A}" destId="{F8977219-728E-448F-AE8B-46B14F4F17DE}" srcOrd="1" destOrd="0" presId="urn:microsoft.com/office/officeart/2005/8/layout/hList9"/>
-    <dgm:cxn modelId="{70E22FBE-4510-487A-BD3F-D791559A8263}" type="presOf" srcId="{3D5CDB25-F8FA-444B-8D4A-1D29D0CBA282}" destId="{5314AADB-0AD3-4BAE-9F15-B0FE4F44C802}" srcOrd="0" destOrd="0" presId="urn:microsoft.com/office/officeart/2005/8/layout/hList9"/>
-    <dgm:cxn modelId="{91E5380B-556D-40F8-ABFD-10D81CAF19AA}" type="presOf" srcId="{7CB6360B-4022-4E96-922B-A12DE0E2A39F}" destId="{D685DD23-B321-4B5E-842F-394CB33239FA}" srcOrd="1" destOrd="0" presId="urn:microsoft.com/office/officeart/2005/8/layout/hList9"/>
-    <dgm:cxn modelId="{20AF3F0D-FCCC-4AE8-8B10-DDA56D69A389}" type="presOf" srcId="{6352CA33-6755-44BE-808F-400DA4CF80A7}" destId="{89E6DA6E-7A23-44BD-8A99-378091FF741D}" srcOrd="0" destOrd="0" presId="urn:microsoft.com/office/officeart/2005/8/layout/hList9"/>
-    <dgm:cxn modelId="{EDF0B63A-DCA1-49A5-910A-B447CA5609B2}" type="presOf" srcId="{3D5CDB25-F8FA-444B-8D4A-1D29D0CBA282}" destId="{96624143-7928-48E9-817F-BC4A07250C32}" srcOrd="1" destOrd="0" presId="urn:microsoft.com/office/officeart/2005/8/layout/hList9"/>
-    <dgm:cxn modelId="{F3210AD4-6CEB-4017-A75B-E24F2FA3B062}" type="presOf" srcId="{70879558-61CA-4CCD-B2D6-5349B01EF337}" destId="{51F68A05-A560-4C6F-BC90-521AEF3B0907}" srcOrd="0" destOrd="0" presId="urn:microsoft.com/office/officeart/2005/8/layout/hList9"/>
-    <dgm:cxn modelId="{C0DEB330-C4FA-4F66-86CA-0C9C52F1F01F}" type="presOf" srcId="{29E78340-8EBE-415C-B973-78A91A054B9C}" destId="{B12AEB83-0A64-4B36-BF01-B2F834861BAA}" srcOrd="1" destOrd="0" presId="urn:microsoft.com/office/officeart/2005/8/layout/hList9"/>
-    <dgm:cxn modelId="{0E640A01-5254-426D-9300-3ED2F4E3FC75}" type="presOf" srcId="{29E78340-8EBE-415C-B973-78A91A054B9C}" destId="{614EBA0E-D12B-447E-B378-B0FA2DEBEA2F}" srcOrd="0" destOrd="0" presId="urn:microsoft.com/office/officeart/2005/8/layout/hList9"/>
-    <dgm:cxn modelId="{9740321C-35B3-4F5F-BD46-905CB7B8FAEB}" type="presOf" srcId="{9614A323-64B1-4077-A841-022051EC749A}" destId="{AD2806AC-6A03-4F05-9F4D-F72EA0E56FBF}" srcOrd="0" destOrd="0" presId="urn:microsoft.com/office/officeart/2005/8/layout/hList9"/>
-    <dgm:cxn modelId="{4A31D641-1B5D-46D3-B685-0C4DC6EFE71B}" srcId="{00C18FBF-3FF5-4C16-97CF-AF03740D7AB6}" destId="{F2881FB1-6580-4F21-A283-BFAA6F91D5D2}" srcOrd="1" destOrd="0" parTransId="{2D960FDD-BADA-480D-9043-497C56588AD3}" sibTransId="{A5ABDC17-7AB5-4F0E-992A-F9343F5D74EB}"/>
-    <dgm:cxn modelId="{CD5EFFB3-C9FD-4DAC-8D97-0C2FB02B380B}" srcId="{B4F1B46E-22B2-4721-950C-8704487586DC}" destId="{7CB6360B-4022-4E96-922B-A12DE0E2A39F}" srcOrd="2" destOrd="0" parTransId="{44B2858F-607B-47DF-B44B-EA7D73FDC9F2}" sibTransId="{B35ED9D1-2A17-4034-8D08-4945CA54F6C9}"/>
-    <dgm:cxn modelId="{92B5CCEF-1CDF-4025-ACF6-0780E13B9A00}" type="presOf" srcId="{7CB6360B-4022-4E96-922B-A12DE0E2A39F}" destId="{1877502C-A892-4DC0-ADA6-FA065097BB90}" srcOrd="0" destOrd="0" presId="urn:microsoft.com/office/officeart/2005/8/layout/hList9"/>
-    <dgm:cxn modelId="{311348D8-FDE3-4C22-99F5-3B98C5F51F0D}" srcId="{F2881FB1-6580-4F21-A283-BFAA6F91D5D2}" destId="{29E78340-8EBE-415C-B973-78A91A054B9C}" srcOrd="1" destOrd="0" parTransId="{FF4E5F97-6974-4E39-A85D-DCB2E100798E}" sibTransId="{B4B9A51E-FA34-465E-B5B4-81CD76EB3FC2}"/>
-    <dgm:cxn modelId="{16E03549-76FD-4D73-932D-9C88E7D9FF05}" type="presOf" srcId="{DB9FB862-4759-4D6A-84F3-01524B92723B}" destId="{402C2C77-A32C-4D99-9940-12535E1181F2}" srcOrd="0" destOrd="0" presId="urn:microsoft.com/office/officeart/2005/8/layout/hList9"/>
-    <dgm:cxn modelId="{AACC54D1-0243-46E9-9624-A663799E8A06}" type="presOf" srcId="{9D72CDD3-5859-43DB-BD75-0C3C30E3DE62}" destId="{6B08AC4B-4CEC-41E5-AE19-47A4E2720563}" srcOrd="0" destOrd="0" presId="urn:microsoft.com/office/officeart/2005/8/layout/hList9"/>
-    <dgm:cxn modelId="{3204ED53-15A0-4643-A582-021A785F1BA2}" srcId="{F2881FB1-6580-4F21-A283-BFAA6F91D5D2}" destId="{D5197DDB-D5D2-499F-B255-CF7BB5AE2B43}" srcOrd="0" destOrd="0" parTransId="{B14A4DC9-F40A-4867-ADB8-4BA8A1F83766}" sibTransId="{29F2454A-2FA8-4B3A-AC63-4A0B9FD04A75}"/>
-    <dgm:cxn modelId="{82BAE5DD-3A79-4870-9019-1254385E0650}" srcId="{00C18FBF-3FF5-4C16-97CF-AF03740D7AB6}" destId="{6352CA33-6755-44BE-808F-400DA4CF80A7}" srcOrd="2" destOrd="0" parTransId="{AEB59203-63BA-4A96-BADC-40BAEBD9AA40}" sibTransId="{AAB4CF73-4B9B-4AA0-9074-16C2D2AE00A1}"/>
-    <dgm:cxn modelId="{59E871E8-E7D2-4CCC-B749-A714977AF5E6}" type="presOf" srcId="{D5197DDB-D5D2-499F-B255-CF7BB5AE2B43}" destId="{10C9E3CF-3A8F-4100-8ACD-91E2373197A2}" srcOrd="1" destOrd="0" presId="urn:microsoft.com/office/officeart/2005/8/layout/hList9"/>
-    <dgm:cxn modelId="{AD25A8A0-4628-40E2-8C9E-64E6AD4D4D91}" srcId="{B4F1B46E-22B2-4721-950C-8704487586DC}" destId="{F9D46839-CD06-4669-AAE4-4D1E9AFEDA78}" srcOrd="1" destOrd="0" parTransId="{B6B535D8-00AB-4FA1-AAEC-92498ABC6F4C}" sibTransId="{6497F199-DC2A-41F9-A449-D395E6BC4900}"/>
-    <dgm:cxn modelId="{3EF668B1-7B6A-40A1-9E64-0829B2EF0539}" type="presOf" srcId="{F9D46839-CD06-4669-AAE4-4D1E9AFEDA78}" destId="{4AE7D907-B6F4-4647-AB3F-ABE94C438AE8}" srcOrd="1" destOrd="0" presId="urn:microsoft.com/office/officeart/2005/8/layout/hList9"/>
-    <dgm:cxn modelId="{B2647B56-8947-4632-AB4A-42CBB9B48494}" type="presOf" srcId="{7FCE83D9-631B-4420-BBFC-CA0AFA59F747}" destId="{7453D9C8-CD6E-4AA4-8A19-7F6F667528F0}" srcOrd="0" destOrd="0" presId="urn:microsoft.com/office/officeart/2005/8/layout/hList9"/>
-    <dgm:cxn modelId="{E1D1E23B-EC87-45CC-9E87-38B27A23764D}" type="presParOf" srcId="{0DC7A063-583D-4B0F-88B2-BD54F95D95AF}" destId="{3B23570A-ECC9-4DF8-BCB4-0465C69CBB88}" srcOrd="0" destOrd="0" presId="urn:microsoft.com/office/officeart/2005/8/layout/hList9"/>
-    <dgm:cxn modelId="{82537023-5CD7-4BB7-84CF-DE8196338CF2}" type="presParOf" srcId="{0DC7A063-583D-4B0F-88B2-BD54F95D95AF}" destId="{FC66A233-6BBA-46AF-B2F6-28E379B158E2}" srcOrd="1" destOrd="0" presId="urn:microsoft.com/office/officeart/2005/8/layout/hList9"/>
-    <dgm:cxn modelId="{5DFED7C8-2E54-4441-B032-3A4788B2A8D3}" type="presParOf" srcId="{FC66A233-6BBA-46AF-B2F6-28E379B158E2}" destId="{46739A04-1AA3-49C6-8EA7-EB1DE975B900}" srcOrd="0" destOrd="0" presId="urn:microsoft.com/office/officeart/2005/8/layout/hList9"/>
-    <dgm:cxn modelId="{59D81910-4316-4EAE-9A67-0B3EDF027306}" type="presParOf" srcId="{FC66A233-6BBA-46AF-B2F6-28E379B158E2}" destId="{535C6EC9-8098-42C5-8527-E62FF045E4EB}" srcOrd="1" destOrd="0" presId="urn:microsoft.com/office/officeart/2005/8/layout/hList9"/>
-    <dgm:cxn modelId="{C4FBC461-0B5D-4B7E-9CAF-A88B1223F18A}" type="presParOf" srcId="{535C6EC9-8098-42C5-8527-E62FF045E4EB}" destId="{6B08AC4B-4CEC-41E5-AE19-47A4E2720563}" srcOrd="0" destOrd="0" presId="urn:microsoft.com/office/officeart/2005/8/layout/hList9"/>
-    <dgm:cxn modelId="{16A1B336-CE68-4171-8D18-284543992BEA}" type="presParOf" srcId="{535C6EC9-8098-42C5-8527-E62FF045E4EB}" destId="{187D4E8C-5C91-4D00-870C-2C45D4EA263C}" srcOrd="1" destOrd="0" presId="urn:microsoft.com/office/officeart/2005/8/layout/hList9"/>
-    <dgm:cxn modelId="{7A41C261-6E27-4943-9CD0-4E08EB7E56A7}" type="presParOf" srcId="{FC66A233-6BBA-46AF-B2F6-28E379B158E2}" destId="{ADF61BBD-28F4-4815-BC7F-82CF00464E8B}" srcOrd="2" destOrd="0" presId="urn:microsoft.com/office/officeart/2005/8/layout/hList9"/>
-    <dgm:cxn modelId="{03CD72CE-2160-4837-B2C9-B73CABBC437B}" type="presParOf" srcId="{ADF61BBD-28F4-4815-BC7F-82CF00464E8B}" destId="{59179C9B-8BA4-4AC7-ACB1-A12DE00142E2}" srcOrd="0" destOrd="0" presId="urn:microsoft.com/office/officeart/2005/8/layout/hList9"/>
-    <dgm:cxn modelId="{F9662DB2-653F-4128-AA82-4C07C6F00722}" type="presParOf" srcId="{ADF61BBD-28F4-4815-BC7F-82CF00464E8B}" destId="{4AE7D907-B6F4-4647-AB3F-ABE94C438AE8}" srcOrd="1" destOrd="0" presId="urn:microsoft.com/office/officeart/2005/8/layout/hList9"/>
-    <dgm:cxn modelId="{03977053-B57D-4C39-B7C2-51CB96F9B4FC}" type="presParOf" srcId="{FC66A233-6BBA-46AF-B2F6-28E379B158E2}" destId="{E50A9A83-9985-4184-A476-E3402BD8E76E}" srcOrd="3" destOrd="0" presId="urn:microsoft.com/office/officeart/2005/8/layout/hList9"/>
-    <dgm:cxn modelId="{8AFFD233-399B-4D57-9BB6-80A351FA6A3B}" type="presParOf" srcId="{E50A9A83-9985-4184-A476-E3402BD8E76E}" destId="{1877502C-A892-4DC0-ADA6-FA065097BB90}" srcOrd="0" destOrd="0" presId="urn:microsoft.com/office/officeart/2005/8/layout/hList9"/>
-    <dgm:cxn modelId="{9909963A-5660-453F-8E99-8BCC82487A65}" type="presParOf" srcId="{E50A9A83-9985-4184-A476-E3402BD8E76E}" destId="{D685DD23-B321-4B5E-842F-394CB33239FA}" srcOrd="1" destOrd="0" presId="urn:microsoft.com/office/officeart/2005/8/layout/hList9"/>
-    <dgm:cxn modelId="{B628A148-8501-42F8-B49E-281D353B606E}" type="presParOf" srcId="{FC66A233-6BBA-46AF-B2F6-28E379B158E2}" destId="{E5677DE7-299C-4C9C-A4BC-6335CC601D12}" srcOrd="4" destOrd="0" presId="urn:microsoft.com/office/officeart/2005/8/layout/hList9"/>
-    <dgm:cxn modelId="{8D569982-26E1-4090-9C18-DC58158F325D}" type="presParOf" srcId="{E5677DE7-299C-4C9C-A4BC-6335CC601D12}" destId="{51F68A05-A560-4C6F-BC90-521AEF3B0907}" srcOrd="0" destOrd="0" presId="urn:microsoft.com/office/officeart/2005/8/layout/hList9"/>
-    <dgm:cxn modelId="{2FA9E744-008C-4725-86D6-3B7B8883E6D9}" type="presParOf" srcId="{E5677DE7-299C-4C9C-A4BC-6335CC601D12}" destId="{3EBE42F0-6491-49CC-95DC-985BA00CD458}" srcOrd="1" destOrd="0" presId="urn:microsoft.com/office/officeart/2005/8/layout/hList9"/>
-    <dgm:cxn modelId="{DEF99A7A-98F1-424D-AC92-7C6B69A0E544}" type="presParOf" srcId="{0DC7A063-583D-4B0F-88B2-BD54F95D95AF}" destId="{3845DB9A-BEF3-4D5D-B9C7-5FC0456401AC}" srcOrd="2" destOrd="0" presId="urn:microsoft.com/office/officeart/2005/8/layout/hList9"/>
-    <dgm:cxn modelId="{ACD8FD0D-39C9-49DB-B77E-B03522FDF5FC}" type="presParOf" srcId="{0DC7A063-583D-4B0F-88B2-BD54F95D95AF}" destId="{FC7ED273-8CFD-43C2-9C05-44FADF3E0637}" srcOrd="3" destOrd="0" presId="urn:microsoft.com/office/officeart/2005/8/layout/hList9"/>
-    <dgm:cxn modelId="{2C72EC61-81F4-4DCD-A533-255CBC66AE34}" type="presParOf" srcId="{0DC7A063-583D-4B0F-88B2-BD54F95D95AF}" destId="{13C564B0-C27E-4ABA-AFDA-59E145B256BA}" srcOrd="4" destOrd="0" presId="urn:microsoft.com/office/officeart/2005/8/layout/hList9"/>
-    <dgm:cxn modelId="{775600F8-FCFE-4862-8108-85F84EA9DEE2}" type="presParOf" srcId="{0DC7A063-583D-4B0F-88B2-BD54F95D95AF}" destId="{6300E233-87DF-4270-9808-160BFEB8A5BE}" srcOrd="5" destOrd="0" presId="urn:microsoft.com/office/officeart/2005/8/layout/hList9"/>
-    <dgm:cxn modelId="{AE3B7A69-67E7-41D2-BC1A-3586A3CC259D}" type="presParOf" srcId="{0DC7A063-583D-4B0F-88B2-BD54F95D95AF}" destId="{6E53DEF7-499E-42EE-802D-59B2F8915392}" srcOrd="6" destOrd="0" presId="urn:microsoft.com/office/officeart/2005/8/layout/hList9"/>
-    <dgm:cxn modelId="{76A9B804-07B5-4060-AA61-249A1765ECB9}" type="presParOf" srcId="{6E53DEF7-499E-42EE-802D-59B2F8915392}" destId="{E08C30D1-35EA-4D05-9731-5D01E3FCBD09}" srcOrd="0" destOrd="0" presId="urn:microsoft.com/office/officeart/2005/8/layout/hList9"/>
-    <dgm:cxn modelId="{6162898E-21FD-497B-BFEE-B78CF45F7D9A}" type="presParOf" srcId="{6E53DEF7-499E-42EE-802D-59B2F8915392}" destId="{2F3BD88A-9166-4A26-B941-B9BAEE1A11D5}" srcOrd="1" destOrd="0" presId="urn:microsoft.com/office/officeart/2005/8/layout/hList9"/>
-    <dgm:cxn modelId="{71D4EFDE-15BC-4327-9242-5F72F9DAFAD4}" type="presParOf" srcId="{2F3BD88A-9166-4A26-B941-B9BAEE1A11D5}" destId="{F660F4B9-35DB-4256-A868-A35C6DCCF6B2}" srcOrd="0" destOrd="0" presId="urn:microsoft.com/office/officeart/2005/8/layout/hList9"/>
-    <dgm:cxn modelId="{9B414BA4-2018-40DF-8E7D-AD7E78EF0217}" type="presParOf" srcId="{2F3BD88A-9166-4A26-B941-B9BAEE1A11D5}" destId="{10C9E3CF-3A8F-4100-8ACD-91E2373197A2}" srcOrd="1" destOrd="0" presId="urn:microsoft.com/office/officeart/2005/8/layout/hList9"/>
-    <dgm:cxn modelId="{28BA3997-5DD1-4713-9F4F-B2881F36E8DC}" type="presParOf" srcId="{6E53DEF7-499E-42EE-802D-59B2F8915392}" destId="{60887C36-4733-46AC-A452-5444F6BC3B23}" srcOrd="2" destOrd="0" presId="urn:microsoft.com/office/officeart/2005/8/layout/hList9"/>
-    <dgm:cxn modelId="{7A6208FE-C5A8-4871-9488-BEEAE472C061}" type="presParOf" srcId="{60887C36-4733-46AC-A452-5444F6BC3B23}" destId="{614EBA0E-D12B-447E-B378-B0FA2DEBEA2F}" srcOrd="0" destOrd="0" presId="urn:microsoft.com/office/officeart/2005/8/layout/hList9"/>
-    <dgm:cxn modelId="{2148A8C9-9BA6-45BD-9008-59301C4B49FC}" type="presParOf" srcId="{60887C36-4733-46AC-A452-5444F6BC3B23}" destId="{B12AEB83-0A64-4B36-BF01-B2F834861BAA}" srcOrd="1" destOrd="0" presId="urn:microsoft.com/office/officeart/2005/8/layout/hList9"/>
-    <dgm:cxn modelId="{32E6E4AD-0BFD-4285-AC4A-131E4A0904F2}" type="presParOf" srcId="{6E53DEF7-499E-42EE-802D-59B2F8915392}" destId="{3055F178-D8CA-413A-99F2-20C8231C0651}" srcOrd="3" destOrd="0" presId="urn:microsoft.com/office/officeart/2005/8/layout/hList9"/>
-    <dgm:cxn modelId="{A1DB4BC0-DADA-4058-A3BB-D04BE7DF689A}" type="presParOf" srcId="{3055F178-D8CA-413A-99F2-20C8231C0651}" destId="{68509703-D239-4E1B-8CF0-EF08079E1226}" srcOrd="0" destOrd="0" presId="urn:microsoft.com/office/officeart/2005/8/layout/hList9"/>
-    <dgm:cxn modelId="{5B5F83FC-F721-4241-90AB-7117B39AABD5}" type="presParOf" srcId="{3055F178-D8CA-413A-99F2-20C8231C0651}" destId="{E1767793-EDD5-4203-A612-8120A71CA906}" srcOrd="1" destOrd="0" presId="urn:microsoft.com/office/officeart/2005/8/layout/hList9"/>
-    <dgm:cxn modelId="{D8406746-50BE-425E-A523-9ED524500743}" type="presParOf" srcId="{0DC7A063-583D-4B0F-88B2-BD54F95D95AF}" destId="{69136330-53DB-4978-A56B-160862279381}" srcOrd="7" destOrd="0" presId="urn:microsoft.com/office/officeart/2005/8/layout/hList9"/>
-    <dgm:cxn modelId="{A91BC494-75AC-4CCA-8CC1-7E9884C2F3AD}" type="presParOf" srcId="{0DC7A063-583D-4B0F-88B2-BD54F95D95AF}" destId="{FD776C1E-557E-4553-9447-49B69EEC7907}" srcOrd="8" destOrd="0" presId="urn:microsoft.com/office/officeart/2005/8/layout/hList9"/>
-    <dgm:cxn modelId="{487F9920-08DF-4AC5-BA64-D35F42602B66}" type="presParOf" srcId="{0DC7A063-583D-4B0F-88B2-BD54F95D95AF}" destId="{FC2522F1-14BB-4B37-B60E-2E8A7E8A6C30}" srcOrd="9" destOrd="0" presId="urn:microsoft.com/office/officeart/2005/8/layout/hList9"/>
-    <dgm:cxn modelId="{DC194D92-7E98-42DD-A8CA-BCD1EDD2C95D}" type="presParOf" srcId="{0DC7A063-583D-4B0F-88B2-BD54F95D95AF}" destId="{2C2F6211-85A7-47FE-9239-DE94DF41A263}" srcOrd="10" destOrd="0" presId="urn:microsoft.com/office/officeart/2005/8/layout/hList9"/>
-    <dgm:cxn modelId="{575F4FD6-9E0F-4F5E-88EE-9B265B6FD4F4}" type="presParOf" srcId="{0DC7A063-583D-4B0F-88B2-BD54F95D95AF}" destId="{7B0C2EAE-70CB-4160-863D-210C3C66D5FD}" srcOrd="11" destOrd="0" presId="urn:microsoft.com/office/officeart/2005/8/layout/hList9"/>
-    <dgm:cxn modelId="{8AE96C49-A416-4FC7-84EE-2BDAF35C57FF}" type="presParOf" srcId="{7B0C2EAE-70CB-4160-863D-210C3C66D5FD}" destId="{5AF3752E-55A6-443C-AD35-C49DF50A4566}" srcOrd="0" destOrd="0" presId="urn:microsoft.com/office/officeart/2005/8/layout/hList9"/>
-    <dgm:cxn modelId="{235B263C-399E-4245-95BD-2AA1F19D4AB4}" type="presParOf" srcId="{7B0C2EAE-70CB-4160-863D-210C3C66D5FD}" destId="{53567A66-F0E9-4EF8-ADA9-764BA36AA6A9}" srcOrd="1" destOrd="0" presId="urn:microsoft.com/office/officeart/2005/8/layout/hList9"/>
-    <dgm:cxn modelId="{265DA8D6-D429-4956-8CB8-10EE7EF20F0C}" type="presParOf" srcId="{53567A66-F0E9-4EF8-ADA9-764BA36AA6A9}" destId="{AD2806AC-6A03-4F05-9F4D-F72EA0E56FBF}" srcOrd="0" destOrd="0" presId="urn:microsoft.com/office/officeart/2005/8/layout/hList9"/>
-    <dgm:cxn modelId="{35A8C2CA-EB30-45FD-8152-A7470BE42B4C}" type="presParOf" srcId="{53567A66-F0E9-4EF8-ADA9-764BA36AA6A9}" destId="{F8977219-728E-448F-AE8B-46B14F4F17DE}" srcOrd="1" destOrd="0" presId="urn:microsoft.com/office/officeart/2005/8/layout/hList9"/>
-    <dgm:cxn modelId="{6ACEADBE-023B-4505-93FF-04069F754490}" type="presParOf" srcId="{7B0C2EAE-70CB-4160-863D-210C3C66D5FD}" destId="{46A8623B-DC64-4ED6-B73D-98FEAB030508}" srcOrd="2" destOrd="0" presId="urn:microsoft.com/office/officeart/2005/8/layout/hList9"/>
-    <dgm:cxn modelId="{AD010A9C-D63C-4BD8-BA56-A4D20026F974}" type="presParOf" srcId="{46A8623B-DC64-4ED6-B73D-98FEAB030508}" destId="{5314AADB-0AD3-4BAE-9F15-B0FE4F44C802}" srcOrd="0" destOrd="0" presId="urn:microsoft.com/office/officeart/2005/8/layout/hList9"/>
-    <dgm:cxn modelId="{10F973FE-8000-468C-900B-4ED99BE40E65}" type="presParOf" srcId="{46A8623B-DC64-4ED6-B73D-98FEAB030508}" destId="{96624143-7928-48E9-817F-BC4A07250C32}" srcOrd="1" destOrd="0" presId="urn:microsoft.com/office/officeart/2005/8/layout/hList9"/>
-    <dgm:cxn modelId="{EF3F399A-E096-436A-AD74-CF747D62B02A}" type="presParOf" srcId="{0DC7A063-583D-4B0F-88B2-BD54F95D95AF}" destId="{FBCC4E74-37C0-494F-ABC0-7D18132E1437}" srcOrd="12" destOrd="0" presId="urn:microsoft.com/office/officeart/2005/8/layout/hList9"/>
-    <dgm:cxn modelId="{5EA17F20-F6C6-4B5A-AFEB-38BD8F975065}" type="presParOf" srcId="{0DC7A063-583D-4B0F-88B2-BD54F95D95AF}" destId="{89E6DA6E-7A23-44BD-8A99-378091FF741D}" srcOrd="13" destOrd="0" presId="urn:microsoft.com/office/officeart/2005/8/layout/hList9"/>
-    <dgm:cxn modelId="{463280A8-1DBA-4FE7-B5B2-8151A298EB35}" type="presParOf" srcId="{0DC7A063-583D-4B0F-88B2-BD54F95D95AF}" destId="{E966790E-26B5-4EB8-981F-1094BF4B7611}" srcOrd="14" destOrd="0" presId="urn:microsoft.com/office/officeart/2005/8/layout/hList9"/>
-    <dgm:cxn modelId="{A4221FEF-656B-43DD-8382-199EAB5F1E7B}" type="presParOf" srcId="{0DC7A063-583D-4B0F-88B2-BD54F95D95AF}" destId="{229B7655-E1F4-4CF5-84B8-30F0491D32B5}" srcOrd="15" destOrd="0" presId="urn:microsoft.com/office/officeart/2005/8/layout/hList9"/>
-    <dgm:cxn modelId="{48FA6F14-4694-4C77-8D75-48D3A22A3540}" type="presParOf" srcId="{0DC7A063-583D-4B0F-88B2-BD54F95D95AF}" destId="{F85FFCDF-8E5F-492B-B22D-55A08EACE783}" srcOrd="16" destOrd="0" presId="urn:microsoft.com/office/officeart/2005/8/layout/hList9"/>
-    <dgm:cxn modelId="{3995A447-6B53-4DFA-8494-06C3A1F8D7F7}" type="presParOf" srcId="{F85FFCDF-8E5F-492B-B22D-55A08EACE783}" destId="{600B3FB2-1315-4A84-8613-B445666BC7D2}" srcOrd="0" destOrd="0" presId="urn:microsoft.com/office/officeart/2005/8/layout/hList9"/>
-    <dgm:cxn modelId="{C652D75D-BE73-43BB-9138-B232AAF272A1}" type="presParOf" srcId="{F85FFCDF-8E5F-492B-B22D-55A08EACE783}" destId="{E47C73E9-FBEE-4370-9B3F-E04EB7C4023A}" srcOrd="1" destOrd="0" presId="urn:microsoft.com/office/officeart/2005/8/layout/hList9"/>
-    <dgm:cxn modelId="{5F19BD3C-10AC-4F51-A8FD-00351A52371B}" type="presParOf" srcId="{E47C73E9-FBEE-4370-9B3F-E04EB7C4023A}" destId="{402C2C77-A32C-4D99-9940-12535E1181F2}" srcOrd="0" destOrd="0" presId="urn:microsoft.com/office/officeart/2005/8/layout/hList9"/>
-    <dgm:cxn modelId="{1D14EEBA-2351-4066-8BB7-C42885F1D780}" type="presParOf" srcId="{E47C73E9-FBEE-4370-9B3F-E04EB7C4023A}" destId="{5B88A17E-EFF5-4A04-9CC9-D2131DA9ECCC}" srcOrd="1" destOrd="0" presId="urn:microsoft.com/office/officeart/2005/8/layout/hList9"/>
-    <dgm:cxn modelId="{D230C2D8-6446-403F-971D-BA59F9482A7E}" type="presParOf" srcId="{F85FFCDF-8E5F-492B-B22D-55A08EACE783}" destId="{F3C2D87B-A5E7-46E2-B3D3-58E6D9562663}" srcOrd="2" destOrd="0" presId="urn:microsoft.com/office/officeart/2005/8/layout/hList9"/>
-    <dgm:cxn modelId="{71EFAC4F-7BC1-470A-9459-DE14D03A3B20}" type="presParOf" srcId="{F3C2D87B-A5E7-46E2-B3D3-58E6D9562663}" destId="{3086D0BF-AAD1-4310-88ED-4D81A687BD50}" srcOrd="0" destOrd="0" presId="urn:microsoft.com/office/officeart/2005/8/layout/hList9"/>
-    <dgm:cxn modelId="{6035C1AD-47FA-47BC-9D78-974272EBB1D2}" type="presParOf" srcId="{F3C2D87B-A5E7-46E2-B3D3-58E6D9562663}" destId="{2B18CCD9-D6B1-4225-8D26-4BA691BB1837}" srcOrd="1" destOrd="0" presId="urn:microsoft.com/office/officeart/2005/8/layout/hList9"/>
-    <dgm:cxn modelId="{ADA815FB-429E-4ABD-97FC-4AEA97B4630C}" type="presParOf" srcId="{0DC7A063-583D-4B0F-88B2-BD54F95D95AF}" destId="{9051EF7D-7D6C-4B43-A6C4-239F9933C94D}" srcOrd="17" destOrd="0" presId="urn:microsoft.com/office/officeart/2005/8/layout/hList9"/>
-    <dgm:cxn modelId="{7961C21C-3FE8-4B71-95E5-AB5835F91CC1}" type="presParOf" srcId="{0DC7A063-583D-4B0F-88B2-BD54F95D95AF}" destId="{7453D9C8-CD6E-4AA4-8A19-7F6F667528F0}" srcOrd="18" destOrd="0" presId="urn:microsoft.com/office/officeart/2005/8/layout/hList9"/>
-  </dgm:cxnLst>
-  <dgm:bg/>
-  <dgm:whole/>
-  <dgm:extLst>
-    <a:ext uri="http://schemas.microsoft.com/office/drawing/2008/diagram">
-      <dsp:dataModelExt xmlns:dsp="http://schemas.microsoft.com/office/drawing/2008/diagram" relId="rId6" minVer="http://schemas.openxmlformats.org/drawingml/2006/diagram"/>
-    </a:ext>
-  </dgm:extLst>
-</dgm:dataModel>
-</file>
-
-<file path=ppt/diagrams/drawing1.xml><?xml version="1.0" encoding="utf-8"?>
-<dsp:drawing xmlns:dgm="http://schemas.openxmlformats.org/drawingml/2006/diagram" xmlns:dsp="http://schemas.microsoft.com/office/drawing/2008/diagram" xmlns:a="http://schemas.openxmlformats.org/drawingml/2006/main">
-  <dsp:spTree>
-    <dsp:nvGrpSpPr>
-      <dsp:cNvPr id="0" name=""/>
-      <dsp:cNvGrpSpPr/>
-    </dsp:nvGrpSpPr>
-    <dsp:grpSpPr/>
-    <dsp:sp modelId="{6B08AC4B-4CEC-41E5-AE19-47A4E2720563}">
-      <dsp:nvSpPr>
-        <dsp:cNvPr id="0" name=""/>
-        <dsp:cNvSpPr/>
-      </dsp:nvSpPr>
-      <dsp:spPr>
-        <a:xfrm>
-          <a:off x="819461" y="453531"/>
-          <a:ext cx="1526209" cy="1017981"/>
-        </a:xfrm>
-        <a:prstGeom prst="rect">
-          <a:avLst/>
-        </a:prstGeom>
-        <a:solidFill>
-          <a:schemeClr val="accent1">
-            <a:alpha val="90000"/>
-            <a:tint val="40000"/>
-            <a:hueOff val="0"/>
-            <a:satOff val="0"/>
-            <a:lumOff val="0"/>
-            <a:alphaOff val="0"/>
-          </a:schemeClr>
-        </a:solidFill>
-        <a:ln w="6350" cap="rnd" cmpd="sng" algn="ctr">
-          <a:solidFill>
-            <a:schemeClr val="accent1">
-              <a:alpha val="90000"/>
-              <a:tint val="40000"/>
-              <a:hueOff val="0"/>
-              <a:satOff val="0"/>
-              <a:lumOff val="0"/>
-              <a:alphaOff val="0"/>
-            </a:schemeClr>
-          </a:solidFill>
-          <a:prstDash val="solid"/>
-        </a:ln>
-        <a:effectLst/>
-      </dsp:spPr>
-      <dsp:style>
-        <a:lnRef idx="1">
-          <a:scrgbClr r="0" g="0" b="0"/>
-        </a:lnRef>
-        <a:fillRef idx="1">
-          <a:scrgbClr r="0" g="0" b="0"/>
-        </a:fillRef>
-        <a:effectRef idx="0">
-          <a:scrgbClr r="0" g="0" b="0"/>
-        </a:effectRef>
-        <a:fontRef idx="minor"/>
-      </dsp:style>
-      <dsp:txBody>
-        <a:bodyPr spcFirstLastPara="0" vert="horz" wrap="square" lIns="0" tIns="128016" rIns="128016" bIns="128016" numCol="1" spcCol="1270" anchor="ctr" anchorCtr="0">
-          <a:noAutofit/>
-        </a:bodyPr>
-        <a:lstStyle/>
-        <a:p>
-          <a:pPr marL="0" lvl="0" indent="0" algn="l" defTabSz="800100">
-            <a:lnSpc>
-              <a:spcPct val="90000"/>
-            </a:lnSpc>
-            <a:spcBef>
-              <a:spcPct val="0"/>
-            </a:spcBef>
-            <a:spcAft>
-              <a:spcPct val="35000"/>
-            </a:spcAft>
-            <a:buNone/>
-          </a:pPr>
-          <a:r>
-            <a:rPr lang="en-US" sz="1800" kern="1200" dirty="0"/>
-            <a:t>Task description</a:t>
-          </a:r>
-        </a:p>
-      </dsp:txBody>
-      <dsp:txXfrm>
-        <a:off x="1063655" y="453531"/>
-        <a:ext cx="1282015" cy="1017981"/>
-      </dsp:txXfrm>
-    </dsp:sp>
-    <dsp:sp modelId="{59179C9B-8BA4-4AC7-ACB1-A12DE00142E2}">
-      <dsp:nvSpPr>
-        <dsp:cNvPr id="0" name=""/>
-        <dsp:cNvSpPr/>
-      </dsp:nvSpPr>
-      <dsp:spPr>
-        <a:xfrm>
-          <a:off x="819461" y="1471513"/>
-          <a:ext cx="1526209" cy="1017981"/>
-        </a:xfrm>
-        <a:prstGeom prst="rect">
-          <a:avLst/>
-        </a:prstGeom>
-        <a:solidFill>
-          <a:schemeClr val="accent1">
-            <a:alpha val="90000"/>
-            <a:tint val="40000"/>
-            <a:hueOff val="0"/>
-            <a:satOff val="0"/>
-            <a:lumOff val="0"/>
-            <a:alphaOff val="0"/>
-          </a:schemeClr>
-        </a:solidFill>
-        <a:ln w="6350" cap="rnd" cmpd="sng" algn="ctr">
-          <a:solidFill>
-            <a:schemeClr val="accent1">
-              <a:alpha val="90000"/>
-              <a:tint val="40000"/>
-              <a:hueOff val="0"/>
-              <a:satOff val="0"/>
-              <a:lumOff val="0"/>
-              <a:alphaOff val="0"/>
-            </a:schemeClr>
-          </a:solidFill>
-          <a:prstDash val="solid"/>
-        </a:ln>
-        <a:effectLst/>
-      </dsp:spPr>
-      <dsp:style>
-        <a:lnRef idx="1">
-          <a:scrgbClr r="0" g="0" b="0"/>
-        </a:lnRef>
-        <a:fillRef idx="1">
-          <a:scrgbClr r="0" g="0" b="0"/>
-        </a:fillRef>
-        <a:effectRef idx="0">
-          <a:scrgbClr r="0" g="0" b="0"/>
-        </a:effectRef>
-        <a:fontRef idx="minor"/>
-      </dsp:style>
-      <dsp:txBody>
-        <a:bodyPr spcFirstLastPara="0" vert="horz" wrap="square" lIns="0" tIns="128016" rIns="128016" bIns="128016" numCol="1" spcCol="1270" anchor="ctr" anchorCtr="0">
-          <a:noAutofit/>
-        </a:bodyPr>
-        <a:lstStyle/>
-        <a:p>
-          <a:pPr marL="0" lvl="0" indent="0" algn="l" defTabSz="800100">
-            <a:lnSpc>
-              <a:spcPct val="90000"/>
-            </a:lnSpc>
-            <a:spcBef>
-              <a:spcPct val="0"/>
-            </a:spcBef>
-            <a:spcAft>
-              <a:spcPct val="35000"/>
-            </a:spcAft>
-            <a:buNone/>
-          </a:pPr>
-          <a:r>
-            <a:rPr lang="en-US" sz="1800" kern="1200" dirty="0"/>
-            <a:t>Task description</a:t>
-          </a:r>
-        </a:p>
-      </dsp:txBody>
-      <dsp:txXfrm>
-        <a:off x="1063655" y="1471513"/>
-        <a:ext cx="1282015" cy="1017981"/>
-      </dsp:txXfrm>
-    </dsp:sp>
-    <dsp:sp modelId="{1877502C-A892-4DC0-ADA6-FA065097BB90}">
-      <dsp:nvSpPr>
-        <dsp:cNvPr id="0" name=""/>
-        <dsp:cNvSpPr/>
-      </dsp:nvSpPr>
-      <dsp:spPr>
-        <a:xfrm>
-          <a:off x="819461" y="2489494"/>
-          <a:ext cx="1526209" cy="1017981"/>
-        </a:xfrm>
-        <a:prstGeom prst="rect">
-          <a:avLst/>
-        </a:prstGeom>
-        <a:solidFill>
-          <a:schemeClr val="accent1">
-            <a:alpha val="90000"/>
-            <a:tint val="40000"/>
-            <a:hueOff val="0"/>
-            <a:satOff val="0"/>
-            <a:lumOff val="0"/>
-            <a:alphaOff val="0"/>
-          </a:schemeClr>
-        </a:solidFill>
-        <a:ln w="6350" cap="rnd" cmpd="sng" algn="ctr">
-          <a:solidFill>
-            <a:schemeClr val="accent1">
-              <a:alpha val="90000"/>
-              <a:tint val="40000"/>
-              <a:hueOff val="0"/>
-              <a:satOff val="0"/>
-              <a:lumOff val="0"/>
-              <a:alphaOff val="0"/>
-            </a:schemeClr>
-          </a:solidFill>
-          <a:prstDash val="solid"/>
-        </a:ln>
-        <a:effectLst/>
-      </dsp:spPr>
-      <dsp:style>
-        <a:lnRef idx="1">
-          <a:scrgbClr r="0" g="0" b="0"/>
-        </a:lnRef>
-        <a:fillRef idx="1">
-          <a:scrgbClr r="0" g="0" b="0"/>
-        </a:fillRef>
-        <a:effectRef idx="0">
-          <a:scrgbClr r="0" g="0" b="0"/>
-        </a:effectRef>
-        <a:fontRef idx="minor"/>
-      </dsp:style>
-      <dsp:txBody>
-        <a:bodyPr spcFirstLastPara="0" vert="horz" wrap="square" lIns="0" tIns="128016" rIns="128016" bIns="128016" numCol="1" spcCol="1270" anchor="ctr" anchorCtr="0">
-          <a:noAutofit/>
-        </a:bodyPr>
-        <a:lstStyle/>
-        <a:p>
-          <a:pPr marL="0" lvl="0" indent="0" algn="l" defTabSz="800100">
-            <a:lnSpc>
-              <a:spcPct val="90000"/>
-            </a:lnSpc>
-            <a:spcBef>
-              <a:spcPct val="0"/>
-            </a:spcBef>
-            <a:spcAft>
-              <a:spcPct val="35000"/>
-            </a:spcAft>
-            <a:buNone/>
-          </a:pPr>
-          <a:r>
-            <a:rPr lang="en-US" sz="1800" kern="1200" dirty="0"/>
-            <a:t>Task description</a:t>
-          </a:r>
-        </a:p>
-      </dsp:txBody>
-      <dsp:txXfrm>
-        <a:off x="1063655" y="2489494"/>
-        <a:ext cx="1282015" cy="1017981"/>
-      </dsp:txXfrm>
-    </dsp:sp>
-    <dsp:sp modelId="{51F68A05-A560-4C6F-BC90-521AEF3B0907}">
-      <dsp:nvSpPr>
-        <dsp:cNvPr id="0" name=""/>
-        <dsp:cNvSpPr/>
-      </dsp:nvSpPr>
-      <dsp:spPr>
-        <a:xfrm>
-          <a:off x="819461" y="3507476"/>
-          <a:ext cx="1526209" cy="1017981"/>
-        </a:xfrm>
-        <a:prstGeom prst="rect">
-          <a:avLst/>
-        </a:prstGeom>
-        <a:solidFill>
-          <a:schemeClr val="accent1">
-            <a:alpha val="90000"/>
-            <a:tint val="40000"/>
-            <a:hueOff val="0"/>
-            <a:satOff val="0"/>
-            <a:lumOff val="0"/>
-            <a:alphaOff val="0"/>
-          </a:schemeClr>
-        </a:solidFill>
-        <a:ln w="6350" cap="rnd" cmpd="sng" algn="ctr">
-          <a:solidFill>
-            <a:schemeClr val="accent1">
-              <a:alpha val="90000"/>
-              <a:tint val="40000"/>
-              <a:hueOff val="0"/>
-              <a:satOff val="0"/>
-              <a:lumOff val="0"/>
-              <a:alphaOff val="0"/>
-            </a:schemeClr>
-          </a:solidFill>
-          <a:prstDash val="solid"/>
-        </a:ln>
-        <a:effectLst/>
-      </dsp:spPr>
-      <dsp:style>
-        <a:lnRef idx="1">
-          <a:scrgbClr r="0" g="0" b="0"/>
-        </a:lnRef>
-        <a:fillRef idx="1">
-          <a:scrgbClr r="0" g="0" b="0"/>
-        </a:fillRef>
-        <a:effectRef idx="0">
-          <a:scrgbClr r="0" g="0" b="0"/>
-        </a:effectRef>
-        <a:fontRef idx="minor"/>
-      </dsp:style>
-      <dsp:txBody>
-        <a:bodyPr spcFirstLastPara="0" vert="horz" wrap="square" lIns="0" tIns="128016" rIns="128016" bIns="128016" numCol="1" spcCol="1270" anchor="ctr" anchorCtr="0">
-          <a:noAutofit/>
-        </a:bodyPr>
-        <a:lstStyle/>
-        <a:p>
-          <a:pPr marL="0" lvl="0" indent="0" algn="l" defTabSz="800100">
-            <a:lnSpc>
-              <a:spcPct val="90000"/>
-            </a:lnSpc>
-            <a:spcBef>
-              <a:spcPct val="0"/>
-            </a:spcBef>
-            <a:spcAft>
-              <a:spcPct val="35000"/>
-            </a:spcAft>
-            <a:buNone/>
-          </a:pPr>
-          <a:r>
-            <a:rPr lang="en-US" sz="1800" kern="1200" dirty="0"/>
-            <a:t>Task description</a:t>
-          </a:r>
-        </a:p>
-      </dsp:txBody>
-      <dsp:txXfrm>
-        <a:off x="1063655" y="3507476"/>
-        <a:ext cx="1282015" cy="1017981"/>
-      </dsp:txXfrm>
-    </dsp:sp>
-    <dsp:sp modelId="{FC7ED273-8CFD-43C2-9C05-44FADF3E0637}">
-      <dsp:nvSpPr>
-        <dsp:cNvPr id="0" name=""/>
-        <dsp:cNvSpPr/>
-      </dsp:nvSpPr>
-      <dsp:spPr>
-        <a:xfrm>
-          <a:off x="5483" y="46542"/>
-          <a:ext cx="1017472" cy="1017472"/>
-        </a:xfrm>
-        <a:prstGeom prst="ellipse">
-          <a:avLst/>
-        </a:prstGeom>
-        <a:gradFill rotWithShape="0">
-          <a:gsLst>
-            <a:gs pos="0">
-              <a:schemeClr val="accent1">
-                <a:hueOff val="0"/>
-                <a:satOff val="0"/>
-                <a:lumOff val="0"/>
-                <a:alphaOff val="0"/>
-                <a:shade val="100000"/>
-                <a:satMod val="137000"/>
-              </a:schemeClr>
-            </a:gs>
-            <a:gs pos="71000">
-              <a:schemeClr val="accent1">
-                <a:hueOff val="0"/>
-                <a:satOff val="0"/>
-                <a:lumOff val="0"/>
-                <a:alphaOff val="0"/>
-                <a:shade val="98000"/>
-                <a:satMod val="137000"/>
-              </a:schemeClr>
-            </a:gs>
-            <a:gs pos="100000">
-              <a:schemeClr val="accent1">
-                <a:hueOff val="0"/>
-                <a:satOff val="0"/>
-                <a:lumOff val="0"/>
-                <a:alphaOff val="0"/>
-                <a:shade val="75000"/>
-                <a:satMod val="137000"/>
-              </a:schemeClr>
-            </a:gs>
-          </a:gsLst>
-          <a:path path="rect">
-            <a:fillToRect l="50000" t="50000" r="50000" b="50000"/>
-          </a:path>
-        </a:gradFill>
-        <a:ln>
-          <a:noFill/>
-        </a:ln>
-        <a:effectLst>
-          <a:outerShdw blurRad="39000" dist="25400" dir="5400000" rotWithShape="0">
-            <a:srgbClr val="000000">
-              <a:alpha val="38000"/>
-            </a:srgbClr>
-          </a:outerShdw>
-        </a:effectLst>
-      </dsp:spPr>
-      <dsp:style>
-        <a:lnRef idx="0">
-          <a:scrgbClr r="0" g="0" b="0"/>
-        </a:lnRef>
-        <a:fillRef idx="3">
-          <a:scrgbClr r="0" g="0" b="0"/>
-        </a:fillRef>
-        <a:effectRef idx="2">
-          <a:scrgbClr r="0" g="0" b="0"/>
-        </a:effectRef>
-        <a:fontRef idx="minor">
-          <a:schemeClr val="lt1"/>
-        </a:fontRef>
-      </dsp:style>
-      <dsp:txBody>
-        <a:bodyPr spcFirstLastPara="0" vert="horz" wrap="square" lIns="0" tIns="0" rIns="0" bIns="0" numCol="1" spcCol="1270" anchor="ctr" anchorCtr="0">
-          <a:noAutofit/>
-        </a:bodyPr>
-        <a:lstStyle/>
-        <a:p>
-          <a:pPr marL="0" lvl="0" indent="0" algn="ctr" defTabSz="933450">
-            <a:lnSpc>
-              <a:spcPct val="90000"/>
-            </a:lnSpc>
-            <a:spcBef>
-              <a:spcPct val="0"/>
-            </a:spcBef>
-            <a:spcAft>
-              <a:spcPct val="35000"/>
-            </a:spcAft>
-            <a:buNone/>
-          </a:pPr>
-          <a:r>
-            <a:rPr lang="en-US" sz="2100" kern="1200"/>
-            <a:t>Step 1 Title</a:t>
-          </a:r>
-          <a:endParaRPr lang="en-US" sz="2100" kern="1200" dirty="0"/>
-        </a:p>
-      </dsp:txBody>
-      <dsp:txXfrm>
-        <a:off x="154488" y="195547"/>
-        <a:ext cx="719462" cy="719462"/>
-      </dsp:txXfrm>
-    </dsp:sp>
-    <dsp:sp modelId="{F660F4B9-35DB-4256-A868-A35C6DCCF6B2}">
-      <dsp:nvSpPr>
-        <dsp:cNvPr id="0" name=""/>
-        <dsp:cNvSpPr/>
-      </dsp:nvSpPr>
-      <dsp:spPr>
-        <a:xfrm>
-          <a:off x="3363143" y="453531"/>
-          <a:ext cx="1526209" cy="1017981"/>
-        </a:xfrm>
-        <a:prstGeom prst="rect">
-          <a:avLst/>
-        </a:prstGeom>
-        <a:solidFill>
-          <a:schemeClr val="accent1">
-            <a:alpha val="90000"/>
-            <a:tint val="40000"/>
-            <a:hueOff val="0"/>
-            <a:satOff val="0"/>
-            <a:lumOff val="0"/>
-            <a:alphaOff val="0"/>
-          </a:schemeClr>
-        </a:solidFill>
-        <a:ln w="6350" cap="rnd" cmpd="sng" algn="ctr">
-          <a:solidFill>
-            <a:schemeClr val="accent1">
-              <a:alpha val="90000"/>
-              <a:tint val="40000"/>
-              <a:hueOff val="0"/>
-              <a:satOff val="0"/>
-              <a:lumOff val="0"/>
-              <a:alphaOff val="0"/>
-            </a:schemeClr>
-          </a:solidFill>
-          <a:prstDash val="solid"/>
-        </a:ln>
-        <a:effectLst/>
-      </dsp:spPr>
-      <dsp:style>
-        <a:lnRef idx="1">
-          <a:scrgbClr r="0" g="0" b="0"/>
-        </a:lnRef>
-        <a:fillRef idx="1">
-          <a:scrgbClr r="0" g="0" b="0"/>
-        </a:fillRef>
-        <a:effectRef idx="0">
-          <a:scrgbClr r="0" g="0" b="0"/>
-        </a:effectRef>
-        <a:fontRef idx="minor"/>
-      </dsp:style>
-      <dsp:txBody>
-        <a:bodyPr spcFirstLastPara="0" vert="horz" wrap="square" lIns="0" tIns="128016" rIns="128016" bIns="128016" numCol="1" spcCol="1270" anchor="ctr" anchorCtr="0">
-          <a:noAutofit/>
-        </a:bodyPr>
-        <a:lstStyle/>
-        <a:p>
-          <a:pPr marL="0" lvl="0" indent="0" algn="l" defTabSz="800100">
-            <a:lnSpc>
-              <a:spcPct val="90000"/>
-            </a:lnSpc>
-            <a:spcBef>
-              <a:spcPct val="0"/>
-            </a:spcBef>
-            <a:spcAft>
-              <a:spcPct val="35000"/>
-            </a:spcAft>
-            <a:buNone/>
-          </a:pPr>
-          <a:r>
-            <a:rPr lang="en-US" sz="1800" kern="1200" dirty="0"/>
-            <a:t>Task description</a:t>
-          </a:r>
-        </a:p>
-      </dsp:txBody>
-      <dsp:txXfrm>
-        <a:off x="3607337" y="453531"/>
-        <a:ext cx="1282015" cy="1017981"/>
-      </dsp:txXfrm>
-    </dsp:sp>
-    <dsp:sp modelId="{614EBA0E-D12B-447E-B378-B0FA2DEBEA2F}">
-      <dsp:nvSpPr>
-        <dsp:cNvPr id="0" name=""/>
-        <dsp:cNvSpPr/>
-      </dsp:nvSpPr>
-      <dsp:spPr>
-        <a:xfrm>
-          <a:off x="3363143" y="1471513"/>
-          <a:ext cx="1526209" cy="1017981"/>
-        </a:xfrm>
-        <a:prstGeom prst="rect">
-          <a:avLst/>
-        </a:prstGeom>
-        <a:solidFill>
-          <a:schemeClr val="accent1">
-            <a:alpha val="90000"/>
-            <a:tint val="40000"/>
-            <a:hueOff val="0"/>
-            <a:satOff val="0"/>
-            <a:lumOff val="0"/>
-            <a:alphaOff val="0"/>
-          </a:schemeClr>
-        </a:solidFill>
-        <a:ln w="6350" cap="rnd" cmpd="sng" algn="ctr">
-          <a:solidFill>
-            <a:schemeClr val="accent1">
-              <a:alpha val="90000"/>
-              <a:tint val="40000"/>
-              <a:hueOff val="0"/>
-              <a:satOff val="0"/>
-              <a:lumOff val="0"/>
-              <a:alphaOff val="0"/>
-            </a:schemeClr>
-          </a:solidFill>
-          <a:prstDash val="solid"/>
-        </a:ln>
-        <a:effectLst/>
-      </dsp:spPr>
-      <dsp:style>
-        <a:lnRef idx="1">
-          <a:scrgbClr r="0" g="0" b="0"/>
-        </a:lnRef>
-        <a:fillRef idx="1">
-          <a:scrgbClr r="0" g="0" b="0"/>
-        </a:fillRef>
-        <a:effectRef idx="0">
-          <a:scrgbClr r="0" g="0" b="0"/>
-        </a:effectRef>
-        <a:fontRef idx="minor"/>
-      </dsp:style>
-      <dsp:txBody>
-        <a:bodyPr spcFirstLastPara="0" vert="horz" wrap="square" lIns="0" tIns="128016" rIns="128016" bIns="128016" numCol="1" spcCol="1270" anchor="ctr" anchorCtr="0">
-          <a:noAutofit/>
-        </a:bodyPr>
-        <a:lstStyle/>
-        <a:p>
-          <a:pPr marL="0" lvl="0" indent="0" algn="l" defTabSz="800100">
-            <a:lnSpc>
-              <a:spcPct val="90000"/>
-            </a:lnSpc>
-            <a:spcBef>
-              <a:spcPct val="0"/>
-            </a:spcBef>
-            <a:spcAft>
-              <a:spcPct val="35000"/>
-            </a:spcAft>
-            <a:buNone/>
-          </a:pPr>
-          <a:r>
-            <a:rPr lang="en-US" sz="1800" kern="1200" dirty="0"/>
-            <a:t>Task description</a:t>
-          </a:r>
-        </a:p>
-      </dsp:txBody>
-      <dsp:txXfrm>
-        <a:off x="3607337" y="1471513"/>
-        <a:ext cx="1282015" cy="1017981"/>
-      </dsp:txXfrm>
-    </dsp:sp>
-    <dsp:sp modelId="{68509703-D239-4E1B-8CF0-EF08079E1226}">
-      <dsp:nvSpPr>
-        <dsp:cNvPr id="0" name=""/>
-        <dsp:cNvSpPr/>
-      </dsp:nvSpPr>
-      <dsp:spPr>
-        <a:xfrm>
-          <a:off x="3363143" y="2489494"/>
-          <a:ext cx="1526209" cy="1017981"/>
-        </a:xfrm>
-        <a:prstGeom prst="rect">
-          <a:avLst/>
-        </a:prstGeom>
-        <a:solidFill>
-          <a:schemeClr val="accent1">
-            <a:alpha val="90000"/>
-            <a:tint val="40000"/>
-            <a:hueOff val="0"/>
-            <a:satOff val="0"/>
-            <a:lumOff val="0"/>
-            <a:alphaOff val="0"/>
-          </a:schemeClr>
-        </a:solidFill>
-        <a:ln w="6350" cap="rnd" cmpd="sng" algn="ctr">
-          <a:solidFill>
-            <a:schemeClr val="accent1">
-              <a:alpha val="90000"/>
-              <a:tint val="40000"/>
-              <a:hueOff val="0"/>
-              <a:satOff val="0"/>
-              <a:lumOff val="0"/>
-              <a:alphaOff val="0"/>
-            </a:schemeClr>
-          </a:solidFill>
-          <a:prstDash val="solid"/>
-        </a:ln>
-        <a:effectLst/>
-      </dsp:spPr>
-      <dsp:style>
-        <a:lnRef idx="1">
-          <a:scrgbClr r="0" g="0" b="0"/>
-        </a:lnRef>
-        <a:fillRef idx="1">
-          <a:scrgbClr r="0" g="0" b="0"/>
-        </a:fillRef>
-        <a:effectRef idx="0">
-          <a:scrgbClr r="0" g="0" b="0"/>
-        </a:effectRef>
-        <a:fontRef idx="minor"/>
-      </dsp:style>
-      <dsp:txBody>
-        <a:bodyPr spcFirstLastPara="0" vert="horz" wrap="square" lIns="0" tIns="128016" rIns="128016" bIns="128016" numCol="1" spcCol="1270" anchor="ctr" anchorCtr="0">
-          <a:noAutofit/>
-        </a:bodyPr>
-        <a:lstStyle/>
-        <a:p>
-          <a:pPr marL="0" lvl="0" indent="0" algn="l" defTabSz="800100">
-            <a:lnSpc>
-              <a:spcPct val="90000"/>
-            </a:lnSpc>
-            <a:spcBef>
-              <a:spcPct val="0"/>
-            </a:spcBef>
-            <a:spcAft>
-              <a:spcPct val="35000"/>
-            </a:spcAft>
-            <a:buNone/>
-          </a:pPr>
-          <a:r>
-            <a:rPr lang="en-US" sz="1800" kern="1200" dirty="0"/>
-            <a:t>Task description</a:t>
-          </a:r>
-        </a:p>
-      </dsp:txBody>
-      <dsp:txXfrm>
-        <a:off x="3607337" y="2489494"/>
-        <a:ext cx="1282015" cy="1017981"/>
-      </dsp:txXfrm>
-    </dsp:sp>
-    <dsp:sp modelId="{FD776C1E-557E-4553-9447-49B69EEC7907}">
-      <dsp:nvSpPr>
-        <dsp:cNvPr id="0" name=""/>
-        <dsp:cNvSpPr/>
-      </dsp:nvSpPr>
-      <dsp:spPr>
-        <a:xfrm>
-          <a:off x="2549165" y="46542"/>
-          <a:ext cx="1017472" cy="1017472"/>
-        </a:xfrm>
-        <a:prstGeom prst="ellipse">
-          <a:avLst/>
-        </a:prstGeom>
-        <a:gradFill rotWithShape="0">
-          <a:gsLst>
-            <a:gs pos="0">
-              <a:schemeClr val="accent1">
-                <a:hueOff val="0"/>
-                <a:satOff val="0"/>
-                <a:lumOff val="0"/>
-                <a:alphaOff val="0"/>
-                <a:shade val="100000"/>
-                <a:satMod val="137000"/>
-              </a:schemeClr>
-            </a:gs>
-            <a:gs pos="71000">
-              <a:schemeClr val="accent1">
-                <a:hueOff val="0"/>
-                <a:satOff val="0"/>
-                <a:lumOff val="0"/>
-                <a:alphaOff val="0"/>
-                <a:shade val="98000"/>
-                <a:satMod val="137000"/>
-              </a:schemeClr>
-            </a:gs>
-            <a:gs pos="100000">
-              <a:schemeClr val="accent1">
-                <a:hueOff val="0"/>
-                <a:satOff val="0"/>
-                <a:lumOff val="0"/>
-                <a:alphaOff val="0"/>
-                <a:shade val="75000"/>
-                <a:satMod val="137000"/>
-              </a:schemeClr>
-            </a:gs>
-          </a:gsLst>
-          <a:path path="rect">
-            <a:fillToRect l="50000" t="50000" r="50000" b="50000"/>
-          </a:path>
-        </a:gradFill>
-        <a:ln>
-          <a:noFill/>
-        </a:ln>
-        <a:effectLst>
-          <a:outerShdw blurRad="39000" dist="25400" dir="5400000" rotWithShape="0">
-            <a:srgbClr val="000000">
-              <a:alpha val="38000"/>
-            </a:srgbClr>
-          </a:outerShdw>
-        </a:effectLst>
-      </dsp:spPr>
-      <dsp:style>
-        <a:lnRef idx="0">
-          <a:scrgbClr r="0" g="0" b="0"/>
-        </a:lnRef>
-        <a:fillRef idx="3">
-          <a:scrgbClr r="0" g="0" b="0"/>
-        </a:fillRef>
-        <a:effectRef idx="2">
-          <a:scrgbClr r="0" g="0" b="0"/>
-        </a:effectRef>
-        <a:fontRef idx="minor">
-          <a:schemeClr val="lt1"/>
-        </a:fontRef>
-      </dsp:style>
-      <dsp:txBody>
-        <a:bodyPr spcFirstLastPara="0" vert="horz" wrap="square" lIns="0" tIns="0" rIns="0" bIns="0" numCol="1" spcCol="1270" anchor="ctr" anchorCtr="0">
-          <a:noAutofit/>
-        </a:bodyPr>
-        <a:lstStyle/>
-        <a:p>
-          <a:pPr marL="0" lvl="0" indent="0" algn="ctr" defTabSz="933450">
-            <a:lnSpc>
-              <a:spcPct val="90000"/>
-            </a:lnSpc>
-            <a:spcBef>
-              <a:spcPct val="0"/>
-            </a:spcBef>
-            <a:spcAft>
-              <a:spcPct val="35000"/>
-            </a:spcAft>
-            <a:buNone/>
-          </a:pPr>
-          <a:r>
-            <a:rPr lang="en-US" sz="2100" kern="1200" dirty="0"/>
-            <a:t>Step 2 Title</a:t>
-          </a:r>
-        </a:p>
-      </dsp:txBody>
-      <dsp:txXfrm>
-        <a:off x="2698170" y="195547"/>
-        <a:ext cx="719462" cy="719462"/>
-      </dsp:txXfrm>
-    </dsp:sp>
-    <dsp:sp modelId="{AD2806AC-6A03-4F05-9F4D-F72EA0E56FBF}">
-      <dsp:nvSpPr>
-        <dsp:cNvPr id="0" name=""/>
-        <dsp:cNvSpPr/>
-      </dsp:nvSpPr>
-      <dsp:spPr>
-        <a:xfrm>
-          <a:off x="5906825" y="453531"/>
-          <a:ext cx="1526209" cy="1017981"/>
-        </a:xfrm>
-        <a:prstGeom prst="rect">
-          <a:avLst/>
-        </a:prstGeom>
-        <a:solidFill>
-          <a:schemeClr val="accent1">
-            <a:alpha val="90000"/>
-            <a:tint val="40000"/>
-            <a:hueOff val="0"/>
-            <a:satOff val="0"/>
-            <a:lumOff val="0"/>
-            <a:alphaOff val="0"/>
-          </a:schemeClr>
-        </a:solidFill>
-        <a:ln w="6350" cap="rnd" cmpd="sng" algn="ctr">
-          <a:solidFill>
-            <a:schemeClr val="accent1">
-              <a:alpha val="90000"/>
-              <a:tint val="40000"/>
-              <a:hueOff val="0"/>
-              <a:satOff val="0"/>
-              <a:lumOff val="0"/>
-              <a:alphaOff val="0"/>
-            </a:schemeClr>
-          </a:solidFill>
-          <a:prstDash val="solid"/>
-        </a:ln>
-        <a:effectLst/>
-      </dsp:spPr>
-      <dsp:style>
-        <a:lnRef idx="1">
-          <a:scrgbClr r="0" g="0" b="0"/>
-        </a:lnRef>
-        <a:fillRef idx="1">
-          <a:scrgbClr r="0" g="0" b="0"/>
-        </a:fillRef>
-        <a:effectRef idx="0">
-          <a:scrgbClr r="0" g="0" b="0"/>
-        </a:effectRef>
-        <a:fontRef idx="minor"/>
-      </dsp:style>
-      <dsp:txBody>
-        <a:bodyPr spcFirstLastPara="0" vert="horz" wrap="square" lIns="0" tIns="128016" rIns="128016" bIns="128016" numCol="1" spcCol="1270" anchor="ctr" anchorCtr="0">
-          <a:noAutofit/>
-        </a:bodyPr>
-        <a:lstStyle/>
-        <a:p>
-          <a:pPr marL="0" lvl="0" indent="0" algn="l" defTabSz="800100">
-            <a:lnSpc>
-              <a:spcPct val="90000"/>
-            </a:lnSpc>
-            <a:spcBef>
-              <a:spcPct val="0"/>
-            </a:spcBef>
-            <a:spcAft>
-              <a:spcPct val="35000"/>
-            </a:spcAft>
-            <a:buNone/>
-          </a:pPr>
-          <a:r>
-            <a:rPr lang="en-US" sz="1800" kern="1200" dirty="0"/>
-            <a:t>Task description</a:t>
-          </a:r>
-        </a:p>
-      </dsp:txBody>
-      <dsp:txXfrm>
-        <a:off x="6151018" y="453531"/>
-        <a:ext cx="1282015" cy="1017981"/>
-      </dsp:txXfrm>
-    </dsp:sp>
-    <dsp:sp modelId="{5314AADB-0AD3-4BAE-9F15-B0FE4F44C802}">
-      <dsp:nvSpPr>
-        <dsp:cNvPr id="0" name=""/>
-        <dsp:cNvSpPr/>
-      </dsp:nvSpPr>
-      <dsp:spPr>
-        <a:xfrm>
-          <a:off x="5906825" y="1471513"/>
-          <a:ext cx="1526209" cy="1017981"/>
-        </a:xfrm>
-        <a:prstGeom prst="rect">
-          <a:avLst/>
-        </a:prstGeom>
-        <a:solidFill>
-          <a:schemeClr val="accent1">
-            <a:alpha val="90000"/>
-            <a:tint val="40000"/>
-            <a:hueOff val="0"/>
-            <a:satOff val="0"/>
-            <a:lumOff val="0"/>
-            <a:alphaOff val="0"/>
-          </a:schemeClr>
-        </a:solidFill>
-        <a:ln w="6350" cap="rnd" cmpd="sng" algn="ctr">
-          <a:solidFill>
-            <a:schemeClr val="accent1">
-              <a:alpha val="90000"/>
-              <a:tint val="40000"/>
-              <a:hueOff val="0"/>
-              <a:satOff val="0"/>
-              <a:lumOff val="0"/>
-              <a:alphaOff val="0"/>
-            </a:schemeClr>
-          </a:solidFill>
-          <a:prstDash val="solid"/>
-        </a:ln>
-        <a:effectLst/>
-      </dsp:spPr>
-      <dsp:style>
-        <a:lnRef idx="1">
-          <a:scrgbClr r="0" g="0" b="0"/>
-        </a:lnRef>
-        <a:fillRef idx="1">
-          <a:scrgbClr r="0" g="0" b="0"/>
-        </a:fillRef>
-        <a:effectRef idx="0">
-          <a:scrgbClr r="0" g="0" b="0"/>
-        </a:effectRef>
-        <a:fontRef idx="minor"/>
-      </dsp:style>
-      <dsp:txBody>
-        <a:bodyPr spcFirstLastPara="0" vert="horz" wrap="square" lIns="0" tIns="128016" rIns="128016" bIns="128016" numCol="1" spcCol="1270" anchor="ctr" anchorCtr="0">
-          <a:noAutofit/>
-        </a:bodyPr>
-        <a:lstStyle/>
-        <a:p>
-          <a:pPr marL="0" lvl="0" indent="0" algn="l" defTabSz="800100">
-            <a:lnSpc>
-              <a:spcPct val="90000"/>
-            </a:lnSpc>
-            <a:spcBef>
-              <a:spcPct val="0"/>
-            </a:spcBef>
-            <a:spcAft>
-              <a:spcPct val="35000"/>
-            </a:spcAft>
-            <a:buNone/>
-          </a:pPr>
-          <a:r>
-            <a:rPr lang="en-US" sz="1800" kern="1200" dirty="0"/>
-            <a:t>Task description</a:t>
-          </a:r>
-        </a:p>
-      </dsp:txBody>
-      <dsp:txXfrm>
-        <a:off x="6151018" y="1471513"/>
-        <a:ext cx="1282015" cy="1017981"/>
-      </dsp:txXfrm>
-    </dsp:sp>
-    <dsp:sp modelId="{89E6DA6E-7A23-44BD-8A99-378091FF741D}">
-      <dsp:nvSpPr>
-        <dsp:cNvPr id="0" name=""/>
-        <dsp:cNvSpPr/>
-      </dsp:nvSpPr>
-      <dsp:spPr>
-        <a:xfrm>
-          <a:off x="5092847" y="46542"/>
-          <a:ext cx="1017472" cy="1017472"/>
-        </a:xfrm>
-        <a:prstGeom prst="ellipse">
-          <a:avLst/>
-        </a:prstGeom>
-        <a:gradFill rotWithShape="0">
-          <a:gsLst>
-            <a:gs pos="0">
-              <a:schemeClr val="accent1">
-                <a:hueOff val="0"/>
-                <a:satOff val="0"/>
-                <a:lumOff val="0"/>
-                <a:alphaOff val="0"/>
-                <a:shade val="100000"/>
-                <a:satMod val="137000"/>
-              </a:schemeClr>
-            </a:gs>
-            <a:gs pos="71000">
-              <a:schemeClr val="accent1">
-                <a:hueOff val="0"/>
-                <a:satOff val="0"/>
-                <a:lumOff val="0"/>
-                <a:alphaOff val="0"/>
-                <a:shade val="98000"/>
-                <a:satMod val="137000"/>
-              </a:schemeClr>
-            </a:gs>
-            <a:gs pos="100000">
-              <a:schemeClr val="accent1">
-                <a:hueOff val="0"/>
-                <a:satOff val="0"/>
-                <a:lumOff val="0"/>
-                <a:alphaOff val="0"/>
-                <a:shade val="75000"/>
-                <a:satMod val="137000"/>
-              </a:schemeClr>
-            </a:gs>
-          </a:gsLst>
-          <a:path path="rect">
-            <a:fillToRect l="50000" t="50000" r="50000" b="50000"/>
-          </a:path>
-        </a:gradFill>
-        <a:ln>
-          <a:noFill/>
-        </a:ln>
-        <a:effectLst>
-          <a:outerShdw blurRad="39000" dist="25400" dir="5400000" rotWithShape="0">
-            <a:srgbClr val="000000">
-              <a:alpha val="38000"/>
-            </a:srgbClr>
-          </a:outerShdw>
-        </a:effectLst>
-      </dsp:spPr>
-      <dsp:style>
-        <a:lnRef idx="0">
-          <a:scrgbClr r="0" g="0" b="0"/>
-        </a:lnRef>
-        <a:fillRef idx="3">
-          <a:scrgbClr r="0" g="0" b="0"/>
-        </a:fillRef>
-        <a:effectRef idx="2">
-          <a:scrgbClr r="0" g="0" b="0"/>
-        </a:effectRef>
-        <a:fontRef idx="minor">
-          <a:schemeClr val="lt1"/>
-        </a:fontRef>
-      </dsp:style>
-      <dsp:txBody>
-        <a:bodyPr spcFirstLastPara="0" vert="horz" wrap="square" lIns="0" tIns="0" rIns="0" bIns="0" numCol="1" spcCol="1270" anchor="ctr" anchorCtr="0">
-          <a:noAutofit/>
-        </a:bodyPr>
-        <a:lstStyle/>
-        <a:p>
-          <a:pPr marL="0" lvl="0" indent="0" algn="ctr" defTabSz="933450">
-            <a:lnSpc>
-              <a:spcPct val="90000"/>
-            </a:lnSpc>
-            <a:spcBef>
-              <a:spcPct val="0"/>
-            </a:spcBef>
-            <a:spcAft>
-              <a:spcPct val="35000"/>
-            </a:spcAft>
-            <a:buNone/>
-          </a:pPr>
-          <a:r>
-            <a:rPr lang="en-US" sz="2100" kern="1200" dirty="0"/>
-            <a:t>Step 3 Title</a:t>
-          </a:r>
-        </a:p>
-      </dsp:txBody>
-      <dsp:txXfrm>
-        <a:off x="5241852" y="195547"/>
-        <a:ext cx="719462" cy="719462"/>
-      </dsp:txXfrm>
-    </dsp:sp>
-    <dsp:sp modelId="{402C2C77-A32C-4D99-9940-12535E1181F2}">
-      <dsp:nvSpPr>
-        <dsp:cNvPr id="0" name=""/>
-        <dsp:cNvSpPr/>
-      </dsp:nvSpPr>
-      <dsp:spPr>
-        <a:xfrm>
-          <a:off x="8450507" y="453531"/>
-          <a:ext cx="1526209" cy="1017981"/>
-        </a:xfrm>
-        <a:prstGeom prst="rect">
-          <a:avLst/>
-        </a:prstGeom>
-        <a:solidFill>
-          <a:schemeClr val="accent1">
-            <a:alpha val="90000"/>
-            <a:tint val="40000"/>
-            <a:hueOff val="0"/>
-            <a:satOff val="0"/>
-            <a:lumOff val="0"/>
-            <a:alphaOff val="0"/>
-          </a:schemeClr>
-        </a:solidFill>
-        <a:ln w="6350" cap="rnd" cmpd="sng" algn="ctr">
-          <a:solidFill>
-            <a:schemeClr val="accent1">
-              <a:alpha val="90000"/>
-              <a:tint val="40000"/>
-              <a:hueOff val="0"/>
-              <a:satOff val="0"/>
-              <a:lumOff val="0"/>
-              <a:alphaOff val="0"/>
-            </a:schemeClr>
-          </a:solidFill>
-          <a:prstDash val="solid"/>
-        </a:ln>
-        <a:effectLst/>
-      </dsp:spPr>
-      <dsp:style>
-        <a:lnRef idx="1">
-          <a:scrgbClr r="0" g="0" b="0"/>
-        </a:lnRef>
-        <a:fillRef idx="1">
-          <a:scrgbClr r="0" g="0" b="0"/>
-        </a:fillRef>
-        <a:effectRef idx="0">
-          <a:scrgbClr r="0" g="0" b="0"/>
-        </a:effectRef>
-        <a:fontRef idx="minor"/>
-      </dsp:style>
-      <dsp:txBody>
-        <a:bodyPr spcFirstLastPara="0" vert="horz" wrap="square" lIns="0" tIns="128016" rIns="128016" bIns="128016" numCol="1" spcCol="1270" anchor="ctr" anchorCtr="0">
-          <a:noAutofit/>
-        </a:bodyPr>
-        <a:lstStyle/>
-        <a:p>
-          <a:pPr marL="0" lvl="0" indent="0" algn="l" defTabSz="800100">
-            <a:lnSpc>
-              <a:spcPct val="90000"/>
-            </a:lnSpc>
-            <a:spcBef>
-              <a:spcPct val="0"/>
-            </a:spcBef>
-            <a:spcAft>
-              <a:spcPct val="35000"/>
-            </a:spcAft>
-            <a:buNone/>
-          </a:pPr>
-          <a:r>
-            <a:rPr lang="en-US" sz="1800" kern="1200" dirty="0"/>
-            <a:t>Task description</a:t>
-          </a:r>
-        </a:p>
-      </dsp:txBody>
-      <dsp:txXfrm>
-        <a:off x="8694700" y="453531"/>
-        <a:ext cx="1282015" cy="1017981"/>
-      </dsp:txXfrm>
-    </dsp:sp>
-    <dsp:sp modelId="{3086D0BF-AAD1-4310-88ED-4D81A687BD50}">
-      <dsp:nvSpPr>
-        <dsp:cNvPr id="0" name=""/>
-        <dsp:cNvSpPr/>
-      </dsp:nvSpPr>
-      <dsp:spPr>
-        <a:xfrm>
-          <a:off x="8450507" y="1471513"/>
-          <a:ext cx="1526209" cy="1017981"/>
-        </a:xfrm>
-        <a:prstGeom prst="rect">
-          <a:avLst/>
-        </a:prstGeom>
-        <a:solidFill>
-          <a:schemeClr val="accent1">
-            <a:alpha val="90000"/>
-            <a:tint val="40000"/>
-            <a:hueOff val="0"/>
-            <a:satOff val="0"/>
-            <a:lumOff val="0"/>
-            <a:alphaOff val="0"/>
-          </a:schemeClr>
-        </a:solidFill>
-        <a:ln w="6350" cap="rnd" cmpd="sng" algn="ctr">
-          <a:solidFill>
-            <a:schemeClr val="accent1">
-              <a:alpha val="90000"/>
-              <a:tint val="40000"/>
-              <a:hueOff val="0"/>
-              <a:satOff val="0"/>
-              <a:lumOff val="0"/>
-              <a:alphaOff val="0"/>
-            </a:schemeClr>
-          </a:solidFill>
-          <a:prstDash val="solid"/>
-        </a:ln>
-        <a:effectLst/>
-      </dsp:spPr>
-      <dsp:style>
-        <a:lnRef idx="1">
-          <a:scrgbClr r="0" g="0" b="0"/>
-        </a:lnRef>
-        <a:fillRef idx="1">
-          <a:scrgbClr r="0" g="0" b="0"/>
-        </a:fillRef>
-        <a:effectRef idx="0">
-          <a:scrgbClr r="0" g="0" b="0"/>
-        </a:effectRef>
-        <a:fontRef idx="minor"/>
-      </dsp:style>
-      <dsp:txBody>
-        <a:bodyPr spcFirstLastPara="0" vert="horz" wrap="square" lIns="0" tIns="128016" rIns="128016" bIns="128016" numCol="1" spcCol="1270" anchor="ctr" anchorCtr="0">
-          <a:noAutofit/>
-        </a:bodyPr>
-        <a:lstStyle/>
-        <a:p>
-          <a:pPr marL="0" lvl="0" indent="0" algn="l" defTabSz="800100">
-            <a:lnSpc>
-              <a:spcPct val="90000"/>
-            </a:lnSpc>
-            <a:spcBef>
-              <a:spcPct val="0"/>
-            </a:spcBef>
-            <a:spcAft>
-              <a:spcPct val="35000"/>
-            </a:spcAft>
-            <a:buNone/>
-          </a:pPr>
-          <a:r>
-            <a:rPr lang="en-US" sz="1800" kern="1200" dirty="0"/>
-            <a:t>Task description</a:t>
-          </a:r>
-        </a:p>
-      </dsp:txBody>
-      <dsp:txXfrm>
-        <a:off x="8694700" y="1471513"/>
-        <a:ext cx="1282015" cy="1017981"/>
-      </dsp:txXfrm>
-    </dsp:sp>
-    <dsp:sp modelId="{7453D9C8-CD6E-4AA4-8A19-7F6F667528F0}">
-      <dsp:nvSpPr>
-        <dsp:cNvPr id="0" name=""/>
-        <dsp:cNvSpPr/>
-      </dsp:nvSpPr>
-      <dsp:spPr>
-        <a:xfrm>
-          <a:off x="7636529" y="46542"/>
-          <a:ext cx="1017472" cy="1017472"/>
-        </a:xfrm>
-        <a:prstGeom prst="ellipse">
-          <a:avLst/>
-        </a:prstGeom>
-        <a:gradFill rotWithShape="0">
-          <a:gsLst>
-            <a:gs pos="0">
-              <a:schemeClr val="accent1">
-                <a:hueOff val="0"/>
-                <a:satOff val="0"/>
-                <a:lumOff val="0"/>
-                <a:alphaOff val="0"/>
-                <a:shade val="100000"/>
-                <a:satMod val="137000"/>
-              </a:schemeClr>
-            </a:gs>
-            <a:gs pos="71000">
-              <a:schemeClr val="accent1">
-                <a:hueOff val="0"/>
-                <a:satOff val="0"/>
-                <a:lumOff val="0"/>
-                <a:alphaOff val="0"/>
-                <a:shade val="98000"/>
-                <a:satMod val="137000"/>
-              </a:schemeClr>
-            </a:gs>
-            <a:gs pos="100000">
-              <a:schemeClr val="accent1">
-                <a:hueOff val="0"/>
-                <a:satOff val="0"/>
-                <a:lumOff val="0"/>
-                <a:alphaOff val="0"/>
-                <a:shade val="75000"/>
-                <a:satMod val="137000"/>
-              </a:schemeClr>
-            </a:gs>
-          </a:gsLst>
-          <a:path path="rect">
-            <a:fillToRect l="50000" t="50000" r="50000" b="50000"/>
-          </a:path>
-        </a:gradFill>
-        <a:ln>
-          <a:noFill/>
-        </a:ln>
-        <a:effectLst>
-          <a:outerShdw blurRad="39000" dist="25400" dir="5400000" rotWithShape="0">
-            <a:srgbClr val="000000">
-              <a:alpha val="38000"/>
-            </a:srgbClr>
-          </a:outerShdw>
-        </a:effectLst>
-      </dsp:spPr>
-      <dsp:style>
-        <a:lnRef idx="0">
-          <a:scrgbClr r="0" g="0" b="0"/>
-        </a:lnRef>
-        <a:fillRef idx="3">
-          <a:scrgbClr r="0" g="0" b="0"/>
-        </a:fillRef>
-        <a:effectRef idx="2">
-          <a:scrgbClr r="0" g="0" b="0"/>
-        </a:effectRef>
-        <a:fontRef idx="minor">
-          <a:schemeClr val="lt1"/>
-        </a:fontRef>
-      </dsp:style>
-      <dsp:txBody>
-        <a:bodyPr spcFirstLastPara="0" vert="horz" wrap="square" lIns="0" tIns="0" rIns="0" bIns="0" numCol="1" spcCol="1270" anchor="ctr" anchorCtr="0">
-          <a:noAutofit/>
-        </a:bodyPr>
-        <a:lstStyle/>
-        <a:p>
-          <a:pPr marL="0" lvl="0" indent="0" algn="ctr" defTabSz="933450">
-            <a:lnSpc>
-              <a:spcPct val="90000"/>
-            </a:lnSpc>
-            <a:spcBef>
-              <a:spcPct val="0"/>
-            </a:spcBef>
-            <a:spcAft>
-              <a:spcPct val="35000"/>
-            </a:spcAft>
-            <a:buNone/>
-          </a:pPr>
-          <a:r>
-            <a:rPr lang="en-US" sz="2100" kern="1200" dirty="0"/>
-            <a:t>Step 4 Title</a:t>
-          </a:r>
-        </a:p>
-      </dsp:txBody>
-      <dsp:txXfrm>
-        <a:off x="7785534" y="195547"/>
-        <a:ext cx="719462" cy="719462"/>
-      </dsp:txXfrm>
-    </dsp:sp>
-  </dsp:spTree>
-</dsp:drawing>
-</file>
-
-<file path=ppt/diagrams/layout1.xml><?xml version="1.0" encoding="utf-8"?>
-<dgm:layoutDef xmlns:dgm="http://schemas.openxmlformats.org/drawingml/2006/diagram" xmlns:a="http://schemas.openxmlformats.org/drawingml/2006/main" uniqueId="urn:microsoft.com/office/officeart/2005/8/layout/hList9">
-  <dgm:title val=""/>
-  <dgm:desc val=""/>
-  <dgm:catLst>
-    <dgm:cat type="list" pri="8000"/>
-  </dgm:catLst>
-  <dgm:sampData>
-    <dgm:dataModel>
-      <dgm:ptLst>
-        <dgm:pt modelId="0" type="doc"/>
-        <dgm:pt modelId="1">
-          <dgm:prSet phldr="1"/>
-        </dgm:pt>
-        <dgm:pt modelId="11">
-          <dgm:prSet phldr="1"/>
-        </dgm:pt>
-        <dgm:pt modelId="12">
-          <dgm:prSet phldr="1"/>
-        </dgm:pt>
-        <dgm:pt modelId="2">
-          <dgm:prSet phldr="1"/>
-        </dgm:pt>
-        <dgm:pt modelId="21">
-          <dgm:prSet phldr="1"/>
-        </dgm:pt>
-        <dgm:pt modelId="22">
-          <dgm:prSet phldr="1"/>
-        </dgm:pt>
-      </dgm:ptLst>
-      <dgm:cxnLst>
-        <dgm:cxn modelId="3" srcId="0" destId="1" srcOrd="0" destOrd="0"/>
-        <dgm:cxn modelId="4" srcId="0" destId="2" srcOrd="1" destOrd="0"/>
-        <dgm:cxn modelId="13" srcId="1" destId="11" srcOrd="0" destOrd="0"/>
-        <dgm:cxn modelId="14" srcId="1" destId="12" srcOrd="0" destOrd="0"/>
-        <dgm:cxn modelId="23" srcId="2" destId="21" srcOrd="0" destOrd="0"/>
-        <dgm:cxn modelId="24" srcId="2" destId="22" srcOrd="0" destOrd="0"/>
-      </dgm:cxnLst>
-      <dgm:bg/>
-      <dgm:whole/>
-    </dgm:dataModel>
-  </dgm:sampData>
-  <dgm:styleData>
-    <dgm:dataModel>
-      <dgm:ptLst>
-        <dgm:pt modelId="0" type="doc"/>
-        <dgm:pt modelId="1"/>
-        <dgm:pt modelId="2"/>
-      </dgm:ptLst>
-      <dgm:cxnLst>
-        <dgm:cxn modelId="3" srcId="0" destId="1" srcOrd="0" destOrd="0"/>
-        <dgm:cxn modelId="4" srcId="1" destId="2" srcOrd="0" destOrd="0"/>
-      </dgm:cxnLst>
-      <dgm:bg/>
-      <dgm:whole/>
-    </dgm:dataModel>
-  </dgm:styleData>
-  <dgm:clrData>
-    <dgm:dataModel>
-      <dgm:ptLst>
-        <dgm:pt modelId="0" type="doc"/>
-        <dgm:pt modelId="1"/>
-        <dgm:pt modelId="11"/>
-        <dgm:pt modelId="12"/>
-        <dgm:pt modelId="13"/>
-        <dgm:pt modelId="14"/>
-        <dgm:pt modelId="2"/>
-        <dgm:pt modelId="21"/>
-        <dgm:pt modelId="22"/>
-        <dgm:pt modelId="23"/>
-        <dgm:pt modelId="24"/>
-        <dgm:pt modelId="3"/>
-        <dgm:pt modelId="31"/>
-        <dgm:pt modelId="32"/>
-        <dgm:pt modelId="33"/>
-        <dgm:pt modelId="34"/>
-      </dgm:ptLst>
-      <dgm:cxnLst>
-        <dgm:cxn modelId="4" srcId="0" destId="1" srcOrd="0" destOrd="0"/>
-        <dgm:cxn modelId="5" srcId="0" destId="2" srcOrd="1" destOrd="0"/>
-        <dgm:cxn modelId="6" srcId="0" destId="3" srcOrd="1" destOrd="0"/>
-        <dgm:cxn modelId="15" srcId="1" destId="11" srcOrd="0" destOrd="0"/>
-        <dgm:cxn modelId="16" srcId="1" destId="12" srcOrd="0" destOrd="0"/>
-        <dgm:cxn modelId="17" srcId="1" destId="13" srcOrd="0" destOrd="0"/>
-        <dgm:cxn modelId="18" srcId="1" destId="14" srcOrd="0" destOrd="0"/>
-        <dgm:cxn modelId="25" srcId="2" destId="21" srcOrd="0" destOrd="0"/>
-        <dgm:cxn modelId="26" srcId="2" destId="22" srcOrd="0" destOrd="0"/>
-        <dgm:cxn modelId="27" srcId="2" destId="23" srcOrd="0" destOrd="0"/>
-        <dgm:cxn modelId="28" srcId="2" destId="24" srcOrd="0" destOrd="0"/>
-        <dgm:cxn modelId="35" srcId="3" destId="31" srcOrd="0" destOrd="0"/>
-        <dgm:cxn modelId="36" srcId="3" destId="32" srcOrd="0" destOrd="0"/>
-        <dgm:cxn modelId="37" srcId="3" destId="33" srcOrd="0" destOrd="0"/>
-        <dgm:cxn modelId="38" srcId="3" destId="34" srcOrd="0" destOrd="0"/>
-      </dgm:cxnLst>
-      <dgm:bg/>
-      <dgm:whole/>
-    </dgm:dataModel>
-  </dgm:clrData>
-  <dgm:layoutNode name="list">
-    <dgm:varLst>
-      <dgm:dir/>
-      <dgm:animLvl val="lvl"/>
-    </dgm:varLst>
-    <dgm:choose name="Name0">
-      <dgm:if name="Name1" func="var" arg="dir" op="equ" val="norm">
-        <dgm:alg type="lin">
-          <dgm:param type="linDir" val="fromL"/>
-          <dgm:param type="fallback" val="2D"/>
-          <dgm:param type="nodeVertAlign" val="t"/>
-        </dgm:alg>
-      </dgm:if>
-      <dgm:else name="Name2">
-        <dgm:alg type="lin">
-          <dgm:param type="linDir" val="fromR"/>
-          <dgm:param type="fallback" val="2D"/>
-          <dgm:param type="nodeVertAlign" val="t"/>
-        </dgm:alg>
-      </dgm:else>
-    </dgm:choose>
-    <dgm:shape xmlns:r="http://schemas.openxmlformats.org/officeDocument/2006/relationships" r:blip="">
-      <dgm:adjLst/>
-    </dgm:shape>
-    <dgm:presOf/>
-    <dgm:constrLst>
-      <dgm:constr type="w" for="ch" forName="circle" refType="w" fact="0.5"/>
-      <dgm:constr type="w" for="ch" forName="vertFlow" refType="w" fact="0.75"/>
-      <dgm:constr type="h" for="des" forName="firstComp" refType="w" refFor="ch" refForName="vertFlow" fact="0.667"/>
-      <dgm:constr type="h" for="des" forName="comp" refType="h" refFor="des" refForName="firstComp" op="equ"/>
-      <dgm:constr type="h" for="des" forName="topSpace" refType="w" refFor="ch" refForName="circle" op="equ" fact="0.4"/>
-      <dgm:constr type="w" for="ch" forName="posSpace" refType="w" fact="0.4"/>
-      <dgm:constr type="w" for="ch" forName="negSpace" refType="w" fact="-1.15"/>
-      <dgm:constr type="w" for="ch" forName="transSpace" refType="w" fact="0.75"/>
-      <dgm:constr type="primFontSz" for="ch" forName="circle" op="equ" val="65"/>
-      <dgm:constr type="primFontSz" for="des" forName="firstChildTx" val="65"/>
-      <dgm:constr type="primFontSz" for="des" forName="childTx" refType="primFontSz" refFor="des" refForName="firstChildTx" op="equ"/>
-    </dgm:constrLst>
-    <dgm:ruleLst/>
-    <dgm:forEach name="Name3" axis="ch" ptType="node">
-      <dgm:layoutNode name="posSpace">
-        <dgm:alg type="sp"/>
-        <dgm:shape xmlns:r="http://schemas.openxmlformats.org/officeDocument/2006/relationships" r:blip="">
-          <dgm:adjLst/>
-        </dgm:shape>
-        <dgm:presOf/>
-        <dgm:constrLst/>
-        <dgm:ruleLst/>
-      </dgm:layoutNode>
-      <dgm:layoutNode name="vertFlow">
-        <dgm:alg type="lin">
-          <dgm:param type="linDir" val="fromT"/>
-        </dgm:alg>
-        <dgm:shape xmlns:r="http://schemas.openxmlformats.org/officeDocument/2006/relationships" r:blip="">
-          <dgm:adjLst/>
-        </dgm:shape>
-        <dgm:presOf/>
-        <dgm:constrLst>
-          <dgm:constr type="w" for="ch" forName="firstComp" refType="w"/>
-          <dgm:constr type="w" for="ch" forName="comp" refType="w"/>
-        </dgm:constrLst>
-        <dgm:ruleLst/>
-        <dgm:layoutNode name="topSpace">
-          <dgm:alg type="sp"/>
-          <dgm:shape xmlns:r="http://schemas.openxmlformats.org/officeDocument/2006/relationships" r:blip="">
-            <dgm:adjLst/>
-          </dgm:shape>
-          <dgm:presOf/>
-          <dgm:constrLst/>
-          <dgm:ruleLst/>
-        </dgm:layoutNode>
-        <dgm:layoutNode name="firstComp">
-          <dgm:alg type="composite"/>
-          <dgm:shape xmlns:r="http://schemas.openxmlformats.org/officeDocument/2006/relationships" r:blip="">
-            <dgm:adjLst/>
-          </dgm:shape>
-          <dgm:presOf/>
-          <dgm:choose name="Name4">
-            <dgm:if name="Name5" func="var" arg="dir" op="equ" val="norm">
-              <dgm:constrLst>
-                <dgm:constr type="l" for="ch" forName="firstChild"/>
-                <dgm:constr type="t" for="ch" forName="firstChild"/>
-                <dgm:constr type="w" for="ch" forName="firstChild" refType="w"/>
-                <dgm:constr type="h" for="ch" forName="firstChild" refType="h"/>
-                <dgm:constr type="l" for="ch" forName="firstChildTx" refType="w" fact="0.16"/>
-                <dgm:constr type="r" for="ch" forName="firstChildTx" refType="w"/>
-                <dgm:constr type="h" for="ch" forName="firstChildTx" refFor="ch" refForName="firstChild" op="equ"/>
-              </dgm:constrLst>
-            </dgm:if>
-            <dgm:else name="Name6">
-              <dgm:constrLst>
-                <dgm:constr type="l" for="ch" forName="firstChild"/>
-                <dgm:constr type="t" for="ch" forName="firstChild"/>
-                <dgm:constr type="w" for="ch" forName="firstChild" refType="w"/>
-                <dgm:constr type="h" for="ch" forName="firstChild" refType="h"/>
-                <dgm:constr type="l" for="ch" forName="firstChildTx"/>
-                <dgm:constr type="r" for="ch" forName="firstChildTx" refType="w" fact="0.825"/>
-                <dgm:constr type="h" for="ch" forName="firstChildTx" refFor="ch" refForName="firstChild" op="equ"/>
-              </dgm:constrLst>
-            </dgm:else>
-          </dgm:choose>
-          <dgm:ruleLst/>
-          <dgm:layoutNode name="firstChild" styleLbl="bgAccFollowNode1">
-            <dgm:alg type="sp"/>
-            <dgm:shape xmlns:r="http://schemas.openxmlformats.org/officeDocument/2006/relationships" type="rect" r:blip="">
-              <dgm:adjLst/>
-            </dgm:shape>
-            <dgm:presOf axis="ch desOrSelf" ptType="node node" cnt="1 0"/>
-            <dgm:constrLst/>
-            <dgm:ruleLst/>
-          </dgm:layoutNode>
-          <dgm:layoutNode name="firstChildTx" styleLbl="bgAccFollowNode1">
-            <dgm:varLst>
-              <dgm:bulletEnabled val="1"/>
-            </dgm:varLst>
-            <dgm:alg type="tx">
-              <dgm:param type="parTxLTRAlign" val="l"/>
-            </dgm:alg>
-            <dgm:shape xmlns:r="http://schemas.openxmlformats.org/officeDocument/2006/relationships" type="rect" r:blip="" hideGeom="1">
-              <dgm:adjLst/>
-            </dgm:shape>
-            <dgm:presOf axis="ch desOrSelf" ptType="node node" cnt="1 0"/>
-            <dgm:choose name="Name7">
-              <dgm:if name="Name8" func="var" arg="dir" op="equ" val="norm">
-                <dgm:constrLst>
-                  <dgm:constr type="primFontSz" val="65"/>
-                  <dgm:constr type="lMarg"/>
-                </dgm:constrLst>
-              </dgm:if>
-              <dgm:else name="Name9">
-                <dgm:constrLst>
-                  <dgm:constr type="primFontSz" val="65"/>
-                  <dgm:constr type="rMarg"/>
-                </dgm:constrLst>
-              </dgm:else>
-            </dgm:choose>
-            <dgm:ruleLst>
-              <dgm:rule type="primFontSz" val="5" fact="NaN" max="NaN"/>
-            </dgm:ruleLst>
-          </dgm:layoutNode>
-        </dgm:layoutNode>
-        <dgm:forEach name="Name10" axis="ch" ptType="node" st="2">
-          <dgm:layoutNode name="comp">
-            <dgm:alg type="composite"/>
-            <dgm:shape xmlns:r="http://schemas.openxmlformats.org/officeDocument/2006/relationships" r:blip="">
-              <dgm:adjLst/>
-            </dgm:shape>
-            <dgm:presOf/>
-            <dgm:choose name="Name11">
-              <dgm:if name="Name12" func="var" arg="dir" op="equ" val="norm">
-                <dgm:constrLst>
-                  <dgm:constr type="l" for="ch" forName="child"/>
-                  <dgm:constr type="t" for="ch" forName="child"/>
-                  <dgm:constr type="w" for="ch" forName="child" refType="w"/>
-                  <dgm:constr type="h" for="ch" forName="child" refType="h"/>
-                  <dgm:constr type="l" for="ch" forName="childTx" refType="w" fact="0.16"/>
-                  <dgm:constr type="r" for="ch" forName="childTx" refType="w"/>
-                  <dgm:constr type="h" for="ch" forName="childTx" refFor="ch" refForName="child" op="equ"/>
-                </dgm:constrLst>
-              </dgm:if>
-              <dgm:else name="Name13">
-                <dgm:constrLst>
-                  <dgm:constr type="l" for="ch" forName="child"/>
-                  <dgm:constr type="t" for="ch" forName="child"/>
-                  <dgm:constr type="w" for="ch" forName="child" refType="w"/>
-                  <dgm:constr type="h" for="ch" forName="child" refType="h"/>
-                  <dgm:constr type="l" for="ch" forName="childTx"/>
-                  <dgm:constr type="r" for="ch" forName="childTx" refType="w" fact="0.825"/>
-                  <dgm:constr type="h" for="ch" forName="childTx" refFor="ch" refForName="child" op="equ"/>
-                </dgm:constrLst>
-              </dgm:else>
-            </dgm:choose>
-            <dgm:ruleLst/>
-            <dgm:layoutNode name="child" styleLbl="bgAccFollowNode1">
-              <dgm:alg type="sp"/>
-              <dgm:shape xmlns:r="http://schemas.openxmlformats.org/officeDocument/2006/relationships" type="rect" r:blip="">
-                <dgm:adjLst/>
-              </dgm:shape>
-              <dgm:presOf axis="desOrSelf" ptType="node"/>
-              <dgm:constrLst/>
-              <dgm:ruleLst/>
-            </dgm:layoutNode>
-            <dgm:layoutNode name="childTx" styleLbl="bgAccFollowNode1">
-              <dgm:varLst>
-                <dgm:bulletEnabled val="1"/>
-              </dgm:varLst>
-              <dgm:alg type="tx">
-                <dgm:param type="parTxLTRAlign" val="l"/>
-              </dgm:alg>
-              <dgm:shape xmlns:r="http://schemas.openxmlformats.org/officeDocument/2006/relationships" type="rect" r:blip="" hideGeom="1">
-                <dgm:adjLst/>
-              </dgm:shape>
-              <dgm:presOf axis="desOrSelf" ptType="node"/>
-              <dgm:choose name="Name14">
-                <dgm:if name="Name15" func="var" arg="dir" op="equ" val="norm">
-                  <dgm:constrLst>
-                    <dgm:constr type="primFontSz" val="65"/>
-                    <dgm:constr type="lMarg"/>
-                  </dgm:constrLst>
-                </dgm:if>
-                <dgm:else name="Name16">
-                  <dgm:constrLst>
-                    <dgm:constr type="primFontSz" val="65"/>
-                    <dgm:constr type="rMarg"/>
-                  </dgm:constrLst>
-                </dgm:else>
-              </dgm:choose>
-              <dgm:ruleLst>
-                <dgm:rule type="primFontSz" val="5" fact="NaN" max="NaN"/>
-              </dgm:ruleLst>
-            </dgm:layoutNode>
-          </dgm:layoutNode>
-        </dgm:forEach>
-      </dgm:layoutNode>
-      <dgm:layoutNode name="negSpace">
-        <dgm:alg type="sp"/>
-        <dgm:shape xmlns:r="http://schemas.openxmlformats.org/officeDocument/2006/relationships" r:blip="">
-          <dgm:adjLst/>
-        </dgm:shape>
-        <dgm:presOf/>
-        <dgm:constrLst/>
-        <dgm:ruleLst/>
-      </dgm:layoutNode>
-      <dgm:layoutNode name="circle" styleLbl="node1">
-        <dgm:alg type="tx"/>
-        <dgm:shape xmlns:r="http://schemas.openxmlformats.org/officeDocument/2006/relationships" type="ellipse" r:blip="">
-          <dgm:adjLst/>
-        </dgm:shape>
-        <dgm:presOf axis="self"/>
-        <dgm:constrLst>
-          <dgm:constr type="lMarg"/>
-          <dgm:constr type="rMarg"/>
-          <dgm:constr type="tMarg"/>
-          <dgm:constr type="bMarg"/>
-          <dgm:constr type="h" refType="w"/>
-        </dgm:constrLst>
-        <dgm:ruleLst>
-          <dgm:rule type="primFontSz" val="5" fact="NaN" max="NaN"/>
-        </dgm:ruleLst>
-      </dgm:layoutNode>
-      <dgm:forEach name="Name17" axis="followSib" ptType="sibTrans" cnt="1">
-        <dgm:layoutNode name="transSpace">
-          <dgm:alg type="sp"/>
-          <dgm:shape xmlns:r="http://schemas.openxmlformats.org/officeDocument/2006/relationships" r:blip="">
-            <dgm:adjLst/>
-          </dgm:shape>
-          <dgm:presOf/>
-          <dgm:constrLst/>
-          <dgm:ruleLst/>
-        </dgm:layoutNode>
-      </dgm:forEach>
-    </dgm:forEach>
-  </dgm:layoutNode>
-</dgm:layoutDef>
-</file>
-
-<file path=ppt/diagrams/quickStyle1.xml><?xml version="1.0" encoding="utf-8"?>
-<dgm:styleDef xmlns:dgm="http://schemas.openxmlformats.org/drawingml/2006/diagram" xmlns:a="http://schemas.openxmlformats.org/drawingml/2006/main" uniqueId="urn:microsoft.com/office/officeart/2005/8/quickstyle/simple4">
-  <dgm:title val=""/>
-  <dgm:desc val=""/>
-  <dgm:catLst>
-    <dgm:cat type="simple" pri="10400"/>
-  </dgm:catLst>
-  <dgm:scene3d>
-    <a:camera prst="orthographicFront"/>
-    <a:lightRig rig="threePt" dir="t"/>
-  </dgm:scene3d>
-  <dgm:styleLbl name="node0">
-    <dgm:scene3d>
-      <a:camera prst="orthographicFront"/>
-      <a:lightRig rig="threePt" dir="t"/>
-    </dgm:scene3d>
-    <dgm:sp3d/>
-    <dgm:txPr/>
-    <dgm:style>
-      <a:lnRef idx="0">
-        <a:scrgbClr r="0" g="0" b="0"/>
-      </a:lnRef>
-      <a:fillRef idx="3">
-        <a:scrgbClr r="0" g="0" b="0"/>
-      </a:fillRef>
-      <a:effectRef idx="2">
-        <a:scrgbClr r="0" g="0" b="0"/>
-      </a:effectRef>
-      <a:fontRef idx="minor">
-        <a:schemeClr val="lt1"/>
-      </a:fontRef>
-    </dgm:style>
-  </dgm:styleLbl>
-  <dgm:styleLbl name="lnNode1">
-    <dgm:scene3d>
-      <a:camera prst="orthographicFront"/>
-      <a:lightRig rig="threePt" dir="t"/>
-    </dgm:scene3d>
-    <dgm:sp3d/>
-    <dgm:txPr/>
-    <dgm:style>
-      <a:lnRef idx="1">
-        <a:scrgbClr r="0" g="0" b="0"/>
-      </a:lnRef>
-      <a:fillRef idx="3">
-        <a:scrgbClr r="0" g="0" b="0"/>
-      </a:fillRef>
-      <a:effectRef idx="2">
-        <a:scrgbClr r="0" g="0" b="0"/>
-      </a:effectRef>
-      <a:fontRef idx="minor">
-        <a:schemeClr val="lt1"/>
-      </a:fontRef>
-    </dgm:style>
-  </dgm:styleLbl>
-  <dgm:styleLbl name="vennNode1">
-    <dgm:scene3d>
-      <a:camera prst="orthographicFront"/>
-      <a:lightRig rig="threePt" dir="t"/>
-    </dgm:scene3d>
-    <dgm:sp3d/>
-    <dgm:txPr/>
-    <dgm:style>
-      <a:lnRef idx="0">
-        <a:scrgbClr r="0" g="0" b="0"/>
-      </a:lnRef>
-      <a:fillRef idx="3">
-        <a:scrgbClr r="0" g="0" b="0"/>
-      </a:fillRef>
-      <a:effectRef idx="0">
-        <a:scrgbClr r="0" g="0" b="0"/>
-      </a:effectRef>
-      <a:fontRef idx="minor">
-        <a:schemeClr val="tx1"/>
-      </a:fontRef>
-    </dgm:style>
-  </dgm:styleLbl>
-  <dgm:styleLbl name="alignNode1">
-    <dgm:scene3d>
-      <a:camera prst="orthographicFront"/>
-      <a:lightRig rig="threePt" dir="t"/>
-    </dgm:scene3d>
-    <dgm:sp3d/>
-    <dgm:txPr/>
-    <dgm:style>
-      <a:lnRef idx="1">
-        <a:scrgbClr r="0" g="0" b="0"/>
-      </a:lnRef>
-      <a:fillRef idx="3">
-        <a:scrgbClr r="0" g="0" b="0"/>
-      </a:fillRef>
-      <a:effectRef idx="2">
-        <a:scrgbClr r="0" g="0" b="0"/>
-      </a:effectRef>
-      <a:fontRef idx="minor">
-        <a:schemeClr val="lt1"/>
-      </a:fontRef>
-    </dgm:style>
-  </dgm:styleLbl>
-  <dgm:styleLbl name="node1">
-    <dgm:scene3d>
-      <a:camera prst="orthographicFront"/>
-      <a:lightRig rig="threePt" dir="t"/>
-    </dgm:scene3d>
-    <dgm:sp3d/>
-    <dgm:txPr/>
-    <dgm:style>
-      <a:lnRef idx="0">
-        <a:scrgbClr r="0" g="0" b="0"/>
-      </a:lnRef>
-      <a:fillRef idx="3">
-        <a:scrgbClr r="0" g="0" b="0"/>
-      </a:fillRef>
-      <a:effectRef idx="2">
-        <a:scrgbClr r="0" g="0" b="0"/>
-      </a:effectRef>
-      <a:fontRef idx="minor">
-        <a:schemeClr val="lt1"/>
-      </a:fontRef>
-    </dgm:style>
-  </dgm:styleLbl>
-  <dgm:styleLbl name="node2">
-    <dgm:scene3d>
-      <a:camera prst="orthographicFront"/>
-      <a:lightRig rig="threePt" dir="t"/>
-    </dgm:scene3d>
-    <dgm:sp3d/>
-    <dgm:txPr/>
-    <dgm:style>
-      <a:lnRef idx="0">
-        <a:scrgbClr r="0" g="0" b="0"/>
-      </a:lnRef>
-      <a:fillRef idx="3">
-        <a:scrgbClr r="0" g="0" b="0"/>
-      </a:fillRef>
-      <a:effectRef idx="2">
-        <a:scrgbClr r="0" g="0" b="0"/>
-      </a:effectRef>
-      <a:fontRef idx="minor">
-        <a:schemeClr val="lt1"/>
-      </a:fontRef>
-    </dgm:style>
-  </dgm:styleLbl>
-  <dgm:styleLbl name="node3">
-    <dgm:scene3d>
-      <a:camera prst="orthographicFront"/>
-      <a:lightRig rig="threePt" dir="t"/>
-    </dgm:scene3d>
-    <dgm:sp3d/>
-    <dgm:txPr/>
-    <dgm:style>
-      <a:lnRef idx="0">
-        <a:scrgbClr r="0" g="0" b="0"/>
-      </a:lnRef>
-      <a:fillRef idx="3">
-        <a:scrgbClr r="0" g="0" b="0"/>
-      </a:fillRef>
-      <a:effectRef idx="2">
-        <a:scrgbClr r="0" g="0" b="0"/>
-      </a:effectRef>
-      <a:fontRef idx="minor">
-        <a:schemeClr val="lt1"/>
-      </a:fontRef>
-    </dgm:style>
-  </dgm:styleLbl>
-  <dgm:styleLbl name="node4">
-    <dgm:scene3d>
-      <a:camera prst="orthographicFront"/>
-      <a:lightRig rig="threePt" dir="t"/>
-    </dgm:scene3d>
-    <dgm:sp3d/>
-    <dgm:txPr/>
-    <dgm:style>
-      <a:lnRef idx="0">
-        <a:scrgbClr r="0" g="0" b="0"/>
-      </a:lnRef>
-      <a:fillRef idx="3">
-        <a:scrgbClr r="0" g="0" b="0"/>
-      </a:fillRef>
-      <a:effectRef idx="2">
-        <a:scrgbClr r="0" g="0" b="0"/>
-      </a:effectRef>
-      <a:fontRef idx="minor">
-        <a:schemeClr val="lt1"/>
-      </a:fontRef>
-    </dgm:style>
-  </dgm:styleLbl>
-  <dgm:styleLbl name="fgImgPlace1">
-    <dgm:scene3d>
-      <a:camera prst="orthographicFront"/>
-      <a:lightRig rig="threePt" dir="t"/>
-    </dgm:scene3d>
-    <dgm:sp3d/>
-    <dgm:txPr/>
-    <dgm:style>
-      <a:lnRef idx="0">
-        <a:scrgbClr r="0" g="0" b="0"/>
-      </a:lnRef>
-      <a:fillRef idx="1">
-        <a:scrgbClr r="0" g="0" b="0"/>
-      </a:fillRef>
-      <a:effectRef idx="2">
-        <a:scrgbClr r="0" g="0" b="0"/>
-      </a:effectRef>
-      <a:fontRef idx="minor"/>
-    </dgm:style>
-  </dgm:styleLbl>
-  <dgm:styleLbl name="alignImgPlace1">
-    <dgm:scene3d>
-      <a:camera prst="orthographicFront"/>
-      <a:lightRig rig="threePt" dir="t"/>
-    </dgm:scene3d>
-    <dgm:sp3d/>
-    <dgm:txPr/>
-    <dgm:style>
-      <a:lnRef idx="0">
-        <a:scrgbClr r="0" g="0" b="0"/>
-      </a:lnRef>
-      <a:fillRef idx="1">
-        <a:scrgbClr r="0" g="0" b="0"/>
-      </a:fillRef>
-      <a:effectRef idx="2">
-        <a:scrgbClr r="0" g="0" b="0"/>
-      </a:effectRef>
-      <a:fontRef idx="minor"/>
-    </dgm:style>
-  </dgm:styleLbl>
-  <dgm:styleLbl name="bgImgPlace1">
-    <dgm:scene3d>
-      <a:camera prst="orthographicFront"/>
-      <a:lightRig rig="threePt" dir="t"/>
-    </dgm:scene3d>
-    <dgm:sp3d/>
-    <dgm:txPr/>
-    <dgm:style>
-      <a:lnRef idx="0">
-        <a:scrgbClr r="0" g="0" b="0"/>
-      </a:lnRef>
-      <a:fillRef idx="1">
-        <a:scrgbClr r="0" g="0" b="0"/>
-      </a:fillRef>
-      <a:effectRef idx="2">
-        <a:scrgbClr r="0" g="0" b="0"/>
-      </a:effectRef>
-      <a:fontRef idx="minor"/>
-    </dgm:style>
-  </dgm:styleLbl>
-  <dgm:styleLbl name="sibTrans2D1">
-    <dgm:scene3d>
-      <a:camera prst="orthographicFront"/>
-      <a:lightRig rig="threePt" dir="t"/>
-    </dgm:scene3d>
-    <dgm:sp3d/>
-    <dgm:txPr/>
-    <dgm:style>
-      <a:lnRef idx="0">
-        <a:scrgbClr r="0" g="0" b="0"/>
-      </a:lnRef>
-      <a:fillRef idx="3">
-        <a:scrgbClr r="0" g="0" b="0"/>
-      </a:fillRef>
-      <a:effectRef idx="2">
-        <a:scrgbClr r="0" g="0" b="0"/>
-      </a:effectRef>
-      <a:fontRef idx="minor">
-        <a:schemeClr val="lt1"/>
-      </a:fontRef>
-    </dgm:style>
-  </dgm:styleLbl>
-  <dgm:styleLbl name="fgSibTrans2D1">
-    <dgm:scene3d>
-      <a:camera prst="orthographicFront"/>
-      <a:lightRig rig="threePt" dir="t"/>
-    </dgm:scene3d>
-    <dgm:sp3d/>
-    <dgm:txPr/>
-    <dgm:style>
-      <a:lnRef idx="0">
-        <a:scrgbClr r="0" g="0" b="0"/>
-      </a:lnRef>
-      <a:fillRef idx="3">
-        <a:scrgbClr r="0" g="0" b="0"/>
-      </a:fillRef>
-      <a:effectRef idx="2">
-        <a:scrgbClr r="0" g="0" b="0"/>
-      </a:effectRef>
-      <a:fontRef idx="minor">
-        <a:schemeClr val="lt1"/>
-      </a:fontRef>
-    </dgm:style>
-  </dgm:styleLbl>
-  <dgm:styleLbl name="bgSibTrans2D1">
-    <dgm:scene3d>
-      <a:camera prst="orthographicFront"/>
-      <a:lightRig rig="threePt" dir="t"/>
-    </dgm:scene3d>
-    <dgm:sp3d/>
-    <dgm:txPr/>
-    <dgm:style>
-      <a:lnRef idx="0">
-        <a:scrgbClr r="0" g="0" b="0"/>
-      </a:lnRef>
-      <a:fillRef idx="3">
-        <a:scrgbClr r="0" g="0" b="0"/>
-      </a:fillRef>
-      <a:effectRef idx="2">
-        <a:scrgbClr r="0" g="0" b="0"/>
-      </a:effectRef>
-      <a:fontRef idx="minor">
-        <a:schemeClr val="lt1"/>
-      </a:fontRef>
-    </dgm:style>
-  </dgm:styleLbl>
-  <dgm:styleLbl name="sibTrans1D1">
-    <dgm:scene3d>
-      <a:camera prst="orthographicFront"/>
-      <a:lightRig rig="threePt" dir="t"/>
-    </dgm:scene3d>
-    <dgm:sp3d/>
-    <dgm:txPr/>
-    <dgm:style>
-      <a:lnRef idx="1">
-        <a:scrgbClr r="0" g="0" b="0"/>
-      </a:lnRef>
-      <a:fillRef idx="0">
-        <a:scrgbClr r="0" g="0" b="0"/>
-      </a:fillRef>
-      <a:effectRef idx="0">
-        <a:scrgbClr r="0" g="0" b="0"/>
-      </a:effectRef>
-      <a:fontRef idx="minor"/>
-    </dgm:style>
-  </dgm:styleLbl>
-  <dgm:styleLbl name="callout">
-    <dgm:scene3d>
-      <a:camera prst="orthographicFront"/>
-      <a:lightRig rig="threePt" dir="t"/>
-    </dgm:scene3d>
-    <dgm:sp3d/>
-    <dgm:txPr/>
-    <dgm:style>
-      <a:lnRef idx="2">
-        <a:scrgbClr r="0" g="0" b="0"/>
-      </a:lnRef>
-      <a:fillRef idx="1">
-        <a:scrgbClr r="0" g="0" b="0"/>
-      </a:fillRef>
-      <a:effectRef idx="1">
-        <a:scrgbClr r="0" g="0" b="0"/>
-      </a:effectRef>
-      <a:fontRef idx="minor"/>
-    </dgm:style>
-  </dgm:styleLbl>
-  <dgm:styleLbl name="asst0">
-    <dgm:scene3d>
-      <a:camera prst="orthographicFront"/>
-      <a:lightRig rig="threePt" dir="t"/>
-    </dgm:scene3d>
-    <dgm:sp3d/>
-    <dgm:txPr/>
-    <dgm:style>
-      <a:lnRef idx="0">
-        <a:scrgbClr r="0" g="0" b="0"/>
-      </a:lnRef>
-      <a:fillRef idx="3">
-        <a:scrgbClr r="0" g="0" b="0"/>
-      </a:fillRef>
-      <a:effectRef idx="2">
-        <a:scrgbClr r="0" g="0" b="0"/>
-      </a:effectRef>
-      <a:fontRef idx="minor">
-        <a:schemeClr val="lt1"/>
-      </a:fontRef>
-    </dgm:style>
-  </dgm:styleLbl>
-  <dgm:styleLbl name="asst1">
-    <dgm:scene3d>
-      <a:camera prst="orthographicFront"/>
-      <a:lightRig rig="threePt" dir="t"/>
-    </dgm:scene3d>
-    <dgm:sp3d/>
-    <dgm:txPr/>
-    <dgm:style>
-      <a:lnRef idx="0">
-        <a:scrgbClr r="0" g="0" b="0"/>
-      </a:lnRef>
-      <a:fillRef idx="3">
-        <a:scrgbClr r="0" g="0" b="0"/>
-      </a:fillRef>
-      <a:effectRef idx="2">
-        <a:scrgbClr r="0" g="0" b="0"/>
-      </a:effectRef>
-      <a:fontRef idx="minor">
-        <a:schemeClr val="lt1"/>
-      </a:fontRef>
-    </dgm:style>
-  </dgm:styleLbl>
-  <dgm:styleLbl name="asst2">
-    <dgm:scene3d>
-      <a:camera prst="orthographicFront"/>
-      <a:lightRig rig="threePt" dir="t"/>
-    </dgm:scene3d>
-    <dgm:sp3d/>
-    <dgm:txPr/>
-    <dgm:style>
-      <a:lnRef idx="0">
-        <a:scrgbClr r="0" g="0" b="0"/>
-      </a:lnRef>
-      <a:fillRef idx="3">
-        <a:scrgbClr r="0" g="0" b="0"/>
-      </a:fillRef>
-      <a:effectRef idx="2">
-        <a:scrgbClr r="0" g="0" b="0"/>
-      </a:effectRef>
-      <a:fontRef idx="minor">
-        <a:schemeClr val="lt1"/>
-      </a:fontRef>
-    </dgm:style>
-  </dgm:styleLbl>
-  <dgm:styleLbl name="asst3">
-    <dgm:scene3d>
-      <a:camera prst="orthographicFront"/>
-      <a:lightRig rig="threePt" dir="t"/>
-    </dgm:scene3d>
-    <dgm:sp3d/>
-    <dgm:txPr/>
-    <dgm:style>
-      <a:lnRef idx="0">
-        <a:scrgbClr r="0" g="0" b="0"/>
-      </a:lnRef>
-      <a:fillRef idx="3">
-        <a:scrgbClr r="0" g="0" b="0"/>
-      </a:fillRef>
-      <a:effectRef idx="2">
-        <a:scrgbClr r="0" g="0" b="0"/>
-      </a:effectRef>
-      <a:fontRef idx="minor">
-        <a:schemeClr val="lt1"/>
-      </a:fontRef>
-    </dgm:style>
-  </dgm:styleLbl>
-  <dgm:styleLbl name="asst4">
-    <dgm:scene3d>
-      <a:camera prst="orthographicFront"/>
-      <a:lightRig rig="threePt" dir="t"/>
-    </dgm:scene3d>
-    <dgm:sp3d/>
-    <dgm:txPr/>
-    <dgm:style>
-      <a:lnRef idx="0">
-        <a:scrgbClr r="0" g="0" b="0"/>
-      </a:lnRef>
-      <a:fillRef idx="3">
-        <a:scrgbClr r="0" g="0" b="0"/>
-      </a:fillRef>
-      <a:effectRef idx="2">
-        <a:scrgbClr r="0" g="0" b="0"/>
-      </a:effectRef>
-      <a:fontRef idx="minor">
-        <a:schemeClr val="lt1"/>
-      </a:fontRef>
-    </dgm:style>
-  </dgm:styleLbl>
-  <dgm:styleLbl name="parChTrans2D1">
-    <dgm:scene3d>
-      <a:camera prst="orthographicFront"/>
-      <a:lightRig rig="threePt" dir="t"/>
-    </dgm:scene3d>
-    <dgm:sp3d/>
-    <dgm:txPr/>
-    <dgm:style>
-      <a:lnRef idx="0">
-        <a:scrgbClr r="0" g="0" b="0"/>
-      </a:lnRef>
-      <a:fillRef idx="3">
-        <a:scrgbClr r="0" g="0" b="0"/>
-      </a:fillRef>
-      <a:effectRef idx="2">
-        <a:scrgbClr r="0" g="0" b="0"/>
-      </a:effectRef>
-      <a:fontRef idx="minor">
-        <a:schemeClr val="lt1"/>
-      </a:fontRef>
-    </dgm:style>
-  </dgm:styleLbl>
-  <dgm:styleLbl name="parChTrans2D2">
-    <dgm:scene3d>
-      <a:camera prst="orthographicFront"/>
-      <a:lightRig rig="threePt" dir="t"/>
-    </dgm:scene3d>
-    <dgm:sp3d/>
-    <dgm:txPr/>
-    <dgm:style>
-      <a:lnRef idx="0">
-        <a:scrgbClr r="0" g="0" b="0"/>
-      </a:lnRef>
-      <a:fillRef idx="3">
-        <a:scrgbClr r="0" g="0" b="0"/>
-      </a:fillRef>
-      <a:effectRef idx="2">
-        <a:scrgbClr r="0" g="0" b="0"/>
-      </a:effectRef>
-      <a:fontRef idx="minor">
-        <a:schemeClr val="lt1"/>
-      </a:fontRef>
-    </dgm:style>
-  </dgm:styleLbl>
-  <dgm:styleLbl name="parChTrans2D3">
-    <dgm:scene3d>
-      <a:camera prst="orthographicFront"/>
-      <a:lightRig rig="threePt" dir="t"/>
-    </dgm:scene3d>
-    <dgm:sp3d/>
-    <dgm:txPr/>
-    <dgm:style>
-      <a:lnRef idx="1">
-        <a:scrgbClr r="0" g="0" b="0"/>
-      </a:lnRef>
-      <a:fillRef idx="3">
-        <a:scrgbClr r="0" g="0" b="0"/>
-      </a:fillRef>
-      <a:effectRef idx="2">
-        <a:scrgbClr r="0" g="0" b="0"/>
-      </a:effectRef>
-      <a:fontRef idx="minor">
-        <a:schemeClr val="lt1"/>
-      </a:fontRef>
-    </dgm:style>
-  </dgm:styleLbl>
-  <dgm:styleLbl name="parChTrans2D4">
-    <dgm:scene3d>
-      <a:camera prst="orthographicFront"/>
-      <a:lightRig rig="threePt" dir="t"/>
-    </dgm:scene3d>
-    <dgm:sp3d/>
-    <dgm:txPr/>
-    <dgm:style>
-      <a:lnRef idx="1">
-        <a:scrgbClr r="0" g="0" b="0"/>
-      </a:lnRef>
-      <a:fillRef idx="3">
-        <a:scrgbClr r="0" g="0" b="0"/>
-      </a:fillRef>
-      <a:effectRef idx="2">
-        <a:scrgbClr r="0" g="0" b="0"/>
-      </a:effectRef>
-      <a:fontRef idx="minor">
-        <a:schemeClr val="lt1"/>
-      </a:fontRef>
-    </dgm:style>
-  </dgm:styleLbl>
-  <dgm:styleLbl name="parChTrans1D1">
-    <dgm:scene3d>
-      <a:camera prst="orthographicFront"/>
-      <a:lightRig rig="threePt" dir="t"/>
-    </dgm:scene3d>
-    <dgm:sp3d/>
-    <dgm:txPr/>
-    <dgm:style>
-      <a:lnRef idx="1">
-        <a:scrgbClr r="0" g="0" b="0"/>
-      </a:lnRef>
-      <a:fillRef idx="0">
-        <a:scrgbClr r="0" g="0" b="0"/>
-      </a:fillRef>
-      <a:effectRef idx="0">
-        <a:scrgbClr r="0" g="0" b="0"/>
-      </a:effectRef>
-      <a:fontRef idx="minor"/>
-    </dgm:style>
-  </dgm:styleLbl>
-  <dgm:styleLbl name="parChTrans1D2">
-    <dgm:scene3d>
-      <a:camera prst="orthographicFront"/>
-      <a:lightRig rig="threePt" dir="t"/>
-    </dgm:scene3d>
-    <dgm:sp3d/>
-    <dgm:txPr/>
-    <dgm:style>
-      <a:lnRef idx="1">
-        <a:scrgbClr r="0" g="0" b="0"/>
-      </a:lnRef>
-      <a:fillRef idx="0">
-        <a:scrgbClr r="0" g="0" b="0"/>
-      </a:fillRef>
-      <a:effectRef idx="0">
-        <a:scrgbClr r="0" g="0" b="0"/>
-      </a:effectRef>
-      <a:fontRef idx="minor"/>
-    </dgm:style>
-  </dgm:styleLbl>
-  <dgm:styleLbl name="parChTrans1D3">
-    <dgm:scene3d>
-      <a:camera prst="orthographicFront"/>
-      <a:lightRig rig="threePt" dir="t"/>
-    </dgm:scene3d>
-    <dgm:sp3d/>
-    <dgm:txPr/>
-    <dgm:style>
-      <a:lnRef idx="1">
-        <a:scrgbClr r="0" g="0" b="0"/>
-      </a:lnRef>
-      <a:fillRef idx="0">
-        <a:scrgbClr r="0" g="0" b="0"/>
-      </a:fillRef>
-      <a:effectRef idx="0">
-        <a:scrgbClr r="0" g="0" b="0"/>
-      </a:effectRef>
-      <a:fontRef idx="minor"/>
-    </dgm:style>
-  </dgm:styleLbl>
-  <dgm:styleLbl name="parChTrans1D4">
-    <dgm:scene3d>
-      <a:camera prst="orthographicFront"/>
-      <a:lightRig rig="threePt" dir="t"/>
-    </dgm:scene3d>
-    <dgm:sp3d/>
-    <dgm:txPr/>
-    <dgm:style>
-      <a:lnRef idx="1">
-        <a:scrgbClr r="0" g="0" b="0"/>
-      </a:lnRef>
-      <a:fillRef idx="0">
-        <a:scrgbClr r="0" g="0" b="0"/>
-      </a:fillRef>
-      <a:effectRef idx="0">
-        <a:scrgbClr r="0" g="0" b="0"/>
-      </a:effectRef>
-      <a:fontRef idx="minor"/>
-    </dgm:style>
-  </dgm:styleLbl>
-  <dgm:styleLbl name="fgAcc1">
-    <dgm:scene3d>
-      <a:camera prst="orthographicFront"/>
-      <a:lightRig rig="threePt" dir="t"/>
-    </dgm:scene3d>
-    <dgm:sp3d/>
-    <dgm:txPr/>
-    <dgm:style>
-      <a:lnRef idx="1">
-        <a:scrgbClr r="0" g="0" b="0"/>
-      </a:lnRef>
-      <a:fillRef idx="1">
-        <a:scrgbClr r="0" g="0" b="0"/>
-      </a:fillRef>
-      <a:effectRef idx="0">
-        <a:scrgbClr r="0" g="0" b="0"/>
-      </a:effectRef>
-      <a:fontRef idx="minor"/>
-    </dgm:style>
-  </dgm:styleLbl>
-  <dgm:styleLbl name="conFgAcc1">
-    <dgm:scene3d>
-      <a:camera prst="orthographicFront"/>
-      <a:lightRig rig="threePt" dir="t"/>
-    </dgm:scene3d>
-    <dgm:sp3d/>
-    <dgm:txPr/>
-    <dgm:style>
-      <a:lnRef idx="1">
-        <a:scrgbClr r="0" g="0" b="0"/>
-      </a:lnRef>
-      <a:fillRef idx="1">
-        <a:scrgbClr r="0" g="0" b="0"/>
-      </a:fillRef>
-      <a:effectRef idx="0">
-        <a:scrgbClr r="0" g="0" b="0"/>
-      </a:effectRef>
-      <a:fontRef idx="minor"/>
-    </dgm:style>
-  </dgm:styleLbl>
-  <dgm:styleLbl name="alignAcc1">
-    <dgm:scene3d>
-      <a:camera prst="orthographicFront"/>
-      <a:lightRig rig="threePt" dir="t"/>
-    </dgm:scene3d>
-    <dgm:sp3d/>
-    <dgm:txPr/>
-    <dgm:style>
-      <a:lnRef idx="1">
-        <a:scrgbClr r="0" g="0" b="0"/>
-      </a:lnRef>
-      <a:fillRef idx="1">
-        <a:scrgbClr r="0" g="0" b="0"/>
-      </a:fillRef>
-      <a:effectRef idx="0">
-        <a:scrgbClr r="0" g="0" b="0"/>
-      </a:effectRef>
-      <a:fontRef idx="minor"/>
-    </dgm:style>
-  </dgm:styleLbl>
-  <dgm:styleLbl name="trAlignAcc1">
-    <dgm:scene3d>
-      <a:camera prst="orthographicFront"/>
-      <a:lightRig rig="threePt" dir="t"/>
-    </dgm:scene3d>
-    <dgm:sp3d/>
-    <dgm:txPr/>
-    <dgm:style>
-      <a:lnRef idx="1">
-        <a:scrgbClr r="0" g="0" b="0"/>
-      </a:lnRef>
-      <a:fillRef idx="1">
-        <a:scrgbClr r="0" g="0" b="0"/>
-      </a:fillRef>
-      <a:effectRef idx="0">
-        <a:scrgbClr r="0" g="0" b="0"/>
-      </a:effectRef>
-      <a:fontRef idx="minor"/>
-    </dgm:style>
-  </dgm:styleLbl>
-  <dgm:styleLbl name="bgAcc1">
-    <dgm:scene3d>
-      <a:camera prst="orthographicFront"/>
-      <a:lightRig rig="threePt" dir="t"/>
-    </dgm:scene3d>
-    <dgm:sp3d/>
-    <dgm:txPr/>
-    <dgm:style>
-      <a:lnRef idx="1">
-        <a:scrgbClr r="0" g="0" b="0"/>
-      </a:lnRef>
-      <a:fillRef idx="1">
-        <a:scrgbClr r="0" g="0" b="0"/>
-      </a:fillRef>
-      <a:effectRef idx="0">
-        <a:scrgbClr r="0" g="0" b="0"/>
-      </a:effectRef>
-      <a:fontRef idx="minor"/>
-    </dgm:style>
-  </dgm:styleLbl>
-  <dgm:styleLbl name="solidFgAcc1">
-    <dgm:scene3d>
-      <a:camera prst="orthographicFront"/>
-      <a:lightRig rig="threePt" dir="t"/>
-    </dgm:scene3d>
-    <dgm:sp3d/>
-    <dgm:txPr/>
-    <dgm:style>
-      <a:lnRef idx="1">
-        <a:scrgbClr r="0" g="0" b="0"/>
-      </a:lnRef>
-      <a:fillRef idx="1">
-        <a:scrgbClr r="0" g="0" b="0"/>
-      </a:fillRef>
-      <a:effectRef idx="0">
-        <a:scrgbClr r="0" g="0" b="0"/>
-      </a:effectRef>
-      <a:fontRef idx="minor"/>
-    </dgm:style>
-  </dgm:styleLbl>
-  <dgm:styleLbl name="solidAlignAcc1">
-    <dgm:scene3d>
-      <a:camera prst="orthographicFront"/>
-      <a:lightRig rig="threePt" dir="t"/>
-    </dgm:scene3d>
-    <dgm:sp3d/>
-    <dgm:txPr/>
-    <dgm:style>
-      <a:lnRef idx="1">
-        <a:scrgbClr r="0" g="0" b="0"/>
-      </a:lnRef>
-      <a:fillRef idx="1">
-        <a:scrgbClr r="0" g="0" b="0"/>
-      </a:fillRef>
-      <a:effectRef idx="0">
-        <a:scrgbClr r="0" g="0" b="0"/>
-      </a:effectRef>
-      <a:fontRef idx="minor"/>
-    </dgm:style>
-  </dgm:styleLbl>
-  <dgm:styleLbl name="solidBgAcc1">
-    <dgm:scene3d>
-      <a:camera prst="orthographicFront"/>
-      <a:lightRig rig="threePt" dir="t"/>
-    </dgm:scene3d>
-    <dgm:sp3d/>
-    <dgm:txPr/>
-    <dgm:style>
-      <a:lnRef idx="1">
-        <a:scrgbClr r="0" g="0" b="0"/>
-      </a:lnRef>
-      <a:fillRef idx="1">
-        <a:scrgbClr r="0" g="0" b="0"/>
-      </a:fillRef>
-      <a:effectRef idx="0">
-        <a:scrgbClr r="0" g="0" b="0"/>
-      </a:effectRef>
-      <a:fontRef idx="minor"/>
-    </dgm:style>
-  </dgm:styleLbl>
-  <dgm:styleLbl name="fgAccFollowNode1">
-    <dgm:scene3d>
-      <a:camera prst="orthographicFront"/>
-      <a:lightRig rig="threePt" dir="t"/>
-    </dgm:scene3d>
-    <dgm:sp3d/>
-    <dgm:txPr/>
-    <dgm:style>
-      <a:lnRef idx="1">
-        <a:scrgbClr r="0" g="0" b="0"/>
-      </a:lnRef>
-      <a:fillRef idx="1">
-        <a:scrgbClr r="0" g="0" b="0"/>
-      </a:fillRef>
-      <a:effectRef idx="0">
-        <a:scrgbClr r="0" g="0" b="0"/>
-      </a:effectRef>
-      <a:fontRef idx="minor"/>
-    </dgm:style>
-  </dgm:styleLbl>
-  <dgm:styleLbl name="alignAccFollowNode1">
-    <dgm:scene3d>
-      <a:camera prst="orthographicFront"/>
-      <a:lightRig rig="threePt" dir="t"/>
-    </dgm:scene3d>
-    <dgm:sp3d/>
-    <dgm:txPr/>
-    <dgm:style>
-      <a:lnRef idx="1">
-        <a:scrgbClr r="0" g="0" b="0"/>
-      </a:lnRef>
-      <a:fillRef idx="1">
-        <a:scrgbClr r="0" g="0" b="0"/>
-      </a:fillRef>
-      <a:effectRef idx="0">
-        <a:scrgbClr r="0" g="0" b="0"/>
-      </a:effectRef>
-      <a:fontRef idx="minor"/>
-    </dgm:style>
-  </dgm:styleLbl>
-  <dgm:styleLbl name="bgAccFollowNode1">
-    <dgm:scene3d>
-      <a:camera prst="orthographicFront"/>
-      <a:lightRig rig="threePt" dir="t"/>
-    </dgm:scene3d>
-    <dgm:sp3d/>
-    <dgm:txPr/>
-    <dgm:style>
-      <a:lnRef idx="1">
-        <a:scrgbClr r="0" g="0" b="0"/>
-      </a:lnRef>
-      <a:fillRef idx="1">
-        <a:scrgbClr r="0" g="0" b="0"/>
-      </a:fillRef>
-      <a:effectRef idx="0">
-        <a:scrgbClr r="0" g="0" b="0"/>
-      </a:effectRef>
-      <a:fontRef idx="minor"/>
-    </dgm:style>
-  </dgm:styleLbl>
-  <dgm:styleLbl name="fgAcc0">
-    <dgm:scene3d>
-      <a:camera prst="orthographicFront"/>
-      <a:lightRig rig="threePt" dir="t"/>
-    </dgm:scene3d>
-    <dgm:sp3d/>
-    <dgm:txPr/>
-    <dgm:style>
-      <a:lnRef idx="1">
-        <a:scrgbClr r="0" g="0" b="0"/>
-      </a:lnRef>
-      <a:fillRef idx="1">
-        <a:scrgbClr r="0" g="0" b="0"/>
-      </a:fillRef>
-      <a:effectRef idx="0">
-        <a:scrgbClr r="0" g="0" b="0"/>
-      </a:effectRef>
-      <a:fontRef idx="minor"/>
-    </dgm:style>
-  </dgm:styleLbl>
-  <dgm:styleLbl name="fgAcc2">
-    <dgm:scene3d>
-      <a:camera prst="orthographicFront"/>
-      <a:lightRig rig="threePt" dir="t"/>
-    </dgm:scene3d>
-    <dgm:sp3d/>
-    <dgm:txPr/>
-    <dgm:style>
-      <a:lnRef idx="1">
-        <a:scrgbClr r="0" g="0" b="0"/>
-      </a:lnRef>
-      <a:fillRef idx="1">
-        <a:scrgbClr r="0" g="0" b="0"/>
-      </a:fillRef>
-      <a:effectRef idx="0">
-        <a:scrgbClr r="0" g="0" b="0"/>
-      </a:effectRef>
-      <a:fontRef idx="minor"/>
-    </dgm:style>
-  </dgm:styleLbl>
-  <dgm:styleLbl name="fgAcc3">
-    <dgm:scene3d>
-      <a:camera prst="orthographicFront"/>
-      <a:lightRig rig="threePt" dir="t"/>
-    </dgm:scene3d>
-    <dgm:sp3d/>
-    <dgm:txPr/>
-    <dgm:style>
-      <a:lnRef idx="1">
-        <a:scrgbClr r="0" g="0" b="0"/>
-      </a:lnRef>
-      <a:fillRef idx="1">
-        <a:scrgbClr r="0" g="0" b="0"/>
-      </a:fillRef>
-      <a:effectRef idx="0">
-        <a:scrgbClr r="0" g="0" b="0"/>
-      </a:effectRef>
-      <a:fontRef idx="minor"/>
-    </dgm:style>
-  </dgm:styleLbl>
-  <dgm:styleLbl name="fgAcc4">
-    <dgm:scene3d>
-      <a:camera prst="orthographicFront"/>
-      <a:lightRig rig="threePt" dir="t"/>
-    </dgm:scene3d>
-    <dgm:sp3d/>
-    <dgm:txPr/>
-    <dgm:style>
-      <a:lnRef idx="1">
-        <a:scrgbClr r="0" g="0" b="0"/>
-      </a:lnRef>
-      <a:fillRef idx="1">
-        <a:scrgbClr r="0" g="0" b="0"/>
-      </a:fillRef>
-      <a:effectRef idx="0">
-        <a:scrgbClr r="0" g="0" b="0"/>
-      </a:effectRef>
-      <a:fontRef idx="minor"/>
-    </dgm:style>
-  </dgm:styleLbl>
-  <dgm:styleLbl name="bgShp">
-    <dgm:scene3d>
-      <a:camera prst="orthographicFront"/>
-      <a:lightRig rig="threePt" dir="t"/>
-    </dgm:scene3d>
-    <dgm:sp3d/>
-    <dgm:txPr/>
-    <dgm:style>
-      <a:lnRef idx="0">
-        <a:scrgbClr r="0" g="0" b="0"/>
-      </a:lnRef>
-      <a:fillRef idx="1">
-        <a:scrgbClr r="0" g="0" b="0"/>
-      </a:fillRef>
-      <a:effectRef idx="2">
-        <a:scrgbClr r="0" g="0" b="0"/>
-      </a:effectRef>
-      <a:fontRef idx="minor"/>
-    </dgm:style>
-  </dgm:styleLbl>
-  <dgm:styleLbl name="dkBgShp">
-    <dgm:scene3d>
-      <a:camera prst="orthographicFront"/>
-      <a:lightRig rig="threePt" dir="t"/>
-    </dgm:scene3d>
-    <dgm:sp3d/>
-    <dgm:txPr/>
-    <dgm:style>
-      <a:lnRef idx="0">
-        <a:scrgbClr r="0" g="0" b="0"/>
-      </a:lnRef>
-      <a:fillRef idx="1">
-        <a:scrgbClr r="0" g="0" b="0"/>
-      </a:fillRef>
-      <a:effectRef idx="2">
-        <a:scrgbClr r="0" g="0" b="0"/>
-      </a:effectRef>
-      <a:fontRef idx="minor"/>
-    </dgm:style>
-  </dgm:styleLbl>
-  <dgm:styleLbl name="trBgShp">
-    <dgm:scene3d>
-      <a:camera prst="orthographicFront"/>
-      <a:lightRig rig="threePt" dir="t"/>
-    </dgm:scene3d>
-    <dgm:sp3d/>
-    <dgm:txPr/>
-    <dgm:style>
-      <a:lnRef idx="0">
-        <a:scrgbClr r="0" g="0" b="0"/>
-      </a:lnRef>
-      <a:fillRef idx="1">
-        <a:scrgbClr r="0" g="0" b="0"/>
-      </a:fillRef>
-      <a:effectRef idx="0">
-        <a:scrgbClr r="0" g="0" b="0"/>
-      </a:effectRef>
-      <a:fontRef idx="minor"/>
-    </dgm:style>
-  </dgm:styleLbl>
-  <dgm:styleLbl name="fgShp">
-    <dgm:scene3d>
-      <a:camera prst="orthographicFront"/>
-      <a:lightRig rig="threePt" dir="t"/>
-    </dgm:scene3d>
-    <dgm:sp3d/>
-    <dgm:txPr/>
-    <dgm:style>
-      <a:lnRef idx="0">
-        <a:scrgbClr r="0" g="0" b="0"/>
-      </a:lnRef>
-      <a:fillRef idx="3">
-        <a:scrgbClr r="0" g="0" b="0"/>
-      </a:fillRef>
-      <a:effectRef idx="2">
-        <a:scrgbClr r="0" g="0" b="0"/>
-      </a:effectRef>
-      <a:fontRef idx="minor"/>
-    </dgm:style>
-  </dgm:styleLbl>
-  <dgm:styleLbl name="revTx">
-    <dgm:scene3d>
-      <a:camera prst="orthographicFront"/>
-      <a:lightRig rig="threePt" dir="t"/>
-    </dgm:scene3d>
-    <dgm:sp3d/>
-    <dgm:txPr/>
-    <dgm:style>
-      <a:lnRef idx="0">
-        <a:scrgbClr r="0" g="0" b="0"/>
-      </a:lnRef>
-      <a:fillRef idx="0">
-        <a:scrgbClr r="0" g="0" b="0"/>
-      </a:fillRef>
-      <a:effectRef idx="0">
-        <a:scrgbClr r="0" g="0" b="0"/>
-      </a:effectRef>
-      <a:fontRef idx="minor"/>
-    </dgm:style>
-  </dgm:styleLbl>
-</dgm:styleDef>
-</file>
-
 <file path=ppt/handoutMasters/handoutMaster1.xml><?xml version="1.0" encoding="utf-8"?>
 <p:handoutMaster xmlns:a="http://schemas.openxmlformats.org/drawingml/2006/main" xmlns:r="http://schemas.openxmlformats.org/officeDocument/2006/relationships" xmlns:p="http://schemas.openxmlformats.org/presentationml/2006/main">
   <p:cSld>
@@ -6110,6 +657,198 @@
     </a:lvl9pPr>
   </p:notesStyle>
 </p:notesMaster>
+</file>
+
+<file path=ppt/notesSlides/notesSlide1.xml><?xml version="1.0" encoding="utf-8"?>
+<p:notes xmlns:a="http://schemas.openxmlformats.org/drawingml/2006/main" xmlns:r="http://schemas.openxmlformats.org/officeDocument/2006/relationships" xmlns:p="http://schemas.openxmlformats.org/presentationml/2006/main">
+  <p:cSld>
+    <p:spTree>
+      <p:nvGrpSpPr>
+        <p:cNvPr id="1" name=""/>
+        <p:cNvGrpSpPr/>
+        <p:nvPr/>
+      </p:nvGrpSpPr>
+      <p:grpSpPr>
+        <a:xfrm>
+          <a:off x="0" y="0"/>
+          <a:ext cx="0" cy="0"/>
+          <a:chOff x="0" y="0"/>
+          <a:chExt cx="0" cy="0"/>
+        </a:xfrm>
+      </p:grpSpPr>
+      <p:sp>
+        <p:nvSpPr>
+          <p:cNvPr id="2" name="Slide Image Placeholder 1"/>
+          <p:cNvSpPr>
+            <a:spLocks noGrp="1" noRot="1" noChangeAspect="1"/>
+          </p:cNvSpPr>
+          <p:nvPr>
+            <p:ph type="sldImg"/>
+          </p:nvPr>
+        </p:nvSpPr>
+        <p:spPr/>
+      </p:sp>
+      <p:sp>
+        <p:nvSpPr>
+          <p:cNvPr id="3" name="Notes Placeholder 2"/>
+          <p:cNvSpPr>
+            <a:spLocks noGrp="1"/>
+          </p:cNvSpPr>
+          <p:nvPr>
+            <p:ph type="body" idx="1"/>
+          </p:nvPr>
+        </p:nvSpPr>
+        <p:spPr/>
+        <p:txBody>
+          <a:bodyPr/>
+          <a:lstStyle/>
+          <a:p>
+            <a:r>
+              <a:rPr lang="en-CA" dirty="0"/>
+              <a:t>Note the choice for symbolic regression vs. rule-based GP.</a:t>
+            </a:r>
+            <a:br>
+              <a:rPr lang="en-CA" dirty="0"/>
+            </a:br>
+            <a:br>
+              <a:rPr lang="en-CA" dirty="0"/>
+            </a:br>
+            <a:r>
+              <a:rPr lang="en-CA" dirty="0"/>
+              <a:t>GP is a probabilistic system, therefore</a:t>
+            </a:r>
+            <a:r>
+              <a:rPr lang="en-CA" baseline="0" dirty="0"/>
+              <a:t> we use ensemble learning to not rely on a single run.</a:t>
+            </a:r>
+            <a:br>
+              <a:rPr lang="en-CA" dirty="0"/>
+            </a:br>
+            <a:br>
+              <a:rPr lang="en-CA" dirty="0"/>
+            </a:br>
+            <a:endParaRPr lang="en-CA" dirty="0"/>
+          </a:p>
+        </p:txBody>
+      </p:sp>
+      <p:sp>
+        <p:nvSpPr>
+          <p:cNvPr id="4" name="Slide Number Placeholder 3"/>
+          <p:cNvSpPr>
+            <a:spLocks noGrp="1"/>
+          </p:cNvSpPr>
+          <p:nvPr>
+            <p:ph type="sldNum" sz="quarter" idx="10"/>
+          </p:nvPr>
+        </p:nvSpPr>
+        <p:spPr/>
+        <p:txBody>
+          <a:bodyPr/>
+          <a:lstStyle/>
+          <a:p>
+            <a:fld id="{0A3C37BE-C303-496D-B5CD-85F2937540FC}" type="slidenum">
+              <a:rPr lang="en-CA" smtClean="0"/>
+              <a:t>3</a:t>
+            </a:fld>
+            <a:endParaRPr lang="en-CA"/>
+          </a:p>
+        </p:txBody>
+      </p:sp>
+    </p:spTree>
+    <p:extLst>
+      <p:ext uri="{BB962C8B-B14F-4D97-AF65-F5344CB8AC3E}">
+        <p14:creationId xmlns:p14="http://schemas.microsoft.com/office/powerpoint/2010/main" val="888644046"/>
+      </p:ext>
+    </p:extLst>
+  </p:cSld>
+  <p:clrMapOvr>
+    <a:masterClrMapping/>
+  </p:clrMapOvr>
+</p:notes>
+</file>
+
+<file path=ppt/notesSlides/notesSlide2.xml><?xml version="1.0" encoding="utf-8"?>
+<p:notes xmlns:a="http://schemas.openxmlformats.org/drawingml/2006/main" xmlns:r="http://schemas.openxmlformats.org/officeDocument/2006/relationships" xmlns:p="http://schemas.openxmlformats.org/presentationml/2006/main">
+  <p:cSld>
+    <p:spTree>
+      <p:nvGrpSpPr>
+        <p:cNvPr id="1" name=""/>
+        <p:cNvGrpSpPr/>
+        <p:nvPr/>
+      </p:nvGrpSpPr>
+      <p:grpSpPr>
+        <a:xfrm>
+          <a:off x="0" y="0"/>
+          <a:ext cx="0" cy="0"/>
+          <a:chOff x="0" y="0"/>
+          <a:chExt cx="0" cy="0"/>
+        </a:xfrm>
+      </p:grpSpPr>
+      <p:sp>
+        <p:nvSpPr>
+          <p:cNvPr id="2" name="Slide Image Placeholder 1"/>
+          <p:cNvSpPr>
+            <a:spLocks noGrp="1" noRot="1" noChangeAspect="1"/>
+          </p:cNvSpPr>
+          <p:nvPr>
+            <p:ph type="sldImg"/>
+          </p:nvPr>
+        </p:nvSpPr>
+        <p:spPr/>
+      </p:sp>
+      <p:sp>
+        <p:nvSpPr>
+          <p:cNvPr id="3" name="Notes Placeholder 2"/>
+          <p:cNvSpPr>
+            <a:spLocks noGrp="1"/>
+          </p:cNvSpPr>
+          <p:nvPr>
+            <p:ph type="body" idx="1"/>
+          </p:nvPr>
+        </p:nvSpPr>
+        <p:spPr/>
+        <p:txBody>
+          <a:bodyPr/>
+          <a:lstStyle/>
+          <a:p>
+            <a:endParaRPr lang="en-CA" dirty="0"/>
+          </a:p>
+        </p:txBody>
+      </p:sp>
+      <p:sp>
+        <p:nvSpPr>
+          <p:cNvPr id="4" name="Slide Number Placeholder 3"/>
+          <p:cNvSpPr>
+            <a:spLocks noGrp="1"/>
+          </p:cNvSpPr>
+          <p:nvPr>
+            <p:ph type="sldNum" sz="quarter" idx="10"/>
+          </p:nvPr>
+        </p:nvSpPr>
+        <p:spPr/>
+        <p:txBody>
+          <a:bodyPr/>
+          <a:lstStyle/>
+          <a:p>
+            <a:fld id="{0A3C37BE-C303-496D-B5CD-85F2937540FC}" type="slidenum">
+              <a:rPr lang="en-CA" smtClean="0"/>
+              <a:t>6</a:t>
+            </a:fld>
+            <a:endParaRPr lang="en-CA"/>
+          </a:p>
+        </p:txBody>
+      </p:sp>
+    </p:spTree>
+    <p:extLst>
+      <p:ext uri="{BB962C8B-B14F-4D97-AF65-F5344CB8AC3E}">
+        <p14:creationId xmlns:p14="http://schemas.microsoft.com/office/powerpoint/2010/main" val="2570520483"/>
+      </p:ext>
+    </p:extLst>
+  </p:cSld>
+  <p:clrMapOvr>
+    <a:masterClrMapping/>
+  </p:clrMapOvr>
+</p:notes>
 </file>
 
 <file path=ppt/slideLayouts/slideLayout1.xml><?xml version="1.0" encoding="utf-8"?>
@@ -10377,7 +5116,7 @@
           <a:p>
             <a:r>
               <a:rPr lang="en-US" dirty="0"/>
-              <a:t>COSC 4F90 – James Earle, Supervised by Prof. Ross</a:t>
+              <a:t>COSC 4F90 – James Earle, Supervised by Dr. Ross</a:t>
             </a:r>
           </a:p>
         </p:txBody>
@@ -10472,6 +5211,223 @@
           </a:p>
         </p:txBody>
       </p:sp>
+      <p:sp>
+        <p:nvSpPr>
+          <p:cNvPr id="3" name="Text Placeholder 2"/>
+          <p:cNvSpPr>
+            <a:spLocks noGrp="1"/>
+          </p:cNvSpPr>
+          <p:nvPr>
+            <p:ph type="body" idx="1"/>
+          </p:nvPr>
+        </p:nvSpPr>
+        <p:spPr/>
+        <p:txBody>
+          <a:bodyPr/>
+          <a:lstStyle/>
+          <a:p>
+            <a:endParaRPr lang="en-US"/>
+          </a:p>
+        </p:txBody>
+      </p:sp>
+    </p:spTree>
+    <p:extLst>
+      <p:ext uri="{BB962C8B-B14F-4D97-AF65-F5344CB8AC3E}">
+        <p14:creationId xmlns:p14="http://schemas.microsoft.com/office/powerpoint/2010/main" val="132884364"/>
+      </p:ext>
+    </p:extLst>
+  </p:cSld>
+  <p:clrMapOvr>
+    <a:masterClrMapping/>
+  </p:clrMapOvr>
+  <mc:AlternateContent xmlns:mc="http://schemas.openxmlformats.org/markup-compatibility/2006" xmlns:p14="http://schemas.microsoft.com/office/powerpoint/2010/main">
+    <mc:Choice Requires="p14">
+      <p:transition spd="med" p14:dur="700">
+        <p:fade/>
+      </p:transition>
+    </mc:Choice>
+    <mc:Fallback xmlns="">
+      <p:transition spd="med">
+        <p:fade/>
+      </p:transition>
+    </mc:Fallback>
+  </mc:AlternateContent>
+</p:sld>
+</file>
+
+<file path=ppt/slides/slide11.xml><?xml version="1.0" encoding="utf-8"?>
+<p:sld xmlns:a="http://schemas.openxmlformats.org/drawingml/2006/main" xmlns:r="http://schemas.openxmlformats.org/officeDocument/2006/relationships" xmlns:p="http://schemas.openxmlformats.org/presentationml/2006/main">
+  <p:cSld>
+    <p:spTree>
+      <p:nvGrpSpPr>
+        <p:cNvPr id="1" name=""/>
+        <p:cNvGrpSpPr/>
+        <p:nvPr/>
+      </p:nvGrpSpPr>
+      <p:grpSpPr>
+        <a:xfrm>
+          <a:off x="0" y="0"/>
+          <a:ext cx="0" cy="0"/>
+          <a:chOff x="0" y="0"/>
+          <a:chExt cx="0" cy="0"/>
+        </a:xfrm>
+      </p:grpSpPr>
+      <p:sp>
+        <p:nvSpPr>
+          <p:cNvPr id="2" name="Title 1"/>
+          <p:cNvSpPr>
+            <a:spLocks noGrp="1"/>
+          </p:cNvSpPr>
+          <p:nvPr>
+            <p:ph type="title"/>
+          </p:nvPr>
+        </p:nvSpPr>
+        <p:spPr/>
+        <p:txBody>
+          <a:bodyPr/>
+          <a:lstStyle/>
+          <a:p>
+            <a:endParaRPr lang="en-US"/>
+          </a:p>
+        </p:txBody>
+      </p:sp>
+      <p:sp>
+        <p:nvSpPr>
+          <p:cNvPr id="3" name="Text Placeholder 2"/>
+          <p:cNvSpPr>
+            <a:spLocks noGrp="1"/>
+          </p:cNvSpPr>
+          <p:nvPr>
+            <p:ph type="body" idx="1"/>
+          </p:nvPr>
+        </p:nvSpPr>
+        <p:spPr/>
+        <p:txBody>
+          <a:bodyPr/>
+          <a:lstStyle/>
+          <a:p>
+            <a:endParaRPr lang="en-US"/>
+          </a:p>
+        </p:txBody>
+      </p:sp>
+      <p:sp>
+        <p:nvSpPr>
+          <p:cNvPr id="4" name="Content Placeholder 3"/>
+          <p:cNvSpPr>
+            <a:spLocks noGrp="1"/>
+          </p:cNvSpPr>
+          <p:nvPr>
+            <p:ph sz="half" idx="2"/>
+          </p:nvPr>
+        </p:nvSpPr>
+        <p:spPr/>
+        <p:txBody>
+          <a:bodyPr/>
+          <a:lstStyle/>
+          <a:p>
+            <a:endParaRPr lang="en-US"/>
+          </a:p>
+        </p:txBody>
+      </p:sp>
+      <p:sp>
+        <p:nvSpPr>
+          <p:cNvPr id="5" name="Text Placeholder 4"/>
+          <p:cNvSpPr>
+            <a:spLocks noGrp="1"/>
+          </p:cNvSpPr>
+          <p:nvPr>
+            <p:ph type="body" sz="quarter" idx="3"/>
+          </p:nvPr>
+        </p:nvSpPr>
+        <p:spPr/>
+        <p:txBody>
+          <a:bodyPr/>
+          <a:lstStyle/>
+          <a:p>
+            <a:endParaRPr lang="en-US"/>
+          </a:p>
+        </p:txBody>
+      </p:sp>
+      <p:sp>
+        <p:nvSpPr>
+          <p:cNvPr id="6" name="Content Placeholder 5"/>
+          <p:cNvSpPr>
+            <a:spLocks noGrp="1"/>
+          </p:cNvSpPr>
+          <p:nvPr>
+            <p:ph sz="quarter" idx="4"/>
+          </p:nvPr>
+        </p:nvSpPr>
+        <p:spPr/>
+        <p:txBody>
+          <a:bodyPr/>
+          <a:lstStyle/>
+          <a:p>
+            <a:endParaRPr lang="en-US"/>
+          </a:p>
+        </p:txBody>
+      </p:sp>
+    </p:spTree>
+    <p:extLst>
+      <p:ext uri="{BB962C8B-B14F-4D97-AF65-F5344CB8AC3E}">
+        <p14:creationId xmlns:p14="http://schemas.microsoft.com/office/powerpoint/2010/main" val="2224495804"/>
+      </p:ext>
+    </p:extLst>
+  </p:cSld>
+  <p:clrMapOvr>
+    <a:masterClrMapping/>
+  </p:clrMapOvr>
+  <mc:AlternateContent xmlns:mc="http://schemas.openxmlformats.org/markup-compatibility/2006" xmlns:p14="http://schemas.microsoft.com/office/powerpoint/2010/main">
+    <mc:Choice Requires="p14">
+      <p:transition spd="med" p14:dur="700">
+        <p:fade/>
+      </p:transition>
+    </mc:Choice>
+    <mc:Fallback xmlns="">
+      <p:transition spd="med">
+        <p:fade/>
+      </p:transition>
+    </mc:Fallback>
+  </mc:AlternateContent>
+</p:sld>
+</file>
+
+<file path=ppt/slides/slide12.xml><?xml version="1.0" encoding="utf-8"?>
+<p:sld xmlns:a="http://schemas.openxmlformats.org/drawingml/2006/main" xmlns:r="http://schemas.openxmlformats.org/officeDocument/2006/relationships" xmlns:p="http://schemas.openxmlformats.org/presentationml/2006/main">
+  <p:cSld>
+    <p:spTree>
+      <p:nvGrpSpPr>
+        <p:cNvPr id="1" name=""/>
+        <p:cNvGrpSpPr/>
+        <p:nvPr/>
+      </p:nvGrpSpPr>
+      <p:grpSpPr>
+        <a:xfrm>
+          <a:off x="0" y="0"/>
+          <a:ext cx="0" cy="0"/>
+          <a:chOff x="0" y="0"/>
+          <a:chExt cx="0" cy="0"/>
+        </a:xfrm>
+      </p:grpSpPr>
+      <p:sp>
+        <p:nvSpPr>
+          <p:cNvPr id="2" name="Title 1"/>
+          <p:cNvSpPr>
+            <a:spLocks noGrp="1"/>
+          </p:cNvSpPr>
+          <p:nvPr>
+            <p:ph type="title"/>
+          </p:nvPr>
+        </p:nvSpPr>
+        <p:spPr/>
+        <p:txBody>
+          <a:bodyPr/>
+          <a:lstStyle/>
+          <a:p>
+            <a:endParaRPr lang="en-US"/>
+          </a:p>
+        </p:txBody>
+      </p:sp>
     </p:spTree>
     <p:extLst>
       <p:ext uri="{BB962C8B-B14F-4D97-AF65-F5344CB8AC3E}">
@@ -10497,7 +5453,7 @@
 </p:sld>
 </file>
 
-<file path=ppt/slides/slide11.xml><?xml version="1.0" encoding="utf-8"?>
+<file path=ppt/slides/slide13.xml><?xml version="1.0" encoding="utf-8"?>
 <p:sld xmlns:a="http://schemas.openxmlformats.org/drawingml/2006/main" xmlns:r="http://schemas.openxmlformats.org/officeDocument/2006/relationships" xmlns:p="http://schemas.openxmlformats.org/presentationml/2006/main">
   <p:cSld>
     <p:spTree>
@@ -10539,7 +5495,7 @@
 </p:sld>
 </file>
 
-<file path=ppt/slides/slide12.xml><?xml version="1.0" encoding="utf-8"?>
+<file path=ppt/slides/slide14.xml><?xml version="1.0" encoding="utf-8"?>
 <p:sld xmlns:a="http://schemas.openxmlformats.org/drawingml/2006/main" xmlns:r="http://schemas.openxmlformats.org/officeDocument/2006/relationships" xmlns:p="http://schemas.openxmlformats.org/presentationml/2006/main">
   <p:cSld>
     <p:spTree>
@@ -10671,10 +5627,9 @@
           <a:lstStyle/>
           <a:p>
             <a:r>
-              <a:rPr lang="en-US"/>
-              <a:t>Title and Content Layout with List</a:t>
-            </a:r>
-            <a:endParaRPr lang="en-US" dirty="0"/>
+              <a:rPr lang="en-US" dirty="0"/>
+              <a:t>Contents</a:t>
+            </a:r>
           </a:p>
         </p:txBody>
       </p:sp>
@@ -10694,22 +5649,45 @@
           <a:lstStyle/>
           <a:p>
             <a:r>
-              <a:rPr lang="en-US"/>
-              <a:t>Add your first bullet point here</a:t>
-            </a:r>
-          </a:p>
-          <a:p>
-            <a:r>
-              <a:rPr lang="en-US"/>
-              <a:t>Add your second bullet point here</a:t>
-            </a:r>
-          </a:p>
-          <a:p>
-            <a:r>
-              <a:rPr lang="en-US"/>
-              <a:t>Add your third bullet point here</a:t>
-            </a:r>
-            <a:endParaRPr lang="en-US" dirty="0"/>
+              <a:rPr lang="en-US" dirty="0"/>
+              <a:t>Introduction</a:t>
+            </a:r>
+          </a:p>
+          <a:p>
+            <a:r>
+              <a:rPr lang="en-US" dirty="0"/>
+              <a:t>Genetic Programming &amp; Financial Forecasting</a:t>
+            </a:r>
+          </a:p>
+          <a:p>
+            <a:r>
+              <a:rPr lang="en-US" dirty="0"/>
+              <a:t>The System and Data</a:t>
+            </a:r>
+          </a:p>
+          <a:p>
+            <a:r>
+              <a:rPr lang="en-US" dirty="0"/>
+              <a:t>Experiments &amp; Results</a:t>
+            </a:r>
+          </a:p>
+          <a:p>
+            <a:r>
+              <a:rPr lang="en-US" dirty="0"/>
+              <a:t>Discussion</a:t>
+            </a:r>
+          </a:p>
+          <a:p>
+            <a:r>
+              <a:rPr lang="en-US" dirty="0"/>
+              <a:t>Conclusion</a:t>
+            </a:r>
+          </a:p>
+          <a:p>
+            <a:r>
+              <a:rPr lang="en-US" dirty="0"/>
+              <a:t>Questions</a:t>
+            </a:r>
           </a:p>
         </p:txBody>
       </p:sp>
@@ -10735,6 +5713,466 @@
       </p:transition>
     </mc:Fallback>
   </mc:AlternateContent>
+  <p:timing>
+    <p:tnLst>
+      <p:par>
+        <p:cTn id="1" dur="indefinite" restart="never" nodeType="tmRoot">
+          <p:childTnLst>
+            <p:seq concurrent="1" nextAc="seek">
+              <p:cTn id="2" dur="indefinite" nodeType="mainSeq">
+                <p:childTnLst>
+                  <p:par>
+                    <p:cTn id="3" fill="hold">
+                      <p:stCondLst>
+                        <p:cond delay="indefinite"/>
+                      </p:stCondLst>
+                      <p:childTnLst>
+                        <p:par>
+                          <p:cTn id="4" fill="hold">
+                            <p:stCondLst>
+                              <p:cond delay="0"/>
+                            </p:stCondLst>
+                            <p:childTnLst>
+                              <p:par>
+                                <p:cTn id="5" presetID="10" presetClass="entr" presetSubtype="0" fill="hold" grpId="0" nodeType="clickEffect">
+                                  <p:stCondLst>
+                                    <p:cond delay="0"/>
+                                  </p:stCondLst>
+                                  <p:childTnLst>
+                                    <p:set>
+                                      <p:cBhvr>
+                                        <p:cTn id="6" dur="1" fill="hold">
+                                          <p:stCondLst>
+                                            <p:cond delay="0"/>
+                                          </p:stCondLst>
+                                        </p:cTn>
+                                        <p:tgtEl>
+                                          <p:spTgt spid="14">
+                                            <p:txEl>
+                                              <p:pRg st="0" end="0"/>
+                                            </p:txEl>
+                                          </p:spTgt>
+                                        </p:tgtEl>
+                                        <p:attrNameLst>
+                                          <p:attrName>style.visibility</p:attrName>
+                                        </p:attrNameLst>
+                                      </p:cBhvr>
+                                      <p:to>
+                                        <p:strVal val="visible"/>
+                                      </p:to>
+                                    </p:set>
+                                    <p:animEffect transition="in" filter="fade">
+                                      <p:cBhvr>
+                                        <p:cTn id="7" dur="500"/>
+                                        <p:tgtEl>
+                                          <p:spTgt spid="14">
+                                            <p:txEl>
+                                              <p:pRg st="0" end="0"/>
+                                            </p:txEl>
+                                          </p:spTgt>
+                                        </p:tgtEl>
+                                      </p:cBhvr>
+                                    </p:animEffect>
+                                  </p:childTnLst>
+                                </p:cTn>
+                              </p:par>
+                            </p:childTnLst>
+                          </p:cTn>
+                        </p:par>
+                      </p:childTnLst>
+                    </p:cTn>
+                  </p:par>
+                  <p:par>
+                    <p:cTn id="8" fill="hold">
+                      <p:stCondLst>
+                        <p:cond delay="indefinite"/>
+                      </p:stCondLst>
+                      <p:childTnLst>
+                        <p:par>
+                          <p:cTn id="9" fill="hold">
+                            <p:stCondLst>
+                              <p:cond delay="0"/>
+                            </p:stCondLst>
+                            <p:childTnLst>
+                              <p:par>
+                                <p:cTn id="10" presetID="10" presetClass="entr" presetSubtype="0" fill="hold" grpId="0" nodeType="clickEffect">
+                                  <p:stCondLst>
+                                    <p:cond delay="0"/>
+                                  </p:stCondLst>
+                                  <p:childTnLst>
+                                    <p:set>
+                                      <p:cBhvr>
+                                        <p:cTn id="11" dur="1" fill="hold">
+                                          <p:stCondLst>
+                                            <p:cond delay="0"/>
+                                          </p:stCondLst>
+                                        </p:cTn>
+                                        <p:tgtEl>
+                                          <p:spTgt spid="14">
+                                            <p:txEl>
+                                              <p:pRg st="1" end="1"/>
+                                            </p:txEl>
+                                          </p:spTgt>
+                                        </p:tgtEl>
+                                        <p:attrNameLst>
+                                          <p:attrName>style.visibility</p:attrName>
+                                        </p:attrNameLst>
+                                      </p:cBhvr>
+                                      <p:to>
+                                        <p:strVal val="visible"/>
+                                      </p:to>
+                                    </p:set>
+                                    <p:animEffect transition="in" filter="fade">
+                                      <p:cBhvr>
+                                        <p:cTn id="12" dur="500"/>
+                                        <p:tgtEl>
+                                          <p:spTgt spid="14">
+                                            <p:txEl>
+                                              <p:pRg st="1" end="1"/>
+                                            </p:txEl>
+                                          </p:spTgt>
+                                        </p:tgtEl>
+                                      </p:cBhvr>
+                                    </p:animEffect>
+                                  </p:childTnLst>
+                                </p:cTn>
+                              </p:par>
+                            </p:childTnLst>
+                          </p:cTn>
+                        </p:par>
+                      </p:childTnLst>
+                    </p:cTn>
+                  </p:par>
+                  <p:par>
+                    <p:cTn id="13" fill="hold">
+                      <p:stCondLst>
+                        <p:cond delay="indefinite"/>
+                      </p:stCondLst>
+                      <p:childTnLst>
+                        <p:par>
+                          <p:cTn id="14" fill="hold">
+                            <p:stCondLst>
+                              <p:cond delay="0"/>
+                            </p:stCondLst>
+                            <p:childTnLst>
+                              <p:par>
+                                <p:cTn id="15" presetID="10" presetClass="entr" presetSubtype="0" fill="hold" grpId="0" nodeType="clickEffect">
+                                  <p:stCondLst>
+                                    <p:cond delay="0"/>
+                                  </p:stCondLst>
+                                  <p:childTnLst>
+                                    <p:set>
+                                      <p:cBhvr>
+                                        <p:cTn id="16" dur="1" fill="hold">
+                                          <p:stCondLst>
+                                            <p:cond delay="0"/>
+                                          </p:stCondLst>
+                                        </p:cTn>
+                                        <p:tgtEl>
+                                          <p:spTgt spid="14">
+                                            <p:txEl>
+                                              <p:pRg st="2" end="2"/>
+                                            </p:txEl>
+                                          </p:spTgt>
+                                        </p:tgtEl>
+                                        <p:attrNameLst>
+                                          <p:attrName>style.visibility</p:attrName>
+                                        </p:attrNameLst>
+                                      </p:cBhvr>
+                                      <p:to>
+                                        <p:strVal val="visible"/>
+                                      </p:to>
+                                    </p:set>
+                                    <p:animEffect transition="in" filter="fade">
+                                      <p:cBhvr>
+                                        <p:cTn id="17" dur="500"/>
+                                        <p:tgtEl>
+                                          <p:spTgt spid="14">
+                                            <p:txEl>
+                                              <p:pRg st="2" end="2"/>
+                                            </p:txEl>
+                                          </p:spTgt>
+                                        </p:tgtEl>
+                                      </p:cBhvr>
+                                    </p:animEffect>
+                                  </p:childTnLst>
+                                </p:cTn>
+                              </p:par>
+                            </p:childTnLst>
+                          </p:cTn>
+                        </p:par>
+                      </p:childTnLst>
+                    </p:cTn>
+                  </p:par>
+                  <p:par>
+                    <p:cTn id="18" fill="hold">
+                      <p:stCondLst>
+                        <p:cond delay="indefinite"/>
+                      </p:stCondLst>
+                      <p:childTnLst>
+                        <p:par>
+                          <p:cTn id="19" fill="hold">
+                            <p:stCondLst>
+                              <p:cond delay="0"/>
+                            </p:stCondLst>
+                            <p:childTnLst>
+                              <p:par>
+                                <p:cTn id="20" presetID="10" presetClass="entr" presetSubtype="0" fill="hold" grpId="0" nodeType="clickEffect">
+                                  <p:stCondLst>
+                                    <p:cond delay="0"/>
+                                  </p:stCondLst>
+                                  <p:childTnLst>
+                                    <p:set>
+                                      <p:cBhvr>
+                                        <p:cTn id="21" dur="1" fill="hold">
+                                          <p:stCondLst>
+                                            <p:cond delay="0"/>
+                                          </p:stCondLst>
+                                        </p:cTn>
+                                        <p:tgtEl>
+                                          <p:spTgt spid="14">
+                                            <p:txEl>
+                                              <p:pRg st="3" end="3"/>
+                                            </p:txEl>
+                                          </p:spTgt>
+                                        </p:tgtEl>
+                                        <p:attrNameLst>
+                                          <p:attrName>style.visibility</p:attrName>
+                                        </p:attrNameLst>
+                                      </p:cBhvr>
+                                      <p:to>
+                                        <p:strVal val="visible"/>
+                                      </p:to>
+                                    </p:set>
+                                    <p:animEffect transition="in" filter="fade">
+                                      <p:cBhvr>
+                                        <p:cTn id="22" dur="500"/>
+                                        <p:tgtEl>
+                                          <p:spTgt spid="14">
+                                            <p:txEl>
+                                              <p:pRg st="3" end="3"/>
+                                            </p:txEl>
+                                          </p:spTgt>
+                                        </p:tgtEl>
+                                      </p:cBhvr>
+                                    </p:animEffect>
+                                  </p:childTnLst>
+                                </p:cTn>
+                              </p:par>
+                            </p:childTnLst>
+                          </p:cTn>
+                        </p:par>
+                      </p:childTnLst>
+                    </p:cTn>
+                  </p:par>
+                  <p:par>
+                    <p:cTn id="23" fill="hold">
+                      <p:stCondLst>
+                        <p:cond delay="indefinite"/>
+                      </p:stCondLst>
+                      <p:childTnLst>
+                        <p:par>
+                          <p:cTn id="24" fill="hold">
+                            <p:stCondLst>
+                              <p:cond delay="0"/>
+                            </p:stCondLst>
+                            <p:childTnLst>
+                              <p:par>
+                                <p:cTn id="25" presetID="10" presetClass="entr" presetSubtype="0" fill="hold" grpId="0" nodeType="clickEffect">
+                                  <p:stCondLst>
+                                    <p:cond delay="0"/>
+                                  </p:stCondLst>
+                                  <p:childTnLst>
+                                    <p:set>
+                                      <p:cBhvr>
+                                        <p:cTn id="26" dur="1" fill="hold">
+                                          <p:stCondLst>
+                                            <p:cond delay="0"/>
+                                          </p:stCondLst>
+                                        </p:cTn>
+                                        <p:tgtEl>
+                                          <p:spTgt spid="14">
+                                            <p:txEl>
+                                              <p:pRg st="4" end="4"/>
+                                            </p:txEl>
+                                          </p:spTgt>
+                                        </p:tgtEl>
+                                        <p:attrNameLst>
+                                          <p:attrName>style.visibility</p:attrName>
+                                        </p:attrNameLst>
+                                      </p:cBhvr>
+                                      <p:to>
+                                        <p:strVal val="visible"/>
+                                      </p:to>
+                                    </p:set>
+                                    <p:animEffect transition="in" filter="fade">
+                                      <p:cBhvr>
+                                        <p:cTn id="27" dur="500"/>
+                                        <p:tgtEl>
+                                          <p:spTgt spid="14">
+                                            <p:txEl>
+                                              <p:pRg st="4" end="4"/>
+                                            </p:txEl>
+                                          </p:spTgt>
+                                        </p:tgtEl>
+                                      </p:cBhvr>
+                                    </p:animEffect>
+                                  </p:childTnLst>
+                                </p:cTn>
+                              </p:par>
+                            </p:childTnLst>
+                          </p:cTn>
+                        </p:par>
+                      </p:childTnLst>
+                    </p:cTn>
+                  </p:par>
+                  <p:par>
+                    <p:cTn id="28" fill="hold">
+                      <p:stCondLst>
+                        <p:cond delay="indefinite"/>
+                      </p:stCondLst>
+                      <p:childTnLst>
+                        <p:par>
+                          <p:cTn id="29" fill="hold">
+                            <p:stCondLst>
+                              <p:cond delay="0"/>
+                            </p:stCondLst>
+                            <p:childTnLst>
+                              <p:par>
+                                <p:cTn id="30" presetID="10" presetClass="entr" presetSubtype="0" fill="hold" grpId="0" nodeType="clickEffect">
+                                  <p:stCondLst>
+                                    <p:cond delay="0"/>
+                                  </p:stCondLst>
+                                  <p:childTnLst>
+                                    <p:set>
+                                      <p:cBhvr>
+                                        <p:cTn id="31" dur="1" fill="hold">
+                                          <p:stCondLst>
+                                            <p:cond delay="0"/>
+                                          </p:stCondLst>
+                                        </p:cTn>
+                                        <p:tgtEl>
+                                          <p:spTgt spid="14">
+                                            <p:txEl>
+                                              <p:pRg st="5" end="5"/>
+                                            </p:txEl>
+                                          </p:spTgt>
+                                        </p:tgtEl>
+                                        <p:attrNameLst>
+                                          <p:attrName>style.visibility</p:attrName>
+                                        </p:attrNameLst>
+                                      </p:cBhvr>
+                                      <p:to>
+                                        <p:strVal val="visible"/>
+                                      </p:to>
+                                    </p:set>
+                                    <p:animEffect transition="in" filter="fade">
+                                      <p:cBhvr>
+                                        <p:cTn id="32" dur="500"/>
+                                        <p:tgtEl>
+                                          <p:spTgt spid="14">
+                                            <p:txEl>
+                                              <p:pRg st="5" end="5"/>
+                                            </p:txEl>
+                                          </p:spTgt>
+                                        </p:tgtEl>
+                                      </p:cBhvr>
+                                    </p:animEffect>
+                                  </p:childTnLst>
+                                </p:cTn>
+                              </p:par>
+                            </p:childTnLst>
+                          </p:cTn>
+                        </p:par>
+                      </p:childTnLst>
+                    </p:cTn>
+                  </p:par>
+                  <p:par>
+                    <p:cTn id="33" fill="hold">
+                      <p:stCondLst>
+                        <p:cond delay="indefinite"/>
+                      </p:stCondLst>
+                      <p:childTnLst>
+                        <p:par>
+                          <p:cTn id="34" fill="hold">
+                            <p:stCondLst>
+                              <p:cond delay="0"/>
+                            </p:stCondLst>
+                            <p:childTnLst>
+                              <p:par>
+                                <p:cTn id="35" presetID="10" presetClass="entr" presetSubtype="0" fill="hold" grpId="0" nodeType="clickEffect">
+                                  <p:stCondLst>
+                                    <p:cond delay="0"/>
+                                  </p:stCondLst>
+                                  <p:childTnLst>
+                                    <p:set>
+                                      <p:cBhvr>
+                                        <p:cTn id="36" dur="1" fill="hold">
+                                          <p:stCondLst>
+                                            <p:cond delay="0"/>
+                                          </p:stCondLst>
+                                        </p:cTn>
+                                        <p:tgtEl>
+                                          <p:spTgt spid="14">
+                                            <p:txEl>
+                                              <p:pRg st="6" end="6"/>
+                                            </p:txEl>
+                                          </p:spTgt>
+                                        </p:tgtEl>
+                                        <p:attrNameLst>
+                                          <p:attrName>style.visibility</p:attrName>
+                                        </p:attrNameLst>
+                                      </p:cBhvr>
+                                      <p:to>
+                                        <p:strVal val="visible"/>
+                                      </p:to>
+                                    </p:set>
+                                    <p:animEffect transition="in" filter="fade">
+                                      <p:cBhvr>
+                                        <p:cTn id="37" dur="500"/>
+                                        <p:tgtEl>
+                                          <p:spTgt spid="14">
+                                            <p:txEl>
+                                              <p:pRg st="6" end="6"/>
+                                            </p:txEl>
+                                          </p:spTgt>
+                                        </p:tgtEl>
+                                      </p:cBhvr>
+                                    </p:animEffect>
+                                  </p:childTnLst>
+                                </p:cTn>
+                              </p:par>
+                            </p:childTnLst>
+                          </p:cTn>
+                        </p:par>
+                      </p:childTnLst>
+                    </p:cTn>
+                  </p:par>
+                </p:childTnLst>
+              </p:cTn>
+              <p:prevCondLst>
+                <p:cond evt="onPrev" delay="0">
+                  <p:tgtEl>
+                    <p:sldTgt/>
+                  </p:tgtEl>
+                </p:cond>
+              </p:prevCondLst>
+              <p:nextCondLst>
+                <p:cond evt="onNext" delay="0">
+                  <p:tgtEl>
+                    <p:sldTgt/>
+                  </p:tgtEl>
+                </p:cond>
+              </p:nextCondLst>
+            </p:seq>
+          </p:childTnLst>
+        </p:cTn>
+      </p:par>
+    </p:tnLst>
+    <p:bldLst>
+      <p:bldP spid="14" grpId="0" build="p"/>
+    </p:bldLst>
+  </p:timing>
 </p:sld>
 </file>
 
@@ -10771,38 +6209,58 @@
           <a:lstStyle/>
           <a:p>
             <a:r>
-              <a:rPr lang="en-US"/>
-              <a:t>Title and Content Layout with Chart</a:t>
-            </a:r>
-            <a:endParaRPr lang="en-US" dirty="0"/>
-          </a:p>
-        </p:txBody>
-      </p:sp>
-      <p:graphicFrame>
-        <p:nvGraphicFramePr>
-          <p:cNvPr id="6" name="Content Placeholder 5" descr="Clustered Column chart" title="Chart"/>
-          <p:cNvGraphicFramePr>
-            <a:graphicFrameLocks noGrp="1"/>
-          </p:cNvGraphicFramePr>
+              <a:rPr lang="en-US" dirty="0"/>
+              <a:t>Introduction</a:t>
+            </a:r>
+          </a:p>
+        </p:txBody>
+      </p:sp>
+      <p:sp>
+        <p:nvSpPr>
+          <p:cNvPr id="3" name="Content Placeholder 2"/>
+          <p:cNvSpPr>
+            <a:spLocks noGrp="1"/>
+          </p:cNvSpPr>
           <p:nvPr>
             <p:ph idx="1"/>
-            <p:extLst>
-              <p:ext uri="{D42A27DB-BD31-4B8C-83A1-F6EECF244321}">
-                <p14:modId xmlns:p14="http://schemas.microsoft.com/office/powerpoint/2010/main" val="2720414297"/>
-              </p:ext>
-            </p:extLst>
-          </p:nvPr>
-        </p:nvGraphicFramePr>
-        <p:xfrm>
-          <a:off x="1104900" y="1600200"/>
-          <a:ext cx="9982200" cy="4572000"/>
-        </p:xfrm>
-        <a:graphic>
-          <a:graphicData uri="http://schemas.openxmlformats.org/drawingml/2006/chart">
-            <c:chart xmlns:c="http://schemas.openxmlformats.org/drawingml/2006/chart" xmlns:r="http://schemas.openxmlformats.org/officeDocument/2006/relationships" r:id="rId2"/>
-          </a:graphicData>
-        </a:graphic>
-      </p:graphicFrame>
+          </p:nvPr>
+        </p:nvSpPr>
+        <p:spPr/>
+        <p:txBody>
+          <a:bodyPr/>
+          <a:lstStyle/>
+          <a:p>
+            <a:r>
+              <a:rPr lang="en-CA" dirty="0"/>
+              <a:t>Artificial Intelligence and Financial Forecasting</a:t>
+            </a:r>
+          </a:p>
+          <a:p>
+            <a:r>
+              <a:rPr lang="en-CA" dirty="0"/>
+              <a:t>Restricted access to other techniques due to financial backing</a:t>
+            </a:r>
+          </a:p>
+          <a:p>
+            <a:r>
+              <a:rPr lang="en-CA" dirty="0"/>
+              <a:t>Yields significant improvement over traditional, manual methods (buy and hold)</a:t>
+            </a:r>
+          </a:p>
+          <a:p>
+            <a:r>
+              <a:rPr lang="en-CA" dirty="0"/>
+              <a:t>Consider methodologies that provide strong models</a:t>
+            </a:r>
+          </a:p>
+          <a:p>
+            <a:r>
+              <a:rPr lang="en-CA" dirty="0"/>
+              <a:t>Not to be actualized</a:t>
+            </a:r>
+          </a:p>
+        </p:txBody>
+      </p:sp>
     </p:spTree>
     <p:extLst>
       <p:ext uri="{BB962C8B-B14F-4D97-AF65-F5344CB8AC3E}">
@@ -10825,6 +6283,344 @@
       </p:transition>
     </mc:Fallback>
   </mc:AlternateContent>
+  <p:timing>
+    <p:tnLst>
+      <p:par>
+        <p:cTn id="1" dur="indefinite" restart="never" nodeType="tmRoot">
+          <p:childTnLst>
+            <p:seq concurrent="1" nextAc="seek">
+              <p:cTn id="2" dur="indefinite" nodeType="mainSeq">
+                <p:childTnLst>
+                  <p:par>
+                    <p:cTn id="3" fill="hold">
+                      <p:stCondLst>
+                        <p:cond delay="indefinite"/>
+                      </p:stCondLst>
+                      <p:childTnLst>
+                        <p:par>
+                          <p:cTn id="4" fill="hold">
+                            <p:stCondLst>
+                              <p:cond delay="0"/>
+                            </p:stCondLst>
+                            <p:childTnLst>
+                              <p:par>
+                                <p:cTn id="5" presetID="10" presetClass="entr" presetSubtype="0" fill="hold" grpId="0" nodeType="clickEffect">
+                                  <p:stCondLst>
+                                    <p:cond delay="0"/>
+                                  </p:stCondLst>
+                                  <p:childTnLst>
+                                    <p:set>
+                                      <p:cBhvr>
+                                        <p:cTn id="6" dur="1" fill="hold">
+                                          <p:stCondLst>
+                                            <p:cond delay="0"/>
+                                          </p:stCondLst>
+                                        </p:cTn>
+                                        <p:tgtEl>
+                                          <p:spTgt spid="3">
+                                            <p:txEl>
+                                              <p:pRg st="0" end="0"/>
+                                            </p:txEl>
+                                          </p:spTgt>
+                                        </p:tgtEl>
+                                        <p:attrNameLst>
+                                          <p:attrName>style.visibility</p:attrName>
+                                        </p:attrNameLst>
+                                      </p:cBhvr>
+                                      <p:to>
+                                        <p:strVal val="visible"/>
+                                      </p:to>
+                                    </p:set>
+                                    <p:animEffect transition="in" filter="fade">
+                                      <p:cBhvr>
+                                        <p:cTn id="7" dur="500"/>
+                                        <p:tgtEl>
+                                          <p:spTgt spid="3">
+                                            <p:txEl>
+                                              <p:pRg st="0" end="0"/>
+                                            </p:txEl>
+                                          </p:spTgt>
+                                        </p:tgtEl>
+                                      </p:cBhvr>
+                                    </p:animEffect>
+                                  </p:childTnLst>
+                                </p:cTn>
+                              </p:par>
+                            </p:childTnLst>
+                          </p:cTn>
+                        </p:par>
+                      </p:childTnLst>
+                    </p:cTn>
+                  </p:par>
+                  <p:par>
+                    <p:cTn id="8" fill="hold">
+                      <p:stCondLst>
+                        <p:cond delay="indefinite"/>
+                      </p:stCondLst>
+                      <p:childTnLst>
+                        <p:par>
+                          <p:cTn id="9" fill="hold">
+                            <p:stCondLst>
+                              <p:cond delay="0"/>
+                            </p:stCondLst>
+                            <p:childTnLst>
+                              <p:par>
+                                <p:cTn id="10" presetID="10" presetClass="entr" presetSubtype="0" fill="hold" grpId="0" nodeType="clickEffect">
+                                  <p:stCondLst>
+                                    <p:cond delay="0"/>
+                                  </p:stCondLst>
+                                  <p:childTnLst>
+                                    <p:set>
+                                      <p:cBhvr>
+                                        <p:cTn id="11" dur="1" fill="hold">
+                                          <p:stCondLst>
+                                            <p:cond delay="0"/>
+                                          </p:stCondLst>
+                                        </p:cTn>
+                                        <p:tgtEl>
+                                          <p:spTgt spid="3">
+                                            <p:txEl>
+                                              <p:pRg st="1" end="1"/>
+                                            </p:txEl>
+                                          </p:spTgt>
+                                        </p:tgtEl>
+                                        <p:attrNameLst>
+                                          <p:attrName>style.visibility</p:attrName>
+                                        </p:attrNameLst>
+                                      </p:cBhvr>
+                                      <p:to>
+                                        <p:strVal val="visible"/>
+                                      </p:to>
+                                    </p:set>
+                                    <p:animEffect transition="in" filter="fade">
+                                      <p:cBhvr>
+                                        <p:cTn id="12" dur="500"/>
+                                        <p:tgtEl>
+                                          <p:spTgt spid="3">
+                                            <p:txEl>
+                                              <p:pRg st="1" end="1"/>
+                                            </p:txEl>
+                                          </p:spTgt>
+                                        </p:tgtEl>
+                                      </p:cBhvr>
+                                    </p:animEffect>
+                                  </p:childTnLst>
+                                </p:cTn>
+                              </p:par>
+                            </p:childTnLst>
+                          </p:cTn>
+                        </p:par>
+                      </p:childTnLst>
+                    </p:cTn>
+                  </p:par>
+                  <p:par>
+                    <p:cTn id="13" fill="hold">
+                      <p:stCondLst>
+                        <p:cond delay="indefinite"/>
+                      </p:stCondLst>
+                      <p:childTnLst>
+                        <p:par>
+                          <p:cTn id="14" fill="hold">
+                            <p:stCondLst>
+                              <p:cond delay="0"/>
+                            </p:stCondLst>
+                            <p:childTnLst>
+                              <p:par>
+                                <p:cTn id="15" presetID="10" presetClass="entr" presetSubtype="0" fill="hold" grpId="0" nodeType="clickEffect">
+                                  <p:stCondLst>
+                                    <p:cond delay="0"/>
+                                  </p:stCondLst>
+                                  <p:childTnLst>
+                                    <p:set>
+                                      <p:cBhvr>
+                                        <p:cTn id="16" dur="1" fill="hold">
+                                          <p:stCondLst>
+                                            <p:cond delay="0"/>
+                                          </p:stCondLst>
+                                        </p:cTn>
+                                        <p:tgtEl>
+                                          <p:spTgt spid="3">
+                                            <p:txEl>
+                                              <p:pRg st="2" end="2"/>
+                                            </p:txEl>
+                                          </p:spTgt>
+                                        </p:tgtEl>
+                                        <p:attrNameLst>
+                                          <p:attrName>style.visibility</p:attrName>
+                                        </p:attrNameLst>
+                                      </p:cBhvr>
+                                      <p:to>
+                                        <p:strVal val="visible"/>
+                                      </p:to>
+                                    </p:set>
+                                    <p:animEffect transition="in" filter="fade">
+                                      <p:cBhvr>
+                                        <p:cTn id="17" dur="500"/>
+                                        <p:tgtEl>
+                                          <p:spTgt spid="3">
+                                            <p:txEl>
+                                              <p:pRg st="2" end="2"/>
+                                            </p:txEl>
+                                          </p:spTgt>
+                                        </p:tgtEl>
+                                      </p:cBhvr>
+                                    </p:animEffect>
+                                  </p:childTnLst>
+                                </p:cTn>
+                              </p:par>
+                            </p:childTnLst>
+                          </p:cTn>
+                        </p:par>
+                      </p:childTnLst>
+                    </p:cTn>
+                  </p:par>
+                  <p:par>
+                    <p:cTn id="18" fill="hold">
+                      <p:stCondLst>
+                        <p:cond delay="indefinite"/>
+                      </p:stCondLst>
+                      <p:childTnLst>
+                        <p:par>
+                          <p:cTn id="19" fill="hold">
+                            <p:stCondLst>
+                              <p:cond delay="0"/>
+                            </p:stCondLst>
+                            <p:childTnLst>
+                              <p:par>
+                                <p:cTn id="20" presetID="10" presetClass="entr" presetSubtype="0" fill="hold" grpId="0" nodeType="clickEffect">
+                                  <p:stCondLst>
+                                    <p:cond delay="0"/>
+                                  </p:stCondLst>
+                                  <p:childTnLst>
+                                    <p:set>
+                                      <p:cBhvr>
+                                        <p:cTn id="21" dur="1" fill="hold">
+                                          <p:stCondLst>
+                                            <p:cond delay="0"/>
+                                          </p:stCondLst>
+                                        </p:cTn>
+                                        <p:tgtEl>
+                                          <p:spTgt spid="3">
+                                            <p:txEl>
+                                              <p:pRg st="3" end="3"/>
+                                            </p:txEl>
+                                          </p:spTgt>
+                                        </p:tgtEl>
+                                        <p:attrNameLst>
+                                          <p:attrName>style.visibility</p:attrName>
+                                        </p:attrNameLst>
+                                      </p:cBhvr>
+                                      <p:to>
+                                        <p:strVal val="visible"/>
+                                      </p:to>
+                                    </p:set>
+                                    <p:animEffect transition="in" filter="fade">
+                                      <p:cBhvr>
+                                        <p:cTn id="22" dur="500"/>
+                                        <p:tgtEl>
+                                          <p:spTgt spid="3">
+                                            <p:txEl>
+                                              <p:pRg st="3" end="3"/>
+                                            </p:txEl>
+                                          </p:spTgt>
+                                        </p:tgtEl>
+                                      </p:cBhvr>
+                                    </p:animEffect>
+                                  </p:childTnLst>
+                                </p:cTn>
+                              </p:par>
+                            </p:childTnLst>
+                          </p:cTn>
+                        </p:par>
+                      </p:childTnLst>
+                    </p:cTn>
+                  </p:par>
+                  <p:par>
+                    <p:cTn id="23" fill="hold">
+                      <p:stCondLst>
+                        <p:cond delay="indefinite"/>
+                      </p:stCondLst>
+                      <p:childTnLst>
+                        <p:par>
+                          <p:cTn id="24" fill="hold">
+                            <p:stCondLst>
+                              <p:cond delay="0"/>
+                            </p:stCondLst>
+                            <p:childTnLst>
+                              <p:par>
+                                <p:cTn id="25" presetID="10" presetClass="entr" presetSubtype="0" fill="hold" grpId="0" nodeType="clickEffect">
+                                  <p:stCondLst>
+                                    <p:cond delay="0"/>
+                                  </p:stCondLst>
+                                  <p:childTnLst>
+                                    <p:set>
+                                      <p:cBhvr>
+                                        <p:cTn id="26" dur="1" fill="hold">
+                                          <p:stCondLst>
+                                            <p:cond delay="0"/>
+                                          </p:stCondLst>
+                                        </p:cTn>
+                                        <p:tgtEl>
+                                          <p:spTgt spid="3">
+                                            <p:txEl>
+                                              <p:pRg st="4" end="4"/>
+                                            </p:txEl>
+                                          </p:spTgt>
+                                        </p:tgtEl>
+                                        <p:attrNameLst>
+                                          <p:attrName>style.visibility</p:attrName>
+                                        </p:attrNameLst>
+                                      </p:cBhvr>
+                                      <p:to>
+                                        <p:strVal val="visible"/>
+                                      </p:to>
+                                    </p:set>
+                                    <p:animEffect transition="in" filter="fade">
+                                      <p:cBhvr>
+                                        <p:cTn id="27" dur="500"/>
+                                        <p:tgtEl>
+                                          <p:spTgt spid="3">
+                                            <p:txEl>
+                                              <p:pRg st="4" end="4"/>
+                                            </p:txEl>
+                                          </p:spTgt>
+                                        </p:tgtEl>
+                                      </p:cBhvr>
+                                    </p:animEffect>
+                                  </p:childTnLst>
+                                </p:cTn>
+                              </p:par>
+                            </p:childTnLst>
+                          </p:cTn>
+                        </p:par>
+                      </p:childTnLst>
+                    </p:cTn>
+                  </p:par>
+                </p:childTnLst>
+              </p:cTn>
+              <p:prevCondLst>
+                <p:cond evt="onPrev" delay="0">
+                  <p:tgtEl>
+                    <p:sldTgt/>
+                  </p:tgtEl>
+                </p:cond>
+              </p:prevCondLst>
+              <p:nextCondLst>
+                <p:cond evt="onNext" delay="0">
+                  <p:tgtEl>
+                    <p:sldTgt/>
+                  </p:tgtEl>
+                </p:cond>
+              </p:nextCondLst>
+            </p:seq>
+          </p:childTnLst>
+        </p:cTn>
+      </p:par>
+    </p:tnLst>
+    <p:bldLst>
+      <p:bldP spid="3" grpId="0" build="p"/>
+    </p:bldLst>
+  </p:timing>
 </p:sld>
 </file>
 
@@ -10861,8 +6657,8 @@
           <a:lstStyle/>
           <a:p>
             <a:r>
-              <a:rPr lang="en-US"/>
-              <a:t>Two Content Layout with Table</a:t>
+              <a:rPr lang="en-US" dirty="0"/>
+              <a:t>Genetic Programming &amp; Financial Forecasting</a:t>
             </a:r>
           </a:p>
         </p:txBody>
@@ -10884,269 +6680,58 @@
           <a:p>
             <a:r>
               <a:rPr lang="en-US" dirty="0"/>
-              <a:t>First bullet point here</a:t>
+              <a:t>Symbolic Regression</a:t>
             </a:r>
           </a:p>
           <a:p>
             <a:r>
               <a:rPr lang="en-US" dirty="0"/>
-              <a:t>Second bullet point here</a:t>
+              <a:t>Rule-based GP</a:t>
             </a:r>
           </a:p>
           <a:p>
             <a:r>
               <a:rPr lang="en-US" dirty="0"/>
-              <a:t>Third bullet point here</a:t>
-            </a:r>
-          </a:p>
-        </p:txBody>
-      </p:sp>
-      <p:graphicFrame>
-        <p:nvGraphicFramePr>
-          <p:cNvPr id="16" name="Content Placeholder 15" descr="Sample table with 3 columns, 4 rows" title="Table"/>
-          <p:cNvGraphicFramePr>
-            <a:graphicFrameLocks noGrp="1"/>
-          </p:cNvGraphicFramePr>
+              <a:t>Fitness Function – Sum of Square Residuals (right)</a:t>
+            </a:r>
+          </a:p>
+          <a:p>
+            <a:r>
+              <a:rPr lang="en-US" dirty="0"/>
+              <a:t>Akin to Ordinary Least Squares (OLS) econometric regression testing</a:t>
+            </a:r>
+          </a:p>
+        </p:txBody>
+      </p:sp>
+      <p:pic>
+        <p:nvPicPr>
+          <p:cNvPr id="5" name="Content Placeholder 4"/>
+          <p:cNvPicPr>
+            <a:picLocks noGrp="1" noChangeAspect="1"/>
+          </p:cNvPicPr>
           <p:nvPr>
             <p:ph sz="half" idx="2"/>
-            <p:extLst>
-              <p:ext uri="{D42A27DB-BD31-4B8C-83A1-F6EECF244321}">
-                <p14:modId xmlns:p14="http://schemas.microsoft.com/office/powerpoint/2010/main" val="2053338718"/>
-              </p:ext>
-            </p:extLst>
-          </p:nvPr>
-        </p:nvGraphicFramePr>
-        <p:xfrm>
-          <a:off x="6172200" y="1600200"/>
-          <a:ext cx="4914900" cy="1828800"/>
-        </p:xfrm>
-        <a:graphic>
-          <a:graphicData uri="http://schemas.openxmlformats.org/drawingml/2006/table">
-            <a:tbl>
-              <a:tblPr firstRow="1" bandRow="1">
-                <a:tableStyleId>{5C22544A-7EE6-4342-B048-85BDC9FD1C3A}</a:tableStyleId>
-              </a:tblPr>
-              <a:tblGrid>
-                <a:gridCol w="1638300">
-                  <a:extLst>
-                    <a:ext uri="{9D8B030D-6E8A-4147-A177-3AD203B41FA5}">
-                      <a16:colId xmlns:a16="http://schemas.microsoft.com/office/drawing/2014/main" val="20000"/>
-                    </a:ext>
-                  </a:extLst>
-                </a:gridCol>
-                <a:gridCol w="1638300">
-                  <a:extLst>
-                    <a:ext uri="{9D8B030D-6E8A-4147-A177-3AD203B41FA5}">
-                      <a16:colId xmlns:a16="http://schemas.microsoft.com/office/drawing/2014/main" val="20001"/>
-                    </a:ext>
-                  </a:extLst>
-                </a:gridCol>
-                <a:gridCol w="1638300">
-                  <a:extLst>
-                    <a:ext uri="{9D8B030D-6E8A-4147-A177-3AD203B41FA5}">
-                      <a16:colId xmlns:a16="http://schemas.microsoft.com/office/drawing/2014/main" val="20002"/>
-                    </a:ext>
-                  </a:extLst>
-                </a:gridCol>
-              </a:tblGrid>
-              <a:tr h="457200">
-                <a:tc>
-                  <a:txBody>
-                    <a:bodyPr/>
-                    <a:lstStyle/>
-                    <a:p>
-                      <a:endParaRPr dirty="0"/>
-                    </a:p>
-                  </a:txBody>
-                  <a:tcPr anchor="ctr"/>
-                </a:tc>
-                <a:tc>
-                  <a:txBody>
-                    <a:bodyPr/>
-                    <a:lstStyle/>
-                    <a:p>
-                      <a:pPr algn="ctr"/>
-                      <a:r>
-                        <a:rPr dirty="0"/>
-                        <a:t>Group 1</a:t>
-                      </a:r>
-                    </a:p>
-                  </a:txBody>
-                  <a:tcPr anchor="ctr"/>
-                </a:tc>
-                <a:tc>
-                  <a:txBody>
-                    <a:bodyPr/>
-                    <a:lstStyle/>
-                    <a:p>
-                      <a:pPr algn="ctr"/>
-                      <a:r>
-                        <a:rPr dirty="0"/>
-                        <a:t>Group 2</a:t>
-                      </a:r>
-                    </a:p>
-                  </a:txBody>
-                  <a:tcPr anchor="ctr"/>
-                </a:tc>
-                <a:extLst>
-                  <a:ext uri="{0D108BD9-81ED-4DB2-BD59-A6C34878D82A}">
-                    <a16:rowId xmlns:a16="http://schemas.microsoft.com/office/drawing/2014/main" val="10000"/>
-                  </a:ext>
-                </a:extLst>
-              </a:tr>
-              <a:tr h="457200">
-                <a:tc>
-                  <a:txBody>
-                    <a:bodyPr/>
-                    <a:lstStyle/>
-                    <a:p>
-                      <a:r>
-                        <a:rPr dirty="0"/>
-                        <a:t>Class 1</a:t>
-                      </a:r>
-                    </a:p>
-                  </a:txBody>
-                  <a:tcPr anchor="ctr"/>
-                </a:tc>
-                <a:tc>
-                  <a:txBody>
-                    <a:bodyPr/>
-                    <a:lstStyle/>
-                    <a:p>
-                      <a:pPr algn="ctr"/>
-                      <a:r>
-                        <a:rPr dirty="0"/>
-                        <a:t>82</a:t>
-                      </a:r>
-                    </a:p>
-                  </a:txBody>
-                  <a:tcPr anchor="ctr"/>
-                </a:tc>
-                <a:tc>
-                  <a:txBody>
-                    <a:bodyPr/>
-                    <a:lstStyle/>
-                    <a:p>
-                      <a:pPr algn="ctr"/>
-                      <a:r>
-                        <a:rPr/>
-                        <a:t>95</a:t>
-                      </a:r>
-                    </a:p>
-                  </a:txBody>
-                  <a:tcPr anchor="ctr"/>
-                </a:tc>
-                <a:extLst>
-                  <a:ext uri="{0D108BD9-81ED-4DB2-BD59-A6C34878D82A}">
-                    <a16:rowId xmlns:a16="http://schemas.microsoft.com/office/drawing/2014/main" val="10001"/>
-                  </a:ext>
-                </a:extLst>
-              </a:tr>
-              <a:tr h="457200">
-                <a:tc>
-                  <a:txBody>
-                    <a:bodyPr/>
-                    <a:lstStyle/>
-                    <a:p>
-                      <a:r>
-                        <a:rPr/>
-                        <a:t>Class</a:t>
-                      </a:r>
-                      <a:r>
-                        <a:rPr baseline="0"/>
-                        <a:t> 2</a:t>
-                      </a:r>
-                      <a:endParaRPr/>
-                    </a:p>
-                  </a:txBody>
-                  <a:tcPr anchor="ctr"/>
-                </a:tc>
-                <a:tc>
-                  <a:txBody>
-                    <a:bodyPr/>
-                    <a:lstStyle/>
-                    <a:p>
-                      <a:pPr algn="ctr"/>
-                      <a:r>
-                        <a:rPr dirty="0"/>
-                        <a:t>76</a:t>
-                      </a:r>
-                    </a:p>
-                  </a:txBody>
-                  <a:tcPr anchor="ctr"/>
-                </a:tc>
-                <a:tc>
-                  <a:txBody>
-                    <a:bodyPr/>
-                    <a:lstStyle/>
-                    <a:p>
-                      <a:pPr algn="ctr"/>
-                      <a:r>
-                        <a:rPr dirty="0"/>
-                        <a:t>88</a:t>
-                      </a:r>
-                    </a:p>
-                  </a:txBody>
-                  <a:tcPr anchor="ctr"/>
-                </a:tc>
-                <a:extLst>
-                  <a:ext uri="{0D108BD9-81ED-4DB2-BD59-A6C34878D82A}">
-                    <a16:rowId xmlns:a16="http://schemas.microsoft.com/office/drawing/2014/main" val="10002"/>
-                  </a:ext>
-                </a:extLst>
-              </a:tr>
-              <a:tr h="457200">
-                <a:tc>
-                  <a:txBody>
-                    <a:bodyPr/>
-                    <a:lstStyle/>
-                    <a:p>
-                      <a:r>
-                        <a:rPr/>
-                        <a:t>Class 3</a:t>
-                      </a:r>
-                    </a:p>
-                  </a:txBody>
-                  <a:tcPr anchor="ctr"/>
-                </a:tc>
-                <a:tc>
-                  <a:txBody>
-                    <a:bodyPr/>
-                    <a:lstStyle/>
-                    <a:p>
-                      <a:pPr algn="ctr"/>
-                      <a:r>
-                        <a:rPr/>
-                        <a:t>84</a:t>
-                      </a:r>
-                    </a:p>
-                  </a:txBody>
-                  <a:tcPr anchor="ctr"/>
-                </a:tc>
-                <a:tc>
-                  <a:txBody>
-                    <a:bodyPr/>
-                    <a:lstStyle/>
-                    <a:p>
-                      <a:pPr algn="ctr"/>
-                      <a:r>
-                        <a:rPr dirty="0"/>
-                        <a:t>90</a:t>
-                      </a:r>
-                    </a:p>
-                  </a:txBody>
-                  <a:tcPr anchor="ctr"/>
-                </a:tc>
-                <a:extLst>
-                  <a:ext uri="{0D108BD9-81ED-4DB2-BD59-A6C34878D82A}">
-                    <a16:rowId xmlns:a16="http://schemas.microsoft.com/office/drawing/2014/main" val="10003"/>
-                  </a:ext>
-                </a:extLst>
-              </a:tr>
-            </a:tbl>
-          </a:graphicData>
-        </a:graphic>
-      </p:graphicFrame>
+          </p:nvPr>
+        </p:nvPicPr>
+        <p:blipFill>
+          <a:blip r:embed="rId2">
+            <a:extLst>
+              <a:ext uri="{28A0092B-C50C-407E-A947-70E740481C1C}">
+                <a14:useLocalDpi xmlns:a14="http://schemas.microsoft.com/office/drawing/2010/main" val="0"/>
+              </a:ext>
+            </a:extLst>
+          </a:blip>
+          <a:stretch>
+            <a:fillRect/>
+          </a:stretch>
+        </p:blipFill>
+        <p:spPr>
+          <a:xfrm>
+            <a:off x="6742112" y="1949456"/>
+            <a:ext cx="4013270" cy="3559169"/>
+          </a:xfrm>
+        </p:spPr>
+      </p:pic>
     </p:spTree>
     <p:extLst>
       <p:ext uri="{BB962C8B-B14F-4D97-AF65-F5344CB8AC3E}">
@@ -11169,6 +6754,336 @@
       </p:transition>
     </mc:Fallback>
   </mc:AlternateContent>
+  <p:timing>
+    <p:tnLst>
+      <p:par>
+        <p:cTn id="1" dur="indefinite" restart="never" nodeType="tmRoot">
+          <p:childTnLst>
+            <p:seq concurrent="1" nextAc="seek">
+              <p:cTn id="2" dur="indefinite" nodeType="mainSeq">
+                <p:childTnLst>
+                  <p:par>
+                    <p:cTn id="3" fill="hold">
+                      <p:stCondLst>
+                        <p:cond delay="indefinite"/>
+                      </p:stCondLst>
+                      <p:childTnLst>
+                        <p:par>
+                          <p:cTn id="4" fill="hold">
+                            <p:stCondLst>
+                              <p:cond delay="0"/>
+                            </p:stCondLst>
+                            <p:childTnLst>
+                              <p:par>
+                                <p:cTn id="5" presetID="10" presetClass="entr" presetSubtype="0" fill="hold" grpId="0" nodeType="clickEffect">
+                                  <p:stCondLst>
+                                    <p:cond delay="0"/>
+                                  </p:stCondLst>
+                                  <p:childTnLst>
+                                    <p:set>
+                                      <p:cBhvr>
+                                        <p:cTn id="6" dur="1" fill="hold">
+                                          <p:stCondLst>
+                                            <p:cond delay="0"/>
+                                          </p:stCondLst>
+                                        </p:cTn>
+                                        <p:tgtEl>
+                                          <p:spTgt spid="3">
+                                            <p:txEl>
+                                              <p:pRg st="0" end="0"/>
+                                            </p:txEl>
+                                          </p:spTgt>
+                                        </p:tgtEl>
+                                        <p:attrNameLst>
+                                          <p:attrName>style.visibility</p:attrName>
+                                        </p:attrNameLst>
+                                      </p:cBhvr>
+                                      <p:to>
+                                        <p:strVal val="visible"/>
+                                      </p:to>
+                                    </p:set>
+                                    <p:animEffect transition="in" filter="fade">
+                                      <p:cBhvr>
+                                        <p:cTn id="7" dur="500"/>
+                                        <p:tgtEl>
+                                          <p:spTgt spid="3">
+                                            <p:txEl>
+                                              <p:pRg st="0" end="0"/>
+                                            </p:txEl>
+                                          </p:spTgt>
+                                        </p:tgtEl>
+                                      </p:cBhvr>
+                                    </p:animEffect>
+                                  </p:childTnLst>
+                                </p:cTn>
+                              </p:par>
+                            </p:childTnLst>
+                          </p:cTn>
+                        </p:par>
+                      </p:childTnLst>
+                    </p:cTn>
+                  </p:par>
+                  <p:par>
+                    <p:cTn id="8" fill="hold">
+                      <p:stCondLst>
+                        <p:cond delay="indefinite"/>
+                      </p:stCondLst>
+                      <p:childTnLst>
+                        <p:par>
+                          <p:cTn id="9" fill="hold">
+                            <p:stCondLst>
+                              <p:cond delay="0"/>
+                            </p:stCondLst>
+                            <p:childTnLst>
+                              <p:par>
+                                <p:cTn id="10" presetID="10" presetClass="entr" presetSubtype="0" fill="hold" grpId="0" nodeType="clickEffect">
+                                  <p:stCondLst>
+                                    <p:cond delay="0"/>
+                                  </p:stCondLst>
+                                  <p:childTnLst>
+                                    <p:set>
+                                      <p:cBhvr>
+                                        <p:cTn id="11" dur="1" fill="hold">
+                                          <p:stCondLst>
+                                            <p:cond delay="0"/>
+                                          </p:stCondLst>
+                                        </p:cTn>
+                                        <p:tgtEl>
+                                          <p:spTgt spid="3">
+                                            <p:txEl>
+                                              <p:pRg st="1" end="1"/>
+                                            </p:txEl>
+                                          </p:spTgt>
+                                        </p:tgtEl>
+                                        <p:attrNameLst>
+                                          <p:attrName>style.visibility</p:attrName>
+                                        </p:attrNameLst>
+                                      </p:cBhvr>
+                                      <p:to>
+                                        <p:strVal val="visible"/>
+                                      </p:to>
+                                    </p:set>
+                                    <p:animEffect transition="in" filter="fade">
+                                      <p:cBhvr>
+                                        <p:cTn id="12" dur="500"/>
+                                        <p:tgtEl>
+                                          <p:spTgt spid="3">
+                                            <p:txEl>
+                                              <p:pRg st="1" end="1"/>
+                                            </p:txEl>
+                                          </p:spTgt>
+                                        </p:tgtEl>
+                                      </p:cBhvr>
+                                    </p:animEffect>
+                                  </p:childTnLst>
+                                </p:cTn>
+                              </p:par>
+                            </p:childTnLst>
+                          </p:cTn>
+                        </p:par>
+                      </p:childTnLst>
+                    </p:cTn>
+                  </p:par>
+                  <p:par>
+                    <p:cTn id="13" fill="hold">
+                      <p:stCondLst>
+                        <p:cond delay="indefinite"/>
+                      </p:stCondLst>
+                      <p:childTnLst>
+                        <p:par>
+                          <p:cTn id="14" fill="hold">
+                            <p:stCondLst>
+                              <p:cond delay="0"/>
+                            </p:stCondLst>
+                            <p:childTnLst>
+                              <p:par>
+                                <p:cTn id="15" presetID="10" presetClass="entr" presetSubtype="0" fill="hold" grpId="0" nodeType="clickEffect">
+                                  <p:stCondLst>
+                                    <p:cond delay="0"/>
+                                  </p:stCondLst>
+                                  <p:childTnLst>
+                                    <p:set>
+                                      <p:cBhvr>
+                                        <p:cTn id="16" dur="1" fill="hold">
+                                          <p:stCondLst>
+                                            <p:cond delay="0"/>
+                                          </p:stCondLst>
+                                        </p:cTn>
+                                        <p:tgtEl>
+                                          <p:spTgt spid="3">
+                                            <p:txEl>
+                                              <p:pRg st="2" end="2"/>
+                                            </p:txEl>
+                                          </p:spTgt>
+                                        </p:tgtEl>
+                                        <p:attrNameLst>
+                                          <p:attrName>style.visibility</p:attrName>
+                                        </p:attrNameLst>
+                                      </p:cBhvr>
+                                      <p:to>
+                                        <p:strVal val="visible"/>
+                                      </p:to>
+                                    </p:set>
+                                    <p:animEffect transition="in" filter="fade">
+                                      <p:cBhvr>
+                                        <p:cTn id="17" dur="500"/>
+                                        <p:tgtEl>
+                                          <p:spTgt spid="3">
+                                            <p:txEl>
+                                              <p:pRg st="2" end="2"/>
+                                            </p:txEl>
+                                          </p:spTgt>
+                                        </p:tgtEl>
+                                      </p:cBhvr>
+                                    </p:animEffect>
+                                  </p:childTnLst>
+                                </p:cTn>
+                              </p:par>
+                            </p:childTnLst>
+                          </p:cTn>
+                        </p:par>
+                      </p:childTnLst>
+                    </p:cTn>
+                  </p:par>
+                  <p:par>
+                    <p:cTn id="18" fill="hold">
+                      <p:stCondLst>
+                        <p:cond delay="indefinite"/>
+                      </p:stCondLst>
+                      <p:childTnLst>
+                        <p:par>
+                          <p:cTn id="19" fill="hold">
+                            <p:stCondLst>
+                              <p:cond delay="0"/>
+                            </p:stCondLst>
+                            <p:childTnLst>
+                              <p:par>
+                                <p:cTn id="20" presetID="10" presetClass="entr" presetSubtype="0" fill="hold" nodeType="clickEffect">
+                                  <p:stCondLst>
+                                    <p:cond delay="0"/>
+                                  </p:stCondLst>
+                                  <p:childTnLst>
+                                    <p:set>
+                                      <p:cBhvr>
+                                        <p:cTn id="21" dur="1" fill="hold">
+                                          <p:stCondLst>
+                                            <p:cond delay="0"/>
+                                          </p:stCondLst>
+                                        </p:cTn>
+                                        <p:tgtEl>
+                                          <p:spTgt spid="5"/>
+                                        </p:tgtEl>
+                                        <p:attrNameLst>
+                                          <p:attrName>style.visibility</p:attrName>
+                                        </p:attrNameLst>
+                                      </p:cBhvr>
+                                      <p:to>
+                                        <p:strVal val="visible"/>
+                                      </p:to>
+                                    </p:set>
+                                    <p:animEffect transition="in" filter="fade">
+                                      <p:cBhvr>
+                                        <p:cTn id="22" dur="500"/>
+                                        <p:tgtEl>
+                                          <p:spTgt spid="5"/>
+                                        </p:tgtEl>
+                                      </p:cBhvr>
+                                    </p:animEffect>
+                                  </p:childTnLst>
+                                </p:cTn>
+                              </p:par>
+                            </p:childTnLst>
+                          </p:cTn>
+                        </p:par>
+                      </p:childTnLst>
+                    </p:cTn>
+                  </p:par>
+                  <p:par>
+                    <p:cTn id="23" fill="hold">
+                      <p:stCondLst>
+                        <p:cond delay="indefinite"/>
+                      </p:stCondLst>
+                      <p:childTnLst>
+                        <p:par>
+                          <p:cTn id="24" fill="hold">
+                            <p:stCondLst>
+                              <p:cond delay="0"/>
+                            </p:stCondLst>
+                            <p:childTnLst>
+                              <p:par>
+                                <p:cTn id="25" presetID="10" presetClass="entr" presetSubtype="0" fill="hold" nodeType="clickEffect">
+                                  <p:stCondLst>
+                                    <p:cond delay="0"/>
+                                  </p:stCondLst>
+                                  <p:childTnLst>
+                                    <p:set>
+                                      <p:cBhvr>
+                                        <p:cTn id="26" dur="1" fill="hold">
+                                          <p:stCondLst>
+                                            <p:cond delay="0"/>
+                                          </p:stCondLst>
+                                        </p:cTn>
+                                        <p:tgtEl>
+                                          <p:spTgt spid="3">
+                                            <p:txEl>
+                                              <p:pRg st="3" end="3"/>
+                                            </p:txEl>
+                                          </p:spTgt>
+                                        </p:tgtEl>
+                                        <p:attrNameLst>
+                                          <p:attrName>style.visibility</p:attrName>
+                                        </p:attrNameLst>
+                                      </p:cBhvr>
+                                      <p:to>
+                                        <p:strVal val="visible"/>
+                                      </p:to>
+                                    </p:set>
+                                    <p:animEffect transition="in" filter="fade">
+                                      <p:cBhvr>
+                                        <p:cTn id="27" dur="500"/>
+                                        <p:tgtEl>
+                                          <p:spTgt spid="3">
+                                            <p:txEl>
+                                              <p:pRg st="3" end="3"/>
+                                            </p:txEl>
+                                          </p:spTgt>
+                                        </p:tgtEl>
+                                      </p:cBhvr>
+                                    </p:animEffect>
+                                  </p:childTnLst>
+                                </p:cTn>
+                              </p:par>
+                            </p:childTnLst>
+                          </p:cTn>
+                        </p:par>
+                      </p:childTnLst>
+                    </p:cTn>
+                  </p:par>
+                </p:childTnLst>
+              </p:cTn>
+              <p:prevCondLst>
+                <p:cond evt="onPrev" delay="0">
+                  <p:tgtEl>
+                    <p:sldTgt/>
+                  </p:tgtEl>
+                </p:cond>
+              </p:prevCondLst>
+              <p:nextCondLst>
+                <p:cond evt="onNext" delay="0">
+                  <p:tgtEl>
+                    <p:sldTgt/>
+                  </p:tgtEl>
+                </p:cond>
+              </p:nextCondLst>
+            </p:seq>
+          </p:childTnLst>
+        </p:cTn>
+      </p:par>
+    </p:tnLst>
+    <p:bldLst>
+      <p:bldP spid="3" grpId="0" uiExpand="1" build="p"/>
+    </p:bldLst>
+  </p:timing>
 </p:sld>
 </file>
 
@@ -11205,42 +7120,55 @@
           <a:lstStyle/>
           <a:p>
             <a:r>
-              <a:rPr lang="en-US"/>
-              <a:t>Title and Content Layout with SmartArt</a:t>
-            </a:r>
-            <a:endParaRPr lang="en-US" dirty="0"/>
-          </a:p>
-        </p:txBody>
-      </p:sp>
-      <p:graphicFrame>
-        <p:nvGraphicFramePr>
-          <p:cNvPr id="4" name="Content Placeholder 3" descr="Stacked List" title="SmartArt"/>
-          <p:cNvGraphicFramePr>
-            <a:graphicFrameLocks noGrp="1"/>
-          </p:cNvGraphicFramePr>
+              <a:rPr lang="en-CA" dirty="0"/>
+              <a:t>Ensemble Learning</a:t>
+            </a:r>
+          </a:p>
+        </p:txBody>
+      </p:sp>
+      <p:sp>
+        <p:nvSpPr>
+          <p:cNvPr id="3" name="Content Placeholder 2"/>
+          <p:cNvSpPr>
+            <a:spLocks noGrp="1"/>
+          </p:cNvSpPr>
           <p:nvPr>
             <p:ph idx="1"/>
-            <p:extLst>
-              <p:ext uri="{D42A27DB-BD31-4B8C-83A1-F6EECF244321}">
-                <p14:modId xmlns:p14="http://schemas.microsoft.com/office/powerpoint/2010/main" val="4203862830"/>
-              </p:ext>
-            </p:extLst>
-          </p:nvPr>
-        </p:nvGraphicFramePr>
-        <p:xfrm>
-          <a:off x="1104900" y="1600200"/>
-          <a:ext cx="9982200" cy="4572000"/>
-        </p:xfrm>
-        <a:graphic>
-          <a:graphicData uri="http://schemas.openxmlformats.org/drawingml/2006/diagram">
-            <dgm:relIds xmlns:dgm="http://schemas.openxmlformats.org/drawingml/2006/diagram" xmlns:r="http://schemas.openxmlformats.org/officeDocument/2006/relationships" r:dm="rId2" r:lo="rId3" r:qs="rId4" r:cs="rId5"/>
-          </a:graphicData>
-        </a:graphic>
-      </p:graphicFrame>
+          </p:nvPr>
+        </p:nvSpPr>
+        <p:spPr>
+          <a:xfrm>
+            <a:off x="1104900" y="1600200"/>
+            <a:ext cx="5003800" cy="4572000"/>
+          </a:xfrm>
+        </p:spPr>
+        <p:txBody>
+          <a:bodyPr/>
+          <a:lstStyle/>
+          <a:p>
+            <a:r>
+              <a:rPr lang="en-CA" dirty="0"/>
+              <a:t>Avoids reliance on probability in GP</a:t>
+            </a:r>
+          </a:p>
+          <a:p>
+            <a:r>
+              <a:rPr lang="en-CA" dirty="0"/>
+              <a:t>Stacking 20 GP runs using average and median fusion techniques</a:t>
+            </a:r>
+          </a:p>
+          <a:p>
+            <a:r>
+              <a:rPr lang="en-CA" dirty="0"/>
+              <a:t>Outliers pose a problem for average fusion technique</a:t>
+            </a:r>
+          </a:p>
+        </p:txBody>
+      </p:sp>
     </p:spTree>
     <p:extLst>
       <p:ext uri="{BB962C8B-B14F-4D97-AF65-F5344CB8AC3E}">
-        <p14:creationId xmlns:p14="http://schemas.microsoft.com/office/powerpoint/2010/main" val="4224509479"/>
+        <p14:creationId xmlns:p14="http://schemas.microsoft.com/office/powerpoint/2010/main" val="2510158663"/>
       </p:ext>
     </p:extLst>
   </p:cSld>
@@ -11259,6 +7187,222 @@
       </p:transition>
     </mc:Fallback>
   </mc:AlternateContent>
+  <p:timing>
+    <p:tnLst>
+      <p:par>
+        <p:cTn id="1" dur="indefinite" restart="never" nodeType="tmRoot">
+          <p:childTnLst>
+            <p:seq concurrent="1" nextAc="seek">
+              <p:cTn id="2" dur="indefinite" nodeType="mainSeq">
+                <p:childTnLst>
+                  <p:par>
+                    <p:cTn id="3" fill="hold">
+                      <p:stCondLst>
+                        <p:cond delay="indefinite"/>
+                      </p:stCondLst>
+                      <p:childTnLst>
+                        <p:par>
+                          <p:cTn id="4" fill="hold">
+                            <p:stCondLst>
+                              <p:cond delay="0"/>
+                            </p:stCondLst>
+                            <p:childTnLst>
+                              <p:par>
+                                <p:cTn id="5" presetID="10" presetClass="entr" presetSubtype="0" fill="hold" grpId="0" nodeType="clickEffect">
+                                  <p:stCondLst>
+                                    <p:cond delay="0"/>
+                                  </p:stCondLst>
+                                  <p:childTnLst>
+                                    <p:set>
+                                      <p:cBhvr>
+                                        <p:cTn id="6" dur="1" fill="hold">
+                                          <p:stCondLst>
+                                            <p:cond delay="0"/>
+                                          </p:stCondLst>
+                                        </p:cTn>
+                                        <p:tgtEl>
+                                          <p:spTgt spid="3">
+                                            <p:txEl>
+                                              <p:pRg st="0" end="0"/>
+                                            </p:txEl>
+                                          </p:spTgt>
+                                        </p:tgtEl>
+                                        <p:attrNameLst>
+                                          <p:attrName>style.visibility</p:attrName>
+                                        </p:attrNameLst>
+                                      </p:cBhvr>
+                                      <p:to>
+                                        <p:strVal val="visible"/>
+                                      </p:to>
+                                    </p:set>
+                                    <p:animEffect transition="in" filter="fade">
+                                      <p:cBhvr>
+                                        <p:cTn id="7" dur="500"/>
+                                        <p:tgtEl>
+                                          <p:spTgt spid="3">
+                                            <p:txEl>
+                                              <p:pRg st="0" end="0"/>
+                                            </p:txEl>
+                                          </p:spTgt>
+                                        </p:tgtEl>
+                                      </p:cBhvr>
+                                    </p:animEffect>
+                                  </p:childTnLst>
+                                </p:cTn>
+                              </p:par>
+                            </p:childTnLst>
+                          </p:cTn>
+                        </p:par>
+                      </p:childTnLst>
+                    </p:cTn>
+                  </p:par>
+                  <p:par>
+                    <p:cTn id="8" fill="hold">
+                      <p:stCondLst>
+                        <p:cond delay="indefinite"/>
+                      </p:stCondLst>
+                      <p:childTnLst>
+                        <p:par>
+                          <p:cTn id="9" fill="hold">
+                            <p:stCondLst>
+                              <p:cond delay="0"/>
+                            </p:stCondLst>
+                            <p:childTnLst>
+                              <p:par>
+                                <p:cTn id="10" presetID="10" presetClass="entr" presetSubtype="0" fill="hold" grpId="0" nodeType="clickEffect">
+                                  <p:stCondLst>
+                                    <p:cond delay="0"/>
+                                  </p:stCondLst>
+                                  <p:childTnLst>
+                                    <p:set>
+                                      <p:cBhvr>
+                                        <p:cTn id="11" dur="1" fill="hold">
+                                          <p:stCondLst>
+                                            <p:cond delay="0"/>
+                                          </p:stCondLst>
+                                        </p:cTn>
+                                        <p:tgtEl>
+                                          <p:spTgt spid="3">
+                                            <p:txEl>
+                                              <p:pRg st="1" end="1"/>
+                                            </p:txEl>
+                                          </p:spTgt>
+                                        </p:tgtEl>
+                                        <p:attrNameLst>
+                                          <p:attrName>style.visibility</p:attrName>
+                                        </p:attrNameLst>
+                                      </p:cBhvr>
+                                      <p:to>
+                                        <p:strVal val="visible"/>
+                                      </p:to>
+                                    </p:set>
+                                    <p:animEffect transition="in" filter="fade">
+                                      <p:cBhvr>
+                                        <p:cTn id="12" dur="500"/>
+                                        <p:tgtEl>
+                                          <p:spTgt spid="3">
+                                            <p:txEl>
+                                              <p:pRg st="1" end="1"/>
+                                            </p:txEl>
+                                          </p:spTgt>
+                                        </p:tgtEl>
+                                      </p:cBhvr>
+                                    </p:animEffect>
+                                  </p:childTnLst>
+                                </p:cTn>
+                              </p:par>
+                            </p:childTnLst>
+                          </p:cTn>
+                        </p:par>
+                      </p:childTnLst>
+                    </p:cTn>
+                  </p:par>
+                  <p:par>
+                    <p:cTn id="13" fill="hold">
+                      <p:stCondLst>
+                        <p:cond delay="indefinite"/>
+                      </p:stCondLst>
+                      <p:childTnLst>
+                        <p:par>
+                          <p:cTn id="14" fill="hold">
+                            <p:stCondLst>
+                              <p:cond delay="0"/>
+                            </p:stCondLst>
+                            <p:childTnLst>
+                              <p:par>
+                                <p:cTn id="15" presetID="10" presetClass="entr" presetSubtype="0" fill="hold" grpId="0" nodeType="clickEffect">
+                                  <p:stCondLst>
+                                    <p:cond delay="0"/>
+                                  </p:stCondLst>
+                                  <p:childTnLst>
+                                    <p:set>
+                                      <p:cBhvr>
+                                        <p:cTn id="16" dur="1" fill="hold">
+                                          <p:stCondLst>
+                                            <p:cond delay="0"/>
+                                          </p:stCondLst>
+                                        </p:cTn>
+                                        <p:tgtEl>
+                                          <p:spTgt spid="3">
+                                            <p:txEl>
+                                              <p:pRg st="2" end="2"/>
+                                            </p:txEl>
+                                          </p:spTgt>
+                                        </p:tgtEl>
+                                        <p:attrNameLst>
+                                          <p:attrName>style.visibility</p:attrName>
+                                        </p:attrNameLst>
+                                      </p:cBhvr>
+                                      <p:to>
+                                        <p:strVal val="visible"/>
+                                      </p:to>
+                                    </p:set>
+                                    <p:animEffect transition="in" filter="fade">
+                                      <p:cBhvr>
+                                        <p:cTn id="17" dur="500"/>
+                                        <p:tgtEl>
+                                          <p:spTgt spid="3">
+                                            <p:txEl>
+                                              <p:pRg st="2" end="2"/>
+                                            </p:txEl>
+                                          </p:spTgt>
+                                        </p:tgtEl>
+                                      </p:cBhvr>
+                                    </p:animEffect>
+                                  </p:childTnLst>
+                                </p:cTn>
+                              </p:par>
+                            </p:childTnLst>
+                          </p:cTn>
+                        </p:par>
+                      </p:childTnLst>
+                    </p:cTn>
+                  </p:par>
+                </p:childTnLst>
+              </p:cTn>
+              <p:prevCondLst>
+                <p:cond evt="onPrev" delay="0">
+                  <p:tgtEl>
+                    <p:sldTgt/>
+                  </p:tgtEl>
+                </p:cond>
+              </p:prevCondLst>
+              <p:nextCondLst>
+                <p:cond evt="onNext" delay="0">
+                  <p:tgtEl>
+                    <p:sldTgt/>
+                  </p:tgtEl>
+                </p:cond>
+              </p:nextCondLst>
+            </p:seq>
+          </p:childTnLst>
+        </p:cTn>
+      </p:par>
+    </p:tnLst>
+    <p:bldLst>
+      <p:bldP spid="3" grpId="0" build="p"/>
+    </p:bldLst>
+  </p:timing>
 </p:sld>
 </file>
 
@@ -11295,45 +7439,88 @@
           <a:lstStyle/>
           <a:p>
             <a:r>
-              <a:rPr lang="en-US" dirty="0"/>
-              <a:t>Picture with Caption Layout</a:t>
-            </a:r>
+              <a:rPr lang="en-CA" dirty="0">
+                <a:cs typeface="Times New Roman" panose="02020603050405020304" pitchFamily="18" charset="0"/>
+              </a:rPr>
+              <a:t>Outlier Detection</a:t>
+            </a:r>
+            <a:endParaRPr lang="en-CA" dirty="0"/>
+          </a:p>
+        </p:txBody>
+      </p:sp>
+      <p:sp>
+        <p:nvSpPr>
+          <p:cNvPr id="3" name="Text Placeholder 2"/>
+          <p:cNvSpPr>
+            <a:spLocks noGrp="1"/>
+          </p:cNvSpPr>
+          <p:nvPr>
+            <p:ph type="body" idx="1"/>
+          </p:nvPr>
+        </p:nvSpPr>
+        <p:spPr/>
+        <p:txBody>
+          <a:bodyPr/>
+          <a:lstStyle/>
+          <a:p>
+            <a:r>
+              <a:rPr lang="en-CA" dirty="0"/>
+              <a:t>Without 2</a:t>
+            </a:r>
+            <a:r>
+              <a:rPr lang="el-GR" dirty="0">
+                <a:latin typeface="Times New Roman" panose="02020603050405020304" pitchFamily="18" charset="0"/>
+                <a:cs typeface="Times New Roman" panose="02020603050405020304" pitchFamily="18" charset="0"/>
+              </a:rPr>
+              <a:t>σ</a:t>
+            </a:r>
+            <a:r>
+              <a:rPr lang="en-CA" dirty="0">
+                <a:cs typeface="Times New Roman" panose="02020603050405020304" pitchFamily="18" charset="0"/>
+              </a:rPr>
+              <a:t> Rule</a:t>
+            </a:r>
+            <a:endParaRPr lang="en-CA" dirty="0"/>
           </a:p>
         </p:txBody>
       </p:sp>
       <p:pic>
         <p:nvPicPr>
-          <p:cNvPr id="5" name="Picture Placeholder 4" descr="Closeup of books on shelves with more books blurred in foreground and background" title="Sample Picture"/>
+          <p:cNvPr id="7" name="Content Placeholder 6"/>
           <p:cNvPicPr>
             <a:picLocks noGrp="1" noChangeAspect="1"/>
           </p:cNvPicPr>
           <p:nvPr>
-            <p:ph type="pic" idx="1"/>
+            <p:ph sz="half" idx="2"/>
           </p:nvPr>
         </p:nvPicPr>
         <p:blipFill>
-          <a:blip r:embed="rId2" cstate="print">
+          <a:blip r:embed="rId3">
             <a:extLst>
               <a:ext uri="{28A0092B-C50C-407E-A947-70E740481C1C}">
                 <a14:useLocalDpi xmlns:a14="http://schemas.microsoft.com/office/drawing/2010/main" val="0"/>
               </a:ext>
             </a:extLst>
           </a:blip>
-          <a:srcRect l="3155" r="3155"/>
           <a:stretch>
             <a:fillRect/>
           </a:stretch>
         </p:blipFill>
-        <p:spPr/>
+        <p:spPr>
+          <a:xfrm>
+            <a:off x="1104900" y="2668329"/>
+            <a:ext cx="4919663" cy="3259654"/>
+          </a:xfrm>
+        </p:spPr>
       </p:pic>
       <p:sp>
         <p:nvSpPr>
-          <p:cNvPr id="4" name="Text Placeholder 3"/>
-          <p:cNvSpPr>
-            <a:spLocks noGrp="1"/>
-          </p:cNvSpPr>
-          <p:nvPr>
-            <p:ph type="body" sz="half" idx="2"/>
+          <p:cNvPr id="5" name="Text Placeholder 4"/>
+          <p:cNvSpPr>
+            <a:spLocks noGrp="1"/>
+          </p:cNvSpPr>
+          <p:nvPr>
+            <p:ph type="body" sz="quarter" idx="3"/>
           </p:nvPr>
         </p:nvSpPr>
         <p:spPr/>
@@ -11342,16 +7529,59 @@
           <a:lstStyle/>
           <a:p>
             <a:r>
-              <a:rPr lang="en-US" dirty="0"/>
-              <a:t>Caption</a:t>
-            </a:r>
-          </a:p>
-        </p:txBody>
-      </p:sp>
+              <a:rPr lang="en-CA" dirty="0"/>
+              <a:t>With 2</a:t>
+            </a:r>
+            <a:r>
+              <a:rPr lang="el-GR" dirty="0">
+                <a:latin typeface="Times New Roman" panose="02020603050405020304" pitchFamily="18" charset="0"/>
+                <a:cs typeface="Times New Roman" panose="02020603050405020304" pitchFamily="18" charset="0"/>
+              </a:rPr>
+              <a:t>σ</a:t>
+            </a:r>
+            <a:r>
+              <a:rPr lang="en-CA" dirty="0">
+                <a:cs typeface="Times New Roman" panose="02020603050405020304" pitchFamily="18" charset="0"/>
+              </a:rPr>
+              <a:t> Rule</a:t>
+            </a:r>
+            <a:endParaRPr lang="en-CA" dirty="0"/>
+          </a:p>
+        </p:txBody>
+      </p:sp>
+      <p:pic>
+        <p:nvPicPr>
+          <p:cNvPr id="8" name="Content Placeholder 7"/>
+          <p:cNvPicPr>
+            <a:picLocks noGrp="1" noChangeAspect="1"/>
+          </p:cNvPicPr>
+          <p:nvPr>
+            <p:ph sz="quarter" idx="4"/>
+          </p:nvPr>
+        </p:nvPicPr>
+        <p:blipFill>
+          <a:blip r:embed="rId4">
+            <a:extLst>
+              <a:ext uri="{28A0092B-C50C-407E-A947-70E740481C1C}">
+                <a14:useLocalDpi xmlns:a14="http://schemas.microsoft.com/office/drawing/2010/main" val="0"/>
+              </a:ext>
+            </a:extLst>
+          </a:blip>
+          <a:stretch>
+            <a:fillRect/>
+          </a:stretch>
+        </p:blipFill>
+        <p:spPr>
+          <a:xfrm>
+            <a:off x="6165850" y="2744202"/>
+            <a:ext cx="4919663" cy="3107909"/>
+          </a:xfrm>
+        </p:spPr>
+      </p:pic>
     </p:spTree>
     <p:extLst>
       <p:ext uri="{BB962C8B-B14F-4D97-AF65-F5344CB8AC3E}">
-        <p14:creationId xmlns:p14="http://schemas.microsoft.com/office/powerpoint/2010/main" val="3683544629"/>
+        <p14:creationId xmlns:p14="http://schemas.microsoft.com/office/powerpoint/2010/main" val="3043697285"/>
       </p:ext>
     </p:extLst>
   </p:cSld>
@@ -11397,7 +7627,7 @@
             <a:spLocks noGrp="1"/>
           </p:cNvSpPr>
           <p:nvPr>
-            <p:ph type="ctrTitle"/>
+            <p:ph type="title"/>
           </p:nvPr>
         </p:nvSpPr>
         <p:spPr/>
@@ -11405,33 +7635,52 @@
           <a:bodyPr/>
           <a:lstStyle/>
           <a:p>
-            <a:endParaRPr lang="en-US"/>
-          </a:p>
-        </p:txBody>
-      </p:sp>
-      <p:sp>
-        <p:nvSpPr>
-          <p:cNvPr id="3" name="Subtitle 2"/>
-          <p:cNvSpPr>
-            <a:spLocks noGrp="1"/>
-          </p:cNvSpPr>
-          <p:nvPr>
-            <p:ph type="subTitle" idx="1"/>
-          </p:nvPr>
-        </p:nvSpPr>
-        <p:spPr/>
+            <a:r>
+              <a:rPr lang="en-US" dirty="0"/>
+              <a:t>Results &amp; Discussion</a:t>
+            </a:r>
+          </a:p>
+        </p:txBody>
+      </p:sp>
+      <p:sp>
+        <p:nvSpPr>
+          <p:cNvPr id="3" name="Content Placeholder 2"/>
+          <p:cNvSpPr>
+            <a:spLocks noGrp="1"/>
+          </p:cNvSpPr>
+          <p:nvPr>
+            <p:ph idx="1"/>
+          </p:nvPr>
+        </p:nvSpPr>
+        <p:spPr>
+          <a:xfrm>
+            <a:off x="1104900" y="1600200"/>
+            <a:ext cx="4889500" cy="4572000"/>
+          </a:xfrm>
+        </p:spPr>
         <p:txBody>
           <a:bodyPr/>
           <a:lstStyle/>
           <a:p>
-            <a:endParaRPr lang="en-US"/>
+            <a:r>
+              <a:rPr lang="en-CA" dirty="0"/>
+              <a:t>Use of </a:t>
+            </a:r>
+            <a:r>
+              <a:rPr lang="en-CA" i="1" dirty="0"/>
+              <a:t>IFLT</a:t>
+            </a:r>
+            <a:r>
+              <a:rPr lang="en-CA" dirty="0"/>
+              <a:t> comparatively improved a simple math language</a:t>
+            </a:r>
           </a:p>
         </p:txBody>
       </p:sp>
     </p:spTree>
     <p:extLst>
       <p:ext uri="{BB962C8B-B14F-4D97-AF65-F5344CB8AC3E}">
-        <p14:creationId xmlns:p14="http://schemas.microsoft.com/office/powerpoint/2010/main" val="1315647518"/>
+        <p14:creationId xmlns:p14="http://schemas.microsoft.com/office/powerpoint/2010/main" val="4224509479"/>
       </p:ext>
     </p:extLst>
   </p:cSld>
@@ -11485,18 +7734,46 @@
           <a:bodyPr/>
           <a:lstStyle/>
           <a:p>
-            <a:endParaRPr lang="en-US"/>
-          </a:p>
-        </p:txBody>
-      </p:sp>
-      <p:sp>
-        <p:nvSpPr>
-          <p:cNvPr id="3" name="Text Placeholder 2"/>
-          <p:cNvSpPr>
-            <a:spLocks noGrp="1"/>
-          </p:cNvSpPr>
-          <p:nvPr>
-            <p:ph type="body" idx="1"/>
+            <a:r>
+              <a:rPr lang="en-US" dirty="0"/>
+              <a:t>Picture with Caption Layout</a:t>
+            </a:r>
+          </a:p>
+        </p:txBody>
+      </p:sp>
+      <p:pic>
+        <p:nvPicPr>
+          <p:cNvPr id="5" name="Picture Placeholder 4" descr="Closeup of books on shelves with more books blurred in foreground and background" title="Sample Picture"/>
+          <p:cNvPicPr>
+            <a:picLocks noGrp="1" noChangeAspect="1"/>
+          </p:cNvPicPr>
+          <p:nvPr>
+            <p:ph type="pic" idx="1"/>
+          </p:nvPr>
+        </p:nvPicPr>
+        <p:blipFill>
+          <a:blip r:embed="rId2" cstate="print">
+            <a:extLst>
+              <a:ext uri="{28A0092B-C50C-407E-A947-70E740481C1C}">
+                <a14:useLocalDpi xmlns:a14="http://schemas.microsoft.com/office/drawing/2010/main" val="0"/>
+              </a:ext>
+            </a:extLst>
+          </a:blip>
+          <a:srcRect l="3155" r="3155"/>
+          <a:stretch>
+            <a:fillRect/>
+          </a:stretch>
+        </p:blipFill>
+        <p:spPr/>
+      </p:pic>
+      <p:sp>
+        <p:nvSpPr>
+          <p:cNvPr id="4" name="Text Placeholder 3"/>
+          <p:cNvSpPr>
+            <a:spLocks noGrp="1"/>
+          </p:cNvSpPr>
+          <p:nvPr>
+            <p:ph type="body" sz="half" idx="2"/>
           </p:nvPr>
         </p:nvSpPr>
         <p:spPr/>
@@ -11504,14 +7781,17 @@
           <a:bodyPr/>
           <a:lstStyle/>
           <a:p>
-            <a:endParaRPr lang="en-US"/>
+            <a:r>
+              <a:rPr lang="en-US" dirty="0"/>
+              <a:t>Caption</a:t>
+            </a:r>
           </a:p>
         </p:txBody>
       </p:sp>
     </p:spTree>
     <p:extLst>
       <p:ext uri="{BB962C8B-B14F-4D97-AF65-F5344CB8AC3E}">
-        <p14:creationId xmlns:p14="http://schemas.microsoft.com/office/powerpoint/2010/main" val="132884364"/>
+        <p14:creationId xmlns:p14="http://schemas.microsoft.com/office/powerpoint/2010/main" val="3683544629"/>
       </p:ext>
     </p:extLst>
   </p:cSld>
@@ -11557,7 +7837,7 @@
             <a:spLocks noGrp="1"/>
           </p:cNvSpPr>
           <p:nvPr>
-            <p:ph type="title"/>
+            <p:ph type="ctrTitle"/>
           </p:nvPr>
         </p:nvSpPr>
         <p:spPr/>
@@ -11571,69 +7851,12 @@
       </p:sp>
       <p:sp>
         <p:nvSpPr>
-          <p:cNvPr id="3" name="Text Placeholder 2"/>
-          <p:cNvSpPr>
-            <a:spLocks noGrp="1"/>
-          </p:cNvSpPr>
-          <p:nvPr>
-            <p:ph type="body" idx="1"/>
-          </p:nvPr>
-        </p:nvSpPr>
-        <p:spPr/>
-        <p:txBody>
-          <a:bodyPr/>
-          <a:lstStyle/>
-          <a:p>
-            <a:endParaRPr lang="en-US"/>
-          </a:p>
-        </p:txBody>
-      </p:sp>
-      <p:sp>
-        <p:nvSpPr>
-          <p:cNvPr id="4" name="Content Placeholder 3"/>
-          <p:cNvSpPr>
-            <a:spLocks noGrp="1"/>
-          </p:cNvSpPr>
-          <p:nvPr>
-            <p:ph sz="half" idx="2"/>
-          </p:nvPr>
-        </p:nvSpPr>
-        <p:spPr/>
-        <p:txBody>
-          <a:bodyPr/>
-          <a:lstStyle/>
-          <a:p>
-            <a:endParaRPr lang="en-US"/>
-          </a:p>
-        </p:txBody>
-      </p:sp>
-      <p:sp>
-        <p:nvSpPr>
-          <p:cNvPr id="5" name="Text Placeholder 4"/>
-          <p:cNvSpPr>
-            <a:spLocks noGrp="1"/>
-          </p:cNvSpPr>
-          <p:nvPr>
-            <p:ph type="body" sz="quarter" idx="3"/>
-          </p:nvPr>
-        </p:nvSpPr>
-        <p:spPr/>
-        <p:txBody>
-          <a:bodyPr/>
-          <a:lstStyle/>
-          <a:p>
-            <a:endParaRPr lang="en-US"/>
-          </a:p>
-        </p:txBody>
-      </p:sp>
-      <p:sp>
-        <p:nvSpPr>
-          <p:cNvPr id="6" name="Content Placeholder 5"/>
-          <p:cNvSpPr>
-            <a:spLocks noGrp="1"/>
-          </p:cNvSpPr>
-          <p:nvPr>
-            <p:ph sz="quarter" idx="4"/>
+          <p:cNvPr id="3" name="Subtitle 2"/>
+          <p:cNvSpPr>
+            <a:spLocks noGrp="1"/>
+          </p:cNvSpPr>
+          <p:nvPr>
+            <p:ph type="subTitle" idx="1"/>
           </p:nvPr>
         </p:nvSpPr>
         <p:spPr/>
@@ -11648,7 +7871,7 @@
     </p:spTree>
     <p:extLst>
       <p:ext uri="{BB962C8B-B14F-4D97-AF65-F5344CB8AC3E}">
-        <p14:creationId xmlns:p14="http://schemas.microsoft.com/office/powerpoint/2010/main" val="2224495804"/>
+        <p14:creationId xmlns:p14="http://schemas.microsoft.com/office/powerpoint/2010/main" val="1315647518"/>
       </p:ext>
     </p:extLst>
   </p:cSld>

--- a/GPP_Defense.pptx
+++ b/GPP_Defense.pptx
@@ -5,10 +5,10 @@
     <p:sldMasterId id="2147483648" r:id="rId2"/>
   </p:sldMasterIdLst>
   <p:notesMasterIdLst>
-    <p:notesMasterId r:id="rId17"/>
+    <p:notesMasterId r:id="rId16"/>
   </p:notesMasterIdLst>
   <p:handoutMasterIdLst>
-    <p:handoutMasterId r:id="rId18"/>
+    <p:handoutMasterId r:id="rId17"/>
   </p:handoutMasterIdLst>
   <p:sldIdLst>
     <p:sldId id="256" r:id="rId3"/>
@@ -17,14 +17,13 @@
     <p:sldId id="259" r:id="rId6"/>
     <p:sldId id="269" r:id="rId7"/>
     <p:sldId id="270" r:id="rId8"/>
-    <p:sldId id="260" r:id="rId9"/>
-    <p:sldId id="266" r:id="rId10"/>
-    <p:sldId id="268" r:id="rId11"/>
-    <p:sldId id="261" r:id="rId12"/>
-    <p:sldId id="262" r:id="rId13"/>
-    <p:sldId id="263" r:id="rId14"/>
-    <p:sldId id="264" r:id="rId15"/>
-    <p:sldId id="265" r:id="rId16"/>
+    <p:sldId id="271" r:id="rId9"/>
+    <p:sldId id="273" r:id="rId10"/>
+    <p:sldId id="260" r:id="rId11"/>
+    <p:sldId id="275" r:id="rId12"/>
+    <p:sldId id="277" r:id="rId13"/>
+    <p:sldId id="278" r:id="rId14"/>
+    <p:sldId id="274" r:id="rId15"/>
   </p:sldIdLst>
   <p:sldSz cx="12192000" cy="6858000"/>
   <p:notesSz cx="6858000" cy="9144000"/>
@@ -124,6 +123,31 @@
     </a:lvl9pPr>
   </p:defaultTextStyle>
   <p:extLst>
+    <p:ext uri="{521415D9-36F7-43E2-AB2F-B90AF26B5E84}">
+      <p14:sectionLst xmlns:p14="http://schemas.microsoft.com/office/powerpoint/2010/main">
+        <p14:section name="Default Section" id="{B4AB9BCE-E6F7-4797-A2C3-4799EDFFCFEA}">
+          <p14:sldIdLst>
+            <p14:sldId id="256"/>
+            <p14:sldId id="257"/>
+            <p14:sldId id="258"/>
+            <p14:sldId id="259"/>
+            <p14:sldId id="269"/>
+            <p14:sldId id="270"/>
+            <p14:sldId id="271"/>
+            <p14:sldId id="273"/>
+          </p14:sldIdLst>
+        </p14:section>
+        <p14:section name="Untitled Section" id="{FBD56B9C-EBAB-494B-BED3-D1E668B607C5}">
+          <p14:sldIdLst>
+            <p14:sldId id="260"/>
+            <p14:sldId id="275"/>
+            <p14:sldId id="277"/>
+            <p14:sldId id="278"/>
+            <p14:sldId id="274"/>
+          </p14:sldIdLst>
+        </p14:section>
+      </p14:sectionLst>
+    </p:ext>
     <p:ext uri="{EFAFB233-063F-42B5-8137-9DF3F51BA10A}">
       <p15:sldGuideLst xmlns:p15="http://schemas.microsoft.com/office/powerpoint/2012/main">
         <p15:guide id="1" orient="horz" pos="2160" userDrawn="1">
@@ -227,7 +251,7 @@
           <a:p>
             <a:fld id="{23CEAAF3-9831-450B-8D59-2C09DB96C8FC}" type="datetimeFigureOut">
               <a:rPr lang="en-US"/>
-              <a:t>4/29/2016</a:t>
+              <a:t>5/1/2016</a:t>
             </a:fld>
             <a:endParaRPr/>
           </a:p>
@@ -392,7 +416,7 @@
           <a:p>
             <a:fld id="{2D50CD79-FC16-4410-AB61-17F26E6D3BC8}" type="datetimeFigureOut">
               <a:rPr lang="en-US"/>
-              <a:t>4/29/2016</a:t>
+              <a:t>5/1/2016</a:t>
             </a:fld>
             <a:endParaRPr/>
           </a:p>
@@ -851,6 +875,174 @@
 </p:notes>
 </file>
 
+<file path=ppt/notesSlides/notesSlide3.xml><?xml version="1.0" encoding="utf-8"?>
+<p:notes xmlns:a="http://schemas.openxmlformats.org/drawingml/2006/main" xmlns:r="http://schemas.openxmlformats.org/officeDocument/2006/relationships" xmlns:p="http://schemas.openxmlformats.org/presentationml/2006/main">
+  <p:cSld>
+    <p:spTree>
+      <p:nvGrpSpPr>
+        <p:cNvPr id="1" name=""/>
+        <p:cNvGrpSpPr/>
+        <p:nvPr/>
+      </p:nvGrpSpPr>
+      <p:grpSpPr>
+        <a:xfrm>
+          <a:off x="0" y="0"/>
+          <a:ext cx="0" cy="0"/>
+          <a:chOff x="0" y="0"/>
+          <a:chExt cx="0" cy="0"/>
+        </a:xfrm>
+      </p:grpSpPr>
+      <p:sp>
+        <p:nvSpPr>
+          <p:cNvPr id="2" name="Slide Image Placeholder 1"/>
+          <p:cNvSpPr>
+            <a:spLocks noGrp="1" noRot="1" noChangeAspect="1"/>
+          </p:cNvSpPr>
+          <p:nvPr>
+            <p:ph type="sldImg"/>
+          </p:nvPr>
+        </p:nvSpPr>
+        <p:spPr/>
+      </p:sp>
+      <p:sp>
+        <p:nvSpPr>
+          <p:cNvPr id="3" name="Notes Placeholder 2"/>
+          <p:cNvSpPr>
+            <a:spLocks noGrp="1"/>
+          </p:cNvSpPr>
+          <p:nvPr>
+            <p:ph type="body" idx="1"/>
+          </p:nvPr>
+        </p:nvSpPr>
+        <p:spPr/>
+        <p:txBody>
+          <a:bodyPr/>
+          <a:lstStyle/>
+          <a:p>
+            <a:endParaRPr lang="en-CA" dirty="0"/>
+          </a:p>
+        </p:txBody>
+      </p:sp>
+      <p:sp>
+        <p:nvSpPr>
+          <p:cNvPr id="4" name="Slide Number Placeholder 3"/>
+          <p:cNvSpPr>
+            <a:spLocks noGrp="1"/>
+          </p:cNvSpPr>
+          <p:nvPr>
+            <p:ph type="sldNum" sz="quarter" idx="10"/>
+          </p:nvPr>
+        </p:nvSpPr>
+        <p:spPr/>
+        <p:txBody>
+          <a:bodyPr/>
+          <a:lstStyle/>
+          <a:p>
+            <a:fld id="{0A3C37BE-C303-496D-B5CD-85F2937540FC}" type="slidenum">
+              <a:rPr lang="en-CA" smtClean="0"/>
+              <a:t>7</a:t>
+            </a:fld>
+            <a:endParaRPr lang="en-CA"/>
+          </a:p>
+        </p:txBody>
+      </p:sp>
+    </p:spTree>
+    <p:extLst>
+      <p:ext uri="{BB962C8B-B14F-4D97-AF65-F5344CB8AC3E}">
+        <p14:creationId xmlns:p14="http://schemas.microsoft.com/office/powerpoint/2010/main" val="4013550486"/>
+      </p:ext>
+    </p:extLst>
+  </p:cSld>
+  <p:clrMapOvr>
+    <a:masterClrMapping/>
+  </p:clrMapOvr>
+</p:notes>
+</file>
+
+<file path=ppt/notesSlides/notesSlide4.xml><?xml version="1.0" encoding="utf-8"?>
+<p:notes xmlns:a="http://schemas.openxmlformats.org/drawingml/2006/main" xmlns:r="http://schemas.openxmlformats.org/officeDocument/2006/relationships" xmlns:p="http://schemas.openxmlformats.org/presentationml/2006/main">
+  <p:cSld>
+    <p:spTree>
+      <p:nvGrpSpPr>
+        <p:cNvPr id="1" name=""/>
+        <p:cNvGrpSpPr/>
+        <p:nvPr/>
+      </p:nvGrpSpPr>
+      <p:grpSpPr>
+        <a:xfrm>
+          <a:off x="0" y="0"/>
+          <a:ext cx="0" cy="0"/>
+          <a:chOff x="0" y="0"/>
+          <a:chExt cx="0" cy="0"/>
+        </a:xfrm>
+      </p:grpSpPr>
+      <p:sp>
+        <p:nvSpPr>
+          <p:cNvPr id="2" name="Slide Image Placeholder 1"/>
+          <p:cNvSpPr>
+            <a:spLocks noGrp="1" noRot="1" noChangeAspect="1"/>
+          </p:cNvSpPr>
+          <p:nvPr>
+            <p:ph type="sldImg"/>
+          </p:nvPr>
+        </p:nvSpPr>
+        <p:spPr/>
+      </p:sp>
+      <p:sp>
+        <p:nvSpPr>
+          <p:cNvPr id="3" name="Notes Placeholder 2"/>
+          <p:cNvSpPr>
+            <a:spLocks noGrp="1"/>
+          </p:cNvSpPr>
+          <p:nvPr>
+            <p:ph type="body" idx="1"/>
+          </p:nvPr>
+        </p:nvSpPr>
+        <p:spPr/>
+        <p:txBody>
+          <a:bodyPr/>
+          <a:lstStyle/>
+          <a:p>
+            <a:endParaRPr lang="en-CA" dirty="0"/>
+          </a:p>
+        </p:txBody>
+      </p:sp>
+      <p:sp>
+        <p:nvSpPr>
+          <p:cNvPr id="4" name="Slide Number Placeholder 3"/>
+          <p:cNvSpPr>
+            <a:spLocks noGrp="1"/>
+          </p:cNvSpPr>
+          <p:nvPr>
+            <p:ph type="sldNum" sz="quarter" idx="10"/>
+          </p:nvPr>
+        </p:nvSpPr>
+        <p:spPr/>
+        <p:txBody>
+          <a:bodyPr/>
+          <a:lstStyle/>
+          <a:p>
+            <a:fld id="{0A3C37BE-C303-496D-B5CD-85F2937540FC}" type="slidenum">
+              <a:rPr lang="en-CA" smtClean="0"/>
+              <a:t>11</a:t>
+            </a:fld>
+            <a:endParaRPr lang="en-CA"/>
+          </a:p>
+        </p:txBody>
+      </p:sp>
+    </p:spTree>
+    <p:extLst>
+      <p:ext uri="{BB962C8B-B14F-4D97-AF65-F5344CB8AC3E}">
+        <p14:creationId xmlns:p14="http://schemas.microsoft.com/office/powerpoint/2010/main" val="3702126950"/>
+      </p:ext>
+    </p:extLst>
+  </p:cSld>
+  <p:clrMapOvr>
+    <a:masterClrMapping/>
+  </p:clrMapOvr>
+</p:notes>
+</file>
+
 <file path=ppt/slideLayouts/slideLayout1.xml><?xml version="1.0" encoding="utf-8"?>
 <p:sldLayout xmlns:a="http://schemas.openxmlformats.org/drawingml/2006/main" xmlns:r="http://schemas.openxmlformats.org/officeDocument/2006/relationships" xmlns:p="http://schemas.openxmlformats.org/presentationml/2006/main" showMasterSp="0" type="title" preserve="1">
   <p:cSld name="Title Slide">
@@ -1075,7 +1267,7 @@
           <a:p>
             <a:fld id="{402B9795-92DC-40DC-A1CA-9A4B349D7824}" type="datetimeFigureOut">
               <a:rPr lang="en-US"/>
-              <a:t>4/29/2016</a:t>
+              <a:t>5/1/2016</a:t>
             </a:fld>
             <a:endParaRPr/>
           </a:p>
@@ -1391,7 +1583,7 @@
           <a:p>
             <a:fld id="{402B9795-92DC-40DC-A1CA-9A4B349D7824}" type="datetimeFigureOut">
               <a:rPr lang="en-US"/>
-              <a:t>4/29/2016</a:t>
+              <a:t>5/1/2016</a:t>
             </a:fld>
             <a:endParaRPr/>
           </a:p>
@@ -1573,7 +1765,7 @@
           <a:p>
             <a:fld id="{402B9795-92DC-40DC-A1CA-9A4B349D7824}" type="datetimeFigureOut">
               <a:rPr lang="en-US"/>
-              <a:t>4/29/2016</a:t>
+              <a:t>5/1/2016</a:t>
             </a:fld>
             <a:endParaRPr/>
           </a:p>
@@ -1765,7 +1957,7 @@
           <a:p>
             <a:fld id="{402B9795-92DC-40DC-A1CA-9A4B349D7824}" type="datetimeFigureOut">
               <a:rPr lang="en-US"/>
-              <a:t>4/29/2016</a:t>
+              <a:t>5/1/2016</a:t>
             </a:fld>
             <a:endParaRPr/>
           </a:p>
@@ -2034,7 +2226,7 @@
           <a:p>
             <a:fld id="{402B9795-92DC-40DC-A1CA-9A4B349D7824}" type="datetimeFigureOut">
               <a:rPr lang="en-US"/>
-              <a:t>4/29/2016</a:t>
+              <a:t>5/1/2016</a:t>
             </a:fld>
             <a:endParaRPr/>
           </a:p>
@@ -3093,7 +3285,7 @@
           <a:p>
             <a:fld id="{402B9795-92DC-40DC-A1CA-9A4B349D7824}" type="datetimeFigureOut">
               <a:rPr lang="en-US"/>
-              <a:t>4/29/2016</a:t>
+              <a:t>5/1/2016</a:t>
             </a:fld>
             <a:endParaRPr/>
           </a:p>
@@ -3403,7 +3595,7 @@
           <a:p>
             <a:fld id="{402B9795-92DC-40DC-A1CA-9A4B349D7824}" type="datetimeFigureOut">
               <a:rPr lang="en-US"/>
-              <a:t>4/29/2016</a:t>
+              <a:t>5/1/2016</a:t>
             </a:fld>
             <a:endParaRPr/>
           </a:p>
@@ -3783,7 +3975,7 @@
           <a:p>
             <a:fld id="{402B9795-92DC-40DC-A1CA-9A4B349D7824}" type="datetimeFigureOut">
               <a:rPr lang="en-US"/>
-              <a:t>4/29/2016</a:t>
+              <a:t>5/1/2016</a:t>
             </a:fld>
             <a:endParaRPr/>
           </a:p>
@@ -3913,7 +4105,7 @@
           <a:p>
             <a:fld id="{402B9795-92DC-40DC-A1CA-9A4B349D7824}" type="datetimeFigureOut">
               <a:rPr lang="en-US"/>
-              <a:t>4/29/2016</a:t>
+              <a:t>5/1/2016</a:t>
             </a:fld>
             <a:endParaRPr/>
           </a:p>
@@ -4020,7 +4212,7 @@
           <a:p>
             <a:fld id="{402B9795-92DC-40DC-A1CA-9A4B349D7824}" type="datetimeFigureOut">
               <a:rPr lang="en-US"/>
-              <a:t>4/29/2016</a:t>
+              <a:t>5/1/2016</a:t>
             </a:fld>
             <a:endParaRPr/>
           </a:p>
@@ -4311,7 +4503,7 @@
           <a:p>
             <a:fld id="{402B9795-92DC-40DC-A1CA-9A4B349D7824}" type="datetimeFigureOut">
               <a:rPr lang="en-US"/>
-              <a:t>4/29/2016</a:t>
+              <a:t>5/1/2016</a:t>
             </a:fld>
             <a:endParaRPr/>
           </a:p>
@@ -4538,7 +4730,7 @@
             <a:fld id="{402B9795-92DC-40DC-A1CA-9A4B349D7824}" type="datetimeFigureOut">
               <a:rPr lang="en-US"/>
               <a:pPr/>
-              <a:t>4/29/2016</a:t>
+              <a:t>5/1/2016</a:t>
             </a:fld>
             <a:endParaRPr/>
           </a:p>
@@ -5207,7 +5399,22 @@
           <a:bodyPr/>
           <a:lstStyle/>
           <a:p>
-            <a:endParaRPr lang="en-US"/>
+            <a:r>
+              <a:rPr lang="en-CA" b="1" i="1" dirty="0"/>
+              <a:t>L</a:t>
+            </a:r>
+            <a:r>
+              <a:rPr lang="en-CA" dirty="0"/>
+              <a:t>:</a:t>
+            </a:r>
+            <a:r>
+              <a:rPr lang="en-CA" b="1" i="1" dirty="0"/>
+              <a:t> </a:t>
+            </a:r>
+            <a:r>
+              <a:rPr lang="en-CA" dirty="0"/>
+              <a:t>Comparison of Individual Models</a:t>
+            </a:r>
           </a:p>
         </p:txBody>
       </p:sp>
@@ -5221,19 +5428,112 @@
             <p:ph type="body" idx="1"/>
           </p:nvPr>
         </p:nvSpPr>
-        <p:spPr/>
+        <p:spPr>
+          <a:xfrm>
+            <a:off x="750806" y="1223962"/>
+            <a:ext cx="4919472" cy="823912"/>
+          </a:xfrm>
+        </p:spPr>
         <p:txBody>
           <a:bodyPr/>
           <a:lstStyle/>
           <a:p>
-            <a:endParaRPr lang="en-US"/>
-          </a:p>
-        </p:txBody>
-      </p:sp>
+            <a:r>
+              <a:rPr lang="en-CA" dirty="0"/>
+              <a:t>Best &amp; Average Models (Training)</a:t>
+            </a:r>
+          </a:p>
+        </p:txBody>
+      </p:sp>
+      <p:pic>
+        <p:nvPicPr>
+          <p:cNvPr id="7" name="Content Placeholder 6"/>
+          <p:cNvPicPr>
+            <a:picLocks noGrp="1" noChangeAspect="1"/>
+          </p:cNvPicPr>
+          <p:nvPr>
+            <p:ph sz="half" idx="2"/>
+          </p:nvPr>
+        </p:nvPicPr>
+        <p:blipFill>
+          <a:blip r:embed="rId2">
+            <a:extLst>
+              <a:ext uri="{28A0092B-C50C-407E-A947-70E740481C1C}">
+                <a14:useLocalDpi xmlns:a14="http://schemas.microsoft.com/office/drawing/2010/main" val="0"/>
+              </a:ext>
+            </a:extLst>
+          </a:blip>
+          <a:stretch>
+            <a:fillRect/>
+          </a:stretch>
+        </p:blipFill>
+        <p:spPr>
+          <a:xfrm>
+            <a:off x="255044" y="2103438"/>
+            <a:ext cx="5910997" cy="4297362"/>
+          </a:xfrm>
+        </p:spPr>
+      </p:pic>
+      <p:sp>
+        <p:nvSpPr>
+          <p:cNvPr id="5" name="Text Placeholder 4"/>
+          <p:cNvSpPr>
+            <a:spLocks noGrp="1"/>
+          </p:cNvSpPr>
+          <p:nvPr>
+            <p:ph type="body" sz="quarter" idx="3"/>
+          </p:nvPr>
+        </p:nvSpPr>
+        <p:spPr>
+          <a:xfrm>
+            <a:off x="6656578" y="1223962"/>
+            <a:ext cx="4919472" cy="823912"/>
+          </a:xfrm>
+        </p:spPr>
+        <p:txBody>
+          <a:bodyPr/>
+          <a:lstStyle/>
+          <a:p>
+            <a:r>
+              <a:rPr lang="en-CA" dirty="0"/>
+              <a:t>Best &amp; Average Models (Testing)</a:t>
+            </a:r>
+          </a:p>
+        </p:txBody>
+      </p:sp>
+      <p:pic>
+        <p:nvPicPr>
+          <p:cNvPr id="8" name="Content Placeholder 7"/>
+          <p:cNvPicPr>
+            <a:picLocks noGrp="1" noChangeAspect="1"/>
+          </p:cNvPicPr>
+          <p:nvPr>
+            <p:ph sz="quarter" idx="4"/>
+          </p:nvPr>
+        </p:nvPicPr>
+        <p:blipFill>
+          <a:blip r:embed="rId3">
+            <a:extLst>
+              <a:ext uri="{28A0092B-C50C-407E-A947-70E740481C1C}">
+                <a14:useLocalDpi xmlns:a14="http://schemas.microsoft.com/office/drawing/2010/main" val="0"/>
+              </a:ext>
+            </a:extLst>
+          </a:blip>
+          <a:stretch>
+            <a:fillRect/>
+          </a:stretch>
+        </p:blipFill>
+        <p:spPr>
+          <a:xfrm>
+            <a:off x="6166041" y="2098674"/>
+            <a:ext cx="5900546" cy="4302126"/>
+          </a:xfrm>
+        </p:spPr>
+      </p:pic>
     </p:spTree>
     <p:extLst>
       <p:ext uri="{BB962C8B-B14F-4D97-AF65-F5344CB8AC3E}">
-        <p14:creationId xmlns:p14="http://schemas.microsoft.com/office/powerpoint/2010/main" val="132884364"/>
+        <p14:creationId xmlns:p14="http://schemas.microsoft.com/office/powerpoint/2010/main" val="1761602331"/>
       </p:ext>
     </p:extLst>
   </p:cSld>
@@ -5287,7 +5587,26 @@
           <a:bodyPr/>
           <a:lstStyle/>
           <a:p>
-            <a:endParaRPr lang="en-US"/>
+            <a:r>
+              <a:rPr lang="en-CA" b="1" i="1" dirty="0"/>
+              <a:t>L</a:t>
+            </a:r>
+            <a:r>
+              <a:rPr lang="en-CA" b="1" i="1" baseline="-25000" dirty="0"/>
+              <a:t>IF</a:t>
+            </a:r>
+            <a:r>
+              <a:rPr lang="en-CA" dirty="0"/>
+              <a:t>:</a:t>
+            </a:r>
+            <a:r>
+              <a:rPr lang="en-CA" b="1" i="1" dirty="0"/>
+              <a:t> </a:t>
+            </a:r>
+            <a:r>
+              <a:rPr lang="en-CA" dirty="0"/>
+              <a:t>Comparison of Individual Models</a:t>
+            </a:r>
           </a:p>
         </p:txBody>
       </p:sp>
@@ -5301,76 +5620,112 @@
             <p:ph type="body" idx="1"/>
           </p:nvPr>
         </p:nvSpPr>
-        <p:spPr/>
+        <p:spPr>
+          <a:xfrm>
+            <a:off x="750806" y="1223962"/>
+            <a:ext cx="4919472" cy="823912"/>
+          </a:xfrm>
+        </p:spPr>
         <p:txBody>
           <a:bodyPr/>
           <a:lstStyle/>
           <a:p>
-            <a:endParaRPr lang="en-US"/>
-          </a:p>
-        </p:txBody>
-      </p:sp>
-      <p:sp>
-        <p:nvSpPr>
-          <p:cNvPr id="4" name="Content Placeholder 3"/>
-          <p:cNvSpPr>
-            <a:spLocks noGrp="1"/>
-          </p:cNvSpPr>
+            <a:r>
+              <a:rPr lang="en-CA" dirty="0"/>
+              <a:t>Best &amp; Average Models (Training)</a:t>
+            </a:r>
+          </a:p>
+        </p:txBody>
+      </p:sp>
+      <p:pic>
+        <p:nvPicPr>
+          <p:cNvPr id="7" name="Content Placeholder 6"/>
+          <p:cNvPicPr>
+            <a:picLocks noGrp="1" noChangeAspect="1"/>
+          </p:cNvPicPr>
           <p:nvPr>
             <p:ph sz="half" idx="2"/>
           </p:nvPr>
-        </p:nvSpPr>
-        <p:spPr/>
+        </p:nvPicPr>
+        <p:blipFill>
+          <a:blip r:embed="rId3">
+            <a:extLst>
+              <a:ext uri="{28A0092B-C50C-407E-A947-70E740481C1C}">
+                <a14:useLocalDpi xmlns:a14="http://schemas.microsoft.com/office/drawing/2010/main" val="0"/>
+              </a:ext>
+            </a:extLst>
+          </a:blip>
+          <a:stretch>
+            <a:fillRect/>
+          </a:stretch>
+        </p:blipFill>
+        <p:spPr>
+          <a:xfrm>
+            <a:off x="264147" y="2103438"/>
+            <a:ext cx="5892790" cy="4297362"/>
+          </a:xfrm>
+        </p:spPr>
+      </p:pic>
+      <p:sp>
+        <p:nvSpPr>
+          <p:cNvPr id="5" name="Text Placeholder 4"/>
+          <p:cNvSpPr>
+            <a:spLocks noGrp="1"/>
+          </p:cNvSpPr>
+          <p:nvPr>
+            <p:ph type="body" sz="quarter" idx="3"/>
+          </p:nvPr>
+        </p:nvSpPr>
+        <p:spPr>
+          <a:xfrm>
+            <a:off x="6656578" y="1223962"/>
+            <a:ext cx="4919472" cy="823912"/>
+          </a:xfrm>
+        </p:spPr>
         <p:txBody>
           <a:bodyPr/>
           <a:lstStyle/>
           <a:p>
-            <a:endParaRPr lang="en-US"/>
-          </a:p>
-        </p:txBody>
-      </p:sp>
-      <p:sp>
-        <p:nvSpPr>
-          <p:cNvPr id="5" name="Text Placeholder 4"/>
-          <p:cNvSpPr>
-            <a:spLocks noGrp="1"/>
-          </p:cNvSpPr>
-          <p:nvPr>
-            <p:ph type="body" sz="quarter" idx="3"/>
-          </p:nvPr>
-        </p:nvSpPr>
-        <p:spPr/>
-        <p:txBody>
-          <a:bodyPr/>
-          <a:lstStyle/>
-          <a:p>
-            <a:endParaRPr lang="en-US"/>
-          </a:p>
-        </p:txBody>
-      </p:sp>
-      <p:sp>
-        <p:nvSpPr>
-          <p:cNvPr id="6" name="Content Placeholder 5"/>
-          <p:cNvSpPr>
-            <a:spLocks noGrp="1"/>
-          </p:cNvSpPr>
+            <a:r>
+              <a:rPr lang="en-CA" dirty="0"/>
+              <a:t>Best &amp; Average Models (Testing)</a:t>
+            </a:r>
+          </a:p>
+        </p:txBody>
+      </p:sp>
+      <p:pic>
+        <p:nvPicPr>
+          <p:cNvPr id="8" name="Content Placeholder 7"/>
+          <p:cNvPicPr>
+            <a:picLocks noGrp="1" noChangeAspect="1"/>
+          </p:cNvPicPr>
           <p:nvPr>
             <p:ph sz="quarter" idx="4"/>
           </p:nvPr>
-        </p:nvSpPr>
-        <p:spPr/>
-        <p:txBody>
-          <a:bodyPr/>
-          <a:lstStyle/>
-          <a:p>
-            <a:endParaRPr lang="en-US"/>
-          </a:p>
-        </p:txBody>
-      </p:sp>
+        </p:nvPicPr>
+        <p:blipFill>
+          <a:blip r:embed="rId4">
+            <a:extLst>
+              <a:ext uri="{28A0092B-C50C-407E-A947-70E740481C1C}">
+                <a14:useLocalDpi xmlns:a14="http://schemas.microsoft.com/office/drawing/2010/main" val="0"/>
+              </a:ext>
+            </a:extLst>
+          </a:blip>
+          <a:stretch>
+            <a:fillRect/>
+          </a:stretch>
+        </p:blipFill>
+        <p:spPr>
+          <a:xfrm>
+            <a:off x="6166041" y="2111000"/>
+            <a:ext cx="5900546" cy="4277473"/>
+          </a:xfrm>
+        </p:spPr>
+      </p:pic>
     </p:spTree>
     <p:extLst>
       <p:ext uri="{BB962C8B-B14F-4D97-AF65-F5344CB8AC3E}">
-        <p14:creationId xmlns:p14="http://schemas.microsoft.com/office/powerpoint/2010/main" val="2224495804"/>
+        <p14:creationId xmlns:p14="http://schemas.microsoft.com/office/powerpoint/2010/main" val="2530631003"/>
       </p:ext>
     </p:extLst>
   </p:cSld>
@@ -5424,14 +5779,134 @@
           <a:bodyPr/>
           <a:lstStyle/>
           <a:p>
-            <a:endParaRPr lang="en-US"/>
-          </a:p>
-        </p:txBody>
-      </p:sp>
+            <a:r>
+              <a:rPr lang="en-CA" dirty="0"/>
+              <a:t>Ensemble Performance</a:t>
+            </a:r>
+          </a:p>
+        </p:txBody>
+      </p:sp>
+      <p:sp>
+        <p:nvSpPr>
+          <p:cNvPr id="3" name="Text Placeholder 2"/>
+          <p:cNvSpPr>
+            <a:spLocks noGrp="1"/>
+          </p:cNvSpPr>
+          <p:nvPr>
+            <p:ph type="body" idx="1"/>
+          </p:nvPr>
+        </p:nvSpPr>
+        <p:spPr>
+          <a:xfrm>
+            <a:off x="3386931" y="1396548"/>
+            <a:ext cx="355600" cy="442912"/>
+          </a:xfrm>
+        </p:spPr>
+        <p:txBody>
+          <a:bodyPr/>
+          <a:lstStyle/>
+          <a:p>
+            <a:r>
+              <a:rPr lang="en-CA" i="1" dirty="0"/>
+              <a:t>L</a:t>
+            </a:r>
+          </a:p>
+        </p:txBody>
+      </p:sp>
+      <p:pic>
+        <p:nvPicPr>
+          <p:cNvPr id="7" name="Content Placeholder 6"/>
+          <p:cNvPicPr>
+            <a:picLocks noGrp="1" noChangeAspect="1"/>
+          </p:cNvPicPr>
+          <p:nvPr>
+            <p:ph sz="half" idx="2"/>
+          </p:nvPr>
+        </p:nvPicPr>
+        <p:blipFill>
+          <a:blip r:embed="rId2">
+            <a:extLst>
+              <a:ext uri="{28A0092B-C50C-407E-A947-70E740481C1C}">
+                <a14:useLocalDpi xmlns:a14="http://schemas.microsoft.com/office/drawing/2010/main" val="0"/>
+              </a:ext>
+            </a:extLst>
+          </a:blip>
+          <a:stretch>
+            <a:fillRect/>
+          </a:stretch>
+        </p:blipFill>
+        <p:spPr>
+          <a:xfrm>
+            <a:off x="252738" y="1839460"/>
+            <a:ext cx="5771826" cy="4205740"/>
+          </a:xfrm>
+        </p:spPr>
+      </p:pic>
+      <p:sp>
+        <p:nvSpPr>
+          <p:cNvPr id="5" name="Text Placeholder 4"/>
+          <p:cNvSpPr>
+            <a:spLocks noGrp="1"/>
+          </p:cNvSpPr>
+          <p:nvPr>
+            <p:ph type="body" sz="quarter" idx="3"/>
+          </p:nvPr>
+        </p:nvSpPr>
+        <p:spPr>
+          <a:xfrm>
+            <a:off x="8394036" y="1396548"/>
+            <a:ext cx="463290" cy="442912"/>
+          </a:xfrm>
+        </p:spPr>
+        <p:txBody>
+          <a:bodyPr/>
+          <a:lstStyle/>
+          <a:p>
+            <a:r>
+              <a:rPr lang="en-CA" i="1" dirty="0"/>
+              <a:t>L</a:t>
+            </a:r>
+            <a:r>
+              <a:rPr lang="en-CA" i="1" baseline="-25000" dirty="0"/>
+              <a:t>IF</a:t>
+            </a:r>
+            <a:endParaRPr lang="en-CA" i="1" dirty="0"/>
+          </a:p>
+        </p:txBody>
+      </p:sp>
+      <p:pic>
+        <p:nvPicPr>
+          <p:cNvPr id="8" name="Content Placeholder 7"/>
+          <p:cNvPicPr>
+            <a:picLocks noGrp="1" noChangeAspect="1"/>
+          </p:cNvPicPr>
+          <p:nvPr>
+            <p:ph sz="quarter" idx="4"/>
+          </p:nvPr>
+        </p:nvPicPr>
+        <p:blipFill>
+          <a:blip r:embed="rId3">
+            <a:extLst>
+              <a:ext uri="{28A0092B-C50C-407E-A947-70E740481C1C}">
+                <a14:useLocalDpi xmlns:a14="http://schemas.microsoft.com/office/drawing/2010/main" val="0"/>
+              </a:ext>
+            </a:extLst>
+          </a:blip>
+          <a:stretch>
+            <a:fillRect/>
+          </a:stretch>
+        </p:blipFill>
+        <p:spPr>
+          <a:xfrm>
+            <a:off x="6165849" y="1839460"/>
+            <a:ext cx="5805029" cy="4205740"/>
+          </a:xfrm>
+        </p:spPr>
+      </p:pic>
     </p:spTree>
     <p:extLst>
       <p:ext uri="{BB962C8B-B14F-4D97-AF65-F5344CB8AC3E}">
-        <p14:creationId xmlns:p14="http://schemas.microsoft.com/office/powerpoint/2010/main" val="1527004159"/>
+        <p14:creationId xmlns:p14="http://schemas.microsoft.com/office/powerpoint/2010/main" val="1640480973"/>
       </p:ext>
     </p:extLst>
   </p:cSld>
@@ -5470,109 +5945,77 @@
           <a:chExt cx="0" cy="0"/>
         </a:xfrm>
       </p:grpSpPr>
+      <p:sp>
+        <p:nvSpPr>
+          <p:cNvPr id="2" name="Title 1"/>
+          <p:cNvSpPr>
+            <a:spLocks noGrp="1"/>
+          </p:cNvSpPr>
+          <p:nvPr>
+            <p:ph type="title"/>
+          </p:nvPr>
+        </p:nvSpPr>
+        <p:spPr/>
+        <p:txBody>
+          <a:bodyPr/>
+          <a:lstStyle/>
+          <a:p>
+            <a:r>
+              <a:rPr lang="en-CA" dirty="0"/>
+              <a:t>References</a:t>
+            </a:r>
+          </a:p>
+        </p:txBody>
+      </p:sp>
+      <p:sp>
+        <p:nvSpPr>
+          <p:cNvPr id="3" name="Content Placeholder 2"/>
+          <p:cNvSpPr>
+            <a:spLocks noGrp="1"/>
+          </p:cNvSpPr>
+          <p:nvPr>
+            <p:ph idx="1"/>
+          </p:nvPr>
+        </p:nvSpPr>
+        <p:spPr/>
+        <p:txBody>
+          <a:bodyPr/>
+          <a:lstStyle/>
+          <a:p>
+            <a:r>
+              <a:rPr lang="en-CA" dirty="0" err="1"/>
+              <a:t>Minkyu</a:t>
+            </a:r>
+            <a:r>
+              <a:rPr lang="en-CA" dirty="0"/>
+              <a:t> Kim, Ying L. Becker, Peng </a:t>
+            </a:r>
+            <a:r>
+              <a:rPr lang="en-CA" dirty="0" err="1"/>
+              <a:t>Fei</a:t>
+            </a:r>
+            <a:r>
+              <a:rPr lang="en-CA" dirty="0"/>
+              <a:t>, and Una-May O’Reilly. Constrained genetic programming to minimize overfitting in stock selection. </a:t>
+            </a:r>
+            <a:r>
+              <a:rPr lang="en-CA" i="1" dirty="0"/>
+              <a:t>Genetic Programming Theory and Practice,</a:t>
+            </a:r>
+            <a:r>
+              <a:rPr lang="en-CA" dirty="0"/>
+              <a:t> 6:178-194, 2009</a:t>
+            </a:r>
+          </a:p>
+          <a:p>
+            <a:endParaRPr lang="en-CA" dirty="0"/>
+          </a:p>
+        </p:txBody>
+      </p:sp>
     </p:spTree>
     <p:extLst>
       <p:ext uri="{BB962C8B-B14F-4D97-AF65-F5344CB8AC3E}">
-        <p14:creationId xmlns:p14="http://schemas.microsoft.com/office/powerpoint/2010/main" val="1800380133"/>
-      </p:ext>
-    </p:extLst>
-  </p:cSld>
-  <p:clrMapOvr>
-    <a:masterClrMapping/>
-  </p:clrMapOvr>
-  <mc:AlternateContent xmlns:mc="http://schemas.openxmlformats.org/markup-compatibility/2006" xmlns:p14="http://schemas.microsoft.com/office/powerpoint/2010/main">
-    <mc:Choice Requires="p14">
-      <p:transition spd="med" p14:dur="700">
-        <p:fade/>
-      </p:transition>
-    </mc:Choice>
-    <mc:Fallback xmlns="">
-      <p:transition spd="med">
-        <p:fade/>
-      </p:transition>
-    </mc:Fallback>
-  </mc:AlternateContent>
-</p:sld>
-</file>
-
-<file path=ppt/slides/slide14.xml><?xml version="1.0" encoding="utf-8"?>
-<p:sld xmlns:a="http://schemas.openxmlformats.org/drawingml/2006/main" xmlns:r="http://schemas.openxmlformats.org/officeDocument/2006/relationships" xmlns:p="http://schemas.openxmlformats.org/presentationml/2006/main">
-  <p:cSld>
-    <p:spTree>
-      <p:nvGrpSpPr>
-        <p:cNvPr id="1" name=""/>
-        <p:cNvGrpSpPr/>
-        <p:nvPr/>
-      </p:nvGrpSpPr>
-      <p:grpSpPr>
-        <a:xfrm>
-          <a:off x="0" y="0"/>
-          <a:ext cx="0" cy="0"/>
-          <a:chOff x="0" y="0"/>
-          <a:chExt cx="0" cy="0"/>
-        </a:xfrm>
-      </p:grpSpPr>
-      <p:sp>
-        <p:nvSpPr>
-          <p:cNvPr id="2" name="Title 1"/>
-          <p:cNvSpPr>
-            <a:spLocks noGrp="1"/>
-          </p:cNvSpPr>
-          <p:nvPr>
-            <p:ph type="title"/>
-          </p:nvPr>
-        </p:nvSpPr>
-        <p:spPr/>
-        <p:txBody>
-          <a:bodyPr/>
-          <a:lstStyle/>
-          <a:p>
-            <a:endParaRPr lang="en-US"/>
-          </a:p>
-        </p:txBody>
-      </p:sp>
-      <p:sp>
-        <p:nvSpPr>
-          <p:cNvPr id="3" name="Content Placeholder 2"/>
-          <p:cNvSpPr>
-            <a:spLocks noGrp="1"/>
-          </p:cNvSpPr>
-          <p:nvPr>
-            <p:ph idx="1"/>
-          </p:nvPr>
-        </p:nvSpPr>
-        <p:spPr/>
-        <p:txBody>
-          <a:bodyPr/>
-          <a:lstStyle/>
-          <a:p>
-            <a:endParaRPr lang="en-US"/>
-          </a:p>
-        </p:txBody>
-      </p:sp>
-      <p:sp>
-        <p:nvSpPr>
-          <p:cNvPr id="4" name="Text Placeholder 3"/>
-          <p:cNvSpPr>
-            <a:spLocks noGrp="1"/>
-          </p:cNvSpPr>
-          <p:nvPr>
-            <p:ph type="body" sz="half" idx="2"/>
-          </p:nvPr>
-        </p:nvSpPr>
-        <p:spPr/>
-        <p:txBody>
-          <a:bodyPr/>
-          <a:lstStyle/>
-          <a:p>
-            <a:endParaRPr lang="en-US"/>
-          </a:p>
-        </p:txBody>
-      </p:sp>
-    </p:spTree>
-    <p:extLst>
-      <p:ext uri="{BB962C8B-B14F-4D97-AF65-F5344CB8AC3E}">
-        <p14:creationId xmlns:p14="http://schemas.microsoft.com/office/powerpoint/2010/main" val="3197023440"/>
+        <p14:creationId xmlns:p14="http://schemas.microsoft.com/office/powerpoint/2010/main" val="4294613089"/>
       </p:ext>
     </p:extLst>
   </p:cSld>
@@ -7154,7 +7597,14 @@
           <a:p>
             <a:r>
               <a:rPr lang="en-CA" dirty="0"/>
-              <a:t>Stacking 20 GP runs using average and median fusion techniques</a:t>
+              <a:t>Stacking 20 GP runs</a:t>
+            </a:r>
+          </a:p>
+          <a:p>
+            <a:pPr lvl="1"/>
+            <a:r>
+              <a:rPr lang="en-CA" dirty="0"/>
+              <a:t>Average vs. Median Fusion</a:t>
             </a:r>
           </a:p>
           <a:p>
@@ -7311,33 +7761,15 @@
                                   </p:childTnLst>
                                 </p:cTn>
                               </p:par>
-                            </p:childTnLst>
-                          </p:cTn>
-                        </p:par>
-                      </p:childTnLst>
-                    </p:cTn>
-                  </p:par>
-                  <p:par>
-                    <p:cTn id="13" fill="hold">
-                      <p:stCondLst>
-                        <p:cond delay="indefinite"/>
-                      </p:stCondLst>
-                      <p:childTnLst>
-                        <p:par>
-                          <p:cTn id="14" fill="hold">
-                            <p:stCondLst>
-                              <p:cond delay="0"/>
-                            </p:stCondLst>
-                            <p:childTnLst>
                               <p:par>
-                                <p:cTn id="15" presetID="10" presetClass="entr" presetSubtype="0" fill="hold" grpId="0" nodeType="clickEffect">
+                                <p:cTn id="13" presetID="10" presetClass="entr" presetSubtype="0" fill="hold" grpId="0" nodeType="withEffect">
                                   <p:stCondLst>
                                     <p:cond delay="0"/>
                                   </p:stCondLst>
                                   <p:childTnLst>
                                     <p:set>
                                       <p:cBhvr>
-                                        <p:cTn id="16" dur="1" fill="hold">
+                                        <p:cTn id="14" dur="1" fill="hold">
                                           <p:stCondLst>
                                             <p:cond delay="0"/>
                                           </p:stCondLst>
@@ -7359,11 +7791,72 @@
                                     </p:set>
                                     <p:animEffect transition="in" filter="fade">
                                       <p:cBhvr>
-                                        <p:cTn id="17" dur="500"/>
+                                        <p:cTn id="15" dur="500"/>
                                         <p:tgtEl>
                                           <p:spTgt spid="3">
                                             <p:txEl>
                                               <p:pRg st="2" end="2"/>
+                                            </p:txEl>
+                                          </p:spTgt>
+                                        </p:tgtEl>
+                                      </p:cBhvr>
+                                    </p:animEffect>
+                                  </p:childTnLst>
+                                </p:cTn>
+                              </p:par>
+                            </p:childTnLst>
+                          </p:cTn>
+                        </p:par>
+                      </p:childTnLst>
+                    </p:cTn>
+                  </p:par>
+                  <p:par>
+                    <p:cTn id="16" fill="hold">
+                      <p:stCondLst>
+                        <p:cond delay="indefinite"/>
+                      </p:stCondLst>
+                      <p:childTnLst>
+                        <p:par>
+                          <p:cTn id="17" fill="hold">
+                            <p:stCondLst>
+                              <p:cond delay="0"/>
+                            </p:stCondLst>
+                            <p:childTnLst>
+                              <p:par>
+                                <p:cTn id="18" presetID="10" presetClass="entr" presetSubtype="0" fill="hold" grpId="0" nodeType="clickEffect">
+                                  <p:stCondLst>
+                                    <p:cond delay="0"/>
+                                  </p:stCondLst>
+                                  <p:childTnLst>
+                                    <p:set>
+                                      <p:cBhvr>
+                                        <p:cTn id="19" dur="1" fill="hold">
+                                          <p:stCondLst>
+                                            <p:cond delay="0"/>
+                                          </p:stCondLst>
+                                        </p:cTn>
+                                        <p:tgtEl>
+                                          <p:spTgt spid="3">
+                                            <p:txEl>
+                                              <p:pRg st="3" end="3"/>
+                                            </p:txEl>
+                                          </p:spTgt>
+                                        </p:tgtEl>
+                                        <p:attrNameLst>
+                                          <p:attrName>style.visibility</p:attrName>
+                                        </p:attrNameLst>
+                                      </p:cBhvr>
+                                      <p:to>
+                                        <p:strVal val="visible"/>
+                                      </p:to>
+                                    </p:set>
+                                    <p:animEffect transition="in" filter="fade">
+                                      <p:cBhvr>
+                                        <p:cTn id="20" dur="500"/>
+                                        <p:tgtEl>
+                                          <p:spTgt spid="3">
+                                            <p:txEl>
+                                              <p:pRg st="3" end="3"/>
                                             </p:txEl>
                                           </p:spTgt>
                                         </p:tgtEl>
@@ -7600,6 +8093,232 @@
       </p:transition>
     </mc:Fallback>
   </mc:AlternateContent>
+  <p:timing>
+    <p:tnLst>
+      <p:par>
+        <p:cTn id="1" dur="indefinite" restart="never" nodeType="tmRoot">
+          <p:childTnLst>
+            <p:seq concurrent="1" nextAc="seek">
+              <p:cTn id="2" dur="indefinite" nodeType="mainSeq">
+                <p:childTnLst>
+                  <p:par>
+                    <p:cTn id="3" fill="hold">
+                      <p:stCondLst>
+                        <p:cond delay="indefinite"/>
+                      </p:stCondLst>
+                      <p:childTnLst>
+                        <p:par>
+                          <p:cTn id="4" fill="hold">
+                            <p:stCondLst>
+                              <p:cond delay="0"/>
+                            </p:stCondLst>
+                            <p:childTnLst>
+                              <p:par>
+                                <p:cTn id="5" presetID="10" presetClass="entr" presetSubtype="0" fill="hold" nodeType="clickEffect">
+                                  <p:stCondLst>
+                                    <p:cond delay="0"/>
+                                  </p:stCondLst>
+                                  <p:childTnLst>
+                                    <p:set>
+                                      <p:cBhvr>
+                                        <p:cTn id="6" dur="1" fill="hold">
+                                          <p:stCondLst>
+                                            <p:cond delay="0"/>
+                                          </p:stCondLst>
+                                        </p:cTn>
+                                        <p:tgtEl>
+                                          <p:spTgt spid="7"/>
+                                        </p:tgtEl>
+                                        <p:attrNameLst>
+                                          <p:attrName>style.visibility</p:attrName>
+                                        </p:attrNameLst>
+                                      </p:cBhvr>
+                                      <p:to>
+                                        <p:strVal val="visible"/>
+                                      </p:to>
+                                    </p:set>
+                                    <p:animEffect transition="in" filter="fade">
+                                      <p:cBhvr>
+                                        <p:cTn id="7" dur="500"/>
+                                        <p:tgtEl>
+                                          <p:spTgt spid="7"/>
+                                        </p:tgtEl>
+                                      </p:cBhvr>
+                                    </p:animEffect>
+                                  </p:childTnLst>
+                                </p:cTn>
+                              </p:par>
+                              <p:par>
+                                <p:cTn id="8" presetID="10" presetClass="entr" presetSubtype="0" fill="hold" grpId="0" nodeType="withEffect">
+                                  <p:stCondLst>
+                                    <p:cond delay="0"/>
+                                  </p:stCondLst>
+                                  <p:childTnLst>
+                                    <p:set>
+                                      <p:cBhvr>
+                                        <p:cTn id="9" dur="1" fill="hold">
+                                          <p:stCondLst>
+                                            <p:cond delay="0"/>
+                                          </p:stCondLst>
+                                        </p:cTn>
+                                        <p:tgtEl>
+                                          <p:spTgt spid="3">
+                                            <p:txEl>
+                                              <p:pRg st="0" end="0"/>
+                                            </p:txEl>
+                                          </p:spTgt>
+                                        </p:tgtEl>
+                                        <p:attrNameLst>
+                                          <p:attrName>style.visibility</p:attrName>
+                                        </p:attrNameLst>
+                                      </p:cBhvr>
+                                      <p:to>
+                                        <p:strVal val="visible"/>
+                                      </p:to>
+                                    </p:set>
+                                    <p:animEffect transition="in" filter="fade">
+                                      <p:cBhvr>
+                                        <p:cTn id="10" dur="500"/>
+                                        <p:tgtEl>
+                                          <p:spTgt spid="3">
+                                            <p:txEl>
+                                              <p:pRg st="0" end="0"/>
+                                            </p:txEl>
+                                          </p:spTgt>
+                                        </p:tgtEl>
+                                      </p:cBhvr>
+                                    </p:animEffect>
+                                  </p:childTnLst>
+                                </p:cTn>
+                              </p:par>
+                            </p:childTnLst>
+                          </p:cTn>
+                        </p:par>
+                      </p:childTnLst>
+                    </p:cTn>
+                  </p:par>
+                  <p:par>
+                    <p:cTn id="11" fill="hold">
+                      <p:stCondLst>
+                        <p:cond delay="indefinite"/>
+                      </p:stCondLst>
+                      <p:childTnLst>
+                        <p:par>
+                          <p:cTn id="12" fill="hold">
+                            <p:stCondLst>
+                              <p:cond delay="0"/>
+                            </p:stCondLst>
+                            <p:childTnLst>
+                              <p:par>
+                                <p:cTn id="13" presetID="10" presetClass="entr" presetSubtype="0" fill="hold" nodeType="clickEffect">
+                                  <p:stCondLst>
+                                    <p:cond delay="0"/>
+                                  </p:stCondLst>
+                                  <p:childTnLst>
+                                    <p:set>
+                                      <p:cBhvr>
+                                        <p:cTn id="14" dur="1" fill="hold">
+                                          <p:stCondLst>
+                                            <p:cond delay="0"/>
+                                          </p:stCondLst>
+                                        </p:cTn>
+                                        <p:tgtEl>
+                                          <p:spTgt spid="8"/>
+                                        </p:tgtEl>
+                                        <p:attrNameLst>
+                                          <p:attrName>style.visibility</p:attrName>
+                                        </p:attrNameLst>
+                                      </p:cBhvr>
+                                      <p:to>
+                                        <p:strVal val="visible"/>
+                                      </p:to>
+                                    </p:set>
+                                    <p:animEffect transition="in" filter="fade">
+                                      <p:cBhvr>
+                                        <p:cTn id="15" dur="500"/>
+                                        <p:tgtEl>
+                                          <p:spTgt spid="8"/>
+                                        </p:tgtEl>
+                                      </p:cBhvr>
+                                    </p:animEffect>
+                                  </p:childTnLst>
+                                </p:cTn>
+                              </p:par>
+                              <p:par>
+                                <p:cTn id="16" presetID="10" presetClass="entr" presetSubtype="0" fill="hold" grpId="0" nodeType="withEffect">
+                                  <p:stCondLst>
+                                    <p:cond delay="0"/>
+                                  </p:stCondLst>
+                                  <p:childTnLst>
+                                    <p:set>
+                                      <p:cBhvr>
+                                        <p:cTn id="17" dur="1" fill="hold">
+                                          <p:stCondLst>
+                                            <p:cond delay="0"/>
+                                          </p:stCondLst>
+                                        </p:cTn>
+                                        <p:tgtEl>
+                                          <p:spTgt spid="5">
+                                            <p:txEl>
+                                              <p:pRg st="0" end="0"/>
+                                            </p:txEl>
+                                          </p:spTgt>
+                                        </p:tgtEl>
+                                        <p:attrNameLst>
+                                          <p:attrName>style.visibility</p:attrName>
+                                        </p:attrNameLst>
+                                      </p:cBhvr>
+                                      <p:to>
+                                        <p:strVal val="visible"/>
+                                      </p:to>
+                                    </p:set>
+                                    <p:animEffect transition="in" filter="fade">
+                                      <p:cBhvr>
+                                        <p:cTn id="18" dur="500"/>
+                                        <p:tgtEl>
+                                          <p:spTgt spid="5">
+                                            <p:txEl>
+                                              <p:pRg st="0" end="0"/>
+                                            </p:txEl>
+                                          </p:spTgt>
+                                        </p:tgtEl>
+                                      </p:cBhvr>
+                                    </p:animEffect>
+                                  </p:childTnLst>
+                                </p:cTn>
+                              </p:par>
+                            </p:childTnLst>
+                          </p:cTn>
+                        </p:par>
+                      </p:childTnLst>
+                    </p:cTn>
+                  </p:par>
+                </p:childTnLst>
+              </p:cTn>
+              <p:prevCondLst>
+                <p:cond evt="onPrev" delay="0">
+                  <p:tgtEl>
+                    <p:sldTgt/>
+                  </p:tgtEl>
+                </p:cond>
+              </p:prevCondLst>
+              <p:nextCondLst>
+                <p:cond evt="onNext" delay="0">
+                  <p:tgtEl>
+                    <p:sldTgt/>
+                  </p:tgtEl>
+                </p:cond>
+              </p:nextCondLst>
+            </p:seq>
+          </p:childTnLst>
+        </p:cTn>
+      </p:par>
+    </p:tnLst>
+    <p:bldLst>
+      <p:bldP spid="3" grpId="0" build="p"/>
+      <p:bldP spid="5" grpId="0" build="p"/>
+    </p:bldLst>
+  </p:timing>
 </p:sld>
 </file>
 
@@ -7636,8 +8355,8 @@
           <a:lstStyle/>
           <a:p>
             <a:r>
-              <a:rPr lang="en-US" dirty="0"/>
-              <a:t>Results &amp; Discussion</a:t>
+              <a:rPr lang="en-CA" dirty="0"/>
+              <a:t>Data &amp; Preliminary Trials</a:t>
             </a:r>
           </a:p>
         </p:txBody>
@@ -7655,7 +8374,7 @@
         <p:spPr>
           <a:xfrm>
             <a:off x="1104900" y="1600200"/>
-            <a:ext cx="4889500" cy="4572000"/>
+            <a:ext cx="4434723" cy="4572000"/>
           </a:xfrm>
         </p:spPr>
         <p:txBody>
@@ -7664,23 +8383,69 @@
           <a:p>
             <a:r>
               <a:rPr lang="en-CA" dirty="0"/>
-              <a:t>Use of </a:t>
-            </a:r>
-            <a:r>
-              <a:rPr lang="en-CA" i="1" dirty="0"/>
-              <a:t>IFLT</a:t>
-            </a:r>
+              <a:t>Chosen Data Dow Jones Industrial Average</a:t>
+            </a:r>
+          </a:p>
+          <a:p>
             <a:r>
               <a:rPr lang="en-CA" dirty="0"/>
-              <a:t> comparatively improved a simple math language</a:t>
-            </a:r>
-          </a:p>
-        </p:txBody>
-      </p:sp>
+              <a:t>Jan. 1, 2013 – Jan. 1, 2016</a:t>
+            </a:r>
+          </a:p>
+          <a:p>
+            <a:r>
+              <a:rPr lang="en-CA" dirty="0"/>
+              <a:t>3 Fiscal Years of variant growth patterns</a:t>
+            </a:r>
+          </a:p>
+          <a:p>
+            <a:r>
+              <a:rPr lang="en-CA" dirty="0"/>
+              <a:t>Normalized to [0, 1]</a:t>
+            </a:r>
+          </a:p>
+          <a:p>
+            <a:pPr marL="0" indent="0">
+              <a:buNone/>
+            </a:pPr>
+            <a:endParaRPr lang="en-CA" dirty="0"/>
+          </a:p>
+        </p:txBody>
+      </p:sp>
+      <p:pic>
+        <p:nvPicPr>
+          <p:cNvPr id="4" name="Picture 3"/>
+          <p:cNvPicPr>
+            <a:picLocks noChangeAspect="1"/>
+          </p:cNvPicPr>
+          <p:nvPr/>
+        </p:nvPicPr>
+        <p:blipFill>
+          <a:blip r:embed="rId3">
+            <a:extLst>
+              <a:ext uri="{28A0092B-C50C-407E-A947-70E740481C1C}">
+                <a14:useLocalDpi xmlns:a14="http://schemas.microsoft.com/office/drawing/2010/main" val="0"/>
+              </a:ext>
+            </a:extLst>
+          </a:blip>
+          <a:stretch>
+            <a:fillRect/>
+          </a:stretch>
+        </p:blipFill>
+        <p:spPr>
+          <a:xfrm>
+            <a:off x="5539623" y="1866113"/>
+            <a:ext cx="5910980" cy="4306087"/>
+          </a:xfrm>
+          <a:prstGeom prst="rect">
+            <a:avLst/>
+          </a:prstGeom>
+        </p:spPr>
+      </p:pic>
     </p:spTree>
     <p:extLst>
       <p:ext uri="{BB962C8B-B14F-4D97-AF65-F5344CB8AC3E}">
-        <p14:creationId xmlns:p14="http://schemas.microsoft.com/office/powerpoint/2010/main" val="4224509479"/>
+        <p14:creationId xmlns:p14="http://schemas.microsoft.com/office/powerpoint/2010/main" val="4188258239"/>
       </p:ext>
     </p:extLst>
   </p:cSld>
@@ -7699,6 +8464,333 @@
       </p:transition>
     </mc:Fallback>
   </mc:AlternateContent>
+  <p:timing>
+    <p:tnLst>
+      <p:par>
+        <p:cTn id="1" dur="indefinite" restart="never" nodeType="tmRoot">
+          <p:childTnLst>
+            <p:seq concurrent="1" nextAc="seek">
+              <p:cTn id="2" dur="indefinite" nodeType="mainSeq">
+                <p:childTnLst>
+                  <p:par>
+                    <p:cTn id="3" fill="hold">
+                      <p:stCondLst>
+                        <p:cond delay="indefinite"/>
+                      </p:stCondLst>
+                      <p:childTnLst>
+                        <p:par>
+                          <p:cTn id="4" fill="hold">
+                            <p:stCondLst>
+                              <p:cond delay="0"/>
+                            </p:stCondLst>
+                            <p:childTnLst>
+                              <p:par>
+                                <p:cTn id="5" presetID="10" presetClass="entr" presetSubtype="0" fill="hold" nodeType="clickEffect">
+                                  <p:stCondLst>
+                                    <p:cond delay="0"/>
+                                  </p:stCondLst>
+                                  <p:childTnLst>
+                                    <p:set>
+                                      <p:cBhvr>
+                                        <p:cTn id="6" dur="1" fill="hold">
+                                          <p:stCondLst>
+                                            <p:cond delay="0"/>
+                                          </p:stCondLst>
+                                        </p:cTn>
+                                        <p:tgtEl>
+                                          <p:spTgt spid="3">
+                                            <p:txEl>
+                                              <p:pRg st="0" end="0"/>
+                                            </p:txEl>
+                                          </p:spTgt>
+                                        </p:tgtEl>
+                                        <p:attrNameLst>
+                                          <p:attrName>style.visibility</p:attrName>
+                                        </p:attrNameLst>
+                                      </p:cBhvr>
+                                      <p:to>
+                                        <p:strVal val="visible"/>
+                                      </p:to>
+                                    </p:set>
+                                    <p:animEffect transition="in" filter="fade">
+                                      <p:cBhvr>
+                                        <p:cTn id="7" dur="500"/>
+                                        <p:tgtEl>
+                                          <p:spTgt spid="3">
+                                            <p:txEl>
+                                              <p:pRg st="0" end="0"/>
+                                            </p:txEl>
+                                          </p:spTgt>
+                                        </p:tgtEl>
+                                      </p:cBhvr>
+                                    </p:animEffect>
+                                  </p:childTnLst>
+                                </p:cTn>
+                              </p:par>
+                            </p:childTnLst>
+                          </p:cTn>
+                        </p:par>
+                      </p:childTnLst>
+                    </p:cTn>
+                  </p:par>
+                  <p:par>
+                    <p:cTn id="8" fill="hold">
+                      <p:stCondLst>
+                        <p:cond delay="indefinite"/>
+                      </p:stCondLst>
+                      <p:childTnLst>
+                        <p:par>
+                          <p:cTn id="9" fill="hold">
+                            <p:stCondLst>
+                              <p:cond delay="0"/>
+                            </p:stCondLst>
+                            <p:childTnLst>
+                              <p:par>
+                                <p:cTn id="10" presetID="10" presetClass="entr" presetSubtype="0" fill="hold" nodeType="clickEffect">
+                                  <p:stCondLst>
+                                    <p:cond delay="0"/>
+                                  </p:stCondLst>
+                                  <p:childTnLst>
+                                    <p:set>
+                                      <p:cBhvr>
+                                        <p:cTn id="11" dur="1" fill="hold">
+                                          <p:stCondLst>
+                                            <p:cond delay="0"/>
+                                          </p:stCondLst>
+                                        </p:cTn>
+                                        <p:tgtEl>
+                                          <p:spTgt spid="3">
+                                            <p:txEl>
+                                              <p:pRg st="1" end="1"/>
+                                            </p:txEl>
+                                          </p:spTgt>
+                                        </p:tgtEl>
+                                        <p:attrNameLst>
+                                          <p:attrName>style.visibility</p:attrName>
+                                        </p:attrNameLst>
+                                      </p:cBhvr>
+                                      <p:to>
+                                        <p:strVal val="visible"/>
+                                      </p:to>
+                                    </p:set>
+                                    <p:animEffect transition="in" filter="fade">
+                                      <p:cBhvr>
+                                        <p:cTn id="12" dur="500"/>
+                                        <p:tgtEl>
+                                          <p:spTgt spid="3">
+                                            <p:txEl>
+                                              <p:pRg st="1" end="1"/>
+                                            </p:txEl>
+                                          </p:spTgt>
+                                        </p:tgtEl>
+                                      </p:cBhvr>
+                                    </p:animEffect>
+                                  </p:childTnLst>
+                                </p:cTn>
+                              </p:par>
+                            </p:childTnLst>
+                          </p:cTn>
+                        </p:par>
+                      </p:childTnLst>
+                    </p:cTn>
+                  </p:par>
+                  <p:par>
+                    <p:cTn id="13" fill="hold">
+                      <p:stCondLst>
+                        <p:cond delay="indefinite"/>
+                      </p:stCondLst>
+                      <p:childTnLst>
+                        <p:par>
+                          <p:cTn id="14" fill="hold">
+                            <p:stCondLst>
+                              <p:cond delay="0"/>
+                            </p:stCondLst>
+                            <p:childTnLst>
+                              <p:par>
+                                <p:cTn id="15" presetID="10" presetClass="entr" presetSubtype="0" fill="hold" nodeType="clickEffect">
+                                  <p:stCondLst>
+                                    <p:cond delay="0"/>
+                                  </p:stCondLst>
+                                  <p:childTnLst>
+                                    <p:set>
+                                      <p:cBhvr>
+                                        <p:cTn id="16" dur="1" fill="hold">
+                                          <p:stCondLst>
+                                            <p:cond delay="0"/>
+                                          </p:stCondLst>
+                                        </p:cTn>
+                                        <p:tgtEl>
+                                          <p:spTgt spid="3">
+                                            <p:txEl>
+                                              <p:pRg st="2" end="2"/>
+                                            </p:txEl>
+                                          </p:spTgt>
+                                        </p:tgtEl>
+                                        <p:attrNameLst>
+                                          <p:attrName>style.visibility</p:attrName>
+                                        </p:attrNameLst>
+                                      </p:cBhvr>
+                                      <p:to>
+                                        <p:strVal val="visible"/>
+                                      </p:to>
+                                    </p:set>
+                                    <p:animEffect transition="in" filter="fade">
+                                      <p:cBhvr>
+                                        <p:cTn id="17" dur="500"/>
+                                        <p:tgtEl>
+                                          <p:spTgt spid="3">
+                                            <p:txEl>
+                                              <p:pRg st="2" end="2"/>
+                                            </p:txEl>
+                                          </p:spTgt>
+                                        </p:tgtEl>
+                                      </p:cBhvr>
+                                    </p:animEffect>
+                                  </p:childTnLst>
+                                </p:cTn>
+                              </p:par>
+                            </p:childTnLst>
+                          </p:cTn>
+                        </p:par>
+                      </p:childTnLst>
+                    </p:cTn>
+                  </p:par>
+                  <p:par>
+                    <p:cTn id="18" fill="hold">
+                      <p:stCondLst>
+                        <p:cond delay="indefinite"/>
+                      </p:stCondLst>
+                      <p:childTnLst>
+                        <p:par>
+                          <p:cTn id="19" fill="hold">
+                            <p:stCondLst>
+                              <p:cond delay="0"/>
+                            </p:stCondLst>
+                            <p:childTnLst>
+                              <p:par>
+                                <p:cTn id="20" presetID="10" presetClass="entr" presetSubtype="0" fill="hold" nodeType="clickEffect">
+                                  <p:stCondLst>
+                                    <p:cond delay="0"/>
+                                  </p:stCondLst>
+                                  <p:childTnLst>
+                                    <p:set>
+                                      <p:cBhvr>
+                                        <p:cTn id="21" dur="1" fill="hold">
+                                          <p:stCondLst>
+                                            <p:cond delay="0"/>
+                                          </p:stCondLst>
+                                        </p:cTn>
+                                        <p:tgtEl>
+                                          <p:spTgt spid="4"/>
+                                        </p:tgtEl>
+                                        <p:attrNameLst>
+                                          <p:attrName>style.visibility</p:attrName>
+                                        </p:attrNameLst>
+                                      </p:cBhvr>
+                                      <p:to>
+                                        <p:strVal val="visible"/>
+                                      </p:to>
+                                    </p:set>
+                                    <p:animEffect transition="in" filter="fade">
+                                      <p:cBhvr>
+                                        <p:cTn id="22" dur="500"/>
+                                        <p:tgtEl>
+                                          <p:spTgt spid="4"/>
+                                        </p:tgtEl>
+                                      </p:cBhvr>
+                                    </p:animEffect>
+                                  </p:childTnLst>
+                                </p:cTn>
+                              </p:par>
+                            </p:childTnLst>
+                          </p:cTn>
+                        </p:par>
+                      </p:childTnLst>
+                    </p:cTn>
+                  </p:par>
+                  <p:par>
+                    <p:cTn id="23" fill="hold">
+                      <p:stCondLst>
+                        <p:cond delay="indefinite"/>
+                      </p:stCondLst>
+                      <p:childTnLst>
+                        <p:par>
+                          <p:cTn id="24" fill="hold">
+                            <p:stCondLst>
+                              <p:cond delay="0"/>
+                            </p:stCondLst>
+                            <p:childTnLst>
+                              <p:par>
+                                <p:cTn id="25" presetID="10" presetClass="entr" presetSubtype="0" fill="hold" nodeType="clickEffect">
+                                  <p:stCondLst>
+                                    <p:cond delay="0"/>
+                                  </p:stCondLst>
+                                  <p:childTnLst>
+                                    <p:set>
+                                      <p:cBhvr>
+                                        <p:cTn id="26" dur="1" fill="hold">
+                                          <p:stCondLst>
+                                            <p:cond delay="0"/>
+                                          </p:stCondLst>
+                                        </p:cTn>
+                                        <p:tgtEl>
+                                          <p:spTgt spid="3">
+                                            <p:txEl>
+                                              <p:pRg st="3" end="3"/>
+                                            </p:txEl>
+                                          </p:spTgt>
+                                        </p:tgtEl>
+                                        <p:attrNameLst>
+                                          <p:attrName>style.visibility</p:attrName>
+                                        </p:attrNameLst>
+                                      </p:cBhvr>
+                                      <p:to>
+                                        <p:strVal val="visible"/>
+                                      </p:to>
+                                    </p:set>
+                                    <p:animEffect transition="in" filter="fade">
+                                      <p:cBhvr>
+                                        <p:cTn id="27" dur="500"/>
+                                        <p:tgtEl>
+                                          <p:spTgt spid="3">
+                                            <p:txEl>
+                                              <p:pRg st="3" end="3"/>
+                                            </p:txEl>
+                                          </p:spTgt>
+                                        </p:tgtEl>
+                                      </p:cBhvr>
+                                    </p:animEffect>
+                                  </p:childTnLst>
+                                </p:cTn>
+                              </p:par>
+                            </p:childTnLst>
+                          </p:cTn>
+                        </p:par>
+                      </p:childTnLst>
+                    </p:cTn>
+                  </p:par>
+                </p:childTnLst>
+              </p:cTn>
+              <p:prevCondLst>
+                <p:cond evt="onPrev" delay="0">
+                  <p:tgtEl>
+                    <p:sldTgt/>
+                  </p:tgtEl>
+                </p:cond>
+              </p:prevCondLst>
+              <p:nextCondLst>
+                <p:cond evt="onNext" delay="0">
+                  <p:tgtEl>
+                    <p:sldTgt/>
+                  </p:tgtEl>
+                </p:cond>
+              </p:nextCondLst>
+            </p:seq>
+          </p:childTnLst>
+        </p:cTn>
+      </p:par>
+    </p:tnLst>
+  </p:timing>
 </p:sld>
 </file>
 
@@ -7735,45 +8827,20 @@
           <a:lstStyle/>
           <a:p>
             <a:r>
-              <a:rPr lang="en-US" dirty="0"/>
-              <a:t>Picture with Caption Layout</a:t>
-            </a:r>
-          </a:p>
-        </p:txBody>
-      </p:sp>
-      <p:pic>
-        <p:nvPicPr>
-          <p:cNvPr id="5" name="Picture Placeholder 4" descr="Closeup of books on shelves with more books blurred in foreground and background" title="Sample Picture"/>
-          <p:cNvPicPr>
-            <a:picLocks noGrp="1" noChangeAspect="1"/>
-          </p:cNvPicPr>
-          <p:nvPr>
-            <p:ph type="pic" idx="1"/>
-          </p:nvPr>
-        </p:nvPicPr>
-        <p:blipFill>
-          <a:blip r:embed="rId2" cstate="print">
-            <a:extLst>
-              <a:ext uri="{28A0092B-C50C-407E-A947-70E740481C1C}">
-                <a14:useLocalDpi xmlns:a14="http://schemas.microsoft.com/office/drawing/2010/main" val="0"/>
-              </a:ext>
-            </a:extLst>
-          </a:blip>
-          <a:srcRect l="3155" r="3155"/>
-          <a:stretch>
-            <a:fillRect/>
-          </a:stretch>
-        </p:blipFill>
-        <p:spPr/>
-      </p:pic>
-      <p:sp>
-        <p:nvSpPr>
-          <p:cNvPr id="4" name="Text Placeholder 3"/>
-          <p:cNvSpPr>
-            <a:spLocks noGrp="1"/>
-          </p:cNvSpPr>
-          <p:nvPr>
-            <p:ph type="body" sz="half" idx="2"/>
+              <a:rPr lang="en-CA" dirty="0"/>
+              <a:t>Data &amp; Preliminary Trials</a:t>
+            </a:r>
+          </a:p>
+        </p:txBody>
+      </p:sp>
+      <p:sp>
+        <p:nvSpPr>
+          <p:cNvPr id="3" name="Content Placeholder 2"/>
+          <p:cNvSpPr>
+            <a:spLocks noGrp="1"/>
+          </p:cNvSpPr>
+          <p:nvPr>
+            <p:ph sz="half" idx="1"/>
           </p:nvPr>
         </p:nvSpPr>
         <p:spPr/>
@@ -7782,16 +8849,352 @@
           <a:lstStyle/>
           <a:p>
             <a:r>
-              <a:rPr lang="en-US" dirty="0"/>
-              <a:t>Caption</a:t>
-            </a:r>
-          </a:p>
-        </p:txBody>
-      </p:sp>
+              <a:rPr lang="en-CA" dirty="0"/>
+              <a:t>Chosen Parameters in early examples yielded the strongest ensemble</a:t>
+            </a:r>
+          </a:p>
+          <a:p>
+            <a:r>
+              <a:rPr lang="en-CA" dirty="0"/>
+              <a:t>Similar to the results of Kim </a:t>
+            </a:r>
+            <a:r>
+              <a:rPr lang="en-CA" i="1" dirty="0"/>
+              <a:t>et al. [1]</a:t>
+            </a:r>
+            <a:endParaRPr lang="en-CA" dirty="0"/>
+          </a:p>
+        </p:txBody>
+      </p:sp>
+      <p:graphicFrame>
+        <p:nvGraphicFramePr>
+          <p:cNvPr id="5" name="Content Placeholder 3"/>
+          <p:cNvGraphicFramePr>
+            <a:graphicFrameLocks noGrp="1"/>
+          </p:cNvGraphicFramePr>
+          <p:nvPr>
+            <p:ph idx="1"/>
+            <p:extLst>
+              <p:ext uri="{D42A27DB-BD31-4B8C-83A1-F6EECF244321}">
+                <p14:modId xmlns:p14="http://schemas.microsoft.com/office/powerpoint/2010/main" val="641632042"/>
+              </p:ext>
+            </p:extLst>
+          </p:nvPr>
+        </p:nvGraphicFramePr>
+        <p:xfrm>
+          <a:off x="6246882" y="1600200"/>
+          <a:ext cx="4978400" cy="2966720"/>
+        </p:xfrm>
+        <a:graphic>
+          <a:graphicData uri="http://schemas.openxmlformats.org/drawingml/2006/table">
+            <a:tbl>
+              <a:tblPr firstRow="1" bandRow="1">
+                <a:tableStyleId>{5C22544A-7EE6-4342-B048-85BDC9FD1C3A}</a:tableStyleId>
+              </a:tblPr>
+              <a:tblGrid>
+                <a:gridCol w="2489200">
+                  <a:extLst>
+                    <a:ext uri="{9D8B030D-6E8A-4147-A177-3AD203B41FA5}">
+                      <a16:colId xmlns:a16="http://schemas.microsoft.com/office/drawing/2014/main" val="3042923453"/>
+                    </a:ext>
+                  </a:extLst>
+                </a:gridCol>
+                <a:gridCol w="2489200">
+                  <a:extLst>
+                    <a:ext uri="{9D8B030D-6E8A-4147-A177-3AD203B41FA5}">
+                      <a16:colId xmlns:a16="http://schemas.microsoft.com/office/drawing/2014/main" val="3668010245"/>
+                    </a:ext>
+                  </a:extLst>
+                </a:gridCol>
+              </a:tblGrid>
+              <a:tr h="370840">
+                <a:tc>
+                  <a:txBody>
+                    <a:bodyPr/>
+                    <a:lstStyle/>
+                    <a:p>
+                      <a:pPr algn="ctr"/>
+                      <a:r>
+                        <a:rPr lang="en-CA" dirty="0"/>
+                        <a:t>Parameter</a:t>
+                      </a:r>
+                    </a:p>
+                  </a:txBody>
+                  <a:tcPr/>
+                </a:tc>
+                <a:tc>
+                  <a:txBody>
+                    <a:bodyPr/>
+                    <a:lstStyle/>
+                    <a:p>
+                      <a:pPr algn="ctr"/>
+                      <a:r>
+                        <a:rPr lang="en-CA" dirty="0"/>
+                        <a:t>Value</a:t>
+                      </a:r>
+                    </a:p>
+                  </a:txBody>
+                  <a:tcPr/>
+                </a:tc>
+                <a:extLst>
+                  <a:ext uri="{0D108BD9-81ED-4DB2-BD59-A6C34878D82A}">
+                    <a16:rowId xmlns:a16="http://schemas.microsoft.com/office/drawing/2014/main" val="3599683607"/>
+                  </a:ext>
+                </a:extLst>
+              </a:tr>
+              <a:tr h="370840">
+                <a:tc>
+                  <a:txBody>
+                    <a:bodyPr/>
+                    <a:lstStyle/>
+                    <a:p>
+                      <a:pPr algn="ctr"/>
+                      <a:r>
+                        <a:rPr lang="en-CA" dirty="0"/>
+                        <a:t>Crossover</a:t>
+                      </a:r>
+                    </a:p>
+                  </a:txBody>
+                  <a:tcPr/>
+                </a:tc>
+                <a:tc>
+                  <a:txBody>
+                    <a:bodyPr/>
+                    <a:lstStyle/>
+                    <a:p>
+                      <a:pPr algn="ctr"/>
+                      <a:r>
+                        <a:rPr lang="en-CA" dirty="0"/>
+                        <a:t>90%</a:t>
+                      </a:r>
+                    </a:p>
+                  </a:txBody>
+                  <a:tcPr/>
+                </a:tc>
+                <a:extLst>
+                  <a:ext uri="{0D108BD9-81ED-4DB2-BD59-A6C34878D82A}">
+                    <a16:rowId xmlns:a16="http://schemas.microsoft.com/office/drawing/2014/main" val="3871596754"/>
+                  </a:ext>
+                </a:extLst>
+              </a:tr>
+              <a:tr h="370840">
+                <a:tc>
+                  <a:txBody>
+                    <a:bodyPr/>
+                    <a:lstStyle/>
+                    <a:p>
+                      <a:pPr algn="ctr"/>
+                      <a:r>
+                        <a:rPr lang="en-CA" dirty="0"/>
+                        <a:t>Mutation</a:t>
+                      </a:r>
+                    </a:p>
+                  </a:txBody>
+                  <a:tcPr/>
+                </a:tc>
+                <a:tc>
+                  <a:txBody>
+                    <a:bodyPr/>
+                    <a:lstStyle/>
+                    <a:p>
+                      <a:pPr algn="ctr"/>
+                      <a:r>
+                        <a:rPr lang="en-CA" dirty="0"/>
+                        <a:t>10%</a:t>
+                      </a:r>
+                    </a:p>
+                  </a:txBody>
+                  <a:tcPr/>
+                </a:tc>
+                <a:extLst>
+                  <a:ext uri="{0D108BD9-81ED-4DB2-BD59-A6C34878D82A}">
+                    <a16:rowId xmlns:a16="http://schemas.microsoft.com/office/drawing/2014/main" val="1511813508"/>
+                  </a:ext>
+                </a:extLst>
+              </a:tr>
+              <a:tr h="370840">
+                <a:tc>
+                  <a:txBody>
+                    <a:bodyPr/>
+                    <a:lstStyle/>
+                    <a:p>
+                      <a:pPr algn="ctr"/>
+                      <a:r>
+                        <a:rPr lang="en-CA" dirty="0"/>
+                        <a:t>Elitism</a:t>
+                      </a:r>
+                    </a:p>
+                  </a:txBody>
+                  <a:tcPr/>
+                </a:tc>
+                <a:tc>
+                  <a:txBody>
+                    <a:bodyPr/>
+                    <a:lstStyle/>
+                    <a:p>
+                      <a:pPr algn="ctr"/>
+                      <a:r>
+                        <a:rPr lang="en-CA" dirty="0"/>
+                        <a:t>0</a:t>
+                      </a:r>
+                    </a:p>
+                  </a:txBody>
+                  <a:tcPr/>
+                </a:tc>
+                <a:extLst>
+                  <a:ext uri="{0D108BD9-81ED-4DB2-BD59-A6C34878D82A}">
+                    <a16:rowId xmlns:a16="http://schemas.microsoft.com/office/drawing/2014/main" val="1970786246"/>
+                  </a:ext>
+                </a:extLst>
+              </a:tr>
+              <a:tr h="370840">
+                <a:tc>
+                  <a:txBody>
+                    <a:bodyPr/>
+                    <a:lstStyle/>
+                    <a:p>
+                      <a:pPr algn="ctr"/>
+                      <a:r>
+                        <a:rPr lang="en-CA" dirty="0"/>
+                        <a:t>Tournament Size</a:t>
+                      </a:r>
+                    </a:p>
+                  </a:txBody>
+                  <a:tcPr/>
+                </a:tc>
+                <a:tc>
+                  <a:txBody>
+                    <a:bodyPr/>
+                    <a:lstStyle/>
+                    <a:p>
+                      <a:pPr algn="ctr"/>
+                      <a:r>
+                        <a:rPr lang="en-CA" dirty="0"/>
+                        <a:t>2</a:t>
+                      </a:r>
+                    </a:p>
+                  </a:txBody>
+                  <a:tcPr/>
+                </a:tc>
+                <a:extLst>
+                  <a:ext uri="{0D108BD9-81ED-4DB2-BD59-A6C34878D82A}">
+                    <a16:rowId xmlns:a16="http://schemas.microsoft.com/office/drawing/2014/main" val="620376632"/>
+                  </a:ext>
+                </a:extLst>
+              </a:tr>
+              <a:tr h="370840">
+                <a:tc>
+                  <a:txBody>
+                    <a:bodyPr/>
+                    <a:lstStyle/>
+                    <a:p>
+                      <a:pPr algn="ctr"/>
+                      <a:r>
+                        <a:rPr lang="en-CA" dirty="0"/>
+                        <a:t>Max Tree Depth</a:t>
+                      </a:r>
+                    </a:p>
+                  </a:txBody>
+                  <a:tcPr/>
+                </a:tc>
+                <a:tc>
+                  <a:txBody>
+                    <a:bodyPr/>
+                    <a:lstStyle/>
+                    <a:p>
+                      <a:pPr algn="ctr"/>
+                      <a:r>
+                        <a:rPr lang="en-CA" dirty="0"/>
+                        <a:t>17</a:t>
+                      </a:r>
+                    </a:p>
+                  </a:txBody>
+                  <a:tcPr/>
+                </a:tc>
+                <a:extLst>
+                  <a:ext uri="{0D108BD9-81ED-4DB2-BD59-A6C34878D82A}">
+                    <a16:rowId xmlns:a16="http://schemas.microsoft.com/office/drawing/2014/main" val="1613152120"/>
+                  </a:ext>
+                </a:extLst>
+              </a:tr>
+              <a:tr h="370840">
+                <a:tc>
+                  <a:txBody>
+                    <a:bodyPr/>
+                    <a:lstStyle/>
+                    <a:p>
+                      <a:pPr algn="ctr"/>
+                      <a:r>
+                        <a:rPr lang="en-CA" dirty="0"/>
+                        <a:t>Pop. Size</a:t>
+                      </a:r>
+                    </a:p>
+                  </a:txBody>
+                  <a:tcPr/>
+                </a:tc>
+                <a:tc>
+                  <a:txBody>
+                    <a:bodyPr/>
+                    <a:lstStyle/>
+                    <a:p>
+                      <a:pPr algn="ctr"/>
+                      <a:r>
+                        <a:rPr lang="en-CA" dirty="0"/>
+                        <a:t>1000</a:t>
+                      </a:r>
+                    </a:p>
+                  </a:txBody>
+                  <a:tcPr/>
+                </a:tc>
+                <a:extLst>
+                  <a:ext uri="{0D108BD9-81ED-4DB2-BD59-A6C34878D82A}">
+                    <a16:rowId xmlns:a16="http://schemas.microsoft.com/office/drawing/2014/main" val="2745308558"/>
+                  </a:ext>
+                </a:extLst>
+              </a:tr>
+              <a:tr h="370840">
+                <a:tc>
+                  <a:txBody>
+                    <a:bodyPr/>
+                    <a:lstStyle/>
+                    <a:p>
+                      <a:pPr algn="ctr"/>
+                      <a:r>
+                        <a:rPr lang="en-CA" dirty="0"/>
+                        <a:t>Generations</a:t>
+                      </a:r>
+                    </a:p>
+                  </a:txBody>
+                  <a:tcPr/>
+                </a:tc>
+                <a:tc>
+                  <a:txBody>
+                    <a:bodyPr/>
+                    <a:lstStyle/>
+                    <a:p>
+                      <a:pPr algn="ctr"/>
+                      <a:r>
+                        <a:rPr lang="en-CA" dirty="0"/>
+                        <a:t>100</a:t>
+                      </a:r>
+                    </a:p>
+                  </a:txBody>
+                  <a:tcPr/>
+                </a:tc>
+                <a:extLst>
+                  <a:ext uri="{0D108BD9-81ED-4DB2-BD59-A6C34878D82A}">
+                    <a16:rowId xmlns:a16="http://schemas.microsoft.com/office/drawing/2014/main" val="3619237203"/>
+                  </a:ext>
+                </a:extLst>
+              </a:tr>
+            </a:tbl>
+          </a:graphicData>
+        </a:graphic>
+      </p:graphicFrame>
     </p:spTree>
     <p:extLst>
       <p:ext uri="{BB962C8B-B14F-4D97-AF65-F5344CB8AC3E}">
-        <p14:creationId xmlns:p14="http://schemas.microsoft.com/office/powerpoint/2010/main" val="3683544629"/>
+        <p14:creationId xmlns:p14="http://schemas.microsoft.com/office/powerpoint/2010/main" val="3809092575"/>
       </p:ext>
     </p:extLst>
   </p:cSld>
@@ -7837,7 +9240,7 @@
             <a:spLocks noGrp="1"/>
           </p:cNvSpPr>
           <p:nvPr>
-            <p:ph type="ctrTitle"/>
+            <p:ph type="title"/>
           </p:nvPr>
         </p:nvSpPr>
         <p:spPr/>
@@ -7845,33 +9248,93 @@
           <a:bodyPr/>
           <a:lstStyle/>
           <a:p>
-            <a:endParaRPr lang="en-US"/>
-          </a:p>
-        </p:txBody>
-      </p:sp>
-      <p:sp>
-        <p:nvSpPr>
-          <p:cNvPr id="3" name="Subtitle 2"/>
-          <p:cNvSpPr>
-            <a:spLocks noGrp="1"/>
-          </p:cNvSpPr>
-          <p:nvPr>
-            <p:ph type="subTitle" idx="1"/>
-          </p:nvPr>
-        </p:nvSpPr>
-        <p:spPr/>
+            <a:r>
+              <a:rPr lang="en-US" dirty="0"/>
+              <a:t>Results &amp; Discussion</a:t>
+            </a:r>
+          </a:p>
+        </p:txBody>
+      </p:sp>
+      <p:sp>
+        <p:nvSpPr>
+          <p:cNvPr id="3" name="Content Placeholder 2"/>
+          <p:cNvSpPr>
+            <a:spLocks noGrp="1"/>
+          </p:cNvSpPr>
+          <p:nvPr>
+            <p:ph idx="1"/>
+          </p:nvPr>
+        </p:nvSpPr>
+        <p:spPr>
+          <a:xfrm>
+            <a:off x="1104900" y="1600200"/>
+            <a:ext cx="4889500" cy="4572000"/>
+          </a:xfrm>
+        </p:spPr>
         <p:txBody>
           <a:bodyPr/>
           <a:lstStyle/>
           <a:p>
-            <a:endParaRPr lang="en-US"/>
+            <a:r>
+              <a:rPr lang="en-CA" dirty="0"/>
+              <a:t>Without </a:t>
+            </a:r>
+            <a:r>
+              <a:rPr lang="en-CA" i="1" dirty="0"/>
+              <a:t>IFLT</a:t>
+            </a:r>
+            <a:r>
+              <a:rPr lang="en-CA" dirty="0"/>
+              <a:t> in a math-based language</a:t>
+            </a:r>
+          </a:p>
+          <a:p>
+            <a:pPr lvl="1"/>
+            <a:r>
+              <a:rPr lang="en-CA" dirty="0"/>
+              <a:t>Language: </a:t>
+            </a:r>
+            <a:r>
+              <a:rPr lang="en-CA" b="1" i="1" dirty="0"/>
+              <a:t>L</a:t>
+            </a:r>
+          </a:p>
+          <a:p>
+            <a:r>
+              <a:rPr lang="en-CA" dirty="0"/>
+              <a:t>With </a:t>
+            </a:r>
+            <a:r>
+              <a:rPr lang="en-CA" i="1" dirty="0"/>
+              <a:t>IFLT</a:t>
+            </a:r>
+            <a:r>
+              <a:rPr lang="en-CA" dirty="0"/>
+              <a:t> in a math-based language</a:t>
+            </a:r>
+          </a:p>
+          <a:p>
+            <a:pPr lvl="1"/>
+            <a:r>
+              <a:rPr lang="en-CA" dirty="0"/>
+              <a:t>Language: </a:t>
+            </a:r>
+            <a:r>
+              <a:rPr lang="en-CA" b="1" i="1" dirty="0"/>
+              <a:t>L</a:t>
+            </a:r>
+            <a:r>
+              <a:rPr lang="en-CA" b="1" i="1" baseline="-25000" dirty="0"/>
+              <a:t>IF</a:t>
+            </a:r>
+            <a:endParaRPr lang="en-CA" b="1" i="1" dirty="0"/>
           </a:p>
         </p:txBody>
       </p:sp>
     </p:spTree>
     <p:extLst>
       <p:ext uri="{BB962C8B-B14F-4D97-AF65-F5344CB8AC3E}">
-        <p14:creationId xmlns:p14="http://schemas.microsoft.com/office/powerpoint/2010/main" val="1315647518"/>
+        <p14:creationId xmlns:p14="http://schemas.microsoft.com/office/powerpoint/2010/main" val="4224509479"/>
       </p:ext>
     </p:extLst>
   </p:cSld>

--- a/GPP_Defense.pptx
+++ b/GPP_Defense.pptx
@@ -5,10 +5,10 @@
     <p:sldMasterId id="2147483648" r:id="rId2"/>
   </p:sldMasterIdLst>
   <p:notesMasterIdLst>
-    <p:notesMasterId r:id="rId16"/>
+    <p:notesMasterId r:id="rId18"/>
   </p:notesMasterIdLst>
   <p:handoutMasterIdLst>
-    <p:handoutMasterId r:id="rId17"/>
+    <p:handoutMasterId r:id="rId19"/>
   </p:handoutMasterIdLst>
   <p:sldIdLst>
     <p:sldId id="256" r:id="rId3"/>
@@ -23,7 +23,9 @@
     <p:sldId id="275" r:id="rId12"/>
     <p:sldId id="277" r:id="rId13"/>
     <p:sldId id="278" r:id="rId14"/>
-    <p:sldId id="274" r:id="rId15"/>
+    <p:sldId id="279" r:id="rId15"/>
+    <p:sldId id="280" r:id="rId16"/>
+    <p:sldId id="274" r:id="rId17"/>
   </p:sldIdLst>
   <p:sldSz cx="12192000" cy="6858000"/>
   <p:notesSz cx="6858000" cy="9144000"/>
@@ -135,14 +137,12 @@
             <p14:sldId id="270"/>
             <p14:sldId id="271"/>
             <p14:sldId id="273"/>
-          </p14:sldIdLst>
-        </p14:section>
-        <p14:section name="Untitled Section" id="{FBD56B9C-EBAB-494B-BED3-D1E668B607C5}">
-          <p14:sldIdLst>
             <p14:sldId id="260"/>
             <p14:sldId id="275"/>
             <p14:sldId id="277"/>
             <p14:sldId id="278"/>
+            <p14:sldId id="279"/>
+            <p14:sldId id="280"/>
             <p14:sldId id="274"/>
           </p14:sldIdLst>
         </p14:section>
@@ -1024,6 +1024,90 @@
           <a:p>
             <a:fld id="{0A3C37BE-C303-496D-B5CD-85F2937540FC}" type="slidenum">
               <a:rPr lang="en-CA" smtClean="0"/>
+              <a:t>9</a:t>
+            </a:fld>
+            <a:endParaRPr lang="en-CA"/>
+          </a:p>
+        </p:txBody>
+      </p:sp>
+    </p:spTree>
+    <p:extLst>
+      <p:ext uri="{BB962C8B-B14F-4D97-AF65-F5344CB8AC3E}">
+        <p14:creationId xmlns:p14="http://schemas.microsoft.com/office/powerpoint/2010/main" val="1334549329"/>
+      </p:ext>
+    </p:extLst>
+  </p:cSld>
+  <p:clrMapOvr>
+    <a:masterClrMapping/>
+  </p:clrMapOvr>
+</p:notes>
+</file>
+
+<file path=ppt/notesSlides/notesSlide5.xml><?xml version="1.0" encoding="utf-8"?>
+<p:notes xmlns:a="http://schemas.openxmlformats.org/drawingml/2006/main" xmlns:r="http://schemas.openxmlformats.org/officeDocument/2006/relationships" xmlns:p="http://schemas.openxmlformats.org/presentationml/2006/main">
+  <p:cSld>
+    <p:spTree>
+      <p:nvGrpSpPr>
+        <p:cNvPr id="1" name=""/>
+        <p:cNvGrpSpPr/>
+        <p:nvPr/>
+      </p:nvGrpSpPr>
+      <p:grpSpPr>
+        <a:xfrm>
+          <a:off x="0" y="0"/>
+          <a:ext cx="0" cy="0"/>
+          <a:chOff x="0" y="0"/>
+          <a:chExt cx="0" cy="0"/>
+        </a:xfrm>
+      </p:grpSpPr>
+      <p:sp>
+        <p:nvSpPr>
+          <p:cNvPr id="2" name="Slide Image Placeholder 1"/>
+          <p:cNvSpPr>
+            <a:spLocks noGrp="1" noRot="1" noChangeAspect="1"/>
+          </p:cNvSpPr>
+          <p:nvPr>
+            <p:ph type="sldImg"/>
+          </p:nvPr>
+        </p:nvSpPr>
+        <p:spPr/>
+      </p:sp>
+      <p:sp>
+        <p:nvSpPr>
+          <p:cNvPr id="3" name="Notes Placeholder 2"/>
+          <p:cNvSpPr>
+            <a:spLocks noGrp="1"/>
+          </p:cNvSpPr>
+          <p:nvPr>
+            <p:ph type="body" idx="1"/>
+          </p:nvPr>
+        </p:nvSpPr>
+        <p:spPr/>
+        <p:txBody>
+          <a:bodyPr/>
+          <a:lstStyle/>
+          <a:p>
+            <a:endParaRPr lang="en-CA" dirty="0"/>
+          </a:p>
+        </p:txBody>
+      </p:sp>
+      <p:sp>
+        <p:nvSpPr>
+          <p:cNvPr id="4" name="Slide Number Placeholder 3"/>
+          <p:cNvSpPr>
+            <a:spLocks noGrp="1"/>
+          </p:cNvSpPr>
+          <p:nvPr>
+            <p:ph type="sldNum" sz="quarter" idx="10"/>
+          </p:nvPr>
+        </p:nvSpPr>
+        <p:spPr/>
+        <p:txBody>
+          <a:bodyPr/>
+          <a:lstStyle/>
+          <a:p>
+            <a:fld id="{0A3C37BE-C303-496D-B5CD-85F2937540FC}" type="slidenum">
+              <a:rPr lang="en-CA" smtClean="0"/>
               <a:t>11</a:t>
             </a:fld>
             <a:endParaRPr lang="en-CA"/>
@@ -1034,6 +1118,186 @@
     <p:extLst>
       <p:ext uri="{BB962C8B-B14F-4D97-AF65-F5344CB8AC3E}">
         <p14:creationId xmlns:p14="http://schemas.microsoft.com/office/powerpoint/2010/main" val="3702126950"/>
+      </p:ext>
+    </p:extLst>
+  </p:cSld>
+  <p:clrMapOvr>
+    <a:masterClrMapping/>
+  </p:clrMapOvr>
+</p:notes>
+</file>
+
+<file path=ppt/notesSlides/notesSlide6.xml><?xml version="1.0" encoding="utf-8"?>
+<p:notes xmlns:a="http://schemas.openxmlformats.org/drawingml/2006/main" xmlns:r="http://schemas.openxmlformats.org/officeDocument/2006/relationships" xmlns:p="http://schemas.openxmlformats.org/presentationml/2006/main">
+  <p:cSld>
+    <p:spTree>
+      <p:nvGrpSpPr>
+        <p:cNvPr id="1" name=""/>
+        <p:cNvGrpSpPr/>
+        <p:nvPr/>
+      </p:nvGrpSpPr>
+      <p:grpSpPr>
+        <a:xfrm>
+          <a:off x="0" y="0"/>
+          <a:ext cx="0" cy="0"/>
+          <a:chOff x="0" y="0"/>
+          <a:chExt cx="0" cy="0"/>
+        </a:xfrm>
+      </p:grpSpPr>
+      <p:sp>
+        <p:nvSpPr>
+          <p:cNvPr id="2" name="Slide Image Placeholder 1"/>
+          <p:cNvSpPr>
+            <a:spLocks noGrp="1" noRot="1" noChangeAspect="1"/>
+          </p:cNvSpPr>
+          <p:nvPr>
+            <p:ph type="sldImg"/>
+          </p:nvPr>
+        </p:nvSpPr>
+        <p:spPr/>
+      </p:sp>
+      <p:sp>
+        <p:nvSpPr>
+          <p:cNvPr id="3" name="Notes Placeholder 2"/>
+          <p:cNvSpPr>
+            <a:spLocks noGrp="1"/>
+          </p:cNvSpPr>
+          <p:nvPr>
+            <p:ph type="body" idx="1"/>
+          </p:nvPr>
+        </p:nvSpPr>
+        <p:spPr/>
+        <p:txBody>
+          <a:bodyPr/>
+          <a:lstStyle/>
+          <a:p>
+            <a:r>
+              <a:rPr lang="en-CA" baseline="0" dirty="0"/>
+              <a:t>L</a:t>
+            </a:r>
+            <a:r>
+              <a:rPr lang="en-CA" baseline="-25000" dirty="0"/>
+              <a:t>IF</a:t>
+            </a:r>
+            <a:r>
+              <a:rPr lang="en-CA" baseline="0" dirty="0"/>
+              <a:t> performs better in all cases, but also yields more outliers</a:t>
+            </a:r>
+            <a:endParaRPr lang="en-CA" dirty="0"/>
+          </a:p>
+        </p:txBody>
+      </p:sp>
+      <p:sp>
+        <p:nvSpPr>
+          <p:cNvPr id="4" name="Slide Number Placeholder 3"/>
+          <p:cNvSpPr>
+            <a:spLocks noGrp="1"/>
+          </p:cNvSpPr>
+          <p:nvPr>
+            <p:ph type="sldNum" sz="quarter" idx="10"/>
+          </p:nvPr>
+        </p:nvSpPr>
+        <p:spPr/>
+        <p:txBody>
+          <a:bodyPr/>
+          <a:lstStyle/>
+          <a:p>
+            <a:fld id="{0A3C37BE-C303-496D-B5CD-85F2937540FC}" type="slidenum">
+              <a:rPr lang="en-CA" smtClean="0"/>
+              <a:t>13</a:t>
+            </a:fld>
+            <a:endParaRPr lang="en-CA"/>
+          </a:p>
+        </p:txBody>
+      </p:sp>
+    </p:spTree>
+    <p:extLst>
+      <p:ext uri="{BB962C8B-B14F-4D97-AF65-F5344CB8AC3E}">
+        <p14:creationId xmlns:p14="http://schemas.microsoft.com/office/powerpoint/2010/main" val="2108097607"/>
+      </p:ext>
+    </p:extLst>
+  </p:cSld>
+  <p:clrMapOvr>
+    <a:masterClrMapping/>
+  </p:clrMapOvr>
+</p:notes>
+</file>
+
+<file path=ppt/notesSlides/notesSlide7.xml><?xml version="1.0" encoding="utf-8"?>
+<p:notes xmlns:a="http://schemas.openxmlformats.org/drawingml/2006/main" xmlns:r="http://schemas.openxmlformats.org/officeDocument/2006/relationships" xmlns:p="http://schemas.openxmlformats.org/presentationml/2006/main">
+  <p:cSld>
+    <p:spTree>
+      <p:nvGrpSpPr>
+        <p:cNvPr id="1" name=""/>
+        <p:cNvGrpSpPr/>
+        <p:nvPr/>
+      </p:nvGrpSpPr>
+      <p:grpSpPr>
+        <a:xfrm>
+          <a:off x="0" y="0"/>
+          <a:ext cx="0" cy="0"/>
+          <a:chOff x="0" y="0"/>
+          <a:chExt cx="0" cy="0"/>
+        </a:xfrm>
+      </p:grpSpPr>
+      <p:sp>
+        <p:nvSpPr>
+          <p:cNvPr id="2" name="Slide Image Placeholder 1"/>
+          <p:cNvSpPr>
+            <a:spLocks noGrp="1" noRot="1" noChangeAspect="1"/>
+          </p:cNvSpPr>
+          <p:nvPr>
+            <p:ph type="sldImg"/>
+          </p:nvPr>
+        </p:nvSpPr>
+        <p:spPr/>
+      </p:sp>
+      <p:sp>
+        <p:nvSpPr>
+          <p:cNvPr id="3" name="Notes Placeholder 2"/>
+          <p:cNvSpPr>
+            <a:spLocks noGrp="1"/>
+          </p:cNvSpPr>
+          <p:nvPr>
+            <p:ph type="body" idx="1"/>
+          </p:nvPr>
+        </p:nvSpPr>
+        <p:spPr/>
+        <p:txBody>
+          <a:bodyPr/>
+          <a:lstStyle/>
+          <a:p>
+            <a:endParaRPr lang="en-CA" dirty="0"/>
+          </a:p>
+        </p:txBody>
+      </p:sp>
+      <p:sp>
+        <p:nvSpPr>
+          <p:cNvPr id="4" name="Slide Number Placeholder 3"/>
+          <p:cNvSpPr>
+            <a:spLocks noGrp="1"/>
+          </p:cNvSpPr>
+          <p:nvPr>
+            <p:ph type="sldNum" sz="quarter" idx="10"/>
+          </p:nvPr>
+        </p:nvSpPr>
+        <p:spPr/>
+        <p:txBody>
+          <a:bodyPr/>
+          <a:lstStyle/>
+          <a:p>
+            <a:fld id="{0A3C37BE-C303-496D-B5CD-85F2937540FC}" type="slidenum">
+              <a:rPr lang="en-CA" smtClean="0"/>
+              <a:t>14</a:t>
+            </a:fld>
+            <a:endParaRPr lang="en-CA"/>
+          </a:p>
+        </p:txBody>
+      </p:sp>
+    </p:spTree>
+    <p:extLst>
+      <p:ext uri="{BB962C8B-B14F-4D97-AF65-F5344CB8AC3E}">
+        <p14:creationId xmlns:p14="http://schemas.microsoft.com/office/powerpoint/2010/main" val="1423042962"/>
       </p:ext>
     </p:extLst>
   </p:cSld>
@@ -5929,6 +6193,878 @@
 </file>
 
 <file path=ppt/slides/slide13.xml><?xml version="1.0" encoding="utf-8"?>
+<p:sld xmlns:a="http://schemas.openxmlformats.org/drawingml/2006/main" xmlns:r="http://schemas.openxmlformats.org/officeDocument/2006/relationships" xmlns:p="http://schemas.openxmlformats.org/presentationml/2006/main">
+  <p:cSld>
+    <p:spTree>
+      <p:nvGrpSpPr>
+        <p:cNvPr id="1" name=""/>
+        <p:cNvGrpSpPr/>
+        <p:nvPr/>
+      </p:nvGrpSpPr>
+      <p:grpSpPr>
+        <a:xfrm>
+          <a:off x="0" y="0"/>
+          <a:ext cx="0" cy="0"/>
+          <a:chOff x="0" y="0"/>
+          <a:chExt cx="0" cy="0"/>
+        </a:xfrm>
+      </p:grpSpPr>
+      <p:sp>
+        <p:nvSpPr>
+          <p:cNvPr id="2" name="Title 1"/>
+          <p:cNvSpPr>
+            <a:spLocks noGrp="1"/>
+          </p:cNvSpPr>
+          <p:nvPr>
+            <p:ph type="title"/>
+          </p:nvPr>
+        </p:nvSpPr>
+        <p:spPr/>
+        <p:txBody>
+          <a:bodyPr/>
+          <a:lstStyle/>
+          <a:p>
+            <a:r>
+              <a:rPr lang="en-CA" dirty="0"/>
+              <a:t>Ensemble Fitness</a:t>
+            </a:r>
+          </a:p>
+        </p:txBody>
+      </p:sp>
+      <p:graphicFrame>
+        <p:nvGraphicFramePr>
+          <p:cNvPr id="4" name="Content Placeholder 3"/>
+          <p:cNvGraphicFramePr>
+            <a:graphicFrameLocks noGrp="1"/>
+          </p:cNvGraphicFramePr>
+          <p:nvPr>
+            <p:ph idx="1"/>
+            <p:extLst>
+              <p:ext uri="{D42A27DB-BD31-4B8C-83A1-F6EECF244321}">
+                <p14:modId xmlns:p14="http://schemas.microsoft.com/office/powerpoint/2010/main" val="2776639724"/>
+              </p:ext>
+            </p:extLst>
+          </p:nvPr>
+        </p:nvGraphicFramePr>
+        <p:xfrm>
+          <a:off x="1104900" y="1600200"/>
+          <a:ext cx="9982200" cy="2091690"/>
+        </p:xfrm>
+        <a:graphic>
+          <a:graphicData uri="http://schemas.openxmlformats.org/drawingml/2006/table">
+            <a:tbl>
+              <a:tblPr firstRow="1" bandRow="1">
+                <a:tableStyleId>{5C22544A-7EE6-4342-B048-85BDC9FD1C3A}</a:tableStyleId>
+              </a:tblPr>
+              <a:tblGrid>
+                <a:gridCol w="2495550">
+                  <a:extLst>
+                    <a:ext uri="{9D8B030D-6E8A-4147-A177-3AD203B41FA5}">
+                      <a16:colId xmlns:a16="http://schemas.microsoft.com/office/drawing/2014/main" val="1063830725"/>
+                    </a:ext>
+                  </a:extLst>
+                </a:gridCol>
+                <a:gridCol w="2495550">
+                  <a:extLst>
+                    <a:ext uri="{9D8B030D-6E8A-4147-A177-3AD203B41FA5}">
+                      <a16:colId xmlns:a16="http://schemas.microsoft.com/office/drawing/2014/main" val="2742314196"/>
+                    </a:ext>
+                  </a:extLst>
+                </a:gridCol>
+                <a:gridCol w="2495550">
+                  <a:extLst>
+                    <a:ext uri="{9D8B030D-6E8A-4147-A177-3AD203B41FA5}">
+                      <a16:colId xmlns:a16="http://schemas.microsoft.com/office/drawing/2014/main" val="1344616909"/>
+                    </a:ext>
+                  </a:extLst>
+                </a:gridCol>
+                <a:gridCol w="2495550">
+                  <a:extLst>
+                    <a:ext uri="{9D8B030D-6E8A-4147-A177-3AD203B41FA5}">
+                      <a16:colId xmlns:a16="http://schemas.microsoft.com/office/drawing/2014/main" val="4178842973"/>
+                    </a:ext>
+                  </a:extLst>
+                </a:gridCol>
+              </a:tblGrid>
+              <a:tr h="697230">
+                <a:tc>
+                  <a:txBody>
+                    <a:bodyPr/>
+                    <a:lstStyle/>
+                    <a:p>
+                      <a:pPr algn="ctr"/>
+                      <a:r>
+                        <a:rPr lang="en-CA" dirty="0"/>
+                        <a:t>Language</a:t>
+                      </a:r>
+                    </a:p>
+                  </a:txBody>
+                  <a:tcPr anchor="ctr"/>
+                </a:tc>
+                <a:tc>
+                  <a:txBody>
+                    <a:bodyPr/>
+                    <a:lstStyle/>
+                    <a:p>
+                      <a:pPr algn="ctr"/>
+                      <a:r>
+                        <a:rPr lang="en-CA" dirty="0"/>
+                        <a:t>Ensemble (</a:t>
+                      </a:r>
+                      <a:r>
+                        <a:rPr lang="en-CA" dirty="0" err="1"/>
+                        <a:t>Avg</a:t>
+                      </a:r>
+                      <a:r>
+                        <a:rPr lang="en-CA" dirty="0"/>
+                        <a:t>) Fit</a:t>
+                      </a:r>
+                    </a:p>
+                  </a:txBody>
+                  <a:tcPr anchor="ctr"/>
+                </a:tc>
+                <a:tc>
+                  <a:txBody>
+                    <a:bodyPr/>
+                    <a:lstStyle/>
+                    <a:p>
+                      <a:pPr algn="ctr"/>
+                      <a:r>
+                        <a:rPr lang="en-CA" dirty="0"/>
+                        <a:t>Ensemble (Med)</a:t>
+                      </a:r>
+                      <a:r>
+                        <a:rPr lang="en-CA" baseline="0" dirty="0"/>
+                        <a:t> Fit</a:t>
+                      </a:r>
+                      <a:endParaRPr lang="en-CA" dirty="0"/>
+                    </a:p>
+                  </a:txBody>
+                  <a:tcPr anchor="ctr"/>
+                </a:tc>
+                <a:tc>
+                  <a:txBody>
+                    <a:bodyPr/>
+                    <a:lstStyle/>
+                    <a:p>
+                      <a:pPr algn="ctr"/>
+                      <a:r>
+                        <a:rPr lang="en-CA" dirty="0"/>
+                        <a:t>Outliers Removed</a:t>
+                      </a:r>
+                    </a:p>
+                  </a:txBody>
+                  <a:tcPr anchor="ctr"/>
+                </a:tc>
+                <a:extLst>
+                  <a:ext uri="{0D108BD9-81ED-4DB2-BD59-A6C34878D82A}">
+                    <a16:rowId xmlns:a16="http://schemas.microsoft.com/office/drawing/2014/main" val="4032793956"/>
+                  </a:ext>
+                </a:extLst>
+              </a:tr>
+              <a:tr h="697230">
+                <a:tc>
+                  <a:txBody>
+                    <a:bodyPr/>
+                    <a:lstStyle/>
+                    <a:p>
+                      <a:pPr algn="ctr"/>
+                      <a:r>
+                        <a:rPr lang="en-CA" b="1" i="1" dirty="0"/>
+                        <a:t>L</a:t>
+                      </a:r>
+                    </a:p>
+                  </a:txBody>
+                  <a:tcPr anchor="ctr"/>
+                </a:tc>
+                <a:tc>
+                  <a:txBody>
+                    <a:bodyPr/>
+                    <a:lstStyle/>
+                    <a:p>
+                      <a:pPr algn="ctr"/>
+                      <a:r>
+                        <a:rPr lang="en-CA" b="1" dirty="0"/>
+                        <a:t>0.194444</a:t>
+                      </a:r>
+                    </a:p>
+                  </a:txBody>
+                  <a:tcPr anchor="ctr"/>
+                </a:tc>
+                <a:tc>
+                  <a:txBody>
+                    <a:bodyPr/>
+                    <a:lstStyle/>
+                    <a:p>
+                      <a:pPr algn="ctr"/>
+                      <a:r>
+                        <a:rPr lang="en-CA" b="1" dirty="0"/>
+                        <a:t>0.200982</a:t>
+                      </a:r>
+                    </a:p>
+                  </a:txBody>
+                  <a:tcPr anchor="ctr"/>
+                </a:tc>
+                <a:tc>
+                  <a:txBody>
+                    <a:bodyPr/>
+                    <a:lstStyle/>
+                    <a:p>
+                      <a:pPr algn="ctr"/>
+                      <a:r>
+                        <a:rPr lang="en-CA" b="1" dirty="0"/>
+                        <a:t>35</a:t>
+                      </a:r>
+                    </a:p>
+                  </a:txBody>
+                  <a:tcPr anchor="ctr"/>
+                </a:tc>
+                <a:extLst>
+                  <a:ext uri="{0D108BD9-81ED-4DB2-BD59-A6C34878D82A}">
+                    <a16:rowId xmlns:a16="http://schemas.microsoft.com/office/drawing/2014/main" val="3865386210"/>
+                  </a:ext>
+                </a:extLst>
+              </a:tr>
+              <a:tr h="697230">
+                <a:tc>
+                  <a:txBody>
+                    <a:bodyPr/>
+                    <a:lstStyle/>
+                    <a:p>
+                      <a:pPr algn="ctr"/>
+                      <a:r>
+                        <a:rPr lang="en-CA" b="1" i="1" dirty="0"/>
+                        <a:t>L</a:t>
+                      </a:r>
+                      <a:r>
+                        <a:rPr lang="en-CA" b="1" i="1" baseline="-25000" dirty="0"/>
+                        <a:t>IF</a:t>
+                      </a:r>
+                      <a:endParaRPr lang="en-CA" b="1" i="1" dirty="0"/>
+                    </a:p>
+                  </a:txBody>
+                  <a:tcPr anchor="ctr"/>
+                </a:tc>
+                <a:tc>
+                  <a:txBody>
+                    <a:bodyPr/>
+                    <a:lstStyle/>
+                    <a:p>
+                      <a:pPr algn="ctr"/>
+                      <a:r>
+                        <a:rPr lang="en-CA" b="1" dirty="0"/>
+                        <a:t>0.185474</a:t>
+                      </a:r>
+                    </a:p>
+                  </a:txBody>
+                  <a:tcPr anchor="ctr"/>
+                </a:tc>
+                <a:tc>
+                  <a:txBody>
+                    <a:bodyPr/>
+                    <a:lstStyle/>
+                    <a:p>
+                      <a:pPr algn="ctr"/>
+                      <a:r>
+                        <a:rPr lang="en-CA" b="1" dirty="0"/>
+                        <a:t>0.179552</a:t>
+                      </a:r>
+                    </a:p>
+                  </a:txBody>
+                  <a:tcPr anchor="ctr"/>
+                </a:tc>
+                <a:tc>
+                  <a:txBody>
+                    <a:bodyPr/>
+                    <a:lstStyle/>
+                    <a:p>
+                      <a:pPr algn="ctr"/>
+                      <a:r>
+                        <a:rPr lang="en-CA" b="1" dirty="0"/>
+                        <a:t>43</a:t>
+                      </a:r>
+                    </a:p>
+                  </a:txBody>
+                  <a:tcPr anchor="ctr"/>
+                </a:tc>
+                <a:extLst>
+                  <a:ext uri="{0D108BD9-81ED-4DB2-BD59-A6C34878D82A}">
+                    <a16:rowId xmlns:a16="http://schemas.microsoft.com/office/drawing/2014/main" val="331165827"/>
+                  </a:ext>
+                </a:extLst>
+              </a:tr>
+            </a:tbl>
+          </a:graphicData>
+        </a:graphic>
+      </p:graphicFrame>
+    </p:spTree>
+    <p:extLst>
+      <p:ext uri="{BB962C8B-B14F-4D97-AF65-F5344CB8AC3E}">
+        <p14:creationId xmlns:p14="http://schemas.microsoft.com/office/powerpoint/2010/main" val="1569074856"/>
+      </p:ext>
+    </p:extLst>
+  </p:cSld>
+  <p:clrMapOvr>
+    <a:masterClrMapping/>
+  </p:clrMapOvr>
+  <mc:AlternateContent xmlns:mc="http://schemas.openxmlformats.org/markup-compatibility/2006" xmlns:p14="http://schemas.microsoft.com/office/powerpoint/2010/main">
+    <mc:Choice Requires="p14">
+      <p:transition spd="med" p14:dur="700">
+        <p:fade/>
+      </p:transition>
+    </mc:Choice>
+    <mc:Fallback xmlns="">
+      <p:transition spd="med">
+        <p:fade/>
+      </p:transition>
+    </mc:Fallback>
+  </mc:AlternateContent>
+</p:sld>
+</file>
+
+<file path=ppt/slides/slide14.xml><?xml version="1.0" encoding="utf-8"?>
+<p:sld xmlns:a="http://schemas.openxmlformats.org/drawingml/2006/main" xmlns:r="http://schemas.openxmlformats.org/officeDocument/2006/relationships" xmlns:p="http://schemas.openxmlformats.org/presentationml/2006/main">
+  <p:cSld>
+    <p:spTree>
+      <p:nvGrpSpPr>
+        <p:cNvPr id="1" name=""/>
+        <p:cNvGrpSpPr/>
+        <p:nvPr/>
+      </p:nvGrpSpPr>
+      <p:grpSpPr>
+        <a:xfrm>
+          <a:off x="0" y="0"/>
+          <a:ext cx="0" cy="0"/>
+          <a:chOff x="0" y="0"/>
+          <a:chExt cx="0" cy="0"/>
+        </a:xfrm>
+      </p:grpSpPr>
+      <p:sp>
+        <p:nvSpPr>
+          <p:cNvPr id="2" name="Title 1"/>
+          <p:cNvSpPr>
+            <a:spLocks noGrp="1"/>
+          </p:cNvSpPr>
+          <p:nvPr>
+            <p:ph type="title"/>
+          </p:nvPr>
+        </p:nvSpPr>
+        <p:spPr/>
+        <p:txBody>
+          <a:bodyPr/>
+          <a:lstStyle/>
+          <a:p>
+            <a:r>
+              <a:rPr lang="en-US" dirty="0"/>
+              <a:t>Results &amp; Discussion</a:t>
+            </a:r>
+          </a:p>
+        </p:txBody>
+      </p:sp>
+      <mc:AlternateContent xmlns:mc="http://schemas.openxmlformats.org/markup-compatibility/2006">
+        <mc:Choice xmlns:a14="http://schemas.microsoft.com/office/drawing/2010/main" Requires="a14">
+          <p:graphicFrame>
+            <p:nvGraphicFramePr>
+              <p:cNvPr id="4" name="Content Placeholder 3"/>
+              <p:cNvGraphicFramePr>
+                <a:graphicFrameLocks noGrp="1"/>
+              </p:cNvGraphicFramePr>
+              <p:nvPr>
+                <p:ph idx="1"/>
+                <p:extLst>
+                  <p:ext uri="{D42A27DB-BD31-4B8C-83A1-F6EECF244321}">
+                    <p14:modId xmlns:p14="http://schemas.microsoft.com/office/powerpoint/2010/main" val="2179313020"/>
+                  </p:ext>
+                </p:extLst>
+              </p:nvPr>
+            </p:nvGraphicFramePr>
+            <p:xfrm>
+              <a:off x="1104900" y="1600200"/>
+              <a:ext cx="9980614" cy="2354580"/>
+            </p:xfrm>
+            <a:graphic>
+              <a:graphicData uri="http://schemas.openxmlformats.org/drawingml/2006/table">
+                <a:tbl>
+                  <a:tblPr firstRow="1" bandRow="1">
+                    <a:tableStyleId>{5C22544A-7EE6-4342-B048-85BDC9FD1C3A}</a:tableStyleId>
+                  </a:tblPr>
+                  <a:tblGrid>
+                    <a:gridCol w="4990307">
+                      <a:extLst>
+                        <a:ext uri="{9D8B030D-6E8A-4147-A177-3AD203B41FA5}">
+                          <a16:colId xmlns:a16="http://schemas.microsoft.com/office/drawing/2014/main" val="452220581"/>
+                        </a:ext>
+                      </a:extLst>
+                    </a:gridCol>
+                    <a:gridCol w="4990307">
+                      <a:extLst>
+                        <a:ext uri="{9D8B030D-6E8A-4147-A177-3AD203B41FA5}">
+                          <a16:colId xmlns:a16="http://schemas.microsoft.com/office/drawing/2014/main" val="82609379"/>
+                        </a:ext>
+                      </a:extLst>
+                    </a:gridCol>
+                  </a:tblGrid>
+                  <a:tr h="784860">
+                    <a:tc>
+                      <a:txBody>
+                        <a:bodyPr/>
+                        <a:lstStyle/>
+                        <a:p>
+                          <a:pPr algn="ctr"/>
+                          <a:r>
+                            <a:rPr lang="en-CA" sz="1800" dirty="0"/>
+                            <a:t>Language Variation</a:t>
+                          </a:r>
+                        </a:p>
+                      </a:txBody>
+                      <a:tcPr anchor="ctr"/>
+                    </a:tc>
+                    <a:tc>
+                      <a:txBody>
+                        <a:bodyPr/>
+                        <a:lstStyle/>
+                        <a:p>
+                          <a:pPr algn="ctr"/>
+                          <a:r>
+                            <a:rPr lang="en-CA" sz="1800" dirty="0"/>
+                            <a:t>Function &amp; Terminal Set</a:t>
+                          </a:r>
+                        </a:p>
+                      </a:txBody>
+                      <a:tcPr anchor="ctr"/>
+                    </a:tc>
+                    <a:extLst>
+                      <a:ext uri="{0D108BD9-81ED-4DB2-BD59-A6C34878D82A}">
+                        <a16:rowId xmlns:a16="http://schemas.microsoft.com/office/drawing/2014/main" val="3654672897"/>
+                      </a:ext>
+                    </a:extLst>
+                  </a:tr>
+                  <a:tr h="784860">
+                    <a:tc>
+                      <a:txBody>
+                        <a:bodyPr/>
+                        <a:lstStyle/>
+                        <a:p>
+                          <a:pPr algn="ctr"/>
+                          <a:r>
+                            <a:rPr lang="en-CA" sz="1800" b="1" i="1" dirty="0"/>
+                            <a:t>L</a:t>
+                          </a:r>
+                          <a:r>
+                            <a:rPr lang="en-CA" sz="1800" b="1" i="1" baseline="-25000" dirty="0"/>
+                            <a:t>ST</a:t>
+                          </a:r>
+                          <a:endParaRPr lang="en-CA" sz="1800" b="1" i="1" dirty="0"/>
+                        </a:p>
+                      </a:txBody>
+                      <a:tcPr anchor="ctr"/>
+                    </a:tc>
+                    <a:tc>
+                      <a:txBody>
+                        <a:bodyPr/>
+                        <a:lstStyle/>
+                        <a:p>
+                          <a:pPr algn="ctr"/>
+                          <a14:m>
+                            <m:oMathPara xmlns:m="http://schemas.openxmlformats.org/officeDocument/2006/math">
+                              <m:oMathParaPr>
+                                <m:jc m:val="centerGroup"/>
+                              </m:oMathParaPr>
+                              <m:oMath xmlns:m="http://schemas.openxmlformats.org/officeDocument/2006/math">
+                                <m:sSub>
+                                  <m:sSubPr>
+                                    <m:ctrlPr>
+                                      <a:rPr lang="en-CA" sz="2000" b="1" i="1" smtClean="0">
+                                        <a:latin typeface="Cambria Math" panose="02040503050406030204" pitchFamily="18" charset="0"/>
+                                      </a:rPr>
+                                    </m:ctrlPr>
+                                  </m:sSubPr>
+                                  <m:e>
+                                    <m:r>
+                                      <a:rPr lang="en-CA" sz="2000" b="1" i="1" smtClean="0">
+                                        <a:latin typeface="Cambria Math" panose="02040503050406030204" pitchFamily="18" charset="0"/>
+                                      </a:rPr>
+                                      <m:t>𝑳</m:t>
+                                    </m:r>
+                                  </m:e>
+                                  <m:sub>
+                                    <m:r>
+                                      <a:rPr lang="en-CA" sz="2000" b="1" i="1" smtClean="0">
+                                        <a:latin typeface="Cambria Math" panose="02040503050406030204" pitchFamily="18" charset="0"/>
+                                      </a:rPr>
+                                      <m:t>𝑰𝑭</m:t>
+                                    </m:r>
+                                  </m:sub>
+                                </m:sSub>
+                                <m:r>
+                                  <a:rPr lang="en-CA" sz="2000" b="1" i="1" smtClean="0">
+                                    <a:latin typeface="Cambria Math" panose="02040503050406030204" pitchFamily="18" charset="0"/>
+                                  </a:rPr>
+                                  <m:t>∪{</m:t>
+                                </m:r>
+                                <m:r>
+                                  <a:rPr lang="en-CA" sz="2000" b="1" i="1" smtClean="0">
+                                    <a:latin typeface="Cambria Math" panose="02040503050406030204" pitchFamily="18" charset="0"/>
+                                  </a:rPr>
+                                  <m:t>𝒔𝒖𝒎</m:t>
+                                </m:r>
+                                <m:r>
+                                  <a:rPr lang="en-CA" sz="2000" b="1" i="1" smtClean="0">
+                                    <a:latin typeface="Cambria Math" panose="02040503050406030204" pitchFamily="18" charset="0"/>
+                                  </a:rPr>
+                                  <m:t>, </m:t>
+                                </m:r>
+                                <m:r>
+                                  <a:rPr lang="en-CA" sz="2000" b="1" i="1" smtClean="0">
+                                    <a:latin typeface="Cambria Math" panose="02040503050406030204" pitchFamily="18" charset="0"/>
+                                  </a:rPr>
+                                  <m:t>𝒔𝒕𝒅𝒆𝒗</m:t>
+                                </m:r>
+                                <m:r>
+                                  <a:rPr lang="en-CA" sz="2000" b="1" i="1" smtClean="0">
+                                    <a:latin typeface="Cambria Math" panose="02040503050406030204" pitchFamily="18" charset="0"/>
+                                  </a:rPr>
+                                  <m:t>, </m:t>
+                                </m:r>
+                                <m:r>
+                                  <a:rPr lang="en-CA" sz="2000" b="1" i="1" smtClean="0">
+                                    <a:latin typeface="Cambria Math" panose="02040503050406030204" pitchFamily="18" charset="0"/>
+                                  </a:rPr>
+                                  <m:t>𝒔𝒌𝒆𝒘</m:t>
+                                </m:r>
+                                <m:r>
+                                  <a:rPr lang="en-CA" sz="2000" b="1" i="1" smtClean="0">
+                                    <a:latin typeface="Cambria Math" panose="02040503050406030204" pitchFamily="18" charset="0"/>
+                                  </a:rPr>
+                                  <m:t>}</m:t>
+                                </m:r>
+                              </m:oMath>
+                            </m:oMathPara>
+                          </a14:m>
+                          <a:endParaRPr lang="en-CA" sz="2000" b="1" dirty="0"/>
+                        </a:p>
+                      </a:txBody>
+                      <a:tcPr anchor="ctr"/>
+                    </a:tc>
+                    <a:extLst>
+                      <a:ext uri="{0D108BD9-81ED-4DB2-BD59-A6C34878D82A}">
+                        <a16:rowId xmlns:a16="http://schemas.microsoft.com/office/drawing/2014/main" val="2083470743"/>
+                      </a:ext>
+                    </a:extLst>
+                  </a:tr>
+                  <a:tr h="784860">
+                    <a:tc>
+                      <a:txBody>
+                        <a:bodyPr/>
+                        <a:lstStyle/>
+                        <a:p>
+                          <a:pPr algn="ctr"/>
+                          <a:r>
+                            <a:rPr lang="en-CA" sz="1800" b="1" i="1" dirty="0"/>
+                            <a:t>L</a:t>
+                          </a:r>
+                          <a:r>
+                            <a:rPr lang="en-CA" sz="1800" b="1" i="1" baseline="-25000" dirty="0"/>
+                            <a:t>ST’</a:t>
+                          </a:r>
+                          <a:endParaRPr lang="en-CA" sz="1800" b="1" i="1" dirty="0"/>
+                        </a:p>
+                      </a:txBody>
+                      <a:tcPr anchor="ctr"/>
+                    </a:tc>
+                    <a:tc>
+                      <a:txBody>
+                        <a:bodyPr/>
+                        <a:lstStyle/>
+                        <a:p>
+                          <a:pPr algn="ctr"/>
+                          <a14:m>
+                            <m:oMathPara xmlns:m="http://schemas.openxmlformats.org/officeDocument/2006/math">
+                              <m:oMathParaPr>
+                                <m:jc m:val="centerGroup"/>
+                              </m:oMathParaPr>
+                              <m:oMath xmlns:m="http://schemas.openxmlformats.org/officeDocument/2006/math">
+                                <m:sSub>
+                                  <m:sSubPr>
+                                    <m:ctrlPr>
+                                      <a:rPr lang="en-CA" sz="2000" b="1" i="1" smtClean="0">
+                                        <a:latin typeface="Cambria Math" panose="02040503050406030204" pitchFamily="18" charset="0"/>
+                                      </a:rPr>
+                                    </m:ctrlPr>
+                                  </m:sSubPr>
+                                  <m:e>
+                                    <m:r>
+                                      <a:rPr lang="en-CA" sz="2000" b="1" i="1" smtClean="0">
+                                        <a:latin typeface="Cambria Math" panose="02040503050406030204" pitchFamily="18" charset="0"/>
+                                      </a:rPr>
+                                      <m:t>𝑳</m:t>
+                                    </m:r>
+                                  </m:e>
+                                  <m:sub>
+                                    <m:r>
+                                      <a:rPr lang="en-CA" sz="2000" b="1" i="1" smtClean="0">
+                                        <a:latin typeface="Cambria Math" panose="02040503050406030204" pitchFamily="18" charset="0"/>
+                                      </a:rPr>
+                                      <m:t>𝑺𝑻</m:t>
+                                    </m:r>
+                                  </m:sub>
+                                </m:sSub>
+                                <m:r>
+                                  <a:rPr lang="en-CA" sz="2000" b="1" i="1" smtClean="0">
+                                    <a:latin typeface="Cambria Math" panose="02040503050406030204" pitchFamily="18" charset="0"/>
+                                  </a:rPr>
+                                  <m:t>∪{</m:t>
+                                </m:r>
+                                <m:r>
+                                  <a:rPr lang="en-CA" sz="2000" b="1" i="1" smtClean="0">
+                                    <a:latin typeface="Cambria Math" panose="02040503050406030204" pitchFamily="18" charset="0"/>
+                                  </a:rPr>
+                                  <m:t>𝒂𝒗𝒈</m:t>
+                                </m:r>
+                                <m:r>
+                                  <a:rPr lang="en-CA" sz="2000" b="1" i="1" smtClean="0">
+                                    <a:latin typeface="Cambria Math" panose="02040503050406030204" pitchFamily="18" charset="0"/>
+                                  </a:rPr>
+                                  <m:t>, </m:t>
+                                </m:r>
+                                <m:r>
+                                  <a:rPr lang="en-CA" sz="2000" b="1" i="1" smtClean="0">
+                                    <a:latin typeface="Cambria Math" panose="02040503050406030204" pitchFamily="18" charset="0"/>
+                                  </a:rPr>
+                                  <m:t>𝒎𝒊𝒏</m:t>
+                                </m:r>
+                                <m:r>
+                                  <a:rPr lang="en-CA" sz="2000" b="1" i="1" smtClean="0">
+                                    <a:latin typeface="Cambria Math" panose="02040503050406030204" pitchFamily="18" charset="0"/>
+                                  </a:rPr>
+                                  <m:t>, </m:t>
+                                </m:r>
+                                <m:r>
+                                  <a:rPr lang="en-CA" sz="2000" b="1" i="1" smtClean="0">
+                                    <a:latin typeface="Cambria Math" panose="02040503050406030204" pitchFamily="18" charset="0"/>
+                                  </a:rPr>
+                                  <m:t>𝒎𝒂𝒙</m:t>
+                                </m:r>
+                                <m:r>
+                                  <a:rPr lang="en-CA" sz="2000" b="1" i="1" smtClean="0">
+                                    <a:latin typeface="Cambria Math" panose="02040503050406030204" pitchFamily="18" charset="0"/>
+                                  </a:rPr>
+                                  <m:t>}</m:t>
+                                </m:r>
+                              </m:oMath>
+                            </m:oMathPara>
+                          </a14:m>
+                          <a:endParaRPr lang="en-CA" sz="2000" b="1" dirty="0"/>
+                        </a:p>
+                      </a:txBody>
+                      <a:tcPr anchor="ctr"/>
+                    </a:tc>
+                    <a:extLst>
+                      <a:ext uri="{0D108BD9-81ED-4DB2-BD59-A6C34878D82A}">
+                        <a16:rowId xmlns:a16="http://schemas.microsoft.com/office/drawing/2014/main" val="1427336378"/>
+                      </a:ext>
+                    </a:extLst>
+                  </a:tr>
+                </a:tbl>
+              </a:graphicData>
+            </a:graphic>
+          </p:graphicFrame>
+        </mc:Choice>
+        <mc:Fallback>
+          <p:graphicFrame>
+            <p:nvGraphicFramePr>
+              <p:cNvPr id="4" name="Content Placeholder 3"/>
+              <p:cNvGraphicFramePr>
+                <a:graphicFrameLocks noGrp="1"/>
+              </p:cNvGraphicFramePr>
+              <p:nvPr>
+                <p:ph idx="1"/>
+                <p:extLst>
+                  <p:ext uri="{D42A27DB-BD31-4B8C-83A1-F6EECF244321}">
+                    <p14:modId xmlns:p14="http://schemas.microsoft.com/office/powerpoint/2010/main" val="2179313020"/>
+                  </p:ext>
+                </p:extLst>
+              </p:nvPr>
+            </p:nvGraphicFramePr>
+            <p:xfrm>
+              <a:off x="1104900" y="1600200"/>
+              <a:ext cx="9980614" cy="2354580"/>
+            </p:xfrm>
+            <a:graphic>
+              <a:graphicData uri="http://schemas.openxmlformats.org/drawingml/2006/table">
+                <a:tbl>
+                  <a:tblPr firstRow="1" bandRow="1">
+                    <a:tableStyleId>{5C22544A-7EE6-4342-B048-85BDC9FD1C3A}</a:tableStyleId>
+                  </a:tblPr>
+                  <a:tblGrid>
+                    <a:gridCol w="4990307">
+                      <a:extLst>
+                        <a:ext uri="{9D8B030D-6E8A-4147-A177-3AD203B41FA5}">
+                          <a16:colId xmlns:a16="http://schemas.microsoft.com/office/drawing/2014/main" val="452220581"/>
+                        </a:ext>
+                      </a:extLst>
+                    </a:gridCol>
+                    <a:gridCol w="4990307">
+                      <a:extLst>
+                        <a:ext uri="{9D8B030D-6E8A-4147-A177-3AD203B41FA5}">
+                          <a16:colId xmlns:a16="http://schemas.microsoft.com/office/drawing/2014/main" val="82609379"/>
+                        </a:ext>
+                      </a:extLst>
+                    </a:gridCol>
+                  </a:tblGrid>
+                  <a:tr h="784860">
+                    <a:tc>
+                      <a:txBody>
+                        <a:bodyPr/>
+                        <a:lstStyle/>
+                        <a:p>
+                          <a:pPr algn="ctr"/>
+                          <a:r>
+                            <a:rPr lang="en-CA" sz="1800" dirty="0"/>
+                            <a:t>Language Variation</a:t>
+                          </a:r>
+                        </a:p>
+                      </a:txBody>
+                      <a:tcPr anchor="ctr"/>
+                    </a:tc>
+                    <a:tc>
+                      <a:txBody>
+                        <a:bodyPr/>
+                        <a:lstStyle/>
+                        <a:p>
+                          <a:pPr algn="ctr"/>
+                          <a:r>
+                            <a:rPr lang="en-CA" sz="1800" dirty="0"/>
+                            <a:t>Function &amp; Terminal Set</a:t>
+                          </a:r>
+                        </a:p>
+                      </a:txBody>
+                      <a:tcPr anchor="ctr"/>
+                    </a:tc>
+                    <a:extLst>
+                      <a:ext uri="{0D108BD9-81ED-4DB2-BD59-A6C34878D82A}">
+                        <a16:rowId xmlns:a16="http://schemas.microsoft.com/office/drawing/2014/main" val="3654672897"/>
+                      </a:ext>
+                    </a:extLst>
+                  </a:tr>
+                  <a:tr h="784860">
+                    <a:tc>
+                      <a:txBody>
+                        <a:bodyPr/>
+                        <a:lstStyle/>
+                        <a:p>
+                          <a:pPr algn="ctr"/>
+                          <a:r>
+                            <a:rPr lang="en-CA" sz="1800" b="1" i="1" dirty="0"/>
+                            <a:t>L</a:t>
+                          </a:r>
+                          <a:r>
+                            <a:rPr lang="en-CA" sz="1800" b="1" i="1" baseline="-25000" dirty="0"/>
+                            <a:t>ST</a:t>
+                          </a:r>
+                          <a:endParaRPr lang="en-CA" sz="1800" b="1" i="1" dirty="0"/>
+                        </a:p>
+                      </a:txBody>
+                      <a:tcPr anchor="ctr"/>
+                    </a:tc>
+                    <a:tc>
+                      <a:txBody>
+                        <a:bodyPr/>
+                        <a:lstStyle/>
+                        <a:p>
+                          <a:endParaRPr lang="en-US"/>
+                        </a:p>
+                      </a:txBody>
+                      <a:tcPr anchor="ctr">
+                        <a:blipFill>
+                          <a:blip r:embed="rId3"/>
+                          <a:stretch>
+                            <a:fillRect l="-100122" t="-100775" r="-488" b="-101550"/>
+                          </a:stretch>
+                        </a:blipFill>
+                      </a:tcPr>
+                    </a:tc>
+                    <a:extLst>
+                      <a:ext uri="{0D108BD9-81ED-4DB2-BD59-A6C34878D82A}">
+                        <a16:rowId xmlns:a16="http://schemas.microsoft.com/office/drawing/2014/main" val="2083470743"/>
+                      </a:ext>
+                    </a:extLst>
+                  </a:tr>
+                  <a:tr h="784860">
+                    <a:tc>
+                      <a:txBody>
+                        <a:bodyPr/>
+                        <a:lstStyle/>
+                        <a:p>
+                          <a:pPr algn="ctr"/>
+                          <a:r>
+                            <a:rPr lang="en-CA" sz="1800" b="1" i="1" dirty="0"/>
+                            <a:t>L</a:t>
+                          </a:r>
+                          <a:r>
+                            <a:rPr lang="en-CA" sz="1800" b="1" i="1" baseline="-25000" dirty="0"/>
+                            <a:t>ST’</a:t>
+                          </a:r>
+                          <a:endParaRPr lang="en-CA" sz="1800" b="1" i="1" dirty="0"/>
+                        </a:p>
+                      </a:txBody>
+                      <a:tcPr anchor="ctr"/>
+                    </a:tc>
+                    <a:tc>
+                      <a:txBody>
+                        <a:bodyPr/>
+                        <a:lstStyle/>
+                        <a:p>
+                          <a:endParaRPr lang="en-US"/>
+                        </a:p>
+                      </a:txBody>
+                      <a:tcPr anchor="ctr">
+                        <a:blipFill>
+                          <a:blip r:embed="rId3"/>
+                          <a:stretch>
+                            <a:fillRect l="-100122" t="-200775" r="-488" b="-1550"/>
+                          </a:stretch>
+                        </a:blipFill>
+                      </a:tcPr>
+                    </a:tc>
+                    <a:extLst>
+                      <a:ext uri="{0D108BD9-81ED-4DB2-BD59-A6C34878D82A}">
+                        <a16:rowId xmlns:a16="http://schemas.microsoft.com/office/drawing/2014/main" val="1427336378"/>
+                      </a:ext>
+                    </a:extLst>
+                  </a:tr>
+                </a:tbl>
+              </a:graphicData>
+            </a:graphic>
+          </p:graphicFrame>
+        </mc:Fallback>
+      </mc:AlternateContent>
+    </p:spTree>
+    <p:extLst>
+      <p:ext uri="{BB962C8B-B14F-4D97-AF65-F5344CB8AC3E}">
+        <p14:creationId xmlns:p14="http://schemas.microsoft.com/office/powerpoint/2010/main" val="1056230780"/>
+      </p:ext>
+    </p:extLst>
+  </p:cSld>
+  <p:clrMapOvr>
+    <a:masterClrMapping/>
+  </p:clrMapOvr>
+  <mc:AlternateContent xmlns:mc="http://schemas.openxmlformats.org/markup-compatibility/2006" xmlns:p14="http://schemas.microsoft.com/office/powerpoint/2010/main">
+    <mc:Choice Requires="p14">
+      <p:transition spd="med" p14:dur="700">
+        <p:fade/>
+      </p:transition>
+    </mc:Choice>
+    <mc:Fallback xmlns="">
+      <p:transition spd="med">
+        <p:fade/>
+      </p:transition>
+    </mc:Fallback>
+  </mc:AlternateContent>
+</p:sld>
+</file>
+
+<file path=ppt/slides/slide15.xml><?xml version="1.0" encoding="utf-8"?>
 <p:sld xmlns:a="http://schemas.openxmlformats.org/drawingml/2006/main" xmlns:r="http://schemas.openxmlformats.org/officeDocument/2006/relationships" xmlns:p="http://schemas.openxmlformats.org/presentationml/2006/main">
   <p:cSld>
     <p:spTree>
@@ -9255,82 +10391,1071 @@
           </a:p>
         </p:txBody>
       </p:sp>
-      <p:sp>
-        <p:nvSpPr>
-          <p:cNvPr id="3" name="Content Placeholder 2"/>
-          <p:cNvSpPr>
-            <a:spLocks noGrp="1"/>
-          </p:cNvSpPr>
-          <p:nvPr>
-            <p:ph idx="1"/>
-          </p:nvPr>
-        </p:nvSpPr>
-        <p:spPr>
-          <a:xfrm>
-            <a:off x="1104900" y="1600200"/>
-            <a:ext cx="4889500" cy="4572000"/>
-          </a:xfrm>
-        </p:spPr>
-        <p:txBody>
-          <a:bodyPr/>
-          <a:lstStyle/>
-          <a:p>
-            <a:r>
-              <a:rPr lang="en-CA" dirty="0"/>
-              <a:t>Without </a:t>
-            </a:r>
-            <a:r>
-              <a:rPr lang="en-CA" i="1" dirty="0"/>
-              <a:t>IFLT</a:t>
-            </a:r>
-            <a:r>
-              <a:rPr lang="en-CA" dirty="0"/>
-              <a:t> in a math-based language</a:t>
-            </a:r>
-          </a:p>
-          <a:p>
-            <a:pPr lvl="1"/>
-            <a:r>
-              <a:rPr lang="en-CA" dirty="0"/>
-              <a:t>Language: </a:t>
-            </a:r>
-            <a:r>
-              <a:rPr lang="en-CA" b="1" i="1" dirty="0"/>
-              <a:t>L</a:t>
-            </a:r>
-          </a:p>
-          <a:p>
-            <a:r>
-              <a:rPr lang="en-CA" dirty="0"/>
-              <a:t>With </a:t>
-            </a:r>
-            <a:r>
-              <a:rPr lang="en-CA" i="1" dirty="0"/>
-              <a:t>IFLT</a:t>
-            </a:r>
-            <a:r>
-              <a:rPr lang="en-CA" dirty="0"/>
-              <a:t> in a math-based language</a:t>
-            </a:r>
-          </a:p>
-          <a:p>
-            <a:pPr lvl="1"/>
-            <a:r>
-              <a:rPr lang="en-CA" dirty="0"/>
-              <a:t>Language: </a:t>
-            </a:r>
-            <a:r>
-              <a:rPr lang="en-CA" b="1" i="1" dirty="0"/>
-              <a:t>L</a:t>
-            </a:r>
-            <a:r>
-              <a:rPr lang="en-CA" b="1" i="1" baseline="-25000" dirty="0"/>
-              <a:t>IF</a:t>
-            </a:r>
-            <a:endParaRPr lang="en-CA" b="1" i="1" dirty="0"/>
-          </a:p>
-        </p:txBody>
-      </p:sp>
+      <mc:AlternateContent xmlns:mc="http://schemas.openxmlformats.org/markup-compatibility/2006">
+        <mc:Choice xmlns:a14="http://schemas.microsoft.com/office/drawing/2010/main" Requires="a14">
+          <p:graphicFrame>
+            <p:nvGraphicFramePr>
+              <p:cNvPr id="4" name="Content Placeholder 3"/>
+              <p:cNvGraphicFramePr>
+                <a:graphicFrameLocks noGrp="1"/>
+              </p:cNvGraphicFramePr>
+              <p:nvPr>
+                <p:ph idx="1"/>
+                <p:extLst>
+                  <p:ext uri="{D42A27DB-BD31-4B8C-83A1-F6EECF244321}">
+                    <p14:modId xmlns:p14="http://schemas.microsoft.com/office/powerpoint/2010/main" val="2795055958"/>
+                  </p:ext>
+                </p:extLst>
+              </p:nvPr>
+            </p:nvGraphicFramePr>
+            <p:xfrm>
+              <a:off x="1104900" y="1600200"/>
+              <a:ext cx="9980614" cy="4193119"/>
+            </p:xfrm>
+            <a:graphic>
+              <a:graphicData uri="http://schemas.openxmlformats.org/drawingml/2006/table">
+                <a:tbl>
+                  <a:tblPr firstRow="1" bandRow="1">
+                    <a:tableStyleId>{5C22544A-7EE6-4342-B048-85BDC9FD1C3A}</a:tableStyleId>
+                  </a:tblPr>
+                  <a:tblGrid>
+                    <a:gridCol w="4990307">
+                      <a:extLst>
+                        <a:ext uri="{9D8B030D-6E8A-4147-A177-3AD203B41FA5}">
+                          <a16:colId xmlns:a16="http://schemas.microsoft.com/office/drawing/2014/main" val="452220581"/>
+                        </a:ext>
+                      </a:extLst>
+                    </a:gridCol>
+                    <a:gridCol w="4990307">
+                      <a:extLst>
+                        <a:ext uri="{9D8B030D-6E8A-4147-A177-3AD203B41FA5}">
+                          <a16:colId xmlns:a16="http://schemas.microsoft.com/office/drawing/2014/main" val="82609379"/>
+                        </a:ext>
+                      </a:extLst>
+                    </a:gridCol>
+                  </a:tblGrid>
+                  <a:tr h="599017">
+                    <a:tc>
+                      <a:txBody>
+                        <a:bodyPr/>
+                        <a:lstStyle/>
+                        <a:p>
+                          <a:pPr algn="ctr"/>
+                          <a:r>
+                            <a:rPr lang="en-CA" sz="1800" dirty="0"/>
+                            <a:t>Language Variation</a:t>
+                          </a:r>
+                        </a:p>
+                      </a:txBody>
+                      <a:tcPr anchor="ctr"/>
+                    </a:tc>
+                    <a:tc>
+                      <a:txBody>
+                        <a:bodyPr/>
+                        <a:lstStyle/>
+                        <a:p>
+                          <a:pPr algn="ctr"/>
+                          <a:r>
+                            <a:rPr lang="en-CA" sz="1800" dirty="0"/>
+                            <a:t>Function &amp; Terminal Set</a:t>
+                          </a:r>
+                        </a:p>
+                      </a:txBody>
+                      <a:tcPr anchor="ctr"/>
+                    </a:tc>
+                    <a:extLst>
+                      <a:ext uri="{0D108BD9-81ED-4DB2-BD59-A6C34878D82A}">
+                        <a16:rowId xmlns:a16="http://schemas.microsoft.com/office/drawing/2014/main" val="3654672897"/>
+                      </a:ext>
+                    </a:extLst>
+                  </a:tr>
+                  <a:tr h="599017">
+                    <a:tc>
+                      <a:txBody>
+                        <a:bodyPr/>
+                        <a:lstStyle/>
+                        <a:p>
+                          <a:pPr algn="ctr"/>
+                          <a:r>
+                            <a:rPr lang="en-CA" sz="1800" b="1" i="1" dirty="0"/>
+                            <a:t>L</a:t>
+                          </a:r>
+                        </a:p>
+                      </a:txBody>
+                      <a:tcPr anchor="ctr"/>
+                    </a:tc>
+                    <a:tc>
+                      <a:txBody>
+                        <a:bodyPr/>
+                        <a:lstStyle/>
+                        <a:p>
+                          <a:pPr algn="ctr"/>
+                          <a14:m>
+                            <m:oMathPara xmlns:m="http://schemas.openxmlformats.org/officeDocument/2006/math">
+                              <m:oMathParaPr>
+                                <m:jc m:val="centerGroup"/>
+                              </m:oMathParaPr>
+                              <m:oMath xmlns:m="http://schemas.openxmlformats.org/officeDocument/2006/math">
+                                <m:r>
+                                  <a:rPr lang="en-CA" sz="2000" b="1" i="1" smtClean="0">
+                                    <a:latin typeface="Cambria Math" panose="02040503050406030204" pitchFamily="18" charset="0"/>
+                                  </a:rPr>
+                                  <m:t>{</m:t>
+                                </m:r>
+                                <m:r>
+                                  <a:rPr lang="en-CA" sz="2000" b="1" i="1" smtClean="0">
+                                    <a:latin typeface="Cambria Math" panose="02040503050406030204" pitchFamily="18" charset="0"/>
+                                  </a:rPr>
+                                  <m:t>𝒙</m:t>
+                                </m:r>
+                                <m:r>
+                                  <a:rPr lang="en-CA" sz="2000" b="1" i="1" smtClean="0">
+                                    <a:latin typeface="Cambria Math" panose="02040503050406030204" pitchFamily="18" charset="0"/>
+                                  </a:rPr>
+                                  <m:t>, </m:t>
+                                </m:r>
+                                <m:r>
+                                  <a:rPr lang="en-CA" sz="2000" b="1" i="1" smtClean="0">
+                                    <a:latin typeface="Cambria Math" panose="02040503050406030204" pitchFamily="18" charset="0"/>
+                                  </a:rPr>
+                                  <m:t>𝑬𝑹𝑪</m:t>
+                                </m:r>
+                                <m:r>
+                                  <a:rPr lang="en-CA" sz="2000" b="1" i="1" smtClean="0">
+                                    <a:latin typeface="Cambria Math" panose="02040503050406030204" pitchFamily="18" charset="0"/>
+                                  </a:rPr>
+                                  <m:t>, +, −, ×, ÷, </m:t>
+                                </m:r>
+                                <m:r>
+                                  <a:rPr lang="en-CA" sz="2000" b="1" i="1" smtClean="0">
+                                    <a:latin typeface="Cambria Math" panose="02040503050406030204" pitchFamily="18" charset="0"/>
+                                    <a:ea typeface="Cambria Math" panose="02040503050406030204" pitchFamily="18" charset="0"/>
+                                  </a:rPr>
+                                  <m:t>𝒍𝒐𝒈</m:t>
+                                </m:r>
+                                <m:r>
+                                  <a:rPr lang="en-CA" sz="2000" b="1" i="1" smtClean="0">
+                                    <a:latin typeface="Cambria Math" panose="02040503050406030204" pitchFamily="18" charset="0"/>
+                                    <a:ea typeface="Cambria Math" panose="02040503050406030204" pitchFamily="18" charset="0"/>
+                                  </a:rPr>
+                                  <m:t>, </m:t>
+                                </m:r>
+                                <m:r>
+                                  <a:rPr lang="en-CA" sz="2000" b="1" i="1" smtClean="0">
+                                    <a:latin typeface="Cambria Math" panose="02040503050406030204" pitchFamily="18" charset="0"/>
+                                    <a:ea typeface="Cambria Math" panose="02040503050406030204" pitchFamily="18" charset="0"/>
+                                  </a:rPr>
+                                  <m:t>𝒄𝒐𝒔</m:t>
+                                </m:r>
+                                <m:r>
+                                  <a:rPr lang="en-CA" sz="2000" b="1" i="1" smtClean="0">
+                                    <a:latin typeface="Cambria Math" panose="02040503050406030204" pitchFamily="18" charset="0"/>
+                                    <a:ea typeface="Cambria Math" panose="02040503050406030204" pitchFamily="18" charset="0"/>
+                                  </a:rPr>
+                                  <m:t>, </m:t>
+                                </m:r>
+                                <m:r>
+                                  <a:rPr lang="en-CA" sz="2000" b="1" i="1" smtClean="0">
+                                    <a:latin typeface="Cambria Math" panose="02040503050406030204" pitchFamily="18" charset="0"/>
+                                    <a:ea typeface="Cambria Math" panose="02040503050406030204" pitchFamily="18" charset="0"/>
+                                  </a:rPr>
+                                  <m:t>𝒔𝒊𝒏</m:t>
+                                </m:r>
+                                <m:r>
+                                  <a:rPr lang="en-CA" sz="2000" b="1" i="1" smtClean="0">
+                                    <a:latin typeface="Cambria Math" panose="02040503050406030204" pitchFamily="18" charset="0"/>
+                                  </a:rPr>
+                                  <m:t>}</m:t>
+                                </m:r>
+                              </m:oMath>
+                            </m:oMathPara>
+                          </a14:m>
+                          <a:endParaRPr lang="en-CA" sz="2000" b="1" dirty="0"/>
+                        </a:p>
+                      </a:txBody>
+                      <a:tcPr anchor="ctr"/>
+                    </a:tc>
+                    <a:extLst>
+                      <a:ext uri="{0D108BD9-81ED-4DB2-BD59-A6C34878D82A}">
+                        <a16:rowId xmlns:a16="http://schemas.microsoft.com/office/drawing/2014/main" val="2083470743"/>
+                      </a:ext>
+                    </a:extLst>
+                  </a:tr>
+                  <a:tr h="599017">
+                    <a:tc>
+                      <a:txBody>
+                        <a:bodyPr/>
+                        <a:lstStyle/>
+                        <a:p>
+                          <a:pPr algn="ctr"/>
+                          <a:r>
+                            <a:rPr lang="en-CA" sz="1800" b="1" i="1" dirty="0"/>
+                            <a:t>L</a:t>
+                          </a:r>
+                          <a:r>
+                            <a:rPr lang="en-CA" sz="1800" b="1" i="1" baseline="-25000" dirty="0"/>
+                            <a:t>IF</a:t>
+                          </a:r>
+                          <a:endParaRPr lang="en-CA" sz="1800" b="1" i="1" dirty="0"/>
+                        </a:p>
+                      </a:txBody>
+                      <a:tcPr anchor="ctr"/>
+                    </a:tc>
+                    <a:tc>
+                      <a:txBody>
+                        <a:bodyPr/>
+                        <a:lstStyle/>
+                        <a:p>
+                          <a:pPr algn="ctr"/>
+                          <a14:m>
+                            <m:oMathPara xmlns:m="http://schemas.openxmlformats.org/officeDocument/2006/math">
+                              <m:oMathParaPr>
+                                <m:jc m:val="centerGroup"/>
+                              </m:oMathParaPr>
+                              <m:oMath xmlns:m="http://schemas.openxmlformats.org/officeDocument/2006/math">
+                                <m:r>
+                                  <a:rPr lang="en-CA" sz="2000" b="1" i="1" smtClean="0">
+                                    <a:latin typeface="Cambria Math" panose="02040503050406030204" pitchFamily="18" charset="0"/>
+                                  </a:rPr>
+                                  <m:t>𝑳</m:t>
+                                </m:r>
+                                <m:r>
+                                  <a:rPr lang="en-CA" sz="2000" b="1" i="1" smtClean="0">
+                                    <a:latin typeface="Cambria Math" panose="02040503050406030204" pitchFamily="18" charset="0"/>
+                                  </a:rPr>
+                                  <m:t>∪{</m:t>
+                                </m:r>
+                                <m:r>
+                                  <a:rPr lang="en-CA" sz="2000" b="1" i="1" smtClean="0">
+                                    <a:latin typeface="Cambria Math" panose="02040503050406030204" pitchFamily="18" charset="0"/>
+                                  </a:rPr>
+                                  <m:t>𝑰𝑭𝑳𝑻</m:t>
+                                </m:r>
+                                <m:r>
+                                  <a:rPr lang="en-CA" sz="2000" b="1" i="1" smtClean="0">
+                                    <a:latin typeface="Cambria Math" panose="02040503050406030204" pitchFamily="18" charset="0"/>
+                                  </a:rPr>
+                                  <m:t>}</m:t>
+                                </m:r>
+                              </m:oMath>
+                            </m:oMathPara>
+                          </a14:m>
+                          <a:endParaRPr lang="en-CA" sz="2000" b="1" dirty="0"/>
+                        </a:p>
+                      </a:txBody>
+                      <a:tcPr anchor="ctr"/>
+                    </a:tc>
+                    <a:extLst>
+                      <a:ext uri="{0D108BD9-81ED-4DB2-BD59-A6C34878D82A}">
+                        <a16:rowId xmlns:a16="http://schemas.microsoft.com/office/drawing/2014/main" val="1427336378"/>
+                      </a:ext>
+                    </a:extLst>
+                  </a:tr>
+                  <a:tr h="599017">
+                    <a:tc>
+                      <a:txBody>
+                        <a:bodyPr/>
+                        <a:lstStyle/>
+                        <a:p>
+                          <a:pPr algn="ctr"/>
+                          <a:r>
+                            <a:rPr lang="en-CA" sz="1800" b="1" i="1" dirty="0"/>
+                            <a:t>L</a:t>
+                          </a:r>
+                          <a:r>
+                            <a:rPr lang="en-CA" sz="1800" b="1" i="1" baseline="-25000" dirty="0"/>
+                            <a:t>ST</a:t>
+                          </a:r>
+                          <a:endParaRPr lang="en-CA" sz="1800" b="1" i="1" dirty="0"/>
+                        </a:p>
+                      </a:txBody>
+                      <a:tcPr anchor="ctr"/>
+                    </a:tc>
+                    <a:tc>
+                      <a:txBody>
+                        <a:bodyPr/>
+                        <a:lstStyle/>
+                        <a:p>
+                          <a:pPr algn="ctr"/>
+                          <a14:m>
+                            <m:oMathPara xmlns:m="http://schemas.openxmlformats.org/officeDocument/2006/math">
+                              <m:oMathParaPr>
+                                <m:jc m:val="centerGroup"/>
+                              </m:oMathParaPr>
+                              <m:oMath xmlns:m="http://schemas.openxmlformats.org/officeDocument/2006/math">
+                                <m:sSub>
+                                  <m:sSubPr>
+                                    <m:ctrlPr>
+                                      <a:rPr lang="en-CA" sz="2000" b="1" i="1" smtClean="0">
+                                        <a:latin typeface="Cambria Math" panose="02040503050406030204" pitchFamily="18" charset="0"/>
+                                      </a:rPr>
+                                    </m:ctrlPr>
+                                  </m:sSubPr>
+                                  <m:e>
+                                    <m:r>
+                                      <a:rPr lang="en-CA" sz="2000" b="1" i="1" smtClean="0">
+                                        <a:latin typeface="Cambria Math" panose="02040503050406030204" pitchFamily="18" charset="0"/>
+                                      </a:rPr>
+                                      <m:t>𝑳</m:t>
+                                    </m:r>
+                                  </m:e>
+                                  <m:sub>
+                                    <m:r>
+                                      <a:rPr lang="en-CA" sz="2000" b="1" i="1" smtClean="0">
+                                        <a:latin typeface="Cambria Math" panose="02040503050406030204" pitchFamily="18" charset="0"/>
+                                      </a:rPr>
+                                      <m:t>𝑰𝑭</m:t>
+                                    </m:r>
+                                  </m:sub>
+                                </m:sSub>
+                                <m:r>
+                                  <a:rPr lang="en-CA" sz="2000" b="1" i="1" smtClean="0">
+                                    <a:latin typeface="Cambria Math" panose="02040503050406030204" pitchFamily="18" charset="0"/>
+                                  </a:rPr>
+                                  <m:t>∪{</m:t>
+                                </m:r>
+                                <m:r>
+                                  <a:rPr lang="en-CA" sz="2000" b="1" i="1" smtClean="0">
+                                    <a:latin typeface="Cambria Math" panose="02040503050406030204" pitchFamily="18" charset="0"/>
+                                  </a:rPr>
+                                  <m:t>𝒔𝒖𝒎</m:t>
+                                </m:r>
+                                <m:r>
+                                  <a:rPr lang="en-CA" sz="2000" b="1" i="1" smtClean="0">
+                                    <a:latin typeface="Cambria Math" panose="02040503050406030204" pitchFamily="18" charset="0"/>
+                                  </a:rPr>
+                                  <m:t>, </m:t>
+                                </m:r>
+                                <m:r>
+                                  <a:rPr lang="en-CA" sz="2000" b="1" i="1" smtClean="0">
+                                    <a:latin typeface="Cambria Math" panose="02040503050406030204" pitchFamily="18" charset="0"/>
+                                  </a:rPr>
+                                  <m:t>𝒔𝒕𝒅𝒆𝒗</m:t>
+                                </m:r>
+                                <m:r>
+                                  <a:rPr lang="en-CA" sz="2000" b="1" i="1" smtClean="0">
+                                    <a:latin typeface="Cambria Math" panose="02040503050406030204" pitchFamily="18" charset="0"/>
+                                  </a:rPr>
+                                  <m:t>, </m:t>
+                                </m:r>
+                                <m:r>
+                                  <a:rPr lang="en-CA" sz="2000" b="1" i="1" smtClean="0">
+                                    <a:latin typeface="Cambria Math" panose="02040503050406030204" pitchFamily="18" charset="0"/>
+                                  </a:rPr>
+                                  <m:t>𝒔𝒌𝒆𝒘</m:t>
+                                </m:r>
+                                <m:r>
+                                  <a:rPr lang="en-CA" sz="2000" b="1" i="1" smtClean="0">
+                                    <a:latin typeface="Cambria Math" panose="02040503050406030204" pitchFamily="18" charset="0"/>
+                                  </a:rPr>
+                                  <m:t>}</m:t>
+                                </m:r>
+                              </m:oMath>
+                            </m:oMathPara>
+                          </a14:m>
+                          <a:endParaRPr lang="en-CA" sz="2000" b="1" dirty="0"/>
+                        </a:p>
+                      </a:txBody>
+                      <a:tcPr anchor="ctr"/>
+                    </a:tc>
+                    <a:extLst>
+                      <a:ext uri="{0D108BD9-81ED-4DB2-BD59-A6C34878D82A}">
+                        <a16:rowId xmlns:a16="http://schemas.microsoft.com/office/drawing/2014/main" val="1548791112"/>
+                      </a:ext>
+                    </a:extLst>
+                  </a:tr>
+                  <a:tr h="599017">
+                    <a:tc>
+                      <a:txBody>
+                        <a:bodyPr/>
+                        <a:lstStyle/>
+                        <a:p>
+                          <a:pPr algn="ctr"/>
+                          <a:r>
+                            <a:rPr lang="en-CA" sz="1800" b="1" i="1" dirty="0"/>
+                            <a:t>L</a:t>
+                          </a:r>
+                          <a:r>
+                            <a:rPr lang="en-CA" sz="1800" b="1" i="1" baseline="-25000" dirty="0"/>
+                            <a:t>ST’</a:t>
+                          </a:r>
+                          <a:endParaRPr lang="en-CA" sz="1800" b="1" i="1" dirty="0"/>
+                        </a:p>
+                      </a:txBody>
+                      <a:tcPr anchor="ctr"/>
+                    </a:tc>
+                    <a:tc>
+                      <a:txBody>
+                        <a:bodyPr/>
+                        <a:lstStyle/>
+                        <a:p>
+                          <a:pPr algn="ctr"/>
+                          <a14:m>
+                            <m:oMathPara xmlns:m="http://schemas.openxmlformats.org/officeDocument/2006/math">
+                              <m:oMathParaPr>
+                                <m:jc m:val="centerGroup"/>
+                              </m:oMathParaPr>
+                              <m:oMath xmlns:m="http://schemas.openxmlformats.org/officeDocument/2006/math">
+                                <m:sSub>
+                                  <m:sSubPr>
+                                    <m:ctrlPr>
+                                      <a:rPr lang="en-CA" sz="2000" b="1" i="1" u="sng" smtClean="0">
+                                        <a:latin typeface="Cambria Math" panose="02040503050406030204" pitchFamily="18" charset="0"/>
+                                      </a:rPr>
+                                    </m:ctrlPr>
+                                  </m:sSubPr>
+                                  <m:e>
+                                    <m:r>
+                                      <a:rPr lang="en-CA" sz="2000" b="1" i="1" u="sng" smtClean="0">
+                                        <a:latin typeface="Cambria Math" panose="02040503050406030204" pitchFamily="18" charset="0"/>
+                                      </a:rPr>
+                                      <m:t>𝑳</m:t>
+                                    </m:r>
+                                  </m:e>
+                                  <m:sub>
+                                    <m:r>
+                                      <a:rPr lang="en-CA" sz="2000" b="1" i="1" u="sng" smtClean="0">
+                                        <a:latin typeface="Cambria Math" panose="02040503050406030204" pitchFamily="18" charset="0"/>
+                                      </a:rPr>
+                                      <m:t>𝑺𝑻</m:t>
+                                    </m:r>
+                                  </m:sub>
+                                </m:sSub>
+                                <m:r>
+                                  <a:rPr lang="en-CA" sz="2000" b="1" i="1" u="sng" smtClean="0">
+                                    <a:latin typeface="Cambria Math" panose="02040503050406030204" pitchFamily="18" charset="0"/>
+                                  </a:rPr>
+                                  <m:t>∪{</m:t>
+                                </m:r>
+                                <m:r>
+                                  <a:rPr lang="en-CA" sz="2000" b="1" i="1" u="sng" smtClean="0">
+                                    <a:latin typeface="Cambria Math" panose="02040503050406030204" pitchFamily="18" charset="0"/>
+                                  </a:rPr>
+                                  <m:t>𝒂𝒗𝒈</m:t>
+                                </m:r>
+                                <m:r>
+                                  <a:rPr lang="en-CA" sz="2000" b="1" i="1" u="sng" smtClean="0">
+                                    <a:latin typeface="Cambria Math" panose="02040503050406030204" pitchFamily="18" charset="0"/>
+                                  </a:rPr>
+                                  <m:t>, </m:t>
+                                </m:r>
+                                <m:r>
+                                  <a:rPr lang="en-CA" sz="2000" b="1" i="1" u="sng" smtClean="0">
+                                    <a:latin typeface="Cambria Math" panose="02040503050406030204" pitchFamily="18" charset="0"/>
+                                  </a:rPr>
+                                  <m:t>𝒎𝒊𝒏</m:t>
+                                </m:r>
+                                <m:r>
+                                  <a:rPr lang="en-CA" sz="2000" b="1" i="1" u="sng" smtClean="0">
+                                    <a:latin typeface="Cambria Math" panose="02040503050406030204" pitchFamily="18" charset="0"/>
+                                  </a:rPr>
+                                  <m:t>, </m:t>
+                                </m:r>
+                                <m:r>
+                                  <a:rPr lang="en-CA" sz="2000" b="1" i="1" u="sng" smtClean="0">
+                                    <a:latin typeface="Cambria Math" panose="02040503050406030204" pitchFamily="18" charset="0"/>
+                                  </a:rPr>
+                                  <m:t>𝒎𝒂𝒙</m:t>
+                                </m:r>
+                                <m:r>
+                                  <a:rPr lang="en-CA" sz="2000" b="1" i="1" u="sng" smtClean="0">
+                                    <a:latin typeface="Cambria Math" panose="02040503050406030204" pitchFamily="18" charset="0"/>
+                                  </a:rPr>
+                                  <m:t>}</m:t>
+                                </m:r>
+                              </m:oMath>
+                            </m:oMathPara>
+                          </a14:m>
+                          <a:endParaRPr lang="en-CA" sz="2000" b="1" u="sng" dirty="0"/>
+                        </a:p>
+                      </a:txBody>
+                      <a:tcPr anchor="ctr"/>
+                    </a:tc>
+                    <a:extLst>
+                      <a:ext uri="{0D108BD9-81ED-4DB2-BD59-A6C34878D82A}">
+                        <a16:rowId xmlns:a16="http://schemas.microsoft.com/office/drawing/2014/main" val="3273923411"/>
+                      </a:ext>
+                    </a:extLst>
+                  </a:tr>
+                  <a:tr h="599017">
+                    <a:tc>
+                      <a:txBody>
+                        <a:bodyPr/>
+                        <a:lstStyle/>
+                        <a:p>
+                          <a:pPr algn="ctr"/>
+                          <a:r>
+                            <a:rPr lang="en-CA" sz="1800" b="1" i="1" dirty="0"/>
+                            <a:t>L</a:t>
+                          </a:r>
+                          <a:r>
+                            <a:rPr lang="en-CA" sz="1800" b="1" i="1" baseline="-25000" dirty="0"/>
+                            <a:t>FI</a:t>
+                          </a:r>
+                          <a:endParaRPr lang="en-CA" sz="1800" b="1" i="1" dirty="0"/>
+                        </a:p>
+                      </a:txBody>
+                      <a:tcPr anchor="ctr"/>
+                    </a:tc>
+                    <a:tc>
+                      <a:txBody>
+                        <a:bodyPr/>
+                        <a:lstStyle/>
+                        <a:p>
+                          <a:pPr algn="ctr"/>
+                          <a14:m>
+                            <m:oMathPara xmlns:m="http://schemas.openxmlformats.org/officeDocument/2006/math">
+                              <m:oMathParaPr>
+                                <m:jc m:val="centerGroup"/>
+                              </m:oMathParaPr>
+                              <m:oMath xmlns:m="http://schemas.openxmlformats.org/officeDocument/2006/math">
+                                <m:sSub>
+                                  <m:sSubPr>
+                                    <m:ctrlPr>
+                                      <a:rPr lang="en-CA" sz="2000" b="1" i="1" smtClean="0">
+                                        <a:latin typeface="Cambria Math" panose="02040503050406030204" pitchFamily="18" charset="0"/>
+                                      </a:rPr>
+                                    </m:ctrlPr>
+                                  </m:sSubPr>
+                                  <m:e>
+                                    <m:r>
+                                      <a:rPr lang="en-CA" sz="2000" b="1" i="1" smtClean="0">
+                                        <a:latin typeface="Cambria Math" panose="02040503050406030204" pitchFamily="18" charset="0"/>
+                                      </a:rPr>
+                                      <m:t>𝑳</m:t>
+                                    </m:r>
+                                  </m:e>
+                                  <m:sub>
+                                    <m:r>
+                                      <a:rPr lang="en-CA" sz="2000" b="1" i="1" smtClean="0">
+                                        <a:latin typeface="Cambria Math" panose="02040503050406030204" pitchFamily="18" charset="0"/>
+                                      </a:rPr>
+                                      <m:t>𝑺𝑻</m:t>
+                                    </m:r>
+                                  </m:sub>
+                                </m:sSub>
+                                <m:r>
+                                  <a:rPr lang="en-CA" sz="2000" b="1" i="1" smtClean="0">
+                                    <a:latin typeface="Cambria Math" panose="02040503050406030204" pitchFamily="18" charset="0"/>
+                                  </a:rPr>
+                                  <m:t>∪{</m:t>
+                                </m:r>
+                                <m:r>
+                                  <a:rPr lang="en-CA" sz="2000" b="1" i="1" smtClean="0">
+                                    <a:latin typeface="Cambria Math" panose="02040503050406030204" pitchFamily="18" charset="0"/>
+                                  </a:rPr>
+                                  <m:t>𝒐𝒑𝒆𝒏</m:t>
+                                </m:r>
+                                <m:r>
+                                  <a:rPr lang="en-CA" sz="2000" b="1" i="1" smtClean="0">
+                                    <a:latin typeface="Cambria Math" panose="02040503050406030204" pitchFamily="18" charset="0"/>
+                                  </a:rPr>
+                                  <m:t>, </m:t>
+                                </m:r>
+                                <m:r>
+                                  <a:rPr lang="en-CA" sz="2000" b="1" i="1" smtClean="0">
+                                    <a:latin typeface="Cambria Math" panose="02040503050406030204" pitchFamily="18" charset="0"/>
+                                  </a:rPr>
+                                  <m:t>𝒉𝒊𝒈𝒉</m:t>
+                                </m:r>
+                                <m:r>
+                                  <a:rPr lang="en-CA" sz="2000" b="1" i="1" smtClean="0">
+                                    <a:latin typeface="Cambria Math" panose="02040503050406030204" pitchFamily="18" charset="0"/>
+                                  </a:rPr>
+                                  <m:t>, </m:t>
+                                </m:r>
+                                <m:r>
+                                  <a:rPr lang="en-CA" sz="2000" b="1" i="1" smtClean="0">
+                                    <a:latin typeface="Cambria Math" panose="02040503050406030204" pitchFamily="18" charset="0"/>
+                                  </a:rPr>
+                                  <m:t>𝒍𝒐𝒘</m:t>
+                                </m:r>
+                                <m:r>
+                                  <a:rPr lang="en-CA" sz="2000" b="1" i="1" smtClean="0">
+                                    <a:latin typeface="Cambria Math" panose="02040503050406030204" pitchFamily="18" charset="0"/>
+                                  </a:rPr>
+                                  <m:t>, </m:t>
+                                </m:r>
+                                <m:r>
+                                  <a:rPr lang="en-CA" sz="2000" b="1" i="1" smtClean="0">
+                                    <a:latin typeface="Cambria Math" panose="02040503050406030204" pitchFamily="18" charset="0"/>
+                                  </a:rPr>
+                                  <m:t>𝒗𝒐𝒍</m:t>
+                                </m:r>
+                                <m:r>
+                                  <a:rPr lang="en-CA" sz="2000" b="1" i="1" smtClean="0">
+                                    <a:latin typeface="Cambria Math" panose="02040503050406030204" pitchFamily="18" charset="0"/>
+                                  </a:rPr>
+                                  <m:t>}</m:t>
+                                </m:r>
+                              </m:oMath>
+                            </m:oMathPara>
+                          </a14:m>
+                          <a:endParaRPr lang="en-CA" sz="2000" b="1" dirty="0"/>
+                        </a:p>
+                      </a:txBody>
+                      <a:tcPr anchor="ctr"/>
+                    </a:tc>
+                    <a:extLst>
+                      <a:ext uri="{0D108BD9-81ED-4DB2-BD59-A6C34878D82A}">
+                        <a16:rowId xmlns:a16="http://schemas.microsoft.com/office/drawing/2014/main" val="500252021"/>
+                      </a:ext>
+                    </a:extLst>
+                  </a:tr>
+                  <a:tr h="599017">
+                    <a:tc>
+                      <a:txBody>
+                        <a:bodyPr/>
+                        <a:lstStyle/>
+                        <a:p>
+                          <a:pPr algn="ctr"/>
+                          <a:r>
+                            <a:rPr lang="en-CA" sz="1800" b="1" i="1" dirty="0"/>
+                            <a:t>L</a:t>
+                          </a:r>
+                          <a:r>
+                            <a:rPr lang="en-CA" sz="1800" b="1" i="1" baseline="-25000" dirty="0"/>
+                            <a:t>FI’</a:t>
+                          </a:r>
+                          <a:endParaRPr lang="en-CA" sz="1800" b="1" i="1" dirty="0"/>
+                        </a:p>
+                      </a:txBody>
+                      <a:tcPr anchor="ctr"/>
+                    </a:tc>
+                    <a:tc>
+                      <a:txBody>
+                        <a:bodyPr/>
+                        <a:lstStyle/>
+                        <a:p>
+                          <a:pPr algn="ctr"/>
+                          <a14:m>
+                            <m:oMathPara xmlns:m="http://schemas.openxmlformats.org/officeDocument/2006/math">
+                              <m:oMathParaPr>
+                                <m:jc m:val="centerGroup"/>
+                              </m:oMathParaPr>
+                              <m:oMath xmlns:m="http://schemas.openxmlformats.org/officeDocument/2006/math">
+                                <m:sSub>
+                                  <m:sSubPr>
+                                    <m:ctrlPr>
+                                      <a:rPr lang="en-CA" sz="2000" b="1" i="1" u="sng" smtClean="0">
+                                        <a:latin typeface="Cambria Math" panose="02040503050406030204" pitchFamily="18" charset="0"/>
+                                      </a:rPr>
+                                    </m:ctrlPr>
+                                  </m:sSubPr>
+                                  <m:e>
+                                    <m:r>
+                                      <a:rPr lang="en-CA" sz="2000" b="1" i="1" u="sng" smtClean="0">
+                                        <a:latin typeface="Cambria Math" panose="02040503050406030204" pitchFamily="18" charset="0"/>
+                                      </a:rPr>
+                                      <m:t>𝑳</m:t>
+                                    </m:r>
+                                  </m:e>
+                                  <m:sub>
+                                    <m:r>
+                                      <a:rPr lang="en-CA" sz="2000" b="1" i="1" u="sng" smtClean="0">
+                                        <a:latin typeface="Cambria Math" panose="02040503050406030204" pitchFamily="18" charset="0"/>
+                                      </a:rPr>
+                                      <m:t>𝑭𝑰</m:t>
+                                    </m:r>
+                                  </m:sub>
+                                </m:sSub>
+                                <m:r>
+                                  <a:rPr lang="en-CA" sz="2000" b="1" i="1" u="sng" smtClean="0">
+                                    <a:latin typeface="Cambria Math" panose="02040503050406030204" pitchFamily="18" charset="0"/>
+                                  </a:rPr>
+                                  <m:t>∪{</m:t>
+                                </m:r>
+                                <m:r>
+                                  <a:rPr lang="en-CA" sz="2000" b="1" i="1" u="sng" smtClean="0">
+                                    <a:latin typeface="Cambria Math" panose="02040503050406030204" pitchFamily="18" charset="0"/>
+                                  </a:rPr>
+                                  <m:t>𝒂𝒗𝒈</m:t>
+                                </m:r>
+                                <m:r>
+                                  <a:rPr lang="en-CA" sz="2000" b="1" i="1" u="sng" smtClean="0">
+                                    <a:latin typeface="Cambria Math" panose="02040503050406030204" pitchFamily="18" charset="0"/>
+                                  </a:rPr>
+                                  <m:t>, </m:t>
+                                </m:r>
+                                <m:r>
+                                  <a:rPr lang="en-CA" sz="2000" b="1" i="1" u="sng" smtClean="0">
+                                    <a:latin typeface="Cambria Math" panose="02040503050406030204" pitchFamily="18" charset="0"/>
+                                  </a:rPr>
+                                  <m:t>𝒎𝒊𝒏</m:t>
+                                </m:r>
+                                <m:r>
+                                  <a:rPr lang="en-CA" sz="2000" b="1" i="1" u="sng" smtClean="0">
+                                    <a:latin typeface="Cambria Math" panose="02040503050406030204" pitchFamily="18" charset="0"/>
+                                  </a:rPr>
+                                  <m:t>, </m:t>
+                                </m:r>
+                                <m:r>
+                                  <a:rPr lang="en-CA" sz="2000" b="1" i="1" u="sng" smtClean="0">
+                                    <a:latin typeface="Cambria Math" panose="02040503050406030204" pitchFamily="18" charset="0"/>
+                                  </a:rPr>
+                                  <m:t>𝒎𝒂𝒙</m:t>
+                                </m:r>
+                                <m:r>
+                                  <a:rPr lang="en-CA" sz="2000" b="1" i="1" u="sng" smtClean="0">
+                                    <a:latin typeface="Cambria Math" panose="02040503050406030204" pitchFamily="18" charset="0"/>
+                                  </a:rPr>
+                                  <m:t>}</m:t>
+                                </m:r>
+                              </m:oMath>
+                            </m:oMathPara>
+                          </a14:m>
+                          <a:endParaRPr lang="en-CA" sz="2000" b="1" u="sng" dirty="0"/>
+                        </a:p>
+                      </a:txBody>
+                      <a:tcPr anchor="ctr"/>
+                    </a:tc>
+                    <a:extLst>
+                      <a:ext uri="{0D108BD9-81ED-4DB2-BD59-A6C34878D82A}">
+                        <a16:rowId xmlns:a16="http://schemas.microsoft.com/office/drawing/2014/main" val="1990218277"/>
+                      </a:ext>
+                    </a:extLst>
+                  </a:tr>
+                </a:tbl>
+              </a:graphicData>
+            </a:graphic>
+          </p:graphicFrame>
+        </mc:Choice>
+        <mc:Fallback>
+          <p:graphicFrame>
+            <p:nvGraphicFramePr>
+              <p:cNvPr id="4" name="Content Placeholder 3"/>
+              <p:cNvGraphicFramePr>
+                <a:graphicFrameLocks noGrp="1"/>
+              </p:cNvGraphicFramePr>
+              <p:nvPr>
+                <p:ph idx="1"/>
+                <p:extLst>
+                  <p:ext uri="{D42A27DB-BD31-4B8C-83A1-F6EECF244321}">
+                    <p14:modId xmlns:p14="http://schemas.microsoft.com/office/powerpoint/2010/main" val="2795055958"/>
+                  </p:ext>
+                </p:extLst>
+              </p:nvPr>
+            </p:nvGraphicFramePr>
+            <p:xfrm>
+              <a:off x="1104900" y="1600200"/>
+              <a:ext cx="9980614" cy="4193119"/>
+            </p:xfrm>
+            <a:graphic>
+              <a:graphicData uri="http://schemas.openxmlformats.org/drawingml/2006/table">
+                <a:tbl>
+                  <a:tblPr firstRow="1" bandRow="1">
+                    <a:tableStyleId>{5C22544A-7EE6-4342-B048-85BDC9FD1C3A}</a:tableStyleId>
+                  </a:tblPr>
+                  <a:tblGrid>
+                    <a:gridCol w="4990307">
+                      <a:extLst>
+                        <a:ext uri="{9D8B030D-6E8A-4147-A177-3AD203B41FA5}">
+                          <a16:colId xmlns:a16="http://schemas.microsoft.com/office/drawing/2014/main" val="452220581"/>
+                        </a:ext>
+                      </a:extLst>
+                    </a:gridCol>
+                    <a:gridCol w="4990307">
+                      <a:extLst>
+                        <a:ext uri="{9D8B030D-6E8A-4147-A177-3AD203B41FA5}">
+                          <a16:colId xmlns:a16="http://schemas.microsoft.com/office/drawing/2014/main" val="82609379"/>
+                        </a:ext>
+                      </a:extLst>
+                    </a:gridCol>
+                  </a:tblGrid>
+                  <a:tr h="599017">
+                    <a:tc>
+                      <a:txBody>
+                        <a:bodyPr/>
+                        <a:lstStyle/>
+                        <a:p>
+                          <a:pPr algn="ctr"/>
+                          <a:r>
+                            <a:rPr lang="en-CA" sz="1800" dirty="0"/>
+                            <a:t>Language Variation</a:t>
+                          </a:r>
+                        </a:p>
+                      </a:txBody>
+                      <a:tcPr anchor="ctr"/>
+                    </a:tc>
+                    <a:tc>
+                      <a:txBody>
+                        <a:bodyPr/>
+                        <a:lstStyle/>
+                        <a:p>
+                          <a:pPr algn="ctr"/>
+                          <a:r>
+                            <a:rPr lang="en-CA" sz="1800" dirty="0"/>
+                            <a:t>Function &amp; Terminal Set</a:t>
+                          </a:r>
+                        </a:p>
+                      </a:txBody>
+                      <a:tcPr anchor="ctr"/>
+                    </a:tc>
+                    <a:extLst>
+                      <a:ext uri="{0D108BD9-81ED-4DB2-BD59-A6C34878D82A}">
+                        <a16:rowId xmlns:a16="http://schemas.microsoft.com/office/drawing/2014/main" val="3654672897"/>
+                      </a:ext>
+                    </a:extLst>
+                  </a:tr>
+                  <a:tr h="599017">
+                    <a:tc>
+                      <a:txBody>
+                        <a:bodyPr/>
+                        <a:lstStyle/>
+                        <a:p>
+                          <a:pPr algn="ctr"/>
+                          <a:r>
+                            <a:rPr lang="en-CA" sz="1800" b="1" i="1" dirty="0"/>
+                            <a:t>L</a:t>
+                          </a:r>
+                        </a:p>
+                      </a:txBody>
+                      <a:tcPr anchor="ctr"/>
+                    </a:tc>
+                    <a:tc>
+                      <a:txBody>
+                        <a:bodyPr/>
+                        <a:lstStyle/>
+                        <a:p>
+                          <a:endParaRPr lang="en-US"/>
+                        </a:p>
+                      </a:txBody>
+                      <a:tcPr anchor="ctr">
+                        <a:blipFill>
+                          <a:blip r:embed="rId3"/>
+                          <a:stretch>
+                            <a:fillRect l="-100122" t="-100000" r="-488" b="-498990"/>
+                          </a:stretch>
+                        </a:blipFill>
+                      </a:tcPr>
+                    </a:tc>
+                    <a:extLst>
+                      <a:ext uri="{0D108BD9-81ED-4DB2-BD59-A6C34878D82A}">
+                        <a16:rowId xmlns:a16="http://schemas.microsoft.com/office/drawing/2014/main" val="2083470743"/>
+                      </a:ext>
+                    </a:extLst>
+                  </a:tr>
+                  <a:tr h="599017">
+                    <a:tc>
+                      <a:txBody>
+                        <a:bodyPr/>
+                        <a:lstStyle/>
+                        <a:p>
+                          <a:pPr algn="ctr"/>
+                          <a:r>
+                            <a:rPr lang="en-CA" sz="1800" b="1" i="1" dirty="0"/>
+                            <a:t>L</a:t>
+                          </a:r>
+                          <a:r>
+                            <a:rPr lang="en-CA" sz="1800" b="1" i="1" baseline="-25000" dirty="0"/>
+                            <a:t>IF</a:t>
+                          </a:r>
+                          <a:endParaRPr lang="en-CA" sz="1800" b="1" i="1" dirty="0"/>
+                        </a:p>
+                      </a:txBody>
+                      <a:tcPr anchor="ctr"/>
+                    </a:tc>
+                    <a:tc>
+                      <a:txBody>
+                        <a:bodyPr/>
+                        <a:lstStyle/>
+                        <a:p>
+                          <a:endParaRPr lang="en-US"/>
+                        </a:p>
+                      </a:txBody>
+                      <a:tcPr anchor="ctr">
+                        <a:blipFill>
+                          <a:blip r:embed="rId3"/>
+                          <a:stretch>
+                            <a:fillRect l="-100122" t="-202041" r="-488" b="-404082"/>
+                          </a:stretch>
+                        </a:blipFill>
+                      </a:tcPr>
+                    </a:tc>
+                    <a:extLst>
+                      <a:ext uri="{0D108BD9-81ED-4DB2-BD59-A6C34878D82A}">
+                        <a16:rowId xmlns:a16="http://schemas.microsoft.com/office/drawing/2014/main" val="1427336378"/>
+                      </a:ext>
+                    </a:extLst>
+                  </a:tr>
+                  <a:tr h="599017">
+                    <a:tc>
+                      <a:txBody>
+                        <a:bodyPr/>
+                        <a:lstStyle/>
+                        <a:p>
+                          <a:pPr algn="ctr"/>
+                          <a:r>
+                            <a:rPr lang="en-CA" sz="1800" b="1" i="1" dirty="0"/>
+                            <a:t>L</a:t>
+                          </a:r>
+                          <a:r>
+                            <a:rPr lang="en-CA" sz="1800" b="1" i="1" baseline="-25000" dirty="0"/>
+                            <a:t>ST</a:t>
+                          </a:r>
+                          <a:endParaRPr lang="en-CA" sz="1800" b="1" i="1" dirty="0"/>
+                        </a:p>
+                      </a:txBody>
+                      <a:tcPr anchor="ctr"/>
+                    </a:tc>
+                    <a:tc>
+                      <a:txBody>
+                        <a:bodyPr/>
+                        <a:lstStyle/>
+                        <a:p>
+                          <a:endParaRPr lang="en-US"/>
+                        </a:p>
+                      </a:txBody>
+                      <a:tcPr anchor="ctr">
+                        <a:blipFill>
+                          <a:blip r:embed="rId3"/>
+                          <a:stretch>
+                            <a:fillRect l="-100122" t="-298990" r="-488" b="-300000"/>
+                          </a:stretch>
+                        </a:blipFill>
+                      </a:tcPr>
+                    </a:tc>
+                    <a:extLst>
+                      <a:ext uri="{0D108BD9-81ED-4DB2-BD59-A6C34878D82A}">
+                        <a16:rowId xmlns:a16="http://schemas.microsoft.com/office/drawing/2014/main" val="1548791112"/>
+                      </a:ext>
+                    </a:extLst>
+                  </a:tr>
+                  <a:tr h="599017">
+                    <a:tc>
+                      <a:txBody>
+                        <a:bodyPr/>
+                        <a:lstStyle/>
+                        <a:p>
+                          <a:pPr algn="ctr"/>
+                          <a:r>
+                            <a:rPr lang="en-CA" sz="1800" b="1" i="1" dirty="0"/>
+                            <a:t>L</a:t>
+                          </a:r>
+                          <a:r>
+                            <a:rPr lang="en-CA" sz="1800" b="1" i="1" baseline="-25000" dirty="0"/>
+                            <a:t>ST’</a:t>
+                          </a:r>
+                          <a:endParaRPr lang="en-CA" sz="1800" b="1" i="1" dirty="0"/>
+                        </a:p>
+                      </a:txBody>
+                      <a:tcPr anchor="ctr"/>
+                    </a:tc>
+                    <a:tc>
+                      <a:txBody>
+                        <a:bodyPr/>
+                        <a:lstStyle/>
+                        <a:p>
+                          <a:endParaRPr lang="en-US"/>
+                        </a:p>
+                      </a:txBody>
+                      <a:tcPr anchor="ctr">
+                        <a:blipFill>
+                          <a:blip r:embed="rId3"/>
+                          <a:stretch>
+                            <a:fillRect l="-100122" t="-403061" r="-488" b="-203061"/>
+                          </a:stretch>
+                        </a:blipFill>
+                      </a:tcPr>
+                    </a:tc>
+                    <a:extLst>
+                      <a:ext uri="{0D108BD9-81ED-4DB2-BD59-A6C34878D82A}">
+                        <a16:rowId xmlns:a16="http://schemas.microsoft.com/office/drawing/2014/main" val="3273923411"/>
+                      </a:ext>
+                    </a:extLst>
+                  </a:tr>
+                  <a:tr h="599017">
+                    <a:tc>
+                      <a:txBody>
+                        <a:bodyPr/>
+                        <a:lstStyle/>
+                        <a:p>
+                          <a:pPr algn="ctr"/>
+                          <a:r>
+                            <a:rPr lang="en-CA" sz="1800" b="1" i="1" dirty="0"/>
+                            <a:t>L</a:t>
+                          </a:r>
+                          <a:r>
+                            <a:rPr lang="en-CA" sz="1800" b="1" i="1" baseline="-25000" dirty="0"/>
+                            <a:t>FI</a:t>
+                          </a:r>
+                          <a:endParaRPr lang="en-CA" sz="1800" b="1" i="1" dirty="0"/>
+                        </a:p>
+                      </a:txBody>
+                      <a:tcPr anchor="ctr"/>
+                    </a:tc>
+                    <a:tc>
+                      <a:txBody>
+                        <a:bodyPr/>
+                        <a:lstStyle/>
+                        <a:p>
+                          <a:endParaRPr lang="en-US"/>
+                        </a:p>
+                      </a:txBody>
+                      <a:tcPr anchor="ctr">
+                        <a:blipFill>
+                          <a:blip r:embed="rId3"/>
+                          <a:stretch>
+                            <a:fillRect l="-100122" t="-497980" r="-488" b="-101010"/>
+                          </a:stretch>
+                        </a:blipFill>
+                      </a:tcPr>
+                    </a:tc>
+                    <a:extLst>
+                      <a:ext uri="{0D108BD9-81ED-4DB2-BD59-A6C34878D82A}">
+                        <a16:rowId xmlns:a16="http://schemas.microsoft.com/office/drawing/2014/main" val="500252021"/>
+                      </a:ext>
+                    </a:extLst>
+                  </a:tr>
+                  <a:tr h="599017">
+                    <a:tc>
+                      <a:txBody>
+                        <a:bodyPr/>
+                        <a:lstStyle/>
+                        <a:p>
+                          <a:pPr algn="ctr"/>
+                          <a:r>
+                            <a:rPr lang="en-CA" sz="1800" b="1" i="1" dirty="0"/>
+                            <a:t>L</a:t>
+                          </a:r>
+                          <a:r>
+                            <a:rPr lang="en-CA" sz="1800" b="1" i="1" baseline="-25000" dirty="0"/>
+                            <a:t>FI’</a:t>
+                          </a:r>
+                          <a:endParaRPr lang="en-CA" sz="1800" b="1" i="1" dirty="0"/>
+                        </a:p>
+                      </a:txBody>
+                      <a:tcPr anchor="ctr"/>
+                    </a:tc>
+                    <a:tc>
+                      <a:txBody>
+                        <a:bodyPr/>
+                        <a:lstStyle/>
+                        <a:p>
+                          <a:endParaRPr lang="en-US"/>
+                        </a:p>
+                      </a:txBody>
+                      <a:tcPr anchor="ctr">
+                        <a:blipFill>
+                          <a:blip r:embed="rId3"/>
+                          <a:stretch>
+                            <a:fillRect l="-100122" t="-604082" r="-488" b="-2041"/>
+                          </a:stretch>
+                        </a:blipFill>
+                      </a:tcPr>
+                    </a:tc>
+                    <a:extLst>
+                      <a:ext uri="{0D108BD9-81ED-4DB2-BD59-A6C34878D82A}">
+                        <a16:rowId xmlns:a16="http://schemas.microsoft.com/office/drawing/2014/main" val="1990218277"/>
+                      </a:ext>
+                    </a:extLst>
+                  </a:tr>
+                </a:tbl>
+              </a:graphicData>
+            </a:graphic>
+          </p:graphicFrame>
+        </mc:Fallback>
+      </mc:AlternateContent>
     </p:spTree>
     <p:extLst>
       <p:ext uri="{BB962C8B-B14F-4D97-AF65-F5344CB8AC3E}">

--- a/GPP_Defense.pptx
+++ b/GPP_Defense.pptx
@@ -5,10 +5,10 @@
     <p:sldMasterId id="2147483648" r:id="rId2"/>
   </p:sldMasterIdLst>
   <p:notesMasterIdLst>
-    <p:notesMasterId r:id="rId18"/>
+    <p:notesMasterId r:id="rId27"/>
   </p:notesMasterIdLst>
   <p:handoutMasterIdLst>
-    <p:handoutMasterId r:id="rId19"/>
+    <p:handoutMasterId r:id="rId28"/>
   </p:handoutMasterIdLst>
   <p:sldIdLst>
     <p:sldId id="256" r:id="rId3"/>
@@ -25,7 +25,16 @@
     <p:sldId id="278" r:id="rId14"/>
     <p:sldId id="279" r:id="rId15"/>
     <p:sldId id="280" r:id="rId16"/>
-    <p:sldId id="274" r:id="rId17"/>
+    <p:sldId id="281" r:id="rId17"/>
+    <p:sldId id="282" r:id="rId18"/>
+    <p:sldId id="283" r:id="rId19"/>
+    <p:sldId id="284" r:id="rId20"/>
+    <p:sldId id="285" r:id="rId21"/>
+    <p:sldId id="286" r:id="rId22"/>
+    <p:sldId id="287" r:id="rId23"/>
+    <p:sldId id="288" r:id="rId24"/>
+    <p:sldId id="289" r:id="rId25"/>
+    <p:sldId id="274" r:id="rId26"/>
   </p:sldIdLst>
   <p:sldSz cx="12192000" cy="6858000"/>
   <p:notesSz cx="6858000" cy="9144000"/>
@@ -143,6 +152,15 @@
             <p14:sldId id="278"/>
             <p14:sldId id="279"/>
             <p14:sldId id="280"/>
+            <p14:sldId id="281"/>
+            <p14:sldId id="282"/>
+            <p14:sldId id="283"/>
+            <p14:sldId id="284"/>
+            <p14:sldId id="285"/>
+            <p14:sldId id="286"/>
+            <p14:sldId id="287"/>
+            <p14:sldId id="288"/>
+            <p14:sldId id="289"/>
             <p14:sldId id="274"/>
           </p14:sldIdLst>
         </p14:section>
@@ -251,7 +269,7 @@
           <a:p>
             <a:fld id="{23CEAAF3-9831-450B-8D59-2C09DB96C8FC}" type="datetimeFigureOut">
               <a:rPr lang="en-US"/>
-              <a:t>5/1/2016</a:t>
+              <a:t>5/2/2016</a:t>
             </a:fld>
             <a:endParaRPr/>
           </a:p>
@@ -416,7 +434,7 @@
           <a:p>
             <a:fld id="{2D50CD79-FC16-4410-AB61-17F26E6D3BC8}" type="datetimeFigureOut">
               <a:rPr lang="en-US"/>
-              <a:t>5/1/2016</a:t>
+              <a:t>5/2/2016</a:t>
             </a:fld>
             <a:endParaRPr/>
           </a:p>
@@ -791,6 +809,444 @@
 </p:notes>
 </file>
 
+<file path=ppt/notesSlides/notesSlide10.xml><?xml version="1.0" encoding="utf-8"?>
+<p:notes xmlns:a="http://schemas.openxmlformats.org/drawingml/2006/main" xmlns:r="http://schemas.openxmlformats.org/officeDocument/2006/relationships" xmlns:p="http://schemas.openxmlformats.org/presentationml/2006/main">
+  <p:cSld>
+    <p:spTree>
+      <p:nvGrpSpPr>
+        <p:cNvPr id="1" name=""/>
+        <p:cNvGrpSpPr/>
+        <p:nvPr/>
+      </p:nvGrpSpPr>
+      <p:grpSpPr>
+        <a:xfrm>
+          <a:off x="0" y="0"/>
+          <a:ext cx="0" cy="0"/>
+          <a:chOff x="0" y="0"/>
+          <a:chExt cx="0" cy="0"/>
+        </a:xfrm>
+      </p:grpSpPr>
+      <p:sp>
+        <p:nvSpPr>
+          <p:cNvPr id="2" name="Slide Image Placeholder 1"/>
+          <p:cNvSpPr>
+            <a:spLocks noGrp="1" noRot="1" noChangeAspect="1"/>
+          </p:cNvSpPr>
+          <p:nvPr>
+            <p:ph type="sldImg"/>
+          </p:nvPr>
+        </p:nvSpPr>
+        <p:spPr/>
+      </p:sp>
+      <p:sp>
+        <p:nvSpPr>
+          <p:cNvPr id="3" name="Notes Placeholder 2"/>
+          <p:cNvSpPr>
+            <a:spLocks noGrp="1"/>
+          </p:cNvSpPr>
+          <p:nvPr>
+            <p:ph type="body" idx="1"/>
+          </p:nvPr>
+        </p:nvSpPr>
+        <p:spPr/>
+        <p:txBody>
+          <a:bodyPr/>
+          <a:lstStyle/>
+          <a:p>
+            <a:endParaRPr lang="en-CA" dirty="0"/>
+          </a:p>
+        </p:txBody>
+      </p:sp>
+      <p:sp>
+        <p:nvSpPr>
+          <p:cNvPr id="4" name="Slide Number Placeholder 3"/>
+          <p:cNvSpPr>
+            <a:spLocks noGrp="1"/>
+          </p:cNvSpPr>
+          <p:nvPr>
+            <p:ph type="sldNum" sz="quarter" idx="10"/>
+          </p:nvPr>
+        </p:nvSpPr>
+        <p:spPr/>
+        <p:txBody>
+          <a:bodyPr/>
+          <a:lstStyle/>
+          <a:p>
+            <a:fld id="{0A3C37BE-C303-496D-B5CD-85F2937540FC}" type="slidenum">
+              <a:rPr lang="en-CA" smtClean="0"/>
+              <a:t>18</a:t>
+            </a:fld>
+            <a:endParaRPr lang="en-CA"/>
+          </a:p>
+        </p:txBody>
+      </p:sp>
+    </p:spTree>
+    <p:extLst>
+      <p:ext uri="{BB962C8B-B14F-4D97-AF65-F5344CB8AC3E}">
+        <p14:creationId xmlns:p14="http://schemas.microsoft.com/office/powerpoint/2010/main" val="126510921"/>
+      </p:ext>
+    </p:extLst>
+  </p:cSld>
+  <p:clrMapOvr>
+    <a:masterClrMapping/>
+  </p:clrMapOvr>
+</p:notes>
+</file>
+
+<file path=ppt/notesSlides/notesSlide11.xml><?xml version="1.0" encoding="utf-8"?>
+<p:notes xmlns:a="http://schemas.openxmlformats.org/drawingml/2006/main" xmlns:r="http://schemas.openxmlformats.org/officeDocument/2006/relationships" xmlns:p="http://schemas.openxmlformats.org/presentationml/2006/main">
+  <p:cSld>
+    <p:spTree>
+      <p:nvGrpSpPr>
+        <p:cNvPr id="1" name=""/>
+        <p:cNvGrpSpPr/>
+        <p:nvPr/>
+      </p:nvGrpSpPr>
+      <p:grpSpPr>
+        <a:xfrm>
+          <a:off x="0" y="0"/>
+          <a:ext cx="0" cy="0"/>
+          <a:chOff x="0" y="0"/>
+          <a:chExt cx="0" cy="0"/>
+        </a:xfrm>
+      </p:grpSpPr>
+      <p:sp>
+        <p:nvSpPr>
+          <p:cNvPr id="2" name="Slide Image Placeholder 1"/>
+          <p:cNvSpPr>
+            <a:spLocks noGrp="1" noRot="1" noChangeAspect="1"/>
+          </p:cNvSpPr>
+          <p:nvPr>
+            <p:ph type="sldImg"/>
+          </p:nvPr>
+        </p:nvSpPr>
+        <p:spPr/>
+      </p:sp>
+      <p:sp>
+        <p:nvSpPr>
+          <p:cNvPr id="3" name="Notes Placeholder 2"/>
+          <p:cNvSpPr>
+            <a:spLocks noGrp="1"/>
+          </p:cNvSpPr>
+          <p:nvPr>
+            <p:ph type="body" idx="1"/>
+          </p:nvPr>
+        </p:nvSpPr>
+        <p:spPr/>
+        <p:txBody>
+          <a:bodyPr/>
+          <a:lstStyle/>
+          <a:p>
+            <a:endParaRPr lang="en-CA" dirty="0"/>
+          </a:p>
+        </p:txBody>
+      </p:sp>
+      <p:sp>
+        <p:nvSpPr>
+          <p:cNvPr id="4" name="Slide Number Placeholder 3"/>
+          <p:cNvSpPr>
+            <a:spLocks noGrp="1"/>
+          </p:cNvSpPr>
+          <p:nvPr>
+            <p:ph type="sldNum" sz="quarter" idx="10"/>
+          </p:nvPr>
+        </p:nvSpPr>
+        <p:spPr/>
+        <p:txBody>
+          <a:bodyPr/>
+          <a:lstStyle/>
+          <a:p>
+            <a:fld id="{0A3C37BE-C303-496D-B5CD-85F2937540FC}" type="slidenum">
+              <a:rPr lang="en-CA" smtClean="0"/>
+              <a:t>19</a:t>
+            </a:fld>
+            <a:endParaRPr lang="en-CA"/>
+          </a:p>
+        </p:txBody>
+      </p:sp>
+    </p:spTree>
+    <p:extLst>
+      <p:ext uri="{BB962C8B-B14F-4D97-AF65-F5344CB8AC3E}">
+        <p14:creationId xmlns:p14="http://schemas.microsoft.com/office/powerpoint/2010/main" val="3289096373"/>
+      </p:ext>
+    </p:extLst>
+  </p:cSld>
+  <p:clrMapOvr>
+    <a:masterClrMapping/>
+  </p:clrMapOvr>
+</p:notes>
+</file>
+
+<file path=ppt/notesSlides/notesSlide12.xml><?xml version="1.0" encoding="utf-8"?>
+<p:notes xmlns:a="http://schemas.openxmlformats.org/drawingml/2006/main" xmlns:r="http://schemas.openxmlformats.org/officeDocument/2006/relationships" xmlns:p="http://schemas.openxmlformats.org/presentationml/2006/main">
+  <p:cSld>
+    <p:spTree>
+      <p:nvGrpSpPr>
+        <p:cNvPr id="1" name=""/>
+        <p:cNvGrpSpPr/>
+        <p:nvPr/>
+      </p:nvGrpSpPr>
+      <p:grpSpPr>
+        <a:xfrm>
+          <a:off x="0" y="0"/>
+          <a:ext cx="0" cy="0"/>
+          <a:chOff x="0" y="0"/>
+          <a:chExt cx="0" cy="0"/>
+        </a:xfrm>
+      </p:grpSpPr>
+      <p:sp>
+        <p:nvSpPr>
+          <p:cNvPr id="2" name="Slide Image Placeholder 1"/>
+          <p:cNvSpPr>
+            <a:spLocks noGrp="1" noRot="1" noChangeAspect="1"/>
+          </p:cNvSpPr>
+          <p:nvPr>
+            <p:ph type="sldImg"/>
+          </p:nvPr>
+        </p:nvSpPr>
+        <p:spPr/>
+      </p:sp>
+      <p:sp>
+        <p:nvSpPr>
+          <p:cNvPr id="3" name="Notes Placeholder 2"/>
+          <p:cNvSpPr>
+            <a:spLocks noGrp="1"/>
+          </p:cNvSpPr>
+          <p:nvPr>
+            <p:ph type="body" idx="1"/>
+          </p:nvPr>
+        </p:nvSpPr>
+        <p:spPr/>
+        <p:txBody>
+          <a:bodyPr/>
+          <a:lstStyle/>
+          <a:p>
+            <a:r>
+              <a:rPr lang="en-CA" baseline="0" dirty="0"/>
+              <a:t>L</a:t>
+            </a:r>
+            <a:r>
+              <a:rPr lang="en-CA" baseline="-25000" dirty="0"/>
+              <a:t>IF</a:t>
+            </a:r>
+            <a:r>
+              <a:rPr lang="en-CA" baseline="0" dirty="0"/>
+              <a:t> performs better in all cases, but also yields more outliers</a:t>
+            </a:r>
+            <a:endParaRPr lang="en-CA" dirty="0"/>
+          </a:p>
+        </p:txBody>
+      </p:sp>
+      <p:sp>
+        <p:nvSpPr>
+          <p:cNvPr id="4" name="Slide Number Placeholder 3"/>
+          <p:cNvSpPr>
+            <a:spLocks noGrp="1"/>
+          </p:cNvSpPr>
+          <p:nvPr>
+            <p:ph type="sldNum" sz="quarter" idx="10"/>
+          </p:nvPr>
+        </p:nvSpPr>
+        <p:spPr/>
+        <p:txBody>
+          <a:bodyPr/>
+          <a:lstStyle/>
+          <a:p>
+            <a:fld id="{0A3C37BE-C303-496D-B5CD-85F2937540FC}" type="slidenum">
+              <a:rPr lang="en-CA" smtClean="0"/>
+              <a:t>20</a:t>
+            </a:fld>
+            <a:endParaRPr lang="en-CA"/>
+          </a:p>
+        </p:txBody>
+      </p:sp>
+    </p:spTree>
+    <p:extLst>
+      <p:ext uri="{BB962C8B-B14F-4D97-AF65-F5344CB8AC3E}">
+        <p14:creationId xmlns:p14="http://schemas.microsoft.com/office/powerpoint/2010/main" val="1700676884"/>
+      </p:ext>
+    </p:extLst>
+  </p:cSld>
+  <p:clrMapOvr>
+    <a:masterClrMapping/>
+  </p:clrMapOvr>
+</p:notes>
+</file>
+
+<file path=ppt/notesSlides/notesSlide13.xml><?xml version="1.0" encoding="utf-8"?>
+<p:notes xmlns:a="http://schemas.openxmlformats.org/drawingml/2006/main" xmlns:r="http://schemas.openxmlformats.org/officeDocument/2006/relationships" xmlns:p="http://schemas.openxmlformats.org/presentationml/2006/main">
+  <p:cSld>
+    <p:spTree>
+      <p:nvGrpSpPr>
+        <p:cNvPr id="1" name=""/>
+        <p:cNvGrpSpPr/>
+        <p:nvPr/>
+      </p:nvGrpSpPr>
+      <p:grpSpPr>
+        <a:xfrm>
+          <a:off x="0" y="0"/>
+          <a:ext cx="0" cy="0"/>
+          <a:chOff x="0" y="0"/>
+          <a:chExt cx="0" cy="0"/>
+        </a:xfrm>
+      </p:grpSpPr>
+      <p:sp>
+        <p:nvSpPr>
+          <p:cNvPr id="2" name="Slide Image Placeholder 1"/>
+          <p:cNvSpPr>
+            <a:spLocks noGrp="1" noRot="1" noChangeAspect="1"/>
+          </p:cNvSpPr>
+          <p:nvPr>
+            <p:ph type="sldImg"/>
+          </p:nvPr>
+        </p:nvSpPr>
+        <p:spPr/>
+      </p:sp>
+      <p:sp>
+        <p:nvSpPr>
+          <p:cNvPr id="3" name="Notes Placeholder 2"/>
+          <p:cNvSpPr>
+            <a:spLocks noGrp="1"/>
+          </p:cNvSpPr>
+          <p:nvPr>
+            <p:ph type="body" idx="1"/>
+          </p:nvPr>
+        </p:nvSpPr>
+        <p:spPr/>
+        <p:txBody>
+          <a:bodyPr/>
+          <a:lstStyle/>
+          <a:p>
+            <a:r>
+              <a:rPr lang="en-CA" dirty="0"/>
+              <a:t>NOTE: All on 90-10 splits.</a:t>
+            </a:r>
+          </a:p>
+        </p:txBody>
+      </p:sp>
+      <p:sp>
+        <p:nvSpPr>
+          <p:cNvPr id="4" name="Slide Number Placeholder 3"/>
+          <p:cNvSpPr>
+            <a:spLocks noGrp="1"/>
+          </p:cNvSpPr>
+          <p:nvPr>
+            <p:ph type="sldNum" sz="quarter" idx="10"/>
+          </p:nvPr>
+        </p:nvSpPr>
+        <p:spPr/>
+        <p:txBody>
+          <a:bodyPr/>
+          <a:lstStyle/>
+          <a:p>
+            <a:fld id="{0A3C37BE-C303-496D-B5CD-85F2937540FC}" type="slidenum">
+              <a:rPr lang="en-CA" smtClean="0"/>
+              <a:t>22</a:t>
+            </a:fld>
+            <a:endParaRPr lang="en-CA"/>
+          </a:p>
+        </p:txBody>
+      </p:sp>
+    </p:spTree>
+    <p:extLst>
+      <p:ext uri="{BB962C8B-B14F-4D97-AF65-F5344CB8AC3E}">
+        <p14:creationId xmlns:p14="http://schemas.microsoft.com/office/powerpoint/2010/main" val="3983224020"/>
+      </p:ext>
+    </p:extLst>
+  </p:cSld>
+  <p:clrMapOvr>
+    <a:masterClrMapping/>
+  </p:clrMapOvr>
+</p:notes>
+</file>
+
+<file path=ppt/notesSlides/notesSlide14.xml><?xml version="1.0" encoding="utf-8"?>
+<p:notes xmlns:a="http://schemas.openxmlformats.org/drawingml/2006/main" xmlns:r="http://schemas.openxmlformats.org/officeDocument/2006/relationships" xmlns:p="http://schemas.openxmlformats.org/presentationml/2006/main">
+  <p:cSld>
+    <p:spTree>
+      <p:nvGrpSpPr>
+        <p:cNvPr id="1" name=""/>
+        <p:cNvGrpSpPr/>
+        <p:nvPr/>
+      </p:nvGrpSpPr>
+      <p:grpSpPr>
+        <a:xfrm>
+          <a:off x="0" y="0"/>
+          <a:ext cx="0" cy="0"/>
+          <a:chOff x="0" y="0"/>
+          <a:chExt cx="0" cy="0"/>
+        </a:xfrm>
+      </p:grpSpPr>
+      <p:sp>
+        <p:nvSpPr>
+          <p:cNvPr id="2" name="Slide Image Placeholder 1"/>
+          <p:cNvSpPr>
+            <a:spLocks noGrp="1" noRot="1" noChangeAspect="1"/>
+          </p:cNvSpPr>
+          <p:nvPr>
+            <p:ph type="sldImg"/>
+          </p:nvPr>
+        </p:nvSpPr>
+        <p:spPr/>
+      </p:sp>
+      <p:sp>
+        <p:nvSpPr>
+          <p:cNvPr id="3" name="Notes Placeholder 2"/>
+          <p:cNvSpPr>
+            <a:spLocks noGrp="1"/>
+          </p:cNvSpPr>
+          <p:nvPr>
+            <p:ph type="body" idx="1"/>
+          </p:nvPr>
+        </p:nvSpPr>
+        <p:spPr/>
+        <p:txBody>
+          <a:bodyPr/>
+          <a:lstStyle/>
+          <a:p>
+            <a:r>
+              <a:rPr lang="en-CA" dirty="0"/>
+              <a:t>NOTE: All on 90-10 splits.</a:t>
+            </a:r>
+          </a:p>
+        </p:txBody>
+      </p:sp>
+      <p:sp>
+        <p:nvSpPr>
+          <p:cNvPr id="4" name="Slide Number Placeholder 3"/>
+          <p:cNvSpPr>
+            <a:spLocks noGrp="1"/>
+          </p:cNvSpPr>
+          <p:nvPr>
+            <p:ph type="sldNum" sz="quarter" idx="10"/>
+          </p:nvPr>
+        </p:nvSpPr>
+        <p:spPr/>
+        <p:txBody>
+          <a:bodyPr/>
+          <a:lstStyle/>
+          <a:p>
+            <a:fld id="{0A3C37BE-C303-496D-B5CD-85F2937540FC}" type="slidenum">
+              <a:rPr lang="en-CA" smtClean="0"/>
+              <a:t>23</a:t>
+            </a:fld>
+            <a:endParaRPr lang="en-CA"/>
+          </a:p>
+        </p:txBody>
+      </p:sp>
+    </p:spTree>
+    <p:extLst>
+      <p:ext uri="{BB962C8B-B14F-4D97-AF65-F5344CB8AC3E}">
+        <p14:creationId xmlns:p14="http://schemas.microsoft.com/office/powerpoint/2010/main" val="679213028"/>
+      </p:ext>
+    </p:extLst>
+  </p:cSld>
+  <p:clrMapOvr>
+    <a:masterClrMapping/>
+  </p:clrMapOvr>
+</p:notes>
+</file>
+
 <file path=ppt/notesSlides/notesSlide2.xml><?xml version="1.0" encoding="utf-8"?>
 <p:notes xmlns:a="http://schemas.openxmlformats.org/drawingml/2006/main" xmlns:r="http://schemas.openxmlformats.org/officeDocument/2006/relationships" xmlns:p="http://schemas.openxmlformats.org/presentationml/2006/main">
   <p:cSld>
@@ -1003,7 +1459,35 @@
           <a:bodyPr/>
           <a:lstStyle/>
           <a:p>
+            <a:r>
+              <a:rPr lang="en-CA" dirty="0"/>
+              <a:t>A 70-30, 80-20, and 90-10 split will also be considered for</a:t>
+            </a:r>
+            <a:r>
+              <a:rPr lang="en-CA" baseline="0" dirty="0"/>
+              <a:t> L</a:t>
+            </a:r>
+            <a:r>
+              <a:rPr lang="en-CA" baseline="-25000" dirty="0"/>
+              <a:t>ST</a:t>
+            </a:r>
+            <a:r>
+              <a:rPr lang="en-CA" baseline="0" dirty="0"/>
+              <a:t> and L</a:t>
+            </a:r>
+            <a:r>
+              <a:rPr lang="en-CA" baseline="-25000" dirty="0"/>
+              <a:t>ST’</a:t>
+            </a:r>
+          </a:p>
+          <a:p>
             <a:endParaRPr lang="en-CA" dirty="0"/>
+          </a:p>
+          <a:p>
+            <a:r>
+              <a:rPr lang="en-CA" dirty="0"/>
+              <a:t>Also mention the 5 day lag period on the advanced functions</a:t>
+            </a:r>
           </a:p>
         </p:txBody>
       </p:sp>
@@ -1297,7 +1781,175 @@
     </p:spTree>
     <p:extLst>
       <p:ext uri="{BB962C8B-B14F-4D97-AF65-F5344CB8AC3E}">
-        <p14:creationId xmlns:p14="http://schemas.microsoft.com/office/powerpoint/2010/main" val="1423042962"/>
+        <p14:creationId xmlns:p14="http://schemas.microsoft.com/office/powerpoint/2010/main" val="2199384654"/>
+      </p:ext>
+    </p:extLst>
+  </p:cSld>
+  <p:clrMapOvr>
+    <a:masterClrMapping/>
+  </p:clrMapOvr>
+</p:notes>
+</file>
+
+<file path=ppt/notesSlides/notesSlide8.xml><?xml version="1.0" encoding="utf-8"?>
+<p:notes xmlns:a="http://schemas.openxmlformats.org/drawingml/2006/main" xmlns:r="http://schemas.openxmlformats.org/officeDocument/2006/relationships" xmlns:p="http://schemas.openxmlformats.org/presentationml/2006/main">
+  <p:cSld>
+    <p:spTree>
+      <p:nvGrpSpPr>
+        <p:cNvPr id="1" name=""/>
+        <p:cNvGrpSpPr/>
+        <p:nvPr/>
+      </p:nvGrpSpPr>
+      <p:grpSpPr>
+        <a:xfrm>
+          <a:off x="0" y="0"/>
+          <a:ext cx="0" cy="0"/>
+          <a:chOff x="0" y="0"/>
+          <a:chExt cx="0" cy="0"/>
+        </a:xfrm>
+      </p:grpSpPr>
+      <p:sp>
+        <p:nvSpPr>
+          <p:cNvPr id="2" name="Slide Image Placeholder 1"/>
+          <p:cNvSpPr>
+            <a:spLocks noGrp="1" noRot="1" noChangeAspect="1"/>
+          </p:cNvSpPr>
+          <p:nvPr>
+            <p:ph type="sldImg"/>
+          </p:nvPr>
+        </p:nvSpPr>
+        <p:spPr/>
+      </p:sp>
+      <p:sp>
+        <p:nvSpPr>
+          <p:cNvPr id="3" name="Notes Placeholder 2"/>
+          <p:cNvSpPr>
+            <a:spLocks noGrp="1"/>
+          </p:cNvSpPr>
+          <p:nvPr>
+            <p:ph type="body" idx="1"/>
+          </p:nvPr>
+        </p:nvSpPr>
+        <p:spPr/>
+        <p:txBody>
+          <a:bodyPr/>
+          <a:lstStyle/>
+          <a:p>
+            <a:endParaRPr lang="en-CA" dirty="0"/>
+          </a:p>
+        </p:txBody>
+      </p:sp>
+      <p:sp>
+        <p:nvSpPr>
+          <p:cNvPr id="4" name="Slide Number Placeholder 3"/>
+          <p:cNvSpPr>
+            <a:spLocks noGrp="1"/>
+          </p:cNvSpPr>
+          <p:nvPr>
+            <p:ph type="sldNum" sz="quarter" idx="10"/>
+          </p:nvPr>
+        </p:nvSpPr>
+        <p:spPr/>
+        <p:txBody>
+          <a:bodyPr/>
+          <a:lstStyle/>
+          <a:p>
+            <a:fld id="{0A3C37BE-C303-496D-B5CD-85F2937540FC}" type="slidenum">
+              <a:rPr lang="en-CA" smtClean="0"/>
+              <a:t>15</a:t>
+            </a:fld>
+            <a:endParaRPr lang="en-CA"/>
+          </a:p>
+        </p:txBody>
+      </p:sp>
+    </p:spTree>
+    <p:extLst>
+      <p:ext uri="{BB962C8B-B14F-4D97-AF65-F5344CB8AC3E}">
+        <p14:creationId xmlns:p14="http://schemas.microsoft.com/office/powerpoint/2010/main" val="1762691433"/>
+      </p:ext>
+    </p:extLst>
+  </p:cSld>
+  <p:clrMapOvr>
+    <a:masterClrMapping/>
+  </p:clrMapOvr>
+</p:notes>
+</file>
+
+<file path=ppt/notesSlides/notesSlide9.xml><?xml version="1.0" encoding="utf-8"?>
+<p:notes xmlns:a="http://schemas.openxmlformats.org/drawingml/2006/main" xmlns:r="http://schemas.openxmlformats.org/officeDocument/2006/relationships" xmlns:p="http://schemas.openxmlformats.org/presentationml/2006/main">
+  <p:cSld>
+    <p:spTree>
+      <p:nvGrpSpPr>
+        <p:cNvPr id="1" name=""/>
+        <p:cNvGrpSpPr/>
+        <p:nvPr/>
+      </p:nvGrpSpPr>
+      <p:grpSpPr>
+        <a:xfrm>
+          <a:off x="0" y="0"/>
+          <a:ext cx="0" cy="0"/>
+          <a:chOff x="0" y="0"/>
+          <a:chExt cx="0" cy="0"/>
+        </a:xfrm>
+      </p:grpSpPr>
+      <p:sp>
+        <p:nvSpPr>
+          <p:cNvPr id="2" name="Slide Image Placeholder 1"/>
+          <p:cNvSpPr>
+            <a:spLocks noGrp="1" noRot="1" noChangeAspect="1"/>
+          </p:cNvSpPr>
+          <p:nvPr>
+            <p:ph type="sldImg"/>
+          </p:nvPr>
+        </p:nvSpPr>
+        <p:spPr/>
+      </p:sp>
+      <p:sp>
+        <p:nvSpPr>
+          <p:cNvPr id="3" name="Notes Placeholder 2"/>
+          <p:cNvSpPr>
+            <a:spLocks noGrp="1"/>
+          </p:cNvSpPr>
+          <p:nvPr>
+            <p:ph type="body" idx="1"/>
+          </p:nvPr>
+        </p:nvSpPr>
+        <p:spPr/>
+        <p:txBody>
+          <a:bodyPr/>
+          <a:lstStyle/>
+          <a:p>
+            <a:endParaRPr lang="en-CA" dirty="0"/>
+          </a:p>
+        </p:txBody>
+      </p:sp>
+      <p:sp>
+        <p:nvSpPr>
+          <p:cNvPr id="4" name="Slide Number Placeholder 3"/>
+          <p:cNvSpPr>
+            <a:spLocks noGrp="1"/>
+          </p:cNvSpPr>
+          <p:nvPr>
+            <p:ph type="sldNum" sz="quarter" idx="10"/>
+          </p:nvPr>
+        </p:nvSpPr>
+        <p:spPr/>
+        <p:txBody>
+          <a:bodyPr/>
+          <a:lstStyle/>
+          <a:p>
+            <a:fld id="{0A3C37BE-C303-496D-B5CD-85F2937540FC}" type="slidenum">
+              <a:rPr lang="en-CA" smtClean="0"/>
+              <a:t>16</a:t>
+            </a:fld>
+            <a:endParaRPr lang="en-CA"/>
+          </a:p>
+        </p:txBody>
+      </p:sp>
+    </p:spTree>
+    <p:extLst>
+      <p:ext uri="{BB962C8B-B14F-4D97-AF65-F5344CB8AC3E}">
+        <p14:creationId xmlns:p14="http://schemas.microsoft.com/office/powerpoint/2010/main" val="2782126990"/>
       </p:ext>
     </p:extLst>
   </p:cSld>
@@ -1531,7 +2183,7 @@
           <a:p>
             <a:fld id="{402B9795-92DC-40DC-A1CA-9A4B349D7824}" type="datetimeFigureOut">
               <a:rPr lang="en-US"/>
-              <a:t>5/1/2016</a:t>
+              <a:t>5/2/2016</a:t>
             </a:fld>
             <a:endParaRPr/>
           </a:p>
@@ -1847,7 +2499,7 @@
           <a:p>
             <a:fld id="{402B9795-92DC-40DC-A1CA-9A4B349D7824}" type="datetimeFigureOut">
               <a:rPr lang="en-US"/>
-              <a:t>5/1/2016</a:t>
+              <a:t>5/2/2016</a:t>
             </a:fld>
             <a:endParaRPr/>
           </a:p>
@@ -2029,7 +2681,7 @@
           <a:p>
             <a:fld id="{402B9795-92DC-40DC-A1CA-9A4B349D7824}" type="datetimeFigureOut">
               <a:rPr lang="en-US"/>
-              <a:t>5/1/2016</a:t>
+              <a:t>5/2/2016</a:t>
             </a:fld>
             <a:endParaRPr/>
           </a:p>
@@ -2221,7 +2873,7 @@
           <a:p>
             <a:fld id="{402B9795-92DC-40DC-A1CA-9A4B349D7824}" type="datetimeFigureOut">
               <a:rPr lang="en-US"/>
-              <a:t>5/1/2016</a:t>
+              <a:t>5/2/2016</a:t>
             </a:fld>
             <a:endParaRPr/>
           </a:p>
@@ -2490,7 +3142,7 @@
           <a:p>
             <a:fld id="{402B9795-92DC-40DC-A1CA-9A4B349D7824}" type="datetimeFigureOut">
               <a:rPr lang="en-US"/>
-              <a:t>5/1/2016</a:t>
+              <a:t>5/2/2016</a:t>
             </a:fld>
             <a:endParaRPr/>
           </a:p>
@@ -3549,7 +4201,7 @@
           <a:p>
             <a:fld id="{402B9795-92DC-40DC-A1CA-9A4B349D7824}" type="datetimeFigureOut">
               <a:rPr lang="en-US"/>
-              <a:t>5/1/2016</a:t>
+              <a:t>5/2/2016</a:t>
             </a:fld>
             <a:endParaRPr/>
           </a:p>
@@ -3859,7 +4511,7 @@
           <a:p>
             <a:fld id="{402B9795-92DC-40DC-A1CA-9A4B349D7824}" type="datetimeFigureOut">
               <a:rPr lang="en-US"/>
-              <a:t>5/1/2016</a:t>
+              <a:t>5/2/2016</a:t>
             </a:fld>
             <a:endParaRPr/>
           </a:p>
@@ -4239,7 +4891,7 @@
           <a:p>
             <a:fld id="{402B9795-92DC-40DC-A1CA-9A4B349D7824}" type="datetimeFigureOut">
               <a:rPr lang="en-US"/>
-              <a:t>5/1/2016</a:t>
+              <a:t>5/2/2016</a:t>
             </a:fld>
             <a:endParaRPr/>
           </a:p>
@@ -4369,7 +5021,7 @@
           <a:p>
             <a:fld id="{402B9795-92DC-40DC-A1CA-9A4B349D7824}" type="datetimeFigureOut">
               <a:rPr lang="en-US"/>
-              <a:t>5/1/2016</a:t>
+              <a:t>5/2/2016</a:t>
             </a:fld>
             <a:endParaRPr/>
           </a:p>
@@ -4476,7 +5128,7 @@
           <a:p>
             <a:fld id="{402B9795-92DC-40DC-A1CA-9A4B349D7824}" type="datetimeFigureOut">
               <a:rPr lang="en-US"/>
-              <a:t>5/1/2016</a:t>
+              <a:t>5/2/2016</a:t>
             </a:fld>
             <a:endParaRPr/>
           </a:p>
@@ -4767,7 +5419,7 @@
           <a:p>
             <a:fld id="{402B9795-92DC-40DC-A1CA-9A4B349D7824}" type="datetimeFigureOut">
               <a:rPr lang="en-US"/>
-              <a:t>5/1/2016</a:t>
+              <a:t>5/2/2016</a:t>
             </a:fld>
             <a:endParaRPr/>
           </a:p>
@@ -4994,7 +5646,7 @@
             <a:fld id="{402B9795-92DC-40DC-A1CA-9A4B349D7824}" type="datetimeFigureOut">
               <a:rPr lang="en-US"/>
               <a:pPr/>
-              <a:t>5/1/2016</a:t>
+              <a:t>5/2/2016</a:t>
             </a:fld>
             <a:endParaRPr/>
           </a:p>
@@ -6241,7 +6893,7 @@
             <p:ph idx="1"/>
             <p:extLst>
               <p:ext uri="{D42A27DB-BD31-4B8C-83A1-F6EECF244321}">
-                <p14:modId xmlns:p14="http://schemas.microsoft.com/office/powerpoint/2010/main" val="2776639724"/>
+                <p14:modId xmlns:p14="http://schemas.microsoft.com/office/powerpoint/2010/main" val="2263377930"/>
               </p:ext>
             </p:extLst>
           </p:nvPr>
@@ -6384,7 +7036,7 @@
                     <a:p>
                       <a:pPr algn="ctr"/>
                       <a:r>
-                        <a:rPr lang="en-CA" b="1" dirty="0"/>
+                        <a:rPr lang="en-CA" b="0" dirty="0"/>
                         <a:t>0.194444</a:t>
                       </a:r>
                     </a:p>
@@ -6398,7 +7050,7 @@
                     <a:p>
                       <a:pPr algn="ctr"/>
                       <a:r>
-                        <a:rPr lang="en-CA" b="1" dirty="0"/>
+                        <a:rPr lang="en-CA" b="0" dirty="0"/>
                         <a:t>0.200982</a:t>
                       </a:r>
                     </a:p>
@@ -6412,7 +7064,7 @@
                     <a:p>
                       <a:pPr algn="ctr"/>
                       <a:r>
-                        <a:rPr lang="en-CA" b="1" dirty="0"/>
+                        <a:rPr lang="en-CA" b="0" dirty="0"/>
                         <a:t>35</a:t>
                       </a:r>
                     </a:p>
@@ -6452,7 +7104,7 @@
                     <a:p>
                       <a:pPr algn="ctr"/>
                       <a:r>
-                        <a:rPr lang="en-CA" b="1" dirty="0"/>
+                        <a:rPr lang="en-CA" b="0" dirty="0"/>
                         <a:t>0.185474</a:t>
                       </a:r>
                     </a:p>
@@ -6466,7 +7118,7 @@
                     <a:p>
                       <a:pPr algn="ctr"/>
                       <a:r>
-                        <a:rPr lang="en-CA" b="1" dirty="0"/>
+                        <a:rPr lang="en-CA" b="0" dirty="0"/>
                         <a:t>0.179552</a:t>
                       </a:r>
                     </a:p>
@@ -6480,7 +7132,7 @@
                     <a:p>
                       <a:pPr algn="ctr"/>
                       <a:r>
-                        <a:rPr lang="en-CA" b="1" dirty="0"/>
+                        <a:rPr lang="en-CA" b="0" dirty="0"/>
                         <a:t>43</a:t>
                       </a:r>
                     </a:p>
@@ -6555,494 +7207,144 @@
           <a:lstStyle/>
           <a:p>
             <a:r>
-              <a:rPr lang="en-US" dirty="0"/>
-              <a:t>Results &amp; Discussion</a:t>
-            </a:r>
-          </a:p>
-        </p:txBody>
-      </p:sp>
-      <mc:AlternateContent xmlns:mc="http://schemas.openxmlformats.org/markup-compatibility/2006">
-        <mc:Choice xmlns:a14="http://schemas.microsoft.com/office/drawing/2010/main" Requires="a14">
-          <p:graphicFrame>
-            <p:nvGraphicFramePr>
-              <p:cNvPr id="4" name="Content Placeholder 3"/>
-              <p:cNvGraphicFramePr>
-                <a:graphicFrameLocks noGrp="1"/>
-              </p:cNvGraphicFramePr>
-              <p:nvPr>
-                <p:ph idx="1"/>
-                <p:extLst>
-                  <p:ext uri="{D42A27DB-BD31-4B8C-83A1-F6EECF244321}">
-                    <p14:modId xmlns:p14="http://schemas.microsoft.com/office/powerpoint/2010/main" val="2179313020"/>
-                  </p:ext>
-                </p:extLst>
-              </p:nvPr>
-            </p:nvGraphicFramePr>
-            <p:xfrm>
-              <a:off x="1104900" y="1600200"/>
-              <a:ext cx="9980614" cy="2354580"/>
-            </p:xfrm>
-            <a:graphic>
-              <a:graphicData uri="http://schemas.openxmlformats.org/drawingml/2006/table">
-                <a:tbl>
-                  <a:tblPr firstRow="1" bandRow="1">
-                    <a:tableStyleId>{5C22544A-7EE6-4342-B048-85BDC9FD1C3A}</a:tableStyleId>
-                  </a:tblPr>
-                  <a:tblGrid>
-                    <a:gridCol w="4990307">
-                      <a:extLst>
-                        <a:ext uri="{9D8B030D-6E8A-4147-A177-3AD203B41FA5}">
-                          <a16:colId xmlns:a16="http://schemas.microsoft.com/office/drawing/2014/main" val="452220581"/>
-                        </a:ext>
-                      </a:extLst>
-                    </a:gridCol>
-                    <a:gridCol w="4990307">
-                      <a:extLst>
-                        <a:ext uri="{9D8B030D-6E8A-4147-A177-3AD203B41FA5}">
-                          <a16:colId xmlns:a16="http://schemas.microsoft.com/office/drawing/2014/main" val="82609379"/>
-                        </a:ext>
-                      </a:extLst>
-                    </a:gridCol>
-                  </a:tblGrid>
-                  <a:tr h="784860">
-                    <a:tc>
-                      <a:txBody>
-                        <a:bodyPr/>
-                        <a:lstStyle/>
-                        <a:p>
-                          <a:pPr algn="ctr"/>
-                          <a:r>
-                            <a:rPr lang="en-CA" sz="1800" dirty="0"/>
-                            <a:t>Language Variation</a:t>
-                          </a:r>
-                        </a:p>
-                      </a:txBody>
-                      <a:tcPr anchor="ctr"/>
-                    </a:tc>
-                    <a:tc>
-                      <a:txBody>
-                        <a:bodyPr/>
-                        <a:lstStyle/>
-                        <a:p>
-                          <a:pPr algn="ctr"/>
-                          <a:r>
-                            <a:rPr lang="en-CA" sz="1800" dirty="0"/>
-                            <a:t>Function &amp; Terminal Set</a:t>
-                          </a:r>
-                        </a:p>
-                      </a:txBody>
-                      <a:tcPr anchor="ctr"/>
-                    </a:tc>
-                    <a:extLst>
-                      <a:ext uri="{0D108BD9-81ED-4DB2-BD59-A6C34878D82A}">
-                        <a16:rowId xmlns:a16="http://schemas.microsoft.com/office/drawing/2014/main" val="3654672897"/>
-                      </a:ext>
-                    </a:extLst>
-                  </a:tr>
-                  <a:tr h="784860">
-                    <a:tc>
-                      <a:txBody>
-                        <a:bodyPr/>
-                        <a:lstStyle/>
-                        <a:p>
-                          <a:pPr algn="ctr"/>
-                          <a:r>
-                            <a:rPr lang="en-CA" sz="1800" b="1" i="1" dirty="0"/>
-                            <a:t>L</a:t>
-                          </a:r>
-                          <a:r>
-                            <a:rPr lang="en-CA" sz="1800" b="1" i="1" baseline="-25000" dirty="0"/>
-                            <a:t>ST</a:t>
-                          </a:r>
-                          <a:endParaRPr lang="en-CA" sz="1800" b="1" i="1" dirty="0"/>
-                        </a:p>
-                      </a:txBody>
-                      <a:tcPr anchor="ctr"/>
-                    </a:tc>
-                    <a:tc>
-                      <a:txBody>
-                        <a:bodyPr/>
-                        <a:lstStyle/>
-                        <a:p>
-                          <a:pPr algn="ctr"/>
-                          <a14:m>
-                            <m:oMathPara xmlns:m="http://schemas.openxmlformats.org/officeDocument/2006/math">
-                              <m:oMathParaPr>
-                                <m:jc m:val="centerGroup"/>
-                              </m:oMathParaPr>
-                              <m:oMath xmlns:m="http://schemas.openxmlformats.org/officeDocument/2006/math">
-                                <m:sSub>
-                                  <m:sSubPr>
-                                    <m:ctrlPr>
-                                      <a:rPr lang="en-CA" sz="2000" b="1" i="1" smtClean="0">
-                                        <a:latin typeface="Cambria Math" panose="02040503050406030204" pitchFamily="18" charset="0"/>
-                                      </a:rPr>
-                                    </m:ctrlPr>
-                                  </m:sSubPr>
-                                  <m:e>
-                                    <m:r>
-                                      <a:rPr lang="en-CA" sz="2000" b="1" i="1" smtClean="0">
-                                        <a:latin typeface="Cambria Math" panose="02040503050406030204" pitchFamily="18" charset="0"/>
-                                      </a:rPr>
-                                      <m:t>𝑳</m:t>
-                                    </m:r>
-                                  </m:e>
-                                  <m:sub>
-                                    <m:r>
-                                      <a:rPr lang="en-CA" sz="2000" b="1" i="1" smtClean="0">
-                                        <a:latin typeface="Cambria Math" panose="02040503050406030204" pitchFamily="18" charset="0"/>
-                                      </a:rPr>
-                                      <m:t>𝑰𝑭</m:t>
-                                    </m:r>
-                                  </m:sub>
-                                </m:sSub>
-                                <m:r>
-                                  <a:rPr lang="en-CA" sz="2000" b="1" i="1" smtClean="0">
-                                    <a:latin typeface="Cambria Math" panose="02040503050406030204" pitchFamily="18" charset="0"/>
-                                  </a:rPr>
-                                  <m:t>∪{</m:t>
-                                </m:r>
-                                <m:r>
-                                  <a:rPr lang="en-CA" sz="2000" b="1" i="1" smtClean="0">
-                                    <a:latin typeface="Cambria Math" panose="02040503050406030204" pitchFamily="18" charset="0"/>
-                                  </a:rPr>
-                                  <m:t>𝒔𝒖𝒎</m:t>
-                                </m:r>
-                                <m:r>
-                                  <a:rPr lang="en-CA" sz="2000" b="1" i="1" smtClean="0">
-                                    <a:latin typeface="Cambria Math" panose="02040503050406030204" pitchFamily="18" charset="0"/>
-                                  </a:rPr>
-                                  <m:t>, </m:t>
-                                </m:r>
-                                <m:r>
-                                  <a:rPr lang="en-CA" sz="2000" b="1" i="1" smtClean="0">
-                                    <a:latin typeface="Cambria Math" panose="02040503050406030204" pitchFamily="18" charset="0"/>
-                                  </a:rPr>
-                                  <m:t>𝒔𝒕𝒅𝒆𝒗</m:t>
-                                </m:r>
-                                <m:r>
-                                  <a:rPr lang="en-CA" sz="2000" b="1" i="1" smtClean="0">
-                                    <a:latin typeface="Cambria Math" panose="02040503050406030204" pitchFamily="18" charset="0"/>
-                                  </a:rPr>
-                                  <m:t>, </m:t>
-                                </m:r>
-                                <m:r>
-                                  <a:rPr lang="en-CA" sz="2000" b="1" i="1" smtClean="0">
-                                    <a:latin typeface="Cambria Math" panose="02040503050406030204" pitchFamily="18" charset="0"/>
-                                  </a:rPr>
-                                  <m:t>𝒔𝒌𝒆𝒘</m:t>
-                                </m:r>
-                                <m:r>
-                                  <a:rPr lang="en-CA" sz="2000" b="1" i="1" smtClean="0">
-                                    <a:latin typeface="Cambria Math" panose="02040503050406030204" pitchFamily="18" charset="0"/>
-                                  </a:rPr>
-                                  <m:t>}</m:t>
-                                </m:r>
-                              </m:oMath>
-                            </m:oMathPara>
-                          </a14:m>
-                          <a:endParaRPr lang="en-CA" sz="2000" b="1" dirty="0"/>
-                        </a:p>
-                      </a:txBody>
-                      <a:tcPr anchor="ctr"/>
-                    </a:tc>
-                    <a:extLst>
-                      <a:ext uri="{0D108BD9-81ED-4DB2-BD59-A6C34878D82A}">
-                        <a16:rowId xmlns:a16="http://schemas.microsoft.com/office/drawing/2014/main" val="2083470743"/>
-                      </a:ext>
-                    </a:extLst>
-                  </a:tr>
-                  <a:tr h="784860">
-                    <a:tc>
-                      <a:txBody>
-                        <a:bodyPr/>
-                        <a:lstStyle/>
-                        <a:p>
-                          <a:pPr algn="ctr"/>
-                          <a:r>
-                            <a:rPr lang="en-CA" sz="1800" b="1" i="1" dirty="0"/>
-                            <a:t>L</a:t>
-                          </a:r>
-                          <a:r>
-                            <a:rPr lang="en-CA" sz="1800" b="1" i="1" baseline="-25000" dirty="0"/>
-                            <a:t>ST’</a:t>
-                          </a:r>
-                          <a:endParaRPr lang="en-CA" sz="1800" b="1" i="1" dirty="0"/>
-                        </a:p>
-                      </a:txBody>
-                      <a:tcPr anchor="ctr"/>
-                    </a:tc>
-                    <a:tc>
-                      <a:txBody>
-                        <a:bodyPr/>
-                        <a:lstStyle/>
-                        <a:p>
-                          <a:pPr algn="ctr"/>
-                          <a14:m>
-                            <m:oMathPara xmlns:m="http://schemas.openxmlformats.org/officeDocument/2006/math">
-                              <m:oMathParaPr>
-                                <m:jc m:val="centerGroup"/>
-                              </m:oMathParaPr>
-                              <m:oMath xmlns:m="http://schemas.openxmlformats.org/officeDocument/2006/math">
-                                <m:sSub>
-                                  <m:sSubPr>
-                                    <m:ctrlPr>
-                                      <a:rPr lang="en-CA" sz="2000" b="1" i="1" smtClean="0">
-                                        <a:latin typeface="Cambria Math" panose="02040503050406030204" pitchFamily="18" charset="0"/>
-                                      </a:rPr>
-                                    </m:ctrlPr>
-                                  </m:sSubPr>
-                                  <m:e>
-                                    <m:r>
-                                      <a:rPr lang="en-CA" sz="2000" b="1" i="1" smtClean="0">
-                                        <a:latin typeface="Cambria Math" panose="02040503050406030204" pitchFamily="18" charset="0"/>
-                                      </a:rPr>
-                                      <m:t>𝑳</m:t>
-                                    </m:r>
-                                  </m:e>
-                                  <m:sub>
-                                    <m:r>
-                                      <a:rPr lang="en-CA" sz="2000" b="1" i="1" smtClean="0">
-                                        <a:latin typeface="Cambria Math" panose="02040503050406030204" pitchFamily="18" charset="0"/>
-                                      </a:rPr>
-                                      <m:t>𝑺𝑻</m:t>
-                                    </m:r>
-                                  </m:sub>
-                                </m:sSub>
-                                <m:r>
-                                  <a:rPr lang="en-CA" sz="2000" b="1" i="1" smtClean="0">
-                                    <a:latin typeface="Cambria Math" panose="02040503050406030204" pitchFamily="18" charset="0"/>
-                                  </a:rPr>
-                                  <m:t>∪{</m:t>
-                                </m:r>
-                                <m:r>
-                                  <a:rPr lang="en-CA" sz="2000" b="1" i="1" smtClean="0">
-                                    <a:latin typeface="Cambria Math" panose="02040503050406030204" pitchFamily="18" charset="0"/>
-                                  </a:rPr>
-                                  <m:t>𝒂𝒗𝒈</m:t>
-                                </m:r>
-                                <m:r>
-                                  <a:rPr lang="en-CA" sz="2000" b="1" i="1" smtClean="0">
-                                    <a:latin typeface="Cambria Math" panose="02040503050406030204" pitchFamily="18" charset="0"/>
-                                  </a:rPr>
-                                  <m:t>, </m:t>
-                                </m:r>
-                                <m:r>
-                                  <a:rPr lang="en-CA" sz="2000" b="1" i="1" smtClean="0">
-                                    <a:latin typeface="Cambria Math" panose="02040503050406030204" pitchFamily="18" charset="0"/>
-                                  </a:rPr>
-                                  <m:t>𝒎𝒊𝒏</m:t>
-                                </m:r>
-                                <m:r>
-                                  <a:rPr lang="en-CA" sz="2000" b="1" i="1" smtClean="0">
-                                    <a:latin typeface="Cambria Math" panose="02040503050406030204" pitchFamily="18" charset="0"/>
-                                  </a:rPr>
-                                  <m:t>, </m:t>
-                                </m:r>
-                                <m:r>
-                                  <a:rPr lang="en-CA" sz="2000" b="1" i="1" smtClean="0">
-                                    <a:latin typeface="Cambria Math" panose="02040503050406030204" pitchFamily="18" charset="0"/>
-                                  </a:rPr>
-                                  <m:t>𝒎𝒂𝒙</m:t>
-                                </m:r>
-                                <m:r>
-                                  <a:rPr lang="en-CA" sz="2000" b="1" i="1" smtClean="0">
-                                    <a:latin typeface="Cambria Math" panose="02040503050406030204" pitchFamily="18" charset="0"/>
-                                  </a:rPr>
-                                  <m:t>}</m:t>
-                                </m:r>
-                              </m:oMath>
-                            </m:oMathPara>
-                          </a14:m>
-                          <a:endParaRPr lang="en-CA" sz="2000" b="1" dirty="0"/>
-                        </a:p>
-                      </a:txBody>
-                      <a:tcPr anchor="ctr"/>
-                    </a:tc>
-                    <a:extLst>
-                      <a:ext uri="{0D108BD9-81ED-4DB2-BD59-A6C34878D82A}">
-                        <a16:rowId xmlns:a16="http://schemas.microsoft.com/office/drawing/2014/main" val="1427336378"/>
-                      </a:ext>
-                    </a:extLst>
-                  </a:tr>
-                </a:tbl>
-              </a:graphicData>
-            </a:graphic>
-          </p:graphicFrame>
-        </mc:Choice>
-        <mc:Fallback>
-          <p:graphicFrame>
-            <p:nvGraphicFramePr>
-              <p:cNvPr id="4" name="Content Placeholder 3"/>
-              <p:cNvGraphicFramePr>
-                <a:graphicFrameLocks noGrp="1"/>
-              </p:cNvGraphicFramePr>
-              <p:nvPr>
-                <p:ph idx="1"/>
-                <p:extLst>
-                  <p:ext uri="{D42A27DB-BD31-4B8C-83A1-F6EECF244321}">
-                    <p14:modId xmlns:p14="http://schemas.microsoft.com/office/powerpoint/2010/main" val="2179313020"/>
-                  </p:ext>
-                </p:extLst>
-              </p:nvPr>
-            </p:nvGraphicFramePr>
-            <p:xfrm>
-              <a:off x="1104900" y="1600200"/>
-              <a:ext cx="9980614" cy="2354580"/>
-            </p:xfrm>
-            <a:graphic>
-              <a:graphicData uri="http://schemas.openxmlformats.org/drawingml/2006/table">
-                <a:tbl>
-                  <a:tblPr firstRow="1" bandRow="1">
-                    <a:tableStyleId>{5C22544A-7EE6-4342-B048-85BDC9FD1C3A}</a:tableStyleId>
-                  </a:tblPr>
-                  <a:tblGrid>
-                    <a:gridCol w="4990307">
-                      <a:extLst>
-                        <a:ext uri="{9D8B030D-6E8A-4147-A177-3AD203B41FA5}">
-                          <a16:colId xmlns:a16="http://schemas.microsoft.com/office/drawing/2014/main" val="452220581"/>
-                        </a:ext>
-                      </a:extLst>
-                    </a:gridCol>
-                    <a:gridCol w="4990307">
-                      <a:extLst>
-                        <a:ext uri="{9D8B030D-6E8A-4147-A177-3AD203B41FA5}">
-                          <a16:colId xmlns:a16="http://schemas.microsoft.com/office/drawing/2014/main" val="82609379"/>
-                        </a:ext>
-                      </a:extLst>
-                    </a:gridCol>
-                  </a:tblGrid>
-                  <a:tr h="784860">
-                    <a:tc>
-                      <a:txBody>
-                        <a:bodyPr/>
-                        <a:lstStyle/>
-                        <a:p>
-                          <a:pPr algn="ctr"/>
-                          <a:r>
-                            <a:rPr lang="en-CA" sz="1800" dirty="0"/>
-                            <a:t>Language Variation</a:t>
-                          </a:r>
-                        </a:p>
-                      </a:txBody>
-                      <a:tcPr anchor="ctr"/>
-                    </a:tc>
-                    <a:tc>
-                      <a:txBody>
-                        <a:bodyPr/>
-                        <a:lstStyle/>
-                        <a:p>
-                          <a:pPr algn="ctr"/>
-                          <a:r>
-                            <a:rPr lang="en-CA" sz="1800" dirty="0"/>
-                            <a:t>Function &amp; Terminal Set</a:t>
-                          </a:r>
-                        </a:p>
-                      </a:txBody>
-                      <a:tcPr anchor="ctr"/>
-                    </a:tc>
-                    <a:extLst>
-                      <a:ext uri="{0D108BD9-81ED-4DB2-BD59-A6C34878D82A}">
-                        <a16:rowId xmlns:a16="http://schemas.microsoft.com/office/drawing/2014/main" val="3654672897"/>
-                      </a:ext>
-                    </a:extLst>
-                  </a:tr>
-                  <a:tr h="784860">
-                    <a:tc>
-                      <a:txBody>
-                        <a:bodyPr/>
-                        <a:lstStyle/>
-                        <a:p>
-                          <a:pPr algn="ctr"/>
-                          <a:r>
-                            <a:rPr lang="en-CA" sz="1800" b="1" i="1" dirty="0"/>
-                            <a:t>L</a:t>
-                          </a:r>
-                          <a:r>
-                            <a:rPr lang="en-CA" sz="1800" b="1" i="1" baseline="-25000" dirty="0"/>
-                            <a:t>ST</a:t>
-                          </a:r>
-                          <a:endParaRPr lang="en-CA" sz="1800" b="1" i="1" dirty="0"/>
-                        </a:p>
-                      </a:txBody>
-                      <a:tcPr anchor="ctr"/>
-                    </a:tc>
-                    <a:tc>
-                      <a:txBody>
-                        <a:bodyPr/>
-                        <a:lstStyle/>
-                        <a:p>
-                          <a:endParaRPr lang="en-US"/>
-                        </a:p>
-                      </a:txBody>
-                      <a:tcPr anchor="ctr">
-                        <a:blipFill>
-                          <a:blip r:embed="rId3"/>
-                          <a:stretch>
-                            <a:fillRect l="-100122" t="-100775" r="-488" b="-101550"/>
-                          </a:stretch>
-                        </a:blipFill>
-                      </a:tcPr>
-                    </a:tc>
-                    <a:extLst>
-                      <a:ext uri="{0D108BD9-81ED-4DB2-BD59-A6C34878D82A}">
-                        <a16:rowId xmlns:a16="http://schemas.microsoft.com/office/drawing/2014/main" val="2083470743"/>
-                      </a:ext>
-                    </a:extLst>
-                  </a:tr>
-                  <a:tr h="784860">
-                    <a:tc>
-                      <a:txBody>
-                        <a:bodyPr/>
-                        <a:lstStyle/>
-                        <a:p>
-                          <a:pPr algn="ctr"/>
-                          <a:r>
-                            <a:rPr lang="en-CA" sz="1800" b="1" i="1" dirty="0"/>
-                            <a:t>L</a:t>
-                          </a:r>
-                          <a:r>
-                            <a:rPr lang="en-CA" sz="1800" b="1" i="1" baseline="-25000" dirty="0"/>
-                            <a:t>ST’</a:t>
-                          </a:r>
-                          <a:endParaRPr lang="en-CA" sz="1800" b="1" i="1" dirty="0"/>
-                        </a:p>
-                      </a:txBody>
-                      <a:tcPr anchor="ctr"/>
-                    </a:tc>
-                    <a:tc>
-                      <a:txBody>
-                        <a:bodyPr/>
-                        <a:lstStyle/>
-                        <a:p>
-                          <a:endParaRPr lang="en-US"/>
-                        </a:p>
-                      </a:txBody>
-                      <a:tcPr anchor="ctr">
-                        <a:blipFill>
-                          <a:blip r:embed="rId3"/>
-                          <a:stretch>
-                            <a:fillRect l="-100122" t="-200775" r="-488" b="-1550"/>
-                          </a:stretch>
-                        </a:blipFill>
-                      </a:tcPr>
-                    </a:tc>
-                    <a:extLst>
-                      <a:ext uri="{0D108BD9-81ED-4DB2-BD59-A6C34878D82A}">
-                        <a16:rowId xmlns:a16="http://schemas.microsoft.com/office/drawing/2014/main" val="1427336378"/>
-                      </a:ext>
-                    </a:extLst>
-                  </a:tr>
-                </a:tbl>
-              </a:graphicData>
-            </a:graphic>
-          </p:graphicFrame>
-        </mc:Fallback>
-      </mc:AlternateContent>
+              <a:rPr lang="en-CA" b="1" i="1" dirty="0"/>
+              <a:t>L</a:t>
+            </a:r>
+            <a:r>
+              <a:rPr lang="en-CA" b="1" i="1" baseline="-25000" dirty="0"/>
+              <a:t>ST</a:t>
+            </a:r>
+            <a:r>
+              <a:rPr lang="en-CA" dirty="0"/>
+              <a:t>:</a:t>
+            </a:r>
+            <a:r>
+              <a:rPr lang="en-CA" b="1" i="1" dirty="0"/>
+              <a:t> </a:t>
+            </a:r>
+            <a:r>
+              <a:rPr lang="en-CA" dirty="0"/>
+              <a:t>Comparison of Individual Models (70-30)</a:t>
+            </a:r>
+          </a:p>
+        </p:txBody>
+      </p:sp>
+      <p:sp>
+        <p:nvSpPr>
+          <p:cNvPr id="3" name="Text Placeholder 2"/>
+          <p:cNvSpPr>
+            <a:spLocks noGrp="1"/>
+          </p:cNvSpPr>
+          <p:nvPr>
+            <p:ph type="body" idx="1"/>
+          </p:nvPr>
+        </p:nvSpPr>
+        <p:spPr>
+          <a:xfrm>
+            <a:off x="750806" y="1223962"/>
+            <a:ext cx="4919472" cy="823912"/>
+          </a:xfrm>
+        </p:spPr>
+        <p:txBody>
+          <a:bodyPr/>
+          <a:lstStyle/>
+          <a:p>
+            <a:r>
+              <a:rPr lang="en-CA" dirty="0"/>
+              <a:t>Best &amp; Average Models (Training)</a:t>
+            </a:r>
+          </a:p>
+        </p:txBody>
+      </p:sp>
+      <p:pic>
+        <p:nvPicPr>
+          <p:cNvPr id="7" name="Content Placeholder 6"/>
+          <p:cNvPicPr>
+            <a:picLocks noGrp="1" noChangeAspect="1"/>
+          </p:cNvPicPr>
+          <p:nvPr>
+            <p:ph sz="half" idx="2"/>
+          </p:nvPr>
+        </p:nvPicPr>
+        <p:blipFill>
+          <a:blip r:embed="rId3">
+            <a:extLst>
+              <a:ext uri="{28A0092B-C50C-407E-A947-70E740481C1C}">
+                <a14:useLocalDpi xmlns:a14="http://schemas.microsoft.com/office/drawing/2010/main" val="0"/>
+              </a:ext>
+            </a:extLst>
+          </a:blip>
+          <a:stretch>
+            <a:fillRect/>
+          </a:stretch>
+        </p:blipFill>
+        <p:spPr>
+          <a:xfrm>
+            <a:off x="269500" y="2103438"/>
+            <a:ext cx="5882084" cy="4297362"/>
+          </a:xfrm>
+        </p:spPr>
+      </p:pic>
+      <p:sp>
+        <p:nvSpPr>
+          <p:cNvPr id="5" name="Text Placeholder 4"/>
+          <p:cNvSpPr>
+            <a:spLocks noGrp="1"/>
+          </p:cNvSpPr>
+          <p:nvPr>
+            <p:ph type="body" sz="quarter" idx="3"/>
+          </p:nvPr>
+        </p:nvSpPr>
+        <p:spPr>
+          <a:xfrm>
+            <a:off x="6656578" y="1223962"/>
+            <a:ext cx="4919472" cy="823912"/>
+          </a:xfrm>
+        </p:spPr>
+        <p:txBody>
+          <a:bodyPr/>
+          <a:lstStyle/>
+          <a:p>
+            <a:r>
+              <a:rPr lang="en-CA" dirty="0"/>
+              <a:t>Ensemble Testing</a:t>
+            </a:r>
+          </a:p>
+        </p:txBody>
+      </p:sp>
+      <p:pic>
+        <p:nvPicPr>
+          <p:cNvPr id="8" name="Content Placeholder 7"/>
+          <p:cNvPicPr>
+            <a:picLocks noGrp="1" noChangeAspect="1"/>
+          </p:cNvPicPr>
+          <p:nvPr>
+            <p:ph sz="quarter" idx="4"/>
+          </p:nvPr>
+        </p:nvPicPr>
+        <p:blipFill>
+          <a:blip r:embed="rId4">
+            <a:extLst>
+              <a:ext uri="{28A0092B-C50C-407E-A947-70E740481C1C}">
+                <a14:useLocalDpi xmlns:a14="http://schemas.microsoft.com/office/drawing/2010/main" val="0"/>
+              </a:ext>
+            </a:extLst>
+          </a:blip>
+          <a:stretch>
+            <a:fillRect/>
+          </a:stretch>
+        </p:blipFill>
+        <p:spPr>
+          <a:xfrm>
+            <a:off x="6166041" y="2099970"/>
+            <a:ext cx="5900546" cy="4299534"/>
+          </a:xfrm>
+        </p:spPr>
+      </p:pic>
     </p:spTree>
     <p:extLst>
       <p:ext uri="{BB962C8B-B14F-4D97-AF65-F5344CB8AC3E}">
-        <p14:creationId xmlns:p14="http://schemas.microsoft.com/office/powerpoint/2010/main" val="1056230780"/>
+        <p14:creationId xmlns:p14="http://schemas.microsoft.com/office/powerpoint/2010/main" val="1630310746"/>
       </p:ext>
     </p:extLst>
   </p:cSld>
@@ -7097,61 +7399,1180 @@
           <a:lstStyle/>
           <a:p>
             <a:r>
+              <a:rPr lang="en-CA" b="1" i="1" dirty="0"/>
+              <a:t>L</a:t>
+            </a:r>
+            <a:r>
+              <a:rPr lang="en-CA" b="1" i="1" baseline="-25000" dirty="0"/>
+              <a:t>ST’</a:t>
+            </a:r>
+            <a:r>
               <a:rPr lang="en-CA" dirty="0"/>
-              <a:t>References</a:t>
-            </a:r>
-          </a:p>
-        </p:txBody>
-      </p:sp>
-      <p:sp>
-        <p:nvSpPr>
-          <p:cNvPr id="3" name="Content Placeholder 2"/>
+              <a:t>:</a:t>
+            </a:r>
+            <a:r>
+              <a:rPr lang="en-CA" b="1" i="1" dirty="0"/>
+              <a:t> </a:t>
+            </a:r>
+            <a:r>
+              <a:rPr lang="en-CA" dirty="0"/>
+              <a:t>Comparison of Individual Models (70-30)</a:t>
+            </a:r>
+          </a:p>
+        </p:txBody>
+      </p:sp>
+      <p:sp>
+        <p:nvSpPr>
+          <p:cNvPr id="3" name="Text Placeholder 2"/>
           <p:cNvSpPr>
             <a:spLocks noGrp="1"/>
           </p:cNvSpPr>
           <p:nvPr>
-            <p:ph idx="1"/>
-          </p:nvPr>
-        </p:nvSpPr>
-        <p:spPr/>
+            <p:ph type="body" idx="1"/>
+          </p:nvPr>
+        </p:nvSpPr>
+        <p:spPr>
+          <a:xfrm>
+            <a:off x="750806" y="1223962"/>
+            <a:ext cx="4919472" cy="823912"/>
+          </a:xfrm>
+        </p:spPr>
         <p:txBody>
           <a:bodyPr/>
           <a:lstStyle/>
           <a:p>
             <a:r>
-              <a:rPr lang="en-CA" dirty="0" err="1"/>
-              <a:t>Minkyu</a:t>
-            </a:r>
-            <a:r>
               <a:rPr lang="en-CA" dirty="0"/>
-              <a:t> Kim, Ying L. Becker, Peng </a:t>
-            </a:r>
-            <a:r>
-              <a:rPr lang="en-CA" dirty="0" err="1"/>
-              <a:t>Fei</a:t>
-            </a:r>
+              <a:t>Best &amp; Average Models (Training)</a:t>
+            </a:r>
+          </a:p>
+        </p:txBody>
+      </p:sp>
+      <p:pic>
+        <p:nvPicPr>
+          <p:cNvPr id="7" name="Content Placeholder 6"/>
+          <p:cNvPicPr>
+            <a:picLocks noGrp="1" noChangeAspect="1"/>
+          </p:cNvPicPr>
+          <p:nvPr>
+            <p:ph sz="half" idx="2"/>
+          </p:nvPr>
+        </p:nvPicPr>
+        <p:blipFill>
+          <a:blip r:embed="rId3">
+            <a:extLst>
+              <a:ext uri="{28A0092B-C50C-407E-A947-70E740481C1C}">
+                <a14:useLocalDpi xmlns:a14="http://schemas.microsoft.com/office/drawing/2010/main" val="0"/>
+              </a:ext>
+            </a:extLst>
+          </a:blip>
+          <a:stretch>
+            <a:fillRect/>
+          </a:stretch>
+        </p:blipFill>
+        <p:spPr>
+          <a:xfrm>
+            <a:off x="257165" y="2109159"/>
+            <a:ext cx="5906755" cy="4285920"/>
+          </a:xfrm>
+        </p:spPr>
+      </p:pic>
+      <p:sp>
+        <p:nvSpPr>
+          <p:cNvPr id="5" name="Text Placeholder 4"/>
+          <p:cNvSpPr>
+            <a:spLocks noGrp="1"/>
+          </p:cNvSpPr>
+          <p:nvPr>
+            <p:ph type="body" sz="quarter" idx="3"/>
+          </p:nvPr>
+        </p:nvSpPr>
+        <p:spPr>
+          <a:xfrm>
+            <a:off x="6656578" y="1223962"/>
+            <a:ext cx="4919472" cy="823912"/>
+          </a:xfrm>
+        </p:spPr>
+        <p:txBody>
+          <a:bodyPr/>
+          <a:lstStyle/>
+          <a:p>
             <a:r>
               <a:rPr lang="en-CA" dirty="0"/>
-              <a:t>, and Una-May O’Reilly. Constrained genetic programming to minimize overfitting in stock selection. </a:t>
-            </a:r>
-            <a:r>
-              <a:rPr lang="en-CA" i="1" dirty="0"/>
-              <a:t>Genetic Programming Theory and Practice,</a:t>
-            </a:r>
-            <a:r>
-              <a:rPr lang="en-CA" dirty="0"/>
-              <a:t> 6:178-194, 2009</a:t>
-            </a:r>
-          </a:p>
-          <a:p>
-            <a:endParaRPr lang="en-CA" dirty="0"/>
-          </a:p>
-        </p:txBody>
-      </p:sp>
+              <a:t>Ensemble Testing</a:t>
+            </a:r>
+          </a:p>
+        </p:txBody>
+      </p:sp>
+      <p:pic>
+        <p:nvPicPr>
+          <p:cNvPr id="8" name="Content Placeholder 7"/>
+          <p:cNvPicPr>
+            <a:picLocks noGrp="1" noChangeAspect="1"/>
+          </p:cNvPicPr>
+          <p:nvPr>
+            <p:ph sz="quarter" idx="4"/>
+          </p:nvPr>
+        </p:nvPicPr>
+        <p:blipFill>
+          <a:blip r:embed="rId4">
+            <a:extLst>
+              <a:ext uri="{28A0092B-C50C-407E-A947-70E740481C1C}">
+                <a14:useLocalDpi xmlns:a14="http://schemas.microsoft.com/office/drawing/2010/main" val="0"/>
+              </a:ext>
+            </a:extLst>
+          </a:blip>
+          <a:stretch>
+            <a:fillRect/>
+          </a:stretch>
+        </p:blipFill>
+        <p:spPr>
+          <a:xfrm>
+            <a:off x="6166041" y="2111776"/>
+            <a:ext cx="5900546" cy="4275921"/>
+          </a:xfrm>
+        </p:spPr>
+      </p:pic>
     </p:spTree>
     <p:extLst>
       <p:ext uri="{BB962C8B-B14F-4D97-AF65-F5344CB8AC3E}">
-        <p14:creationId xmlns:p14="http://schemas.microsoft.com/office/powerpoint/2010/main" val="4294613089"/>
+        <p14:creationId xmlns:p14="http://schemas.microsoft.com/office/powerpoint/2010/main" val="4211181262"/>
+      </p:ext>
+    </p:extLst>
+  </p:cSld>
+  <p:clrMapOvr>
+    <a:masterClrMapping/>
+  </p:clrMapOvr>
+  <mc:AlternateContent xmlns:mc="http://schemas.openxmlformats.org/markup-compatibility/2006" xmlns:p14="http://schemas.microsoft.com/office/powerpoint/2010/main">
+    <mc:Choice Requires="p14">
+      <p:transition spd="med" p14:dur="700">
+        <p:fade/>
+      </p:transition>
+    </mc:Choice>
+    <mc:Fallback xmlns="">
+      <p:transition spd="med">
+        <p:fade/>
+      </p:transition>
+    </mc:Fallback>
+  </mc:AlternateContent>
+</p:sld>
+</file>
+
+<file path=ppt/slides/slide16.xml><?xml version="1.0" encoding="utf-8"?>
+<p:sld xmlns:a="http://schemas.openxmlformats.org/drawingml/2006/main" xmlns:r="http://schemas.openxmlformats.org/officeDocument/2006/relationships" xmlns:p="http://schemas.openxmlformats.org/presentationml/2006/main">
+  <p:cSld>
+    <p:spTree>
+      <p:nvGrpSpPr>
+        <p:cNvPr id="1" name=""/>
+        <p:cNvGrpSpPr/>
+        <p:nvPr/>
+      </p:nvGrpSpPr>
+      <p:grpSpPr>
+        <a:xfrm>
+          <a:off x="0" y="0"/>
+          <a:ext cx="0" cy="0"/>
+          <a:chOff x="0" y="0"/>
+          <a:chExt cx="0" cy="0"/>
+        </a:xfrm>
+      </p:grpSpPr>
+      <p:sp>
+        <p:nvSpPr>
+          <p:cNvPr id="2" name="Title 1"/>
+          <p:cNvSpPr>
+            <a:spLocks noGrp="1"/>
+          </p:cNvSpPr>
+          <p:nvPr>
+            <p:ph type="title"/>
+          </p:nvPr>
+        </p:nvSpPr>
+        <p:spPr/>
+        <p:txBody>
+          <a:bodyPr/>
+          <a:lstStyle/>
+          <a:p>
+            <a:r>
+              <a:rPr lang="en-CA" b="1" i="1" dirty="0"/>
+              <a:t>L</a:t>
+            </a:r>
+            <a:r>
+              <a:rPr lang="en-CA" b="1" i="1" baseline="-25000" dirty="0"/>
+              <a:t>ST</a:t>
+            </a:r>
+            <a:r>
+              <a:rPr lang="en-CA" dirty="0"/>
+              <a:t>:</a:t>
+            </a:r>
+            <a:r>
+              <a:rPr lang="en-CA" b="1" i="1" dirty="0"/>
+              <a:t> </a:t>
+            </a:r>
+            <a:r>
+              <a:rPr lang="en-CA" dirty="0"/>
+              <a:t>Comparison of Individual Models (90-10)</a:t>
+            </a:r>
+          </a:p>
+        </p:txBody>
+      </p:sp>
+      <p:sp>
+        <p:nvSpPr>
+          <p:cNvPr id="3" name="Text Placeholder 2"/>
+          <p:cNvSpPr>
+            <a:spLocks noGrp="1"/>
+          </p:cNvSpPr>
+          <p:nvPr>
+            <p:ph type="body" idx="1"/>
+          </p:nvPr>
+        </p:nvSpPr>
+        <p:spPr>
+          <a:xfrm>
+            <a:off x="750806" y="1223962"/>
+            <a:ext cx="4919472" cy="823912"/>
+          </a:xfrm>
+        </p:spPr>
+        <p:txBody>
+          <a:bodyPr/>
+          <a:lstStyle/>
+          <a:p>
+            <a:r>
+              <a:rPr lang="en-CA" dirty="0"/>
+              <a:t>Best &amp; Average Models (Training)</a:t>
+            </a:r>
+          </a:p>
+        </p:txBody>
+      </p:sp>
+      <p:pic>
+        <p:nvPicPr>
+          <p:cNvPr id="7" name="Content Placeholder 6"/>
+          <p:cNvPicPr>
+            <a:picLocks noGrp="1" noChangeAspect="1"/>
+          </p:cNvPicPr>
+          <p:nvPr>
+            <p:ph sz="half" idx="2"/>
+          </p:nvPr>
+        </p:nvPicPr>
+        <p:blipFill>
+          <a:blip r:embed="rId3">
+            <a:extLst>
+              <a:ext uri="{28A0092B-C50C-407E-A947-70E740481C1C}">
+                <a14:useLocalDpi xmlns:a14="http://schemas.microsoft.com/office/drawing/2010/main" val="0"/>
+              </a:ext>
+            </a:extLst>
+          </a:blip>
+          <a:stretch>
+            <a:fillRect/>
+          </a:stretch>
+        </p:blipFill>
+        <p:spPr>
+          <a:xfrm>
+            <a:off x="265028" y="2109159"/>
+            <a:ext cx="5891028" cy="4285920"/>
+          </a:xfrm>
+        </p:spPr>
+      </p:pic>
+      <p:sp>
+        <p:nvSpPr>
+          <p:cNvPr id="5" name="Text Placeholder 4"/>
+          <p:cNvSpPr>
+            <a:spLocks noGrp="1"/>
+          </p:cNvSpPr>
+          <p:nvPr>
+            <p:ph type="body" sz="quarter" idx="3"/>
+          </p:nvPr>
+        </p:nvSpPr>
+        <p:spPr>
+          <a:xfrm>
+            <a:off x="6656578" y="1223962"/>
+            <a:ext cx="4919472" cy="823912"/>
+          </a:xfrm>
+        </p:spPr>
+        <p:txBody>
+          <a:bodyPr/>
+          <a:lstStyle/>
+          <a:p>
+            <a:r>
+              <a:rPr lang="en-CA" dirty="0"/>
+              <a:t>Ensemble Testing</a:t>
+            </a:r>
+          </a:p>
+        </p:txBody>
+      </p:sp>
+      <p:pic>
+        <p:nvPicPr>
+          <p:cNvPr id="8" name="Content Placeholder 7"/>
+          <p:cNvPicPr>
+            <a:picLocks noGrp="1" noChangeAspect="1"/>
+          </p:cNvPicPr>
+          <p:nvPr>
+            <p:ph sz="quarter" idx="4"/>
+          </p:nvPr>
+        </p:nvPicPr>
+        <p:blipFill>
+          <a:blip r:embed="rId4">
+            <a:extLst>
+              <a:ext uri="{28A0092B-C50C-407E-A947-70E740481C1C}">
+                <a14:useLocalDpi xmlns:a14="http://schemas.microsoft.com/office/drawing/2010/main" val="0"/>
+              </a:ext>
+            </a:extLst>
+          </a:blip>
+          <a:stretch>
+            <a:fillRect/>
+          </a:stretch>
+        </p:blipFill>
+        <p:spPr>
+          <a:xfrm>
+            <a:off x="6174503" y="2111776"/>
+            <a:ext cx="5883622" cy="4275921"/>
+          </a:xfrm>
+        </p:spPr>
+      </p:pic>
+    </p:spTree>
+    <p:extLst>
+      <p:ext uri="{BB962C8B-B14F-4D97-AF65-F5344CB8AC3E}">
+        <p14:creationId xmlns:p14="http://schemas.microsoft.com/office/powerpoint/2010/main" val="103009781"/>
+      </p:ext>
+    </p:extLst>
+  </p:cSld>
+  <p:clrMapOvr>
+    <a:masterClrMapping/>
+  </p:clrMapOvr>
+  <mc:AlternateContent xmlns:mc="http://schemas.openxmlformats.org/markup-compatibility/2006" xmlns:p14="http://schemas.microsoft.com/office/powerpoint/2010/main">
+    <mc:Choice Requires="p14">
+      <p:transition spd="med" p14:dur="700">
+        <p:fade/>
+      </p:transition>
+    </mc:Choice>
+    <mc:Fallback xmlns="">
+      <p:transition spd="med">
+        <p:fade/>
+      </p:transition>
+    </mc:Fallback>
+  </mc:AlternateContent>
+</p:sld>
+</file>
+
+<file path=ppt/slides/slide17.xml><?xml version="1.0" encoding="utf-8"?>
+<p:sld xmlns:a="http://schemas.openxmlformats.org/drawingml/2006/main" xmlns:r="http://schemas.openxmlformats.org/officeDocument/2006/relationships" xmlns:p="http://schemas.openxmlformats.org/presentationml/2006/main">
+  <p:cSld>
+    <p:spTree>
+      <p:nvGrpSpPr>
+        <p:cNvPr id="1" name=""/>
+        <p:cNvGrpSpPr/>
+        <p:nvPr/>
+      </p:nvGrpSpPr>
+      <p:grpSpPr>
+        <a:xfrm>
+          <a:off x="0" y="0"/>
+          <a:ext cx="0" cy="0"/>
+          <a:chOff x="0" y="0"/>
+          <a:chExt cx="0" cy="0"/>
+        </a:xfrm>
+      </p:grpSpPr>
+      <p:sp>
+        <p:nvSpPr>
+          <p:cNvPr id="2" name="Title 1"/>
+          <p:cNvSpPr>
+            <a:spLocks noGrp="1"/>
+          </p:cNvSpPr>
+          <p:nvPr>
+            <p:ph type="title"/>
+          </p:nvPr>
+        </p:nvSpPr>
+        <p:spPr/>
+        <p:txBody>
+          <a:bodyPr/>
+          <a:lstStyle/>
+          <a:p>
+            <a:r>
+              <a:rPr lang="en-CA" dirty="0"/>
+              <a:t>Ensemble Fitness</a:t>
+            </a:r>
+          </a:p>
+        </p:txBody>
+      </p:sp>
+      <p:graphicFrame>
+        <p:nvGraphicFramePr>
+          <p:cNvPr id="4" name="Content Placeholder 3"/>
+          <p:cNvGraphicFramePr>
+            <a:graphicFrameLocks noGrp="1"/>
+          </p:cNvGraphicFramePr>
+          <p:nvPr>
+            <p:ph idx="1"/>
+            <p:extLst>
+              <p:ext uri="{D42A27DB-BD31-4B8C-83A1-F6EECF244321}">
+                <p14:modId xmlns:p14="http://schemas.microsoft.com/office/powerpoint/2010/main" val="2654204459"/>
+              </p:ext>
+            </p:extLst>
+          </p:nvPr>
+        </p:nvGraphicFramePr>
+        <p:xfrm>
+          <a:off x="1104900" y="1600200"/>
+          <a:ext cx="9982200" cy="3251200"/>
+        </p:xfrm>
+        <a:graphic>
+          <a:graphicData uri="http://schemas.openxmlformats.org/drawingml/2006/table">
+            <a:tbl>
+              <a:tblPr firstRow="1" bandRow="1">
+                <a:tableStyleId>{5C22544A-7EE6-4342-B048-85BDC9FD1C3A}</a:tableStyleId>
+              </a:tblPr>
+              <a:tblGrid>
+                <a:gridCol w="2495550">
+                  <a:extLst>
+                    <a:ext uri="{9D8B030D-6E8A-4147-A177-3AD203B41FA5}">
+                      <a16:colId xmlns:a16="http://schemas.microsoft.com/office/drawing/2014/main" val="4260470491"/>
+                    </a:ext>
+                  </a:extLst>
+                </a:gridCol>
+                <a:gridCol w="2495550">
+                  <a:extLst>
+                    <a:ext uri="{9D8B030D-6E8A-4147-A177-3AD203B41FA5}">
+                      <a16:colId xmlns:a16="http://schemas.microsoft.com/office/drawing/2014/main" val="984885218"/>
+                    </a:ext>
+                  </a:extLst>
+                </a:gridCol>
+                <a:gridCol w="2495550">
+                  <a:extLst>
+                    <a:ext uri="{9D8B030D-6E8A-4147-A177-3AD203B41FA5}">
+                      <a16:colId xmlns:a16="http://schemas.microsoft.com/office/drawing/2014/main" val="1208586841"/>
+                    </a:ext>
+                  </a:extLst>
+                </a:gridCol>
+                <a:gridCol w="2495550">
+                  <a:extLst>
+                    <a:ext uri="{9D8B030D-6E8A-4147-A177-3AD203B41FA5}">
+                      <a16:colId xmlns:a16="http://schemas.microsoft.com/office/drawing/2014/main" val="2817348180"/>
+                    </a:ext>
+                  </a:extLst>
+                </a:gridCol>
+              </a:tblGrid>
+              <a:tr h="650240">
+                <a:tc>
+                  <a:txBody>
+                    <a:bodyPr/>
+                    <a:lstStyle/>
+                    <a:p>
+                      <a:pPr algn="ctr"/>
+                      <a:endParaRPr lang="en-CA" dirty="0"/>
+                    </a:p>
+                  </a:txBody>
+                  <a:tcPr anchor="ctr"/>
+                </a:tc>
+                <a:tc>
+                  <a:txBody>
+                    <a:bodyPr/>
+                    <a:lstStyle/>
+                    <a:p>
+                      <a:pPr algn="ctr"/>
+                      <a:r>
+                        <a:rPr lang="en-CA" dirty="0"/>
+                        <a:t>70-30</a:t>
+                      </a:r>
+                    </a:p>
+                  </a:txBody>
+                  <a:tcPr anchor="ctr"/>
+                </a:tc>
+                <a:tc>
+                  <a:txBody>
+                    <a:bodyPr/>
+                    <a:lstStyle/>
+                    <a:p>
+                      <a:pPr algn="ctr"/>
+                      <a:r>
+                        <a:rPr lang="en-CA" dirty="0"/>
+                        <a:t>80-20</a:t>
+                      </a:r>
+                    </a:p>
+                  </a:txBody>
+                  <a:tcPr anchor="ctr"/>
+                </a:tc>
+                <a:tc>
+                  <a:txBody>
+                    <a:bodyPr/>
+                    <a:lstStyle/>
+                    <a:p>
+                      <a:pPr algn="ctr"/>
+                      <a:r>
+                        <a:rPr lang="en-CA" dirty="0"/>
+                        <a:t>90-10</a:t>
+                      </a:r>
+                    </a:p>
+                  </a:txBody>
+                  <a:tcPr anchor="ctr"/>
+                </a:tc>
+                <a:extLst>
+                  <a:ext uri="{0D108BD9-81ED-4DB2-BD59-A6C34878D82A}">
+                    <a16:rowId xmlns:a16="http://schemas.microsoft.com/office/drawing/2014/main" val="3418847742"/>
+                  </a:ext>
+                </a:extLst>
+              </a:tr>
+              <a:tr h="650240">
+                <a:tc>
+                  <a:txBody>
+                    <a:bodyPr/>
+                    <a:lstStyle/>
+                    <a:p>
+                      <a:pPr algn="ctr"/>
+                      <a:r>
+                        <a:rPr lang="en-CA" b="1" i="1" dirty="0"/>
+                        <a:t>L</a:t>
+                      </a:r>
+                      <a:r>
+                        <a:rPr lang="en-CA" b="1" i="1" baseline="-25000" dirty="0"/>
+                        <a:t>ST</a:t>
+                      </a:r>
+                      <a:endParaRPr lang="en-CA" b="1" i="1" dirty="0"/>
+                    </a:p>
+                  </a:txBody>
+                  <a:tcPr anchor="ctr"/>
+                </a:tc>
+                <a:tc>
+                  <a:txBody>
+                    <a:bodyPr/>
+                    <a:lstStyle/>
+                    <a:p>
+                      <a:pPr algn="ctr"/>
+                      <a:r>
+                        <a:rPr lang="en-CA" dirty="0"/>
+                        <a:t>0.088749</a:t>
+                      </a:r>
+                    </a:p>
+                  </a:txBody>
+                  <a:tcPr anchor="ctr"/>
+                </a:tc>
+                <a:tc>
+                  <a:txBody>
+                    <a:bodyPr/>
+                    <a:lstStyle/>
+                    <a:p>
+                      <a:pPr algn="ctr"/>
+                      <a:r>
+                        <a:rPr lang="en-CA" dirty="0"/>
+                        <a:t>0.074097</a:t>
+                      </a:r>
+                    </a:p>
+                  </a:txBody>
+                  <a:tcPr anchor="ctr"/>
+                </a:tc>
+                <a:tc>
+                  <a:txBody>
+                    <a:bodyPr/>
+                    <a:lstStyle/>
+                    <a:p>
+                      <a:pPr algn="ctr"/>
+                      <a:r>
+                        <a:rPr lang="en-CA" dirty="0"/>
+                        <a:t>0.026279</a:t>
+                      </a:r>
+                    </a:p>
+                  </a:txBody>
+                  <a:tcPr anchor="ctr"/>
+                </a:tc>
+                <a:extLst>
+                  <a:ext uri="{0D108BD9-81ED-4DB2-BD59-A6C34878D82A}">
+                    <a16:rowId xmlns:a16="http://schemas.microsoft.com/office/drawing/2014/main" val="3001223746"/>
+                  </a:ext>
+                </a:extLst>
+              </a:tr>
+              <a:tr h="650240">
+                <a:tc>
+                  <a:txBody>
+                    <a:bodyPr/>
+                    <a:lstStyle/>
+                    <a:p>
+                      <a:pPr algn="ctr"/>
+                      <a:r>
+                        <a:rPr lang="en-CA" b="1" i="1" dirty="0"/>
+                        <a:t>L</a:t>
+                      </a:r>
+                      <a:r>
+                        <a:rPr lang="en-CA" b="1" i="1" baseline="-25000" dirty="0"/>
+                        <a:t>ST’</a:t>
+                      </a:r>
+                      <a:endParaRPr lang="en-CA" b="1" i="1" dirty="0"/>
+                    </a:p>
+                  </a:txBody>
+                  <a:tcPr anchor="ctr"/>
+                </a:tc>
+                <a:tc>
+                  <a:txBody>
+                    <a:bodyPr/>
+                    <a:lstStyle/>
+                    <a:p>
+                      <a:pPr algn="ctr"/>
+                      <a:r>
+                        <a:rPr lang="en-CA" dirty="0"/>
+                        <a:t>1.395065</a:t>
+                      </a:r>
+                    </a:p>
+                  </a:txBody>
+                  <a:tcPr anchor="ctr"/>
+                </a:tc>
+                <a:tc>
+                  <a:txBody>
+                    <a:bodyPr/>
+                    <a:lstStyle/>
+                    <a:p>
+                      <a:pPr algn="ctr"/>
+                      <a:r>
+                        <a:rPr lang="en-CA" dirty="0"/>
+                        <a:t>0.246555</a:t>
+                      </a:r>
+                    </a:p>
+                  </a:txBody>
+                  <a:tcPr anchor="ctr"/>
+                </a:tc>
+                <a:tc>
+                  <a:txBody>
+                    <a:bodyPr/>
+                    <a:lstStyle/>
+                    <a:p>
+                      <a:pPr algn="ctr"/>
+                      <a:r>
+                        <a:rPr lang="en-CA" dirty="0"/>
+                        <a:t>0.073232</a:t>
+                      </a:r>
+                    </a:p>
+                  </a:txBody>
+                  <a:tcPr anchor="ctr"/>
+                </a:tc>
+                <a:extLst>
+                  <a:ext uri="{0D108BD9-81ED-4DB2-BD59-A6C34878D82A}">
+                    <a16:rowId xmlns:a16="http://schemas.microsoft.com/office/drawing/2014/main" val="1409226119"/>
+                  </a:ext>
+                </a:extLst>
+              </a:tr>
+              <a:tr h="650240">
+                <a:tc>
+                  <a:txBody>
+                    <a:bodyPr/>
+                    <a:lstStyle/>
+                    <a:p>
+                      <a:pPr algn="ctr"/>
+                      <a:r>
+                        <a:rPr lang="en-CA" b="1" i="1" dirty="0"/>
+                        <a:t>L</a:t>
+                      </a:r>
+                      <a:r>
+                        <a:rPr lang="en-CA" b="1" i="1" baseline="-25000" dirty="0"/>
+                        <a:t>ST</a:t>
+                      </a:r>
+                      <a:r>
+                        <a:rPr lang="en-CA" b="1" i="1" baseline="0" dirty="0"/>
+                        <a:t> Outliers</a:t>
+                      </a:r>
+                      <a:endParaRPr lang="en-CA" b="1" i="1" dirty="0"/>
+                    </a:p>
+                  </a:txBody>
+                  <a:tcPr anchor="ctr"/>
+                </a:tc>
+                <a:tc>
+                  <a:txBody>
+                    <a:bodyPr/>
+                    <a:lstStyle/>
+                    <a:p>
+                      <a:pPr algn="ctr"/>
+                      <a:r>
+                        <a:rPr lang="en-CA" dirty="0"/>
+                        <a:t>466</a:t>
+                      </a:r>
+                    </a:p>
+                  </a:txBody>
+                  <a:tcPr anchor="ctr"/>
+                </a:tc>
+                <a:tc>
+                  <a:txBody>
+                    <a:bodyPr/>
+                    <a:lstStyle/>
+                    <a:p>
+                      <a:pPr algn="ctr"/>
+                      <a:r>
+                        <a:rPr lang="en-CA" dirty="0"/>
+                        <a:t>310</a:t>
+                      </a:r>
+                    </a:p>
+                  </a:txBody>
+                  <a:tcPr anchor="ctr"/>
+                </a:tc>
+                <a:tc>
+                  <a:txBody>
+                    <a:bodyPr/>
+                    <a:lstStyle/>
+                    <a:p>
+                      <a:pPr algn="ctr"/>
+                      <a:r>
+                        <a:rPr lang="en-CA" dirty="0"/>
+                        <a:t>111</a:t>
+                      </a:r>
+                    </a:p>
+                  </a:txBody>
+                  <a:tcPr anchor="ctr"/>
+                </a:tc>
+                <a:extLst>
+                  <a:ext uri="{0D108BD9-81ED-4DB2-BD59-A6C34878D82A}">
+                    <a16:rowId xmlns:a16="http://schemas.microsoft.com/office/drawing/2014/main" val="2156384988"/>
+                  </a:ext>
+                </a:extLst>
+              </a:tr>
+              <a:tr h="650240">
+                <a:tc>
+                  <a:txBody>
+                    <a:bodyPr/>
+                    <a:lstStyle/>
+                    <a:p>
+                      <a:pPr algn="ctr"/>
+                      <a:r>
+                        <a:rPr lang="en-CA" b="1" i="1" dirty="0"/>
+                        <a:t>L</a:t>
+                      </a:r>
+                      <a:r>
+                        <a:rPr lang="en-CA" b="1" i="1" baseline="-25000" dirty="0"/>
+                        <a:t>ST’</a:t>
+                      </a:r>
+                      <a:r>
+                        <a:rPr lang="en-CA" b="1" i="1" baseline="0" dirty="0"/>
+                        <a:t> Outliers</a:t>
+                      </a:r>
+                      <a:endParaRPr lang="en-CA" b="1" i="1" dirty="0"/>
+                    </a:p>
+                  </a:txBody>
+                  <a:tcPr anchor="ctr"/>
+                </a:tc>
+                <a:tc>
+                  <a:txBody>
+                    <a:bodyPr/>
+                    <a:lstStyle/>
+                    <a:p>
+                      <a:pPr algn="ctr"/>
+                      <a:r>
+                        <a:rPr lang="en-CA" dirty="0"/>
+                        <a:t>384</a:t>
+                      </a:r>
+                    </a:p>
+                  </a:txBody>
+                  <a:tcPr anchor="ctr"/>
+                </a:tc>
+                <a:tc>
+                  <a:txBody>
+                    <a:bodyPr/>
+                    <a:lstStyle/>
+                    <a:p>
+                      <a:pPr algn="ctr"/>
+                      <a:r>
+                        <a:rPr lang="en-CA" dirty="0"/>
+                        <a:t>253</a:t>
+                      </a:r>
+                    </a:p>
+                  </a:txBody>
+                  <a:tcPr anchor="ctr"/>
+                </a:tc>
+                <a:tc>
+                  <a:txBody>
+                    <a:bodyPr/>
+                    <a:lstStyle/>
+                    <a:p>
+                      <a:pPr algn="ctr"/>
+                      <a:r>
+                        <a:rPr lang="en-CA" dirty="0"/>
+                        <a:t>18</a:t>
+                      </a:r>
+                    </a:p>
+                  </a:txBody>
+                  <a:tcPr anchor="ctr"/>
+                </a:tc>
+                <a:extLst>
+                  <a:ext uri="{0D108BD9-81ED-4DB2-BD59-A6C34878D82A}">
+                    <a16:rowId xmlns:a16="http://schemas.microsoft.com/office/drawing/2014/main" val="3681039543"/>
+                  </a:ext>
+                </a:extLst>
+              </a:tr>
+            </a:tbl>
+          </a:graphicData>
+        </a:graphic>
+      </p:graphicFrame>
+    </p:spTree>
+    <p:extLst>
+      <p:ext uri="{BB962C8B-B14F-4D97-AF65-F5344CB8AC3E}">
+        <p14:creationId xmlns:p14="http://schemas.microsoft.com/office/powerpoint/2010/main" val="4248199266"/>
+      </p:ext>
+    </p:extLst>
+  </p:cSld>
+  <p:clrMapOvr>
+    <a:masterClrMapping/>
+  </p:clrMapOvr>
+  <mc:AlternateContent xmlns:mc="http://schemas.openxmlformats.org/markup-compatibility/2006" xmlns:p14="http://schemas.microsoft.com/office/powerpoint/2010/main">
+    <mc:Choice Requires="p14">
+      <p:transition spd="med" p14:dur="700">
+        <p:fade/>
+      </p:transition>
+    </mc:Choice>
+    <mc:Fallback xmlns="">
+      <p:transition spd="med">
+        <p:fade/>
+      </p:transition>
+    </mc:Fallback>
+  </mc:AlternateContent>
+</p:sld>
+</file>
+
+<file path=ppt/slides/slide18.xml><?xml version="1.0" encoding="utf-8"?>
+<p:sld xmlns:a="http://schemas.openxmlformats.org/drawingml/2006/main" xmlns:r="http://schemas.openxmlformats.org/officeDocument/2006/relationships" xmlns:p="http://schemas.openxmlformats.org/presentationml/2006/main">
+  <p:cSld>
+    <p:spTree>
+      <p:nvGrpSpPr>
+        <p:cNvPr id="1" name=""/>
+        <p:cNvGrpSpPr/>
+        <p:nvPr/>
+      </p:nvGrpSpPr>
+      <p:grpSpPr>
+        <a:xfrm>
+          <a:off x="0" y="0"/>
+          <a:ext cx="0" cy="0"/>
+          <a:chOff x="0" y="0"/>
+          <a:chExt cx="0" cy="0"/>
+        </a:xfrm>
+      </p:grpSpPr>
+      <p:sp>
+        <p:nvSpPr>
+          <p:cNvPr id="2" name="Title 1"/>
+          <p:cNvSpPr>
+            <a:spLocks noGrp="1"/>
+          </p:cNvSpPr>
+          <p:nvPr>
+            <p:ph type="title"/>
+          </p:nvPr>
+        </p:nvSpPr>
+        <p:spPr/>
+        <p:txBody>
+          <a:bodyPr/>
+          <a:lstStyle/>
+          <a:p>
+            <a:r>
+              <a:rPr lang="en-CA" b="1" i="1" dirty="0"/>
+              <a:t>L</a:t>
+            </a:r>
+            <a:r>
+              <a:rPr lang="en-CA" b="1" i="1" baseline="-25000" dirty="0"/>
+              <a:t>FI</a:t>
+            </a:r>
+            <a:r>
+              <a:rPr lang="en-CA" dirty="0"/>
+              <a:t>:</a:t>
+            </a:r>
+            <a:r>
+              <a:rPr lang="en-CA" b="1" i="1" dirty="0"/>
+              <a:t> </a:t>
+            </a:r>
+            <a:r>
+              <a:rPr lang="en-CA" dirty="0"/>
+              <a:t>Comparison of Individual Models (70-30)</a:t>
+            </a:r>
+          </a:p>
+        </p:txBody>
+      </p:sp>
+      <p:sp>
+        <p:nvSpPr>
+          <p:cNvPr id="3" name="Text Placeholder 2"/>
+          <p:cNvSpPr>
+            <a:spLocks noGrp="1"/>
+          </p:cNvSpPr>
+          <p:nvPr>
+            <p:ph type="body" idx="1"/>
+          </p:nvPr>
+        </p:nvSpPr>
+        <p:spPr>
+          <a:xfrm>
+            <a:off x="750806" y="1223962"/>
+            <a:ext cx="4919472" cy="823912"/>
+          </a:xfrm>
+        </p:spPr>
+        <p:txBody>
+          <a:bodyPr/>
+          <a:lstStyle/>
+          <a:p>
+            <a:r>
+              <a:rPr lang="en-CA" dirty="0"/>
+              <a:t>Best &amp; Average Models (Training)</a:t>
+            </a:r>
+          </a:p>
+        </p:txBody>
+      </p:sp>
+      <p:pic>
+        <p:nvPicPr>
+          <p:cNvPr id="7" name="Content Placeholder 6"/>
+          <p:cNvPicPr>
+            <a:picLocks noGrp="1" noChangeAspect="1"/>
+          </p:cNvPicPr>
+          <p:nvPr>
+            <p:ph sz="half" idx="2"/>
+          </p:nvPr>
+        </p:nvPicPr>
+        <p:blipFill>
+          <a:blip r:embed="rId3">
+            <a:extLst>
+              <a:ext uri="{28A0092B-C50C-407E-A947-70E740481C1C}">
+                <a14:useLocalDpi xmlns:a14="http://schemas.microsoft.com/office/drawing/2010/main" val="0"/>
+              </a:ext>
+            </a:extLst>
+          </a:blip>
+          <a:stretch>
+            <a:fillRect/>
+          </a:stretch>
+        </p:blipFill>
+        <p:spPr>
+          <a:xfrm>
+            <a:off x="269500" y="2104736"/>
+            <a:ext cx="5882084" cy="4294765"/>
+          </a:xfrm>
+        </p:spPr>
+      </p:pic>
+      <p:sp>
+        <p:nvSpPr>
+          <p:cNvPr id="5" name="Text Placeholder 4"/>
+          <p:cNvSpPr>
+            <a:spLocks noGrp="1"/>
+          </p:cNvSpPr>
+          <p:nvPr>
+            <p:ph type="body" sz="quarter" idx="3"/>
+          </p:nvPr>
+        </p:nvSpPr>
+        <p:spPr>
+          <a:xfrm>
+            <a:off x="6656578" y="1223962"/>
+            <a:ext cx="4919472" cy="823912"/>
+          </a:xfrm>
+        </p:spPr>
+        <p:txBody>
+          <a:bodyPr/>
+          <a:lstStyle/>
+          <a:p>
+            <a:r>
+              <a:rPr lang="en-CA" dirty="0"/>
+              <a:t>Ensemble Testing</a:t>
+            </a:r>
+          </a:p>
+        </p:txBody>
+      </p:sp>
+      <p:pic>
+        <p:nvPicPr>
+          <p:cNvPr id="8" name="Content Placeholder 7"/>
+          <p:cNvPicPr>
+            <a:picLocks noGrp="1" noChangeAspect="1"/>
+          </p:cNvPicPr>
+          <p:nvPr>
+            <p:ph sz="quarter" idx="4"/>
+          </p:nvPr>
+        </p:nvPicPr>
+        <p:blipFill>
+          <a:blip r:embed="rId4">
+            <a:extLst>
+              <a:ext uri="{28A0092B-C50C-407E-A947-70E740481C1C}">
+                <a14:useLocalDpi xmlns:a14="http://schemas.microsoft.com/office/drawing/2010/main" val="0"/>
+              </a:ext>
+            </a:extLst>
+          </a:blip>
+          <a:stretch>
+            <a:fillRect/>
+          </a:stretch>
+        </p:blipFill>
+        <p:spPr>
+          <a:xfrm>
+            <a:off x="6166041" y="2111776"/>
+            <a:ext cx="5900546" cy="4275921"/>
+          </a:xfrm>
+        </p:spPr>
+      </p:pic>
+    </p:spTree>
+    <p:extLst>
+      <p:ext uri="{BB962C8B-B14F-4D97-AF65-F5344CB8AC3E}">
+        <p14:creationId xmlns:p14="http://schemas.microsoft.com/office/powerpoint/2010/main" val="2952001209"/>
+      </p:ext>
+    </p:extLst>
+  </p:cSld>
+  <p:clrMapOvr>
+    <a:masterClrMapping/>
+  </p:clrMapOvr>
+  <mc:AlternateContent xmlns:mc="http://schemas.openxmlformats.org/markup-compatibility/2006" xmlns:p14="http://schemas.microsoft.com/office/powerpoint/2010/main">
+    <mc:Choice Requires="p14">
+      <p:transition spd="med" p14:dur="700">
+        <p:fade/>
+      </p:transition>
+    </mc:Choice>
+    <mc:Fallback xmlns="">
+      <p:transition spd="med">
+        <p:fade/>
+      </p:transition>
+    </mc:Fallback>
+  </mc:AlternateContent>
+</p:sld>
+</file>
+
+<file path=ppt/slides/slide19.xml><?xml version="1.0" encoding="utf-8"?>
+<p:sld xmlns:a="http://schemas.openxmlformats.org/drawingml/2006/main" xmlns:r="http://schemas.openxmlformats.org/officeDocument/2006/relationships" xmlns:p="http://schemas.openxmlformats.org/presentationml/2006/main">
+  <p:cSld>
+    <p:spTree>
+      <p:nvGrpSpPr>
+        <p:cNvPr id="1" name=""/>
+        <p:cNvGrpSpPr/>
+        <p:nvPr/>
+      </p:nvGrpSpPr>
+      <p:grpSpPr>
+        <a:xfrm>
+          <a:off x="0" y="0"/>
+          <a:ext cx="0" cy="0"/>
+          <a:chOff x="0" y="0"/>
+          <a:chExt cx="0" cy="0"/>
+        </a:xfrm>
+      </p:grpSpPr>
+      <p:sp>
+        <p:nvSpPr>
+          <p:cNvPr id="2" name="Title 1"/>
+          <p:cNvSpPr>
+            <a:spLocks noGrp="1"/>
+          </p:cNvSpPr>
+          <p:nvPr>
+            <p:ph type="title"/>
+          </p:nvPr>
+        </p:nvSpPr>
+        <p:spPr/>
+        <p:txBody>
+          <a:bodyPr/>
+          <a:lstStyle/>
+          <a:p>
+            <a:r>
+              <a:rPr lang="en-CA" dirty="0"/>
+              <a:t>Comparison of </a:t>
+            </a:r>
+            <a:r>
+              <a:rPr lang="en-CA" b="1" i="1" dirty="0"/>
+              <a:t>HIGH</a:t>
+            </a:r>
+            <a:r>
+              <a:rPr lang="en-CA" i="1" dirty="0"/>
+              <a:t> and </a:t>
+            </a:r>
+            <a:r>
+              <a:rPr lang="en-CA" b="1" dirty="0"/>
+              <a:t>AVG</a:t>
+            </a:r>
+            <a:endParaRPr lang="en-CA" dirty="0"/>
+          </a:p>
+        </p:txBody>
+      </p:sp>
+      <p:sp>
+        <p:nvSpPr>
+          <p:cNvPr id="3" name="Text Placeholder 2"/>
+          <p:cNvSpPr>
+            <a:spLocks noGrp="1"/>
+          </p:cNvSpPr>
+          <p:nvPr>
+            <p:ph type="body" idx="1"/>
+          </p:nvPr>
+        </p:nvSpPr>
+        <p:spPr>
+          <a:xfrm>
+            <a:off x="2868395" y="1292626"/>
+            <a:ext cx="684294" cy="823912"/>
+          </a:xfrm>
+        </p:spPr>
+        <p:txBody>
+          <a:bodyPr/>
+          <a:lstStyle/>
+          <a:p>
+            <a:r>
+              <a:rPr lang="en-CA" dirty="0"/>
+              <a:t>AVG</a:t>
+            </a:r>
+          </a:p>
+        </p:txBody>
+      </p:sp>
+      <p:pic>
+        <p:nvPicPr>
+          <p:cNvPr id="7" name="Content Placeholder 6"/>
+          <p:cNvPicPr>
+            <a:picLocks noGrp="1" noChangeAspect="1"/>
+          </p:cNvPicPr>
+          <p:nvPr>
+            <p:ph sz="half" idx="2"/>
+          </p:nvPr>
+        </p:nvPicPr>
+        <p:blipFill>
+          <a:blip r:embed="rId3">
+            <a:extLst>
+              <a:ext uri="{28A0092B-C50C-407E-A947-70E740481C1C}">
+                <a14:useLocalDpi xmlns:a14="http://schemas.microsoft.com/office/drawing/2010/main" val="0"/>
+              </a:ext>
+            </a:extLst>
+          </a:blip>
+          <a:stretch>
+            <a:fillRect/>
+          </a:stretch>
+        </p:blipFill>
+        <p:spPr>
+          <a:xfrm>
+            <a:off x="269500" y="2116495"/>
+            <a:ext cx="5882084" cy="4271246"/>
+          </a:xfrm>
+        </p:spPr>
+      </p:pic>
+      <p:sp>
+        <p:nvSpPr>
+          <p:cNvPr id="5" name="Text Placeholder 4"/>
+          <p:cNvSpPr>
+            <a:spLocks noGrp="1"/>
+          </p:cNvSpPr>
+          <p:nvPr>
+            <p:ph type="body" sz="quarter" idx="3"/>
+          </p:nvPr>
+        </p:nvSpPr>
+        <p:spPr>
+          <a:xfrm>
+            <a:off x="8723503" y="1280824"/>
+            <a:ext cx="785622" cy="823912"/>
+          </a:xfrm>
+        </p:spPr>
+        <p:txBody>
+          <a:bodyPr/>
+          <a:lstStyle/>
+          <a:p>
+            <a:r>
+              <a:rPr lang="en-CA" dirty="0"/>
+              <a:t>HIGH</a:t>
+            </a:r>
+          </a:p>
+        </p:txBody>
+      </p:sp>
+      <p:pic>
+        <p:nvPicPr>
+          <p:cNvPr id="8" name="Content Placeholder 7"/>
+          <p:cNvPicPr>
+            <a:picLocks noGrp="1" noChangeAspect="1"/>
+          </p:cNvPicPr>
+          <p:nvPr>
+            <p:ph sz="quarter" idx="4"/>
+          </p:nvPr>
+        </p:nvPicPr>
+        <p:blipFill>
+          <a:blip r:embed="rId4">
+            <a:extLst>
+              <a:ext uri="{28A0092B-C50C-407E-A947-70E740481C1C}">
+                <a14:useLocalDpi xmlns:a14="http://schemas.microsoft.com/office/drawing/2010/main" val="0"/>
+              </a:ext>
+            </a:extLst>
+          </a:blip>
+          <a:stretch>
+            <a:fillRect/>
+          </a:stretch>
+        </p:blipFill>
+        <p:spPr>
+          <a:xfrm>
+            <a:off x="6166041" y="2111776"/>
+            <a:ext cx="5900546" cy="4275921"/>
+          </a:xfrm>
+        </p:spPr>
+      </p:pic>
+    </p:spTree>
+    <p:extLst>
+      <p:ext uri="{BB962C8B-B14F-4D97-AF65-F5344CB8AC3E}">
+        <p14:creationId xmlns:p14="http://schemas.microsoft.com/office/powerpoint/2010/main" val="3074684678"/>
       </p:ext>
     </p:extLst>
   </p:cSld>
@@ -7755,6 +9176,1487 @@
 </p:sld>
 </file>
 
+<file path=ppt/slides/slide20.xml><?xml version="1.0" encoding="utf-8"?>
+<p:sld xmlns:a="http://schemas.openxmlformats.org/drawingml/2006/main" xmlns:r="http://schemas.openxmlformats.org/officeDocument/2006/relationships" xmlns:p="http://schemas.openxmlformats.org/presentationml/2006/main">
+  <p:cSld>
+    <p:spTree>
+      <p:nvGrpSpPr>
+        <p:cNvPr id="1" name=""/>
+        <p:cNvGrpSpPr/>
+        <p:nvPr/>
+      </p:nvGrpSpPr>
+      <p:grpSpPr>
+        <a:xfrm>
+          <a:off x="0" y="0"/>
+          <a:ext cx="0" cy="0"/>
+          <a:chOff x="0" y="0"/>
+          <a:chExt cx="0" cy="0"/>
+        </a:xfrm>
+      </p:grpSpPr>
+      <p:sp>
+        <p:nvSpPr>
+          <p:cNvPr id="2" name="Title 1"/>
+          <p:cNvSpPr>
+            <a:spLocks noGrp="1"/>
+          </p:cNvSpPr>
+          <p:nvPr>
+            <p:ph type="title"/>
+          </p:nvPr>
+        </p:nvSpPr>
+        <p:spPr/>
+        <p:txBody>
+          <a:bodyPr/>
+          <a:lstStyle/>
+          <a:p>
+            <a:r>
+              <a:rPr lang="en-CA" dirty="0"/>
+              <a:t>Ensemble Fitness</a:t>
+            </a:r>
+          </a:p>
+        </p:txBody>
+      </p:sp>
+      <p:graphicFrame>
+        <p:nvGraphicFramePr>
+          <p:cNvPr id="4" name="Content Placeholder 3"/>
+          <p:cNvGraphicFramePr>
+            <a:graphicFrameLocks noGrp="1"/>
+          </p:cNvGraphicFramePr>
+          <p:nvPr>
+            <p:ph idx="1"/>
+            <p:extLst>
+              <p:ext uri="{D42A27DB-BD31-4B8C-83A1-F6EECF244321}">
+                <p14:modId xmlns:p14="http://schemas.microsoft.com/office/powerpoint/2010/main" val="4036487584"/>
+              </p:ext>
+            </p:extLst>
+          </p:nvPr>
+        </p:nvGraphicFramePr>
+        <p:xfrm>
+          <a:off x="1104900" y="1600200"/>
+          <a:ext cx="9980682" cy="2091690"/>
+        </p:xfrm>
+        <a:graphic>
+          <a:graphicData uri="http://schemas.openxmlformats.org/drawingml/2006/table">
+            <a:tbl>
+              <a:tblPr firstRow="1" bandRow="1">
+                <a:tableStyleId>{5C22544A-7EE6-4342-B048-85BDC9FD1C3A}</a:tableStyleId>
+              </a:tblPr>
+              <a:tblGrid>
+                <a:gridCol w="3326894">
+                  <a:extLst>
+                    <a:ext uri="{9D8B030D-6E8A-4147-A177-3AD203B41FA5}">
+                      <a16:colId xmlns:a16="http://schemas.microsoft.com/office/drawing/2014/main" val="1063830725"/>
+                    </a:ext>
+                  </a:extLst>
+                </a:gridCol>
+                <a:gridCol w="3326894">
+                  <a:extLst>
+                    <a:ext uri="{9D8B030D-6E8A-4147-A177-3AD203B41FA5}">
+                      <a16:colId xmlns:a16="http://schemas.microsoft.com/office/drawing/2014/main" val="2742314196"/>
+                    </a:ext>
+                  </a:extLst>
+                </a:gridCol>
+                <a:gridCol w="3326894">
+                  <a:extLst>
+                    <a:ext uri="{9D8B030D-6E8A-4147-A177-3AD203B41FA5}">
+                      <a16:colId xmlns:a16="http://schemas.microsoft.com/office/drawing/2014/main" val="4178842973"/>
+                    </a:ext>
+                  </a:extLst>
+                </a:gridCol>
+              </a:tblGrid>
+              <a:tr h="697230">
+                <a:tc>
+                  <a:txBody>
+                    <a:bodyPr/>
+                    <a:lstStyle/>
+                    <a:p>
+                      <a:pPr algn="ctr"/>
+                      <a:r>
+                        <a:rPr lang="en-CA" dirty="0"/>
+                        <a:t>Language</a:t>
+                      </a:r>
+                    </a:p>
+                  </a:txBody>
+                  <a:tcPr anchor="ctr"/>
+                </a:tc>
+                <a:tc>
+                  <a:txBody>
+                    <a:bodyPr/>
+                    <a:lstStyle/>
+                    <a:p>
+                      <a:pPr algn="ctr"/>
+                      <a:r>
+                        <a:rPr lang="en-CA" dirty="0"/>
+                        <a:t>Ensemble</a:t>
+                      </a:r>
+                      <a:r>
+                        <a:rPr lang="en-CA" baseline="0" dirty="0"/>
+                        <a:t> </a:t>
+                      </a:r>
+                      <a:r>
+                        <a:rPr lang="en-CA" dirty="0"/>
+                        <a:t>Fit</a:t>
+                      </a:r>
+                    </a:p>
+                  </a:txBody>
+                  <a:tcPr anchor="ctr"/>
+                </a:tc>
+                <a:tc>
+                  <a:txBody>
+                    <a:bodyPr/>
+                    <a:lstStyle/>
+                    <a:p>
+                      <a:pPr algn="ctr"/>
+                      <a:r>
+                        <a:rPr lang="en-CA" dirty="0"/>
+                        <a:t>Outliers Removed</a:t>
+                      </a:r>
+                    </a:p>
+                  </a:txBody>
+                  <a:tcPr anchor="ctr"/>
+                </a:tc>
+                <a:extLst>
+                  <a:ext uri="{0D108BD9-81ED-4DB2-BD59-A6C34878D82A}">
+                    <a16:rowId xmlns:a16="http://schemas.microsoft.com/office/drawing/2014/main" val="4032793956"/>
+                  </a:ext>
+                </a:extLst>
+              </a:tr>
+              <a:tr h="697230">
+                <a:tc>
+                  <a:txBody>
+                    <a:bodyPr/>
+                    <a:lstStyle/>
+                    <a:p>
+                      <a:pPr algn="ctr"/>
+                      <a:r>
+                        <a:rPr lang="en-CA" b="1" i="1" dirty="0"/>
+                        <a:t>L</a:t>
+                      </a:r>
+                      <a:r>
+                        <a:rPr lang="en-CA" b="1" i="1" baseline="-25000" dirty="0"/>
+                        <a:t>FI</a:t>
+                      </a:r>
+                      <a:endParaRPr lang="en-CA" b="1" i="1" dirty="0"/>
+                    </a:p>
+                  </a:txBody>
+                  <a:tcPr anchor="ctr"/>
+                </a:tc>
+                <a:tc>
+                  <a:txBody>
+                    <a:bodyPr/>
+                    <a:lstStyle/>
+                    <a:p>
+                      <a:pPr algn="ctr"/>
+                      <a:r>
+                        <a:rPr lang="en-CA" b="0" dirty="0"/>
+                        <a:t>0.057844</a:t>
+                      </a:r>
+                    </a:p>
+                  </a:txBody>
+                  <a:tcPr anchor="ctr"/>
+                </a:tc>
+                <a:tc>
+                  <a:txBody>
+                    <a:bodyPr/>
+                    <a:lstStyle/>
+                    <a:p>
+                      <a:pPr algn="ctr"/>
+                      <a:r>
+                        <a:rPr lang="en-CA" b="0" dirty="0"/>
+                        <a:t>128</a:t>
+                      </a:r>
+                    </a:p>
+                  </a:txBody>
+                  <a:tcPr anchor="ctr"/>
+                </a:tc>
+                <a:extLst>
+                  <a:ext uri="{0D108BD9-81ED-4DB2-BD59-A6C34878D82A}">
+                    <a16:rowId xmlns:a16="http://schemas.microsoft.com/office/drawing/2014/main" val="3865386210"/>
+                  </a:ext>
+                </a:extLst>
+              </a:tr>
+              <a:tr h="697230">
+                <a:tc>
+                  <a:txBody>
+                    <a:bodyPr/>
+                    <a:lstStyle/>
+                    <a:p>
+                      <a:pPr algn="ctr"/>
+                      <a:r>
+                        <a:rPr lang="en-CA" b="1" i="1" dirty="0"/>
+                        <a:t>L</a:t>
+                      </a:r>
+                      <a:r>
+                        <a:rPr lang="en-CA" b="1" i="1" baseline="-25000" dirty="0"/>
+                        <a:t>FI’</a:t>
+                      </a:r>
+                      <a:endParaRPr lang="en-CA" b="1" i="1" dirty="0"/>
+                    </a:p>
+                  </a:txBody>
+                  <a:tcPr anchor="ctr"/>
+                </a:tc>
+                <a:tc>
+                  <a:txBody>
+                    <a:bodyPr/>
+                    <a:lstStyle/>
+                    <a:p>
+                      <a:pPr algn="ctr"/>
+                      <a:r>
+                        <a:rPr lang="en-CA" b="0" dirty="0"/>
+                        <a:t>0.026279</a:t>
+                      </a:r>
+                    </a:p>
+                  </a:txBody>
+                  <a:tcPr anchor="ctr"/>
+                </a:tc>
+                <a:tc>
+                  <a:txBody>
+                    <a:bodyPr/>
+                    <a:lstStyle/>
+                    <a:p>
+                      <a:pPr algn="ctr"/>
+                      <a:r>
+                        <a:rPr lang="en-CA" b="0" dirty="0"/>
+                        <a:t>0</a:t>
+                      </a:r>
+                    </a:p>
+                  </a:txBody>
+                  <a:tcPr anchor="ctr"/>
+                </a:tc>
+                <a:extLst>
+                  <a:ext uri="{0D108BD9-81ED-4DB2-BD59-A6C34878D82A}">
+                    <a16:rowId xmlns:a16="http://schemas.microsoft.com/office/drawing/2014/main" val="331165827"/>
+                  </a:ext>
+                </a:extLst>
+              </a:tr>
+            </a:tbl>
+          </a:graphicData>
+        </a:graphic>
+      </p:graphicFrame>
+    </p:spTree>
+    <p:extLst>
+      <p:ext uri="{BB962C8B-B14F-4D97-AF65-F5344CB8AC3E}">
+        <p14:creationId xmlns:p14="http://schemas.microsoft.com/office/powerpoint/2010/main" val="3535075265"/>
+      </p:ext>
+    </p:extLst>
+  </p:cSld>
+  <p:clrMapOvr>
+    <a:masterClrMapping/>
+  </p:clrMapOvr>
+  <mc:AlternateContent xmlns:mc="http://schemas.openxmlformats.org/markup-compatibility/2006" xmlns:p14="http://schemas.microsoft.com/office/powerpoint/2010/main">
+    <mc:Choice Requires="p14">
+      <p:transition spd="med" p14:dur="700">
+        <p:fade/>
+      </p:transition>
+    </mc:Choice>
+    <mc:Fallback xmlns="">
+      <p:transition spd="med">
+        <p:fade/>
+      </p:transition>
+    </mc:Fallback>
+  </mc:AlternateContent>
+</p:sld>
+</file>
+
+<file path=ppt/slides/slide21.xml><?xml version="1.0" encoding="utf-8"?>
+<p:sld xmlns:a="http://schemas.openxmlformats.org/drawingml/2006/main" xmlns:r="http://schemas.openxmlformats.org/officeDocument/2006/relationships" xmlns:p="http://schemas.openxmlformats.org/presentationml/2006/main">
+  <p:cSld>
+    <p:spTree>
+      <p:nvGrpSpPr>
+        <p:cNvPr id="1" name=""/>
+        <p:cNvGrpSpPr/>
+        <p:nvPr/>
+      </p:nvGrpSpPr>
+      <p:grpSpPr>
+        <a:xfrm>
+          <a:off x="0" y="0"/>
+          <a:ext cx="0" cy="0"/>
+          <a:chOff x="0" y="0"/>
+          <a:chExt cx="0" cy="0"/>
+        </a:xfrm>
+      </p:grpSpPr>
+      <p:sp>
+        <p:nvSpPr>
+          <p:cNvPr id="2" name="Title 1"/>
+          <p:cNvSpPr>
+            <a:spLocks noGrp="1"/>
+          </p:cNvSpPr>
+          <p:nvPr>
+            <p:ph type="title"/>
+          </p:nvPr>
+        </p:nvSpPr>
+        <p:spPr/>
+        <p:txBody>
+          <a:bodyPr/>
+          <a:lstStyle/>
+          <a:p>
+            <a:r>
+              <a:rPr lang="en-CA" dirty="0"/>
+              <a:t>Shifted </a:t>
+            </a:r>
+            <a:r>
+              <a:rPr lang="en-CA" b="1" i="1" dirty="0"/>
+              <a:t>HIGH </a:t>
+            </a:r>
+            <a:r>
+              <a:rPr lang="en-CA" dirty="0"/>
+              <a:t>Ensemble Example</a:t>
+            </a:r>
+          </a:p>
+        </p:txBody>
+      </p:sp>
+      <p:pic>
+        <p:nvPicPr>
+          <p:cNvPr id="4" name="Content Placeholder 3"/>
+          <p:cNvPicPr>
+            <a:picLocks noGrp="1" noChangeAspect="1"/>
+          </p:cNvPicPr>
+          <p:nvPr>
+            <p:ph idx="1"/>
+          </p:nvPr>
+        </p:nvPicPr>
+        <p:blipFill>
+          <a:blip r:embed="rId2">
+            <a:extLst>
+              <a:ext uri="{28A0092B-C50C-407E-A947-70E740481C1C}">
+                <a14:useLocalDpi xmlns:a14="http://schemas.microsoft.com/office/drawing/2010/main" val="0"/>
+              </a:ext>
+            </a:extLst>
+          </a:blip>
+          <a:stretch>
+            <a:fillRect/>
+          </a:stretch>
+        </p:blipFill>
+        <p:spPr>
+          <a:xfrm>
+            <a:off x="2497229" y="1473200"/>
+            <a:ext cx="7196023" cy="5219700"/>
+          </a:xfrm>
+        </p:spPr>
+      </p:pic>
+    </p:spTree>
+    <p:extLst>
+      <p:ext uri="{BB962C8B-B14F-4D97-AF65-F5344CB8AC3E}">
+        <p14:creationId xmlns:p14="http://schemas.microsoft.com/office/powerpoint/2010/main" val="2176589000"/>
+      </p:ext>
+    </p:extLst>
+  </p:cSld>
+  <p:clrMapOvr>
+    <a:masterClrMapping/>
+  </p:clrMapOvr>
+  <mc:AlternateContent xmlns:mc="http://schemas.openxmlformats.org/markup-compatibility/2006" xmlns:p14="http://schemas.microsoft.com/office/powerpoint/2010/main">
+    <mc:Choice Requires="p14">
+      <p:transition spd="med" p14:dur="700">
+        <p:fade/>
+      </p:transition>
+    </mc:Choice>
+    <mc:Fallback xmlns="">
+      <p:transition spd="med">
+        <p:fade/>
+      </p:transition>
+    </mc:Fallback>
+  </mc:AlternateContent>
+</p:sld>
+</file>
+
+<file path=ppt/slides/slide22.xml><?xml version="1.0" encoding="utf-8"?>
+<p:sld xmlns:a="http://schemas.openxmlformats.org/drawingml/2006/main" xmlns:r="http://schemas.openxmlformats.org/officeDocument/2006/relationships" xmlns:p="http://schemas.openxmlformats.org/presentationml/2006/main">
+  <p:cSld>
+    <p:spTree>
+      <p:nvGrpSpPr>
+        <p:cNvPr id="1" name=""/>
+        <p:cNvGrpSpPr/>
+        <p:nvPr/>
+      </p:nvGrpSpPr>
+      <p:grpSpPr>
+        <a:xfrm>
+          <a:off x="0" y="0"/>
+          <a:ext cx="0" cy="0"/>
+          <a:chOff x="0" y="0"/>
+          <a:chExt cx="0" cy="0"/>
+        </a:xfrm>
+      </p:grpSpPr>
+      <p:sp>
+        <p:nvSpPr>
+          <p:cNvPr id="2" name="Title 1"/>
+          <p:cNvSpPr>
+            <a:spLocks noGrp="1"/>
+          </p:cNvSpPr>
+          <p:nvPr>
+            <p:ph type="title"/>
+          </p:nvPr>
+        </p:nvSpPr>
+        <p:spPr/>
+        <p:txBody>
+          <a:bodyPr/>
+          <a:lstStyle/>
+          <a:p>
+            <a:r>
+              <a:rPr lang="en-CA" dirty="0"/>
+              <a:t>Ensemble Fitness Across Experiments</a:t>
+            </a:r>
+          </a:p>
+        </p:txBody>
+      </p:sp>
+      <p:graphicFrame>
+        <p:nvGraphicFramePr>
+          <p:cNvPr id="6" name="Content Placeholder 3"/>
+          <p:cNvGraphicFramePr>
+            <a:graphicFrameLocks/>
+          </p:cNvGraphicFramePr>
+          <p:nvPr>
+            <p:extLst>
+              <p:ext uri="{D42A27DB-BD31-4B8C-83A1-F6EECF244321}">
+                <p14:modId xmlns:p14="http://schemas.microsoft.com/office/powerpoint/2010/main" val="2625265516"/>
+              </p:ext>
+            </p:extLst>
+          </p:nvPr>
+        </p:nvGraphicFramePr>
+        <p:xfrm>
+          <a:off x="1104900" y="1600200"/>
+          <a:ext cx="9980682" cy="4880610"/>
+        </p:xfrm>
+        <a:graphic>
+          <a:graphicData uri="http://schemas.openxmlformats.org/drawingml/2006/table">
+            <a:tbl>
+              <a:tblPr firstRow="1" bandRow="1">
+                <a:tableStyleId>{5C22544A-7EE6-4342-B048-85BDC9FD1C3A}</a:tableStyleId>
+              </a:tblPr>
+              <a:tblGrid>
+                <a:gridCol w="3326894">
+                  <a:extLst>
+                    <a:ext uri="{9D8B030D-6E8A-4147-A177-3AD203B41FA5}">
+                      <a16:colId xmlns:a16="http://schemas.microsoft.com/office/drawing/2014/main" val="1063830725"/>
+                    </a:ext>
+                  </a:extLst>
+                </a:gridCol>
+                <a:gridCol w="3326894">
+                  <a:extLst>
+                    <a:ext uri="{9D8B030D-6E8A-4147-A177-3AD203B41FA5}">
+                      <a16:colId xmlns:a16="http://schemas.microsoft.com/office/drawing/2014/main" val="2742314196"/>
+                    </a:ext>
+                  </a:extLst>
+                </a:gridCol>
+                <a:gridCol w="3326894">
+                  <a:extLst>
+                    <a:ext uri="{9D8B030D-6E8A-4147-A177-3AD203B41FA5}">
+                      <a16:colId xmlns:a16="http://schemas.microsoft.com/office/drawing/2014/main" val="4178842973"/>
+                    </a:ext>
+                  </a:extLst>
+                </a:gridCol>
+              </a:tblGrid>
+              <a:tr h="697230">
+                <a:tc>
+                  <a:txBody>
+                    <a:bodyPr/>
+                    <a:lstStyle/>
+                    <a:p>
+                      <a:pPr algn="ctr"/>
+                      <a:r>
+                        <a:rPr lang="en-CA" dirty="0"/>
+                        <a:t>Language</a:t>
+                      </a:r>
+                    </a:p>
+                  </a:txBody>
+                  <a:tcPr anchor="ctr"/>
+                </a:tc>
+                <a:tc>
+                  <a:txBody>
+                    <a:bodyPr/>
+                    <a:lstStyle/>
+                    <a:p>
+                      <a:pPr algn="ctr"/>
+                      <a:r>
+                        <a:rPr lang="en-CA" dirty="0"/>
+                        <a:t>Ensemble</a:t>
+                      </a:r>
+                      <a:r>
+                        <a:rPr lang="en-CA" baseline="0" dirty="0"/>
+                        <a:t> </a:t>
+                      </a:r>
+                      <a:r>
+                        <a:rPr lang="en-CA" dirty="0"/>
+                        <a:t>Fit</a:t>
+                      </a:r>
+                    </a:p>
+                  </a:txBody>
+                  <a:tcPr anchor="ctr"/>
+                </a:tc>
+                <a:tc>
+                  <a:txBody>
+                    <a:bodyPr/>
+                    <a:lstStyle/>
+                    <a:p>
+                      <a:pPr algn="ctr"/>
+                      <a:r>
+                        <a:rPr lang="en-CA" dirty="0"/>
+                        <a:t>Outliers Removed</a:t>
+                      </a:r>
+                    </a:p>
+                  </a:txBody>
+                  <a:tcPr anchor="ctr"/>
+                </a:tc>
+                <a:extLst>
+                  <a:ext uri="{0D108BD9-81ED-4DB2-BD59-A6C34878D82A}">
+                    <a16:rowId xmlns:a16="http://schemas.microsoft.com/office/drawing/2014/main" val="4032793956"/>
+                  </a:ext>
+                </a:extLst>
+              </a:tr>
+              <a:tr h="697230">
+                <a:tc>
+                  <a:txBody>
+                    <a:bodyPr/>
+                    <a:lstStyle/>
+                    <a:p>
+                      <a:pPr algn="ctr"/>
+                      <a:r>
+                        <a:rPr lang="en-CA" b="1" i="1" dirty="0"/>
+                        <a:t>L</a:t>
+                      </a:r>
+                    </a:p>
+                  </a:txBody>
+                  <a:tcPr anchor="ctr"/>
+                </a:tc>
+                <a:tc>
+                  <a:txBody>
+                    <a:bodyPr/>
+                    <a:lstStyle/>
+                    <a:p>
+                      <a:pPr algn="ctr"/>
+                      <a:r>
+                        <a:rPr lang="en-CA" b="0" dirty="0"/>
+                        <a:t>0.194444</a:t>
+                      </a:r>
+                    </a:p>
+                  </a:txBody>
+                  <a:tcPr anchor="ctr"/>
+                </a:tc>
+                <a:tc>
+                  <a:txBody>
+                    <a:bodyPr/>
+                    <a:lstStyle/>
+                    <a:p>
+                      <a:pPr algn="ctr"/>
+                      <a:r>
+                        <a:rPr lang="en-CA" b="0" dirty="0"/>
+                        <a:t>38</a:t>
+                      </a:r>
+                    </a:p>
+                  </a:txBody>
+                  <a:tcPr anchor="ctr"/>
+                </a:tc>
+                <a:extLst>
+                  <a:ext uri="{0D108BD9-81ED-4DB2-BD59-A6C34878D82A}">
+                    <a16:rowId xmlns:a16="http://schemas.microsoft.com/office/drawing/2014/main" val="446838915"/>
+                  </a:ext>
+                </a:extLst>
+              </a:tr>
+              <a:tr h="697230">
+                <a:tc>
+                  <a:txBody>
+                    <a:bodyPr/>
+                    <a:lstStyle/>
+                    <a:p>
+                      <a:pPr algn="ctr"/>
+                      <a:r>
+                        <a:rPr lang="en-CA" b="1" i="1" dirty="0"/>
+                        <a:t>L</a:t>
+                      </a:r>
+                      <a:r>
+                        <a:rPr lang="en-CA" b="1" i="1" baseline="-25000" dirty="0"/>
+                        <a:t>IF</a:t>
+                      </a:r>
+                      <a:endParaRPr lang="en-CA" b="1" i="1" dirty="0"/>
+                    </a:p>
+                  </a:txBody>
+                  <a:tcPr anchor="ctr"/>
+                </a:tc>
+                <a:tc>
+                  <a:txBody>
+                    <a:bodyPr/>
+                    <a:lstStyle/>
+                    <a:p>
+                      <a:pPr algn="ctr"/>
+                      <a:r>
+                        <a:rPr lang="en-CA" b="0" dirty="0"/>
+                        <a:t>0.185474</a:t>
+                      </a:r>
+                    </a:p>
+                  </a:txBody>
+                  <a:tcPr anchor="ctr"/>
+                </a:tc>
+                <a:tc>
+                  <a:txBody>
+                    <a:bodyPr/>
+                    <a:lstStyle/>
+                    <a:p>
+                      <a:pPr algn="ctr"/>
+                      <a:r>
+                        <a:rPr lang="en-CA" b="0" dirty="0"/>
+                        <a:t>43</a:t>
+                      </a:r>
+                    </a:p>
+                  </a:txBody>
+                  <a:tcPr anchor="ctr"/>
+                </a:tc>
+                <a:extLst>
+                  <a:ext uri="{0D108BD9-81ED-4DB2-BD59-A6C34878D82A}">
+                    <a16:rowId xmlns:a16="http://schemas.microsoft.com/office/drawing/2014/main" val="2229032511"/>
+                  </a:ext>
+                </a:extLst>
+              </a:tr>
+              <a:tr h="697230">
+                <a:tc>
+                  <a:txBody>
+                    <a:bodyPr/>
+                    <a:lstStyle/>
+                    <a:p>
+                      <a:pPr algn="ctr"/>
+                      <a:r>
+                        <a:rPr lang="en-CA" b="1" i="1" dirty="0"/>
+                        <a:t>L</a:t>
+                      </a:r>
+                      <a:r>
+                        <a:rPr lang="en-CA" b="1" i="1" baseline="-25000" dirty="0"/>
+                        <a:t>ST</a:t>
+                      </a:r>
+                      <a:endParaRPr lang="en-CA" b="1" i="1" dirty="0"/>
+                    </a:p>
+                  </a:txBody>
+                  <a:tcPr anchor="ctr"/>
+                </a:tc>
+                <a:tc>
+                  <a:txBody>
+                    <a:bodyPr/>
+                    <a:lstStyle/>
+                    <a:p>
+                      <a:pPr algn="ctr"/>
+                      <a:r>
+                        <a:rPr lang="en-CA" b="0" dirty="0"/>
+                        <a:t>0.073232</a:t>
+                      </a:r>
+                    </a:p>
+                  </a:txBody>
+                  <a:tcPr anchor="ctr"/>
+                </a:tc>
+                <a:tc>
+                  <a:txBody>
+                    <a:bodyPr/>
+                    <a:lstStyle/>
+                    <a:p>
+                      <a:pPr algn="ctr"/>
+                      <a:r>
+                        <a:rPr lang="en-CA" b="0" dirty="0"/>
+                        <a:t>18</a:t>
+                      </a:r>
+                    </a:p>
+                  </a:txBody>
+                  <a:tcPr anchor="ctr"/>
+                </a:tc>
+                <a:extLst>
+                  <a:ext uri="{0D108BD9-81ED-4DB2-BD59-A6C34878D82A}">
+                    <a16:rowId xmlns:a16="http://schemas.microsoft.com/office/drawing/2014/main" val="3178529980"/>
+                  </a:ext>
+                </a:extLst>
+              </a:tr>
+              <a:tr h="697230">
+                <a:tc>
+                  <a:txBody>
+                    <a:bodyPr/>
+                    <a:lstStyle/>
+                    <a:p>
+                      <a:pPr algn="ctr"/>
+                      <a:r>
+                        <a:rPr lang="en-CA" b="1" i="1" dirty="0"/>
+                        <a:t>L</a:t>
+                      </a:r>
+                      <a:r>
+                        <a:rPr lang="en-CA" b="1" i="1" baseline="-25000" dirty="0"/>
+                        <a:t>ST’</a:t>
+                      </a:r>
+                      <a:endParaRPr lang="en-CA" b="1" i="1" dirty="0"/>
+                    </a:p>
+                  </a:txBody>
+                  <a:tcPr anchor="ctr"/>
+                </a:tc>
+                <a:tc>
+                  <a:txBody>
+                    <a:bodyPr/>
+                    <a:lstStyle/>
+                    <a:p>
+                      <a:pPr algn="ctr"/>
+                      <a:r>
+                        <a:rPr lang="en-CA" b="0" dirty="0"/>
+                        <a:t>0.026279</a:t>
+                      </a:r>
+                    </a:p>
+                  </a:txBody>
+                  <a:tcPr anchor="ctr"/>
+                </a:tc>
+                <a:tc>
+                  <a:txBody>
+                    <a:bodyPr/>
+                    <a:lstStyle/>
+                    <a:p>
+                      <a:pPr algn="ctr"/>
+                      <a:r>
+                        <a:rPr lang="en-CA" b="0" dirty="0"/>
+                        <a:t>111</a:t>
+                      </a:r>
+                    </a:p>
+                  </a:txBody>
+                  <a:tcPr anchor="ctr"/>
+                </a:tc>
+                <a:extLst>
+                  <a:ext uri="{0D108BD9-81ED-4DB2-BD59-A6C34878D82A}">
+                    <a16:rowId xmlns:a16="http://schemas.microsoft.com/office/drawing/2014/main" val="4239658633"/>
+                  </a:ext>
+                </a:extLst>
+              </a:tr>
+              <a:tr h="697230">
+                <a:tc>
+                  <a:txBody>
+                    <a:bodyPr/>
+                    <a:lstStyle/>
+                    <a:p>
+                      <a:pPr algn="ctr"/>
+                      <a:r>
+                        <a:rPr lang="en-CA" b="1" i="1" dirty="0"/>
+                        <a:t>L</a:t>
+                      </a:r>
+                      <a:r>
+                        <a:rPr lang="en-CA" b="1" i="1" baseline="-25000" dirty="0"/>
+                        <a:t>FI</a:t>
+                      </a:r>
+                      <a:endParaRPr lang="en-CA" b="1" i="1" dirty="0"/>
+                    </a:p>
+                  </a:txBody>
+                  <a:tcPr anchor="ctr"/>
+                </a:tc>
+                <a:tc>
+                  <a:txBody>
+                    <a:bodyPr/>
+                    <a:lstStyle/>
+                    <a:p>
+                      <a:pPr algn="ctr"/>
+                      <a:r>
+                        <a:rPr lang="en-CA" b="0" dirty="0"/>
+                        <a:t>0.057844</a:t>
+                      </a:r>
+                    </a:p>
+                  </a:txBody>
+                  <a:tcPr anchor="ctr"/>
+                </a:tc>
+                <a:tc>
+                  <a:txBody>
+                    <a:bodyPr/>
+                    <a:lstStyle/>
+                    <a:p>
+                      <a:pPr algn="ctr"/>
+                      <a:r>
+                        <a:rPr lang="en-CA" b="0" dirty="0"/>
+                        <a:t>128</a:t>
+                      </a:r>
+                    </a:p>
+                  </a:txBody>
+                  <a:tcPr anchor="ctr"/>
+                </a:tc>
+                <a:extLst>
+                  <a:ext uri="{0D108BD9-81ED-4DB2-BD59-A6C34878D82A}">
+                    <a16:rowId xmlns:a16="http://schemas.microsoft.com/office/drawing/2014/main" val="3865386210"/>
+                  </a:ext>
+                </a:extLst>
+              </a:tr>
+              <a:tr h="697230">
+                <a:tc>
+                  <a:txBody>
+                    <a:bodyPr/>
+                    <a:lstStyle/>
+                    <a:p>
+                      <a:pPr algn="ctr"/>
+                      <a:r>
+                        <a:rPr lang="en-CA" b="1" i="1" dirty="0"/>
+                        <a:t>L</a:t>
+                      </a:r>
+                      <a:r>
+                        <a:rPr lang="en-CA" b="1" i="1" baseline="-25000" dirty="0"/>
+                        <a:t>FI’</a:t>
+                      </a:r>
+                      <a:endParaRPr lang="en-CA" b="1" i="1" dirty="0"/>
+                    </a:p>
+                  </a:txBody>
+                  <a:tcPr anchor="ctr"/>
+                </a:tc>
+                <a:tc>
+                  <a:txBody>
+                    <a:bodyPr/>
+                    <a:lstStyle/>
+                    <a:p>
+                      <a:pPr algn="ctr"/>
+                      <a:r>
+                        <a:rPr lang="en-CA" b="0" dirty="0"/>
+                        <a:t>0.026279</a:t>
+                      </a:r>
+                    </a:p>
+                  </a:txBody>
+                  <a:tcPr anchor="ctr"/>
+                </a:tc>
+                <a:tc>
+                  <a:txBody>
+                    <a:bodyPr/>
+                    <a:lstStyle/>
+                    <a:p>
+                      <a:pPr algn="ctr"/>
+                      <a:r>
+                        <a:rPr lang="en-CA" b="0" dirty="0"/>
+                        <a:t>0</a:t>
+                      </a:r>
+                    </a:p>
+                  </a:txBody>
+                  <a:tcPr anchor="ctr"/>
+                </a:tc>
+                <a:extLst>
+                  <a:ext uri="{0D108BD9-81ED-4DB2-BD59-A6C34878D82A}">
+                    <a16:rowId xmlns:a16="http://schemas.microsoft.com/office/drawing/2014/main" val="331165827"/>
+                  </a:ext>
+                </a:extLst>
+              </a:tr>
+            </a:tbl>
+          </a:graphicData>
+        </a:graphic>
+      </p:graphicFrame>
+    </p:spTree>
+    <p:extLst>
+      <p:ext uri="{BB962C8B-B14F-4D97-AF65-F5344CB8AC3E}">
+        <p14:creationId xmlns:p14="http://schemas.microsoft.com/office/powerpoint/2010/main" val="2304331823"/>
+      </p:ext>
+    </p:extLst>
+  </p:cSld>
+  <p:clrMapOvr>
+    <a:masterClrMapping/>
+  </p:clrMapOvr>
+  <mc:AlternateContent xmlns:mc="http://schemas.openxmlformats.org/markup-compatibility/2006" xmlns:p14="http://schemas.microsoft.com/office/powerpoint/2010/main">
+    <mc:Choice Requires="p14">
+      <p:transition spd="med" p14:dur="700">
+        <p:fade/>
+      </p:transition>
+    </mc:Choice>
+    <mc:Fallback xmlns="">
+      <p:transition spd="med">
+        <p:fade/>
+      </p:transition>
+    </mc:Fallback>
+  </mc:AlternateContent>
+</p:sld>
+</file>
+
+<file path=ppt/slides/slide23.xml><?xml version="1.0" encoding="utf-8"?>
+<p:sld xmlns:a="http://schemas.openxmlformats.org/drawingml/2006/main" xmlns:r="http://schemas.openxmlformats.org/officeDocument/2006/relationships" xmlns:p="http://schemas.openxmlformats.org/presentationml/2006/main">
+  <p:cSld>
+    <p:spTree>
+      <p:nvGrpSpPr>
+        <p:cNvPr id="1" name=""/>
+        <p:cNvGrpSpPr/>
+        <p:nvPr/>
+      </p:nvGrpSpPr>
+      <p:grpSpPr>
+        <a:xfrm>
+          <a:off x="0" y="0"/>
+          <a:ext cx="0" cy="0"/>
+          <a:chOff x="0" y="0"/>
+          <a:chExt cx="0" cy="0"/>
+        </a:xfrm>
+      </p:grpSpPr>
+      <p:sp>
+        <p:nvSpPr>
+          <p:cNvPr id="2" name="Title 1"/>
+          <p:cNvSpPr>
+            <a:spLocks noGrp="1"/>
+          </p:cNvSpPr>
+          <p:nvPr>
+            <p:ph type="title"/>
+          </p:nvPr>
+        </p:nvSpPr>
+        <p:spPr/>
+        <p:txBody>
+          <a:bodyPr/>
+          <a:lstStyle/>
+          <a:p>
+            <a:r>
+              <a:rPr lang="en-CA" dirty="0"/>
+              <a:t>Ensemble Fitness Across Experiments</a:t>
+            </a:r>
+          </a:p>
+        </p:txBody>
+      </p:sp>
+      <p:graphicFrame>
+        <p:nvGraphicFramePr>
+          <p:cNvPr id="6" name="Content Placeholder 3"/>
+          <p:cNvGraphicFramePr>
+            <a:graphicFrameLocks/>
+          </p:cNvGraphicFramePr>
+          <p:nvPr>
+            <p:extLst>
+              <p:ext uri="{D42A27DB-BD31-4B8C-83A1-F6EECF244321}">
+                <p14:modId xmlns:p14="http://schemas.microsoft.com/office/powerpoint/2010/main" val="2226128895"/>
+              </p:ext>
+            </p:extLst>
+          </p:nvPr>
+        </p:nvGraphicFramePr>
+        <p:xfrm>
+          <a:off x="1104900" y="1600200"/>
+          <a:ext cx="9980682" cy="4880610"/>
+        </p:xfrm>
+        <a:graphic>
+          <a:graphicData uri="http://schemas.openxmlformats.org/drawingml/2006/table">
+            <a:tbl>
+              <a:tblPr firstRow="1" bandRow="1">
+                <a:tableStyleId>{5C22544A-7EE6-4342-B048-85BDC9FD1C3A}</a:tableStyleId>
+              </a:tblPr>
+              <a:tblGrid>
+                <a:gridCol w="3326894">
+                  <a:extLst>
+                    <a:ext uri="{9D8B030D-6E8A-4147-A177-3AD203B41FA5}">
+                      <a16:colId xmlns:a16="http://schemas.microsoft.com/office/drawing/2014/main" val="1063830725"/>
+                    </a:ext>
+                  </a:extLst>
+                </a:gridCol>
+                <a:gridCol w="3326894">
+                  <a:extLst>
+                    <a:ext uri="{9D8B030D-6E8A-4147-A177-3AD203B41FA5}">
+                      <a16:colId xmlns:a16="http://schemas.microsoft.com/office/drawing/2014/main" val="2742314196"/>
+                    </a:ext>
+                  </a:extLst>
+                </a:gridCol>
+                <a:gridCol w="3326894">
+                  <a:extLst>
+                    <a:ext uri="{9D8B030D-6E8A-4147-A177-3AD203B41FA5}">
+                      <a16:colId xmlns:a16="http://schemas.microsoft.com/office/drawing/2014/main" val="4178842973"/>
+                    </a:ext>
+                  </a:extLst>
+                </a:gridCol>
+              </a:tblGrid>
+              <a:tr h="697230">
+                <a:tc>
+                  <a:txBody>
+                    <a:bodyPr/>
+                    <a:lstStyle/>
+                    <a:p>
+                      <a:pPr algn="ctr"/>
+                      <a:r>
+                        <a:rPr lang="en-CA" dirty="0"/>
+                        <a:t>Language</a:t>
+                      </a:r>
+                    </a:p>
+                  </a:txBody>
+                  <a:tcPr anchor="ctr"/>
+                </a:tc>
+                <a:tc>
+                  <a:txBody>
+                    <a:bodyPr/>
+                    <a:lstStyle/>
+                    <a:p>
+                      <a:pPr algn="ctr"/>
+                      <a:r>
+                        <a:rPr lang="en-CA" dirty="0"/>
+                        <a:t>Ensemble</a:t>
+                      </a:r>
+                      <a:r>
+                        <a:rPr lang="en-CA" baseline="0" dirty="0"/>
+                        <a:t> </a:t>
+                      </a:r>
+                      <a:r>
+                        <a:rPr lang="en-CA" dirty="0"/>
+                        <a:t>Fit</a:t>
+                      </a:r>
+                    </a:p>
+                  </a:txBody>
+                  <a:tcPr anchor="ctr"/>
+                </a:tc>
+                <a:tc>
+                  <a:txBody>
+                    <a:bodyPr/>
+                    <a:lstStyle/>
+                    <a:p>
+                      <a:pPr algn="ctr"/>
+                      <a:r>
+                        <a:rPr lang="en-CA" dirty="0"/>
+                        <a:t>Outliers Removed</a:t>
+                      </a:r>
+                    </a:p>
+                  </a:txBody>
+                  <a:tcPr anchor="ctr"/>
+                </a:tc>
+                <a:extLst>
+                  <a:ext uri="{0D108BD9-81ED-4DB2-BD59-A6C34878D82A}">
+                    <a16:rowId xmlns:a16="http://schemas.microsoft.com/office/drawing/2014/main" val="4032793956"/>
+                  </a:ext>
+                </a:extLst>
+              </a:tr>
+              <a:tr h="697230">
+                <a:tc>
+                  <a:txBody>
+                    <a:bodyPr/>
+                    <a:lstStyle/>
+                    <a:p>
+                      <a:pPr algn="ctr"/>
+                      <a:r>
+                        <a:rPr lang="en-CA" b="1" i="1" dirty="0"/>
+                        <a:t>L</a:t>
+                      </a:r>
+                    </a:p>
+                  </a:txBody>
+                  <a:tcPr anchor="ctr"/>
+                </a:tc>
+                <a:tc>
+                  <a:txBody>
+                    <a:bodyPr/>
+                    <a:lstStyle/>
+                    <a:p>
+                      <a:pPr algn="ctr"/>
+                      <a:r>
+                        <a:rPr lang="en-CA" b="0" dirty="0"/>
+                        <a:t>0.194444</a:t>
+                      </a:r>
+                    </a:p>
+                  </a:txBody>
+                  <a:tcPr anchor="ctr"/>
+                </a:tc>
+                <a:tc>
+                  <a:txBody>
+                    <a:bodyPr/>
+                    <a:lstStyle/>
+                    <a:p>
+                      <a:pPr algn="ctr"/>
+                      <a:r>
+                        <a:rPr lang="en-CA" b="0" dirty="0"/>
+                        <a:t>38</a:t>
+                      </a:r>
+                    </a:p>
+                  </a:txBody>
+                  <a:tcPr anchor="ctr"/>
+                </a:tc>
+                <a:extLst>
+                  <a:ext uri="{0D108BD9-81ED-4DB2-BD59-A6C34878D82A}">
+                    <a16:rowId xmlns:a16="http://schemas.microsoft.com/office/drawing/2014/main" val="446838915"/>
+                  </a:ext>
+                </a:extLst>
+              </a:tr>
+              <a:tr h="697230">
+                <a:tc>
+                  <a:txBody>
+                    <a:bodyPr/>
+                    <a:lstStyle/>
+                    <a:p>
+                      <a:pPr algn="ctr"/>
+                      <a:r>
+                        <a:rPr lang="en-CA" b="1" i="1" dirty="0"/>
+                        <a:t>L</a:t>
+                      </a:r>
+                      <a:r>
+                        <a:rPr lang="en-CA" b="1" i="1" baseline="-25000" dirty="0"/>
+                        <a:t>IF</a:t>
+                      </a:r>
+                      <a:endParaRPr lang="en-CA" b="1" i="1" dirty="0"/>
+                    </a:p>
+                  </a:txBody>
+                  <a:tcPr anchor="ctr"/>
+                </a:tc>
+                <a:tc>
+                  <a:txBody>
+                    <a:bodyPr/>
+                    <a:lstStyle/>
+                    <a:p>
+                      <a:pPr algn="ctr"/>
+                      <a:r>
+                        <a:rPr lang="en-CA" b="0" dirty="0"/>
+                        <a:t>0.185474</a:t>
+                      </a:r>
+                    </a:p>
+                  </a:txBody>
+                  <a:tcPr anchor="ctr"/>
+                </a:tc>
+                <a:tc>
+                  <a:txBody>
+                    <a:bodyPr/>
+                    <a:lstStyle/>
+                    <a:p>
+                      <a:pPr algn="ctr"/>
+                      <a:r>
+                        <a:rPr lang="en-CA" b="0" dirty="0"/>
+                        <a:t>43</a:t>
+                      </a:r>
+                    </a:p>
+                  </a:txBody>
+                  <a:tcPr anchor="ctr"/>
+                </a:tc>
+                <a:extLst>
+                  <a:ext uri="{0D108BD9-81ED-4DB2-BD59-A6C34878D82A}">
+                    <a16:rowId xmlns:a16="http://schemas.microsoft.com/office/drawing/2014/main" val="2229032511"/>
+                  </a:ext>
+                </a:extLst>
+              </a:tr>
+              <a:tr h="697230">
+                <a:tc>
+                  <a:txBody>
+                    <a:bodyPr/>
+                    <a:lstStyle/>
+                    <a:p>
+                      <a:pPr algn="ctr"/>
+                      <a:r>
+                        <a:rPr lang="en-CA" b="1" i="1" dirty="0"/>
+                        <a:t>L</a:t>
+                      </a:r>
+                      <a:r>
+                        <a:rPr lang="en-CA" b="1" i="1" baseline="-25000" dirty="0"/>
+                        <a:t>ST</a:t>
+                      </a:r>
+                      <a:endParaRPr lang="en-CA" b="1" i="1" dirty="0"/>
+                    </a:p>
+                  </a:txBody>
+                  <a:tcPr anchor="ctr"/>
+                </a:tc>
+                <a:tc>
+                  <a:txBody>
+                    <a:bodyPr/>
+                    <a:lstStyle/>
+                    <a:p>
+                      <a:pPr algn="ctr"/>
+                      <a:r>
+                        <a:rPr lang="en-CA" b="0" dirty="0"/>
+                        <a:t>0.073232</a:t>
+                      </a:r>
+                    </a:p>
+                  </a:txBody>
+                  <a:tcPr anchor="ctr"/>
+                </a:tc>
+                <a:tc>
+                  <a:txBody>
+                    <a:bodyPr/>
+                    <a:lstStyle/>
+                    <a:p>
+                      <a:pPr algn="ctr"/>
+                      <a:r>
+                        <a:rPr lang="en-CA" b="0" dirty="0"/>
+                        <a:t>18</a:t>
+                      </a:r>
+                    </a:p>
+                  </a:txBody>
+                  <a:tcPr anchor="ctr"/>
+                </a:tc>
+                <a:extLst>
+                  <a:ext uri="{0D108BD9-81ED-4DB2-BD59-A6C34878D82A}">
+                    <a16:rowId xmlns:a16="http://schemas.microsoft.com/office/drawing/2014/main" val="3178529980"/>
+                  </a:ext>
+                </a:extLst>
+              </a:tr>
+              <a:tr h="697230">
+                <a:tc>
+                  <a:txBody>
+                    <a:bodyPr/>
+                    <a:lstStyle/>
+                    <a:p>
+                      <a:pPr algn="ctr"/>
+                      <a:r>
+                        <a:rPr lang="en-CA" b="1" i="1" dirty="0"/>
+                        <a:t>L</a:t>
+                      </a:r>
+                      <a:r>
+                        <a:rPr lang="en-CA" b="1" i="1" baseline="-25000" dirty="0"/>
+                        <a:t>ST’</a:t>
+                      </a:r>
+                      <a:endParaRPr lang="en-CA" b="1" i="1" dirty="0"/>
+                    </a:p>
+                  </a:txBody>
+                  <a:tcPr anchor="ctr"/>
+                </a:tc>
+                <a:tc>
+                  <a:txBody>
+                    <a:bodyPr/>
+                    <a:lstStyle/>
+                    <a:p>
+                      <a:pPr algn="ctr"/>
+                      <a:r>
+                        <a:rPr lang="en-CA" b="0" dirty="0">
+                          <a:solidFill>
+                            <a:srgbClr val="FF0000"/>
+                          </a:solidFill>
+                        </a:rPr>
+                        <a:t>0.026279</a:t>
+                      </a:r>
+                    </a:p>
+                  </a:txBody>
+                  <a:tcPr anchor="ctr"/>
+                </a:tc>
+                <a:tc>
+                  <a:txBody>
+                    <a:bodyPr/>
+                    <a:lstStyle/>
+                    <a:p>
+                      <a:pPr algn="ctr"/>
+                      <a:r>
+                        <a:rPr lang="en-CA" b="0" dirty="0"/>
+                        <a:t>111</a:t>
+                      </a:r>
+                    </a:p>
+                  </a:txBody>
+                  <a:tcPr anchor="ctr"/>
+                </a:tc>
+                <a:extLst>
+                  <a:ext uri="{0D108BD9-81ED-4DB2-BD59-A6C34878D82A}">
+                    <a16:rowId xmlns:a16="http://schemas.microsoft.com/office/drawing/2014/main" val="4239658633"/>
+                  </a:ext>
+                </a:extLst>
+              </a:tr>
+              <a:tr h="697230">
+                <a:tc>
+                  <a:txBody>
+                    <a:bodyPr/>
+                    <a:lstStyle/>
+                    <a:p>
+                      <a:pPr algn="ctr"/>
+                      <a:r>
+                        <a:rPr lang="en-CA" b="1" i="1" dirty="0"/>
+                        <a:t>L</a:t>
+                      </a:r>
+                      <a:r>
+                        <a:rPr lang="en-CA" b="1" i="1" baseline="-25000" dirty="0"/>
+                        <a:t>FI</a:t>
+                      </a:r>
+                      <a:endParaRPr lang="en-CA" b="1" i="1" dirty="0"/>
+                    </a:p>
+                  </a:txBody>
+                  <a:tcPr anchor="ctr"/>
+                </a:tc>
+                <a:tc>
+                  <a:txBody>
+                    <a:bodyPr/>
+                    <a:lstStyle/>
+                    <a:p>
+                      <a:pPr algn="ctr"/>
+                      <a:r>
+                        <a:rPr lang="en-CA" b="0" dirty="0"/>
+                        <a:t>0.057844</a:t>
+                      </a:r>
+                    </a:p>
+                  </a:txBody>
+                  <a:tcPr anchor="ctr"/>
+                </a:tc>
+                <a:tc>
+                  <a:txBody>
+                    <a:bodyPr/>
+                    <a:lstStyle/>
+                    <a:p>
+                      <a:pPr algn="ctr"/>
+                      <a:r>
+                        <a:rPr lang="en-CA" b="0" dirty="0"/>
+                        <a:t>128</a:t>
+                      </a:r>
+                    </a:p>
+                  </a:txBody>
+                  <a:tcPr anchor="ctr"/>
+                </a:tc>
+                <a:extLst>
+                  <a:ext uri="{0D108BD9-81ED-4DB2-BD59-A6C34878D82A}">
+                    <a16:rowId xmlns:a16="http://schemas.microsoft.com/office/drawing/2014/main" val="3865386210"/>
+                  </a:ext>
+                </a:extLst>
+              </a:tr>
+              <a:tr h="697230">
+                <a:tc>
+                  <a:txBody>
+                    <a:bodyPr/>
+                    <a:lstStyle/>
+                    <a:p>
+                      <a:pPr algn="ctr"/>
+                      <a:r>
+                        <a:rPr lang="en-CA" b="1" i="1" dirty="0"/>
+                        <a:t>L</a:t>
+                      </a:r>
+                      <a:r>
+                        <a:rPr lang="en-CA" b="1" i="1" baseline="-25000" dirty="0"/>
+                        <a:t>FI’</a:t>
+                      </a:r>
+                      <a:endParaRPr lang="en-CA" b="1" i="1" dirty="0"/>
+                    </a:p>
+                  </a:txBody>
+                  <a:tcPr anchor="ctr"/>
+                </a:tc>
+                <a:tc>
+                  <a:txBody>
+                    <a:bodyPr/>
+                    <a:lstStyle/>
+                    <a:p>
+                      <a:pPr algn="ctr"/>
+                      <a:r>
+                        <a:rPr lang="en-CA" b="0" dirty="0">
+                          <a:solidFill>
+                            <a:srgbClr val="FF0000"/>
+                          </a:solidFill>
+                        </a:rPr>
+                        <a:t>0.026279</a:t>
+                      </a:r>
+                    </a:p>
+                  </a:txBody>
+                  <a:tcPr anchor="ctr"/>
+                </a:tc>
+                <a:tc>
+                  <a:txBody>
+                    <a:bodyPr/>
+                    <a:lstStyle/>
+                    <a:p>
+                      <a:pPr algn="ctr"/>
+                      <a:r>
+                        <a:rPr lang="en-CA" b="0" dirty="0"/>
+                        <a:t>0</a:t>
+                      </a:r>
+                    </a:p>
+                  </a:txBody>
+                  <a:tcPr anchor="ctr"/>
+                </a:tc>
+                <a:extLst>
+                  <a:ext uri="{0D108BD9-81ED-4DB2-BD59-A6C34878D82A}">
+                    <a16:rowId xmlns:a16="http://schemas.microsoft.com/office/drawing/2014/main" val="331165827"/>
+                  </a:ext>
+                </a:extLst>
+              </a:tr>
+            </a:tbl>
+          </a:graphicData>
+        </a:graphic>
+      </p:graphicFrame>
+    </p:spTree>
+    <p:extLst>
+      <p:ext uri="{BB962C8B-B14F-4D97-AF65-F5344CB8AC3E}">
+        <p14:creationId xmlns:p14="http://schemas.microsoft.com/office/powerpoint/2010/main" val="2503249464"/>
+      </p:ext>
+    </p:extLst>
+  </p:cSld>
+  <p:clrMapOvr>
+    <a:masterClrMapping/>
+  </p:clrMapOvr>
+  <mc:AlternateContent xmlns:mc="http://schemas.openxmlformats.org/markup-compatibility/2006" xmlns:p14="http://schemas.microsoft.com/office/powerpoint/2010/main">
+    <mc:Choice Requires="p14">
+      <p:transition spd="med" p14:dur="700">
+        <p:fade/>
+      </p:transition>
+    </mc:Choice>
+    <mc:Fallback xmlns="">
+      <p:transition spd="med">
+        <p:fade/>
+      </p:transition>
+    </mc:Fallback>
+  </mc:AlternateContent>
+</p:sld>
+</file>
+
+<file path=ppt/slides/slide24.xml><?xml version="1.0" encoding="utf-8"?>
+<p:sld xmlns:a="http://schemas.openxmlformats.org/drawingml/2006/main" xmlns:r="http://schemas.openxmlformats.org/officeDocument/2006/relationships" xmlns:p="http://schemas.openxmlformats.org/presentationml/2006/main">
+  <p:cSld>
+    <p:spTree>
+      <p:nvGrpSpPr>
+        <p:cNvPr id="1" name=""/>
+        <p:cNvGrpSpPr/>
+        <p:nvPr/>
+      </p:nvGrpSpPr>
+      <p:grpSpPr>
+        <a:xfrm>
+          <a:off x="0" y="0"/>
+          <a:ext cx="0" cy="0"/>
+          <a:chOff x="0" y="0"/>
+          <a:chExt cx="0" cy="0"/>
+        </a:xfrm>
+      </p:grpSpPr>
+      <p:sp>
+        <p:nvSpPr>
+          <p:cNvPr id="2" name="Title 1"/>
+          <p:cNvSpPr>
+            <a:spLocks noGrp="1"/>
+          </p:cNvSpPr>
+          <p:nvPr>
+            <p:ph type="title"/>
+          </p:nvPr>
+        </p:nvSpPr>
+        <p:spPr/>
+        <p:txBody>
+          <a:bodyPr/>
+          <a:lstStyle/>
+          <a:p>
+            <a:r>
+              <a:rPr lang="en-CA" dirty="0"/>
+              <a:t>References</a:t>
+            </a:r>
+          </a:p>
+        </p:txBody>
+      </p:sp>
+      <p:sp>
+        <p:nvSpPr>
+          <p:cNvPr id="3" name="Content Placeholder 2"/>
+          <p:cNvSpPr>
+            <a:spLocks noGrp="1"/>
+          </p:cNvSpPr>
+          <p:nvPr>
+            <p:ph idx="1"/>
+          </p:nvPr>
+        </p:nvSpPr>
+        <p:spPr/>
+        <p:txBody>
+          <a:bodyPr/>
+          <a:lstStyle/>
+          <a:p>
+            <a:r>
+              <a:rPr lang="en-CA" dirty="0" err="1"/>
+              <a:t>Minkyu</a:t>
+            </a:r>
+            <a:r>
+              <a:rPr lang="en-CA" dirty="0"/>
+              <a:t> Kim, Ying L. Becker, Peng </a:t>
+            </a:r>
+            <a:r>
+              <a:rPr lang="en-CA" dirty="0" err="1"/>
+              <a:t>Fei</a:t>
+            </a:r>
+            <a:r>
+              <a:rPr lang="en-CA" dirty="0"/>
+              <a:t>, and Una-May O’Reilly. Constrained genetic programming to minimize overfitting in stock selection. </a:t>
+            </a:r>
+            <a:r>
+              <a:rPr lang="en-CA" i="1" dirty="0"/>
+              <a:t>Genetic Programming Theory and Practice,</a:t>
+            </a:r>
+            <a:r>
+              <a:rPr lang="en-CA" dirty="0"/>
+              <a:t> 6:178-194, 2009</a:t>
+            </a:r>
+          </a:p>
+          <a:p>
+            <a:endParaRPr lang="en-CA" dirty="0"/>
+          </a:p>
+        </p:txBody>
+      </p:sp>
+    </p:spTree>
+    <p:extLst>
+      <p:ext uri="{BB962C8B-B14F-4D97-AF65-F5344CB8AC3E}">
+        <p14:creationId xmlns:p14="http://schemas.microsoft.com/office/powerpoint/2010/main" val="4294613089"/>
+      </p:ext>
+    </p:extLst>
+  </p:cSld>
+  <p:clrMapOvr>
+    <a:masterClrMapping/>
+  </p:clrMapOvr>
+  <mc:AlternateContent xmlns:mc="http://schemas.openxmlformats.org/markup-compatibility/2006" xmlns:p14="http://schemas.microsoft.com/office/powerpoint/2010/main">
+    <mc:Choice Requires="p14">
+      <p:transition spd="med" p14:dur="700">
+        <p:fade/>
+      </p:transition>
+    </mc:Choice>
+    <mc:Fallback xmlns="">
+      <p:transition spd="med">
+        <p:fade/>
+      </p:transition>
+    </mc:Fallback>
+  </mc:AlternateContent>
+</p:sld>
+</file>
+
 <file path=ppt/slides/slide3.xml><?xml version="1.0" encoding="utf-8"?>
 <p:sld xmlns:a="http://schemas.openxmlformats.org/drawingml/2006/main" xmlns:r="http://schemas.openxmlformats.org/officeDocument/2006/relationships" xmlns:p="http://schemas.openxmlformats.org/presentationml/2006/main">
   <p:cSld>
@@ -10349,6 +13251,196 @@
       </p:transition>
     </mc:Fallback>
   </mc:AlternateContent>
+  <p:timing>
+    <p:tnLst>
+      <p:par>
+        <p:cTn id="1" dur="indefinite" restart="never" nodeType="tmRoot">
+          <p:childTnLst>
+            <p:seq concurrent="1" nextAc="seek">
+              <p:cTn id="2" dur="indefinite" nodeType="mainSeq">
+                <p:childTnLst>
+                  <p:par>
+                    <p:cTn id="3" fill="hold">
+                      <p:stCondLst>
+                        <p:cond delay="indefinite"/>
+                      </p:stCondLst>
+                      <p:childTnLst>
+                        <p:par>
+                          <p:cTn id="4" fill="hold">
+                            <p:stCondLst>
+                              <p:cond delay="0"/>
+                            </p:stCondLst>
+                            <p:childTnLst>
+                              <p:par>
+                                <p:cTn id="5" presetID="10" presetClass="entr" presetSubtype="0" fill="hold" grpId="0" nodeType="clickEffect">
+                                  <p:stCondLst>
+                                    <p:cond delay="0"/>
+                                  </p:stCondLst>
+                                  <p:childTnLst>
+                                    <p:set>
+                                      <p:cBhvr>
+                                        <p:cTn id="6" dur="1" fill="hold">
+                                          <p:stCondLst>
+                                            <p:cond delay="0"/>
+                                          </p:stCondLst>
+                                        </p:cTn>
+                                        <p:tgtEl>
+                                          <p:spTgt spid="3">
+                                            <p:txEl>
+                                              <p:pRg st="0" end="0"/>
+                                            </p:txEl>
+                                          </p:spTgt>
+                                        </p:tgtEl>
+                                        <p:attrNameLst>
+                                          <p:attrName>style.visibility</p:attrName>
+                                        </p:attrNameLst>
+                                      </p:cBhvr>
+                                      <p:to>
+                                        <p:strVal val="visible"/>
+                                      </p:to>
+                                    </p:set>
+                                    <p:animEffect transition="in" filter="fade">
+                                      <p:cBhvr>
+                                        <p:cTn id="7" dur="500"/>
+                                        <p:tgtEl>
+                                          <p:spTgt spid="3">
+                                            <p:txEl>
+                                              <p:pRg st="0" end="0"/>
+                                            </p:txEl>
+                                          </p:spTgt>
+                                        </p:tgtEl>
+                                      </p:cBhvr>
+                                    </p:animEffect>
+                                  </p:childTnLst>
+                                </p:cTn>
+                              </p:par>
+                            </p:childTnLst>
+                          </p:cTn>
+                        </p:par>
+                      </p:childTnLst>
+                    </p:cTn>
+                  </p:par>
+                  <p:par>
+                    <p:cTn id="8" fill="hold">
+                      <p:stCondLst>
+                        <p:cond delay="indefinite"/>
+                      </p:stCondLst>
+                      <p:childTnLst>
+                        <p:par>
+                          <p:cTn id="9" fill="hold">
+                            <p:stCondLst>
+                              <p:cond delay="0"/>
+                            </p:stCondLst>
+                            <p:childTnLst>
+                              <p:par>
+                                <p:cTn id="10" presetID="10" presetClass="entr" presetSubtype="0" fill="hold" grpId="0" nodeType="clickEffect">
+                                  <p:stCondLst>
+                                    <p:cond delay="0"/>
+                                  </p:stCondLst>
+                                  <p:childTnLst>
+                                    <p:set>
+                                      <p:cBhvr>
+                                        <p:cTn id="11" dur="1" fill="hold">
+                                          <p:stCondLst>
+                                            <p:cond delay="0"/>
+                                          </p:stCondLst>
+                                        </p:cTn>
+                                        <p:tgtEl>
+                                          <p:spTgt spid="3">
+                                            <p:txEl>
+                                              <p:pRg st="1" end="1"/>
+                                            </p:txEl>
+                                          </p:spTgt>
+                                        </p:tgtEl>
+                                        <p:attrNameLst>
+                                          <p:attrName>style.visibility</p:attrName>
+                                        </p:attrNameLst>
+                                      </p:cBhvr>
+                                      <p:to>
+                                        <p:strVal val="visible"/>
+                                      </p:to>
+                                    </p:set>
+                                    <p:animEffect transition="in" filter="fade">
+                                      <p:cBhvr>
+                                        <p:cTn id="12" dur="500"/>
+                                        <p:tgtEl>
+                                          <p:spTgt spid="3">
+                                            <p:txEl>
+                                              <p:pRg st="1" end="1"/>
+                                            </p:txEl>
+                                          </p:spTgt>
+                                        </p:tgtEl>
+                                      </p:cBhvr>
+                                    </p:animEffect>
+                                  </p:childTnLst>
+                                </p:cTn>
+                              </p:par>
+                              <p:par>
+                                <p:cTn id="13" presetID="10" presetClass="entr" presetSubtype="0" fill="hold" nodeType="withEffect">
+                                  <p:stCondLst>
+                                    <p:cond delay="0"/>
+                                  </p:stCondLst>
+                                  <p:childTnLst>
+                                    <p:set>
+                                      <p:cBhvr>
+                                        <p:cTn id="14" dur="1" fill="hold">
+                                          <p:stCondLst>
+                                            <p:cond delay="0"/>
+                                          </p:stCondLst>
+                                        </p:cTn>
+                                        <p:tgtEl>
+                                          <p:spTgt spid="5"/>
+                                        </p:tgtEl>
+                                        <p:attrNameLst>
+                                          <p:attrName>style.visibility</p:attrName>
+                                        </p:attrNameLst>
+                                      </p:cBhvr>
+                                      <p:to>
+                                        <p:strVal val="visible"/>
+                                      </p:to>
+                                    </p:set>
+                                    <p:animEffect transition="in" filter="fade">
+                                      <p:cBhvr>
+                                        <p:cTn id="15" dur="500"/>
+                                        <p:tgtEl>
+                                          <p:spTgt spid="5"/>
+                                        </p:tgtEl>
+                                      </p:cBhvr>
+                                    </p:animEffect>
+                                  </p:childTnLst>
+                                </p:cTn>
+                              </p:par>
+                            </p:childTnLst>
+                          </p:cTn>
+                        </p:par>
+                      </p:childTnLst>
+                    </p:cTn>
+                  </p:par>
+                </p:childTnLst>
+              </p:cTn>
+              <p:prevCondLst>
+                <p:cond evt="onPrev" delay="0">
+                  <p:tgtEl>
+                    <p:sldTgt/>
+                  </p:tgtEl>
+                </p:cond>
+              </p:prevCondLst>
+              <p:nextCondLst>
+                <p:cond evt="onNext" delay="0">
+                  <p:tgtEl>
+                    <p:sldTgt/>
+                  </p:tgtEl>
+                </p:cond>
+              </p:nextCondLst>
+            </p:seq>
+          </p:childTnLst>
+        </p:cTn>
+      </p:par>
+    </p:tnLst>
+    <p:bldLst>
+      <p:bldP spid="3" grpId="0" build="p"/>
+    </p:bldLst>
+  </p:timing>
 </p:sld>
 </file>
 
@@ -10386,7 +13478,7 @@
           <a:p>
             <a:r>
               <a:rPr lang="en-US" dirty="0"/>
-              <a:t>Results &amp; Discussion</a:t>
+              <a:t>Language Variations</a:t>
             </a:r>
           </a:p>
         </p:txBody>
@@ -10403,7 +13495,7 @@
                 <p:ph idx="1"/>
                 <p:extLst>
                   <p:ext uri="{D42A27DB-BD31-4B8C-83A1-F6EECF244321}">
-                    <p14:modId xmlns:p14="http://schemas.microsoft.com/office/powerpoint/2010/main" val="2795055958"/>
+                    <p14:modId xmlns:p14="http://schemas.microsoft.com/office/powerpoint/2010/main" val="4291528544"/>
                   </p:ext>
                 </p:extLst>
               </p:nvPr>
@@ -10799,14 +13891,14 @@
                                 <m:sSub>
                                   <m:sSubPr>
                                     <m:ctrlPr>
-                                      <a:rPr lang="en-CA" sz="2000" b="1" i="1" u="sng" smtClean="0">
+                                      <a:rPr lang="en-CA" sz="2000" b="1" i="1" u="none" smtClean="0">
                                         <a:latin typeface="Cambria Math" panose="02040503050406030204" pitchFamily="18" charset="0"/>
                                       </a:rPr>
                                     </m:ctrlPr>
                                   </m:sSubPr>
                                   <m:e>
                                     <m:r>
-                                      <a:rPr lang="en-CA" sz="2000" b="1" i="1" u="sng" smtClean="0">
+                                      <a:rPr lang="en-CA" sz="2000" b="1" i="1" u="none" smtClean="0">
                                         <a:latin typeface="Cambria Math" panose="02040503050406030204" pitchFamily="18" charset="0"/>
                                       </a:rPr>
                                       <m:t>𝑳</m:t>
@@ -10814,7 +13906,7 @@
                                   </m:e>
                                   <m:sub>
                                     <m:r>
-                                      <a:rPr lang="en-CA" sz="2000" b="1" i="1" u="sng" smtClean="0">
+                                      <a:rPr lang="en-CA" sz="2000" b="1" i="1" u="none" smtClean="0">
                                         <a:latin typeface="Cambria Math" panose="02040503050406030204" pitchFamily="18" charset="0"/>
                                       </a:rPr>
                                       <m:t>𝑺𝑻</m:t>
@@ -10822,43 +13914,43 @@
                                   </m:sub>
                                 </m:sSub>
                                 <m:r>
-                                  <a:rPr lang="en-CA" sz="2000" b="1" i="1" u="sng" smtClean="0">
+                                  <a:rPr lang="en-CA" sz="2000" b="1" i="1" u="none" smtClean="0">
                                     <a:latin typeface="Cambria Math" panose="02040503050406030204" pitchFamily="18" charset="0"/>
                                   </a:rPr>
                                   <m:t>∪{</m:t>
                                 </m:r>
                                 <m:r>
-                                  <a:rPr lang="en-CA" sz="2000" b="1" i="1" u="sng" smtClean="0">
+                                  <a:rPr lang="en-CA" sz="2000" b="1" i="1" u="none" smtClean="0">
                                     <a:latin typeface="Cambria Math" panose="02040503050406030204" pitchFamily="18" charset="0"/>
                                   </a:rPr>
                                   <m:t>𝒂𝒗𝒈</m:t>
                                 </m:r>
                                 <m:r>
-                                  <a:rPr lang="en-CA" sz="2000" b="1" i="1" u="sng" smtClean="0">
+                                  <a:rPr lang="en-CA" sz="2000" b="1" i="1" u="none" smtClean="0">
                                     <a:latin typeface="Cambria Math" panose="02040503050406030204" pitchFamily="18" charset="0"/>
                                   </a:rPr>
                                   <m:t>, </m:t>
                                 </m:r>
                                 <m:r>
-                                  <a:rPr lang="en-CA" sz="2000" b="1" i="1" u="sng" smtClean="0">
+                                  <a:rPr lang="en-CA" sz="2000" b="1" i="1" u="none" smtClean="0">
                                     <a:latin typeface="Cambria Math" panose="02040503050406030204" pitchFamily="18" charset="0"/>
                                   </a:rPr>
                                   <m:t>𝒎𝒊𝒏</m:t>
                                 </m:r>
                                 <m:r>
-                                  <a:rPr lang="en-CA" sz="2000" b="1" i="1" u="sng" smtClean="0">
+                                  <a:rPr lang="en-CA" sz="2000" b="1" i="1" u="none" smtClean="0">
                                     <a:latin typeface="Cambria Math" panose="02040503050406030204" pitchFamily="18" charset="0"/>
                                   </a:rPr>
                                   <m:t>, </m:t>
                                 </m:r>
                                 <m:r>
-                                  <a:rPr lang="en-CA" sz="2000" b="1" i="1" u="sng" smtClean="0">
+                                  <a:rPr lang="en-CA" sz="2000" b="1" i="1" u="none" smtClean="0">
                                     <a:latin typeface="Cambria Math" panose="02040503050406030204" pitchFamily="18" charset="0"/>
                                   </a:rPr>
                                   <m:t>𝒎𝒂𝒙</m:t>
                                 </m:r>
                                 <m:r>
-                                  <a:rPr lang="en-CA" sz="2000" b="1" i="1" u="sng" smtClean="0">
+                                  <a:rPr lang="en-CA" sz="2000" b="1" i="1" u="none" smtClean="0">
                                     <a:latin typeface="Cambria Math" panose="02040503050406030204" pitchFamily="18" charset="0"/>
                                   </a:rPr>
                                   <m:t>}</m:t>
@@ -10866,7 +13958,7 @@
                               </m:oMath>
                             </m:oMathPara>
                           </a14:m>
-                          <a:endParaRPr lang="en-CA" sz="2000" b="1" u="sng" dirty="0"/>
+                          <a:endParaRPr lang="en-CA" sz="2000" b="1" u="none" dirty="0"/>
                         </a:p>
                       </a:txBody>
                       <a:tcPr anchor="ctr"/>
@@ -11037,14 +14129,14 @@
                                 <m:sSub>
                                   <m:sSubPr>
                                     <m:ctrlPr>
-                                      <a:rPr lang="en-CA" sz="2000" b="1" i="1" u="sng" smtClean="0">
+                                      <a:rPr lang="en-CA" sz="2000" b="1" i="1" u="none" smtClean="0">
                                         <a:latin typeface="Cambria Math" panose="02040503050406030204" pitchFamily="18" charset="0"/>
                                       </a:rPr>
                                     </m:ctrlPr>
                                   </m:sSubPr>
                                   <m:e>
                                     <m:r>
-                                      <a:rPr lang="en-CA" sz="2000" b="1" i="1" u="sng" smtClean="0">
+                                      <a:rPr lang="en-CA" sz="2000" b="1" i="1" u="none" smtClean="0">
                                         <a:latin typeface="Cambria Math" panose="02040503050406030204" pitchFamily="18" charset="0"/>
                                       </a:rPr>
                                       <m:t>𝑳</m:t>
@@ -11052,7 +14144,7 @@
                                   </m:e>
                                   <m:sub>
                                     <m:r>
-                                      <a:rPr lang="en-CA" sz="2000" b="1" i="1" u="sng" smtClean="0">
+                                      <a:rPr lang="en-CA" sz="2000" b="1" i="1" u="none" smtClean="0">
                                         <a:latin typeface="Cambria Math" panose="02040503050406030204" pitchFamily="18" charset="0"/>
                                       </a:rPr>
                                       <m:t>𝑭𝑰</m:t>
@@ -11060,43 +14152,43 @@
                                   </m:sub>
                                 </m:sSub>
                                 <m:r>
-                                  <a:rPr lang="en-CA" sz="2000" b="1" i="1" u="sng" smtClean="0">
+                                  <a:rPr lang="en-CA" sz="2000" b="1" i="1" u="none" smtClean="0">
                                     <a:latin typeface="Cambria Math" panose="02040503050406030204" pitchFamily="18" charset="0"/>
                                   </a:rPr>
                                   <m:t>∪{</m:t>
                                 </m:r>
                                 <m:r>
-                                  <a:rPr lang="en-CA" sz="2000" b="1" i="1" u="sng" smtClean="0">
+                                  <a:rPr lang="en-CA" sz="2000" b="1" i="1" u="none" smtClean="0">
                                     <a:latin typeface="Cambria Math" panose="02040503050406030204" pitchFamily="18" charset="0"/>
                                   </a:rPr>
                                   <m:t>𝒂𝒗𝒈</m:t>
                                 </m:r>
                                 <m:r>
-                                  <a:rPr lang="en-CA" sz="2000" b="1" i="1" u="sng" smtClean="0">
+                                  <a:rPr lang="en-CA" sz="2000" b="1" i="1" u="none" smtClean="0">
                                     <a:latin typeface="Cambria Math" panose="02040503050406030204" pitchFamily="18" charset="0"/>
                                   </a:rPr>
                                   <m:t>, </m:t>
                                 </m:r>
                                 <m:r>
-                                  <a:rPr lang="en-CA" sz="2000" b="1" i="1" u="sng" smtClean="0">
+                                  <a:rPr lang="en-CA" sz="2000" b="1" i="1" u="none" smtClean="0">
                                     <a:latin typeface="Cambria Math" panose="02040503050406030204" pitchFamily="18" charset="0"/>
                                   </a:rPr>
                                   <m:t>𝒎𝒊𝒏</m:t>
                                 </m:r>
                                 <m:r>
-                                  <a:rPr lang="en-CA" sz="2000" b="1" i="1" u="sng" smtClean="0">
+                                  <a:rPr lang="en-CA" sz="2000" b="1" i="1" u="none" smtClean="0">
                                     <a:latin typeface="Cambria Math" panose="02040503050406030204" pitchFamily="18" charset="0"/>
                                   </a:rPr>
                                   <m:t>, </m:t>
                                 </m:r>
                                 <m:r>
-                                  <a:rPr lang="en-CA" sz="2000" b="1" i="1" u="sng" smtClean="0">
+                                  <a:rPr lang="en-CA" sz="2000" b="1" i="1" u="none" smtClean="0">
                                     <a:latin typeface="Cambria Math" panose="02040503050406030204" pitchFamily="18" charset="0"/>
                                   </a:rPr>
                                   <m:t>𝒎𝒂𝒙</m:t>
                                 </m:r>
                                 <m:r>
-                                  <a:rPr lang="en-CA" sz="2000" b="1" i="1" u="sng" smtClean="0">
+                                  <a:rPr lang="en-CA" sz="2000" b="1" i="1" u="none" smtClean="0">
                                     <a:latin typeface="Cambria Math" panose="02040503050406030204" pitchFamily="18" charset="0"/>
                                   </a:rPr>
                                   <m:t>}</m:t>
@@ -11104,7 +14196,7 @@
                               </m:oMath>
                             </m:oMathPara>
                           </a14:m>
-                          <a:endParaRPr lang="en-CA" sz="2000" b="1" u="sng" dirty="0"/>
+                          <a:endParaRPr lang="en-CA" sz="2000" b="1" u="none" dirty="0"/>
                         </a:p>
                       </a:txBody>
                       <a:tcPr anchor="ctr"/>
@@ -11131,7 +14223,7 @@
                 <p:ph idx="1"/>
                 <p:extLst>
                   <p:ext uri="{D42A27DB-BD31-4B8C-83A1-F6EECF244321}">
-                    <p14:modId xmlns:p14="http://schemas.microsoft.com/office/powerpoint/2010/main" val="2795055958"/>
+                    <p14:modId xmlns:p14="http://schemas.microsoft.com/office/powerpoint/2010/main" val="4291528544"/>
                   </p:ext>
                 </p:extLst>
               </p:nvPr>

--- a/GPP_Defense.pptx
+++ b/GPP_Defense.pptx
@@ -5,10 +5,10 @@
     <p:sldMasterId id="2147483648" r:id="rId2"/>
   </p:sldMasterIdLst>
   <p:notesMasterIdLst>
-    <p:notesMasterId r:id="rId27"/>
+    <p:notesMasterId r:id="rId28"/>
   </p:notesMasterIdLst>
   <p:handoutMasterIdLst>
-    <p:handoutMasterId r:id="rId28"/>
+    <p:handoutMasterId r:id="rId29"/>
   </p:handoutMasterIdLst>
   <p:sldIdLst>
     <p:sldId id="256" r:id="rId3"/>
@@ -34,7 +34,8 @@
     <p:sldId id="287" r:id="rId23"/>
     <p:sldId id="288" r:id="rId24"/>
     <p:sldId id="289" r:id="rId25"/>
-    <p:sldId id="274" r:id="rId26"/>
+    <p:sldId id="290" r:id="rId26"/>
+    <p:sldId id="274" r:id="rId27"/>
   </p:sldIdLst>
   <p:sldSz cx="12192000" cy="6858000"/>
   <p:notesSz cx="6858000" cy="9144000"/>
@@ -161,6 +162,7 @@
             <p14:sldId id="287"/>
             <p14:sldId id="288"/>
             <p14:sldId id="289"/>
+            <p14:sldId id="290"/>
             <p14:sldId id="274"/>
           </p14:sldIdLst>
         </p14:section>
@@ -853,6 +855,14 @@
           <a:bodyPr/>
           <a:lstStyle/>
           <a:p>
+            <a:r>
+              <a:rPr lang="en-CA" dirty="0"/>
+              <a:t>The marginal difference from 70-30 to 80-20 is small, but it</a:t>
+            </a:r>
+            <a:r>
+              <a:rPr lang="en-CA" baseline="0" dirty="0"/>
+              <a:t> is much larger in the 80-20 to 90-10. This implies that the shorter range of testing data is NOT the only reason for stronger fitness</a:t>
+            </a:r>
             <a:endParaRPr lang="en-CA" dirty="0"/>
           </a:p>
         </p:txBody>
@@ -874,7 +884,7 @@
           <a:p>
             <a:fld id="{0A3C37BE-C303-496D-B5CD-85F2937540FC}" type="slidenum">
               <a:rPr lang="en-CA" smtClean="0"/>
-              <a:t>18</a:t>
+              <a:t>17</a:t>
             </a:fld>
             <a:endParaRPr lang="en-CA"/>
           </a:p>
@@ -883,7 +893,7 @@
     </p:spTree>
     <p:extLst>
       <p:ext uri="{BB962C8B-B14F-4D97-AF65-F5344CB8AC3E}">
-        <p14:creationId xmlns:p14="http://schemas.microsoft.com/office/powerpoint/2010/main" val="126510921"/>
+        <p14:creationId xmlns:p14="http://schemas.microsoft.com/office/powerpoint/2010/main" val="4061684247"/>
       </p:ext>
     </p:extLst>
   </p:cSld>
@@ -958,7 +968,7 @@
           <a:p>
             <a:fld id="{0A3C37BE-C303-496D-B5CD-85F2937540FC}" type="slidenum">
               <a:rPr lang="en-CA" smtClean="0"/>
-              <a:t>19</a:t>
+              <a:t>18</a:t>
             </a:fld>
             <a:endParaRPr lang="en-CA"/>
           </a:p>
@@ -967,7 +977,7 @@
     </p:spTree>
     <p:extLst>
       <p:ext uri="{BB962C8B-B14F-4D97-AF65-F5344CB8AC3E}">
-        <p14:creationId xmlns:p14="http://schemas.microsoft.com/office/powerpoint/2010/main" val="3289096373"/>
+        <p14:creationId xmlns:p14="http://schemas.microsoft.com/office/powerpoint/2010/main" val="126510921"/>
       </p:ext>
     </p:extLst>
   </p:cSld>
@@ -1021,18 +1031,6 @@
           <a:bodyPr/>
           <a:lstStyle/>
           <a:p>
-            <a:r>
-              <a:rPr lang="en-CA" baseline="0" dirty="0"/>
-              <a:t>L</a:t>
-            </a:r>
-            <a:r>
-              <a:rPr lang="en-CA" baseline="-25000" dirty="0"/>
-              <a:t>IF</a:t>
-            </a:r>
-            <a:r>
-              <a:rPr lang="en-CA" baseline="0" dirty="0"/>
-              <a:t> performs better in all cases, but also yields more outliers</a:t>
-            </a:r>
             <a:endParaRPr lang="en-CA" dirty="0"/>
           </a:p>
         </p:txBody>
@@ -1054,7 +1052,7 @@
           <a:p>
             <a:fld id="{0A3C37BE-C303-496D-B5CD-85F2937540FC}" type="slidenum">
               <a:rPr lang="en-CA" smtClean="0"/>
-              <a:t>20</a:t>
+              <a:t>19</a:t>
             </a:fld>
             <a:endParaRPr lang="en-CA"/>
           </a:p>
@@ -1063,7 +1061,7 @@
     </p:spTree>
     <p:extLst>
       <p:ext uri="{BB962C8B-B14F-4D97-AF65-F5344CB8AC3E}">
-        <p14:creationId xmlns:p14="http://schemas.microsoft.com/office/powerpoint/2010/main" val="1700676884"/>
+        <p14:creationId xmlns:p14="http://schemas.microsoft.com/office/powerpoint/2010/main" val="3289096373"/>
       </p:ext>
     </p:extLst>
   </p:cSld>
@@ -1118,9 +1116,18 @@
           <a:lstStyle/>
           <a:p>
             <a:r>
-              <a:rPr lang="en-CA" dirty="0"/>
-              <a:t>NOTE: All on 90-10 splits.</a:t>
-            </a:r>
+              <a:rPr lang="en-CA" baseline="0" dirty="0"/>
+              <a:t>L</a:t>
+            </a:r>
+            <a:r>
+              <a:rPr lang="en-CA" baseline="-25000" dirty="0"/>
+              <a:t>IF</a:t>
+            </a:r>
+            <a:r>
+              <a:rPr lang="en-CA" baseline="0" dirty="0"/>
+              <a:t> performs better in all cases, but also yields more outliers</a:t>
+            </a:r>
+            <a:endParaRPr lang="en-CA" dirty="0"/>
           </a:p>
         </p:txBody>
       </p:sp>
@@ -1141,7 +1148,7 @@
           <a:p>
             <a:fld id="{0A3C37BE-C303-496D-B5CD-85F2937540FC}" type="slidenum">
               <a:rPr lang="en-CA" smtClean="0"/>
-              <a:t>22</a:t>
+              <a:t>20</a:t>
             </a:fld>
             <a:endParaRPr lang="en-CA"/>
           </a:p>
@@ -1150,7 +1157,7 @@
     </p:spTree>
     <p:extLst>
       <p:ext uri="{BB962C8B-B14F-4D97-AF65-F5344CB8AC3E}">
-        <p14:creationId xmlns:p14="http://schemas.microsoft.com/office/powerpoint/2010/main" val="3983224020"/>
+        <p14:creationId xmlns:p14="http://schemas.microsoft.com/office/powerpoint/2010/main" val="1700676884"/>
       </p:ext>
     </p:extLst>
   </p:cSld>
@@ -1228,6 +1235,93 @@
           <a:p>
             <a:fld id="{0A3C37BE-C303-496D-B5CD-85F2937540FC}" type="slidenum">
               <a:rPr lang="en-CA" smtClean="0"/>
+              <a:t>22</a:t>
+            </a:fld>
+            <a:endParaRPr lang="en-CA"/>
+          </a:p>
+        </p:txBody>
+      </p:sp>
+    </p:spTree>
+    <p:extLst>
+      <p:ext uri="{BB962C8B-B14F-4D97-AF65-F5344CB8AC3E}">
+        <p14:creationId xmlns:p14="http://schemas.microsoft.com/office/powerpoint/2010/main" val="3983224020"/>
+      </p:ext>
+    </p:extLst>
+  </p:cSld>
+  <p:clrMapOvr>
+    <a:masterClrMapping/>
+  </p:clrMapOvr>
+</p:notes>
+</file>
+
+<file path=ppt/notesSlides/notesSlide15.xml><?xml version="1.0" encoding="utf-8"?>
+<p:notes xmlns:a="http://schemas.openxmlformats.org/drawingml/2006/main" xmlns:r="http://schemas.openxmlformats.org/officeDocument/2006/relationships" xmlns:p="http://schemas.openxmlformats.org/presentationml/2006/main">
+  <p:cSld>
+    <p:spTree>
+      <p:nvGrpSpPr>
+        <p:cNvPr id="1" name=""/>
+        <p:cNvGrpSpPr/>
+        <p:nvPr/>
+      </p:nvGrpSpPr>
+      <p:grpSpPr>
+        <a:xfrm>
+          <a:off x="0" y="0"/>
+          <a:ext cx="0" cy="0"/>
+          <a:chOff x="0" y="0"/>
+          <a:chExt cx="0" cy="0"/>
+        </a:xfrm>
+      </p:grpSpPr>
+      <p:sp>
+        <p:nvSpPr>
+          <p:cNvPr id="2" name="Slide Image Placeholder 1"/>
+          <p:cNvSpPr>
+            <a:spLocks noGrp="1" noRot="1" noChangeAspect="1"/>
+          </p:cNvSpPr>
+          <p:nvPr>
+            <p:ph type="sldImg"/>
+          </p:nvPr>
+        </p:nvSpPr>
+        <p:spPr/>
+      </p:sp>
+      <p:sp>
+        <p:nvSpPr>
+          <p:cNvPr id="3" name="Notes Placeholder 2"/>
+          <p:cNvSpPr>
+            <a:spLocks noGrp="1"/>
+          </p:cNvSpPr>
+          <p:nvPr>
+            <p:ph type="body" idx="1"/>
+          </p:nvPr>
+        </p:nvSpPr>
+        <p:spPr/>
+        <p:txBody>
+          <a:bodyPr/>
+          <a:lstStyle/>
+          <a:p>
+            <a:r>
+              <a:rPr lang="en-CA" dirty="0"/>
+              <a:t>NOTE: All on 90-10 splits.</a:t>
+            </a:r>
+          </a:p>
+        </p:txBody>
+      </p:sp>
+      <p:sp>
+        <p:nvSpPr>
+          <p:cNvPr id="4" name="Slide Number Placeholder 3"/>
+          <p:cNvSpPr>
+            <a:spLocks noGrp="1"/>
+          </p:cNvSpPr>
+          <p:nvPr>
+            <p:ph type="sldNum" sz="quarter" idx="10"/>
+          </p:nvPr>
+        </p:nvSpPr>
+        <p:spPr/>
+        <p:txBody>
+          <a:bodyPr/>
+          <a:lstStyle/>
+          <a:p>
+            <a:fld id="{0A3C37BE-C303-496D-B5CD-85F2937540FC}" type="slidenum">
+              <a:rPr lang="en-CA" smtClean="0"/>
               <a:t>23</a:t>
             </a:fld>
             <a:endParaRPr lang="en-CA"/>
@@ -1238,6 +1332,174 @@
     <p:extLst>
       <p:ext uri="{BB962C8B-B14F-4D97-AF65-F5344CB8AC3E}">
         <p14:creationId xmlns:p14="http://schemas.microsoft.com/office/powerpoint/2010/main" val="679213028"/>
+      </p:ext>
+    </p:extLst>
+  </p:cSld>
+  <p:clrMapOvr>
+    <a:masterClrMapping/>
+  </p:clrMapOvr>
+</p:notes>
+</file>
+
+<file path=ppt/notesSlides/notesSlide16.xml><?xml version="1.0" encoding="utf-8"?>
+<p:notes xmlns:a="http://schemas.openxmlformats.org/drawingml/2006/main" xmlns:r="http://schemas.openxmlformats.org/officeDocument/2006/relationships" xmlns:p="http://schemas.openxmlformats.org/presentationml/2006/main">
+  <p:cSld>
+    <p:spTree>
+      <p:nvGrpSpPr>
+        <p:cNvPr id="1" name=""/>
+        <p:cNvGrpSpPr/>
+        <p:nvPr/>
+      </p:nvGrpSpPr>
+      <p:grpSpPr>
+        <a:xfrm>
+          <a:off x="0" y="0"/>
+          <a:ext cx="0" cy="0"/>
+          <a:chOff x="0" y="0"/>
+          <a:chExt cx="0" cy="0"/>
+        </a:xfrm>
+      </p:grpSpPr>
+      <p:sp>
+        <p:nvSpPr>
+          <p:cNvPr id="2" name="Slide Image Placeholder 1"/>
+          <p:cNvSpPr>
+            <a:spLocks noGrp="1" noRot="1" noChangeAspect="1"/>
+          </p:cNvSpPr>
+          <p:nvPr>
+            <p:ph type="sldImg"/>
+          </p:nvPr>
+        </p:nvSpPr>
+        <p:spPr/>
+      </p:sp>
+      <p:sp>
+        <p:nvSpPr>
+          <p:cNvPr id="3" name="Notes Placeholder 2"/>
+          <p:cNvSpPr>
+            <a:spLocks noGrp="1"/>
+          </p:cNvSpPr>
+          <p:nvPr>
+            <p:ph type="body" idx="1"/>
+          </p:nvPr>
+        </p:nvSpPr>
+        <p:spPr/>
+        <p:txBody>
+          <a:bodyPr/>
+          <a:lstStyle/>
+          <a:p>
+            <a:endParaRPr lang="en-CA" dirty="0"/>
+          </a:p>
+        </p:txBody>
+      </p:sp>
+      <p:sp>
+        <p:nvSpPr>
+          <p:cNvPr id="4" name="Slide Number Placeholder 3"/>
+          <p:cNvSpPr>
+            <a:spLocks noGrp="1"/>
+          </p:cNvSpPr>
+          <p:nvPr>
+            <p:ph type="sldNum" sz="quarter" idx="10"/>
+          </p:nvPr>
+        </p:nvSpPr>
+        <p:spPr/>
+        <p:txBody>
+          <a:bodyPr/>
+          <a:lstStyle/>
+          <a:p>
+            <a:fld id="{0A3C37BE-C303-496D-B5CD-85F2937540FC}" type="slidenum">
+              <a:rPr lang="en-CA" smtClean="0"/>
+              <a:t>24</a:t>
+            </a:fld>
+            <a:endParaRPr lang="en-CA"/>
+          </a:p>
+        </p:txBody>
+      </p:sp>
+    </p:spTree>
+    <p:extLst>
+      <p:ext uri="{BB962C8B-B14F-4D97-AF65-F5344CB8AC3E}">
+        <p14:creationId xmlns:p14="http://schemas.microsoft.com/office/powerpoint/2010/main" val="710688171"/>
+      </p:ext>
+    </p:extLst>
+  </p:cSld>
+  <p:clrMapOvr>
+    <a:masterClrMapping/>
+  </p:clrMapOvr>
+</p:notes>
+</file>
+
+<file path=ppt/notesSlides/notesSlide17.xml><?xml version="1.0" encoding="utf-8"?>
+<p:notes xmlns:a="http://schemas.openxmlformats.org/drawingml/2006/main" xmlns:r="http://schemas.openxmlformats.org/officeDocument/2006/relationships" xmlns:p="http://schemas.openxmlformats.org/presentationml/2006/main">
+  <p:cSld>
+    <p:spTree>
+      <p:nvGrpSpPr>
+        <p:cNvPr id="1" name=""/>
+        <p:cNvGrpSpPr/>
+        <p:nvPr/>
+      </p:nvGrpSpPr>
+      <p:grpSpPr>
+        <a:xfrm>
+          <a:off x="0" y="0"/>
+          <a:ext cx="0" cy="0"/>
+          <a:chOff x="0" y="0"/>
+          <a:chExt cx="0" cy="0"/>
+        </a:xfrm>
+      </p:grpSpPr>
+      <p:sp>
+        <p:nvSpPr>
+          <p:cNvPr id="2" name="Slide Image Placeholder 1"/>
+          <p:cNvSpPr>
+            <a:spLocks noGrp="1" noRot="1" noChangeAspect="1"/>
+          </p:cNvSpPr>
+          <p:nvPr>
+            <p:ph type="sldImg"/>
+          </p:nvPr>
+        </p:nvSpPr>
+        <p:spPr/>
+      </p:sp>
+      <p:sp>
+        <p:nvSpPr>
+          <p:cNvPr id="3" name="Notes Placeholder 2"/>
+          <p:cNvSpPr>
+            <a:spLocks noGrp="1"/>
+          </p:cNvSpPr>
+          <p:nvPr>
+            <p:ph type="body" idx="1"/>
+          </p:nvPr>
+        </p:nvSpPr>
+        <p:spPr/>
+        <p:txBody>
+          <a:bodyPr/>
+          <a:lstStyle/>
+          <a:p>
+            <a:endParaRPr lang="en-CA" dirty="0"/>
+          </a:p>
+        </p:txBody>
+      </p:sp>
+      <p:sp>
+        <p:nvSpPr>
+          <p:cNvPr id="4" name="Slide Number Placeholder 3"/>
+          <p:cNvSpPr>
+            <a:spLocks noGrp="1"/>
+          </p:cNvSpPr>
+          <p:nvPr>
+            <p:ph type="sldNum" sz="quarter" idx="10"/>
+          </p:nvPr>
+        </p:nvSpPr>
+        <p:spPr/>
+        <p:txBody>
+          <a:bodyPr/>
+          <a:lstStyle/>
+          <a:p>
+            <a:fld id="{0A3C37BE-C303-496D-B5CD-85F2937540FC}" type="slidenum">
+              <a:rPr lang="en-CA" smtClean="0"/>
+              <a:t>25</a:t>
+            </a:fld>
+            <a:endParaRPr lang="en-CA"/>
+          </a:p>
+        </p:txBody>
+      </p:sp>
+    </p:spTree>
+    <p:extLst>
+      <p:ext uri="{BB962C8B-B14F-4D97-AF65-F5344CB8AC3E}">
+        <p14:creationId xmlns:p14="http://schemas.microsoft.com/office/powerpoint/2010/main" val="2303083875"/>
       </p:ext>
     </p:extLst>
   </p:cSld>
@@ -10582,7 +10844,7 @@
           <a:p>
             <a:r>
               <a:rPr lang="en-CA" dirty="0"/>
-              <a:t>References</a:t>
+              <a:t>Conclusions</a:t>
             </a:r>
           </a:p>
         </p:txBody>
@@ -10603,6 +10865,145 @@
           <a:lstStyle/>
           <a:p>
             <a:r>
+              <a:rPr lang="en-CA" dirty="0"/>
+              <a:t>Highly dependent on use-case</a:t>
+            </a:r>
+          </a:p>
+          <a:p>
+            <a:r>
+              <a:rPr lang="en-CA" dirty="0"/>
+              <a:t>Highly improved performance in advanced languages</a:t>
+            </a:r>
+          </a:p>
+          <a:p>
+            <a:pPr lvl="1"/>
+            <a:r>
+              <a:rPr lang="en-CA" dirty="0"/>
+              <a:t>Short-term – </a:t>
+            </a:r>
+            <a:r>
+              <a:rPr lang="en-CA" b="1" i="1" dirty="0"/>
+              <a:t>L</a:t>
+            </a:r>
+            <a:r>
+              <a:rPr lang="en-CA" b="1" i="1" baseline="-25000" dirty="0"/>
+              <a:t>FI</a:t>
+            </a:r>
+            <a:r>
+              <a:rPr lang="en-CA" b="1" i="1" dirty="0"/>
+              <a:t> </a:t>
+            </a:r>
+            <a:endParaRPr lang="en-CA" b="1" i="1" baseline="-25000" dirty="0"/>
+          </a:p>
+          <a:p>
+            <a:pPr lvl="1"/>
+            <a:r>
+              <a:rPr lang="en-CA" dirty="0"/>
+              <a:t>Long-term – </a:t>
+            </a:r>
+            <a:r>
+              <a:rPr lang="en-CA" b="1" i="1" dirty="0"/>
+              <a:t>L</a:t>
+            </a:r>
+            <a:r>
+              <a:rPr lang="en-CA" b="1" i="1" baseline="-25000" dirty="0"/>
+              <a:t>FI’</a:t>
+            </a:r>
+          </a:p>
+          <a:p>
+            <a:r>
+              <a:rPr lang="en-CA" dirty="0"/>
+              <a:t>Volatility in financial functions</a:t>
+            </a:r>
+          </a:p>
+          <a:p>
+            <a:r>
+              <a:rPr lang="en-CA" dirty="0"/>
+              <a:t>Smooth average</a:t>
+            </a:r>
+          </a:p>
+        </p:txBody>
+      </p:sp>
+    </p:spTree>
+    <p:extLst>
+      <p:ext uri="{BB962C8B-B14F-4D97-AF65-F5344CB8AC3E}">
+        <p14:creationId xmlns:p14="http://schemas.microsoft.com/office/powerpoint/2010/main" val="64266169"/>
+      </p:ext>
+    </p:extLst>
+  </p:cSld>
+  <p:clrMapOvr>
+    <a:masterClrMapping/>
+  </p:clrMapOvr>
+  <mc:AlternateContent xmlns:mc="http://schemas.openxmlformats.org/markup-compatibility/2006" xmlns:p14="http://schemas.microsoft.com/office/powerpoint/2010/main">
+    <mc:Choice Requires="p14">
+      <p:transition spd="med" p14:dur="700">
+        <p:fade/>
+      </p:transition>
+    </mc:Choice>
+    <mc:Fallback xmlns="">
+      <p:transition spd="med">
+        <p:fade/>
+      </p:transition>
+    </mc:Fallback>
+  </mc:AlternateContent>
+</p:sld>
+</file>
+
+<file path=ppt/slides/slide25.xml><?xml version="1.0" encoding="utf-8"?>
+<p:sld xmlns:a="http://schemas.openxmlformats.org/drawingml/2006/main" xmlns:r="http://schemas.openxmlformats.org/officeDocument/2006/relationships" xmlns:p="http://schemas.openxmlformats.org/presentationml/2006/main">
+  <p:cSld>
+    <p:spTree>
+      <p:nvGrpSpPr>
+        <p:cNvPr id="1" name=""/>
+        <p:cNvGrpSpPr/>
+        <p:nvPr/>
+      </p:nvGrpSpPr>
+      <p:grpSpPr>
+        <a:xfrm>
+          <a:off x="0" y="0"/>
+          <a:ext cx="0" cy="0"/>
+          <a:chOff x="0" y="0"/>
+          <a:chExt cx="0" cy="0"/>
+        </a:xfrm>
+      </p:grpSpPr>
+      <p:sp>
+        <p:nvSpPr>
+          <p:cNvPr id="2" name="Title 1"/>
+          <p:cNvSpPr>
+            <a:spLocks noGrp="1"/>
+          </p:cNvSpPr>
+          <p:nvPr>
+            <p:ph type="title"/>
+          </p:nvPr>
+        </p:nvSpPr>
+        <p:spPr/>
+        <p:txBody>
+          <a:bodyPr/>
+          <a:lstStyle/>
+          <a:p>
+            <a:r>
+              <a:rPr lang="en-CA" dirty="0"/>
+              <a:t>References</a:t>
+            </a:r>
+          </a:p>
+        </p:txBody>
+      </p:sp>
+      <p:sp>
+        <p:nvSpPr>
+          <p:cNvPr id="3" name="Content Placeholder 2"/>
+          <p:cNvSpPr>
+            <a:spLocks noGrp="1"/>
+          </p:cNvSpPr>
+          <p:nvPr>
+            <p:ph idx="1"/>
+          </p:nvPr>
+        </p:nvSpPr>
+        <p:spPr/>
+        <p:txBody>
+          <a:bodyPr/>
+          <a:lstStyle/>
+          <a:p>
+            <a:r>
               <a:rPr lang="en-CA" dirty="0" err="1"/>
               <a:t>Minkyu</a:t>
             </a:r>
@@ -10624,7 +11025,7 @@
             </a:r>
             <a:r>
               <a:rPr lang="en-CA" dirty="0"/>
-              <a:t> 6:178-194, 2009</a:t>
+              <a:t> 6:178-194, 2009 [1]</a:t>
             </a:r>
           </a:p>
           <a:p>
@@ -12898,9 +13299,12 @@
             </a:r>
             <a:r>
               <a:rPr lang="en-CA" i="1" dirty="0"/>
-              <a:t>et al. [1]</a:t>
-            </a:r>
-            <a:endParaRPr lang="en-CA" dirty="0"/>
+              <a:t>et al. </a:t>
+            </a:r>
+            <a:r>
+              <a:rPr lang="en-CA" dirty="0"/>
+              <a:t>[1]</a:t>
+            </a:r>
           </a:p>
         </p:txBody>
       </p:sp>
@@ -13483,8 +13887,8 @@
           </a:p>
         </p:txBody>
       </p:sp>
-      <mc:AlternateContent xmlns:mc="http://schemas.openxmlformats.org/markup-compatibility/2006">
-        <mc:Choice xmlns:a14="http://schemas.microsoft.com/office/drawing/2010/main" Requires="a14">
+      <mc:AlternateContent xmlns:mc="http://schemas.openxmlformats.org/markup-compatibility/2006" xmlns:a14="http://schemas.microsoft.com/office/drawing/2010/main">
+        <mc:Choice Requires="a14">
           <p:graphicFrame>
             <p:nvGraphicFramePr>
               <p:cNvPr id="4" name="Content Placeholder 3"/>
@@ -14212,7 +14616,7 @@
             </a:graphic>
           </p:graphicFrame>
         </mc:Choice>
-        <mc:Fallback>
+        <mc:Fallback xmlns="">
           <p:graphicFrame>
             <p:nvGraphicFramePr>
               <p:cNvPr id="4" name="Content Placeholder 3"/>

--- a/GPP_Defense.pptx
+++ b/GPP_Defense.pptx
@@ -762,6 +762,10 @@
             <a:br>
               <a:rPr lang="en-CA" dirty="0"/>
             </a:br>
+            <a:r>
+              <a:rPr lang="en-CA" dirty="0"/>
+              <a:t/>
+            </a:r>
             <a:br>
               <a:rPr lang="en-CA" dirty="0"/>
             </a:br>
@@ -773,9 +777,17 @@
               <a:rPr lang="en-CA" baseline="0" dirty="0"/>
               <a:t> we use ensemble learning to not rely on a single run.</a:t>
             </a:r>
+            <a:r>
+              <a:rPr lang="en-CA" dirty="0"/>
+              <a:t/>
+            </a:r>
             <a:br>
               <a:rPr lang="en-CA" dirty="0"/>
             </a:br>
+            <a:r>
+              <a:rPr lang="en-CA" dirty="0"/>
+              <a:t/>
+            </a:r>
             <a:br>
               <a:rPr lang="en-CA" dirty="0"/>
             </a:br>
@@ -7010,6 +7022,13 @@
       </p:transition>
     </mc:Fallback>
   </mc:AlternateContent>
+  <p:timing>
+    <p:tnLst>
+      <p:par>
+        <p:cTn id="1" dur="indefinite" restart="never" nodeType="tmRoot"/>
+      </p:par>
+    </p:tnLst>
+  </p:timing>
 </p:sld>
 </file>
 
@@ -7093,6 +7112,13 @@
       </p:transition>
     </mc:Fallback>
   </mc:AlternateContent>
+  <p:timing>
+    <p:tnLst>
+      <p:par>
+        <p:cTn id="1" dur="indefinite" restart="never" nodeType="tmRoot"/>
+      </p:par>
+    </p:tnLst>
+  </p:timing>
 </p:sld>
 </file>
 
@@ -7166,14 +7192,14 @@
                     <a:gridCol w="4990307">
                       <a:extLst>
                         <a:ext uri="{9D8B030D-6E8A-4147-A177-3AD203B41FA5}">
-                          <a16:colId xmlns:a16="http://schemas.microsoft.com/office/drawing/2014/main" val="452220581"/>
+                          <a16:colId xmlns:a16="http://schemas.microsoft.com/office/drawing/2014/main" xmlns="" val="452220581"/>
                         </a:ext>
                       </a:extLst>
                     </a:gridCol>
                     <a:gridCol w="4990307">
                       <a:extLst>
                         <a:ext uri="{9D8B030D-6E8A-4147-A177-3AD203B41FA5}">
-                          <a16:colId xmlns:a16="http://schemas.microsoft.com/office/drawing/2014/main" val="82609379"/>
+                          <a16:colId xmlns:a16="http://schemas.microsoft.com/office/drawing/2014/main" xmlns="" val="82609379"/>
                         </a:ext>
                       </a:extLst>
                     </a:gridCol>
@@ -7209,7 +7235,7 @@
                     </a:tc>
                     <a:extLst>
                       <a:ext uri="{0D108BD9-81ED-4DB2-BD59-A6C34878D82A}">
-                        <a16:rowId xmlns:a16="http://schemas.microsoft.com/office/drawing/2014/main" val="3654672897"/>
+                        <a16:rowId xmlns:a16="http://schemas.microsoft.com/office/drawing/2014/main" xmlns="" val="3654672897"/>
                       </a:ext>
                     </a:extLst>
                   </a:tr>
@@ -7321,7 +7347,7 @@
                     </a:tc>
                     <a:extLst>
                       <a:ext uri="{0D108BD9-81ED-4DB2-BD59-A6C34878D82A}">
-                        <a16:rowId xmlns:a16="http://schemas.microsoft.com/office/drawing/2014/main" val="2083470743"/>
+                        <a16:rowId xmlns:a16="http://schemas.microsoft.com/office/drawing/2014/main" xmlns="" val="2083470743"/>
                       </a:ext>
                     </a:extLst>
                   </a:tr>
@@ -7391,7 +7417,7 @@
                     </a:tc>
                     <a:extLst>
                       <a:ext uri="{0D108BD9-81ED-4DB2-BD59-A6C34878D82A}">
-                        <a16:rowId xmlns:a16="http://schemas.microsoft.com/office/drawing/2014/main" val="1427336378"/>
+                        <a16:rowId xmlns:a16="http://schemas.microsoft.com/office/drawing/2014/main" xmlns="" val="1427336378"/>
                       </a:ext>
                     </a:extLst>
                   </a:tr>
@@ -7504,7 +7530,7 @@
                     </a:tc>
                     <a:extLst>
                       <a:ext uri="{0D108BD9-81ED-4DB2-BD59-A6C34878D82A}">
-                        <a16:rowId xmlns:a16="http://schemas.microsoft.com/office/drawing/2014/main" val="1548791112"/>
+                        <a16:rowId xmlns:a16="http://schemas.microsoft.com/office/drawing/2014/main" xmlns="" val="1548791112"/>
                       </a:ext>
                     </a:extLst>
                   </a:tr>
@@ -7617,7 +7643,7 @@
                     </a:tc>
                     <a:extLst>
                       <a:ext uri="{0D108BD9-81ED-4DB2-BD59-A6C34878D82A}">
-                        <a16:rowId xmlns:a16="http://schemas.microsoft.com/office/drawing/2014/main" val="3273923411"/>
+                        <a16:rowId xmlns:a16="http://schemas.microsoft.com/office/drawing/2014/main" xmlns="" val="3273923411"/>
                       </a:ext>
                     </a:extLst>
                   </a:tr>
@@ -7742,7 +7768,7 @@
                     </a:tc>
                     <a:extLst>
                       <a:ext uri="{0D108BD9-81ED-4DB2-BD59-A6C34878D82A}">
-                        <a16:rowId xmlns:a16="http://schemas.microsoft.com/office/drawing/2014/main" val="500252021"/>
+                        <a16:rowId xmlns:a16="http://schemas.microsoft.com/office/drawing/2014/main" xmlns="" val="500252021"/>
                       </a:ext>
                     </a:extLst>
                   </a:tr>
@@ -7855,7 +7881,7 @@
                     </a:tc>
                     <a:extLst>
                       <a:ext uri="{0D108BD9-81ED-4DB2-BD59-A6C34878D82A}">
-                        <a16:rowId xmlns:a16="http://schemas.microsoft.com/office/drawing/2014/main" val="1990218277"/>
+                        <a16:rowId xmlns:a16="http://schemas.microsoft.com/office/drawing/2014/main" xmlns="" val="1990218277"/>
                       </a:ext>
                     </a:extLst>
                   </a:tr>
@@ -8222,6 +8248,13 @@
       </p:transition>
     </mc:Fallback>
   </mc:AlternateContent>
+  <p:timing>
+    <p:tnLst>
+      <p:par>
+        <p:cTn id="1" dur="indefinite" restart="never" nodeType="tmRoot"/>
+      </p:par>
+    </p:tnLst>
+  </p:timing>
 </p:sld>
 </file>
 
@@ -8410,6 +8443,13 @@
       </p:transition>
     </mc:Fallback>
   </mc:AlternateContent>
+  <p:timing>
+    <p:tnLst>
+      <p:par>
+        <p:cTn id="1" dur="indefinite" restart="never" nodeType="tmRoot"/>
+      </p:par>
+    </p:tnLst>
+  </p:timing>
 </p:sld>
 </file>
 
@@ -8602,6 +8642,13 @@
       </p:transition>
     </mc:Fallback>
   </mc:AlternateContent>
+  <p:timing>
+    <p:tnLst>
+      <p:par>
+        <p:cTn id="1" dur="indefinite" restart="never" nodeType="tmRoot"/>
+      </p:par>
+    </p:tnLst>
+  </p:timing>
 </p:sld>
 </file>
 
@@ -8783,6 +8830,13 @@
       </p:transition>
     </mc:Fallback>
   </mc:AlternateContent>
+  <p:timing>
+    <p:tnLst>
+      <p:par>
+        <p:cTn id="1" dur="indefinite" restart="never" nodeType="tmRoot"/>
+      </p:par>
+    </p:tnLst>
+  </p:timing>
 </p:sld>
 </file>
 
@@ -8854,28 +8908,28 @@
                 <a:gridCol w="2495550">
                   <a:extLst>
                     <a:ext uri="{9D8B030D-6E8A-4147-A177-3AD203B41FA5}">
-                      <a16:colId xmlns:a16="http://schemas.microsoft.com/office/drawing/2014/main" val="1063830725"/>
+                      <a16:colId xmlns:a16="http://schemas.microsoft.com/office/drawing/2014/main" xmlns="" val="1063830725"/>
                     </a:ext>
                   </a:extLst>
                 </a:gridCol>
                 <a:gridCol w="2495550">
                   <a:extLst>
                     <a:ext uri="{9D8B030D-6E8A-4147-A177-3AD203B41FA5}">
-                      <a16:colId xmlns:a16="http://schemas.microsoft.com/office/drawing/2014/main" val="2742314196"/>
+                      <a16:colId xmlns:a16="http://schemas.microsoft.com/office/drawing/2014/main" xmlns="" val="2742314196"/>
                     </a:ext>
                   </a:extLst>
                 </a:gridCol>
                 <a:gridCol w="2495550">
                   <a:extLst>
                     <a:ext uri="{9D8B030D-6E8A-4147-A177-3AD203B41FA5}">
-                      <a16:colId xmlns:a16="http://schemas.microsoft.com/office/drawing/2014/main" val="1344616909"/>
+                      <a16:colId xmlns:a16="http://schemas.microsoft.com/office/drawing/2014/main" xmlns="" val="1344616909"/>
                     </a:ext>
                   </a:extLst>
                 </a:gridCol>
                 <a:gridCol w="2495550">
                   <a:extLst>
                     <a:ext uri="{9D8B030D-6E8A-4147-A177-3AD203B41FA5}">
-                      <a16:colId xmlns:a16="http://schemas.microsoft.com/office/drawing/2014/main" val="4178842973"/>
+                      <a16:colId xmlns:a16="http://schemas.microsoft.com/office/drawing/2014/main" xmlns="" val="4178842973"/>
                     </a:ext>
                   </a:extLst>
                 </a:gridCol>
@@ -8952,7 +9006,7 @@
                 </a:tc>
                 <a:extLst>
                   <a:ext uri="{0D108BD9-81ED-4DB2-BD59-A6C34878D82A}">
-                    <a16:rowId xmlns:a16="http://schemas.microsoft.com/office/drawing/2014/main" val="4032793956"/>
+                    <a16:rowId xmlns:a16="http://schemas.microsoft.com/office/drawing/2014/main" xmlns="" val="4032793956"/>
                   </a:ext>
                 </a:extLst>
               </a:tr>
@@ -9015,7 +9069,7 @@
                 </a:tc>
                 <a:extLst>
                   <a:ext uri="{0D108BD9-81ED-4DB2-BD59-A6C34878D82A}">
-                    <a16:rowId xmlns:a16="http://schemas.microsoft.com/office/drawing/2014/main" val="3865386210"/>
+                    <a16:rowId xmlns:a16="http://schemas.microsoft.com/office/drawing/2014/main" xmlns="" val="3865386210"/>
                   </a:ext>
                 </a:extLst>
               </a:tr>
@@ -9083,7 +9137,7 @@
                 </a:tc>
                 <a:extLst>
                   <a:ext uri="{0D108BD9-81ED-4DB2-BD59-A6C34878D82A}">
-                    <a16:rowId xmlns:a16="http://schemas.microsoft.com/office/drawing/2014/main" val="331165827"/>
+                    <a16:rowId xmlns:a16="http://schemas.microsoft.com/office/drawing/2014/main" xmlns="" val="331165827"/>
                   </a:ext>
                 </a:extLst>
               </a:tr>
@@ -9113,6 +9167,13 @@
       </p:transition>
     </mc:Fallback>
   </mc:AlternateContent>
+  <p:timing>
+    <p:tnLst>
+      <p:par>
+        <p:cTn id="1" dur="indefinite" restart="never" nodeType="tmRoot"/>
+      </p:par>
+    </p:tnLst>
+  </p:timing>
 </p:sld>
 </file>
 
@@ -9305,6 +9366,13 @@
       </p:transition>
     </mc:Fallback>
   </mc:AlternateContent>
+  <p:timing>
+    <p:tnLst>
+      <p:par>
+        <p:cTn id="1" dur="indefinite" restart="never" nodeType="tmRoot"/>
+      </p:par>
+    </p:tnLst>
+  </p:timing>
 </p:sld>
 </file>
 
@@ -9497,6 +9565,13 @@
       </p:transition>
     </mc:Fallback>
   </mc:AlternateContent>
+  <p:timing>
+    <p:tnLst>
+      <p:par>
+        <p:cTn id="1" dur="indefinite" restart="never" nodeType="tmRoot"/>
+      </p:par>
+    </p:tnLst>
+  </p:timing>
 </p:sld>
 </file>
 
@@ -9689,6 +9764,13 @@
       </p:transition>
     </mc:Fallback>
   </mc:AlternateContent>
+  <p:timing>
+    <p:tnLst>
+      <p:par>
+        <p:cTn id="1" dur="indefinite" restart="never" nodeType="tmRoot"/>
+      </p:par>
+    </p:tnLst>
+  </p:timing>
 </p:sld>
 </file>
 
@@ -9741,7 +9823,7 @@
             <p:ph idx="1"/>
             <p:extLst>
               <p:ext uri="{D42A27DB-BD31-4B8C-83A1-F6EECF244321}">
-                <p14:modId xmlns:p14="http://schemas.microsoft.com/office/powerpoint/2010/main" val="2654204459"/>
+                <p14:modId xmlns:p14="http://schemas.microsoft.com/office/powerpoint/2010/main" val="193687182"/>
               </p:ext>
             </p:extLst>
           </p:nvPr>
@@ -9760,28 +9842,28 @@
                 <a:gridCol w="2495550">
                   <a:extLst>
                     <a:ext uri="{9D8B030D-6E8A-4147-A177-3AD203B41FA5}">
-                      <a16:colId xmlns:a16="http://schemas.microsoft.com/office/drawing/2014/main" val="4260470491"/>
+                      <a16:colId xmlns:a16="http://schemas.microsoft.com/office/drawing/2014/main" xmlns="" val="4260470491"/>
                     </a:ext>
                   </a:extLst>
                 </a:gridCol>
                 <a:gridCol w="2495550">
                   <a:extLst>
                     <a:ext uri="{9D8B030D-6E8A-4147-A177-3AD203B41FA5}">
-                      <a16:colId xmlns:a16="http://schemas.microsoft.com/office/drawing/2014/main" val="984885218"/>
+                      <a16:colId xmlns:a16="http://schemas.microsoft.com/office/drawing/2014/main" xmlns="" val="984885218"/>
                     </a:ext>
                   </a:extLst>
                 </a:gridCol>
                 <a:gridCol w="2495550">
                   <a:extLst>
                     <a:ext uri="{9D8B030D-6E8A-4147-A177-3AD203B41FA5}">
-                      <a16:colId xmlns:a16="http://schemas.microsoft.com/office/drawing/2014/main" val="1208586841"/>
+                      <a16:colId xmlns:a16="http://schemas.microsoft.com/office/drawing/2014/main" xmlns="" val="1208586841"/>
                     </a:ext>
                   </a:extLst>
                 </a:gridCol>
                 <a:gridCol w="2495550">
                   <a:extLst>
                     <a:ext uri="{9D8B030D-6E8A-4147-A177-3AD203B41FA5}">
-                      <a16:colId xmlns:a16="http://schemas.microsoft.com/office/drawing/2014/main" val="2817348180"/>
+                      <a16:colId xmlns:a16="http://schemas.microsoft.com/office/drawing/2014/main" xmlns="" val="2817348180"/>
                     </a:ext>
                   </a:extLst>
                 </a:gridCol>
@@ -9842,7 +9924,7 @@
                 </a:tc>
                 <a:extLst>
                   <a:ext uri="{0D108BD9-81ED-4DB2-BD59-A6C34878D82A}">
-                    <a16:rowId xmlns:a16="http://schemas.microsoft.com/office/drawing/2014/main" val="3418847742"/>
+                    <a16:rowId xmlns:a16="http://schemas.microsoft.com/office/drawing/2014/main" xmlns="" val="3418847742"/>
                   </a:ext>
                 </a:extLst>
               </a:tr>
@@ -9860,6 +9942,74 @@
                       <a:r>
                         <a:rPr lang="en-CA" b="1" i="1" baseline="-25000" dirty="0"/>
                         <a:t>ST</a:t>
+                      </a:r>
+                      <a:endParaRPr lang="en-CA" b="1" i="1" dirty="0"/>
+                    </a:p>
+                  </a:txBody>
+                  <a:tcPr anchor="ctr"/>
+                </a:tc>
+                <a:tc>
+                  <a:txBody>
+                    <a:bodyPr/>
+                    <a:lstStyle/>
+                    <a:p>
+                      <a:pPr algn="ctr"/>
+                      <a:r>
+                        <a:rPr lang="en-CA" dirty="0"/>
+                        <a:t>1.395065</a:t>
+                      </a:r>
+                    </a:p>
+                  </a:txBody>
+                  <a:tcPr anchor="ctr"/>
+                </a:tc>
+                <a:tc>
+                  <a:txBody>
+                    <a:bodyPr/>
+                    <a:lstStyle/>
+                    <a:p>
+                      <a:pPr algn="ctr"/>
+                      <a:r>
+                        <a:rPr lang="en-CA" dirty="0"/>
+                        <a:t>0.246555</a:t>
+                      </a:r>
+                    </a:p>
+                  </a:txBody>
+                  <a:tcPr anchor="ctr"/>
+                </a:tc>
+                <a:tc>
+                  <a:txBody>
+                    <a:bodyPr/>
+                    <a:lstStyle/>
+                    <a:p>
+                      <a:pPr algn="ctr"/>
+                      <a:r>
+                        <a:rPr lang="en-CA" dirty="0"/>
+                        <a:t>0.073232</a:t>
+                      </a:r>
+                    </a:p>
+                  </a:txBody>
+                  <a:tcPr anchor="ctr"/>
+                </a:tc>
+                <a:extLst>
+                  <a:ext uri="{0D108BD9-81ED-4DB2-BD59-A6C34878D82A}">
+                    <a16:rowId xmlns:a16="http://schemas.microsoft.com/office/drawing/2014/main" xmlns="" val="3001223746"/>
+                  </a:ext>
+                </a:extLst>
+              </a:tr>
+              <a:tr h="650240">
+                <a:tc>
+                  <a:txBody>
+                    <a:bodyPr/>
+                    <a:lstStyle/>
+                    <a:p>
+                      <a:pPr algn="ctr"/>
+                      <a:r>
+                        <a:rPr lang="en-CA" b="1" i="1" dirty="0"/>
+                        <a:t>L</a:t>
+                      </a:r>
+                      <a:r>
+                        <a:rPr lang="en-CA" b="1" i="1" baseline="-25000" dirty="0"/>
+                        <a:t>ST’</a:t>
                       </a:r>
                       <a:endParaRPr lang="en-CA" b="1" i="1" dirty="0"/>
                     </a:p>
@@ -9910,75 +10060,7 @@
                 </a:tc>
                 <a:extLst>
                   <a:ext uri="{0D108BD9-81ED-4DB2-BD59-A6C34878D82A}">
-                    <a16:rowId xmlns:a16="http://schemas.microsoft.com/office/drawing/2014/main" val="3001223746"/>
-                  </a:ext>
-                </a:extLst>
-              </a:tr>
-              <a:tr h="650240">
-                <a:tc>
-                  <a:txBody>
-                    <a:bodyPr/>
-                    <a:lstStyle/>
-                    <a:p>
-                      <a:pPr algn="ctr"/>
-                      <a:r>
-                        <a:rPr lang="en-CA" b="1" i="1" dirty="0"/>
-                        <a:t>L</a:t>
-                      </a:r>
-                      <a:r>
-                        <a:rPr lang="en-CA" b="1" i="1" baseline="-25000" dirty="0"/>
-                        <a:t>ST’</a:t>
-                      </a:r>
-                      <a:endParaRPr lang="en-CA" b="1" i="1" dirty="0"/>
-                    </a:p>
-                  </a:txBody>
-                  <a:tcPr anchor="ctr"/>
-                </a:tc>
-                <a:tc>
-                  <a:txBody>
-                    <a:bodyPr/>
-                    <a:lstStyle/>
-                    <a:p>
-                      <a:pPr algn="ctr"/>
-                      <a:r>
-                        <a:rPr lang="en-CA" dirty="0"/>
-                        <a:t>1.395065</a:t>
-                      </a:r>
-                    </a:p>
-                  </a:txBody>
-                  <a:tcPr anchor="ctr"/>
-                </a:tc>
-                <a:tc>
-                  <a:txBody>
-                    <a:bodyPr/>
-                    <a:lstStyle/>
-                    <a:p>
-                      <a:pPr algn="ctr"/>
-                      <a:r>
-                        <a:rPr lang="en-CA" dirty="0"/>
-                        <a:t>0.246555</a:t>
-                      </a:r>
-                    </a:p>
-                  </a:txBody>
-                  <a:tcPr anchor="ctr"/>
-                </a:tc>
-                <a:tc>
-                  <a:txBody>
-                    <a:bodyPr/>
-                    <a:lstStyle/>
-                    <a:p>
-                      <a:pPr algn="ctr"/>
-                      <a:r>
-                        <a:rPr lang="en-CA" dirty="0"/>
-                        <a:t>0.073232</a:t>
-                      </a:r>
-                    </a:p>
-                  </a:txBody>
-                  <a:tcPr anchor="ctr"/>
-                </a:tc>
-                <a:extLst>
-                  <a:ext uri="{0D108BD9-81ED-4DB2-BD59-A6C34878D82A}">
-                    <a16:rowId xmlns:a16="http://schemas.microsoft.com/office/drawing/2014/main" val="1409226119"/>
+                    <a16:rowId xmlns:a16="http://schemas.microsoft.com/office/drawing/2014/main" xmlns="" val="1409226119"/>
                   </a:ext>
                 </a:extLst>
               </a:tr>
@@ -10050,7 +10132,7 @@
                 </a:tc>
                 <a:extLst>
                   <a:ext uri="{0D108BD9-81ED-4DB2-BD59-A6C34878D82A}">
-                    <a16:rowId xmlns:a16="http://schemas.microsoft.com/office/drawing/2014/main" val="2156384988"/>
+                    <a16:rowId xmlns:a16="http://schemas.microsoft.com/office/drawing/2014/main" xmlns="" val="2156384988"/>
                   </a:ext>
                 </a:extLst>
               </a:tr>
@@ -10122,7 +10204,7 @@
                 </a:tc>
                 <a:extLst>
                   <a:ext uri="{0D108BD9-81ED-4DB2-BD59-A6C34878D82A}">
-                    <a16:rowId xmlns:a16="http://schemas.microsoft.com/office/drawing/2014/main" val="3681039543"/>
+                    <a16:rowId xmlns:a16="http://schemas.microsoft.com/office/drawing/2014/main" xmlns="" val="3681039543"/>
                   </a:ext>
                 </a:extLst>
               </a:tr>
@@ -10152,6 +10234,13 @@
       </p:transition>
     </mc:Fallback>
   </mc:AlternateContent>
+  <p:timing>
+    <p:tnLst>
+      <p:par>
+        <p:cTn id="1" dur="indefinite" restart="never" nodeType="tmRoot"/>
+      </p:par>
+    </p:tnLst>
+  </p:timing>
 </p:sld>
 </file>
 
@@ -10286,6 +10375,13 @@
       </p:transition>
     </mc:Fallback>
   </mc:AlternateContent>
+  <p:timing>
+    <p:tnLst>
+      <p:par>
+        <p:cTn id="1" dur="indefinite" restart="never" nodeType="tmRoot"/>
+      </p:par>
+    </p:tnLst>
+  </p:timing>
 </p:sld>
 </file>
 
@@ -10478,6 +10574,13 @@
       </p:transition>
     </mc:Fallback>
   </mc:AlternateContent>
+  <p:timing>
+    <p:tnLst>
+      <p:par>
+        <p:cTn id="1" dur="indefinite" restart="never" nodeType="tmRoot"/>
+      </p:par>
+    </p:tnLst>
+  </p:timing>
 </p:sld>
 </file>
 
@@ -10667,6 +10770,13 @@
       </p:transition>
     </mc:Fallback>
   </mc:AlternateContent>
+  <p:timing>
+    <p:tnLst>
+      <p:par>
+        <p:cTn id="1" dur="indefinite" restart="never" nodeType="tmRoot"/>
+      </p:par>
+    </p:tnLst>
+  </p:timing>
 </p:sld>
 </file>
 
@@ -10738,21 +10848,21 @@
                 <a:gridCol w="3326894">
                   <a:extLst>
                     <a:ext uri="{9D8B030D-6E8A-4147-A177-3AD203B41FA5}">
-                      <a16:colId xmlns:a16="http://schemas.microsoft.com/office/drawing/2014/main" val="1063830725"/>
+                      <a16:colId xmlns:a16="http://schemas.microsoft.com/office/drawing/2014/main" xmlns="" val="1063830725"/>
                     </a:ext>
                   </a:extLst>
                 </a:gridCol>
                 <a:gridCol w="3326894">
                   <a:extLst>
                     <a:ext uri="{9D8B030D-6E8A-4147-A177-3AD203B41FA5}">
-                      <a16:colId xmlns:a16="http://schemas.microsoft.com/office/drawing/2014/main" val="2742314196"/>
+                      <a16:colId xmlns:a16="http://schemas.microsoft.com/office/drawing/2014/main" xmlns="" val="2742314196"/>
                     </a:ext>
                   </a:extLst>
                 </a:gridCol>
                 <a:gridCol w="3326894">
                   <a:extLst>
                     <a:ext uri="{9D8B030D-6E8A-4147-A177-3AD203B41FA5}">
-                      <a16:colId xmlns:a16="http://schemas.microsoft.com/office/drawing/2014/main" val="4178842973"/>
+                      <a16:colId xmlns:a16="http://schemas.microsoft.com/office/drawing/2014/main" xmlns="" val="4178842973"/>
                     </a:ext>
                   </a:extLst>
                 </a:gridCol>
@@ -10810,7 +10920,7 @@
                 </a:tc>
                 <a:extLst>
                   <a:ext uri="{0D108BD9-81ED-4DB2-BD59-A6C34878D82A}">
-                    <a16:rowId xmlns:a16="http://schemas.microsoft.com/office/drawing/2014/main" val="4032793956"/>
+                    <a16:rowId xmlns:a16="http://schemas.microsoft.com/office/drawing/2014/main" xmlns="" val="4032793956"/>
                   </a:ext>
                 </a:extLst>
               </a:tr>
@@ -10864,7 +10974,7 @@
                 </a:tc>
                 <a:extLst>
                   <a:ext uri="{0D108BD9-81ED-4DB2-BD59-A6C34878D82A}">
-                    <a16:rowId xmlns:a16="http://schemas.microsoft.com/office/drawing/2014/main" val="3865386210"/>
+                    <a16:rowId xmlns:a16="http://schemas.microsoft.com/office/drawing/2014/main" xmlns="" val="3865386210"/>
                   </a:ext>
                 </a:extLst>
               </a:tr>
@@ -10918,7 +11028,7 @@
                 </a:tc>
                 <a:extLst>
                   <a:ext uri="{0D108BD9-81ED-4DB2-BD59-A6C34878D82A}">
-                    <a16:rowId xmlns:a16="http://schemas.microsoft.com/office/drawing/2014/main" val="331165827"/>
+                    <a16:rowId xmlns:a16="http://schemas.microsoft.com/office/drawing/2014/main" xmlns="" val="331165827"/>
                   </a:ext>
                 </a:extLst>
               </a:tr>
@@ -10948,6 +11058,13 @@
       </p:transition>
     </mc:Fallback>
   </mc:AlternateContent>
+  <p:timing>
+    <p:tnLst>
+      <p:par>
+        <p:cTn id="1" dur="indefinite" restart="never" nodeType="tmRoot"/>
+      </p:par>
+    </p:tnLst>
+  </p:timing>
 </p:sld>
 </file>
 
@@ -11049,6 +11166,13 @@
       </p:transition>
     </mc:Fallback>
   </mc:AlternateContent>
+  <p:timing>
+    <p:tnLst>
+      <p:par>
+        <p:cTn id="1" dur="indefinite" restart="never" nodeType="tmRoot"/>
+      </p:par>
+    </p:tnLst>
+  </p:timing>
 </p:sld>
 </file>
 
@@ -11119,21 +11243,21 @@
                 <a:gridCol w="3326894">
                   <a:extLst>
                     <a:ext uri="{9D8B030D-6E8A-4147-A177-3AD203B41FA5}">
-                      <a16:colId xmlns:a16="http://schemas.microsoft.com/office/drawing/2014/main" val="1063830725"/>
+                      <a16:colId xmlns:a16="http://schemas.microsoft.com/office/drawing/2014/main" xmlns="" val="1063830725"/>
                     </a:ext>
                   </a:extLst>
                 </a:gridCol>
                 <a:gridCol w="3326894">
                   <a:extLst>
                     <a:ext uri="{9D8B030D-6E8A-4147-A177-3AD203B41FA5}">
-                      <a16:colId xmlns:a16="http://schemas.microsoft.com/office/drawing/2014/main" val="2742314196"/>
+                      <a16:colId xmlns:a16="http://schemas.microsoft.com/office/drawing/2014/main" xmlns="" val="2742314196"/>
                     </a:ext>
                   </a:extLst>
                 </a:gridCol>
                 <a:gridCol w="3326894">
                   <a:extLst>
                     <a:ext uri="{9D8B030D-6E8A-4147-A177-3AD203B41FA5}">
-                      <a16:colId xmlns:a16="http://schemas.microsoft.com/office/drawing/2014/main" val="4178842973"/>
+                      <a16:colId xmlns:a16="http://schemas.microsoft.com/office/drawing/2014/main" xmlns="" val="4178842973"/>
                     </a:ext>
                   </a:extLst>
                 </a:gridCol>
@@ -11191,7 +11315,7 @@
                 </a:tc>
                 <a:extLst>
                   <a:ext uri="{0D108BD9-81ED-4DB2-BD59-A6C34878D82A}">
-                    <a16:rowId xmlns:a16="http://schemas.microsoft.com/office/drawing/2014/main" val="4032793956"/>
+                    <a16:rowId xmlns:a16="http://schemas.microsoft.com/office/drawing/2014/main" xmlns="" val="4032793956"/>
                   </a:ext>
                 </a:extLst>
               </a:tr>
@@ -11240,7 +11364,7 @@
                 </a:tc>
                 <a:extLst>
                   <a:ext uri="{0D108BD9-81ED-4DB2-BD59-A6C34878D82A}">
-                    <a16:rowId xmlns:a16="http://schemas.microsoft.com/office/drawing/2014/main" val="446838915"/>
+                    <a16:rowId xmlns:a16="http://schemas.microsoft.com/office/drawing/2014/main" xmlns="" val="446838915"/>
                   </a:ext>
                 </a:extLst>
               </a:tr>
@@ -11294,7 +11418,7 @@
                 </a:tc>
                 <a:extLst>
                   <a:ext uri="{0D108BD9-81ED-4DB2-BD59-A6C34878D82A}">
-                    <a16:rowId xmlns:a16="http://schemas.microsoft.com/office/drawing/2014/main" val="2229032511"/>
+                    <a16:rowId xmlns:a16="http://schemas.microsoft.com/office/drawing/2014/main" xmlns="" val="2229032511"/>
                   </a:ext>
                 </a:extLst>
               </a:tr>
@@ -11348,7 +11472,7 @@
                 </a:tc>
                 <a:extLst>
                   <a:ext uri="{0D108BD9-81ED-4DB2-BD59-A6C34878D82A}">
-                    <a16:rowId xmlns:a16="http://schemas.microsoft.com/office/drawing/2014/main" val="3178529980"/>
+                    <a16:rowId xmlns:a16="http://schemas.microsoft.com/office/drawing/2014/main" xmlns="" val="3178529980"/>
                   </a:ext>
                 </a:extLst>
               </a:tr>
@@ -11402,7 +11526,7 @@
                 </a:tc>
                 <a:extLst>
                   <a:ext uri="{0D108BD9-81ED-4DB2-BD59-A6C34878D82A}">
-                    <a16:rowId xmlns:a16="http://schemas.microsoft.com/office/drawing/2014/main" val="4239658633"/>
+                    <a16:rowId xmlns:a16="http://schemas.microsoft.com/office/drawing/2014/main" xmlns="" val="4239658633"/>
                   </a:ext>
                 </a:extLst>
               </a:tr>
@@ -11456,7 +11580,7 @@
                 </a:tc>
                 <a:extLst>
                   <a:ext uri="{0D108BD9-81ED-4DB2-BD59-A6C34878D82A}">
-                    <a16:rowId xmlns:a16="http://schemas.microsoft.com/office/drawing/2014/main" val="3865386210"/>
+                    <a16:rowId xmlns:a16="http://schemas.microsoft.com/office/drawing/2014/main" xmlns="" val="3865386210"/>
                   </a:ext>
                 </a:extLst>
               </a:tr>
@@ -11510,7 +11634,7 @@
                 </a:tc>
                 <a:extLst>
                   <a:ext uri="{0D108BD9-81ED-4DB2-BD59-A6C34878D82A}">
-                    <a16:rowId xmlns:a16="http://schemas.microsoft.com/office/drawing/2014/main" val="331165827"/>
+                    <a16:rowId xmlns:a16="http://schemas.microsoft.com/office/drawing/2014/main" xmlns="" val="331165827"/>
                   </a:ext>
                 </a:extLst>
               </a:tr>
@@ -11540,6 +11664,13 @@
       </p:transition>
     </mc:Fallback>
   </mc:AlternateContent>
+  <p:timing>
+    <p:tnLst>
+      <p:par>
+        <p:cTn id="1" dur="indefinite" restart="never" nodeType="tmRoot"/>
+      </p:par>
+    </p:tnLst>
+  </p:timing>
 </p:sld>
 </file>
 
@@ -11610,21 +11741,21 @@
                 <a:gridCol w="3326894">
                   <a:extLst>
                     <a:ext uri="{9D8B030D-6E8A-4147-A177-3AD203B41FA5}">
-                      <a16:colId xmlns:a16="http://schemas.microsoft.com/office/drawing/2014/main" val="1063830725"/>
+                      <a16:colId xmlns:a16="http://schemas.microsoft.com/office/drawing/2014/main" xmlns="" val="1063830725"/>
                     </a:ext>
                   </a:extLst>
                 </a:gridCol>
                 <a:gridCol w="3326894">
                   <a:extLst>
                     <a:ext uri="{9D8B030D-6E8A-4147-A177-3AD203B41FA5}">
-                      <a16:colId xmlns:a16="http://schemas.microsoft.com/office/drawing/2014/main" val="2742314196"/>
+                      <a16:colId xmlns:a16="http://schemas.microsoft.com/office/drawing/2014/main" xmlns="" val="2742314196"/>
                     </a:ext>
                   </a:extLst>
                 </a:gridCol>
                 <a:gridCol w="3326894">
                   <a:extLst>
                     <a:ext uri="{9D8B030D-6E8A-4147-A177-3AD203B41FA5}">
-                      <a16:colId xmlns:a16="http://schemas.microsoft.com/office/drawing/2014/main" val="4178842973"/>
+                      <a16:colId xmlns:a16="http://schemas.microsoft.com/office/drawing/2014/main" xmlns="" val="4178842973"/>
                     </a:ext>
                   </a:extLst>
                 </a:gridCol>
@@ -11682,7 +11813,7 @@
                 </a:tc>
                 <a:extLst>
                   <a:ext uri="{0D108BD9-81ED-4DB2-BD59-A6C34878D82A}">
-                    <a16:rowId xmlns:a16="http://schemas.microsoft.com/office/drawing/2014/main" val="4032793956"/>
+                    <a16:rowId xmlns:a16="http://schemas.microsoft.com/office/drawing/2014/main" xmlns="" val="4032793956"/>
                   </a:ext>
                 </a:extLst>
               </a:tr>
@@ -11731,7 +11862,7 @@
                 </a:tc>
                 <a:extLst>
                   <a:ext uri="{0D108BD9-81ED-4DB2-BD59-A6C34878D82A}">
-                    <a16:rowId xmlns:a16="http://schemas.microsoft.com/office/drawing/2014/main" val="446838915"/>
+                    <a16:rowId xmlns:a16="http://schemas.microsoft.com/office/drawing/2014/main" xmlns="" val="446838915"/>
                   </a:ext>
                 </a:extLst>
               </a:tr>
@@ -11785,7 +11916,7 @@
                 </a:tc>
                 <a:extLst>
                   <a:ext uri="{0D108BD9-81ED-4DB2-BD59-A6C34878D82A}">
-                    <a16:rowId xmlns:a16="http://schemas.microsoft.com/office/drawing/2014/main" val="2229032511"/>
+                    <a16:rowId xmlns:a16="http://schemas.microsoft.com/office/drawing/2014/main" xmlns="" val="2229032511"/>
                   </a:ext>
                 </a:extLst>
               </a:tr>
@@ -11839,7 +11970,7 @@
                 </a:tc>
                 <a:extLst>
                   <a:ext uri="{0D108BD9-81ED-4DB2-BD59-A6C34878D82A}">
-                    <a16:rowId xmlns:a16="http://schemas.microsoft.com/office/drawing/2014/main" val="3178529980"/>
+                    <a16:rowId xmlns:a16="http://schemas.microsoft.com/office/drawing/2014/main" xmlns="" val="3178529980"/>
                   </a:ext>
                 </a:extLst>
               </a:tr>
@@ -11897,7 +12028,7 @@
                 </a:tc>
                 <a:extLst>
                   <a:ext uri="{0D108BD9-81ED-4DB2-BD59-A6C34878D82A}">
-                    <a16:rowId xmlns:a16="http://schemas.microsoft.com/office/drawing/2014/main" val="4239658633"/>
+                    <a16:rowId xmlns:a16="http://schemas.microsoft.com/office/drawing/2014/main" xmlns="" val="4239658633"/>
                   </a:ext>
                 </a:extLst>
               </a:tr>
@@ -11951,7 +12082,7 @@
                 </a:tc>
                 <a:extLst>
                   <a:ext uri="{0D108BD9-81ED-4DB2-BD59-A6C34878D82A}">
-                    <a16:rowId xmlns:a16="http://schemas.microsoft.com/office/drawing/2014/main" val="3865386210"/>
+                    <a16:rowId xmlns:a16="http://schemas.microsoft.com/office/drawing/2014/main" xmlns="" val="3865386210"/>
                   </a:ext>
                 </a:extLst>
               </a:tr>
@@ -12009,7 +12140,7 @@
                 </a:tc>
                 <a:extLst>
                   <a:ext uri="{0D108BD9-81ED-4DB2-BD59-A6C34878D82A}">
-                    <a16:rowId xmlns:a16="http://schemas.microsoft.com/office/drawing/2014/main" val="331165827"/>
+                    <a16:rowId xmlns:a16="http://schemas.microsoft.com/office/drawing/2014/main" xmlns="" val="331165827"/>
                   </a:ext>
                 </a:extLst>
               </a:tr>
@@ -12039,6 +12170,13 @@
       </p:transition>
     </mc:Fallback>
   </mc:AlternateContent>
+  <p:timing>
+    <p:tnLst>
+      <p:par>
+        <p:cTn id="1" dur="indefinite" restart="never" nodeType="tmRoot"/>
+      </p:par>
+    </p:tnLst>
+  </p:timing>
 </p:sld>
 </file>
 
@@ -12678,9 +12816,10 @@
           </a:p>
           <a:p>
             <a:r>
-              <a:rPr lang="en-CA" dirty="0"/>
-              <a:t>Industry application to explore practical use</a:t>
-            </a:r>
+              <a:rPr lang="en-CA" dirty="0" smtClean="0"/>
+              <a:t>Explore practical use of industry application</a:t>
+            </a:r>
+            <a:endParaRPr lang="en-CA" dirty="0"/>
           </a:p>
         </p:txBody>
       </p:sp>
@@ -13144,6 +13283,13 @@
       </p:transition>
     </mc:Fallback>
   </mc:AlternateContent>
+  <p:timing>
+    <p:tnLst>
+      <p:par>
+        <p:cTn id="1" dur="indefinite" restart="never" nodeType="tmRoot"/>
+      </p:par>
+    </p:tnLst>
+  </p:timing>
 </p:sld>
 </file>
 
@@ -13227,6 +13373,13 @@
       </p:transition>
     </mc:Fallback>
   </mc:AlternateContent>
+  <p:timing>
+    <p:tnLst>
+      <p:par>
+        <p:cTn id="1" dur="indefinite" restart="never" nodeType="tmRoot"/>
+      </p:par>
+    </p:tnLst>
+  </p:timing>
 </p:sld>
 </file>
 
@@ -13373,7 +13526,7 @@
                                         <p:tgtEl>
                                           <p:spTgt spid="3">
                                             <p:txEl>
-                                              <p:pRg st="0" end="0"/>
+                                              <p:pRg st="1" end="1"/>
                                             </p:txEl>
                                           </p:spTgt>
                                         </p:tgtEl>
@@ -13391,7 +13544,7 @@
                                         <p:tgtEl>
                                           <p:spTgt spid="3">
                                             <p:txEl>
-                                              <p:pRg st="0" end="0"/>
+                                              <p:pRg st="1" end="1"/>
                                             </p:txEl>
                                           </p:spTgt>
                                         </p:tgtEl>
@@ -13434,7 +13587,7 @@
                                         <p:tgtEl>
                                           <p:spTgt spid="3">
                                             <p:txEl>
-                                              <p:pRg st="1" end="1"/>
+                                              <p:pRg st="2" end="2"/>
                                             </p:txEl>
                                           </p:spTgt>
                                         </p:tgtEl>
@@ -13452,7 +13605,7 @@
                                         <p:tgtEl>
                                           <p:spTgt spid="3">
                                             <p:txEl>
-                                              <p:pRg st="1" end="1"/>
+                                              <p:pRg st="2" end="2"/>
                                             </p:txEl>
                                           </p:spTgt>
                                         </p:tgtEl>
@@ -13495,7 +13648,7 @@
                                         <p:tgtEl>
                                           <p:spTgt spid="3">
                                             <p:txEl>
-                                              <p:pRg st="2" end="2"/>
+                                              <p:pRg st="3" end="3"/>
                                             </p:txEl>
                                           </p:spTgt>
                                         </p:tgtEl>
@@ -13513,7 +13666,7 @@
                                         <p:tgtEl>
                                           <p:spTgt spid="3">
                                             <p:txEl>
-                                              <p:pRg st="2" end="2"/>
+                                              <p:pRg st="3" end="3"/>
                                             </p:txEl>
                                           </p:spTgt>
                                         </p:tgtEl>
@@ -13556,7 +13709,7 @@
                                         <p:tgtEl>
                                           <p:spTgt spid="3">
                                             <p:txEl>
-                                              <p:pRg st="3" end="3"/>
+                                              <p:pRg st="4" end="4"/>
                                             </p:txEl>
                                           </p:spTgt>
                                         </p:tgtEl>
@@ -13574,9 +13727,421 @@
                                         <p:tgtEl>
                                           <p:spTgt spid="3">
                                             <p:txEl>
+                                              <p:pRg st="4" end="4"/>
+                                            </p:txEl>
+                                          </p:spTgt>
+                                        </p:tgtEl>
+                                      </p:cBhvr>
+                                    </p:animEffect>
+                                  </p:childTnLst>
+                                </p:cTn>
+                              </p:par>
+                            </p:childTnLst>
+                          </p:cTn>
+                        </p:par>
+                      </p:childTnLst>
+                    </p:cTn>
+                  </p:par>
+                </p:childTnLst>
+              </p:cTn>
+              <p:prevCondLst>
+                <p:cond evt="onPrev" delay="0">
+                  <p:tgtEl>
+                    <p:sldTgt/>
+                  </p:tgtEl>
+                </p:cond>
+              </p:prevCondLst>
+              <p:nextCondLst>
+                <p:cond evt="onNext" delay="0">
+                  <p:tgtEl>
+                    <p:sldTgt/>
+                  </p:tgtEl>
+                </p:cond>
+              </p:nextCondLst>
+            </p:seq>
+          </p:childTnLst>
+        </p:cTn>
+      </p:par>
+    </p:tnLst>
+    <p:bldLst>
+      <p:bldP spid="3" grpId="0" uiExpand="1" build="p"/>
+    </p:bldLst>
+  </p:timing>
+</p:sld>
+</file>
+
+<file path=ppt/slides/slide4.xml><?xml version="1.0" encoding="utf-8"?>
+<p:sld xmlns:a="http://schemas.openxmlformats.org/drawingml/2006/main" xmlns:r="http://schemas.openxmlformats.org/officeDocument/2006/relationships" xmlns:p="http://schemas.openxmlformats.org/presentationml/2006/main">
+  <p:cSld>
+    <p:spTree>
+      <p:nvGrpSpPr>
+        <p:cNvPr id="1" name=""/>
+        <p:cNvGrpSpPr/>
+        <p:nvPr/>
+      </p:nvGrpSpPr>
+      <p:grpSpPr>
+        <a:xfrm>
+          <a:off x="0" y="0"/>
+          <a:ext cx="0" cy="0"/>
+          <a:chOff x="0" y="0"/>
+          <a:chExt cx="0" cy="0"/>
+        </a:xfrm>
+      </p:grpSpPr>
+      <p:sp>
+        <p:nvSpPr>
+          <p:cNvPr id="2" name="Title 1"/>
+          <p:cNvSpPr>
+            <a:spLocks noGrp="1"/>
+          </p:cNvSpPr>
+          <p:nvPr>
+            <p:ph type="title"/>
+          </p:nvPr>
+        </p:nvSpPr>
+        <p:spPr/>
+        <p:txBody>
+          <a:bodyPr/>
+          <a:lstStyle/>
+          <a:p>
+            <a:r>
+              <a:rPr lang="en-US" dirty="0"/>
+              <a:t>Genetic Programming &amp; Financial Forecasting</a:t>
+            </a:r>
+          </a:p>
+        </p:txBody>
+      </p:sp>
+      <p:sp>
+        <p:nvSpPr>
+          <p:cNvPr id="3" name="Content Placeholder 2"/>
+          <p:cNvSpPr>
+            <a:spLocks noGrp="1"/>
+          </p:cNvSpPr>
+          <p:nvPr>
+            <p:ph sz="half" idx="1"/>
+          </p:nvPr>
+        </p:nvSpPr>
+        <p:spPr/>
+        <p:txBody>
+          <a:bodyPr/>
+          <a:lstStyle/>
+          <a:p>
+            <a:r>
+              <a:rPr lang="en-US" dirty="0"/>
+              <a:t>Symbolic Regression</a:t>
+            </a:r>
+          </a:p>
+          <a:p>
+            <a:pPr lvl="1"/>
+            <a:r>
+              <a:rPr lang="en-US" dirty="0"/>
+              <a:t>Finding a mathematical expression that best fits a curve</a:t>
+            </a:r>
+          </a:p>
+          <a:p>
+            <a:r>
+              <a:rPr lang="en-US" dirty="0"/>
+              <a:t>Rule-based GP</a:t>
+            </a:r>
+          </a:p>
+          <a:p>
+            <a:r>
+              <a:rPr lang="en-US" dirty="0"/>
+              <a:t>Fitness Function – Sum of Square Residuals (right)</a:t>
+            </a:r>
+          </a:p>
+          <a:p>
+            <a:r>
+              <a:rPr lang="en-US" dirty="0"/>
+              <a:t>Similar to Ordinary Least Squares (OLS) econometric regression testing</a:t>
+            </a:r>
+          </a:p>
+        </p:txBody>
+      </p:sp>
+      <p:pic>
+        <p:nvPicPr>
+          <p:cNvPr id="5" name="Content Placeholder 4"/>
+          <p:cNvPicPr>
+            <a:picLocks noGrp="1" noChangeAspect="1"/>
+          </p:cNvPicPr>
+          <p:nvPr>
+            <p:ph sz="half" idx="2"/>
+          </p:nvPr>
+        </p:nvPicPr>
+        <p:blipFill>
+          <a:blip r:embed="rId3">
+            <a:extLst>
+              <a:ext uri="{28A0092B-C50C-407E-A947-70E740481C1C}">
+                <a14:useLocalDpi xmlns:a14="http://schemas.microsoft.com/office/drawing/2010/main" val="0"/>
+              </a:ext>
+            </a:extLst>
+          </a:blip>
+          <a:stretch>
+            <a:fillRect/>
+          </a:stretch>
+        </p:blipFill>
+        <p:spPr>
+          <a:xfrm>
+            <a:off x="6742112" y="1949456"/>
+            <a:ext cx="4013270" cy="3559169"/>
+          </a:xfrm>
+        </p:spPr>
+      </p:pic>
+    </p:spTree>
+    <p:extLst>
+      <p:ext uri="{BB962C8B-B14F-4D97-AF65-F5344CB8AC3E}">
+        <p14:creationId xmlns:p14="http://schemas.microsoft.com/office/powerpoint/2010/main" val="2853788422"/>
+      </p:ext>
+    </p:extLst>
+  </p:cSld>
+  <p:clrMapOvr>
+    <a:masterClrMapping/>
+  </p:clrMapOvr>
+  <mc:AlternateContent xmlns:mc="http://schemas.openxmlformats.org/markup-compatibility/2006" xmlns:p14="http://schemas.microsoft.com/office/powerpoint/2010/main">
+    <mc:Choice Requires="p14">
+      <p:transition spd="med" p14:dur="700">
+        <p:fade/>
+      </p:transition>
+    </mc:Choice>
+    <mc:Fallback xmlns="">
+      <p:transition spd="med">
+        <p:fade/>
+      </p:transition>
+    </mc:Fallback>
+  </mc:AlternateContent>
+  <p:timing>
+    <p:tnLst>
+      <p:par>
+        <p:cTn id="1" dur="indefinite" restart="never" nodeType="tmRoot">
+          <p:childTnLst>
+            <p:seq concurrent="1" nextAc="seek">
+              <p:cTn id="2" dur="indefinite" nodeType="mainSeq">
+                <p:childTnLst>
+                  <p:par>
+                    <p:cTn id="3" fill="hold">
+                      <p:stCondLst>
+                        <p:cond delay="indefinite"/>
+                        <p:cond evt="onBegin" delay="0">
+                          <p:tn val="2"/>
+                        </p:cond>
+                      </p:stCondLst>
+                      <p:childTnLst>
+                        <p:par>
+                          <p:cTn id="4" fill="hold">
+                            <p:stCondLst>
+                              <p:cond delay="0"/>
+                            </p:stCondLst>
+                            <p:childTnLst>
+                              <p:par>
+                                <p:cTn id="5" presetID="10" presetClass="entr" presetSubtype="0" fill="hold" grpId="0" nodeType="withEffect">
+                                  <p:stCondLst>
+                                    <p:cond delay="0"/>
+                                  </p:stCondLst>
+                                  <p:childTnLst>
+                                    <p:set>
+                                      <p:cBhvr>
+                                        <p:cTn id="6" dur="1" fill="hold">
+                                          <p:stCondLst>
+                                            <p:cond delay="0"/>
+                                          </p:stCondLst>
+                                        </p:cTn>
+                                        <p:tgtEl>
+                                          <p:spTgt spid="3">
+                                            <p:txEl>
+                                              <p:pRg st="1" end="1"/>
+                                            </p:txEl>
+                                          </p:spTgt>
+                                        </p:tgtEl>
+                                        <p:attrNameLst>
+                                          <p:attrName>style.visibility</p:attrName>
+                                        </p:attrNameLst>
+                                      </p:cBhvr>
+                                      <p:to>
+                                        <p:strVal val="visible"/>
+                                      </p:to>
+                                    </p:set>
+                                    <p:animEffect transition="in" filter="fade">
+                                      <p:cBhvr>
+                                        <p:cTn id="7" dur="500"/>
+                                        <p:tgtEl>
+                                          <p:spTgt spid="3">
+                                            <p:txEl>
+                                              <p:pRg st="1" end="1"/>
+                                            </p:txEl>
+                                          </p:spTgt>
+                                        </p:tgtEl>
+                                      </p:cBhvr>
+                                    </p:animEffect>
+                                  </p:childTnLst>
+                                </p:cTn>
+                              </p:par>
+                            </p:childTnLst>
+                          </p:cTn>
+                        </p:par>
+                      </p:childTnLst>
+                    </p:cTn>
+                  </p:par>
+                  <p:par>
+                    <p:cTn id="8" fill="hold">
+                      <p:stCondLst>
+                        <p:cond delay="indefinite"/>
+                      </p:stCondLst>
+                      <p:childTnLst>
+                        <p:par>
+                          <p:cTn id="9" fill="hold">
+                            <p:stCondLst>
+                              <p:cond delay="0"/>
+                            </p:stCondLst>
+                            <p:childTnLst>
+                              <p:par>
+                                <p:cTn id="10" presetID="10" presetClass="entr" presetSubtype="0" fill="hold" grpId="0" nodeType="clickEffect">
+                                  <p:stCondLst>
+                                    <p:cond delay="0"/>
+                                  </p:stCondLst>
+                                  <p:childTnLst>
+                                    <p:set>
+                                      <p:cBhvr>
+                                        <p:cTn id="11" dur="1" fill="hold">
+                                          <p:stCondLst>
+                                            <p:cond delay="0"/>
+                                          </p:stCondLst>
+                                        </p:cTn>
+                                        <p:tgtEl>
+                                          <p:spTgt spid="3">
+                                            <p:txEl>
+                                              <p:pRg st="2" end="2"/>
+                                            </p:txEl>
+                                          </p:spTgt>
+                                        </p:tgtEl>
+                                        <p:attrNameLst>
+                                          <p:attrName>style.visibility</p:attrName>
+                                        </p:attrNameLst>
+                                      </p:cBhvr>
+                                      <p:to>
+                                        <p:strVal val="visible"/>
+                                      </p:to>
+                                    </p:set>
+                                    <p:animEffect transition="in" filter="fade">
+                                      <p:cBhvr>
+                                        <p:cTn id="12" dur="500"/>
+                                        <p:tgtEl>
+                                          <p:spTgt spid="3">
+                                            <p:txEl>
+                                              <p:pRg st="2" end="2"/>
+                                            </p:txEl>
+                                          </p:spTgt>
+                                        </p:tgtEl>
+                                      </p:cBhvr>
+                                    </p:animEffect>
+                                  </p:childTnLst>
+                                </p:cTn>
+                              </p:par>
+                            </p:childTnLst>
+                          </p:cTn>
+                        </p:par>
+                      </p:childTnLst>
+                    </p:cTn>
+                  </p:par>
+                  <p:par>
+                    <p:cTn id="13" fill="hold">
+                      <p:stCondLst>
+                        <p:cond delay="indefinite"/>
+                      </p:stCondLst>
+                      <p:childTnLst>
+                        <p:par>
+                          <p:cTn id="14" fill="hold">
+                            <p:stCondLst>
+                              <p:cond delay="0"/>
+                            </p:stCondLst>
+                            <p:childTnLst>
+                              <p:par>
+                                <p:cTn id="15" presetID="10" presetClass="entr" presetSubtype="0" fill="hold" grpId="0" nodeType="clickEffect">
+                                  <p:stCondLst>
+                                    <p:cond delay="0"/>
+                                  </p:stCondLst>
+                                  <p:childTnLst>
+                                    <p:set>
+                                      <p:cBhvr>
+                                        <p:cTn id="16" dur="1" fill="hold">
+                                          <p:stCondLst>
+                                            <p:cond delay="0"/>
+                                          </p:stCondLst>
+                                        </p:cTn>
+                                        <p:tgtEl>
+                                          <p:spTgt spid="3">
+                                            <p:txEl>
                                               <p:pRg st="3" end="3"/>
                                             </p:txEl>
                                           </p:spTgt>
+                                        </p:tgtEl>
+                                        <p:attrNameLst>
+                                          <p:attrName>style.visibility</p:attrName>
+                                        </p:attrNameLst>
+                                      </p:cBhvr>
+                                      <p:to>
+                                        <p:strVal val="visible"/>
+                                      </p:to>
+                                    </p:set>
+                                    <p:animEffect transition="in" filter="fade">
+                                      <p:cBhvr>
+                                        <p:cTn id="17" dur="500"/>
+                                        <p:tgtEl>
+                                          <p:spTgt spid="3">
+                                            <p:txEl>
+                                              <p:pRg st="3" end="3"/>
+                                            </p:txEl>
+                                          </p:spTgt>
+                                        </p:tgtEl>
+                                      </p:cBhvr>
+                                    </p:animEffect>
+                                  </p:childTnLst>
+                                </p:cTn>
+                              </p:par>
+                            </p:childTnLst>
+                          </p:cTn>
+                        </p:par>
+                      </p:childTnLst>
+                    </p:cTn>
+                  </p:par>
+                  <p:par>
+                    <p:cTn id="18" fill="hold">
+                      <p:stCondLst>
+                        <p:cond delay="indefinite"/>
+                      </p:stCondLst>
+                      <p:childTnLst>
+                        <p:par>
+                          <p:cTn id="19" fill="hold">
+                            <p:stCondLst>
+                              <p:cond delay="0"/>
+                            </p:stCondLst>
+                            <p:childTnLst>
+                              <p:par>
+                                <p:cTn id="20" presetID="10" presetClass="entr" presetSubtype="0" fill="hold" nodeType="clickEffect">
+                                  <p:stCondLst>
+                                    <p:cond delay="0"/>
+                                  </p:stCondLst>
+                                  <p:childTnLst>
+                                    <p:set>
+                                      <p:cBhvr>
+                                        <p:cTn id="21" dur="1" fill="hold">
+                                          <p:stCondLst>
+                                            <p:cond delay="0"/>
+                                          </p:stCondLst>
+                                        </p:cTn>
+                                        <p:tgtEl>
+                                          <p:spTgt spid="5"/>
+                                        </p:tgtEl>
+                                        <p:attrNameLst>
+                                          <p:attrName>style.visibility</p:attrName>
+                                        </p:attrNameLst>
+                                      </p:cBhvr>
+                                      <p:to>
+                                        <p:strVal val="visible"/>
+                                      </p:to>
+                                    </p:set>
+                                    <p:animEffect transition="in" filter="fade">
+                                      <p:cBhvr>
+                                        <p:cTn id="22" dur="500"/>
+                                        <p:tgtEl>
+                                          <p:spTgt spid="5"/>
                                         </p:tgtEl>
                                       </p:cBhvr>
                                     </p:animEffect>
@@ -13602,7 +14167,7 @@
                             </p:stCondLst>
                             <p:childTnLst>
                               <p:par>
-                                <p:cTn id="25" presetID="10" presetClass="entr" presetSubtype="0" fill="hold" grpId="0" nodeType="clickEffect">
+                                <p:cTn id="25" presetID="10" presetClass="entr" presetSubtype="0" fill="hold" nodeType="clickEffect">
                                   <p:stCondLst>
                                     <p:cond delay="0"/>
                                   </p:stCondLst>
@@ -13672,519 +14237,6 @@
       </p:par>
     </p:tnLst>
     <p:bldLst>
-      <p:bldP spid="3" grpId="0" build="p"/>
-    </p:bldLst>
-  </p:timing>
-</p:sld>
-</file>
-
-<file path=ppt/slides/slide4.xml><?xml version="1.0" encoding="utf-8"?>
-<p:sld xmlns:a="http://schemas.openxmlformats.org/drawingml/2006/main" xmlns:r="http://schemas.openxmlformats.org/officeDocument/2006/relationships" xmlns:p="http://schemas.openxmlformats.org/presentationml/2006/main">
-  <p:cSld>
-    <p:spTree>
-      <p:nvGrpSpPr>
-        <p:cNvPr id="1" name=""/>
-        <p:cNvGrpSpPr/>
-        <p:nvPr/>
-      </p:nvGrpSpPr>
-      <p:grpSpPr>
-        <a:xfrm>
-          <a:off x="0" y="0"/>
-          <a:ext cx="0" cy="0"/>
-          <a:chOff x="0" y="0"/>
-          <a:chExt cx="0" cy="0"/>
-        </a:xfrm>
-      </p:grpSpPr>
-      <p:sp>
-        <p:nvSpPr>
-          <p:cNvPr id="2" name="Title 1"/>
-          <p:cNvSpPr>
-            <a:spLocks noGrp="1"/>
-          </p:cNvSpPr>
-          <p:nvPr>
-            <p:ph type="title"/>
-          </p:nvPr>
-        </p:nvSpPr>
-        <p:spPr/>
-        <p:txBody>
-          <a:bodyPr/>
-          <a:lstStyle/>
-          <a:p>
-            <a:r>
-              <a:rPr lang="en-US" dirty="0"/>
-              <a:t>Genetic Programming &amp; Financial Forecasting</a:t>
-            </a:r>
-          </a:p>
-        </p:txBody>
-      </p:sp>
-      <p:sp>
-        <p:nvSpPr>
-          <p:cNvPr id="3" name="Content Placeholder 2"/>
-          <p:cNvSpPr>
-            <a:spLocks noGrp="1"/>
-          </p:cNvSpPr>
-          <p:nvPr>
-            <p:ph sz="half" idx="1"/>
-          </p:nvPr>
-        </p:nvSpPr>
-        <p:spPr/>
-        <p:txBody>
-          <a:bodyPr/>
-          <a:lstStyle/>
-          <a:p>
-            <a:r>
-              <a:rPr lang="en-US" dirty="0"/>
-              <a:t>Symbolic Regression</a:t>
-            </a:r>
-          </a:p>
-          <a:p>
-            <a:pPr lvl="1"/>
-            <a:r>
-              <a:rPr lang="en-US" dirty="0"/>
-              <a:t>Finding a mathematical expression that best fits a curve</a:t>
-            </a:r>
-          </a:p>
-          <a:p>
-            <a:r>
-              <a:rPr lang="en-US" dirty="0"/>
-              <a:t>Rule-based GP</a:t>
-            </a:r>
-          </a:p>
-          <a:p>
-            <a:r>
-              <a:rPr lang="en-US" dirty="0"/>
-              <a:t>Fitness Function – Sum of Square Residuals (right)</a:t>
-            </a:r>
-          </a:p>
-          <a:p>
-            <a:r>
-              <a:rPr lang="en-US" dirty="0"/>
-              <a:t>Similar to Ordinary Least Squares (OLS) econometric regression testing</a:t>
-            </a:r>
-          </a:p>
-        </p:txBody>
-      </p:sp>
-      <p:pic>
-        <p:nvPicPr>
-          <p:cNvPr id="5" name="Content Placeholder 4"/>
-          <p:cNvPicPr>
-            <a:picLocks noGrp="1" noChangeAspect="1"/>
-          </p:cNvPicPr>
-          <p:nvPr>
-            <p:ph sz="half" idx="2"/>
-          </p:nvPr>
-        </p:nvPicPr>
-        <p:blipFill>
-          <a:blip r:embed="rId3">
-            <a:extLst>
-              <a:ext uri="{28A0092B-C50C-407E-A947-70E740481C1C}">
-                <a14:useLocalDpi xmlns:a14="http://schemas.microsoft.com/office/drawing/2010/main" val="0"/>
-              </a:ext>
-            </a:extLst>
-          </a:blip>
-          <a:stretch>
-            <a:fillRect/>
-          </a:stretch>
-        </p:blipFill>
-        <p:spPr>
-          <a:xfrm>
-            <a:off x="6742112" y="1949456"/>
-            <a:ext cx="4013270" cy="3559169"/>
-          </a:xfrm>
-        </p:spPr>
-      </p:pic>
-    </p:spTree>
-    <p:extLst>
-      <p:ext uri="{BB962C8B-B14F-4D97-AF65-F5344CB8AC3E}">
-        <p14:creationId xmlns:p14="http://schemas.microsoft.com/office/powerpoint/2010/main" val="2853788422"/>
-      </p:ext>
-    </p:extLst>
-  </p:cSld>
-  <p:clrMapOvr>
-    <a:masterClrMapping/>
-  </p:clrMapOvr>
-  <mc:AlternateContent xmlns:mc="http://schemas.openxmlformats.org/markup-compatibility/2006" xmlns:p14="http://schemas.microsoft.com/office/powerpoint/2010/main">
-    <mc:Choice Requires="p14">
-      <p:transition spd="med" p14:dur="700">
-        <p:fade/>
-      </p:transition>
-    </mc:Choice>
-    <mc:Fallback xmlns="">
-      <p:transition spd="med">
-        <p:fade/>
-      </p:transition>
-    </mc:Fallback>
-  </mc:AlternateContent>
-  <p:timing>
-    <p:tnLst>
-      <p:par>
-        <p:cTn id="1" dur="indefinite" restart="never" nodeType="tmRoot">
-          <p:childTnLst>
-            <p:seq concurrent="1" nextAc="seek">
-              <p:cTn id="2" dur="indefinite" nodeType="mainSeq">
-                <p:childTnLst>
-                  <p:par>
-                    <p:cTn id="3" fill="hold">
-                      <p:stCondLst>
-                        <p:cond delay="indefinite"/>
-                      </p:stCondLst>
-                      <p:childTnLst>
-                        <p:par>
-                          <p:cTn id="4" fill="hold">
-                            <p:stCondLst>
-                              <p:cond delay="0"/>
-                            </p:stCondLst>
-                            <p:childTnLst>
-                              <p:par>
-                                <p:cTn id="5" presetID="10" presetClass="entr" presetSubtype="0" fill="hold" grpId="0" nodeType="clickEffect">
-                                  <p:stCondLst>
-                                    <p:cond delay="0"/>
-                                  </p:stCondLst>
-                                  <p:childTnLst>
-                                    <p:set>
-                                      <p:cBhvr>
-                                        <p:cTn id="6" dur="1" fill="hold">
-                                          <p:stCondLst>
-                                            <p:cond delay="0"/>
-                                          </p:stCondLst>
-                                        </p:cTn>
-                                        <p:tgtEl>
-                                          <p:spTgt spid="3">
-                                            <p:txEl>
-                                              <p:pRg st="0" end="0"/>
-                                            </p:txEl>
-                                          </p:spTgt>
-                                        </p:tgtEl>
-                                        <p:attrNameLst>
-                                          <p:attrName>style.visibility</p:attrName>
-                                        </p:attrNameLst>
-                                      </p:cBhvr>
-                                      <p:to>
-                                        <p:strVal val="visible"/>
-                                      </p:to>
-                                    </p:set>
-                                    <p:animEffect transition="in" filter="fade">
-                                      <p:cBhvr>
-                                        <p:cTn id="7" dur="500"/>
-                                        <p:tgtEl>
-                                          <p:spTgt spid="3">
-                                            <p:txEl>
-                                              <p:pRg st="0" end="0"/>
-                                            </p:txEl>
-                                          </p:spTgt>
-                                        </p:tgtEl>
-                                      </p:cBhvr>
-                                    </p:animEffect>
-                                  </p:childTnLst>
-                                </p:cTn>
-                              </p:par>
-                              <p:par>
-                                <p:cTn id="8" presetID="10" presetClass="entr" presetSubtype="0" fill="hold" grpId="0" nodeType="withEffect">
-                                  <p:stCondLst>
-                                    <p:cond delay="0"/>
-                                  </p:stCondLst>
-                                  <p:childTnLst>
-                                    <p:set>
-                                      <p:cBhvr>
-                                        <p:cTn id="9" dur="1" fill="hold">
-                                          <p:stCondLst>
-                                            <p:cond delay="0"/>
-                                          </p:stCondLst>
-                                        </p:cTn>
-                                        <p:tgtEl>
-                                          <p:spTgt spid="3">
-                                            <p:txEl>
-                                              <p:pRg st="1" end="1"/>
-                                            </p:txEl>
-                                          </p:spTgt>
-                                        </p:tgtEl>
-                                        <p:attrNameLst>
-                                          <p:attrName>style.visibility</p:attrName>
-                                        </p:attrNameLst>
-                                      </p:cBhvr>
-                                      <p:to>
-                                        <p:strVal val="visible"/>
-                                      </p:to>
-                                    </p:set>
-                                    <p:animEffect transition="in" filter="fade">
-                                      <p:cBhvr>
-                                        <p:cTn id="10" dur="500"/>
-                                        <p:tgtEl>
-                                          <p:spTgt spid="3">
-                                            <p:txEl>
-                                              <p:pRg st="1" end="1"/>
-                                            </p:txEl>
-                                          </p:spTgt>
-                                        </p:tgtEl>
-                                      </p:cBhvr>
-                                    </p:animEffect>
-                                  </p:childTnLst>
-                                </p:cTn>
-                              </p:par>
-                            </p:childTnLst>
-                          </p:cTn>
-                        </p:par>
-                      </p:childTnLst>
-                    </p:cTn>
-                  </p:par>
-                  <p:par>
-                    <p:cTn id="11" fill="hold">
-                      <p:stCondLst>
-                        <p:cond delay="indefinite"/>
-                      </p:stCondLst>
-                      <p:childTnLst>
-                        <p:par>
-                          <p:cTn id="12" fill="hold">
-                            <p:stCondLst>
-                              <p:cond delay="0"/>
-                            </p:stCondLst>
-                            <p:childTnLst>
-                              <p:par>
-                                <p:cTn id="13" presetID="10" presetClass="entr" presetSubtype="0" fill="hold" grpId="0" nodeType="clickEffect">
-                                  <p:stCondLst>
-                                    <p:cond delay="0"/>
-                                  </p:stCondLst>
-                                  <p:childTnLst>
-                                    <p:set>
-                                      <p:cBhvr>
-                                        <p:cTn id="14" dur="1" fill="hold">
-                                          <p:stCondLst>
-                                            <p:cond delay="0"/>
-                                          </p:stCondLst>
-                                        </p:cTn>
-                                        <p:tgtEl>
-                                          <p:spTgt spid="3">
-                                            <p:txEl>
-                                              <p:pRg st="2" end="2"/>
-                                            </p:txEl>
-                                          </p:spTgt>
-                                        </p:tgtEl>
-                                        <p:attrNameLst>
-                                          <p:attrName>style.visibility</p:attrName>
-                                        </p:attrNameLst>
-                                      </p:cBhvr>
-                                      <p:to>
-                                        <p:strVal val="visible"/>
-                                      </p:to>
-                                    </p:set>
-                                    <p:animEffect transition="in" filter="fade">
-                                      <p:cBhvr>
-                                        <p:cTn id="15" dur="500"/>
-                                        <p:tgtEl>
-                                          <p:spTgt spid="3">
-                                            <p:txEl>
-                                              <p:pRg st="2" end="2"/>
-                                            </p:txEl>
-                                          </p:spTgt>
-                                        </p:tgtEl>
-                                      </p:cBhvr>
-                                    </p:animEffect>
-                                  </p:childTnLst>
-                                </p:cTn>
-                              </p:par>
-                            </p:childTnLst>
-                          </p:cTn>
-                        </p:par>
-                      </p:childTnLst>
-                    </p:cTn>
-                  </p:par>
-                  <p:par>
-                    <p:cTn id="16" fill="hold">
-                      <p:stCondLst>
-                        <p:cond delay="indefinite"/>
-                      </p:stCondLst>
-                      <p:childTnLst>
-                        <p:par>
-                          <p:cTn id="17" fill="hold">
-                            <p:stCondLst>
-                              <p:cond delay="0"/>
-                            </p:stCondLst>
-                            <p:childTnLst>
-                              <p:par>
-                                <p:cTn id="18" presetID="10" presetClass="entr" presetSubtype="0" fill="hold" grpId="0" nodeType="clickEffect">
-                                  <p:stCondLst>
-                                    <p:cond delay="0"/>
-                                  </p:stCondLst>
-                                  <p:childTnLst>
-                                    <p:set>
-                                      <p:cBhvr>
-                                        <p:cTn id="19" dur="1" fill="hold">
-                                          <p:stCondLst>
-                                            <p:cond delay="0"/>
-                                          </p:stCondLst>
-                                        </p:cTn>
-                                        <p:tgtEl>
-                                          <p:spTgt spid="3">
-                                            <p:txEl>
-                                              <p:pRg st="3" end="3"/>
-                                            </p:txEl>
-                                          </p:spTgt>
-                                        </p:tgtEl>
-                                        <p:attrNameLst>
-                                          <p:attrName>style.visibility</p:attrName>
-                                        </p:attrNameLst>
-                                      </p:cBhvr>
-                                      <p:to>
-                                        <p:strVal val="visible"/>
-                                      </p:to>
-                                    </p:set>
-                                    <p:animEffect transition="in" filter="fade">
-                                      <p:cBhvr>
-                                        <p:cTn id="20" dur="500"/>
-                                        <p:tgtEl>
-                                          <p:spTgt spid="3">
-                                            <p:txEl>
-                                              <p:pRg st="3" end="3"/>
-                                            </p:txEl>
-                                          </p:spTgt>
-                                        </p:tgtEl>
-                                      </p:cBhvr>
-                                    </p:animEffect>
-                                  </p:childTnLst>
-                                </p:cTn>
-                              </p:par>
-                            </p:childTnLst>
-                          </p:cTn>
-                        </p:par>
-                      </p:childTnLst>
-                    </p:cTn>
-                  </p:par>
-                  <p:par>
-                    <p:cTn id="21" fill="hold">
-                      <p:stCondLst>
-                        <p:cond delay="indefinite"/>
-                      </p:stCondLst>
-                      <p:childTnLst>
-                        <p:par>
-                          <p:cTn id="22" fill="hold">
-                            <p:stCondLst>
-                              <p:cond delay="0"/>
-                            </p:stCondLst>
-                            <p:childTnLst>
-                              <p:par>
-                                <p:cTn id="23" presetID="10" presetClass="entr" presetSubtype="0" fill="hold" nodeType="clickEffect">
-                                  <p:stCondLst>
-                                    <p:cond delay="0"/>
-                                  </p:stCondLst>
-                                  <p:childTnLst>
-                                    <p:set>
-                                      <p:cBhvr>
-                                        <p:cTn id="24" dur="1" fill="hold">
-                                          <p:stCondLst>
-                                            <p:cond delay="0"/>
-                                          </p:stCondLst>
-                                        </p:cTn>
-                                        <p:tgtEl>
-                                          <p:spTgt spid="5"/>
-                                        </p:tgtEl>
-                                        <p:attrNameLst>
-                                          <p:attrName>style.visibility</p:attrName>
-                                        </p:attrNameLst>
-                                      </p:cBhvr>
-                                      <p:to>
-                                        <p:strVal val="visible"/>
-                                      </p:to>
-                                    </p:set>
-                                    <p:animEffect transition="in" filter="fade">
-                                      <p:cBhvr>
-                                        <p:cTn id="25" dur="500"/>
-                                        <p:tgtEl>
-                                          <p:spTgt spid="5"/>
-                                        </p:tgtEl>
-                                      </p:cBhvr>
-                                    </p:animEffect>
-                                  </p:childTnLst>
-                                </p:cTn>
-                              </p:par>
-                            </p:childTnLst>
-                          </p:cTn>
-                        </p:par>
-                      </p:childTnLst>
-                    </p:cTn>
-                  </p:par>
-                  <p:par>
-                    <p:cTn id="26" fill="hold">
-                      <p:stCondLst>
-                        <p:cond delay="indefinite"/>
-                      </p:stCondLst>
-                      <p:childTnLst>
-                        <p:par>
-                          <p:cTn id="27" fill="hold">
-                            <p:stCondLst>
-                              <p:cond delay="0"/>
-                            </p:stCondLst>
-                            <p:childTnLst>
-                              <p:par>
-                                <p:cTn id="28" presetID="10" presetClass="entr" presetSubtype="0" fill="hold" nodeType="clickEffect">
-                                  <p:stCondLst>
-                                    <p:cond delay="0"/>
-                                  </p:stCondLst>
-                                  <p:childTnLst>
-                                    <p:set>
-                                      <p:cBhvr>
-                                        <p:cTn id="29" dur="1" fill="hold">
-                                          <p:stCondLst>
-                                            <p:cond delay="0"/>
-                                          </p:stCondLst>
-                                        </p:cTn>
-                                        <p:tgtEl>
-                                          <p:spTgt spid="3">
-                                            <p:txEl>
-                                              <p:pRg st="4" end="4"/>
-                                            </p:txEl>
-                                          </p:spTgt>
-                                        </p:tgtEl>
-                                        <p:attrNameLst>
-                                          <p:attrName>style.visibility</p:attrName>
-                                        </p:attrNameLst>
-                                      </p:cBhvr>
-                                      <p:to>
-                                        <p:strVal val="visible"/>
-                                      </p:to>
-                                    </p:set>
-                                    <p:animEffect transition="in" filter="fade">
-                                      <p:cBhvr>
-                                        <p:cTn id="30" dur="500"/>
-                                        <p:tgtEl>
-                                          <p:spTgt spid="3">
-                                            <p:txEl>
-                                              <p:pRg st="4" end="4"/>
-                                            </p:txEl>
-                                          </p:spTgt>
-                                        </p:tgtEl>
-                                      </p:cBhvr>
-                                    </p:animEffect>
-                                  </p:childTnLst>
-                                </p:cTn>
-                              </p:par>
-                            </p:childTnLst>
-                          </p:cTn>
-                        </p:par>
-                      </p:childTnLst>
-                    </p:cTn>
-                  </p:par>
-                </p:childTnLst>
-              </p:cTn>
-              <p:prevCondLst>
-                <p:cond evt="onPrev" delay="0">
-                  <p:tgtEl>
-                    <p:sldTgt/>
-                  </p:tgtEl>
-                </p:cond>
-              </p:prevCondLst>
-              <p:nextCondLst>
-                <p:cond evt="onNext" delay="0">
-                  <p:tgtEl>
-                    <p:sldTgt/>
-                  </p:tgtEl>
-                </p:cond>
-              </p:nextCondLst>
-            </p:seq>
-          </p:childTnLst>
-        </p:cTn>
-      </p:par>
-    </p:tnLst>
-    <p:bldLst>
       <p:bldP spid="3" grpId="0" uiExpand="1" build="p"/>
     </p:bldLst>
   </p:timing>
@@ -14334,7 +14386,7 @@
                                         <p:tgtEl>
                                           <p:spTgt spid="3">
                                             <p:txEl>
-                                              <p:pRg st="0" end="0"/>
+                                              <p:pRg st="1" end="1"/>
                                             </p:txEl>
                                           </p:spTgt>
                                         </p:tgtEl>
@@ -14352,67 +14404,6 @@
                                         <p:tgtEl>
                                           <p:spTgt spid="3">
                                             <p:txEl>
-                                              <p:pRg st="0" end="0"/>
-                                            </p:txEl>
-                                          </p:spTgt>
-                                        </p:tgtEl>
-                                      </p:cBhvr>
-                                    </p:animEffect>
-                                  </p:childTnLst>
-                                </p:cTn>
-                              </p:par>
-                            </p:childTnLst>
-                          </p:cTn>
-                        </p:par>
-                      </p:childTnLst>
-                    </p:cTn>
-                  </p:par>
-                  <p:par>
-                    <p:cTn id="8" fill="hold">
-                      <p:stCondLst>
-                        <p:cond delay="indefinite"/>
-                      </p:stCondLst>
-                      <p:childTnLst>
-                        <p:par>
-                          <p:cTn id="9" fill="hold">
-                            <p:stCondLst>
-                              <p:cond delay="0"/>
-                            </p:stCondLst>
-                            <p:childTnLst>
-                              <p:par>
-                                <p:cTn id="10" presetID="10" presetClass="entr" presetSubtype="0" fill="hold" grpId="0" nodeType="clickEffect">
-                                  <p:stCondLst>
-                                    <p:cond delay="0"/>
-                                  </p:stCondLst>
-                                  <p:childTnLst>
-                                    <p:set>
-                                      <p:cBhvr>
-                                        <p:cTn id="11" dur="1" fill="hold">
-                                          <p:stCondLst>
-                                            <p:cond delay="0"/>
-                                          </p:stCondLst>
-                                        </p:cTn>
-                                        <p:tgtEl>
-                                          <p:spTgt spid="3">
-                                            <p:txEl>
-                                              <p:pRg st="1" end="1"/>
-                                            </p:txEl>
-                                          </p:spTgt>
-                                        </p:tgtEl>
-                                        <p:attrNameLst>
-                                          <p:attrName>style.visibility</p:attrName>
-                                        </p:attrNameLst>
-                                      </p:cBhvr>
-                                      <p:to>
-                                        <p:strVal val="visible"/>
-                                      </p:to>
-                                    </p:set>
-                                    <p:animEffect transition="in" filter="fade">
-                                      <p:cBhvr>
-                                        <p:cTn id="12" dur="500"/>
-                                        <p:tgtEl>
-                                          <p:spTgt spid="3">
-                                            <p:txEl>
                                               <p:pRg st="1" end="1"/>
                                             </p:txEl>
                                           </p:spTgt>
@@ -14423,14 +14414,14 @@
                                 </p:cTn>
                               </p:par>
                               <p:par>
-                                <p:cTn id="13" presetID="10" presetClass="entr" presetSubtype="0" fill="hold" grpId="0" nodeType="withEffect">
+                                <p:cTn id="8" presetID="10" presetClass="entr" presetSubtype="0" fill="hold" grpId="0" nodeType="withEffect">
                                   <p:stCondLst>
                                     <p:cond delay="0"/>
                                   </p:stCondLst>
                                   <p:childTnLst>
                                     <p:set>
                                       <p:cBhvr>
-                                        <p:cTn id="14" dur="1" fill="hold">
+                                        <p:cTn id="9" dur="1" fill="hold">
                                           <p:stCondLst>
                                             <p:cond delay="0"/>
                                           </p:stCondLst>
@@ -14452,7 +14443,7 @@
                                     </p:set>
                                     <p:animEffect transition="in" filter="fade">
                                       <p:cBhvr>
-                                        <p:cTn id="15" dur="500"/>
+                                        <p:cTn id="10" dur="500"/>
                                         <p:tgtEl>
                                           <p:spTgt spid="3">
                                             <p:txEl>
@@ -14472,26 +14463,26 @@
                     </p:cTn>
                   </p:par>
                   <p:par>
-                    <p:cTn id="16" fill="hold">
+                    <p:cTn id="11" fill="hold">
                       <p:stCondLst>
                         <p:cond delay="indefinite"/>
                       </p:stCondLst>
                       <p:childTnLst>
                         <p:par>
-                          <p:cTn id="17" fill="hold">
+                          <p:cTn id="12" fill="hold">
                             <p:stCondLst>
                               <p:cond delay="0"/>
                             </p:stCondLst>
                             <p:childTnLst>
                               <p:par>
-                                <p:cTn id="18" presetID="10" presetClass="entr" presetSubtype="0" fill="hold" grpId="0" nodeType="clickEffect">
+                                <p:cTn id="13" presetID="10" presetClass="entr" presetSubtype="0" fill="hold" grpId="0" nodeType="clickEffect">
                                   <p:stCondLst>
                                     <p:cond delay="0"/>
                                   </p:stCondLst>
                                   <p:childTnLst>
                                     <p:set>
                                       <p:cBhvr>
-                                        <p:cTn id="19" dur="1" fill="hold">
+                                        <p:cTn id="14" dur="1" fill="hold">
                                           <p:stCondLst>
                                             <p:cond delay="0"/>
                                           </p:stCondLst>
@@ -14513,7 +14504,7 @@
                                     </p:set>
                                     <p:animEffect transition="in" filter="fade">
                                       <p:cBhvr>
-                                        <p:cTn id="20" dur="500"/>
+                                        <p:cTn id="15" dur="500"/>
                                         <p:tgtEl>
                                           <p:spTgt spid="3">
                                             <p:txEl>
@@ -14554,7 +14545,7 @@
       </p:par>
     </p:tnLst>
     <p:bldLst>
-      <p:bldP spid="3" grpId="0" build="p"/>
+      <p:bldP spid="3" grpId="0" uiExpand="1" build="p"/>
     </p:bldLst>
   </p:timing>
 </p:sld>
@@ -15172,383 +15163,9 @@
   <p:timing>
     <p:tnLst>
       <p:par>
-        <p:cTn id="1" dur="indefinite" restart="never" nodeType="tmRoot">
-          <p:childTnLst>
-            <p:seq concurrent="1" nextAc="seek">
-              <p:cTn id="2" dur="indefinite" nodeType="mainSeq">
-                <p:childTnLst>
-                  <p:par>
-                    <p:cTn id="3" fill="hold">
-                      <p:stCondLst>
-                        <p:cond delay="indefinite"/>
-                      </p:stCondLst>
-                      <p:childTnLst>
-                        <p:par>
-                          <p:cTn id="4" fill="hold">
-                            <p:stCondLst>
-                              <p:cond delay="0"/>
-                            </p:stCondLst>
-                            <p:childTnLst>
-                              <p:par>
-                                <p:cTn id="5" presetID="10" presetClass="entr" presetSubtype="0" fill="hold" grpId="0" nodeType="clickEffect">
-                                  <p:stCondLst>
-                                    <p:cond delay="0"/>
-                                  </p:stCondLst>
-                                  <p:childTnLst>
-                                    <p:set>
-                                      <p:cBhvr>
-                                        <p:cTn id="6" dur="1" fill="hold">
-                                          <p:stCondLst>
-                                            <p:cond delay="0"/>
-                                          </p:stCondLst>
-                                        </p:cTn>
-                                        <p:tgtEl>
-                                          <p:spTgt spid="3">
-                                            <p:txEl>
-                                              <p:pRg st="0" end="0"/>
-                                            </p:txEl>
-                                          </p:spTgt>
-                                        </p:tgtEl>
-                                        <p:attrNameLst>
-                                          <p:attrName>style.visibility</p:attrName>
-                                        </p:attrNameLst>
-                                      </p:cBhvr>
-                                      <p:to>
-                                        <p:strVal val="visible"/>
-                                      </p:to>
-                                    </p:set>
-                                    <p:animEffect transition="in" filter="fade">
-                                      <p:cBhvr>
-                                        <p:cTn id="7" dur="500"/>
-                                        <p:tgtEl>
-                                          <p:spTgt spid="3">
-                                            <p:txEl>
-                                              <p:pRg st="0" end="0"/>
-                                            </p:txEl>
-                                          </p:spTgt>
-                                        </p:tgtEl>
-                                      </p:cBhvr>
-                                    </p:animEffect>
-                                  </p:childTnLst>
-                                </p:cTn>
-                              </p:par>
-                            </p:childTnLst>
-                          </p:cTn>
-                        </p:par>
-                      </p:childTnLst>
-                    </p:cTn>
-                  </p:par>
-                  <p:par>
-                    <p:cTn id="8" fill="hold">
-                      <p:stCondLst>
-                        <p:cond delay="indefinite"/>
-                      </p:stCondLst>
-                      <p:childTnLst>
-                        <p:par>
-                          <p:cTn id="9" fill="hold">
-                            <p:stCondLst>
-                              <p:cond delay="0"/>
-                            </p:stCondLst>
-                            <p:childTnLst>
-                              <p:par>
-                                <p:cTn id="10" presetID="10" presetClass="entr" presetSubtype="0" fill="hold" grpId="0" nodeType="clickEffect">
-                                  <p:stCondLst>
-                                    <p:cond delay="0"/>
-                                  </p:stCondLst>
-                                  <p:childTnLst>
-                                    <p:set>
-                                      <p:cBhvr>
-                                        <p:cTn id="11" dur="1" fill="hold">
-                                          <p:stCondLst>
-                                            <p:cond delay="0"/>
-                                          </p:stCondLst>
-                                        </p:cTn>
-                                        <p:tgtEl>
-                                          <p:spTgt spid="3">
-                                            <p:txEl>
-                                              <p:pRg st="1" end="1"/>
-                                            </p:txEl>
-                                          </p:spTgt>
-                                        </p:tgtEl>
-                                        <p:attrNameLst>
-                                          <p:attrName>style.visibility</p:attrName>
-                                        </p:attrNameLst>
-                                      </p:cBhvr>
-                                      <p:to>
-                                        <p:strVal val="visible"/>
-                                      </p:to>
-                                    </p:set>
-                                    <p:animEffect transition="in" filter="fade">
-                                      <p:cBhvr>
-                                        <p:cTn id="12" dur="500"/>
-                                        <p:tgtEl>
-                                          <p:spTgt spid="3">
-                                            <p:txEl>
-                                              <p:pRg st="1" end="1"/>
-                                            </p:txEl>
-                                          </p:spTgt>
-                                        </p:tgtEl>
-                                      </p:cBhvr>
-                                    </p:animEffect>
-                                  </p:childTnLst>
-                                </p:cTn>
-                              </p:par>
-                              <p:par>
-                                <p:cTn id="13" presetID="10" presetClass="entr" presetSubtype="0" fill="hold" grpId="0" nodeType="withEffect">
-                                  <p:stCondLst>
-                                    <p:cond delay="0"/>
-                                  </p:stCondLst>
-                                  <p:childTnLst>
-                                    <p:set>
-                                      <p:cBhvr>
-                                        <p:cTn id="14" dur="1" fill="hold">
-                                          <p:stCondLst>
-                                            <p:cond delay="0"/>
-                                          </p:stCondLst>
-                                        </p:cTn>
-                                        <p:tgtEl>
-                                          <p:spTgt spid="3">
-                                            <p:txEl>
-                                              <p:pRg st="2" end="2"/>
-                                            </p:txEl>
-                                          </p:spTgt>
-                                        </p:tgtEl>
-                                        <p:attrNameLst>
-                                          <p:attrName>style.visibility</p:attrName>
-                                        </p:attrNameLst>
-                                      </p:cBhvr>
-                                      <p:to>
-                                        <p:strVal val="visible"/>
-                                      </p:to>
-                                    </p:set>
-                                    <p:animEffect transition="in" filter="fade">
-                                      <p:cBhvr>
-                                        <p:cTn id="15" dur="500"/>
-                                        <p:tgtEl>
-                                          <p:spTgt spid="3">
-                                            <p:txEl>
-                                              <p:pRg st="2" end="2"/>
-                                            </p:txEl>
-                                          </p:spTgt>
-                                        </p:tgtEl>
-                                      </p:cBhvr>
-                                    </p:animEffect>
-                                  </p:childTnLst>
-                                </p:cTn>
-                              </p:par>
-                            </p:childTnLst>
-                          </p:cTn>
-                        </p:par>
-                      </p:childTnLst>
-                    </p:cTn>
-                  </p:par>
-                  <p:par>
-                    <p:cTn id="16" fill="hold">
-                      <p:stCondLst>
-                        <p:cond delay="indefinite"/>
-                      </p:stCondLst>
-                      <p:childTnLst>
-                        <p:par>
-                          <p:cTn id="17" fill="hold">
-                            <p:stCondLst>
-                              <p:cond delay="0"/>
-                            </p:stCondLst>
-                            <p:childTnLst>
-                              <p:par>
-                                <p:cTn id="18" presetID="10" presetClass="entr" presetSubtype="0" fill="hold" grpId="0" nodeType="clickEffect">
-                                  <p:stCondLst>
-                                    <p:cond delay="0"/>
-                                  </p:stCondLst>
-                                  <p:childTnLst>
-                                    <p:set>
-                                      <p:cBhvr>
-                                        <p:cTn id="19" dur="1" fill="hold">
-                                          <p:stCondLst>
-                                            <p:cond delay="0"/>
-                                          </p:stCondLst>
-                                        </p:cTn>
-                                        <p:tgtEl>
-                                          <p:spTgt spid="3">
-                                            <p:txEl>
-                                              <p:pRg st="3" end="3"/>
-                                            </p:txEl>
-                                          </p:spTgt>
-                                        </p:tgtEl>
-                                        <p:attrNameLst>
-                                          <p:attrName>style.visibility</p:attrName>
-                                        </p:attrNameLst>
-                                      </p:cBhvr>
-                                      <p:to>
-                                        <p:strVal val="visible"/>
-                                      </p:to>
-                                    </p:set>
-                                    <p:animEffect transition="in" filter="fade">
-                                      <p:cBhvr>
-                                        <p:cTn id="20" dur="500"/>
-                                        <p:tgtEl>
-                                          <p:spTgt spid="3">
-                                            <p:txEl>
-                                              <p:pRg st="3" end="3"/>
-                                            </p:txEl>
-                                          </p:spTgt>
-                                        </p:tgtEl>
-                                      </p:cBhvr>
-                                    </p:animEffect>
-                                  </p:childTnLst>
-                                </p:cTn>
-                              </p:par>
-                            </p:childTnLst>
-                          </p:cTn>
-                        </p:par>
-                      </p:childTnLst>
-                    </p:cTn>
-                  </p:par>
-                  <p:par>
-                    <p:cTn id="21" fill="hold">
-                      <p:stCondLst>
-                        <p:cond delay="indefinite"/>
-                      </p:stCondLst>
-                      <p:childTnLst>
-                        <p:par>
-                          <p:cTn id="22" fill="hold">
-                            <p:stCondLst>
-                              <p:cond delay="0"/>
-                            </p:stCondLst>
-                            <p:childTnLst>
-                              <p:par>
-                                <p:cTn id="23" presetID="10" presetClass="entr" presetSubtype="0" fill="hold" grpId="0" nodeType="clickEffect">
-                                  <p:stCondLst>
-                                    <p:cond delay="0"/>
-                                  </p:stCondLst>
-                                  <p:childTnLst>
-                                    <p:set>
-                                      <p:cBhvr>
-                                        <p:cTn id="24" dur="1" fill="hold">
-                                          <p:stCondLst>
-                                            <p:cond delay="0"/>
-                                          </p:stCondLst>
-                                        </p:cTn>
-                                        <p:tgtEl>
-                                          <p:spTgt spid="3">
-                                            <p:txEl>
-                                              <p:pRg st="4" end="4"/>
-                                            </p:txEl>
-                                          </p:spTgt>
-                                        </p:tgtEl>
-                                        <p:attrNameLst>
-                                          <p:attrName>style.visibility</p:attrName>
-                                        </p:attrNameLst>
-                                      </p:cBhvr>
-                                      <p:to>
-                                        <p:strVal val="visible"/>
-                                      </p:to>
-                                    </p:set>
-                                    <p:animEffect transition="in" filter="fade">
-                                      <p:cBhvr>
-                                        <p:cTn id="25" dur="500"/>
-                                        <p:tgtEl>
-                                          <p:spTgt spid="3">
-                                            <p:txEl>
-                                              <p:pRg st="4" end="4"/>
-                                            </p:txEl>
-                                          </p:spTgt>
-                                        </p:tgtEl>
-                                      </p:cBhvr>
-                                    </p:animEffect>
-                                  </p:childTnLst>
-                                </p:cTn>
-                              </p:par>
-                            </p:childTnLst>
-                          </p:cTn>
-                        </p:par>
-                      </p:childTnLst>
-                    </p:cTn>
-                  </p:par>
-                  <p:par>
-                    <p:cTn id="26" fill="hold">
-                      <p:stCondLst>
-                        <p:cond delay="indefinite"/>
-                      </p:stCondLst>
-                      <p:childTnLst>
-                        <p:par>
-                          <p:cTn id="27" fill="hold">
-                            <p:stCondLst>
-                              <p:cond delay="0"/>
-                            </p:stCondLst>
-                            <p:childTnLst>
-                              <p:par>
-                                <p:cTn id="28" presetID="10" presetClass="entr" presetSubtype="0" fill="hold" grpId="0" nodeType="clickEffect">
-                                  <p:stCondLst>
-                                    <p:cond delay="0"/>
-                                  </p:stCondLst>
-                                  <p:childTnLst>
-                                    <p:set>
-                                      <p:cBhvr>
-                                        <p:cTn id="29" dur="1" fill="hold">
-                                          <p:stCondLst>
-                                            <p:cond delay="0"/>
-                                          </p:stCondLst>
-                                        </p:cTn>
-                                        <p:tgtEl>
-                                          <p:spTgt spid="3">
-                                            <p:txEl>
-                                              <p:pRg st="5" end="5"/>
-                                            </p:txEl>
-                                          </p:spTgt>
-                                        </p:tgtEl>
-                                        <p:attrNameLst>
-                                          <p:attrName>style.visibility</p:attrName>
-                                        </p:attrNameLst>
-                                      </p:cBhvr>
-                                      <p:to>
-                                        <p:strVal val="visible"/>
-                                      </p:to>
-                                    </p:set>
-                                    <p:animEffect transition="in" filter="fade">
-                                      <p:cBhvr>
-                                        <p:cTn id="30" dur="500"/>
-                                        <p:tgtEl>
-                                          <p:spTgt spid="3">
-                                            <p:txEl>
-                                              <p:pRg st="5" end="5"/>
-                                            </p:txEl>
-                                          </p:spTgt>
-                                        </p:tgtEl>
-                                      </p:cBhvr>
-                                    </p:animEffect>
-                                  </p:childTnLst>
-                                </p:cTn>
-                              </p:par>
-                            </p:childTnLst>
-                          </p:cTn>
-                        </p:par>
-                      </p:childTnLst>
-                    </p:cTn>
-                  </p:par>
-                </p:childTnLst>
-              </p:cTn>
-              <p:prevCondLst>
-                <p:cond evt="onPrev" delay="0">
-                  <p:tgtEl>
-                    <p:sldTgt/>
-                  </p:tgtEl>
-                </p:cond>
-              </p:prevCondLst>
-              <p:nextCondLst>
-                <p:cond evt="onNext" delay="0">
-                  <p:tgtEl>
-                    <p:sldTgt/>
-                  </p:tgtEl>
-                </p:cond>
-              </p:nextCondLst>
-            </p:seq>
-          </p:childTnLst>
-        </p:cTn>
+        <p:cTn id="1" dur="indefinite" restart="never" nodeType="tmRoot"/>
       </p:par>
     </p:tnLst>
-    <p:bldLst>
-      <p:bldP spid="3" grpId="0" build="p"/>
-    </p:bldLst>
   </p:timing>
 </p:sld>
 </file>
@@ -15614,7 +15231,15 @@
           <a:p>
             <a:r>
               <a:rPr lang="en-CA" dirty="0"/>
-              <a:t>Chosen Data Dow Jones Industrial Average</a:t>
+              <a:t>Chosen </a:t>
+            </a:r>
+            <a:r>
+              <a:rPr lang="en-CA" dirty="0" smtClean="0"/>
+              <a:t>Data: </a:t>
+            </a:r>
+            <a:r>
+              <a:rPr lang="en-CA" dirty="0"/>
+              <a:t>Dow Jones Industrial Average</a:t>
             </a:r>
           </a:p>
           <a:p>
@@ -15731,7 +15356,7 @@
                                         <p:tgtEl>
                                           <p:spTgt spid="3">
                                             <p:txEl>
-                                              <p:pRg st="0" end="0"/>
+                                              <p:pRg st="1" end="1"/>
                                             </p:txEl>
                                           </p:spTgt>
                                         </p:tgtEl>
@@ -15749,7 +15374,7 @@
                                         <p:tgtEl>
                                           <p:spTgt spid="3">
                                             <p:txEl>
-                                              <p:pRg st="0" end="0"/>
+                                              <p:pRg st="1" end="1"/>
                                             </p:txEl>
                                           </p:spTgt>
                                         </p:tgtEl>
@@ -15792,7 +15417,7 @@
                                         <p:tgtEl>
                                           <p:spTgt spid="3">
                                             <p:txEl>
-                                              <p:pRg st="1" end="1"/>
+                                              <p:pRg st="2" end="2"/>
                                             </p:txEl>
                                           </p:spTgt>
                                         </p:tgtEl>
@@ -15810,7 +15435,7 @@
                                         <p:tgtEl>
                                           <p:spTgt spid="3">
                                             <p:txEl>
-                                              <p:pRg st="1" end="1"/>
+                                              <p:pRg st="2" end="2"/>
                                             </p:txEl>
                                           </p:spTgt>
                                         </p:tgtEl>
@@ -15851,11 +15476,7 @@
                                           </p:stCondLst>
                                         </p:cTn>
                                         <p:tgtEl>
-                                          <p:spTgt spid="3">
-                                            <p:txEl>
-                                              <p:pRg st="2" end="2"/>
-                                            </p:txEl>
-                                          </p:spTgt>
+                                          <p:spTgt spid="4"/>
                                         </p:tgtEl>
                                         <p:attrNameLst>
                                           <p:attrName>style.visibility</p:attrName>
@@ -15869,11 +15490,7 @@
                                       <p:cBhvr>
                                         <p:cTn id="17" dur="500"/>
                                         <p:tgtEl>
-                                          <p:spTgt spid="3">
-                                            <p:txEl>
-                                              <p:pRg st="2" end="2"/>
-                                            </p:txEl>
-                                          </p:spTgt>
+                                          <p:spTgt spid="4"/>
                                         </p:tgtEl>
                                       </p:cBhvr>
                                     </p:animEffect>
@@ -15912,59 +15529,6 @@
                                           </p:stCondLst>
                                         </p:cTn>
                                         <p:tgtEl>
-                                          <p:spTgt spid="4"/>
-                                        </p:tgtEl>
-                                        <p:attrNameLst>
-                                          <p:attrName>style.visibility</p:attrName>
-                                        </p:attrNameLst>
-                                      </p:cBhvr>
-                                      <p:to>
-                                        <p:strVal val="visible"/>
-                                      </p:to>
-                                    </p:set>
-                                    <p:animEffect transition="in" filter="fade">
-                                      <p:cBhvr>
-                                        <p:cTn id="22" dur="500"/>
-                                        <p:tgtEl>
-                                          <p:spTgt spid="4"/>
-                                        </p:tgtEl>
-                                      </p:cBhvr>
-                                    </p:animEffect>
-                                  </p:childTnLst>
-                                </p:cTn>
-                              </p:par>
-                            </p:childTnLst>
-                          </p:cTn>
-                        </p:par>
-                      </p:childTnLst>
-                    </p:cTn>
-                  </p:par>
-                  <p:par>
-                    <p:cTn id="23" fill="hold">
-                      <p:stCondLst>
-                        <p:cond delay="indefinite"/>
-                      </p:stCondLst>
-                      <p:childTnLst>
-                        <p:par>
-                          <p:cTn id="24" fill="hold">
-                            <p:stCondLst>
-                              <p:cond delay="0"/>
-                            </p:stCondLst>
-                            <p:childTnLst>
-                              <p:par>
-                                <p:cTn id="25" presetID="10" presetClass="entr" presetSubtype="0" fill="hold" nodeType="clickEffect">
-                                  <p:stCondLst>
-                                    <p:cond delay="0"/>
-                                  </p:stCondLst>
-                                  <p:childTnLst>
-                                    <p:set>
-                                      <p:cBhvr>
-                                        <p:cTn id="26" dur="1" fill="hold">
-                                          <p:stCondLst>
-                                            <p:cond delay="0"/>
-                                          </p:stCondLst>
-                                        </p:cTn>
-                                        <p:tgtEl>
                                           <p:spTgt spid="3">
                                             <p:txEl>
                                               <p:pRg st="3" end="3"/>
@@ -15981,7 +15545,7 @@
                                     </p:set>
                                     <p:animEffect transition="in" filter="fade">
                                       <p:cBhvr>
-                                        <p:cTn id="27" dur="500"/>
+                                        <p:cTn id="22" dur="500"/>
                                         <p:tgtEl>
                                           <p:spTgt spid="3">
                                             <p:txEl>
@@ -16129,14 +15693,14 @@
                 <a:gridCol w="2489200">
                   <a:extLst>
                     <a:ext uri="{9D8B030D-6E8A-4147-A177-3AD203B41FA5}">
-                      <a16:colId xmlns:a16="http://schemas.microsoft.com/office/drawing/2014/main" val="3042923453"/>
+                      <a16:colId xmlns:a16="http://schemas.microsoft.com/office/drawing/2014/main" xmlns="" val="3042923453"/>
                     </a:ext>
                   </a:extLst>
                 </a:gridCol>
                 <a:gridCol w="2489200">
                   <a:extLst>
                     <a:ext uri="{9D8B030D-6E8A-4147-A177-3AD203B41FA5}">
-                      <a16:colId xmlns:a16="http://schemas.microsoft.com/office/drawing/2014/main" val="3668010245"/>
+                      <a16:colId xmlns:a16="http://schemas.microsoft.com/office/drawing/2014/main" xmlns="" val="3668010245"/>
                     </a:ext>
                   </a:extLst>
                 </a:gridCol>
@@ -16172,7 +15736,7 @@
                 </a:tc>
                 <a:extLst>
                   <a:ext uri="{0D108BD9-81ED-4DB2-BD59-A6C34878D82A}">
-                    <a16:rowId xmlns:a16="http://schemas.microsoft.com/office/drawing/2014/main" val="3599683607"/>
+                    <a16:rowId xmlns:a16="http://schemas.microsoft.com/office/drawing/2014/main" xmlns="" val="3599683607"/>
                   </a:ext>
                 </a:extLst>
               </a:tr>
@@ -16207,7 +15771,7 @@
                 </a:tc>
                 <a:extLst>
                   <a:ext uri="{0D108BD9-81ED-4DB2-BD59-A6C34878D82A}">
-                    <a16:rowId xmlns:a16="http://schemas.microsoft.com/office/drawing/2014/main" val="3871596754"/>
+                    <a16:rowId xmlns:a16="http://schemas.microsoft.com/office/drawing/2014/main" xmlns="" val="3871596754"/>
                   </a:ext>
                 </a:extLst>
               </a:tr>
@@ -16242,7 +15806,7 @@
                 </a:tc>
                 <a:extLst>
                   <a:ext uri="{0D108BD9-81ED-4DB2-BD59-A6C34878D82A}">
-                    <a16:rowId xmlns:a16="http://schemas.microsoft.com/office/drawing/2014/main" val="1511813508"/>
+                    <a16:rowId xmlns:a16="http://schemas.microsoft.com/office/drawing/2014/main" xmlns="" val="1511813508"/>
                   </a:ext>
                 </a:extLst>
               </a:tr>
@@ -16277,7 +15841,7 @@
                 </a:tc>
                 <a:extLst>
                   <a:ext uri="{0D108BD9-81ED-4DB2-BD59-A6C34878D82A}">
-                    <a16:rowId xmlns:a16="http://schemas.microsoft.com/office/drawing/2014/main" val="1970786246"/>
+                    <a16:rowId xmlns:a16="http://schemas.microsoft.com/office/drawing/2014/main" xmlns="" val="1970786246"/>
                   </a:ext>
                 </a:extLst>
               </a:tr>
@@ -16312,7 +15876,7 @@
                 </a:tc>
                 <a:extLst>
                   <a:ext uri="{0D108BD9-81ED-4DB2-BD59-A6C34878D82A}">
-                    <a16:rowId xmlns:a16="http://schemas.microsoft.com/office/drawing/2014/main" val="620376632"/>
+                    <a16:rowId xmlns:a16="http://schemas.microsoft.com/office/drawing/2014/main" xmlns="" val="620376632"/>
                   </a:ext>
                 </a:extLst>
               </a:tr>
@@ -16347,7 +15911,7 @@
                 </a:tc>
                 <a:extLst>
                   <a:ext uri="{0D108BD9-81ED-4DB2-BD59-A6C34878D82A}">
-                    <a16:rowId xmlns:a16="http://schemas.microsoft.com/office/drawing/2014/main" val="1613152120"/>
+                    <a16:rowId xmlns:a16="http://schemas.microsoft.com/office/drawing/2014/main" xmlns="" val="1613152120"/>
                   </a:ext>
                 </a:extLst>
               </a:tr>
@@ -16382,7 +15946,7 @@
                 </a:tc>
                 <a:extLst>
                   <a:ext uri="{0D108BD9-81ED-4DB2-BD59-A6C34878D82A}">
-                    <a16:rowId xmlns:a16="http://schemas.microsoft.com/office/drawing/2014/main" val="2745308558"/>
+                    <a16:rowId xmlns:a16="http://schemas.microsoft.com/office/drawing/2014/main" xmlns="" val="2745308558"/>
                   </a:ext>
                 </a:extLst>
               </a:tr>
@@ -16417,7 +15981,7 @@
                 </a:tc>
                 <a:extLst>
                   <a:ext uri="{0D108BD9-81ED-4DB2-BD59-A6C34878D82A}">
-                    <a16:rowId xmlns:a16="http://schemas.microsoft.com/office/drawing/2014/main" val="3619237203"/>
+                    <a16:rowId xmlns:a16="http://schemas.microsoft.com/office/drawing/2014/main" xmlns="" val="3619237203"/>
                   </a:ext>
                 </a:extLst>
               </a:tr>
@@ -16483,7 +16047,7 @@
                                         <p:tgtEl>
                                           <p:spTgt spid="3">
                                             <p:txEl>
-                                              <p:pRg st="0" end="0"/>
+                                              <p:pRg st="1" end="1"/>
                                             </p:txEl>
                                           </p:spTgt>
                                         </p:tgtEl>
@@ -16501,67 +16065,6 @@
                                         <p:tgtEl>
                                           <p:spTgt spid="3">
                                             <p:txEl>
-                                              <p:pRg st="0" end="0"/>
-                                            </p:txEl>
-                                          </p:spTgt>
-                                        </p:tgtEl>
-                                      </p:cBhvr>
-                                    </p:animEffect>
-                                  </p:childTnLst>
-                                </p:cTn>
-                              </p:par>
-                            </p:childTnLst>
-                          </p:cTn>
-                        </p:par>
-                      </p:childTnLst>
-                    </p:cTn>
-                  </p:par>
-                  <p:par>
-                    <p:cTn id="8" fill="hold">
-                      <p:stCondLst>
-                        <p:cond delay="indefinite"/>
-                      </p:stCondLst>
-                      <p:childTnLst>
-                        <p:par>
-                          <p:cTn id="9" fill="hold">
-                            <p:stCondLst>
-                              <p:cond delay="0"/>
-                            </p:stCondLst>
-                            <p:childTnLst>
-                              <p:par>
-                                <p:cTn id="10" presetID="10" presetClass="entr" presetSubtype="0" fill="hold" grpId="0" nodeType="clickEffect">
-                                  <p:stCondLst>
-                                    <p:cond delay="0"/>
-                                  </p:stCondLst>
-                                  <p:childTnLst>
-                                    <p:set>
-                                      <p:cBhvr>
-                                        <p:cTn id="11" dur="1" fill="hold">
-                                          <p:stCondLst>
-                                            <p:cond delay="0"/>
-                                          </p:stCondLst>
-                                        </p:cTn>
-                                        <p:tgtEl>
-                                          <p:spTgt spid="3">
-                                            <p:txEl>
-                                              <p:pRg st="1" end="1"/>
-                                            </p:txEl>
-                                          </p:spTgt>
-                                        </p:tgtEl>
-                                        <p:attrNameLst>
-                                          <p:attrName>style.visibility</p:attrName>
-                                        </p:attrNameLst>
-                                      </p:cBhvr>
-                                      <p:to>
-                                        <p:strVal val="visible"/>
-                                      </p:to>
-                                    </p:set>
-                                    <p:animEffect transition="in" filter="fade">
-                                      <p:cBhvr>
-                                        <p:cTn id="12" dur="500"/>
-                                        <p:tgtEl>
-                                          <p:spTgt spid="3">
-                                            <p:txEl>
                                               <p:pRg st="1" end="1"/>
                                             </p:txEl>
                                           </p:spTgt>
@@ -16572,14 +16075,14 @@
                                 </p:cTn>
                               </p:par>
                               <p:par>
-                                <p:cTn id="13" presetID="10" presetClass="entr" presetSubtype="0" fill="hold" nodeType="withEffect">
+                                <p:cTn id="8" presetID="10" presetClass="entr" presetSubtype="0" fill="hold" nodeType="withEffect">
                                   <p:stCondLst>
                                     <p:cond delay="0"/>
                                   </p:stCondLst>
                                   <p:childTnLst>
                                     <p:set>
                                       <p:cBhvr>
-                                        <p:cTn id="14" dur="1" fill="hold">
+                                        <p:cTn id="9" dur="1" fill="hold">
                                           <p:stCondLst>
                                             <p:cond delay="0"/>
                                           </p:stCondLst>
@@ -16597,7 +16100,7 @@
                                     </p:set>
                                     <p:animEffect transition="in" filter="fade">
                                       <p:cBhvr>
-                                        <p:cTn id="15" dur="500"/>
+                                        <p:cTn id="10" dur="500"/>
                                         <p:tgtEl>
                                           <p:spTgt spid="5"/>
                                         </p:tgtEl>
@@ -16634,7 +16137,7 @@
       </p:par>
     </p:tnLst>
     <p:bldLst>
-      <p:bldP spid="3" grpId="0" build="p"/>
+      <p:bldP spid="3" grpId="0" uiExpand="1" build="p"/>
     </p:bldLst>
   </p:timing>
 </p:sld>
